--- a/CV-AJTR.pptx
+++ b/CV-AJTR.pptx
@@ -4,10 +4,14 @@
   <p:sldMasterIdLst>
     <p:sldMasterId id="2147483648" r:id="rId1"/>
   </p:sldMasterIdLst>
+  <p:notesMasterIdLst>
+    <p:notesMasterId r:id="rId6"/>
+  </p:notesMasterIdLst>
   <p:sldIdLst>
     <p:sldId id="257" r:id="rId2"/>
     <p:sldId id="258" r:id="rId3"/>
     <p:sldId id="256" r:id="rId4"/>
+    <p:sldId id="259" r:id="rId5"/>
   </p:sldIdLst>
   <p:sldSz cx="12192000" cy="6858000"/>
   <p:notesSz cx="6858000" cy="9144000"/>
@@ -7932,6 +7936,439 @@
 </dgm:styleDef>
 </file>
 
+<file path=ppt/notesMasters/notesMaster1.xml><?xml version="1.0" encoding="utf-8"?>
+<p:notesMaster xmlns:a="http://schemas.openxmlformats.org/drawingml/2006/main" xmlns:r="http://schemas.openxmlformats.org/officeDocument/2006/relationships" xmlns:p="http://schemas.openxmlformats.org/presentationml/2006/main">
+  <p:cSld>
+    <p:bg>
+      <p:bgRef idx="1001">
+        <a:schemeClr val="bg1"/>
+      </p:bgRef>
+    </p:bg>
+    <p:spTree>
+      <p:nvGrpSpPr>
+        <p:cNvPr id="1" name=""/>
+        <p:cNvGrpSpPr/>
+        <p:nvPr/>
+      </p:nvGrpSpPr>
+      <p:grpSpPr>
+        <a:xfrm>
+          <a:off x="0" y="0"/>
+          <a:ext cx="0" cy="0"/>
+          <a:chOff x="0" y="0"/>
+          <a:chExt cx="0" cy="0"/>
+        </a:xfrm>
+      </p:grpSpPr>
+      <p:sp>
+        <p:nvSpPr>
+          <p:cNvPr id="2" name="Marcador de encabezado 1"/>
+          <p:cNvSpPr>
+            <a:spLocks noGrp="1"/>
+          </p:cNvSpPr>
+          <p:nvPr>
+            <p:ph type="hdr" sz="quarter"/>
+          </p:nvPr>
+        </p:nvSpPr>
+        <p:spPr>
+          <a:xfrm>
+            <a:off x="0" y="0"/>
+            <a:ext cx="2971800" cy="458788"/>
+          </a:xfrm>
+          <a:prstGeom prst="rect">
+            <a:avLst/>
+          </a:prstGeom>
+        </p:spPr>
+        <p:txBody>
+          <a:bodyPr vert="horz" lIns="91440" tIns="45720" rIns="91440" bIns="45720" rtlCol="0"/>
+          <a:lstStyle>
+            <a:lvl1pPr algn="l">
+              <a:defRPr sz="1200"/>
+            </a:lvl1pPr>
+          </a:lstStyle>
+          <a:p>
+            <a:endParaRPr lang="es-ES"/>
+          </a:p>
+        </p:txBody>
+      </p:sp>
+      <p:sp>
+        <p:nvSpPr>
+          <p:cNvPr id="3" name="Marcador de fecha 2"/>
+          <p:cNvSpPr>
+            <a:spLocks noGrp="1"/>
+          </p:cNvSpPr>
+          <p:nvPr>
+            <p:ph type="dt" idx="1"/>
+          </p:nvPr>
+        </p:nvSpPr>
+        <p:spPr>
+          <a:xfrm>
+            <a:off x="3884613" y="0"/>
+            <a:ext cx="2971800" cy="458788"/>
+          </a:xfrm>
+          <a:prstGeom prst="rect">
+            <a:avLst/>
+          </a:prstGeom>
+        </p:spPr>
+        <p:txBody>
+          <a:bodyPr vert="horz" lIns="91440" tIns="45720" rIns="91440" bIns="45720" rtlCol="0"/>
+          <a:lstStyle>
+            <a:lvl1pPr algn="r">
+              <a:defRPr sz="1200"/>
+            </a:lvl1pPr>
+          </a:lstStyle>
+          <a:p>
+            <a:fld id="{ED151C14-CE9E-4E23-B501-D21E82FDEE26}" type="datetimeFigureOut">
+              <a:rPr lang="es-ES" smtClean="0"/>
+              <a:t>15/08/2022</a:t>
+            </a:fld>
+            <a:endParaRPr lang="es-ES"/>
+          </a:p>
+        </p:txBody>
+      </p:sp>
+      <p:sp>
+        <p:nvSpPr>
+          <p:cNvPr id="4" name="Marcador de imagen de diapositiva 3"/>
+          <p:cNvSpPr>
+            <a:spLocks noGrp="1" noRot="1" noChangeAspect="1"/>
+          </p:cNvSpPr>
+          <p:nvPr>
+            <p:ph type="sldImg" idx="2"/>
+          </p:nvPr>
+        </p:nvSpPr>
+        <p:spPr>
+          <a:xfrm>
+            <a:off x="685800" y="1143000"/>
+            <a:ext cx="5486400" cy="3086100"/>
+          </a:xfrm>
+          <a:prstGeom prst="rect">
+            <a:avLst/>
+          </a:prstGeom>
+          <a:noFill/>
+          <a:ln w="12700">
+            <a:solidFill>
+              <a:prstClr val="black"/>
+            </a:solidFill>
+          </a:ln>
+        </p:spPr>
+        <p:txBody>
+          <a:bodyPr vert="horz" lIns="91440" tIns="45720" rIns="91440" bIns="45720" rtlCol="0" anchor="ctr"/>
+          <a:lstStyle/>
+          <a:p>
+            <a:endParaRPr lang="es-ES"/>
+          </a:p>
+        </p:txBody>
+      </p:sp>
+      <p:sp>
+        <p:nvSpPr>
+          <p:cNvPr id="5" name="Marcador de notas 4"/>
+          <p:cNvSpPr>
+            <a:spLocks noGrp="1"/>
+          </p:cNvSpPr>
+          <p:nvPr>
+            <p:ph type="body" sz="quarter" idx="3"/>
+          </p:nvPr>
+        </p:nvSpPr>
+        <p:spPr>
+          <a:xfrm>
+            <a:off x="685800" y="4400550"/>
+            <a:ext cx="5486400" cy="3600450"/>
+          </a:xfrm>
+          <a:prstGeom prst="rect">
+            <a:avLst/>
+          </a:prstGeom>
+        </p:spPr>
+        <p:txBody>
+          <a:bodyPr vert="horz" lIns="91440" tIns="45720" rIns="91440" bIns="45720" rtlCol="0"/>
+          <a:lstStyle/>
+          <a:p>
+            <a:pPr lvl="0"/>
+            <a:r>
+              <a:rPr lang="es-ES"/>
+              <a:t>Haga clic para modificar los estilos de texto del patrón</a:t>
+            </a:r>
+          </a:p>
+          <a:p>
+            <a:pPr lvl="1"/>
+            <a:r>
+              <a:rPr lang="es-ES"/>
+              <a:t>Segundo nivel</a:t>
+            </a:r>
+          </a:p>
+          <a:p>
+            <a:pPr lvl="2"/>
+            <a:r>
+              <a:rPr lang="es-ES"/>
+              <a:t>Tercer nivel</a:t>
+            </a:r>
+          </a:p>
+          <a:p>
+            <a:pPr lvl="3"/>
+            <a:r>
+              <a:rPr lang="es-ES"/>
+              <a:t>Cuarto nivel</a:t>
+            </a:r>
+          </a:p>
+          <a:p>
+            <a:pPr lvl="4"/>
+            <a:r>
+              <a:rPr lang="es-ES"/>
+              <a:t>Quinto nivel</a:t>
+            </a:r>
+          </a:p>
+        </p:txBody>
+      </p:sp>
+      <p:sp>
+        <p:nvSpPr>
+          <p:cNvPr id="6" name="Marcador de pie de página 5"/>
+          <p:cNvSpPr>
+            <a:spLocks noGrp="1"/>
+          </p:cNvSpPr>
+          <p:nvPr>
+            <p:ph type="ftr" sz="quarter" idx="4"/>
+          </p:nvPr>
+        </p:nvSpPr>
+        <p:spPr>
+          <a:xfrm>
+            <a:off x="0" y="8685213"/>
+            <a:ext cx="2971800" cy="458787"/>
+          </a:xfrm>
+          <a:prstGeom prst="rect">
+            <a:avLst/>
+          </a:prstGeom>
+        </p:spPr>
+        <p:txBody>
+          <a:bodyPr vert="horz" lIns="91440" tIns="45720" rIns="91440" bIns="45720" rtlCol="0" anchor="b"/>
+          <a:lstStyle>
+            <a:lvl1pPr algn="l">
+              <a:defRPr sz="1200"/>
+            </a:lvl1pPr>
+          </a:lstStyle>
+          <a:p>
+            <a:endParaRPr lang="es-ES"/>
+          </a:p>
+        </p:txBody>
+      </p:sp>
+      <p:sp>
+        <p:nvSpPr>
+          <p:cNvPr id="7" name="Marcador de número de diapositiva 6"/>
+          <p:cNvSpPr>
+            <a:spLocks noGrp="1"/>
+          </p:cNvSpPr>
+          <p:nvPr>
+            <p:ph type="sldNum" sz="quarter" idx="5"/>
+          </p:nvPr>
+        </p:nvSpPr>
+        <p:spPr>
+          <a:xfrm>
+            <a:off x="3884613" y="8685213"/>
+            <a:ext cx="2971800" cy="458787"/>
+          </a:xfrm>
+          <a:prstGeom prst="rect">
+            <a:avLst/>
+          </a:prstGeom>
+        </p:spPr>
+        <p:txBody>
+          <a:bodyPr vert="horz" lIns="91440" tIns="45720" rIns="91440" bIns="45720" rtlCol="0" anchor="b"/>
+          <a:lstStyle>
+            <a:lvl1pPr algn="r">
+              <a:defRPr sz="1200"/>
+            </a:lvl1pPr>
+          </a:lstStyle>
+          <a:p>
+            <a:fld id="{92B4C8DF-C28A-471C-86BB-3EF8A157CB46}" type="slidenum">
+              <a:rPr lang="es-ES" smtClean="0"/>
+              <a:t>‹Nº›</a:t>
+            </a:fld>
+            <a:endParaRPr lang="es-ES"/>
+          </a:p>
+        </p:txBody>
+      </p:sp>
+    </p:spTree>
+    <p:extLst>
+      <p:ext uri="{BB962C8B-B14F-4D97-AF65-F5344CB8AC3E}">
+        <p14:creationId xmlns:p14="http://schemas.microsoft.com/office/powerpoint/2010/main" val="2940575519"/>
+      </p:ext>
+    </p:extLst>
+  </p:cSld>
+  <p:clrMap bg1="lt1" tx1="dk1" bg2="lt2" tx2="dk2" accent1="accent1" accent2="accent2" accent3="accent3" accent4="accent4" accent5="accent5" accent6="accent6" hlink="hlink" folHlink="folHlink"/>
+  <p:notesStyle>
+    <a:lvl1pPr marL="0" algn="l" defTabSz="914400" rtl="0" eaLnBrk="1" latinLnBrk="0" hangingPunct="1">
+      <a:defRPr sz="1200" kern="1200">
+        <a:solidFill>
+          <a:schemeClr val="tx1"/>
+        </a:solidFill>
+        <a:latin typeface="+mn-lt"/>
+        <a:ea typeface="+mn-ea"/>
+        <a:cs typeface="+mn-cs"/>
+      </a:defRPr>
+    </a:lvl1pPr>
+    <a:lvl2pPr marL="457200" algn="l" defTabSz="914400" rtl="0" eaLnBrk="1" latinLnBrk="0" hangingPunct="1">
+      <a:defRPr sz="1200" kern="1200">
+        <a:solidFill>
+          <a:schemeClr val="tx1"/>
+        </a:solidFill>
+        <a:latin typeface="+mn-lt"/>
+        <a:ea typeface="+mn-ea"/>
+        <a:cs typeface="+mn-cs"/>
+      </a:defRPr>
+    </a:lvl2pPr>
+    <a:lvl3pPr marL="914400" algn="l" defTabSz="914400" rtl="0" eaLnBrk="1" latinLnBrk="0" hangingPunct="1">
+      <a:defRPr sz="1200" kern="1200">
+        <a:solidFill>
+          <a:schemeClr val="tx1"/>
+        </a:solidFill>
+        <a:latin typeface="+mn-lt"/>
+        <a:ea typeface="+mn-ea"/>
+        <a:cs typeface="+mn-cs"/>
+      </a:defRPr>
+    </a:lvl3pPr>
+    <a:lvl4pPr marL="1371600" algn="l" defTabSz="914400" rtl="0" eaLnBrk="1" latinLnBrk="0" hangingPunct="1">
+      <a:defRPr sz="1200" kern="1200">
+        <a:solidFill>
+          <a:schemeClr val="tx1"/>
+        </a:solidFill>
+        <a:latin typeface="+mn-lt"/>
+        <a:ea typeface="+mn-ea"/>
+        <a:cs typeface="+mn-cs"/>
+      </a:defRPr>
+    </a:lvl4pPr>
+    <a:lvl5pPr marL="1828800" algn="l" defTabSz="914400" rtl="0" eaLnBrk="1" latinLnBrk="0" hangingPunct="1">
+      <a:defRPr sz="1200" kern="1200">
+        <a:solidFill>
+          <a:schemeClr val="tx1"/>
+        </a:solidFill>
+        <a:latin typeface="+mn-lt"/>
+        <a:ea typeface="+mn-ea"/>
+        <a:cs typeface="+mn-cs"/>
+      </a:defRPr>
+    </a:lvl5pPr>
+    <a:lvl6pPr marL="2286000" algn="l" defTabSz="914400" rtl="0" eaLnBrk="1" latinLnBrk="0" hangingPunct="1">
+      <a:defRPr sz="1200" kern="1200">
+        <a:solidFill>
+          <a:schemeClr val="tx1"/>
+        </a:solidFill>
+        <a:latin typeface="+mn-lt"/>
+        <a:ea typeface="+mn-ea"/>
+        <a:cs typeface="+mn-cs"/>
+      </a:defRPr>
+    </a:lvl6pPr>
+    <a:lvl7pPr marL="2743200" algn="l" defTabSz="914400" rtl="0" eaLnBrk="1" latinLnBrk="0" hangingPunct="1">
+      <a:defRPr sz="1200" kern="1200">
+        <a:solidFill>
+          <a:schemeClr val="tx1"/>
+        </a:solidFill>
+        <a:latin typeface="+mn-lt"/>
+        <a:ea typeface="+mn-ea"/>
+        <a:cs typeface="+mn-cs"/>
+      </a:defRPr>
+    </a:lvl7pPr>
+    <a:lvl8pPr marL="3200400" algn="l" defTabSz="914400" rtl="0" eaLnBrk="1" latinLnBrk="0" hangingPunct="1">
+      <a:defRPr sz="1200" kern="1200">
+        <a:solidFill>
+          <a:schemeClr val="tx1"/>
+        </a:solidFill>
+        <a:latin typeface="+mn-lt"/>
+        <a:ea typeface="+mn-ea"/>
+        <a:cs typeface="+mn-cs"/>
+      </a:defRPr>
+    </a:lvl8pPr>
+    <a:lvl9pPr marL="3657600" algn="l" defTabSz="914400" rtl="0" eaLnBrk="1" latinLnBrk="0" hangingPunct="1">
+      <a:defRPr sz="1200" kern="1200">
+        <a:solidFill>
+          <a:schemeClr val="tx1"/>
+        </a:solidFill>
+        <a:latin typeface="+mn-lt"/>
+        <a:ea typeface="+mn-ea"/>
+        <a:cs typeface="+mn-cs"/>
+      </a:defRPr>
+    </a:lvl9pPr>
+  </p:notesStyle>
+</p:notesMaster>
+</file>
+
+<file path=ppt/notesSlides/notesSlide1.xml><?xml version="1.0" encoding="utf-8"?>
+<p:notes xmlns:a="http://schemas.openxmlformats.org/drawingml/2006/main" xmlns:r="http://schemas.openxmlformats.org/officeDocument/2006/relationships" xmlns:p="http://schemas.openxmlformats.org/presentationml/2006/main">
+  <p:cSld>
+    <p:spTree>
+      <p:nvGrpSpPr>
+        <p:cNvPr id="1" name=""/>
+        <p:cNvGrpSpPr/>
+        <p:nvPr/>
+      </p:nvGrpSpPr>
+      <p:grpSpPr>
+        <a:xfrm>
+          <a:off x="0" y="0"/>
+          <a:ext cx="0" cy="0"/>
+          <a:chOff x="0" y="0"/>
+          <a:chExt cx="0" cy="0"/>
+        </a:xfrm>
+      </p:grpSpPr>
+      <p:sp>
+        <p:nvSpPr>
+          <p:cNvPr id="2" name="Marcador de imagen de diapositiva 1"/>
+          <p:cNvSpPr>
+            <a:spLocks noGrp="1" noRot="1" noChangeAspect="1"/>
+          </p:cNvSpPr>
+          <p:nvPr>
+            <p:ph type="sldImg"/>
+          </p:nvPr>
+        </p:nvSpPr>
+        <p:spPr/>
+      </p:sp>
+      <p:sp>
+        <p:nvSpPr>
+          <p:cNvPr id="3" name="Marcador de notas 2"/>
+          <p:cNvSpPr>
+            <a:spLocks noGrp="1"/>
+          </p:cNvSpPr>
+          <p:nvPr>
+            <p:ph type="body" idx="1"/>
+          </p:nvPr>
+        </p:nvSpPr>
+        <p:spPr/>
+        <p:txBody>
+          <a:bodyPr/>
+          <a:lstStyle/>
+          <a:p>
+            <a:endParaRPr lang="es-ES" dirty="0"/>
+          </a:p>
+        </p:txBody>
+      </p:sp>
+      <p:sp>
+        <p:nvSpPr>
+          <p:cNvPr id="4" name="Marcador de número de diapositiva 3"/>
+          <p:cNvSpPr>
+            <a:spLocks noGrp="1"/>
+          </p:cNvSpPr>
+          <p:nvPr>
+            <p:ph type="sldNum" sz="quarter" idx="5"/>
+          </p:nvPr>
+        </p:nvSpPr>
+        <p:spPr/>
+        <p:txBody>
+          <a:bodyPr/>
+          <a:lstStyle/>
+          <a:p>
+            <a:fld id="{92B4C8DF-C28A-471C-86BB-3EF8A157CB46}" type="slidenum">
+              <a:rPr lang="es-ES" smtClean="0"/>
+              <a:t>4</a:t>
+            </a:fld>
+            <a:endParaRPr lang="es-ES"/>
+          </a:p>
+        </p:txBody>
+      </p:sp>
+    </p:spTree>
+    <p:extLst>
+      <p:ext uri="{BB962C8B-B14F-4D97-AF65-F5344CB8AC3E}">
+        <p14:creationId xmlns:p14="http://schemas.microsoft.com/office/powerpoint/2010/main" val="2978363363"/>
+      </p:ext>
+    </p:extLst>
+  </p:cSld>
+  <p:clrMapOvr>
+    <a:masterClrMapping/>
+  </p:clrMapOvr>
+</p:notes>
+</file>
+
 <file path=ppt/slideLayouts/slideLayout1.xml><?xml version="1.0" encoding="utf-8"?>
 <p:sldLayout xmlns:a="http://schemas.openxmlformats.org/drawingml/2006/main" xmlns:r="http://schemas.openxmlformats.org/officeDocument/2006/relationships" xmlns:p="http://schemas.openxmlformats.org/presentationml/2006/main" type="title" preserve="1">
   <p:cSld name="Diapositiva de título">
@@ -8079,7 +8516,7 @@
           <a:p>
             <a:fld id="{35226B97-4BCC-4502-8449-40926CDAD38A}" type="datetimeFigureOut">
               <a:rPr lang="es-ES" smtClean="0"/>
-              <a:t>11/08/2022</a:t>
+              <a:t>15/08/2022</a:t>
             </a:fld>
             <a:endParaRPr lang="es-ES"/>
           </a:p>
@@ -8277,7 +8714,7 @@
           <a:p>
             <a:fld id="{35226B97-4BCC-4502-8449-40926CDAD38A}" type="datetimeFigureOut">
               <a:rPr lang="es-ES" smtClean="0"/>
-              <a:t>11/08/2022</a:t>
+              <a:t>15/08/2022</a:t>
             </a:fld>
             <a:endParaRPr lang="es-ES"/>
           </a:p>
@@ -8485,7 +8922,7 @@
           <a:p>
             <a:fld id="{35226B97-4BCC-4502-8449-40926CDAD38A}" type="datetimeFigureOut">
               <a:rPr lang="es-ES" smtClean="0"/>
-              <a:t>11/08/2022</a:t>
+              <a:t>15/08/2022</a:t>
             </a:fld>
             <a:endParaRPr lang="es-ES"/>
           </a:p>
@@ -8683,7 +9120,7 @@
           <a:p>
             <a:fld id="{35226B97-4BCC-4502-8449-40926CDAD38A}" type="datetimeFigureOut">
               <a:rPr lang="es-ES" smtClean="0"/>
-              <a:t>11/08/2022</a:t>
+              <a:t>15/08/2022</a:t>
             </a:fld>
             <a:endParaRPr lang="es-ES"/>
           </a:p>
@@ -8958,7 +9395,7 @@
           <a:p>
             <a:fld id="{35226B97-4BCC-4502-8449-40926CDAD38A}" type="datetimeFigureOut">
               <a:rPr lang="es-ES" smtClean="0"/>
-              <a:t>11/08/2022</a:t>
+              <a:t>15/08/2022</a:t>
             </a:fld>
             <a:endParaRPr lang="es-ES"/>
           </a:p>
@@ -9223,7 +9660,7 @@
           <a:p>
             <a:fld id="{35226B97-4BCC-4502-8449-40926CDAD38A}" type="datetimeFigureOut">
               <a:rPr lang="es-ES" smtClean="0"/>
-              <a:t>11/08/2022</a:t>
+              <a:t>15/08/2022</a:t>
             </a:fld>
             <a:endParaRPr lang="es-ES"/>
           </a:p>
@@ -9635,7 +10072,7 @@
           <a:p>
             <a:fld id="{35226B97-4BCC-4502-8449-40926CDAD38A}" type="datetimeFigureOut">
               <a:rPr lang="es-ES" smtClean="0"/>
-              <a:t>11/08/2022</a:t>
+              <a:t>15/08/2022</a:t>
             </a:fld>
             <a:endParaRPr lang="es-ES"/>
           </a:p>
@@ -9776,7 +10213,7 @@
           <a:p>
             <a:fld id="{35226B97-4BCC-4502-8449-40926CDAD38A}" type="datetimeFigureOut">
               <a:rPr lang="es-ES" smtClean="0"/>
-              <a:t>11/08/2022</a:t>
+              <a:t>15/08/2022</a:t>
             </a:fld>
             <a:endParaRPr lang="es-ES"/>
           </a:p>
@@ -9889,7 +10326,7 @@
           <a:p>
             <a:fld id="{35226B97-4BCC-4502-8449-40926CDAD38A}" type="datetimeFigureOut">
               <a:rPr lang="es-ES" smtClean="0"/>
-              <a:t>11/08/2022</a:t>
+              <a:t>15/08/2022</a:t>
             </a:fld>
             <a:endParaRPr lang="es-ES"/>
           </a:p>
@@ -10200,7 +10637,7 @@
           <a:p>
             <a:fld id="{35226B97-4BCC-4502-8449-40926CDAD38A}" type="datetimeFigureOut">
               <a:rPr lang="es-ES" smtClean="0"/>
-              <a:t>11/08/2022</a:t>
+              <a:t>15/08/2022</a:t>
             </a:fld>
             <a:endParaRPr lang="es-ES"/>
           </a:p>
@@ -10488,7 +10925,7 @@
           <a:p>
             <a:fld id="{35226B97-4BCC-4502-8449-40926CDAD38A}" type="datetimeFigureOut">
               <a:rPr lang="es-ES" smtClean="0"/>
-              <a:t>11/08/2022</a:t>
+              <a:t>15/08/2022</a:t>
             </a:fld>
             <a:endParaRPr lang="es-ES"/>
           </a:p>
@@ -10729,7 +11166,7 @@
           <a:p>
             <a:fld id="{35226B97-4BCC-4502-8449-40926CDAD38A}" type="datetimeFigureOut">
               <a:rPr lang="es-ES" smtClean="0"/>
-              <a:t>11/08/2022</a:t>
+              <a:t>15/08/2022</a:t>
             </a:fld>
             <a:endParaRPr lang="es-ES"/>
           </a:p>
@@ -12383,6 +12820,2202 @@
 </p:sld>
 </file>
 
+<file path=ppt/slides/slide4.xml><?xml version="1.0" encoding="utf-8"?>
+<p:sld xmlns:a="http://schemas.openxmlformats.org/drawingml/2006/main" xmlns:r="http://schemas.openxmlformats.org/officeDocument/2006/relationships" xmlns:p="http://schemas.openxmlformats.org/presentationml/2006/main">
+  <p:cSld>
+    <p:spTree>
+      <p:nvGrpSpPr>
+        <p:cNvPr id="1" name=""/>
+        <p:cNvGrpSpPr/>
+        <p:nvPr/>
+      </p:nvGrpSpPr>
+      <p:grpSpPr>
+        <a:xfrm>
+          <a:off x="0" y="0"/>
+          <a:ext cx="0" cy="0"/>
+          <a:chOff x="0" y="0"/>
+          <a:chExt cx="0" cy="0"/>
+        </a:xfrm>
+      </p:grpSpPr>
+      <p:sp>
+        <p:nvSpPr>
+          <p:cNvPr id="11" name="Rectángulo: esquinas redondeadas 10">
+            <a:extLst>
+              <a:ext uri="{FF2B5EF4-FFF2-40B4-BE49-F238E27FC236}">
+                <a16:creationId xmlns:a16="http://schemas.microsoft.com/office/drawing/2014/main" id="{BCCE70D9-BAF5-C5F1-4DF1-48F0CE72DE06}"/>
+              </a:ext>
+            </a:extLst>
+          </p:cNvPr>
+          <p:cNvSpPr/>
+          <p:nvPr/>
+        </p:nvSpPr>
+        <p:spPr>
+          <a:xfrm>
+            <a:off x="2235035" y="609623"/>
+            <a:ext cx="7641590" cy="454637"/>
+          </a:xfrm>
+          <a:prstGeom prst="roundRect">
+            <a:avLst>
+              <a:gd name="adj" fmla="val 1516"/>
+            </a:avLst>
+          </a:prstGeom>
+          <a:solidFill>
+            <a:schemeClr val="accent2"/>
+          </a:solidFill>
+          <a:ln>
+            <a:solidFill>
+              <a:schemeClr val="accent2"/>
+            </a:solidFill>
+          </a:ln>
+        </p:spPr>
+        <p:style>
+          <a:lnRef idx="2">
+            <a:schemeClr val="accent1">
+              <a:shade val="50000"/>
+            </a:schemeClr>
+          </a:lnRef>
+          <a:fillRef idx="1">
+            <a:schemeClr val="accent1"/>
+          </a:fillRef>
+          <a:effectRef idx="0">
+            <a:schemeClr val="accent1"/>
+          </a:effectRef>
+          <a:fontRef idx="minor">
+            <a:schemeClr val="lt1"/>
+          </a:fontRef>
+        </p:style>
+        <p:txBody>
+          <a:bodyPr rtlCol="0" anchor="ctr"/>
+          <a:lstStyle/>
+          <a:p>
+            <a:pPr algn="ctr"/>
+            <a:endParaRPr lang="es-ES" dirty="0"/>
+          </a:p>
+        </p:txBody>
+      </p:sp>
+      <p:sp>
+        <p:nvSpPr>
+          <p:cNvPr id="3" name="Rectángulo: esquinas redondeadas 2">
+            <a:extLst>
+              <a:ext uri="{FF2B5EF4-FFF2-40B4-BE49-F238E27FC236}">
+                <a16:creationId xmlns:a16="http://schemas.microsoft.com/office/drawing/2014/main" id="{BFB6EFF7-D763-1BE9-6DFF-F54299379CB0}"/>
+              </a:ext>
+            </a:extLst>
+          </p:cNvPr>
+          <p:cNvSpPr/>
+          <p:nvPr/>
+        </p:nvSpPr>
+        <p:spPr>
+          <a:xfrm>
+            <a:off x="2235035" y="1064260"/>
+            <a:ext cx="7641590" cy="1760220"/>
+          </a:xfrm>
+          <a:prstGeom prst="roundRect">
+            <a:avLst>
+              <a:gd name="adj" fmla="val 1516"/>
+            </a:avLst>
+          </a:prstGeom>
+          <a:noFill/>
+          <a:ln>
+            <a:solidFill>
+              <a:schemeClr val="accent2"/>
+            </a:solidFill>
+          </a:ln>
+        </p:spPr>
+        <p:style>
+          <a:lnRef idx="2">
+            <a:schemeClr val="accent1">
+              <a:shade val="50000"/>
+            </a:schemeClr>
+          </a:lnRef>
+          <a:fillRef idx="1">
+            <a:schemeClr val="accent1"/>
+          </a:fillRef>
+          <a:effectRef idx="0">
+            <a:schemeClr val="accent1"/>
+          </a:effectRef>
+          <a:fontRef idx="minor">
+            <a:schemeClr val="lt1"/>
+          </a:fontRef>
+        </p:style>
+        <p:txBody>
+          <a:bodyPr rtlCol="0" anchor="ctr"/>
+          <a:lstStyle/>
+          <a:p>
+            <a:pPr algn="ctr"/>
+            <a:endParaRPr lang="es-ES" dirty="0"/>
+          </a:p>
+        </p:txBody>
+      </p:sp>
+      <p:sp>
+        <p:nvSpPr>
+          <p:cNvPr id="8" name="Flecha: pentágono 7">
+            <a:extLst>
+              <a:ext uri="{FF2B5EF4-FFF2-40B4-BE49-F238E27FC236}">
+                <a16:creationId xmlns:a16="http://schemas.microsoft.com/office/drawing/2014/main" id="{7915841D-A17B-AE09-2EAF-DF8C70005CEC}"/>
+              </a:ext>
+            </a:extLst>
+          </p:cNvPr>
+          <p:cNvSpPr/>
+          <p:nvPr/>
+        </p:nvSpPr>
+        <p:spPr>
+          <a:xfrm>
+            <a:off x="2235034" y="1064260"/>
+            <a:ext cx="785811" cy="1760220"/>
+          </a:xfrm>
+          <a:prstGeom prst="homePlate">
+            <a:avLst>
+              <a:gd name="adj" fmla="val 48000"/>
+            </a:avLst>
+          </a:prstGeom>
+          <a:noFill/>
+          <a:ln>
+            <a:solidFill>
+              <a:schemeClr val="accent2"/>
+            </a:solidFill>
+          </a:ln>
+        </p:spPr>
+        <p:style>
+          <a:lnRef idx="2">
+            <a:schemeClr val="accent1">
+              <a:shade val="50000"/>
+            </a:schemeClr>
+          </a:lnRef>
+          <a:fillRef idx="1">
+            <a:schemeClr val="accent1"/>
+          </a:fillRef>
+          <a:effectRef idx="0">
+            <a:schemeClr val="accent1"/>
+          </a:effectRef>
+          <a:fontRef idx="minor">
+            <a:schemeClr val="lt1"/>
+          </a:fontRef>
+        </p:style>
+        <p:txBody>
+          <a:bodyPr rtlCol="0" anchor="ctr"/>
+          <a:lstStyle/>
+          <a:p>
+            <a:pPr algn="ctr"/>
+            <a:endParaRPr lang="es-ES" dirty="0"/>
+          </a:p>
+        </p:txBody>
+      </p:sp>
+      <p:sp>
+        <p:nvSpPr>
+          <p:cNvPr id="9" name="CuadroTexto 8">
+            <a:extLst>
+              <a:ext uri="{FF2B5EF4-FFF2-40B4-BE49-F238E27FC236}">
+                <a16:creationId xmlns:a16="http://schemas.microsoft.com/office/drawing/2014/main" id="{9F4FC301-847F-431A-C036-2B6EA670B58A}"/>
+              </a:ext>
+            </a:extLst>
+          </p:cNvPr>
+          <p:cNvSpPr txBox="1"/>
+          <p:nvPr/>
+        </p:nvSpPr>
+        <p:spPr>
+          <a:xfrm rot="16200000">
+            <a:off x="2016909" y="1627825"/>
+            <a:ext cx="1115241" cy="646331"/>
+          </a:xfrm>
+          <a:prstGeom prst="rect">
+            <a:avLst/>
+          </a:prstGeom>
+          <a:noFill/>
+        </p:spPr>
+        <p:txBody>
+          <a:bodyPr wrap="square" rtlCol="0">
+            <a:spAutoFit/>
+          </a:bodyPr>
+          <a:lstStyle/>
+          <a:p>
+            <a:pPr algn="ctr"/>
+            <a:r>
+              <a:rPr lang="es-ES" sz="2000" dirty="0"/>
+              <a:t>FASE 1</a:t>
+            </a:r>
+          </a:p>
+          <a:p>
+            <a:pPr algn="ctr"/>
+            <a:r>
+              <a:rPr lang="es-ES" sz="1600" dirty="0"/>
+              <a:t>(muestra)</a:t>
+            </a:r>
+          </a:p>
+        </p:txBody>
+      </p:sp>
+      <p:sp>
+        <p:nvSpPr>
+          <p:cNvPr id="10" name="CuadroTexto 9">
+            <a:extLst>
+              <a:ext uri="{FF2B5EF4-FFF2-40B4-BE49-F238E27FC236}">
+                <a16:creationId xmlns:a16="http://schemas.microsoft.com/office/drawing/2014/main" id="{78EE571A-42B3-D304-75ED-0A20B290C514}"/>
+              </a:ext>
+            </a:extLst>
+          </p:cNvPr>
+          <p:cNvSpPr txBox="1"/>
+          <p:nvPr/>
+        </p:nvSpPr>
+        <p:spPr>
+          <a:xfrm>
+            <a:off x="3260105" y="522343"/>
+            <a:ext cx="5659582" cy="615553"/>
+          </a:xfrm>
+          <a:prstGeom prst="rect">
+            <a:avLst/>
+          </a:prstGeom>
+          <a:noFill/>
+        </p:spPr>
+        <p:txBody>
+          <a:bodyPr wrap="square" rtlCol="0">
+            <a:spAutoFit/>
+          </a:bodyPr>
+          <a:lstStyle/>
+          <a:p>
+            <a:pPr algn="ctr"/>
+            <a:r>
+              <a:rPr lang="es-ES" sz="3400" dirty="0">
+                <a:solidFill>
+                  <a:schemeClr val="bg1"/>
+                </a:solidFill>
+              </a:rPr>
+              <a:t>Metodología Análisis de Datos</a:t>
+            </a:r>
+          </a:p>
+        </p:txBody>
+      </p:sp>
+      <p:sp>
+        <p:nvSpPr>
+          <p:cNvPr id="12" name="Nube 11">
+            <a:extLst>
+              <a:ext uri="{FF2B5EF4-FFF2-40B4-BE49-F238E27FC236}">
+                <a16:creationId xmlns:a16="http://schemas.microsoft.com/office/drawing/2014/main" id="{EE4A5193-6DA9-500B-1138-7F406D610092}"/>
+              </a:ext>
+            </a:extLst>
+          </p:cNvPr>
+          <p:cNvSpPr/>
+          <p:nvPr/>
+        </p:nvSpPr>
+        <p:spPr>
+          <a:xfrm>
+            <a:off x="5014339" y="1417880"/>
+            <a:ext cx="1204686" cy="1115242"/>
+          </a:xfrm>
+          <a:prstGeom prst="cloud">
+            <a:avLst/>
+          </a:prstGeom>
+          <a:noFill/>
+          <a:ln>
+            <a:solidFill>
+              <a:schemeClr val="bg1">
+                <a:lumMod val="50000"/>
+              </a:schemeClr>
+            </a:solidFill>
+          </a:ln>
+        </p:spPr>
+        <p:style>
+          <a:lnRef idx="2">
+            <a:schemeClr val="accent1">
+              <a:shade val="50000"/>
+            </a:schemeClr>
+          </a:lnRef>
+          <a:fillRef idx="1">
+            <a:schemeClr val="accent1"/>
+          </a:fillRef>
+          <a:effectRef idx="0">
+            <a:schemeClr val="accent1"/>
+          </a:effectRef>
+          <a:fontRef idx="minor">
+            <a:schemeClr val="lt1"/>
+          </a:fontRef>
+        </p:style>
+        <p:txBody>
+          <a:bodyPr rtlCol="0" anchor="ctr"/>
+          <a:lstStyle/>
+          <a:p>
+            <a:pPr algn="ctr"/>
+            <a:endParaRPr lang="es-ES" dirty="0"/>
+          </a:p>
+        </p:txBody>
+      </p:sp>
+      <p:sp>
+        <p:nvSpPr>
+          <p:cNvPr id="13" name="CuadroTexto 12">
+            <a:extLst>
+              <a:ext uri="{FF2B5EF4-FFF2-40B4-BE49-F238E27FC236}">
+                <a16:creationId xmlns:a16="http://schemas.microsoft.com/office/drawing/2014/main" id="{9219D332-CDFF-242A-031A-FC2005FFA60E}"/>
+              </a:ext>
+            </a:extLst>
+          </p:cNvPr>
+          <p:cNvSpPr txBox="1"/>
+          <p:nvPr/>
+        </p:nvSpPr>
+        <p:spPr>
+          <a:xfrm>
+            <a:off x="5082096" y="2061361"/>
+            <a:ext cx="953059" cy="338554"/>
+          </a:xfrm>
+          <a:prstGeom prst="rect">
+            <a:avLst/>
+          </a:prstGeom>
+          <a:noFill/>
+        </p:spPr>
+        <p:txBody>
+          <a:bodyPr wrap="square" rtlCol="0">
+            <a:spAutoFit/>
+          </a:bodyPr>
+          <a:lstStyle/>
+          <a:p>
+            <a:pPr algn="ctr"/>
+            <a:r>
+              <a:rPr lang="es-ES" sz="1600" dirty="0"/>
+              <a:t>Fuentes</a:t>
+            </a:r>
+          </a:p>
+        </p:txBody>
+      </p:sp>
+      <p:sp>
+        <p:nvSpPr>
+          <p:cNvPr id="14" name="CuadroTexto 13">
+            <a:extLst>
+              <a:ext uri="{FF2B5EF4-FFF2-40B4-BE49-F238E27FC236}">
+                <a16:creationId xmlns:a16="http://schemas.microsoft.com/office/drawing/2014/main" id="{2BCD7AE8-2323-60F7-20FD-28D046964F5A}"/>
+              </a:ext>
+            </a:extLst>
+          </p:cNvPr>
+          <p:cNvSpPr txBox="1"/>
+          <p:nvPr/>
+        </p:nvSpPr>
+        <p:spPr>
+          <a:xfrm>
+            <a:off x="4982386" y="1554593"/>
+            <a:ext cx="1396300" cy="584775"/>
+          </a:xfrm>
+          <a:prstGeom prst="rect">
+            <a:avLst/>
+          </a:prstGeom>
+          <a:noFill/>
+        </p:spPr>
+        <p:txBody>
+          <a:bodyPr wrap="square" rtlCol="0">
+            <a:spAutoFit/>
+          </a:bodyPr>
+          <a:lstStyle/>
+          <a:p>
+            <a:pPr algn="ctr"/>
+            <a:r>
+              <a:rPr lang="es-ES" sz="1600" dirty="0"/>
+              <a:t>Referencias</a:t>
+            </a:r>
+          </a:p>
+          <a:p>
+            <a:pPr algn="ctr"/>
+            <a:r>
+              <a:rPr lang="es-ES" sz="1600" dirty="0"/>
+              <a:t>y</a:t>
+            </a:r>
+          </a:p>
+        </p:txBody>
+      </p:sp>
+      <p:sp>
+        <p:nvSpPr>
+          <p:cNvPr id="15" name="Rectángulo: esquinas redondeadas 14">
+            <a:extLst>
+              <a:ext uri="{FF2B5EF4-FFF2-40B4-BE49-F238E27FC236}">
+                <a16:creationId xmlns:a16="http://schemas.microsoft.com/office/drawing/2014/main" id="{A007EF41-575A-1F71-1196-737C02228C4B}"/>
+              </a:ext>
+            </a:extLst>
+          </p:cNvPr>
+          <p:cNvSpPr/>
+          <p:nvPr/>
+        </p:nvSpPr>
+        <p:spPr>
+          <a:xfrm>
+            <a:off x="3123239" y="1778623"/>
+            <a:ext cx="1559197" cy="468268"/>
+          </a:xfrm>
+          <a:prstGeom prst="roundRect">
+            <a:avLst>
+              <a:gd name="adj" fmla="val 38711"/>
+            </a:avLst>
+          </a:prstGeom>
+          <a:noFill/>
+          <a:ln>
+            <a:solidFill>
+              <a:schemeClr val="bg1">
+                <a:lumMod val="50000"/>
+              </a:schemeClr>
+            </a:solidFill>
+          </a:ln>
+        </p:spPr>
+        <p:style>
+          <a:lnRef idx="2">
+            <a:schemeClr val="accent1">
+              <a:shade val="50000"/>
+            </a:schemeClr>
+          </a:lnRef>
+          <a:fillRef idx="1">
+            <a:schemeClr val="accent1"/>
+          </a:fillRef>
+          <a:effectRef idx="0">
+            <a:schemeClr val="accent1"/>
+          </a:effectRef>
+          <a:fontRef idx="minor">
+            <a:schemeClr val="lt1"/>
+          </a:fontRef>
+        </p:style>
+        <p:txBody>
+          <a:bodyPr rtlCol="0" anchor="ctr"/>
+          <a:lstStyle/>
+          <a:p>
+            <a:pPr algn="ctr"/>
+            <a:endParaRPr lang="es-ES" dirty="0"/>
+          </a:p>
+        </p:txBody>
+      </p:sp>
+      <p:sp>
+        <p:nvSpPr>
+          <p:cNvPr id="16" name="CuadroTexto 15">
+            <a:extLst>
+              <a:ext uri="{FF2B5EF4-FFF2-40B4-BE49-F238E27FC236}">
+                <a16:creationId xmlns:a16="http://schemas.microsoft.com/office/drawing/2014/main" id="{F124D952-07F8-1557-877A-E26F6B8A6079}"/>
+              </a:ext>
+            </a:extLst>
+          </p:cNvPr>
+          <p:cNvSpPr txBox="1"/>
+          <p:nvPr/>
+        </p:nvSpPr>
+        <p:spPr>
+          <a:xfrm>
+            <a:off x="3175816" y="1727880"/>
+            <a:ext cx="1448564" cy="584775"/>
+          </a:xfrm>
+          <a:prstGeom prst="rect">
+            <a:avLst/>
+          </a:prstGeom>
+          <a:noFill/>
+        </p:spPr>
+        <p:txBody>
+          <a:bodyPr wrap="square" rtlCol="0">
+            <a:spAutoFit/>
+          </a:bodyPr>
+          <a:lstStyle/>
+          <a:p>
+            <a:pPr algn="ctr"/>
+            <a:r>
+              <a:rPr lang="es-ES" sz="1600" dirty="0"/>
+              <a:t>Objetivos y Alcance</a:t>
+            </a:r>
+          </a:p>
+        </p:txBody>
+      </p:sp>
+      <p:sp>
+        <p:nvSpPr>
+          <p:cNvPr id="17" name="Diagrama de flujo: cinta perforada 16">
+            <a:extLst>
+              <a:ext uri="{FF2B5EF4-FFF2-40B4-BE49-F238E27FC236}">
+                <a16:creationId xmlns:a16="http://schemas.microsoft.com/office/drawing/2014/main" id="{659B78A2-009D-C959-2115-CFB7091CD0E4}"/>
+              </a:ext>
+            </a:extLst>
+          </p:cNvPr>
+          <p:cNvSpPr/>
+          <p:nvPr/>
+        </p:nvSpPr>
+        <p:spPr>
+          <a:xfrm>
+            <a:off x="8456777" y="1467509"/>
+            <a:ext cx="1186676" cy="910477"/>
+          </a:xfrm>
+          <a:prstGeom prst="flowChartPunchedTape">
+            <a:avLst/>
+          </a:prstGeom>
+          <a:noFill/>
+          <a:ln>
+            <a:solidFill>
+              <a:schemeClr val="bg1">
+                <a:lumMod val="50000"/>
+              </a:schemeClr>
+            </a:solidFill>
+          </a:ln>
+        </p:spPr>
+        <p:style>
+          <a:lnRef idx="2">
+            <a:schemeClr val="accent1">
+              <a:shade val="50000"/>
+            </a:schemeClr>
+          </a:lnRef>
+          <a:fillRef idx="1">
+            <a:schemeClr val="accent1"/>
+          </a:fillRef>
+          <a:effectRef idx="0">
+            <a:schemeClr val="accent1"/>
+          </a:effectRef>
+          <a:fontRef idx="minor">
+            <a:schemeClr val="lt1"/>
+          </a:fontRef>
+        </p:style>
+        <p:txBody>
+          <a:bodyPr rtlCol="0" anchor="ctr"/>
+          <a:lstStyle/>
+          <a:p>
+            <a:pPr algn="ctr"/>
+            <a:endParaRPr lang="es-ES" dirty="0"/>
+          </a:p>
+        </p:txBody>
+      </p:sp>
+      <p:sp>
+        <p:nvSpPr>
+          <p:cNvPr id="18" name="CuadroTexto 17">
+            <a:extLst>
+              <a:ext uri="{FF2B5EF4-FFF2-40B4-BE49-F238E27FC236}">
+                <a16:creationId xmlns:a16="http://schemas.microsoft.com/office/drawing/2014/main" id="{5A464A5A-D19B-7AFD-B610-B1D158386627}"/>
+              </a:ext>
+            </a:extLst>
+          </p:cNvPr>
+          <p:cNvSpPr txBox="1"/>
+          <p:nvPr/>
+        </p:nvSpPr>
+        <p:spPr>
+          <a:xfrm>
+            <a:off x="8521456" y="1658758"/>
+            <a:ext cx="1105701" cy="584775"/>
+          </a:xfrm>
+          <a:prstGeom prst="rect">
+            <a:avLst/>
+          </a:prstGeom>
+          <a:noFill/>
+        </p:spPr>
+        <p:txBody>
+          <a:bodyPr wrap="square" rtlCol="0">
+            <a:spAutoFit/>
+          </a:bodyPr>
+          <a:lstStyle/>
+          <a:p>
+            <a:pPr algn="ctr"/>
+            <a:r>
+              <a:rPr lang="es-ES" sz="1600" dirty="0"/>
+              <a:t>Resultados</a:t>
+            </a:r>
+          </a:p>
+          <a:p>
+            <a:pPr algn="ctr"/>
+            <a:r>
+              <a:rPr lang="es-ES" sz="1600" dirty="0"/>
+              <a:t>Fase 1</a:t>
+            </a:r>
+          </a:p>
+        </p:txBody>
+      </p:sp>
+      <p:cxnSp>
+        <p:nvCxnSpPr>
+          <p:cNvPr id="19" name="Conector recto de flecha 18">
+            <a:extLst>
+              <a:ext uri="{FF2B5EF4-FFF2-40B4-BE49-F238E27FC236}">
+                <a16:creationId xmlns:a16="http://schemas.microsoft.com/office/drawing/2014/main" id="{401DE770-3B71-4ADD-F386-C4A829EFBDC7}"/>
+              </a:ext>
+            </a:extLst>
+          </p:cNvPr>
+          <p:cNvCxnSpPr/>
+          <p:nvPr/>
+        </p:nvCxnSpPr>
+        <p:spPr>
+          <a:xfrm>
+            <a:off x="8160516" y="1996351"/>
+            <a:ext cx="252000" cy="0"/>
+          </a:xfrm>
+          <a:prstGeom prst="straightConnector1">
+            <a:avLst/>
+          </a:prstGeom>
+          <a:ln>
+            <a:prstDash val="dash"/>
+            <a:tailEnd type="triangle"/>
+          </a:ln>
+        </p:spPr>
+        <p:style>
+          <a:lnRef idx="1">
+            <a:schemeClr val="dk1"/>
+          </a:lnRef>
+          <a:fillRef idx="0">
+            <a:schemeClr val="dk1"/>
+          </a:fillRef>
+          <a:effectRef idx="0">
+            <a:schemeClr val="dk1"/>
+          </a:effectRef>
+          <a:fontRef idx="minor">
+            <a:schemeClr val="tx1"/>
+          </a:fontRef>
+        </p:style>
+      </p:cxnSp>
+      <p:cxnSp>
+        <p:nvCxnSpPr>
+          <p:cNvPr id="20" name="Conector recto de flecha 19">
+            <a:extLst>
+              <a:ext uri="{FF2B5EF4-FFF2-40B4-BE49-F238E27FC236}">
+                <a16:creationId xmlns:a16="http://schemas.microsoft.com/office/drawing/2014/main" id="{B56CF88D-E47C-B87F-13A8-D408195DAA2C}"/>
+              </a:ext>
+            </a:extLst>
+          </p:cNvPr>
+          <p:cNvCxnSpPr/>
+          <p:nvPr/>
+        </p:nvCxnSpPr>
+        <p:spPr>
+          <a:xfrm>
+            <a:off x="4732516" y="1996351"/>
+            <a:ext cx="252000" cy="0"/>
+          </a:xfrm>
+          <a:prstGeom prst="straightConnector1">
+            <a:avLst/>
+          </a:prstGeom>
+          <a:ln>
+            <a:prstDash val="dash"/>
+            <a:tailEnd type="triangle"/>
+          </a:ln>
+        </p:spPr>
+        <p:style>
+          <a:lnRef idx="1">
+            <a:schemeClr val="dk1"/>
+          </a:lnRef>
+          <a:fillRef idx="0">
+            <a:schemeClr val="dk1"/>
+          </a:fillRef>
+          <a:effectRef idx="0">
+            <a:schemeClr val="dk1"/>
+          </a:effectRef>
+          <a:fontRef idx="minor">
+            <a:schemeClr val="tx1"/>
+          </a:fontRef>
+        </p:style>
+      </p:cxnSp>
+      <p:sp>
+        <p:nvSpPr>
+          <p:cNvPr id="21" name="Rectángulo: esquinas redondeadas 20">
+            <a:extLst>
+              <a:ext uri="{FF2B5EF4-FFF2-40B4-BE49-F238E27FC236}">
+                <a16:creationId xmlns:a16="http://schemas.microsoft.com/office/drawing/2014/main" id="{310C07A5-4983-FA85-2CCE-A1351F899003}"/>
+              </a:ext>
+            </a:extLst>
+          </p:cNvPr>
+          <p:cNvSpPr/>
+          <p:nvPr/>
+        </p:nvSpPr>
+        <p:spPr>
+          <a:xfrm>
+            <a:off x="2235035" y="2824480"/>
+            <a:ext cx="7641590" cy="1760220"/>
+          </a:xfrm>
+          <a:prstGeom prst="roundRect">
+            <a:avLst>
+              <a:gd name="adj" fmla="val 1516"/>
+            </a:avLst>
+          </a:prstGeom>
+          <a:noFill/>
+          <a:ln>
+            <a:solidFill>
+              <a:schemeClr val="accent2"/>
+            </a:solidFill>
+          </a:ln>
+        </p:spPr>
+        <p:style>
+          <a:lnRef idx="2">
+            <a:schemeClr val="accent1">
+              <a:shade val="50000"/>
+            </a:schemeClr>
+          </a:lnRef>
+          <a:fillRef idx="1">
+            <a:schemeClr val="accent1"/>
+          </a:fillRef>
+          <a:effectRef idx="0">
+            <a:schemeClr val="accent1"/>
+          </a:effectRef>
+          <a:fontRef idx="minor">
+            <a:schemeClr val="lt1"/>
+          </a:fontRef>
+        </p:style>
+        <p:txBody>
+          <a:bodyPr rtlCol="0" anchor="ctr"/>
+          <a:lstStyle/>
+          <a:p>
+            <a:pPr algn="ctr"/>
+            <a:endParaRPr lang="es-ES" dirty="0"/>
+          </a:p>
+        </p:txBody>
+      </p:sp>
+      <p:sp>
+        <p:nvSpPr>
+          <p:cNvPr id="22" name="Flecha: pentágono 21">
+            <a:extLst>
+              <a:ext uri="{FF2B5EF4-FFF2-40B4-BE49-F238E27FC236}">
+                <a16:creationId xmlns:a16="http://schemas.microsoft.com/office/drawing/2014/main" id="{3C92EF03-B021-C55B-3FFB-302FD2D67A18}"/>
+              </a:ext>
+            </a:extLst>
+          </p:cNvPr>
+          <p:cNvSpPr/>
+          <p:nvPr/>
+        </p:nvSpPr>
+        <p:spPr>
+          <a:xfrm>
+            <a:off x="2235035" y="2824480"/>
+            <a:ext cx="779040" cy="1760220"/>
+          </a:xfrm>
+          <a:prstGeom prst="homePlate">
+            <a:avLst>
+              <a:gd name="adj" fmla="val 48000"/>
+            </a:avLst>
+          </a:prstGeom>
+          <a:noFill/>
+          <a:ln>
+            <a:solidFill>
+              <a:schemeClr val="accent2"/>
+            </a:solidFill>
+          </a:ln>
+        </p:spPr>
+        <p:style>
+          <a:lnRef idx="2">
+            <a:schemeClr val="accent1">
+              <a:shade val="50000"/>
+            </a:schemeClr>
+          </a:lnRef>
+          <a:fillRef idx="1">
+            <a:schemeClr val="accent1"/>
+          </a:fillRef>
+          <a:effectRef idx="0">
+            <a:schemeClr val="accent1"/>
+          </a:effectRef>
+          <a:fontRef idx="minor">
+            <a:schemeClr val="lt1"/>
+          </a:fontRef>
+        </p:style>
+        <p:txBody>
+          <a:bodyPr rtlCol="0" anchor="ctr"/>
+          <a:lstStyle/>
+          <a:p>
+            <a:pPr algn="ctr"/>
+            <a:endParaRPr lang="es-ES" dirty="0"/>
+          </a:p>
+        </p:txBody>
+      </p:sp>
+      <p:sp>
+        <p:nvSpPr>
+          <p:cNvPr id="23" name="CuadroTexto 22">
+            <a:extLst>
+              <a:ext uri="{FF2B5EF4-FFF2-40B4-BE49-F238E27FC236}">
+                <a16:creationId xmlns:a16="http://schemas.microsoft.com/office/drawing/2014/main" id="{A70AE184-9AB5-0C46-9DA2-BE6BE3D4A7BF}"/>
+              </a:ext>
+            </a:extLst>
+          </p:cNvPr>
+          <p:cNvSpPr txBox="1"/>
+          <p:nvPr/>
+        </p:nvSpPr>
+        <p:spPr>
+          <a:xfrm rot="16200000">
+            <a:off x="2016909" y="3388046"/>
+            <a:ext cx="1115241" cy="646331"/>
+          </a:xfrm>
+          <a:prstGeom prst="rect">
+            <a:avLst/>
+          </a:prstGeom>
+          <a:noFill/>
+        </p:spPr>
+        <p:txBody>
+          <a:bodyPr wrap="square" rtlCol="0">
+            <a:spAutoFit/>
+          </a:bodyPr>
+          <a:lstStyle/>
+          <a:p>
+            <a:pPr algn="ctr"/>
+            <a:r>
+              <a:rPr lang="es-ES" sz="2000" dirty="0"/>
+              <a:t>FASE 2</a:t>
+            </a:r>
+          </a:p>
+          <a:p>
+            <a:pPr algn="ctr"/>
+            <a:r>
+              <a:rPr lang="es-ES" sz="1600" dirty="0"/>
+              <a:t>(robustez)</a:t>
+            </a:r>
+          </a:p>
+        </p:txBody>
+      </p:sp>
+      <p:sp>
+        <p:nvSpPr>
+          <p:cNvPr id="27" name="Rectángulo: esquinas redondeadas 26">
+            <a:extLst>
+              <a:ext uri="{FF2B5EF4-FFF2-40B4-BE49-F238E27FC236}">
+                <a16:creationId xmlns:a16="http://schemas.microsoft.com/office/drawing/2014/main" id="{4C2AE884-EB75-A301-C370-D0A659B6645C}"/>
+              </a:ext>
+            </a:extLst>
+          </p:cNvPr>
+          <p:cNvSpPr/>
+          <p:nvPr/>
+        </p:nvSpPr>
+        <p:spPr>
+          <a:xfrm>
+            <a:off x="6460604" y="3539787"/>
+            <a:ext cx="1559197" cy="468268"/>
+          </a:xfrm>
+          <a:prstGeom prst="roundRect">
+            <a:avLst>
+              <a:gd name="adj" fmla="val 38711"/>
+            </a:avLst>
+          </a:prstGeom>
+          <a:noFill/>
+          <a:ln>
+            <a:solidFill>
+              <a:schemeClr val="bg1">
+                <a:lumMod val="50000"/>
+              </a:schemeClr>
+            </a:solidFill>
+          </a:ln>
+        </p:spPr>
+        <p:style>
+          <a:lnRef idx="2">
+            <a:schemeClr val="accent1">
+              <a:shade val="50000"/>
+            </a:schemeClr>
+          </a:lnRef>
+          <a:fillRef idx="1">
+            <a:schemeClr val="accent1"/>
+          </a:fillRef>
+          <a:effectRef idx="0">
+            <a:schemeClr val="accent1"/>
+          </a:effectRef>
+          <a:fontRef idx="minor">
+            <a:schemeClr val="lt1"/>
+          </a:fontRef>
+        </p:style>
+        <p:txBody>
+          <a:bodyPr rtlCol="0" anchor="ctr"/>
+          <a:lstStyle/>
+          <a:p>
+            <a:pPr algn="ctr"/>
+            <a:endParaRPr lang="es-ES" dirty="0"/>
+          </a:p>
+        </p:txBody>
+      </p:sp>
+      <p:sp>
+        <p:nvSpPr>
+          <p:cNvPr id="28" name="CuadroTexto 27">
+            <a:extLst>
+              <a:ext uri="{FF2B5EF4-FFF2-40B4-BE49-F238E27FC236}">
+                <a16:creationId xmlns:a16="http://schemas.microsoft.com/office/drawing/2014/main" id="{B2DA1DB0-5983-7F4B-B409-22C73620D81B}"/>
+              </a:ext>
+            </a:extLst>
+          </p:cNvPr>
+          <p:cNvSpPr txBox="1"/>
+          <p:nvPr/>
+        </p:nvSpPr>
+        <p:spPr>
+          <a:xfrm>
+            <a:off x="6532231" y="3616044"/>
+            <a:ext cx="1448564" cy="338554"/>
+          </a:xfrm>
+          <a:prstGeom prst="rect">
+            <a:avLst/>
+          </a:prstGeom>
+          <a:noFill/>
+        </p:spPr>
+        <p:txBody>
+          <a:bodyPr wrap="square" rtlCol="0">
+            <a:spAutoFit/>
+          </a:bodyPr>
+          <a:lstStyle/>
+          <a:p>
+            <a:pPr algn="ctr"/>
+            <a:r>
+              <a:rPr lang="es-ES" sz="1600" dirty="0"/>
+              <a:t>Optimización</a:t>
+            </a:r>
+          </a:p>
+        </p:txBody>
+      </p:sp>
+      <p:sp>
+        <p:nvSpPr>
+          <p:cNvPr id="29" name="Diagrama de flujo: cinta perforada 28">
+            <a:extLst>
+              <a:ext uri="{FF2B5EF4-FFF2-40B4-BE49-F238E27FC236}">
+                <a16:creationId xmlns:a16="http://schemas.microsoft.com/office/drawing/2014/main" id="{198A396F-769B-78D6-4D72-20C3FF0F99B5}"/>
+              </a:ext>
+            </a:extLst>
+          </p:cNvPr>
+          <p:cNvSpPr/>
+          <p:nvPr/>
+        </p:nvSpPr>
+        <p:spPr>
+          <a:xfrm>
+            <a:off x="8442263" y="3227729"/>
+            <a:ext cx="1201190" cy="910477"/>
+          </a:xfrm>
+          <a:prstGeom prst="flowChartPunchedTape">
+            <a:avLst/>
+          </a:prstGeom>
+          <a:noFill/>
+          <a:ln>
+            <a:solidFill>
+              <a:schemeClr val="bg1">
+                <a:lumMod val="50000"/>
+              </a:schemeClr>
+            </a:solidFill>
+          </a:ln>
+        </p:spPr>
+        <p:style>
+          <a:lnRef idx="2">
+            <a:schemeClr val="accent1">
+              <a:shade val="50000"/>
+            </a:schemeClr>
+          </a:lnRef>
+          <a:fillRef idx="1">
+            <a:schemeClr val="accent1"/>
+          </a:fillRef>
+          <a:effectRef idx="0">
+            <a:schemeClr val="accent1"/>
+          </a:effectRef>
+          <a:fontRef idx="minor">
+            <a:schemeClr val="lt1"/>
+          </a:fontRef>
+        </p:style>
+        <p:txBody>
+          <a:bodyPr rtlCol="0" anchor="ctr"/>
+          <a:lstStyle/>
+          <a:p>
+            <a:pPr algn="ctr"/>
+            <a:endParaRPr lang="es-ES" dirty="0"/>
+          </a:p>
+        </p:txBody>
+      </p:sp>
+      <p:sp>
+        <p:nvSpPr>
+          <p:cNvPr id="30" name="CuadroTexto 29">
+            <a:extLst>
+              <a:ext uri="{FF2B5EF4-FFF2-40B4-BE49-F238E27FC236}">
+                <a16:creationId xmlns:a16="http://schemas.microsoft.com/office/drawing/2014/main" id="{AF41B976-3E08-21D2-6499-B18EA6983AD1}"/>
+              </a:ext>
+            </a:extLst>
+          </p:cNvPr>
+          <p:cNvSpPr txBox="1"/>
+          <p:nvPr/>
+        </p:nvSpPr>
+        <p:spPr>
+          <a:xfrm>
+            <a:off x="8550484" y="3418978"/>
+            <a:ext cx="1105701" cy="584775"/>
+          </a:xfrm>
+          <a:prstGeom prst="rect">
+            <a:avLst/>
+          </a:prstGeom>
+          <a:noFill/>
+        </p:spPr>
+        <p:txBody>
+          <a:bodyPr wrap="square" rtlCol="0">
+            <a:spAutoFit/>
+          </a:bodyPr>
+          <a:lstStyle/>
+          <a:p>
+            <a:pPr algn="ctr"/>
+            <a:r>
+              <a:rPr lang="es-ES" sz="1600" dirty="0"/>
+              <a:t>Resultados</a:t>
+            </a:r>
+          </a:p>
+          <a:p>
+            <a:pPr algn="ctr"/>
+            <a:r>
+              <a:rPr lang="es-ES" sz="1600" dirty="0"/>
+              <a:t>Fase 2</a:t>
+            </a:r>
+          </a:p>
+        </p:txBody>
+      </p:sp>
+      <p:cxnSp>
+        <p:nvCxnSpPr>
+          <p:cNvPr id="31" name="Conector recto de flecha 30">
+            <a:extLst>
+              <a:ext uri="{FF2B5EF4-FFF2-40B4-BE49-F238E27FC236}">
+                <a16:creationId xmlns:a16="http://schemas.microsoft.com/office/drawing/2014/main" id="{44AAC290-1967-77FD-3229-5F03BCD1D761}"/>
+              </a:ext>
+            </a:extLst>
+          </p:cNvPr>
+          <p:cNvCxnSpPr/>
+          <p:nvPr/>
+        </p:nvCxnSpPr>
+        <p:spPr>
+          <a:xfrm>
+            <a:off x="8123142" y="3756571"/>
+            <a:ext cx="252000" cy="0"/>
+          </a:xfrm>
+          <a:prstGeom prst="straightConnector1">
+            <a:avLst/>
+          </a:prstGeom>
+          <a:ln>
+            <a:prstDash val="dash"/>
+            <a:tailEnd type="triangle"/>
+          </a:ln>
+        </p:spPr>
+        <p:style>
+          <a:lnRef idx="1">
+            <a:schemeClr val="dk1"/>
+          </a:lnRef>
+          <a:fillRef idx="0">
+            <a:schemeClr val="dk1"/>
+          </a:fillRef>
+          <a:effectRef idx="0">
+            <a:schemeClr val="dk1"/>
+          </a:effectRef>
+          <a:fontRef idx="minor">
+            <a:schemeClr val="tx1"/>
+          </a:fontRef>
+        </p:style>
+      </p:cxnSp>
+      <p:cxnSp>
+        <p:nvCxnSpPr>
+          <p:cNvPr id="32" name="Conector recto de flecha 31">
+            <a:extLst>
+              <a:ext uri="{FF2B5EF4-FFF2-40B4-BE49-F238E27FC236}">
+                <a16:creationId xmlns:a16="http://schemas.microsoft.com/office/drawing/2014/main" id="{92A8F116-37B2-7AAF-E561-CF944AF02D0C}"/>
+              </a:ext>
+            </a:extLst>
+          </p:cNvPr>
+          <p:cNvCxnSpPr>
+            <a:cxnSpLocks/>
+          </p:cNvCxnSpPr>
+          <p:nvPr/>
+        </p:nvCxnSpPr>
+        <p:spPr>
+          <a:xfrm>
+            <a:off x="4231474" y="3756571"/>
+            <a:ext cx="2160000" cy="0"/>
+          </a:xfrm>
+          <a:prstGeom prst="straightConnector1">
+            <a:avLst/>
+          </a:prstGeom>
+          <a:ln>
+            <a:prstDash val="dash"/>
+            <a:tailEnd type="triangle"/>
+          </a:ln>
+        </p:spPr>
+        <p:style>
+          <a:lnRef idx="1">
+            <a:schemeClr val="dk1"/>
+          </a:lnRef>
+          <a:fillRef idx="0">
+            <a:schemeClr val="dk1"/>
+          </a:fillRef>
+          <a:effectRef idx="0">
+            <a:schemeClr val="dk1"/>
+          </a:effectRef>
+          <a:fontRef idx="minor">
+            <a:schemeClr val="tx1"/>
+          </a:fontRef>
+        </p:style>
+      </p:cxnSp>
+      <p:sp>
+        <p:nvSpPr>
+          <p:cNvPr id="33" name="Rectángulo: esquinas redondeadas 32">
+            <a:extLst>
+              <a:ext uri="{FF2B5EF4-FFF2-40B4-BE49-F238E27FC236}">
+                <a16:creationId xmlns:a16="http://schemas.microsoft.com/office/drawing/2014/main" id="{7124E5B4-0F10-7FC4-5386-4487D7D769B3}"/>
+              </a:ext>
+            </a:extLst>
+          </p:cNvPr>
+          <p:cNvSpPr/>
+          <p:nvPr/>
+        </p:nvSpPr>
+        <p:spPr>
+          <a:xfrm>
+            <a:off x="2235035" y="4597942"/>
+            <a:ext cx="7641590" cy="1760220"/>
+          </a:xfrm>
+          <a:prstGeom prst="roundRect">
+            <a:avLst>
+              <a:gd name="adj" fmla="val 1516"/>
+            </a:avLst>
+          </a:prstGeom>
+          <a:noFill/>
+          <a:ln>
+            <a:solidFill>
+              <a:schemeClr val="accent2"/>
+            </a:solidFill>
+          </a:ln>
+        </p:spPr>
+        <p:style>
+          <a:lnRef idx="2">
+            <a:schemeClr val="accent1">
+              <a:shade val="50000"/>
+            </a:schemeClr>
+          </a:lnRef>
+          <a:fillRef idx="1">
+            <a:schemeClr val="accent1"/>
+          </a:fillRef>
+          <a:effectRef idx="0">
+            <a:schemeClr val="accent1"/>
+          </a:effectRef>
+          <a:fontRef idx="minor">
+            <a:schemeClr val="lt1"/>
+          </a:fontRef>
+        </p:style>
+        <p:txBody>
+          <a:bodyPr rtlCol="0" anchor="ctr"/>
+          <a:lstStyle/>
+          <a:p>
+            <a:pPr algn="ctr"/>
+            <a:endParaRPr lang="es-ES" dirty="0"/>
+          </a:p>
+        </p:txBody>
+      </p:sp>
+      <p:sp>
+        <p:nvSpPr>
+          <p:cNvPr id="34" name="Flecha: pentágono 33">
+            <a:extLst>
+              <a:ext uri="{FF2B5EF4-FFF2-40B4-BE49-F238E27FC236}">
+                <a16:creationId xmlns:a16="http://schemas.microsoft.com/office/drawing/2014/main" id="{AB155288-B157-1EA0-F654-8143EFD110EB}"/>
+              </a:ext>
+            </a:extLst>
+          </p:cNvPr>
+          <p:cNvSpPr/>
+          <p:nvPr/>
+        </p:nvSpPr>
+        <p:spPr>
+          <a:xfrm>
+            <a:off x="2235035" y="4597942"/>
+            <a:ext cx="779040" cy="1760220"/>
+          </a:xfrm>
+          <a:prstGeom prst="homePlate">
+            <a:avLst>
+              <a:gd name="adj" fmla="val 48000"/>
+            </a:avLst>
+          </a:prstGeom>
+          <a:noFill/>
+          <a:ln>
+            <a:solidFill>
+              <a:schemeClr val="accent2"/>
+            </a:solidFill>
+          </a:ln>
+        </p:spPr>
+        <p:style>
+          <a:lnRef idx="2">
+            <a:schemeClr val="accent1">
+              <a:shade val="50000"/>
+            </a:schemeClr>
+          </a:lnRef>
+          <a:fillRef idx="1">
+            <a:schemeClr val="accent1"/>
+          </a:fillRef>
+          <a:effectRef idx="0">
+            <a:schemeClr val="accent1"/>
+          </a:effectRef>
+          <a:fontRef idx="minor">
+            <a:schemeClr val="lt1"/>
+          </a:fontRef>
+        </p:style>
+        <p:txBody>
+          <a:bodyPr rtlCol="0" anchor="ctr"/>
+          <a:lstStyle/>
+          <a:p>
+            <a:pPr algn="ctr"/>
+            <a:endParaRPr lang="es-ES" dirty="0"/>
+          </a:p>
+        </p:txBody>
+      </p:sp>
+      <p:sp>
+        <p:nvSpPr>
+          <p:cNvPr id="35" name="CuadroTexto 34">
+            <a:extLst>
+              <a:ext uri="{FF2B5EF4-FFF2-40B4-BE49-F238E27FC236}">
+                <a16:creationId xmlns:a16="http://schemas.microsoft.com/office/drawing/2014/main" id="{DE801251-41E8-7784-5554-D6852AA7E44C}"/>
+              </a:ext>
+            </a:extLst>
+          </p:cNvPr>
+          <p:cNvSpPr txBox="1"/>
+          <p:nvPr/>
+        </p:nvSpPr>
+        <p:spPr>
+          <a:xfrm rot="16200000">
+            <a:off x="2016909" y="5161507"/>
+            <a:ext cx="1115241" cy="646331"/>
+          </a:xfrm>
+          <a:prstGeom prst="rect">
+            <a:avLst/>
+          </a:prstGeom>
+          <a:noFill/>
+        </p:spPr>
+        <p:txBody>
+          <a:bodyPr wrap="square" rtlCol="0">
+            <a:spAutoFit/>
+          </a:bodyPr>
+          <a:lstStyle/>
+          <a:p>
+            <a:pPr algn="ctr"/>
+            <a:r>
+              <a:rPr lang="es-ES" sz="2000" dirty="0"/>
+              <a:t>FASE 3</a:t>
+            </a:r>
+          </a:p>
+          <a:p>
+            <a:pPr algn="ctr"/>
+            <a:r>
+              <a:rPr lang="es-ES" sz="1600" dirty="0"/>
+              <a:t>(riesgo)</a:t>
+            </a:r>
+          </a:p>
+        </p:txBody>
+      </p:sp>
+      <p:sp>
+        <p:nvSpPr>
+          <p:cNvPr id="39" name="Rectángulo: esquinas redondeadas 38">
+            <a:extLst>
+              <a:ext uri="{FF2B5EF4-FFF2-40B4-BE49-F238E27FC236}">
+                <a16:creationId xmlns:a16="http://schemas.microsoft.com/office/drawing/2014/main" id="{0D5CBB49-AD00-1B43-389B-F527ED6C3F65}"/>
+              </a:ext>
+            </a:extLst>
+          </p:cNvPr>
+          <p:cNvSpPr/>
+          <p:nvPr/>
+        </p:nvSpPr>
+        <p:spPr>
+          <a:xfrm>
+            <a:off x="6537814" y="5310364"/>
+            <a:ext cx="1559197" cy="468268"/>
+          </a:xfrm>
+          <a:prstGeom prst="roundRect">
+            <a:avLst>
+              <a:gd name="adj" fmla="val 38711"/>
+            </a:avLst>
+          </a:prstGeom>
+          <a:noFill/>
+          <a:ln>
+            <a:solidFill>
+              <a:schemeClr val="bg1">
+                <a:lumMod val="50000"/>
+              </a:schemeClr>
+            </a:solidFill>
+          </a:ln>
+        </p:spPr>
+        <p:style>
+          <a:lnRef idx="2">
+            <a:schemeClr val="accent1">
+              <a:shade val="50000"/>
+            </a:schemeClr>
+          </a:lnRef>
+          <a:fillRef idx="1">
+            <a:schemeClr val="accent1"/>
+          </a:fillRef>
+          <a:effectRef idx="0">
+            <a:schemeClr val="accent1"/>
+          </a:effectRef>
+          <a:fontRef idx="minor">
+            <a:schemeClr val="lt1"/>
+          </a:fontRef>
+        </p:style>
+        <p:txBody>
+          <a:bodyPr rtlCol="0" anchor="ctr"/>
+          <a:lstStyle/>
+          <a:p>
+            <a:pPr algn="ctr"/>
+            <a:endParaRPr lang="es-ES" dirty="0"/>
+          </a:p>
+        </p:txBody>
+      </p:sp>
+      <p:sp>
+        <p:nvSpPr>
+          <p:cNvPr id="40" name="CuadroTexto 39">
+            <a:extLst>
+              <a:ext uri="{FF2B5EF4-FFF2-40B4-BE49-F238E27FC236}">
+                <a16:creationId xmlns:a16="http://schemas.microsoft.com/office/drawing/2014/main" id="{DA49025D-85C6-A85F-1955-15A39D9B8406}"/>
+              </a:ext>
+            </a:extLst>
+          </p:cNvPr>
+          <p:cNvSpPr txBox="1"/>
+          <p:nvPr/>
+        </p:nvSpPr>
+        <p:spPr>
+          <a:xfrm>
+            <a:off x="6590391" y="5386621"/>
+            <a:ext cx="1448564" cy="338554"/>
+          </a:xfrm>
+          <a:prstGeom prst="rect">
+            <a:avLst/>
+          </a:prstGeom>
+          <a:noFill/>
+        </p:spPr>
+        <p:txBody>
+          <a:bodyPr wrap="square" rtlCol="0">
+            <a:spAutoFit/>
+          </a:bodyPr>
+          <a:lstStyle/>
+          <a:p>
+            <a:pPr algn="ctr"/>
+            <a:r>
+              <a:rPr lang="es-ES" sz="1600" dirty="0"/>
+              <a:t>Cumplimiento</a:t>
+            </a:r>
+          </a:p>
+        </p:txBody>
+      </p:sp>
+      <p:sp>
+        <p:nvSpPr>
+          <p:cNvPr id="41" name="Diagrama de flujo: cinta perforada 40">
+            <a:extLst>
+              <a:ext uri="{FF2B5EF4-FFF2-40B4-BE49-F238E27FC236}">
+                <a16:creationId xmlns:a16="http://schemas.microsoft.com/office/drawing/2014/main" id="{EA7C3DA9-CC97-5C3C-8B10-5D16B615869E}"/>
+              </a:ext>
+            </a:extLst>
+          </p:cNvPr>
+          <p:cNvSpPr/>
+          <p:nvPr/>
+        </p:nvSpPr>
+        <p:spPr>
+          <a:xfrm>
+            <a:off x="8442263" y="5001191"/>
+            <a:ext cx="1201190" cy="910477"/>
+          </a:xfrm>
+          <a:prstGeom prst="flowChartPunchedTape">
+            <a:avLst/>
+          </a:prstGeom>
+          <a:noFill/>
+          <a:ln>
+            <a:solidFill>
+              <a:schemeClr val="bg1">
+                <a:lumMod val="50000"/>
+              </a:schemeClr>
+            </a:solidFill>
+          </a:ln>
+        </p:spPr>
+        <p:style>
+          <a:lnRef idx="2">
+            <a:schemeClr val="accent1">
+              <a:shade val="50000"/>
+            </a:schemeClr>
+          </a:lnRef>
+          <a:fillRef idx="1">
+            <a:schemeClr val="accent1"/>
+          </a:fillRef>
+          <a:effectRef idx="0">
+            <a:schemeClr val="accent1"/>
+          </a:effectRef>
+          <a:fontRef idx="minor">
+            <a:schemeClr val="lt1"/>
+          </a:fontRef>
+        </p:style>
+        <p:txBody>
+          <a:bodyPr rtlCol="0" anchor="ctr"/>
+          <a:lstStyle/>
+          <a:p>
+            <a:pPr algn="ctr"/>
+            <a:endParaRPr lang="es-ES" dirty="0"/>
+          </a:p>
+        </p:txBody>
+      </p:sp>
+      <p:cxnSp>
+        <p:nvCxnSpPr>
+          <p:cNvPr id="43" name="Conector recto de flecha 42">
+            <a:extLst>
+              <a:ext uri="{FF2B5EF4-FFF2-40B4-BE49-F238E27FC236}">
+                <a16:creationId xmlns:a16="http://schemas.microsoft.com/office/drawing/2014/main" id="{81C594F4-37B7-A13F-D5DC-2932C91830C7}"/>
+              </a:ext>
+            </a:extLst>
+          </p:cNvPr>
+          <p:cNvCxnSpPr/>
+          <p:nvPr/>
+        </p:nvCxnSpPr>
+        <p:spPr>
+          <a:xfrm>
+            <a:off x="8146002" y="5530033"/>
+            <a:ext cx="252000" cy="0"/>
+          </a:xfrm>
+          <a:prstGeom prst="straightConnector1">
+            <a:avLst/>
+          </a:prstGeom>
+          <a:ln>
+            <a:prstDash val="dash"/>
+            <a:tailEnd type="triangle"/>
+          </a:ln>
+        </p:spPr>
+        <p:style>
+          <a:lnRef idx="1">
+            <a:schemeClr val="dk1"/>
+          </a:lnRef>
+          <a:fillRef idx="0">
+            <a:schemeClr val="dk1"/>
+          </a:fillRef>
+          <a:effectRef idx="0">
+            <a:schemeClr val="dk1"/>
+          </a:effectRef>
+          <a:fontRef idx="minor">
+            <a:schemeClr val="tx1"/>
+          </a:fontRef>
+        </p:style>
+      </p:cxnSp>
+      <p:cxnSp>
+        <p:nvCxnSpPr>
+          <p:cNvPr id="44" name="Conector recto de flecha 43">
+            <a:extLst>
+              <a:ext uri="{FF2B5EF4-FFF2-40B4-BE49-F238E27FC236}">
+                <a16:creationId xmlns:a16="http://schemas.microsoft.com/office/drawing/2014/main" id="{63F20D4C-726E-4547-2282-7641EB40DCA8}"/>
+              </a:ext>
+            </a:extLst>
+          </p:cNvPr>
+          <p:cNvCxnSpPr/>
+          <p:nvPr/>
+        </p:nvCxnSpPr>
+        <p:spPr>
+          <a:xfrm>
+            <a:off x="6243012" y="5527148"/>
+            <a:ext cx="252000" cy="0"/>
+          </a:xfrm>
+          <a:prstGeom prst="straightConnector1">
+            <a:avLst/>
+          </a:prstGeom>
+          <a:ln>
+            <a:prstDash val="dash"/>
+            <a:tailEnd type="triangle"/>
+          </a:ln>
+        </p:spPr>
+        <p:style>
+          <a:lnRef idx="1">
+            <a:schemeClr val="dk1"/>
+          </a:lnRef>
+          <a:fillRef idx="0">
+            <a:schemeClr val="dk1"/>
+          </a:fillRef>
+          <a:effectRef idx="0">
+            <a:schemeClr val="dk1"/>
+          </a:effectRef>
+          <a:fontRef idx="minor">
+            <a:schemeClr val="tx1"/>
+          </a:fontRef>
+        </p:style>
+      </p:cxnSp>
+      <p:sp>
+        <p:nvSpPr>
+          <p:cNvPr id="46" name="Rectángulo: esquinas redondeadas 45">
+            <a:extLst>
+              <a:ext uri="{FF2B5EF4-FFF2-40B4-BE49-F238E27FC236}">
+                <a16:creationId xmlns:a16="http://schemas.microsoft.com/office/drawing/2014/main" id="{764A6F8F-A854-CC84-AFC8-1F457BCC2356}"/>
+              </a:ext>
+            </a:extLst>
+          </p:cNvPr>
+          <p:cNvSpPr/>
+          <p:nvPr/>
+        </p:nvSpPr>
+        <p:spPr>
+          <a:xfrm>
+            <a:off x="3121316" y="2984184"/>
+            <a:ext cx="2253154" cy="599143"/>
+          </a:xfrm>
+          <a:prstGeom prst="roundRect">
+            <a:avLst>
+              <a:gd name="adj" fmla="val 38711"/>
+            </a:avLst>
+          </a:prstGeom>
+          <a:noFill/>
+          <a:ln>
+            <a:solidFill>
+              <a:schemeClr val="bg1">
+                <a:lumMod val="50000"/>
+              </a:schemeClr>
+            </a:solidFill>
+          </a:ln>
+        </p:spPr>
+        <p:style>
+          <a:lnRef idx="2">
+            <a:schemeClr val="accent1">
+              <a:shade val="50000"/>
+            </a:schemeClr>
+          </a:lnRef>
+          <a:fillRef idx="1">
+            <a:schemeClr val="accent1"/>
+          </a:fillRef>
+          <a:effectRef idx="0">
+            <a:schemeClr val="accent1"/>
+          </a:effectRef>
+          <a:fontRef idx="minor">
+            <a:schemeClr val="lt1"/>
+          </a:fontRef>
+        </p:style>
+        <p:txBody>
+          <a:bodyPr rtlCol="0" anchor="ctr"/>
+          <a:lstStyle/>
+          <a:p>
+            <a:pPr algn="ctr"/>
+            <a:endParaRPr lang="es-ES" dirty="0"/>
+          </a:p>
+        </p:txBody>
+      </p:sp>
+      <p:sp>
+        <p:nvSpPr>
+          <p:cNvPr id="47" name="CuadroTexto 46">
+            <a:extLst>
+              <a:ext uri="{FF2B5EF4-FFF2-40B4-BE49-F238E27FC236}">
+                <a16:creationId xmlns:a16="http://schemas.microsoft.com/office/drawing/2014/main" id="{0B4F1DDB-26AC-FB3B-414A-5FC280CFBCF6}"/>
+              </a:ext>
+            </a:extLst>
+          </p:cNvPr>
+          <p:cNvSpPr txBox="1"/>
+          <p:nvPr/>
+        </p:nvSpPr>
+        <p:spPr>
+          <a:xfrm>
+            <a:off x="3173892" y="3004200"/>
+            <a:ext cx="2142521" cy="584775"/>
+          </a:xfrm>
+          <a:prstGeom prst="rect">
+            <a:avLst/>
+          </a:prstGeom>
+          <a:noFill/>
+        </p:spPr>
+        <p:txBody>
+          <a:bodyPr wrap="square" rtlCol="0">
+            <a:spAutoFit/>
+          </a:bodyPr>
+          <a:lstStyle/>
+          <a:p>
+            <a:pPr algn="ctr"/>
+            <a:r>
+              <a:rPr lang="es-ES" sz="1600" dirty="0"/>
+              <a:t>Selección de algoritmos</a:t>
+            </a:r>
+          </a:p>
+          <a:p>
+            <a:pPr algn="ctr"/>
+            <a:r>
+              <a:rPr lang="es-ES" sz="1600" dirty="0"/>
+              <a:t>(estadística, ML, BD…)</a:t>
+            </a:r>
+          </a:p>
+        </p:txBody>
+      </p:sp>
+      <p:sp>
+        <p:nvSpPr>
+          <p:cNvPr id="57" name="Rectángulo: esquinas redondeadas 56">
+            <a:extLst>
+              <a:ext uri="{FF2B5EF4-FFF2-40B4-BE49-F238E27FC236}">
+                <a16:creationId xmlns:a16="http://schemas.microsoft.com/office/drawing/2014/main" id="{7D8F54AF-6551-198D-3E26-2A8E169BBDA6}"/>
+              </a:ext>
+            </a:extLst>
+          </p:cNvPr>
+          <p:cNvSpPr/>
+          <p:nvPr/>
+        </p:nvSpPr>
+        <p:spPr>
+          <a:xfrm>
+            <a:off x="3326368" y="5310364"/>
+            <a:ext cx="1137782" cy="468268"/>
+          </a:xfrm>
+          <a:prstGeom prst="roundRect">
+            <a:avLst>
+              <a:gd name="adj" fmla="val 38711"/>
+            </a:avLst>
+          </a:prstGeom>
+          <a:noFill/>
+          <a:ln>
+            <a:solidFill>
+              <a:schemeClr val="bg1">
+                <a:lumMod val="50000"/>
+              </a:schemeClr>
+            </a:solidFill>
+          </a:ln>
+        </p:spPr>
+        <p:style>
+          <a:lnRef idx="2">
+            <a:schemeClr val="accent1">
+              <a:shade val="50000"/>
+            </a:schemeClr>
+          </a:lnRef>
+          <a:fillRef idx="1">
+            <a:schemeClr val="accent1"/>
+          </a:fillRef>
+          <a:effectRef idx="0">
+            <a:schemeClr val="accent1"/>
+          </a:effectRef>
+          <a:fontRef idx="minor">
+            <a:schemeClr val="lt1"/>
+          </a:fontRef>
+        </p:style>
+        <p:txBody>
+          <a:bodyPr rtlCol="0" anchor="ctr"/>
+          <a:lstStyle/>
+          <a:p>
+            <a:pPr algn="ctr"/>
+            <a:endParaRPr lang="es-ES" dirty="0"/>
+          </a:p>
+        </p:txBody>
+      </p:sp>
+      <p:sp>
+        <p:nvSpPr>
+          <p:cNvPr id="58" name="CuadroTexto 57">
+            <a:extLst>
+              <a:ext uri="{FF2B5EF4-FFF2-40B4-BE49-F238E27FC236}">
+                <a16:creationId xmlns:a16="http://schemas.microsoft.com/office/drawing/2014/main" id="{56822984-4BD3-D4D9-EDCD-20BE19C23F54}"/>
+              </a:ext>
+            </a:extLst>
+          </p:cNvPr>
+          <p:cNvSpPr txBox="1"/>
+          <p:nvPr/>
+        </p:nvSpPr>
+        <p:spPr>
+          <a:xfrm>
+            <a:off x="3340844" y="5386620"/>
+            <a:ext cx="1137781" cy="341439"/>
+          </a:xfrm>
+          <a:prstGeom prst="rect">
+            <a:avLst/>
+          </a:prstGeom>
+          <a:noFill/>
+        </p:spPr>
+        <p:txBody>
+          <a:bodyPr wrap="square" rtlCol="0">
+            <a:spAutoFit/>
+          </a:bodyPr>
+          <a:lstStyle/>
+          <a:p>
+            <a:pPr algn="ctr"/>
+            <a:r>
+              <a:rPr lang="es-ES" sz="1600" dirty="0"/>
+              <a:t>Formato</a:t>
+            </a:r>
+          </a:p>
+        </p:txBody>
+      </p:sp>
+      <p:sp>
+        <p:nvSpPr>
+          <p:cNvPr id="59" name="Rectángulo: esquinas redondeadas 58">
+            <a:extLst>
+              <a:ext uri="{FF2B5EF4-FFF2-40B4-BE49-F238E27FC236}">
+                <a16:creationId xmlns:a16="http://schemas.microsoft.com/office/drawing/2014/main" id="{FE4DA923-7EE9-6445-5B88-607E678B7EBD}"/>
+              </a:ext>
+            </a:extLst>
+          </p:cNvPr>
+          <p:cNvSpPr/>
+          <p:nvPr/>
+        </p:nvSpPr>
+        <p:spPr>
+          <a:xfrm>
+            <a:off x="6537814" y="1774658"/>
+            <a:ext cx="1559197" cy="468268"/>
+          </a:xfrm>
+          <a:prstGeom prst="roundRect">
+            <a:avLst>
+              <a:gd name="adj" fmla="val 38711"/>
+            </a:avLst>
+          </a:prstGeom>
+          <a:noFill/>
+          <a:ln>
+            <a:solidFill>
+              <a:schemeClr val="bg1">
+                <a:lumMod val="50000"/>
+              </a:schemeClr>
+            </a:solidFill>
+          </a:ln>
+        </p:spPr>
+        <p:style>
+          <a:lnRef idx="2">
+            <a:schemeClr val="accent1">
+              <a:shade val="50000"/>
+            </a:schemeClr>
+          </a:lnRef>
+          <a:fillRef idx="1">
+            <a:schemeClr val="accent1"/>
+          </a:fillRef>
+          <a:effectRef idx="0">
+            <a:schemeClr val="accent1"/>
+          </a:effectRef>
+          <a:fontRef idx="minor">
+            <a:schemeClr val="lt1"/>
+          </a:fontRef>
+        </p:style>
+        <p:txBody>
+          <a:bodyPr rtlCol="0" anchor="ctr"/>
+          <a:lstStyle/>
+          <a:p>
+            <a:pPr algn="ctr"/>
+            <a:endParaRPr lang="es-ES" dirty="0"/>
+          </a:p>
+        </p:txBody>
+      </p:sp>
+      <p:sp>
+        <p:nvSpPr>
+          <p:cNvPr id="60" name="CuadroTexto 59">
+            <a:extLst>
+              <a:ext uri="{FF2B5EF4-FFF2-40B4-BE49-F238E27FC236}">
+                <a16:creationId xmlns:a16="http://schemas.microsoft.com/office/drawing/2014/main" id="{AD5654EB-ABD9-AF65-44F0-9667817B4BD3}"/>
+              </a:ext>
+            </a:extLst>
+          </p:cNvPr>
+          <p:cNvSpPr txBox="1"/>
+          <p:nvPr/>
+        </p:nvSpPr>
+        <p:spPr>
+          <a:xfrm>
+            <a:off x="6590391" y="1850915"/>
+            <a:ext cx="1448564" cy="338554"/>
+          </a:xfrm>
+          <a:prstGeom prst="rect">
+            <a:avLst/>
+          </a:prstGeom>
+          <a:noFill/>
+        </p:spPr>
+        <p:txBody>
+          <a:bodyPr wrap="square" rtlCol="0">
+            <a:spAutoFit/>
+          </a:bodyPr>
+          <a:lstStyle/>
+          <a:p>
+            <a:pPr algn="ctr"/>
+            <a:r>
+              <a:rPr lang="es-ES" sz="1600" dirty="0"/>
+              <a:t>Preprocesado</a:t>
+            </a:r>
+          </a:p>
+        </p:txBody>
+      </p:sp>
+      <p:cxnSp>
+        <p:nvCxnSpPr>
+          <p:cNvPr id="61" name="Conector recto de flecha 60">
+            <a:extLst>
+              <a:ext uri="{FF2B5EF4-FFF2-40B4-BE49-F238E27FC236}">
+                <a16:creationId xmlns:a16="http://schemas.microsoft.com/office/drawing/2014/main" id="{23DDFBBA-DCB1-A6D3-AA5B-47C3D4E231BA}"/>
+              </a:ext>
+            </a:extLst>
+          </p:cNvPr>
+          <p:cNvCxnSpPr/>
+          <p:nvPr/>
+        </p:nvCxnSpPr>
+        <p:spPr>
+          <a:xfrm>
+            <a:off x="6248896" y="1996351"/>
+            <a:ext cx="252000" cy="0"/>
+          </a:xfrm>
+          <a:prstGeom prst="straightConnector1">
+            <a:avLst/>
+          </a:prstGeom>
+          <a:ln>
+            <a:prstDash val="dash"/>
+            <a:tailEnd type="triangle"/>
+          </a:ln>
+        </p:spPr>
+        <p:style>
+          <a:lnRef idx="1">
+            <a:schemeClr val="dk1"/>
+          </a:lnRef>
+          <a:fillRef idx="0">
+            <a:schemeClr val="dk1"/>
+          </a:fillRef>
+          <a:effectRef idx="0">
+            <a:schemeClr val="dk1"/>
+          </a:effectRef>
+          <a:fontRef idx="minor">
+            <a:schemeClr val="tx1"/>
+          </a:fontRef>
+        </p:style>
+      </p:cxnSp>
+      <p:sp>
+        <p:nvSpPr>
+          <p:cNvPr id="62" name="Rectángulo: esquinas redondeadas 61">
+            <a:extLst>
+              <a:ext uri="{FF2B5EF4-FFF2-40B4-BE49-F238E27FC236}">
+                <a16:creationId xmlns:a16="http://schemas.microsoft.com/office/drawing/2014/main" id="{65F9036E-31F4-A87C-9E6B-4A5E1F65C7A2}"/>
+              </a:ext>
+            </a:extLst>
+          </p:cNvPr>
+          <p:cNvSpPr/>
+          <p:nvPr/>
+        </p:nvSpPr>
+        <p:spPr>
+          <a:xfrm>
+            <a:off x="3788585" y="3951073"/>
+            <a:ext cx="893857" cy="468268"/>
+          </a:xfrm>
+          <a:prstGeom prst="roundRect">
+            <a:avLst>
+              <a:gd name="adj" fmla="val 38711"/>
+            </a:avLst>
+          </a:prstGeom>
+          <a:noFill/>
+          <a:ln>
+            <a:solidFill>
+              <a:schemeClr val="bg1">
+                <a:lumMod val="50000"/>
+              </a:schemeClr>
+            </a:solidFill>
+          </a:ln>
+        </p:spPr>
+        <p:style>
+          <a:lnRef idx="2">
+            <a:schemeClr val="accent1">
+              <a:shade val="50000"/>
+            </a:schemeClr>
+          </a:lnRef>
+          <a:fillRef idx="1">
+            <a:schemeClr val="accent1"/>
+          </a:fillRef>
+          <a:effectRef idx="0">
+            <a:schemeClr val="accent1"/>
+          </a:effectRef>
+          <a:fontRef idx="minor">
+            <a:schemeClr val="lt1"/>
+          </a:fontRef>
+        </p:style>
+        <p:txBody>
+          <a:bodyPr rtlCol="0" anchor="ctr"/>
+          <a:lstStyle/>
+          <a:p>
+            <a:pPr algn="ctr"/>
+            <a:endParaRPr lang="es-ES" dirty="0"/>
+          </a:p>
+        </p:txBody>
+      </p:sp>
+      <p:sp>
+        <p:nvSpPr>
+          <p:cNvPr id="63" name="CuadroTexto 62">
+            <a:extLst>
+              <a:ext uri="{FF2B5EF4-FFF2-40B4-BE49-F238E27FC236}">
+                <a16:creationId xmlns:a16="http://schemas.microsoft.com/office/drawing/2014/main" id="{A75C0C56-1B01-AAD8-A925-F75D819A3BB6}"/>
+              </a:ext>
+            </a:extLst>
+          </p:cNvPr>
+          <p:cNvSpPr txBox="1"/>
+          <p:nvPr/>
+        </p:nvSpPr>
+        <p:spPr>
+          <a:xfrm>
+            <a:off x="3879262" y="4015558"/>
+            <a:ext cx="700193" cy="338554"/>
+          </a:xfrm>
+          <a:prstGeom prst="rect">
+            <a:avLst/>
+          </a:prstGeom>
+          <a:noFill/>
+        </p:spPr>
+        <p:txBody>
+          <a:bodyPr wrap="square" rtlCol="0">
+            <a:spAutoFit/>
+          </a:bodyPr>
+          <a:lstStyle/>
+          <a:p>
+            <a:pPr algn="ctr"/>
+            <a:r>
+              <a:rPr lang="es-ES" sz="1600" dirty="0"/>
+              <a:t>Filtros</a:t>
+            </a:r>
+          </a:p>
+        </p:txBody>
+      </p:sp>
+      <p:cxnSp>
+        <p:nvCxnSpPr>
+          <p:cNvPr id="66" name="Conector recto 65">
+            <a:extLst>
+              <a:ext uri="{FF2B5EF4-FFF2-40B4-BE49-F238E27FC236}">
+                <a16:creationId xmlns:a16="http://schemas.microsoft.com/office/drawing/2014/main" id="{FF69D22A-C1FC-AA73-09AB-D633D8C634C4}"/>
+              </a:ext>
+            </a:extLst>
+          </p:cNvPr>
+          <p:cNvCxnSpPr>
+            <a:stCxn id="47" idx="2"/>
+            <a:endCxn id="62" idx="0"/>
+          </p:cNvCxnSpPr>
+          <p:nvPr/>
+        </p:nvCxnSpPr>
+        <p:spPr>
+          <a:xfrm flipH="1">
+            <a:off x="4235514" y="3588975"/>
+            <a:ext cx="0" cy="362098"/>
+          </a:xfrm>
+          <a:prstGeom prst="line">
+            <a:avLst/>
+          </a:prstGeom>
+          <a:ln>
+            <a:prstDash val="dash"/>
+          </a:ln>
+        </p:spPr>
+        <p:style>
+          <a:lnRef idx="1">
+            <a:schemeClr val="dk1"/>
+          </a:lnRef>
+          <a:fillRef idx="0">
+            <a:schemeClr val="dk1"/>
+          </a:fillRef>
+          <a:effectRef idx="0">
+            <a:schemeClr val="dk1"/>
+          </a:effectRef>
+          <a:fontRef idx="minor">
+            <a:schemeClr val="tx1"/>
+          </a:fontRef>
+        </p:style>
+      </p:cxnSp>
+      <p:cxnSp>
+        <p:nvCxnSpPr>
+          <p:cNvPr id="68" name="Conector: angular 67">
+            <a:extLst>
+              <a:ext uri="{FF2B5EF4-FFF2-40B4-BE49-F238E27FC236}">
+                <a16:creationId xmlns:a16="http://schemas.microsoft.com/office/drawing/2014/main" id="{9673B9E9-B7EF-71B5-1052-E32120F7B598}"/>
+              </a:ext>
+            </a:extLst>
+          </p:cNvPr>
+          <p:cNvCxnSpPr>
+            <a:stCxn id="17" idx="2"/>
+            <a:endCxn id="47" idx="0"/>
+          </p:cNvCxnSpPr>
+          <p:nvPr/>
+        </p:nvCxnSpPr>
+        <p:spPr>
+          <a:xfrm rot="5400000">
+            <a:off x="6289003" y="243088"/>
+            <a:ext cx="717262" cy="4804962"/>
+          </a:xfrm>
+          <a:prstGeom prst="bentConnector3">
+            <a:avLst/>
+          </a:prstGeom>
+          <a:ln>
+            <a:prstDash val="dash"/>
+            <a:tailEnd type="triangle"/>
+          </a:ln>
+        </p:spPr>
+        <p:style>
+          <a:lnRef idx="1">
+            <a:schemeClr val="dk1"/>
+          </a:lnRef>
+          <a:fillRef idx="0">
+            <a:schemeClr val="dk1"/>
+          </a:fillRef>
+          <a:effectRef idx="0">
+            <a:schemeClr val="dk1"/>
+          </a:effectRef>
+          <a:fontRef idx="minor">
+            <a:schemeClr val="tx1"/>
+          </a:fontRef>
+        </p:style>
+      </p:cxnSp>
+      <p:sp>
+        <p:nvSpPr>
+          <p:cNvPr id="69" name="Rectángulo: esquinas redondeadas 68">
+            <a:extLst>
+              <a:ext uri="{FF2B5EF4-FFF2-40B4-BE49-F238E27FC236}">
+                <a16:creationId xmlns:a16="http://schemas.microsoft.com/office/drawing/2014/main" id="{5ADE929C-6049-F165-3005-B8B8916FF365}"/>
+              </a:ext>
+            </a:extLst>
+          </p:cNvPr>
+          <p:cNvSpPr/>
+          <p:nvPr/>
+        </p:nvSpPr>
+        <p:spPr>
+          <a:xfrm>
+            <a:off x="4847529" y="5310364"/>
+            <a:ext cx="1345447" cy="468268"/>
+          </a:xfrm>
+          <a:prstGeom prst="roundRect">
+            <a:avLst>
+              <a:gd name="adj" fmla="val 38711"/>
+            </a:avLst>
+          </a:prstGeom>
+          <a:noFill/>
+          <a:ln>
+            <a:solidFill>
+              <a:schemeClr val="bg1">
+                <a:lumMod val="50000"/>
+              </a:schemeClr>
+            </a:solidFill>
+          </a:ln>
+        </p:spPr>
+        <p:style>
+          <a:lnRef idx="2">
+            <a:schemeClr val="accent1">
+              <a:shade val="50000"/>
+            </a:schemeClr>
+          </a:lnRef>
+          <a:fillRef idx="1">
+            <a:schemeClr val="accent1"/>
+          </a:fillRef>
+          <a:effectRef idx="0">
+            <a:schemeClr val="accent1"/>
+          </a:effectRef>
+          <a:fontRef idx="minor">
+            <a:schemeClr val="lt1"/>
+          </a:fontRef>
+        </p:style>
+        <p:txBody>
+          <a:bodyPr rtlCol="0" anchor="ctr"/>
+          <a:lstStyle/>
+          <a:p>
+            <a:pPr algn="ctr"/>
+            <a:endParaRPr lang="es-ES" dirty="0"/>
+          </a:p>
+        </p:txBody>
+      </p:sp>
+      <p:sp>
+        <p:nvSpPr>
+          <p:cNvPr id="70" name="CuadroTexto 69">
+            <a:extLst>
+              <a:ext uri="{FF2B5EF4-FFF2-40B4-BE49-F238E27FC236}">
+                <a16:creationId xmlns:a16="http://schemas.microsoft.com/office/drawing/2014/main" id="{83C87E52-0F4B-BAB4-B379-5480DCDA66BD}"/>
+              </a:ext>
+            </a:extLst>
+          </p:cNvPr>
+          <p:cNvSpPr txBox="1"/>
+          <p:nvPr/>
+        </p:nvSpPr>
+        <p:spPr>
+          <a:xfrm>
+            <a:off x="4862006" y="5386620"/>
+            <a:ext cx="1359997" cy="338554"/>
+          </a:xfrm>
+          <a:prstGeom prst="rect">
+            <a:avLst/>
+          </a:prstGeom>
+          <a:noFill/>
+        </p:spPr>
+        <p:txBody>
+          <a:bodyPr wrap="square" rtlCol="0">
+            <a:spAutoFit/>
+          </a:bodyPr>
+          <a:lstStyle/>
+          <a:p>
+            <a:pPr algn="ctr"/>
+            <a:r>
+              <a:rPr lang="es-ES" sz="1600" dirty="0"/>
+              <a:t>Presentación</a:t>
+            </a:r>
+          </a:p>
+        </p:txBody>
+      </p:sp>
+      <p:sp>
+        <p:nvSpPr>
+          <p:cNvPr id="71" name="CuadroTexto 70">
+            <a:extLst>
+              <a:ext uri="{FF2B5EF4-FFF2-40B4-BE49-F238E27FC236}">
+                <a16:creationId xmlns:a16="http://schemas.microsoft.com/office/drawing/2014/main" id="{9D4AC526-3284-670D-C7BC-958EE556B5B7}"/>
+              </a:ext>
+            </a:extLst>
+          </p:cNvPr>
+          <p:cNvSpPr txBox="1"/>
+          <p:nvPr/>
+        </p:nvSpPr>
+        <p:spPr>
+          <a:xfrm>
+            <a:off x="8490007" y="5192284"/>
+            <a:ext cx="1105701" cy="584775"/>
+          </a:xfrm>
+          <a:prstGeom prst="rect">
+            <a:avLst/>
+          </a:prstGeom>
+          <a:noFill/>
+        </p:spPr>
+        <p:txBody>
+          <a:bodyPr wrap="square" rtlCol="0">
+            <a:spAutoFit/>
+          </a:bodyPr>
+          <a:lstStyle/>
+          <a:p>
+            <a:pPr algn="ctr"/>
+            <a:r>
+              <a:rPr lang="es-ES" sz="1600" dirty="0"/>
+              <a:t>Resultados</a:t>
+            </a:r>
+          </a:p>
+          <a:p>
+            <a:pPr algn="ctr"/>
+            <a:r>
+              <a:rPr lang="es-ES" sz="1600" dirty="0"/>
+              <a:t>Fase 3</a:t>
+            </a:r>
+          </a:p>
+        </p:txBody>
+      </p:sp>
+      <p:cxnSp>
+        <p:nvCxnSpPr>
+          <p:cNvPr id="72" name="Conector recto de flecha 71">
+            <a:extLst>
+              <a:ext uri="{FF2B5EF4-FFF2-40B4-BE49-F238E27FC236}">
+                <a16:creationId xmlns:a16="http://schemas.microsoft.com/office/drawing/2014/main" id="{85DB069E-887D-6A9A-9BB3-352E9C18F854}"/>
+              </a:ext>
+            </a:extLst>
+          </p:cNvPr>
+          <p:cNvCxnSpPr/>
+          <p:nvPr/>
+        </p:nvCxnSpPr>
+        <p:spPr>
+          <a:xfrm>
+            <a:off x="4527631" y="5527148"/>
+            <a:ext cx="252000" cy="0"/>
+          </a:xfrm>
+          <a:prstGeom prst="straightConnector1">
+            <a:avLst/>
+          </a:prstGeom>
+          <a:ln>
+            <a:prstDash val="dash"/>
+            <a:tailEnd type="triangle"/>
+          </a:ln>
+        </p:spPr>
+        <p:style>
+          <a:lnRef idx="1">
+            <a:schemeClr val="dk1"/>
+          </a:lnRef>
+          <a:fillRef idx="0">
+            <a:schemeClr val="dk1"/>
+          </a:fillRef>
+          <a:effectRef idx="0">
+            <a:schemeClr val="dk1"/>
+          </a:effectRef>
+          <a:fontRef idx="minor">
+            <a:schemeClr val="tx1"/>
+          </a:fontRef>
+        </p:style>
+      </p:cxnSp>
+      <p:cxnSp>
+        <p:nvCxnSpPr>
+          <p:cNvPr id="74" name="Conector: angular 73">
+            <a:extLst>
+              <a:ext uri="{FF2B5EF4-FFF2-40B4-BE49-F238E27FC236}">
+                <a16:creationId xmlns:a16="http://schemas.microsoft.com/office/drawing/2014/main" id="{7A6055A3-D665-E2ED-0E5A-AE7B56509C6B}"/>
+              </a:ext>
+            </a:extLst>
+          </p:cNvPr>
+          <p:cNvCxnSpPr>
+            <a:stCxn id="29" idx="2"/>
+            <a:endCxn id="57" idx="0"/>
+          </p:cNvCxnSpPr>
+          <p:nvPr/>
+        </p:nvCxnSpPr>
+        <p:spPr>
+          <a:xfrm rot="5400000">
+            <a:off x="5837456" y="2104962"/>
+            <a:ext cx="1263206" cy="5147599"/>
+          </a:xfrm>
+          <a:prstGeom prst="bentConnector3">
+            <a:avLst/>
+          </a:prstGeom>
+          <a:ln>
+            <a:prstDash val="dash"/>
+            <a:tailEnd type="triangle"/>
+          </a:ln>
+        </p:spPr>
+        <p:style>
+          <a:lnRef idx="1">
+            <a:schemeClr val="dk1"/>
+          </a:lnRef>
+          <a:fillRef idx="0">
+            <a:schemeClr val="dk1"/>
+          </a:fillRef>
+          <a:effectRef idx="0">
+            <a:schemeClr val="dk1"/>
+          </a:effectRef>
+          <a:fontRef idx="minor">
+            <a:schemeClr val="tx1"/>
+          </a:fontRef>
+        </p:style>
+      </p:cxnSp>
+    </p:spTree>
+    <p:extLst>
+      <p:ext uri="{BB962C8B-B14F-4D97-AF65-F5344CB8AC3E}">
+        <p14:creationId xmlns:p14="http://schemas.microsoft.com/office/powerpoint/2010/main" val="1843067066"/>
+      </p:ext>
+    </p:extLst>
+  </p:cSld>
+  <p:clrMapOvr>
+    <a:masterClrMapping/>
+  </p:clrMapOvr>
+</p:sld>
+</file>
+
 <file path=ppt/theme/theme1.xml><?xml version="1.0" encoding="utf-8"?>
 <a:theme xmlns:a="http://schemas.openxmlformats.org/drawingml/2006/main" name="Tema de Office">
   <a:themeElements>
@@ -12676,4 +15309,299 @@
     </a:ext>
   </a:extLst>
 </a:theme>
+</file>
+
+<file path=ppt/theme/theme2.xml><?xml version="1.0" encoding="utf-8"?>
+<a:theme xmlns:a="http://schemas.openxmlformats.org/drawingml/2006/main" name="Tema de Office">
+  <a:themeElements>
+    <a:clrScheme name="Office">
+      <a:dk1>
+        <a:sysClr val="windowText" lastClr="000000"/>
+      </a:dk1>
+      <a:lt1>
+        <a:sysClr val="window" lastClr="FFFFFF"/>
+      </a:lt1>
+      <a:dk2>
+        <a:srgbClr val="44546A"/>
+      </a:dk2>
+      <a:lt2>
+        <a:srgbClr val="E7E6E6"/>
+      </a:lt2>
+      <a:accent1>
+        <a:srgbClr val="4472C4"/>
+      </a:accent1>
+      <a:accent2>
+        <a:srgbClr val="ED7D31"/>
+      </a:accent2>
+      <a:accent3>
+        <a:srgbClr val="A5A5A5"/>
+      </a:accent3>
+      <a:accent4>
+        <a:srgbClr val="FFC000"/>
+      </a:accent4>
+      <a:accent5>
+        <a:srgbClr val="5B9BD5"/>
+      </a:accent5>
+      <a:accent6>
+        <a:srgbClr val="70AD47"/>
+      </a:accent6>
+      <a:hlink>
+        <a:srgbClr val="0563C1"/>
+      </a:hlink>
+      <a:folHlink>
+        <a:srgbClr val="954F72"/>
+      </a:folHlink>
+    </a:clrScheme>
+    <a:fontScheme name="Office">
+      <a:majorFont>
+        <a:latin typeface="Calibri Light" panose="020F0302020204030204"/>
+        <a:ea typeface=""/>
+        <a:cs typeface=""/>
+        <a:font script="Jpan" typeface="游ゴシック Light"/>
+        <a:font script="Hang" typeface="맑은 고딕"/>
+        <a:font script="Hans" typeface="等线 Light"/>
+        <a:font script="Hant" typeface="新細明體"/>
+        <a:font script="Arab" typeface="Times New Roman"/>
+        <a:font script="Hebr" typeface="Times New Roman"/>
+        <a:font script="Thai" typeface="Angsana New"/>
+        <a:font script="Ethi" typeface="Nyala"/>
+        <a:font script="Beng" typeface="Vrinda"/>
+        <a:font script="Gujr" typeface="Shruti"/>
+        <a:font script="Khmr" typeface="MoolBoran"/>
+        <a:font script="Knda" typeface="Tunga"/>
+        <a:font script="Guru" typeface="Raavi"/>
+        <a:font script="Cans" typeface="Euphemia"/>
+        <a:font script="Cher" typeface="Plantagenet Cherokee"/>
+        <a:font script="Yiii" typeface="Microsoft Yi Baiti"/>
+        <a:font script="Tibt" typeface="Microsoft Himalaya"/>
+        <a:font script="Thaa" typeface="MV Boli"/>
+        <a:font script="Deva" typeface="Mangal"/>
+        <a:font script="Telu" typeface="Gautami"/>
+        <a:font script="Taml" typeface="Latha"/>
+        <a:font script="Syrc" typeface="Estrangelo Edessa"/>
+        <a:font script="Orya" typeface="Kalinga"/>
+        <a:font script="Mlym" typeface="Kartika"/>
+        <a:font script="Laoo" typeface="DokChampa"/>
+        <a:font script="Sinh" typeface="Iskoola Pota"/>
+        <a:font script="Mong" typeface="Mongolian Baiti"/>
+        <a:font script="Viet" typeface="Times New Roman"/>
+        <a:font script="Uigh" typeface="Microsoft Uighur"/>
+        <a:font script="Geor" typeface="Sylfaen"/>
+        <a:font script="Armn" typeface="Arial"/>
+        <a:font script="Bugi" typeface="Leelawadee UI"/>
+        <a:font script="Bopo" typeface="Microsoft JhengHei"/>
+        <a:font script="Java" typeface="Javanese Text"/>
+        <a:font script="Lisu" typeface="Segoe UI"/>
+        <a:font script="Mymr" typeface="Myanmar Text"/>
+        <a:font script="Nkoo" typeface="Ebrima"/>
+        <a:font script="Olck" typeface="Nirmala UI"/>
+        <a:font script="Osma" typeface="Ebrima"/>
+        <a:font script="Phag" typeface="Phagspa"/>
+        <a:font script="Syrn" typeface="Estrangelo Edessa"/>
+        <a:font script="Syrj" typeface="Estrangelo Edessa"/>
+        <a:font script="Syre" typeface="Estrangelo Edessa"/>
+        <a:font script="Sora" typeface="Nirmala UI"/>
+        <a:font script="Tale" typeface="Microsoft Tai Le"/>
+        <a:font script="Talu" typeface="Microsoft New Tai Lue"/>
+        <a:font script="Tfng" typeface="Ebrima"/>
+      </a:majorFont>
+      <a:minorFont>
+        <a:latin typeface="Calibri" panose="020F0502020204030204"/>
+        <a:ea typeface=""/>
+        <a:cs typeface=""/>
+        <a:font script="Jpan" typeface="游ゴシック"/>
+        <a:font script="Hang" typeface="맑은 고딕"/>
+        <a:font script="Hans" typeface="等线"/>
+        <a:font script="Hant" typeface="新細明體"/>
+        <a:font script="Arab" typeface="Arial"/>
+        <a:font script="Hebr" typeface="Arial"/>
+        <a:font script="Thai" typeface="Cordia New"/>
+        <a:font script="Ethi" typeface="Nyala"/>
+        <a:font script="Beng" typeface="Vrinda"/>
+        <a:font script="Gujr" typeface="Shruti"/>
+        <a:font script="Khmr" typeface="DaunPenh"/>
+        <a:font script="Knda" typeface="Tunga"/>
+        <a:font script="Guru" typeface="Raavi"/>
+        <a:font script="Cans" typeface="Euphemia"/>
+        <a:font script="Cher" typeface="Plantagenet Cherokee"/>
+        <a:font script="Yiii" typeface="Microsoft Yi Baiti"/>
+        <a:font script="Tibt" typeface="Microsoft Himalaya"/>
+        <a:font script="Thaa" typeface="MV Boli"/>
+        <a:font script="Deva" typeface="Mangal"/>
+        <a:font script="Telu" typeface="Gautami"/>
+        <a:font script="Taml" typeface="Latha"/>
+        <a:font script="Syrc" typeface="Estrangelo Edessa"/>
+        <a:font script="Orya" typeface="Kalinga"/>
+        <a:font script="Mlym" typeface="Kartika"/>
+        <a:font script="Laoo" typeface="DokChampa"/>
+        <a:font script="Sinh" typeface="Iskoola Pota"/>
+        <a:font script="Mong" typeface="Mongolian Baiti"/>
+        <a:font script="Viet" typeface="Arial"/>
+        <a:font script="Uigh" typeface="Microsoft Uighur"/>
+        <a:font script="Geor" typeface="Sylfaen"/>
+        <a:font script="Armn" typeface="Arial"/>
+        <a:font script="Bugi" typeface="Leelawadee UI"/>
+        <a:font script="Bopo" typeface="Microsoft JhengHei"/>
+        <a:font script="Java" typeface="Javanese Text"/>
+        <a:font script="Lisu" typeface="Segoe UI"/>
+        <a:font script="Mymr" typeface="Myanmar Text"/>
+        <a:font script="Nkoo" typeface="Ebrima"/>
+        <a:font script="Olck" typeface="Nirmala UI"/>
+        <a:font script="Osma" typeface="Ebrima"/>
+        <a:font script="Phag" typeface="Phagspa"/>
+        <a:font script="Syrn" typeface="Estrangelo Edessa"/>
+        <a:font script="Syrj" typeface="Estrangelo Edessa"/>
+        <a:font script="Syre" typeface="Estrangelo Edessa"/>
+        <a:font script="Sora" typeface="Nirmala UI"/>
+        <a:font script="Tale" typeface="Microsoft Tai Le"/>
+        <a:font script="Talu" typeface="Microsoft New Tai Lue"/>
+        <a:font script="Tfng" typeface="Ebrima"/>
+      </a:minorFont>
+    </a:fontScheme>
+    <a:fmtScheme name="Office">
+      <a:fillStyleLst>
+        <a:solidFill>
+          <a:schemeClr val="phClr"/>
+        </a:solidFill>
+        <a:gradFill rotWithShape="1">
+          <a:gsLst>
+            <a:gs pos="0">
+              <a:schemeClr val="phClr">
+                <a:lumMod val="110000"/>
+                <a:satMod val="105000"/>
+                <a:tint val="67000"/>
+              </a:schemeClr>
+            </a:gs>
+            <a:gs pos="50000">
+              <a:schemeClr val="phClr">
+                <a:lumMod val="105000"/>
+                <a:satMod val="103000"/>
+                <a:tint val="73000"/>
+              </a:schemeClr>
+            </a:gs>
+            <a:gs pos="100000">
+              <a:schemeClr val="phClr">
+                <a:lumMod val="105000"/>
+                <a:satMod val="109000"/>
+                <a:tint val="81000"/>
+              </a:schemeClr>
+            </a:gs>
+          </a:gsLst>
+          <a:lin ang="5400000" scaled="0"/>
+        </a:gradFill>
+        <a:gradFill rotWithShape="1">
+          <a:gsLst>
+            <a:gs pos="0">
+              <a:schemeClr val="phClr">
+                <a:satMod val="103000"/>
+                <a:lumMod val="102000"/>
+                <a:tint val="94000"/>
+              </a:schemeClr>
+            </a:gs>
+            <a:gs pos="50000">
+              <a:schemeClr val="phClr">
+                <a:satMod val="110000"/>
+                <a:lumMod val="100000"/>
+                <a:shade val="100000"/>
+              </a:schemeClr>
+            </a:gs>
+            <a:gs pos="100000">
+              <a:schemeClr val="phClr">
+                <a:lumMod val="99000"/>
+                <a:satMod val="120000"/>
+                <a:shade val="78000"/>
+              </a:schemeClr>
+            </a:gs>
+          </a:gsLst>
+          <a:lin ang="5400000" scaled="0"/>
+        </a:gradFill>
+      </a:fillStyleLst>
+      <a:lnStyleLst>
+        <a:ln w="6350" cap="flat" cmpd="sng" algn="ctr">
+          <a:solidFill>
+            <a:schemeClr val="phClr"/>
+          </a:solidFill>
+          <a:prstDash val="solid"/>
+          <a:miter lim="800000"/>
+        </a:ln>
+        <a:ln w="12700" cap="flat" cmpd="sng" algn="ctr">
+          <a:solidFill>
+            <a:schemeClr val="phClr"/>
+          </a:solidFill>
+          <a:prstDash val="solid"/>
+          <a:miter lim="800000"/>
+        </a:ln>
+        <a:ln w="19050" cap="flat" cmpd="sng" algn="ctr">
+          <a:solidFill>
+            <a:schemeClr val="phClr"/>
+          </a:solidFill>
+          <a:prstDash val="solid"/>
+          <a:miter lim="800000"/>
+        </a:ln>
+      </a:lnStyleLst>
+      <a:effectStyleLst>
+        <a:effectStyle>
+          <a:effectLst/>
+        </a:effectStyle>
+        <a:effectStyle>
+          <a:effectLst/>
+        </a:effectStyle>
+        <a:effectStyle>
+          <a:effectLst>
+            <a:outerShdw blurRad="57150" dist="19050" dir="5400000" algn="ctr" rotWithShape="0">
+              <a:srgbClr val="000000">
+                <a:alpha val="63000"/>
+              </a:srgbClr>
+            </a:outerShdw>
+          </a:effectLst>
+        </a:effectStyle>
+      </a:effectStyleLst>
+      <a:bgFillStyleLst>
+        <a:solidFill>
+          <a:schemeClr val="phClr"/>
+        </a:solidFill>
+        <a:solidFill>
+          <a:schemeClr val="phClr">
+            <a:tint val="95000"/>
+            <a:satMod val="170000"/>
+          </a:schemeClr>
+        </a:solidFill>
+        <a:gradFill rotWithShape="1">
+          <a:gsLst>
+            <a:gs pos="0">
+              <a:schemeClr val="phClr">
+                <a:tint val="93000"/>
+                <a:satMod val="150000"/>
+                <a:shade val="98000"/>
+                <a:lumMod val="102000"/>
+              </a:schemeClr>
+            </a:gs>
+            <a:gs pos="50000">
+              <a:schemeClr val="phClr">
+                <a:tint val="98000"/>
+                <a:satMod val="130000"/>
+                <a:shade val="90000"/>
+                <a:lumMod val="103000"/>
+              </a:schemeClr>
+            </a:gs>
+            <a:gs pos="100000">
+              <a:schemeClr val="phClr">
+                <a:shade val="63000"/>
+                <a:satMod val="120000"/>
+              </a:schemeClr>
+            </a:gs>
+          </a:gsLst>
+          <a:lin ang="5400000" scaled="0"/>
+        </a:gradFill>
+      </a:bgFillStyleLst>
+    </a:fmtScheme>
+  </a:themeElements>
+  <a:objectDefaults/>
+  <a:extraClrSchemeLst/>
+  <a:extLst>
+    <a:ext uri="{05A4C25C-085E-4340-85A3-A5531E510DB2}">
+      <thm15:themeFamily xmlns:thm15="http://schemas.microsoft.com/office/thememl/2012/main" name="Office Theme" id="{62F939B6-93AF-4DB8-9C6B-D6C7DFDC589F}" vid="{4A3C46E8-61CC-4603-A589-7422A47A8E4A}"/>
+    </a:ext>
+  </a:extLst>
+</a:theme>
 </file>
--- a/CV-AJTR.pptx
+++ b/CV-AJTR.pptx
@@ -5,13 +5,14 @@
     <p:sldMasterId id="2147483648" r:id="rId1"/>
   </p:sldMasterIdLst>
   <p:notesMasterIdLst>
-    <p:notesMasterId r:id="rId6"/>
+    <p:notesMasterId r:id="rId7"/>
   </p:notesMasterIdLst>
   <p:sldIdLst>
     <p:sldId id="257" r:id="rId2"/>
     <p:sldId id="258" r:id="rId3"/>
     <p:sldId id="256" r:id="rId4"/>
-    <p:sldId id="259" r:id="rId5"/>
+    <p:sldId id="260" r:id="rId5"/>
+    <p:sldId id="259" r:id="rId6"/>
   </p:sldIdLst>
   <p:sldSz cx="12192000" cy="6858000"/>
   <p:notesSz cx="6858000" cy="9144000"/>
@@ -866,6 +867,753 @@
 </file>
 
 <file path=ppt/diagrams/colors2.xml><?xml version="1.0" encoding="utf-8"?>
+<dgm:colorsDef xmlns:dgm="http://schemas.openxmlformats.org/drawingml/2006/diagram" xmlns:a="http://schemas.openxmlformats.org/drawingml/2006/main" uniqueId="urn:microsoft.com/office/officeart/2005/8/colors/accent1_2">
+  <dgm:title val=""/>
+  <dgm:desc val=""/>
+  <dgm:catLst>
+    <dgm:cat type="accent1" pri="11200"/>
+  </dgm:catLst>
+  <dgm:styleLbl name="node0">
+    <dgm:fillClrLst meth="repeat">
+      <a:schemeClr val="accent1"/>
+    </dgm:fillClrLst>
+    <dgm:linClrLst meth="repeat">
+      <a:schemeClr val="lt1"/>
+    </dgm:linClrLst>
+    <dgm:effectClrLst/>
+    <dgm:txLinClrLst/>
+    <dgm:txFillClrLst/>
+    <dgm:txEffectClrLst/>
+  </dgm:styleLbl>
+  <dgm:styleLbl name="alignNode1">
+    <dgm:fillClrLst meth="repeat">
+      <a:schemeClr val="accent1"/>
+    </dgm:fillClrLst>
+    <dgm:linClrLst meth="repeat">
+      <a:schemeClr val="accent1"/>
+    </dgm:linClrLst>
+    <dgm:effectClrLst/>
+    <dgm:txLinClrLst/>
+    <dgm:txFillClrLst/>
+    <dgm:txEffectClrLst/>
+  </dgm:styleLbl>
+  <dgm:styleLbl name="node1">
+    <dgm:fillClrLst meth="repeat">
+      <a:schemeClr val="accent1"/>
+    </dgm:fillClrLst>
+    <dgm:linClrLst meth="repeat">
+      <a:schemeClr val="lt1"/>
+    </dgm:linClrLst>
+    <dgm:effectClrLst/>
+    <dgm:txLinClrLst/>
+    <dgm:txFillClrLst/>
+    <dgm:txEffectClrLst/>
+  </dgm:styleLbl>
+  <dgm:styleLbl name="lnNode1">
+    <dgm:fillClrLst meth="repeat">
+      <a:schemeClr val="accent1"/>
+    </dgm:fillClrLst>
+    <dgm:linClrLst meth="repeat">
+      <a:schemeClr val="lt1"/>
+    </dgm:linClrLst>
+    <dgm:effectClrLst/>
+    <dgm:txLinClrLst/>
+    <dgm:txFillClrLst/>
+    <dgm:txEffectClrLst/>
+  </dgm:styleLbl>
+  <dgm:styleLbl name="vennNode1">
+    <dgm:fillClrLst meth="repeat">
+      <a:schemeClr val="accent1">
+        <a:alpha val="50000"/>
+      </a:schemeClr>
+    </dgm:fillClrLst>
+    <dgm:linClrLst meth="repeat">
+      <a:schemeClr val="lt1"/>
+    </dgm:linClrLst>
+    <dgm:effectClrLst/>
+    <dgm:txLinClrLst/>
+    <dgm:txFillClrLst/>
+    <dgm:txEffectClrLst/>
+  </dgm:styleLbl>
+  <dgm:styleLbl name="node2">
+    <dgm:fillClrLst meth="repeat">
+      <a:schemeClr val="accent1"/>
+    </dgm:fillClrLst>
+    <dgm:linClrLst meth="repeat">
+      <a:schemeClr val="lt1"/>
+    </dgm:linClrLst>
+    <dgm:effectClrLst/>
+    <dgm:txLinClrLst/>
+    <dgm:txFillClrLst/>
+    <dgm:txEffectClrLst/>
+  </dgm:styleLbl>
+  <dgm:styleLbl name="node3">
+    <dgm:fillClrLst meth="repeat">
+      <a:schemeClr val="accent1"/>
+    </dgm:fillClrLst>
+    <dgm:linClrLst meth="repeat">
+      <a:schemeClr val="lt1"/>
+    </dgm:linClrLst>
+    <dgm:effectClrLst/>
+    <dgm:txLinClrLst/>
+    <dgm:txFillClrLst/>
+    <dgm:txEffectClrLst/>
+  </dgm:styleLbl>
+  <dgm:styleLbl name="node4">
+    <dgm:fillClrLst meth="repeat">
+      <a:schemeClr val="accent1"/>
+    </dgm:fillClrLst>
+    <dgm:linClrLst meth="repeat">
+      <a:schemeClr val="lt1"/>
+    </dgm:linClrLst>
+    <dgm:effectClrLst/>
+    <dgm:txLinClrLst/>
+    <dgm:txFillClrLst/>
+    <dgm:txEffectClrLst/>
+  </dgm:styleLbl>
+  <dgm:styleLbl name="fgImgPlace1">
+    <dgm:fillClrLst meth="repeat">
+      <a:schemeClr val="accent1">
+        <a:tint val="50000"/>
+      </a:schemeClr>
+    </dgm:fillClrLst>
+    <dgm:linClrLst meth="repeat">
+      <a:schemeClr val="lt1"/>
+    </dgm:linClrLst>
+    <dgm:effectClrLst/>
+    <dgm:txLinClrLst/>
+    <dgm:txFillClrLst meth="repeat">
+      <a:schemeClr val="lt1"/>
+    </dgm:txFillClrLst>
+    <dgm:txEffectClrLst/>
+  </dgm:styleLbl>
+  <dgm:styleLbl name="alignImgPlace1">
+    <dgm:fillClrLst meth="repeat">
+      <a:schemeClr val="accent1">
+        <a:tint val="50000"/>
+      </a:schemeClr>
+    </dgm:fillClrLst>
+    <dgm:linClrLst meth="repeat">
+      <a:schemeClr val="lt1"/>
+    </dgm:linClrLst>
+    <dgm:effectClrLst/>
+    <dgm:txLinClrLst/>
+    <dgm:txFillClrLst meth="repeat">
+      <a:schemeClr val="lt1"/>
+    </dgm:txFillClrLst>
+    <dgm:txEffectClrLst/>
+  </dgm:styleLbl>
+  <dgm:styleLbl name="bgImgPlace1">
+    <dgm:fillClrLst meth="repeat">
+      <a:schemeClr val="accent1">
+        <a:tint val="50000"/>
+      </a:schemeClr>
+    </dgm:fillClrLst>
+    <dgm:linClrLst meth="repeat">
+      <a:schemeClr val="lt1"/>
+    </dgm:linClrLst>
+    <dgm:effectClrLst/>
+    <dgm:txLinClrLst/>
+    <dgm:txFillClrLst meth="repeat">
+      <a:schemeClr val="lt1"/>
+    </dgm:txFillClrLst>
+    <dgm:txEffectClrLst/>
+  </dgm:styleLbl>
+  <dgm:styleLbl name="sibTrans2D1">
+    <dgm:fillClrLst meth="repeat">
+      <a:schemeClr val="accent1">
+        <a:tint val="60000"/>
+      </a:schemeClr>
+    </dgm:fillClrLst>
+    <dgm:linClrLst meth="repeat">
+      <a:schemeClr val="accent1">
+        <a:tint val="60000"/>
+      </a:schemeClr>
+    </dgm:linClrLst>
+    <dgm:effectClrLst/>
+    <dgm:txLinClrLst/>
+    <dgm:txFillClrLst/>
+    <dgm:txEffectClrLst/>
+  </dgm:styleLbl>
+  <dgm:styleLbl name="fgSibTrans2D1">
+    <dgm:fillClrLst meth="repeat">
+      <a:schemeClr val="accent1">
+        <a:tint val="60000"/>
+      </a:schemeClr>
+    </dgm:fillClrLst>
+    <dgm:linClrLst meth="repeat">
+      <a:schemeClr val="accent1">
+        <a:tint val="60000"/>
+      </a:schemeClr>
+    </dgm:linClrLst>
+    <dgm:effectClrLst/>
+    <dgm:txLinClrLst/>
+    <dgm:txFillClrLst/>
+    <dgm:txEffectClrLst/>
+  </dgm:styleLbl>
+  <dgm:styleLbl name="bgSibTrans2D1">
+    <dgm:fillClrLst meth="repeat">
+      <a:schemeClr val="accent1">
+        <a:tint val="60000"/>
+      </a:schemeClr>
+    </dgm:fillClrLst>
+    <dgm:linClrLst meth="repeat">
+      <a:schemeClr val="accent1">
+        <a:tint val="60000"/>
+      </a:schemeClr>
+    </dgm:linClrLst>
+    <dgm:effectClrLst/>
+    <dgm:txLinClrLst/>
+    <dgm:txFillClrLst/>
+    <dgm:txEffectClrLst/>
+  </dgm:styleLbl>
+  <dgm:styleLbl name="sibTrans1D1">
+    <dgm:fillClrLst meth="repeat">
+      <a:schemeClr val="accent1"/>
+    </dgm:fillClrLst>
+    <dgm:linClrLst meth="repeat">
+      <a:schemeClr val="accent1"/>
+    </dgm:linClrLst>
+    <dgm:effectClrLst/>
+    <dgm:txLinClrLst/>
+    <dgm:txFillClrLst meth="repeat">
+      <a:schemeClr val="tx1"/>
+    </dgm:txFillClrLst>
+    <dgm:txEffectClrLst/>
+  </dgm:styleLbl>
+  <dgm:styleLbl name="callout">
+    <dgm:fillClrLst meth="repeat">
+      <a:schemeClr val="accent1"/>
+    </dgm:fillClrLst>
+    <dgm:linClrLst meth="repeat">
+      <a:schemeClr val="accent1">
+        <a:tint val="50000"/>
+      </a:schemeClr>
+    </dgm:linClrLst>
+    <dgm:effectClrLst/>
+    <dgm:txLinClrLst/>
+    <dgm:txFillClrLst meth="repeat">
+      <a:schemeClr val="tx1"/>
+    </dgm:txFillClrLst>
+    <dgm:txEffectClrLst/>
+  </dgm:styleLbl>
+  <dgm:styleLbl name="asst0">
+    <dgm:fillClrLst meth="repeat">
+      <a:schemeClr val="accent1"/>
+    </dgm:fillClrLst>
+    <dgm:linClrLst meth="repeat">
+      <a:schemeClr val="lt1"/>
+    </dgm:linClrLst>
+    <dgm:effectClrLst/>
+    <dgm:txLinClrLst/>
+    <dgm:txFillClrLst/>
+    <dgm:txEffectClrLst/>
+  </dgm:styleLbl>
+  <dgm:styleLbl name="asst1">
+    <dgm:fillClrLst meth="repeat">
+      <a:schemeClr val="accent1"/>
+    </dgm:fillClrLst>
+    <dgm:linClrLst meth="repeat">
+      <a:schemeClr val="lt1"/>
+    </dgm:linClrLst>
+    <dgm:effectClrLst/>
+    <dgm:txLinClrLst/>
+    <dgm:txFillClrLst/>
+    <dgm:txEffectClrLst/>
+  </dgm:styleLbl>
+  <dgm:styleLbl name="asst2">
+    <dgm:fillClrLst meth="repeat">
+      <a:schemeClr val="accent1"/>
+    </dgm:fillClrLst>
+    <dgm:linClrLst meth="repeat">
+      <a:schemeClr val="lt1"/>
+    </dgm:linClrLst>
+    <dgm:effectClrLst/>
+    <dgm:txLinClrLst/>
+    <dgm:txFillClrLst/>
+    <dgm:txEffectClrLst/>
+  </dgm:styleLbl>
+  <dgm:styleLbl name="asst3">
+    <dgm:fillClrLst meth="repeat">
+      <a:schemeClr val="accent1"/>
+    </dgm:fillClrLst>
+    <dgm:linClrLst meth="repeat">
+      <a:schemeClr val="lt1"/>
+    </dgm:linClrLst>
+    <dgm:effectClrLst/>
+    <dgm:txLinClrLst/>
+    <dgm:txFillClrLst/>
+    <dgm:txEffectClrLst/>
+  </dgm:styleLbl>
+  <dgm:styleLbl name="asst4">
+    <dgm:fillClrLst meth="repeat">
+      <a:schemeClr val="accent1"/>
+    </dgm:fillClrLst>
+    <dgm:linClrLst meth="repeat">
+      <a:schemeClr val="lt1"/>
+    </dgm:linClrLst>
+    <dgm:effectClrLst/>
+    <dgm:txLinClrLst/>
+    <dgm:txFillClrLst/>
+    <dgm:txEffectClrLst/>
+  </dgm:styleLbl>
+  <dgm:styleLbl name="parChTrans2D1">
+    <dgm:fillClrLst meth="repeat">
+      <a:schemeClr val="accent1">
+        <a:tint val="60000"/>
+      </a:schemeClr>
+    </dgm:fillClrLst>
+    <dgm:linClrLst meth="repeat">
+      <a:schemeClr val="accent1">
+        <a:tint val="60000"/>
+      </a:schemeClr>
+    </dgm:linClrLst>
+    <dgm:effectClrLst/>
+    <dgm:txLinClrLst/>
+    <dgm:txFillClrLst meth="repeat">
+      <a:schemeClr val="lt1"/>
+    </dgm:txFillClrLst>
+    <dgm:txEffectClrLst/>
+  </dgm:styleLbl>
+  <dgm:styleLbl name="parChTrans2D2">
+    <dgm:fillClrLst meth="repeat">
+      <a:schemeClr val="accent1"/>
+    </dgm:fillClrLst>
+    <dgm:linClrLst meth="repeat">
+      <a:schemeClr val="accent1"/>
+    </dgm:linClrLst>
+    <dgm:effectClrLst/>
+    <dgm:txLinClrLst/>
+    <dgm:txFillClrLst meth="repeat">
+      <a:schemeClr val="lt1"/>
+    </dgm:txFillClrLst>
+    <dgm:txEffectClrLst/>
+  </dgm:styleLbl>
+  <dgm:styleLbl name="parChTrans2D3">
+    <dgm:fillClrLst meth="repeat">
+      <a:schemeClr val="accent1"/>
+    </dgm:fillClrLst>
+    <dgm:linClrLst meth="repeat">
+      <a:schemeClr val="accent1"/>
+    </dgm:linClrLst>
+    <dgm:effectClrLst/>
+    <dgm:txLinClrLst/>
+    <dgm:txFillClrLst meth="repeat">
+      <a:schemeClr val="lt1"/>
+    </dgm:txFillClrLst>
+    <dgm:txEffectClrLst/>
+  </dgm:styleLbl>
+  <dgm:styleLbl name="parChTrans2D4">
+    <dgm:fillClrLst meth="repeat">
+      <a:schemeClr val="accent1"/>
+    </dgm:fillClrLst>
+    <dgm:linClrLst meth="repeat">
+      <a:schemeClr val="accent1"/>
+    </dgm:linClrLst>
+    <dgm:effectClrLst/>
+    <dgm:txLinClrLst/>
+    <dgm:txFillClrLst meth="repeat">
+      <a:schemeClr val="lt1"/>
+    </dgm:txFillClrLst>
+    <dgm:txEffectClrLst/>
+  </dgm:styleLbl>
+  <dgm:styleLbl name="parChTrans1D1">
+    <dgm:fillClrLst meth="repeat">
+      <a:schemeClr val="accent1"/>
+    </dgm:fillClrLst>
+    <dgm:linClrLst meth="repeat">
+      <a:schemeClr val="accent1">
+        <a:shade val="60000"/>
+      </a:schemeClr>
+    </dgm:linClrLst>
+    <dgm:effectClrLst/>
+    <dgm:txLinClrLst/>
+    <dgm:txFillClrLst meth="repeat">
+      <a:schemeClr val="tx1"/>
+    </dgm:txFillClrLst>
+    <dgm:txEffectClrLst/>
+  </dgm:styleLbl>
+  <dgm:styleLbl name="parChTrans1D2">
+    <dgm:fillClrLst meth="repeat">
+      <a:schemeClr val="accent1"/>
+    </dgm:fillClrLst>
+    <dgm:linClrLst meth="repeat">
+      <a:schemeClr val="accent1">
+        <a:shade val="60000"/>
+      </a:schemeClr>
+    </dgm:linClrLst>
+    <dgm:effectClrLst/>
+    <dgm:txLinClrLst/>
+    <dgm:txFillClrLst meth="repeat">
+      <a:schemeClr val="tx1"/>
+    </dgm:txFillClrLst>
+    <dgm:txEffectClrLst/>
+  </dgm:styleLbl>
+  <dgm:styleLbl name="parChTrans1D3">
+    <dgm:fillClrLst meth="repeat">
+      <a:schemeClr val="accent1"/>
+    </dgm:fillClrLst>
+    <dgm:linClrLst meth="repeat">
+      <a:schemeClr val="accent1">
+        <a:shade val="80000"/>
+      </a:schemeClr>
+    </dgm:linClrLst>
+    <dgm:effectClrLst/>
+    <dgm:txLinClrLst/>
+    <dgm:txFillClrLst meth="repeat">
+      <a:schemeClr val="tx1"/>
+    </dgm:txFillClrLst>
+    <dgm:txEffectClrLst/>
+  </dgm:styleLbl>
+  <dgm:styleLbl name="parChTrans1D4">
+    <dgm:fillClrLst meth="repeat">
+      <a:schemeClr val="accent1"/>
+    </dgm:fillClrLst>
+    <dgm:linClrLst meth="repeat">
+      <a:schemeClr val="accent1">
+        <a:shade val="80000"/>
+      </a:schemeClr>
+    </dgm:linClrLst>
+    <dgm:effectClrLst/>
+    <dgm:txLinClrLst/>
+    <dgm:txFillClrLst meth="repeat">
+      <a:schemeClr val="tx1"/>
+    </dgm:txFillClrLst>
+    <dgm:txEffectClrLst/>
+  </dgm:styleLbl>
+  <dgm:styleLbl name="fgAcc1">
+    <dgm:fillClrLst meth="repeat">
+      <a:schemeClr val="lt1">
+        <a:alpha val="90000"/>
+      </a:schemeClr>
+    </dgm:fillClrLst>
+    <dgm:linClrLst meth="repeat">
+      <a:schemeClr val="accent1"/>
+    </dgm:linClrLst>
+    <dgm:effectClrLst/>
+    <dgm:txLinClrLst/>
+    <dgm:txFillClrLst meth="repeat">
+      <a:schemeClr val="dk1"/>
+    </dgm:txFillClrLst>
+    <dgm:txEffectClrLst/>
+  </dgm:styleLbl>
+  <dgm:styleLbl name="conFgAcc1">
+    <dgm:fillClrLst meth="repeat">
+      <a:schemeClr val="lt1">
+        <a:alpha val="90000"/>
+      </a:schemeClr>
+    </dgm:fillClrLst>
+    <dgm:linClrLst meth="repeat">
+      <a:schemeClr val="accent1"/>
+    </dgm:linClrLst>
+    <dgm:effectClrLst/>
+    <dgm:txLinClrLst/>
+    <dgm:txFillClrLst meth="repeat">
+      <a:schemeClr val="dk1"/>
+    </dgm:txFillClrLst>
+    <dgm:txEffectClrLst/>
+  </dgm:styleLbl>
+  <dgm:styleLbl name="alignAcc1">
+    <dgm:fillClrLst meth="repeat">
+      <a:schemeClr val="lt1">
+        <a:alpha val="90000"/>
+      </a:schemeClr>
+    </dgm:fillClrLst>
+    <dgm:linClrLst meth="repeat">
+      <a:schemeClr val="accent1"/>
+    </dgm:linClrLst>
+    <dgm:effectClrLst/>
+    <dgm:txLinClrLst/>
+    <dgm:txFillClrLst meth="repeat">
+      <a:schemeClr val="dk1"/>
+    </dgm:txFillClrLst>
+    <dgm:txEffectClrLst/>
+  </dgm:styleLbl>
+  <dgm:styleLbl name="trAlignAcc1">
+    <dgm:fillClrLst meth="repeat">
+      <a:schemeClr val="lt1">
+        <a:alpha val="40000"/>
+      </a:schemeClr>
+    </dgm:fillClrLst>
+    <dgm:linClrLst meth="repeat">
+      <a:schemeClr val="accent1"/>
+    </dgm:linClrLst>
+    <dgm:effectClrLst/>
+    <dgm:txLinClrLst/>
+    <dgm:txFillClrLst meth="repeat">
+      <a:schemeClr val="dk1"/>
+    </dgm:txFillClrLst>
+    <dgm:txEffectClrLst/>
+  </dgm:styleLbl>
+  <dgm:styleLbl name="bgAcc1">
+    <dgm:fillClrLst meth="repeat">
+      <a:schemeClr val="lt1">
+        <a:alpha val="90000"/>
+      </a:schemeClr>
+    </dgm:fillClrLst>
+    <dgm:linClrLst meth="repeat">
+      <a:schemeClr val="accent1"/>
+    </dgm:linClrLst>
+    <dgm:effectClrLst/>
+    <dgm:txLinClrLst/>
+    <dgm:txFillClrLst meth="repeat">
+      <a:schemeClr val="dk1"/>
+    </dgm:txFillClrLst>
+    <dgm:txEffectClrLst/>
+  </dgm:styleLbl>
+  <dgm:styleLbl name="solidFgAcc1">
+    <dgm:fillClrLst meth="repeat">
+      <a:schemeClr val="lt1"/>
+    </dgm:fillClrLst>
+    <dgm:linClrLst meth="repeat">
+      <a:schemeClr val="accent1"/>
+    </dgm:linClrLst>
+    <dgm:effectClrLst/>
+    <dgm:txLinClrLst/>
+    <dgm:txFillClrLst meth="repeat">
+      <a:schemeClr val="dk1"/>
+    </dgm:txFillClrLst>
+    <dgm:txEffectClrLst/>
+  </dgm:styleLbl>
+  <dgm:styleLbl name="solidAlignAcc1">
+    <dgm:fillClrLst meth="repeat">
+      <a:schemeClr val="lt1"/>
+    </dgm:fillClrLst>
+    <dgm:linClrLst meth="repeat">
+      <a:schemeClr val="accent1"/>
+    </dgm:linClrLst>
+    <dgm:effectClrLst/>
+    <dgm:txLinClrLst/>
+    <dgm:txFillClrLst meth="repeat">
+      <a:schemeClr val="dk1"/>
+    </dgm:txFillClrLst>
+    <dgm:txEffectClrLst/>
+  </dgm:styleLbl>
+  <dgm:styleLbl name="solidBgAcc1">
+    <dgm:fillClrLst meth="repeat">
+      <a:schemeClr val="lt1"/>
+    </dgm:fillClrLst>
+    <dgm:linClrLst meth="repeat">
+      <a:schemeClr val="accent1"/>
+    </dgm:linClrLst>
+    <dgm:effectClrLst/>
+    <dgm:txLinClrLst/>
+    <dgm:txFillClrLst meth="repeat">
+      <a:schemeClr val="dk1"/>
+    </dgm:txFillClrLst>
+    <dgm:txEffectClrLst/>
+  </dgm:styleLbl>
+  <dgm:styleLbl name="fgAccFollowNode1">
+    <dgm:fillClrLst meth="repeat">
+      <a:schemeClr val="accent1">
+        <a:alpha val="90000"/>
+        <a:tint val="40000"/>
+      </a:schemeClr>
+    </dgm:fillClrLst>
+    <dgm:linClrLst meth="repeat">
+      <a:schemeClr val="accent1">
+        <a:alpha val="90000"/>
+        <a:tint val="40000"/>
+      </a:schemeClr>
+    </dgm:linClrLst>
+    <dgm:effectClrLst/>
+    <dgm:txLinClrLst/>
+    <dgm:txFillClrLst meth="repeat">
+      <a:schemeClr val="dk1"/>
+    </dgm:txFillClrLst>
+    <dgm:txEffectClrLst/>
+  </dgm:styleLbl>
+  <dgm:styleLbl name="alignAccFollowNode1">
+    <dgm:fillClrLst meth="repeat">
+      <a:schemeClr val="accent1">
+        <a:alpha val="90000"/>
+        <a:tint val="40000"/>
+      </a:schemeClr>
+    </dgm:fillClrLst>
+    <dgm:linClrLst meth="repeat">
+      <a:schemeClr val="accent1">
+        <a:alpha val="90000"/>
+        <a:tint val="40000"/>
+      </a:schemeClr>
+    </dgm:linClrLst>
+    <dgm:effectClrLst/>
+    <dgm:txLinClrLst/>
+    <dgm:txFillClrLst meth="repeat">
+      <a:schemeClr val="dk1"/>
+    </dgm:txFillClrLst>
+    <dgm:txEffectClrLst/>
+  </dgm:styleLbl>
+  <dgm:styleLbl name="bgAccFollowNode1">
+    <dgm:fillClrLst meth="repeat">
+      <a:schemeClr val="accent1">
+        <a:alpha val="90000"/>
+        <a:tint val="40000"/>
+      </a:schemeClr>
+    </dgm:fillClrLst>
+    <dgm:linClrLst meth="repeat">
+      <a:schemeClr val="accent1">
+        <a:alpha val="90000"/>
+        <a:tint val="40000"/>
+      </a:schemeClr>
+    </dgm:linClrLst>
+    <dgm:effectClrLst/>
+    <dgm:txLinClrLst/>
+    <dgm:txFillClrLst meth="repeat">
+      <a:schemeClr val="dk1"/>
+    </dgm:txFillClrLst>
+    <dgm:txEffectClrLst/>
+  </dgm:styleLbl>
+  <dgm:styleLbl name="fgAcc0">
+    <dgm:fillClrLst meth="repeat">
+      <a:schemeClr val="lt1">
+        <a:alpha val="90000"/>
+      </a:schemeClr>
+    </dgm:fillClrLst>
+    <dgm:linClrLst meth="repeat">
+      <a:schemeClr val="accent1"/>
+    </dgm:linClrLst>
+    <dgm:effectClrLst/>
+    <dgm:txLinClrLst/>
+    <dgm:txFillClrLst meth="repeat">
+      <a:schemeClr val="dk1"/>
+    </dgm:txFillClrLst>
+    <dgm:txEffectClrLst/>
+  </dgm:styleLbl>
+  <dgm:styleLbl name="fgAcc2">
+    <dgm:fillClrLst meth="repeat">
+      <a:schemeClr val="lt1">
+        <a:alpha val="90000"/>
+      </a:schemeClr>
+    </dgm:fillClrLst>
+    <dgm:linClrLst meth="repeat">
+      <a:schemeClr val="accent1"/>
+    </dgm:linClrLst>
+    <dgm:effectClrLst/>
+    <dgm:txLinClrLst/>
+    <dgm:txFillClrLst meth="repeat">
+      <a:schemeClr val="dk1"/>
+    </dgm:txFillClrLst>
+    <dgm:txEffectClrLst/>
+  </dgm:styleLbl>
+  <dgm:styleLbl name="fgAcc3">
+    <dgm:fillClrLst meth="repeat">
+      <a:schemeClr val="lt1">
+        <a:alpha val="90000"/>
+      </a:schemeClr>
+    </dgm:fillClrLst>
+    <dgm:linClrLst meth="repeat">
+      <a:schemeClr val="accent1"/>
+    </dgm:linClrLst>
+    <dgm:effectClrLst/>
+    <dgm:txLinClrLst/>
+    <dgm:txFillClrLst meth="repeat">
+      <a:schemeClr val="dk1"/>
+    </dgm:txFillClrLst>
+    <dgm:txEffectClrLst/>
+  </dgm:styleLbl>
+  <dgm:styleLbl name="fgAcc4">
+    <dgm:fillClrLst meth="repeat">
+      <a:schemeClr val="lt1">
+        <a:alpha val="90000"/>
+      </a:schemeClr>
+    </dgm:fillClrLst>
+    <dgm:linClrLst meth="repeat">
+      <a:schemeClr val="accent1"/>
+    </dgm:linClrLst>
+    <dgm:effectClrLst/>
+    <dgm:txLinClrLst/>
+    <dgm:txFillClrLst meth="repeat">
+      <a:schemeClr val="dk1"/>
+    </dgm:txFillClrLst>
+    <dgm:txEffectClrLst/>
+  </dgm:styleLbl>
+  <dgm:styleLbl name="bgShp">
+    <dgm:fillClrLst meth="repeat">
+      <a:schemeClr val="accent1">
+        <a:tint val="40000"/>
+      </a:schemeClr>
+    </dgm:fillClrLst>
+    <dgm:linClrLst meth="repeat">
+      <a:schemeClr val="accent1"/>
+    </dgm:linClrLst>
+    <dgm:effectClrLst/>
+    <dgm:txLinClrLst/>
+    <dgm:txFillClrLst meth="repeat">
+      <a:schemeClr val="dk1"/>
+    </dgm:txFillClrLst>
+    <dgm:txEffectClrLst/>
+  </dgm:styleLbl>
+  <dgm:styleLbl name="dkBgShp">
+    <dgm:fillClrLst meth="repeat">
+      <a:schemeClr val="accent1">
+        <a:shade val="80000"/>
+      </a:schemeClr>
+    </dgm:fillClrLst>
+    <dgm:linClrLst meth="repeat">
+      <a:schemeClr val="accent1"/>
+    </dgm:linClrLst>
+    <dgm:effectClrLst/>
+    <dgm:txLinClrLst/>
+    <dgm:txFillClrLst meth="repeat">
+      <a:schemeClr val="lt1"/>
+    </dgm:txFillClrLst>
+    <dgm:txEffectClrLst/>
+  </dgm:styleLbl>
+  <dgm:styleLbl name="trBgShp">
+    <dgm:fillClrLst meth="repeat">
+      <a:schemeClr val="accent1">
+        <a:tint val="50000"/>
+        <a:alpha val="40000"/>
+      </a:schemeClr>
+    </dgm:fillClrLst>
+    <dgm:linClrLst meth="repeat">
+      <a:schemeClr val="accent1"/>
+    </dgm:linClrLst>
+    <dgm:effectClrLst/>
+    <dgm:txLinClrLst/>
+    <dgm:txFillClrLst meth="repeat">
+      <a:schemeClr val="lt1"/>
+    </dgm:txFillClrLst>
+    <dgm:txEffectClrLst/>
+  </dgm:styleLbl>
+  <dgm:styleLbl name="fgShp">
+    <dgm:fillClrLst meth="repeat">
+      <a:schemeClr val="accent1">
+        <a:tint val="60000"/>
+      </a:schemeClr>
+    </dgm:fillClrLst>
+    <dgm:linClrLst meth="repeat">
+      <a:schemeClr val="lt1"/>
+    </dgm:linClrLst>
+    <dgm:effectClrLst/>
+    <dgm:txLinClrLst/>
+    <dgm:txFillClrLst meth="repeat">
+      <a:schemeClr val="dk1"/>
+    </dgm:txFillClrLst>
+    <dgm:txEffectClrLst/>
+  </dgm:styleLbl>
+  <dgm:styleLbl name="revTx">
+    <dgm:fillClrLst meth="repeat">
+      <a:schemeClr val="lt1">
+        <a:alpha val="0"/>
+      </a:schemeClr>
+    </dgm:fillClrLst>
+    <dgm:linClrLst meth="repeat">
+      <a:schemeClr val="dk1">
+        <a:alpha val="0"/>
+      </a:schemeClr>
+    </dgm:linClrLst>
+    <dgm:effectClrLst/>
+    <dgm:txLinClrLst/>
+    <dgm:txFillClrLst meth="repeat">
+      <a:schemeClr val="tx1"/>
+    </dgm:txFillClrLst>
+    <dgm:txEffectClrLst/>
+  </dgm:styleLbl>
+</dgm:colorsDef>
+</file>
+
+<file path=ppt/diagrams/colors3.xml><?xml version="1.0" encoding="utf-8"?>
 <dgm:colorsDef xmlns:dgm="http://schemas.openxmlformats.org/drawingml/2006/diagram" xmlns:a="http://schemas.openxmlformats.org/drawingml/2006/main" uniqueId="urn:microsoft.com/office/officeart/2005/8/colors/accent1_2">
   <dgm:title val=""/>
   <dgm:desc val=""/>
@@ -2192,7 +2940,7 @@
                 <a:schemeClr val="tx1"/>
               </a:solidFill>
             </a:rPr>
-            <a:t> Regulación y normativa: ENS, LOPD-GDD, RGPD, ISO, SGSI, NIST, PCI-DSS, SCRUM, GRC, OWASPTOP10, AGILE, SDLC, RFC, IEEEComputerSociety</a:t>
+            <a:t> Regulación y normativa: ENS, LOPD-GDD, RGPD, ISO, SGSI, NIST, PCI-DSS, SCRUM, GRC, OWASP, AGILE, SDLC, RFC, IEEEComputerSociety</a:t>
           </a:r>
           <a:br>
             <a:rPr lang="es-ES" sz="1900" kern="1200" dirty="0">
@@ -2584,6 +3332,1572 @@
               </a:solidFill>
             </a:rPr>
             <a:t>Ticketing y alertas</a:t>
+          </a:r>
+          <a:br>
+            <a:rPr lang="es-ES" sz="2000" kern="1200" dirty="0">
+              <a:solidFill>
+                <a:schemeClr val="tx1"/>
+              </a:solidFill>
+            </a:rPr>
+          </a:br>
+          <a:endParaRPr lang="es-ES" sz="2000" kern="1200" dirty="0">
+            <a:solidFill>
+              <a:schemeClr val="tx1"/>
+            </a:solidFill>
+          </a:endParaRPr>
+        </a:p>
+      </dgm:t>
+    </dgm:pt>
+    <dgm:pt modelId="{4B36B4E7-F974-44C4-8F8D-A3CF45FA0CAE}" type="parTrans" cxnId="{9AF65E95-802D-42F3-8DCA-B1631248469D}">
+      <dgm:prSet/>
+      <dgm:spPr/>
+      <dgm:t>
+        <a:bodyPr/>
+        <a:lstStyle/>
+        <a:p>
+          <a:endParaRPr lang="es-ES"/>
+        </a:p>
+      </dgm:t>
+    </dgm:pt>
+    <dgm:pt modelId="{E247A070-32F7-411F-877C-6380F8CCF07C}" type="sibTrans" cxnId="{9AF65E95-802D-42F3-8DCA-B1631248469D}">
+      <dgm:prSet/>
+      <dgm:spPr/>
+      <dgm:t>
+        <a:bodyPr/>
+        <a:lstStyle/>
+        <a:p>
+          <a:endParaRPr lang="es-ES"/>
+        </a:p>
+      </dgm:t>
+    </dgm:pt>
+    <dgm:pt modelId="{E2DD3D1B-7AA2-459A-9E89-F305CACA032B}">
+      <dgm:prSet phldrT="[Texto]" custT="1"/>
+      <dgm:spPr>
+        <a:noFill/>
+        <a:ln>
+          <a:solidFill>
+            <a:prstClr val="white">
+              <a:lumMod val="50000"/>
+            </a:prstClr>
+          </a:solidFill>
+          <a:prstDash val="dash"/>
+        </a:ln>
+        <a:effectLst/>
+      </dgm:spPr>
+      <dgm:t>
+        <a:bodyPr spcFirstLastPara="0" vert="horz" wrap="square" lIns="137160" tIns="137160" rIns="137160" bIns="137160" numCol="1" spcCol="1270" anchor="ctr" anchorCtr="0"/>
+        <a:lstStyle/>
+        <a:p>
+          <a:r>
+            <a:rPr lang="es-ES" sz="3600" kern="1200" dirty="0">
+              <a:solidFill>
+                <a:prstClr val="black">
+                  <a:hueOff val="0"/>
+                  <a:satOff val="0"/>
+                  <a:lumOff val="0"/>
+                  <a:alphaOff val="0"/>
+                </a:prstClr>
+              </a:solidFill>
+              <a:latin typeface="Calibri" panose="020F0502020204030204"/>
+              <a:ea typeface="+mn-ea"/>
+              <a:cs typeface="+mn-cs"/>
+            </a:rPr>
+            <a:t>TECNOLOGÍAS</a:t>
+          </a:r>
+        </a:p>
+      </dgm:t>
+    </dgm:pt>
+    <dgm:pt modelId="{D7DAC8A3-1825-473A-B1F3-C4176BE2FC12}" type="parTrans" cxnId="{88FECAF6-AE95-40D0-BB25-27E31B8B720E}">
+      <dgm:prSet/>
+      <dgm:spPr/>
+      <dgm:t>
+        <a:bodyPr/>
+        <a:lstStyle/>
+        <a:p>
+          <a:endParaRPr lang="es-ES"/>
+        </a:p>
+      </dgm:t>
+    </dgm:pt>
+    <dgm:pt modelId="{5C72B26B-0098-4EC2-9268-9E078B4FAFAA}" type="sibTrans" cxnId="{88FECAF6-AE95-40D0-BB25-27E31B8B720E}">
+      <dgm:prSet/>
+      <dgm:spPr/>
+      <dgm:t>
+        <a:bodyPr/>
+        <a:lstStyle/>
+        <a:p>
+          <a:endParaRPr lang="es-ES"/>
+        </a:p>
+      </dgm:t>
+    </dgm:pt>
+    <dgm:pt modelId="{FD8A3556-9942-4423-A013-62B0820F5BC8}">
+      <dgm:prSet phldrT="[Texto]" custT="1"/>
+      <dgm:spPr>
+        <a:noFill/>
+        <a:ln>
+          <a:noFill/>
+        </a:ln>
+      </dgm:spPr>
+      <dgm:t>
+        <a:bodyPr/>
+        <a:lstStyle/>
+        <a:p>
+          <a:pPr algn="l"/>
+          <a:r>
+            <a:rPr lang="es-ES" sz="1800" b="1" kern="1200" dirty="0">
+              <a:solidFill>
+                <a:schemeClr val="accent1"/>
+              </a:solidFill>
+            </a:rPr>
+            <a:t>1.1.1 </a:t>
+          </a:r>
+          <a:r>
+            <a:rPr lang="es-ES" sz="1800" kern="1200" dirty="0">
+              <a:solidFill>
+                <a:prstClr val="black"/>
+              </a:solidFill>
+              <a:latin typeface="Calibri" panose="020F0502020204030204"/>
+              <a:ea typeface="+mn-ea"/>
+              <a:cs typeface="+mn-cs"/>
+            </a:rPr>
+            <a:t>Adobe, MSOffice</a:t>
+          </a:r>
+          <a:br>
+            <a:rPr lang="es-ES" sz="1800" kern="1200" dirty="0">
+              <a:solidFill>
+                <a:prstClr val="black"/>
+              </a:solidFill>
+              <a:latin typeface="Calibri" panose="020F0502020204030204"/>
+              <a:ea typeface="+mn-ea"/>
+              <a:cs typeface="+mn-cs"/>
+            </a:rPr>
+          </a:br>
+          <a:r>
+            <a:rPr lang="es-ES" sz="1800" b="1" kern="1200" dirty="0">
+              <a:solidFill>
+                <a:schemeClr val="accent1"/>
+              </a:solidFill>
+            </a:rPr>
+            <a:t>1.2.1 </a:t>
+          </a:r>
+          <a:r>
+            <a:rPr lang="es-ES" sz="1800" kern="1200" dirty="0">
+              <a:solidFill>
+                <a:schemeClr val="tx1"/>
+              </a:solidFill>
+            </a:rPr>
+            <a:t>PILAR   </a:t>
+          </a:r>
+          <a:r>
+            <a:rPr lang="es-ES" sz="1800" b="1" kern="1200" dirty="0">
+              <a:solidFill>
+                <a:schemeClr val="accent1"/>
+              </a:solidFill>
+            </a:rPr>
+            <a:t>1.3.1</a:t>
+          </a:r>
+          <a:r>
+            <a:rPr lang="es-ES" sz="1800" kern="1200" dirty="0">
+              <a:solidFill>
+                <a:schemeClr val="tx1"/>
+              </a:solidFill>
+            </a:rPr>
+            <a:t> Archer</a:t>
+          </a:r>
+          <a:br>
+            <a:rPr lang="es-ES" sz="1800" kern="1200" dirty="0">
+              <a:solidFill>
+                <a:schemeClr val="tx1"/>
+              </a:solidFill>
+            </a:rPr>
+          </a:br>
+          <a:r>
+            <a:rPr lang="es-ES" sz="1800" b="1" kern="1200" dirty="0">
+              <a:solidFill>
+                <a:schemeClr val="accent6"/>
+              </a:solidFill>
+            </a:rPr>
+            <a:t>2.1.1</a:t>
+          </a:r>
+          <a:r>
+            <a:rPr lang="es-ES" sz="1800" kern="1200" dirty="0">
+              <a:solidFill>
+                <a:schemeClr val="tx1"/>
+              </a:solidFill>
+            </a:rPr>
+            <a:t> CheckPoint, CyberArk, FireEye, Fortinet, Google, Linux, Microsoft, Palo Alto Networks, RSA, Symantec </a:t>
+          </a:r>
+          <a:br>
+            <a:rPr lang="es-ES" sz="1800" kern="1200" dirty="0">
+              <a:solidFill>
+                <a:schemeClr val="tx1"/>
+              </a:solidFill>
+            </a:rPr>
+          </a:br>
+          <a:r>
+            <a:rPr lang="es-ES" sz="1800" b="1" kern="1200" dirty="0">
+              <a:solidFill>
+                <a:schemeClr val="accent2"/>
+              </a:solidFill>
+            </a:rPr>
+            <a:t>3.2.1</a:t>
+          </a:r>
+          <a:r>
+            <a:rPr lang="es-ES" sz="1800" kern="1200" dirty="0">
+              <a:solidFill>
+                <a:schemeClr val="tx1"/>
+              </a:solidFill>
+            </a:rPr>
+            <a:t> BD, ML, MATLAB, SPSS St. IBM, EXCEL, MySQL, SQLite</a:t>
+          </a:r>
+          <a:br>
+            <a:rPr lang="es-ES" sz="1800" kern="1200" dirty="0">
+              <a:solidFill>
+                <a:schemeClr val="tx1"/>
+              </a:solidFill>
+            </a:rPr>
+          </a:br>
+          <a:r>
+            <a:rPr lang="es-ES" sz="1800" b="1" kern="1200" dirty="0">
+              <a:solidFill>
+                <a:srgbClr val="7030A0"/>
+              </a:solidFill>
+            </a:rPr>
+            <a:t>4.1.1</a:t>
+          </a:r>
+          <a:r>
+            <a:rPr lang="es-ES" sz="1800" kern="1200" dirty="0">
+              <a:solidFill>
+                <a:schemeClr val="tx1"/>
+              </a:solidFill>
+            </a:rPr>
+            <a:t> Nessus, NMAP, Kali Linux, DSA   </a:t>
+          </a:r>
+          <a:r>
+            <a:rPr lang="es-ES" sz="1800" b="1" kern="1200" dirty="0">
+              <a:solidFill>
+                <a:srgbClr val="7030A0"/>
+              </a:solidFill>
+            </a:rPr>
+            <a:t>4.2.1</a:t>
+          </a:r>
+          <a:r>
+            <a:rPr lang="es-ES" sz="1800" kern="1200" dirty="0">
+              <a:solidFill>
+                <a:schemeClr val="tx1"/>
+              </a:solidFill>
+            </a:rPr>
+            <a:t> IDS, EDR, SIEM   </a:t>
+          </a:r>
+          <a:r>
+            <a:rPr lang="es-ES" sz="1800" b="1" kern="1200" dirty="0">
+              <a:solidFill>
+                <a:srgbClr val="7030A0"/>
+              </a:solidFill>
+            </a:rPr>
+            <a:t>4.3.1</a:t>
+          </a:r>
+          <a:r>
+            <a:rPr lang="es-ES" sz="1800" kern="1200" dirty="0">
+              <a:solidFill>
+                <a:schemeClr val="tx1"/>
+              </a:solidFill>
+            </a:rPr>
+            <a:t> IPS, FW, WAF, GPMC   </a:t>
+          </a:r>
+          <a:r>
+            <a:rPr lang="es-ES" sz="1800" b="1" kern="1200" dirty="0">
+              <a:solidFill>
+                <a:srgbClr val="7030A0"/>
+              </a:solidFill>
+            </a:rPr>
+            <a:t>4.4.1</a:t>
+          </a:r>
+          <a:r>
+            <a:rPr lang="es-ES" sz="1800" kern="1200" dirty="0">
+              <a:solidFill>
+                <a:schemeClr val="tx1"/>
+              </a:solidFill>
+            </a:rPr>
+            <a:t> HA, CDN</a:t>
+          </a:r>
+          <a:br>
+            <a:rPr lang="es-ES" sz="1800" kern="1200" dirty="0">
+              <a:solidFill>
+                <a:schemeClr val="tx1"/>
+              </a:solidFill>
+            </a:rPr>
+          </a:br>
+          <a:r>
+            <a:rPr lang="es-ES" sz="1800" b="1" kern="1200" dirty="0">
+              <a:solidFill>
+                <a:srgbClr val="FF0000"/>
+              </a:solidFill>
+            </a:rPr>
+            <a:t>5.1.1</a:t>
+          </a:r>
+          <a:r>
+            <a:rPr lang="es-ES" sz="1800" kern="1200" dirty="0">
+              <a:solidFill>
+                <a:schemeClr val="tx1"/>
+              </a:solidFill>
+            </a:rPr>
+            <a:t> Router, Switch, HSM, Diode, Proxy, VM, CMDB, AD, Windows, UNIX   </a:t>
+          </a:r>
+          <a:br>
+            <a:rPr lang="es-ES" sz="1800" kern="1200" dirty="0">
+              <a:solidFill>
+                <a:schemeClr val="tx1"/>
+              </a:solidFill>
+            </a:rPr>
+          </a:br>
+          <a:r>
+            <a:rPr lang="es-ES" sz="1800" b="1" kern="1200" dirty="0">
+              <a:solidFill>
+                <a:srgbClr val="FF0000"/>
+              </a:solidFill>
+            </a:rPr>
+            <a:t>5.2.1</a:t>
+          </a:r>
+          <a:r>
+            <a:rPr lang="es-ES" sz="1800" kern="1200" dirty="0">
+              <a:solidFill>
+                <a:schemeClr val="tx1"/>
+              </a:solidFill>
+            </a:rPr>
+            <a:t> Azure, O365   </a:t>
+          </a:r>
+          <a:r>
+            <a:rPr lang="es-ES" sz="1800" b="1" kern="1200" dirty="0">
+              <a:solidFill>
+                <a:srgbClr val="FF0000"/>
+              </a:solidFill>
+            </a:rPr>
+            <a:t>5.2.2</a:t>
+          </a:r>
+          <a:r>
+            <a:rPr lang="es-ES" sz="1800" kern="1200" dirty="0">
+              <a:solidFill>
+                <a:schemeClr val="tx1"/>
+              </a:solidFill>
+            </a:rPr>
+            <a:t> GCP </a:t>
+          </a:r>
+          <a:br>
+            <a:rPr lang="es-ES" sz="1800" kern="1200" dirty="0">
+              <a:solidFill>
+                <a:schemeClr val="tx1"/>
+              </a:solidFill>
+            </a:rPr>
+          </a:br>
+          <a:r>
+            <a:rPr lang="es-ES" sz="1800" b="1" kern="1200" dirty="0">
+              <a:solidFill>
+                <a:schemeClr val="accent5"/>
+              </a:solidFill>
+            </a:rPr>
+            <a:t>6.1.1</a:t>
+          </a:r>
+          <a:r>
+            <a:rPr lang="es-ES" sz="1800" kern="1200" dirty="0">
+              <a:solidFill>
+                <a:schemeClr val="tx1"/>
+              </a:solidFill>
+            </a:rPr>
+            <a:t> HTML5, CSS3, JQUERY, Javascript</a:t>
+          </a:r>
+          <a:br>
+            <a:rPr lang="es-ES" sz="1800" kern="1200" dirty="0">
+              <a:solidFill>
+                <a:schemeClr val="tx1"/>
+              </a:solidFill>
+            </a:rPr>
+          </a:br>
+          <a:r>
+            <a:rPr lang="es-ES" sz="1800" b="1" kern="1200" dirty="0">
+              <a:solidFill>
+                <a:schemeClr val="accent5"/>
+              </a:solidFill>
+            </a:rPr>
+            <a:t>6.2.1</a:t>
+          </a:r>
+          <a:r>
+            <a:rPr lang="es-ES" sz="1800" kern="1200" dirty="0">
+              <a:solidFill>
+                <a:schemeClr val="tx1"/>
+              </a:solidFill>
+            </a:rPr>
+            <a:t> SQL, Java, C, C#, Python, Dart/Flutter, PHP/Symfony, API, PowerShell, VS, Android, iOS</a:t>
+          </a:r>
+          <a:br>
+            <a:rPr lang="es-ES" sz="1800" kern="1200" dirty="0">
+              <a:solidFill>
+                <a:schemeClr val="tx1"/>
+              </a:solidFill>
+            </a:rPr>
+          </a:br>
+          <a:r>
+            <a:rPr lang="es-ES" sz="1800" b="1" kern="1200" dirty="0">
+              <a:solidFill>
+                <a:schemeClr val="accent5"/>
+              </a:solidFill>
+            </a:rPr>
+            <a:t>6.3.1</a:t>
+          </a:r>
+          <a:r>
+            <a:rPr lang="es-ES" sz="1800" kern="1200" dirty="0">
+              <a:solidFill>
+                <a:schemeClr val="tx1"/>
+              </a:solidFill>
+            </a:rPr>
+            <a:t> MVC </a:t>
+          </a:r>
+          <a:r>
+            <a:rPr lang="es-ES" sz="1800" b="1" kern="1200" dirty="0">
+              <a:solidFill>
+                <a:srgbClr val="5B9BD5"/>
+              </a:solidFill>
+              <a:latin typeface="Calibri" panose="020F0502020204030204"/>
+              <a:ea typeface="+mn-ea"/>
+              <a:cs typeface="+mn-cs"/>
+            </a:rPr>
+            <a:t>6.4.1</a:t>
+          </a:r>
+          <a:r>
+            <a:rPr lang="es-ES" sz="1800" kern="1200" dirty="0">
+              <a:solidFill>
+                <a:schemeClr val="tx1"/>
+              </a:solidFill>
+            </a:rPr>
+            <a:t> Git, DEV, QA, PROD   </a:t>
+          </a:r>
+          <a:r>
+            <a:rPr lang="es-ES" sz="1800" b="1" kern="1200" dirty="0">
+              <a:solidFill>
+                <a:schemeClr val="accent4"/>
+              </a:solidFill>
+            </a:rPr>
+            <a:t>7.1.1</a:t>
+          </a:r>
+          <a:r>
+            <a:rPr lang="es-ES" sz="1800" kern="1200" dirty="0">
+              <a:solidFill>
+                <a:schemeClr val="tx1"/>
+              </a:solidFill>
+            </a:rPr>
+            <a:t> ServiceNow, logs </a:t>
+          </a:r>
+        </a:p>
+      </dgm:t>
+    </dgm:pt>
+    <dgm:pt modelId="{A278D03A-676B-4F94-81E8-40D526AA1E65}" type="parTrans" cxnId="{C44E28DA-4FB8-414B-8883-AFEC9D2163E0}">
+      <dgm:prSet/>
+      <dgm:spPr/>
+      <dgm:t>
+        <a:bodyPr/>
+        <a:lstStyle/>
+        <a:p>
+          <a:endParaRPr lang="es-ES"/>
+        </a:p>
+      </dgm:t>
+    </dgm:pt>
+    <dgm:pt modelId="{4ED85B4D-602F-4253-90CA-8C0D38078A32}" type="sibTrans" cxnId="{C44E28DA-4FB8-414B-8883-AFEC9D2163E0}">
+      <dgm:prSet/>
+      <dgm:spPr/>
+      <dgm:t>
+        <a:bodyPr/>
+        <a:lstStyle/>
+        <a:p>
+          <a:endParaRPr lang="es-ES"/>
+        </a:p>
+      </dgm:t>
+    </dgm:pt>
+    <dgm:pt modelId="{DCF284C0-A6B7-4E12-954C-54239F2C1303}">
+      <dgm:prSet phldrT="[Texto]" custT="1"/>
+      <dgm:spPr>
+        <a:solidFill>
+          <a:srgbClr val="7030A0"/>
+        </a:solidFill>
+      </dgm:spPr>
+      <dgm:t>
+        <a:bodyPr/>
+        <a:lstStyle/>
+        <a:p>
+          <a:pPr algn="l"/>
+          <a:r>
+            <a:rPr lang="es-ES" sz="2400" dirty="0"/>
+            <a:t>4 Cyber Security</a:t>
+          </a:r>
+        </a:p>
+      </dgm:t>
+    </dgm:pt>
+    <dgm:pt modelId="{3DB1642E-0E9E-41D4-A6E5-F0B82B8C0441}" type="parTrans" cxnId="{5B3DD3CA-25BA-412E-A289-E855BD36F63B}">
+      <dgm:prSet/>
+      <dgm:spPr/>
+      <dgm:t>
+        <a:bodyPr/>
+        <a:lstStyle/>
+        <a:p>
+          <a:endParaRPr lang="es-ES"/>
+        </a:p>
+      </dgm:t>
+    </dgm:pt>
+    <dgm:pt modelId="{063EB571-B978-4836-B9CC-396652387F66}" type="sibTrans" cxnId="{5B3DD3CA-25BA-412E-A289-E855BD36F63B}">
+      <dgm:prSet/>
+      <dgm:spPr/>
+      <dgm:t>
+        <a:bodyPr/>
+        <a:lstStyle/>
+        <a:p>
+          <a:endParaRPr lang="es-ES"/>
+        </a:p>
+      </dgm:t>
+    </dgm:pt>
+    <dgm:pt modelId="{FC5C8F6C-B10E-4696-AE4B-ECAEAC6BF073}">
+      <dgm:prSet phldrT="[Texto]" custT="1"/>
+      <dgm:spPr>
+        <a:solidFill>
+          <a:srgbClr val="FF0000"/>
+        </a:solidFill>
+      </dgm:spPr>
+      <dgm:t>
+        <a:bodyPr/>
+        <a:lstStyle/>
+        <a:p>
+          <a:pPr algn="l"/>
+          <a:r>
+            <a:rPr lang="es-ES" sz="2400" dirty="0"/>
+            <a:t>5 Infrastructure</a:t>
+          </a:r>
+        </a:p>
+      </dgm:t>
+    </dgm:pt>
+    <dgm:pt modelId="{6C4ADE00-AA3B-4518-BC34-C72DDADCA93C}" type="parTrans" cxnId="{7DAAC82F-BC30-48F1-8581-0C18C7A0A64E}">
+      <dgm:prSet/>
+      <dgm:spPr/>
+      <dgm:t>
+        <a:bodyPr/>
+        <a:lstStyle/>
+        <a:p>
+          <a:endParaRPr lang="es-ES"/>
+        </a:p>
+      </dgm:t>
+    </dgm:pt>
+    <dgm:pt modelId="{115FF73F-A822-4EB7-8BF6-235B3C7583A4}" type="sibTrans" cxnId="{7DAAC82F-BC30-48F1-8581-0C18C7A0A64E}">
+      <dgm:prSet/>
+      <dgm:spPr/>
+      <dgm:t>
+        <a:bodyPr/>
+        <a:lstStyle/>
+        <a:p>
+          <a:endParaRPr lang="es-ES"/>
+        </a:p>
+      </dgm:t>
+    </dgm:pt>
+    <dgm:pt modelId="{D4BE62DB-80B4-4D03-8466-1007C554A7FA}">
+      <dgm:prSet phldrT="[Texto]" custT="1"/>
+      <dgm:spPr>
+        <a:solidFill>
+          <a:schemeClr val="accent5"/>
+        </a:solidFill>
+      </dgm:spPr>
+      <dgm:t>
+        <a:bodyPr/>
+        <a:lstStyle/>
+        <a:p>
+          <a:pPr algn="l"/>
+          <a:r>
+            <a:rPr lang="es-ES" sz="2400" dirty="0"/>
+            <a:t>6 Development</a:t>
+          </a:r>
+        </a:p>
+      </dgm:t>
+    </dgm:pt>
+    <dgm:pt modelId="{DD8AFB82-AF10-4A84-BD39-F60FE74256B4}" type="parTrans" cxnId="{8468B568-85BE-48E9-A5C6-761C202BC732}">
+      <dgm:prSet/>
+      <dgm:spPr/>
+      <dgm:t>
+        <a:bodyPr/>
+        <a:lstStyle/>
+        <a:p>
+          <a:endParaRPr lang="es-ES"/>
+        </a:p>
+      </dgm:t>
+    </dgm:pt>
+    <dgm:pt modelId="{F29183E1-D535-47B1-B09A-79A6C595E628}" type="sibTrans" cxnId="{8468B568-85BE-48E9-A5C6-761C202BC732}">
+      <dgm:prSet/>
+      <dgm:spPr/>
+      <dgm:t>
+        <a:bodyPr/>
+        <a:lstStyle/>
+        <a:p>
+          <a:endParaRPr lang="es-ES"/>
+        </a:p>
+      </dgm:t>
+    </dgm:pt>
+    <dgm:pt modelId="{2D4B959D-8A45-47D5-87A3-BE3728E560E4}">
+      <dgm:prSet phldrT="[Texto]" custT="1"/>
+      <dgm:spPr>
+        <a:solidFill>
+          <a:schemeClr val="accent4"/>
+        </a:solidFill>
+      </dgm:spPr>
+      <dgm:t>
+        <a:bodyPr/>
+        <a:lstStyle/>
+        <a:p>
+          <a:pPr algn="l"/>
+          <a:r>
+            <a:rPr lang="es-ES" sz="2400" dirty="0"/>
+            <a:t>7 Operations</a:t>
+          </a:r>
+        </a:p>
+      </dgm:t>
+    </dgm:pt>
+    <dgm:pt modelId="{568883D5-80AE-4801-B8B3-B91E3F0D8C77}" type="parTrans" cxnId="{46233C49-C6FD-438E-8C31-F642DD539228}">
+      <dgm:prSet/>
+      <dgm:spPr/>
+      <dgm:t>
+        <a:bodyPr/>
+        <a:lstStyle/>
+        <a:p>
+          <a:endParaRPr lang="es-ES"/>
+        </a:p>
+      </dgm:t>
+    </dgm:pt>
+    <dgm:pt modelId="{5C307575-1627-499D-A59E-628147E5DB6C}" type="sibTrans" cxnId="{46233C49-C6FD-438E-8C31-F642DD539228}">
+      <dgm:prSet/>
+      <dgm:spPr/>
+      <dgm:t>
+        <a:bodyPr/>
+        <a:lstStyle/>
+        <a:p>
+          <a:endParaRPr lang="es-ES"/>
+        </a:p>
+      </dgm:t>
+    </dgm:pt>
+    <dgm:pt modelId="{8EE96F46-43D8-47B5-9D6E-05D096B6BB69}">
+      <dgm:prSet phldrT="[Texto]" custT="1"/>
+      <dgm:spPr>
+        <a:solidFill>
+          <a:schemeClr val="accent1"/>
+        </a:solidFill>
+      </dgm:spPr>
+      <dgm:t>
+        <a:bodyPr/>
+        <a:lstStyle/>
+        <a:p>
+          <a:pPr algn="l">
+            <a:buFont typeface="Arial" panose="020B0604020202020204" pitchFamily="34" charset="0"/>
+            <a:buNone/>
+          </a:pPr>
+          <a:r>
+            <a:rPr lang="es-ES" sz="2400" dirty="0"/>
+            <a:t>1 Compliance</a:t>
+          </a:r>
+        </a:p>
+      </dgm:t>
+    </dgm:pt>
+    <dgm:pt modelId="{8C7BD315-D9C1-4F67-B091-28436E6A2060}" type="parTrans" cxnId="{8467DCC5-6643-441C-BA28-D69E78E2CF7F}">
+      <dgm:prSet/>
+      <dgm:spPr/>
+      <dgm:t>
+        <a:bodyPr/>
+        <a:lstStyle/>
+        <a:p>
+          <a:endParaRPr lang="es-ES"/>
+        </a:p>
+      </dgm:t>
+    </dgm:pt>
+    <dgm:pt modelId="{EE84D86A-4D04-4289-929D-236FC12FE773}" type="sibTrans" cxnId="{8467DCC5-6643-441C-BA28-D69E78E2CF7F}">
+      <dgm:prSet/>
+      <dgm:spPr/>
+      <dgm:t>
+        <a:bodyPr/>
+        <a:lstStyle/>
+        <a:p>
+          <a:endParaRPr lang="es-ES"/>
+        </a:p>
+      </dgm:t>
+    </dgm:pt>
+    <dgm:pt modelId="{78F56DE7-56BE-46A1-883B-FFC013401691}" type="pres">
+      <dgm:prSet presAssocID="{F204B375-E432-491C-B317-E0CFBB0B1CB3}" presName="theList" presStyleCnt="0">
+        <dgm:presLayoutVars>
+          <dgm:dir/>
+          <dgm:animLvl val="lvl"/>
+          <dgm:resizeHandles val="exact"/>
+        </dgm:presLayoutVars>
+      </dgm:prSet>
+      <dgm:spPr/>
+    </dgm:pt>
+    <dgm:pt modelId="{368652EE-D7AF-434A-BDC6-FAE2709CFEDA}" type="pres">
+      <dgm:prSet presAssocID="{617510CF-EBBC-438F-848A-3292E685F6F6}" presName="compNode" presStyleCnt="0"/>
+      <dgm:spPr/>
+    </dgm:pt>
+    <dgm:pt modelId="{40E0167C-FED4-4A88-858C-99CCC245FE6D}" type="pres">
+      <dgm:prSet presAssocID="{617510CF-EBBC-438F-848A-3292E685F6F6}" presName="aNode" presStyleLbl="bgShp" presStyleIdx="0" presStyleCnt="3" custScaleX="173676"/>
+      <dgm:spPr/>
+    </dgm:pt>
+    <dgm:pt modelId="{968EEAC2-B675-47FC-9364-2A95E0BF0547}" type="pres">
+      <dgm:prSet presAssocID="{617510CF-EBBC-438F-848A-3292E685F6F6}" presName="textNode" presStyleLbl="bgShp" presStyleIdx="0" presStyleCnt="3"/>
+      <dgm:spPr/>
+    </dgm:pt>
+    <dgm:pt modelId="{6FDD02CE-1B6A-4123-B087-80342E314289}" type="pres">
+      <dgm:prSet presAssocID="{617510CF-EBBC-438F-848A-3292E685F6F6}" presName="compChildNode" presStyleCnt="0"/>
+      <dgm:spPr/>
+    </dgm:pt>
+    <dgm:pt modelId="{183AFF36-A7F9-45DE-B0D6-097AAC260197}" type="pres">
+      <dgm:prSet presAssocID="{617510CF-EBBC-438F-848A-3292E685F6F6}" presName="theInnerList" presStyleCnt="0"/>
+      <dgm:spPr/>
+    </dgm:pt>
+    <dgm:pt modelId="{7AA399AB-355C-4204-80D3-7AECFDFF999E}" type="pres">
+      <dgm:prSet presAssocID="{8EE96F46-43D8-47B5-9D6E-05D096B6BB69}" presName="childNode" presStyleLbl="node1" presStyleIdx="0" presStyleCnt="9" custScaleX="181268" custLinFactY="-18256" custLinFactNeighborY="-100000">
+        <dgm:presLayoutVars>
+          <dgm:bulletEnabled val="1"/>
+        </dgm:presLayoutVars>
+      </dgm:prSet>
+      <dgm:spPr/>
+    </dgm:pt>
+    <dgm:pt modelId="{1CEA8E52-8382-4F40-95A2-75BEB2A0AB73}" type="pres">
+      <dgm:prSet presAssocID="{8EE96F46-43D8-47B5-9D6E-05D096B6BB69}" presName="aSpace2" presStyleCnt="0"/>
+      <dgm:spPr/>
+    </dgm:pt>
+    <dgm:pt modelId="{3E591A46-0D94-4C22-A397-E0312A3D1145}" type="pres">
+      <dgm:prSet presAssocID="{AF8B5F44-5CD0-4F68-BFB8-7E8C7977EE56}" presName="childNode" presStyleLbl="node1" presStyleIdx="1" presStyleCnt="9" custScaleX="181268" custLinFactY="-18256" custLinFactNeighborY="-100000">
+        <dgm:presLayoutVars>
+          <dgm:bulletEnabled val="1"/>
+        </dgm:presLayoutVars>
+      </dgm:prSet>
+      <dgm:spPr/>
+    </dgm:pt>
+    <dgm:pt modelId="{C087CD76-EF4F-4F89-9FC2-E00D533C5527}" type="pres">
+      <dgm:prSet presAssocID="{AF8B5F44-5CD0-4F68-BFB8-7E8C7977EE56}" presName="aSpace2" presStyleCnt="0"/>
+      <dgm:spPr/>
+    </dgm:pt>
+    <dgm:pt modelId="{9824309B-737B-4D15-89C6-88620A17313F}" type="pres">
+      <dgm:prSet presAssocID="{762570F4-3939-43AD-8AC4-1ECCC30BE75D}" presName="childNode" presStyleLbl="node1" presStyleIdx="2" presStyleCnt="9" custScaleX="181268" custLinFactY="-18256" custLinFactNeighborY="-100000">
+        <dgm:presLayoutVars>
+          <dgm:bulletEnabled val="1"/>
+        </dgm:presLayoutVars>
+      </dgm:prSet>
+      <dgm:spPr/>
+    </dgm:pt>
+    <dgm:pt modelId="{54C65FBD-1135-4181-B72F-0C47EB544C68}" type="pres">
+      <dgm:prSet presAssocID="{762570F4-3939-43AD-8AC4-1ECCC30BE75D}" presName="aSpace2" presStyleCnt="0"/>
+      <dgm:spPr/>
+    </dgm:pt>
+    <dgm:pt modelId="{FC792778-402A-4259-8E6E-FF2028304AB6}" type="pres">
+      <dgm:prSet presAssocID="{DCF284C0-A6B7-4E12-954C-54239F2C1303}" presName="childNode" presStyleLbl="node1" presStyleIdx="3" presStyleCnt="9" custScaleX="181268" custLinFactY="-18256" custLinFactNeighborY="-100000">
+        <dgm:presLayoutVars>
+          <dgm:bulletEnabled val="1"/>
+        </dgm:presLayoutVars>
+      </dgm:prSet>
+      <dgm:spPr/>
+    </dgm:pt>
+    <dgm:pt modelId="{BDCE6304-FF4D-4FB2-9FE2-0CDE26174508}" type="pres">
+      <dgm:prSet presAssocID="{DCF284C0-A6B7-4E12-954C-54239F2C1303}" presName="aSpace2" presStyleCnt="0"/>
+      <dgm:spPr/>
+    </dgm:pt>
+    <dgm:pt modelId="{84D55724-BBA1-4FE6-932B-88A7C58FF3B0}" type="pres">
+      <dgm:prSet presAssocID="{FC5C8F6C-B10E-4696-AE4B-ECAEAC6BF073}" presName="childNode" presStyleLbl="node1" presStyleIdx="4" presStyleCnt="9" custScaleX="181268" custLinFactY="-18256" custLinFactNeighborY="-100000">
+        <dgm:presLayoutVars>
+          <dgm:bulletEnabled val="1"/>
+        </dgm:presLayoutVars>
+      </dgm:prSet>
+      <dgm:spPr/>
+    </dgm:pt>
+    <dgm:pt modelId="{71D38BCA-9C76-491E-A66E-968A1F99BA14}" type="pres">
+      <dgm:prSet presAssocID="{FC5C8F6C-B10E-4696-AE4B-ECAEAC6BF073}" presName="aSpace2" presStyleCnt="0"/>
+      <dgm:spPr/>
+    </dgm:pt>
+    <dgm:pt modelId="{E97B479E-3F0B-43AA-AFFB-A4495597DFD4}" type="pres">
+      <dgm:prSet presAssocID="{D4BE62DB-80B4-4D03-8466-1007C554A7FA}" presName="childNode" presStyleLbl="node1" presStyleIdx="5" presStyleCnt="9" custScaleX="181268" custLinFactY="-18256" custLinFactNeighborY="-100000">
+        <dgm:presLayoutVars>
+          <dgm:bulletEnabled val="1"/>
+        </dgm:presLayoutVars>
+      </dgm:prSet>
+      <dgm:spPr/>
+    </dgm:pt>
+    <dgm:pt modelId="{8034903D-FCA7-4EAB-8179-E4B0D88E7CD3}" type="pres">
+      <dgm:prSet presAssocID="{D4BE62DB-80B4-4D03-8466-1007C554A7FA}" presName="aSpace2" presStyleCnt="0"/>
+      <dgm:spPr/>
+    </dgm:pt>
+    <dgm:pt modelId="{5B071783-289B-483B-84CF-31FC62E5C8D5}" type="pres">
+      <dgm:prSet presAssocID="{2D4B959D-8A45-47D5-87A3-BE3728E560E4}" presName="childNode" presStyleLbl="node1" presStyleIdx="6" presStyleCnt="9" custScaleX="181268" custLinFactY="-18256" custLinFactNeighborY="-100000">
+        <dgm:presLayoutVars>
+          <dgm:bulletEnabled val="1"/>
+        </dgm:presLayoutVars>
+      </dgm:prSet>
+      <dgm:spPr/>
+    </dgm:pt>
+    <dgm:pt modelId="{41EFC72D-1E3E-4D27-B8CE-B38E9C8CA320}" type="pres">
+      <dgm:prSet presAssocID="{617510CF-EBBC-438F-848A-3292E685F6F6}" presName="aSpace" presStyleCnt="0"/>
+      <dgm:spPr/>
+    </dgm:pt>
+    <dgm:pt modelId="{70484B74-718F-4441-B105-3ACB48631C1A}" type="pres">
+      <dgm:prSet presAssocID="{6B1441A6-42C9-48AB-8A1F-475F0961D9C9}" presName="compNode" presStyleCnt="0"/>
+      <dgm:spPr/>
+    </dgm:pt>
+    <dgm:pt modelId="{76C269B4-E573-4082-B332-7874042342EA}" type="pres">
+      <dgm:prSet presAssocID="{6B1441A6-42C9-48AB-8A1F-475F0961D9C9}" presName="aNode" presStyleLbl="bgShp" presStyleIdx="1" presStyleCnt="3" custScaleX="200231"/>
+      <dgm:spPr>
+        <a:xfrm>
+          <a:off x="3161267" y="0"/>
+          <a:ext cx="3042012" cy="5418667"/>
+        </a:xfrm>
+        <a:prstGeom prst="roundRect">
+          <a:avLst>
+            <a:gd name="adj" fmla="val 10000"/>
+          </a:avLst>
+        </a:prstGeom>
+      </dgm:spPr>
+    </dgm:pt>
+    <dgm:pt modelId="{D2E20C87-F0A8-4BBE-AE0E-797C2EB0C3A3}" type="pres">
+      <dgm:prSet presAssocID="{6B1441A6-42C9-48AB-8A1F-475F0961D9C9}" presName="textNode" presStyleLbl="bgShp" presStyleIdx="1" presStyleCnt="3"/>
+      <dgm:spPr/>
+    </dgm:pt>
+    <dgm:pt modelId="{977EA48A-3067-49BB-8E71-7119C731A1F7}" type="pres">
+      <dgm:prSet presAssocID="{6B1441A6-42C9-48AB-8A1F-475F0961D9C9}" presName="compChildNode" presStyleCnt="0"/>
+      <dgm:spPr/>
+    </dgm:pt>
+    <dgm:pt modelId="{5C2E230C-C9DE-48F2-827B-366042560636}" type="pres">
+      <dgm:prSet presAssocID="{6B1441A6-42C9-48AB-8A1F-475F0961D9C9}" presName="theInnerList" presStyleCnt="0"/>
+      <dgm:spPr/>
+    </dgm:pt>
+    <dgm:pt modelId="{2D5D52D8-9B81-4768-A7CB-E93EC92A7460}" type="pres">
+      <dgm:prSet presAssocID="{F0CB5344-13A6-4511-9C23-AB33D1905CDA}" presName="childNode" presStyleLbl="node1" presStyleIdx="7" presStyleCnt="9" custScaleX="257231" custScaleY="109683" custLinFactNeighborX="2866">
+        <dgm:presLayoutVars>
+          <dgm:bulletEnabled val="1"/>
+        </dgm:presLayoutVars>
+      </dgm:prSet>
+      <dgm:spPr/>
+    </dgm:pt>
+    <dgm:pt modelId="{01CB5631-17B0-4F59-BE6C-15D8E8BA7E59}" type="pres">
+      <dgm:prSet presAssocID="{6B1441A6-42C9-48AB-8A1F-475F0961D9C9}" presName="aSpace" presStyleCnt="0"/>
+      <dgm:spPr/>
+    </dgm:pt>
+    <dgm:pt modelId="{5DEA6320-8FB1-4AA4-934B-BA3114895C02}" type="pres">
+      <dgm:prSet presAssocID="{E2DD3D1B-7AA2-459A-9E89-F305CACA032B}" presName="compNode" presStyleCnt="0"/>
+      <dgm:spPr/>
+    </dgm:pt>
+    <dgm:pt modelId="{8C82A9E5-7D21-4DCD-BEA4-1B77075DE21E}" type="pres">
+      <dgm:prSet presAssocID="{E2DD3D1B-7AA2-459A-9E89-F305CACA032B}" presName="aNode" presStyleLbl="bgShp" presStyleIdx="2" presStyleCnt="3" custScaleX="249058"/>
+      <dgm:spPr>
+        <a:xfrm>
+          <a:off x="6386129" y="0"/>
+          <a:ext cx="2911725" cy="5418667"/>
+        </a:xfrm>
+        <a:prstGeom prst="roundRect">
+          <a:avLst>
+            <a:gd name="adj" fmla="val 10000"/>
+          </a:avLst>
+        </a:prstGeom>
+      </dgm:spPr>
+    </dgm:pt>
+    <dgm:pt modelId="{FCFAA177-D9CC-452C-8A31-855A4B232633}" type="pres">
+      <dgm:prSet presAssocID="{E2DD3D1B-7AA2-459A-9E89-F305CACA032B}" presName="textNode" presStyleLbl="bgShp" presStyleIdx="2" presStyleCnt="3"/>
+      <dgm:spPr/>
+    </dgm:pt>
+    <dgm:pt modelId="{D445C678-73C6-46CA-9E7B-F6021C02609B}" type="pres">
+      <dgm:prSet presAssocID="{E2DD3D1B-7AA2-459A-9E89-F305CACA032B}" presName="compChildNode" presStyleCnt="0"/>
+      <dgm:spPr/>
+    </dgm:pt>
+    <dgm:pt modelId="{AB0EC1C8-624F-4E1D-9E75-88CA28F69518}" type="pres">
+      <dgm:prSet presAssocID="{E2DD3D1B-7AA2-459A-9E89-F305CACA032B}" presName="theInnerList" presStyleCnt="0"/>
+      <dgm:spPr/>
+    </dgm:pt>
+    <dgm:pt modelId="{8338766F-F19C-452C-ACBE-1124DED4EE91}" type="pres">
+      <dgm:prSet presAssocID="{FD8A3556-9942-4423-A013-62B0820F5BC8}" presName="childNode" presStyleLbl="node1" presStyleIdx="8" presStyleCnt="9" custScaleX="321959" custScaleY="131158" custLinFactNeighborX="153" custLinFactNeighborY="-5136">
+        <dgm:presLayoutVars>
+          <dgm:bulletEnabled val="1"/>
+        </dgm:presLayoutVars>
+      </dgm:prSet>
+      <dgm:spPr/>
+    </dgm:pt>
+  </dgm:ptLst>
+  <dgm:cxnLst>
+    <dgm:cxn modelId="{D9D08009-D1B5-4822-9056-6479EFC3BCDE}" srcId="{617510CF-EBBC-438F-848A-3292E685F6F6}" destId="{AF8B5F44-5CD0-4F68-BFB8-7E8C7977EE56}" srcOrd="1" destOrd="0" parTransId="{3CB7283E-401B-4BBD-BB2C-4728E935A328}" sibTransId="{4203FAF8-BAB8-454A-8075-13C8CC6948AF}"/>
+    <dgm:cxn modelId="{21E5F309-7CAC-482A-A8EE-8F40149E67E9}" type="presOf" srcId="{6B1441A6-42C9-48AB-8A1F-475F0961D9C9}" destId="{D2E20C87-F0A8-4BBE-AE0E-797C2EB0C3A3}" srcOrd="1" destOrd="0" presId="urn:microsoft.com/office/officeart/2005/8/layout/lProcess2"/>
+    <dgm:cxn modelId="{9DADCA12-EA6F-4953-8869-5E9F04A29496}" srcId="{617510CF-EBBC-438F-848A-3292E685F6F6}" destId="{762570F4-3939-43AD-8AC4-1ECCC30BE75D}" srcOrd="2" destOrd="0" parTransId="{74F80BCB-B8C0-4D09-BA30-E552205F8888}" sibTransId="{A4F88485-7842-4E75-97B6-6EE83C9710A3}"/>
+    <dgm:cxn modelId="{D0BA6328-52C6-467B-9353-88EC9E21318E}" type="presOf" srcId="{F204B375-E432-491C-B317-E0CFBB0B1CB3}" destId="{78F56DE7-56BE-46A1-883B-FFC013401691}" srcOrd="0" destOrd="0" presId="urn:microsoft.com/office/officeart/2005/8/layout/lProcess2"/>
+    <dgm:cxn modelId="{7DAAC82F-BC30-48F1-8581-0C18C7A0A64E}" srcId="{617510CF-EBBC-438F-848A-3292E685F6F6}" destId="{FC5C8F6C-B10E-4696-AE4B-ECAEAC6BF073}" srcOrd="4" destOrd="0" parTransId="{6C4ADE00-AA3B-4518-BC34-C72DDADCA93C}" sibTransId="{115FF73F-A822-4EB7-8BF6-235B3C7583A4}"/>
+    <dgm:cxn modelId="{0B089A34-6442-43C7-BBED-47398A316D94}" type="presOf" srcId="{617510CF-EBBC-438F-848A-3292E685F6F6}" destId="{968EEAC2-B675-47FC-9364-2A95E0BF0547}" srcOrd="1" destOrd="0" presId="urn:microsoft.com/office/officeart/2005/8/layout/lProcess2"/>
+    <dgm:cxn modelId="{33910F5E-5757-445B-B213-A322E0AFD971}" type="presOf" srcId="{F0CB5344-13A6-4511-9C23-AB33D1905CDA}" destId="{2D5D52D8-9B81-4768-A7CB-E93EC92A7460}" srcOrd="0" destOrd="0" presId="urn:microsoft.com/office/officeart/2005/8/layout/lProcess2"/>
+    <dgm:cxn modelId="{C86C5C61-126A-4AD5-A654-6BF0B73FB838}" type="presOf" srcId="{617510CF-EBBC-438F-848A-3292E685F6F6}" destId="{40E0167C-FED4-4A88-858C-99CCC245FE6D}" srcOrd="0" destOrd="0" presId="urn:microsoft.com/office/officeart/2005/8/layout/lProcess2"/>
+    <dgm:cxn modelId="{8468B568-85BE-48E9-A5C6-761C202BC732}" srcId="{617510CF-EBBC-438F-848A-3292E685F6F6}" destId="{D4BE62DB-80B4-4D03-8466-1007C554A7FA}" srcOrd="5" destOrd="0" parTransId="{DD8AFB82-AF10-4A84-BD39-F60FE74256B4}" sibTransId="{F29183E1-D535-47B1-B09A-79A6C595E628}"/>
+    <dgm:cxn modelId="{46233C49-C6FD-438E-8C31-F642DD539228}" srcId="{617510CF-EBBC-438F-848A-3292E685F6F6}" destId="{2D4B959D-8A45-47D5-87A3-BE3728E560E4}" srcOrd="6" destOrd="0" parTransId="{568883D5-80AE-4801-B8B3-B91E3F0D8C77}" sibTransId="{5C307575-1627-499D-A59E-628147E5DB6C}"/>
+    <dgm:cxn modelId="{C710E649-16C9-4CC8-B210-AD09E83F0146}" type="presOf" srcId="{DCF284C0-A6B7-4E12-954C-54239F2C1303}" destId="{FC792778-402A-4259-8E6E-FF2028304AB6}" srcOrd="0" destOrd="0" presId="urn:microsoft.com/office/officeart/2005/8/layout/lProcess2"/>
+    <dgm:cxn modelId="{CDE2C576-AAF6-4813-9F0F-C4E7BBF2E557}" srcId="{F204B375-E432-491C-B317-E0CFBB0B1CB3}" destId="{617510CF-EBBC-438F-848A-3292E685F6F6}" srcOrd="0" destOrd="0" parTransId="{4A125CFA-9086-4D64-B32E-EF1F3A37345B}" sibTransId="{93CBD815-0D9A-447B-ABA8-11AB6A5FCEDC}"/>
+    <dgm:cxn modelId="{C425BC59-EC64-48D7-84BC-14B86581A956}" type="presOf" srcId="{D4BE62DB-80B4-4D03-8466-1007C554A7FA}" destId="{E97B479E-3F0B-43AA-AFFB-A4495597DFD4}" srcOrd="0" destOrd="0" presId="urn:microsoft.com/office/officeart/2005/8/layout/lProcess2"/>
+    <dgm:cxn modelId="{CB558880-1342-42F5-8E54-C17B63C82E6A}" type="presOf" srcId="{FD8A3556-9942-4423-A013-62B0820F5BC8}" destId="{8338766F-F19C-452C-ACBE-1124DED4EE91}" srcOrd="0" destOrd="0" presId="urn:microsoft.com/office/officeart/2005/8/layout/lProcess2"/>
+    <dgm:cxn modelId="{CE96D38D-0467-4C19-9C7F-EF534C7E765F}" type="presOf" srcId="{762570F4-3939-43AD-8AC4-1ECCC30BE75D}" destId="{9824309B-737B-4D15-89C6-88620A17313F}" srcOrd="0" destOrd="0" presId="urn:microsoft.com/office/officeart/2005/8/layout/lProcess2"/>
+    <dgm:cxn modelId="{BC1ADF8F-FBFF-49EF-99AE-A6753E28E990}" type="presOf" srcId="{AF8B5F44-5CD0-4F68-BFB8-7E8C7977EE56}" destId="{3E591A46-0D94-4C22-A397-E0312A3D1145}" srcOrd="0" destOrd="0" presId="urn:microsoft.com/office/officeart/2005/8/layout/lProcess2"/>
+    <dgm:cxn modelId="{9AF65E95-802D-42F3-8DCA-B1631248469D}" srcId="{6B1441A6-42C9-48AB-8A1F-475F0961D9C9}" destId="{F0CB5344-13A6-4511-9C23-AB33D1905CDA}" srcOrd="0" destOrd="0" parTransId="{4B36B4E7-F974-44C4-8F8D-A3CF45FA0CAE}" sibTransId="{E247A070-32F7-411F-877C-6380F8CCF07C}"/>
+    <dgm:cxn modelId="{9EBB12AE-1D21-4B02-A8C9-2D204349DF7D}" type="presOf" srcId="{E2DD3D1B-7AA2-459A-9E89-F305CACA032B}" destId="{FCFAA177-D9CC-452C-8A31-855A4B232633}" srcOrd="1" destOrd="0" presId="urn:microsoft.com/office/officeart/2005/8/layout/lProcess2"/>
+    <dgm:cxn modelId="{8DE242BA-45B2-4C02-8F28-4611B22E2388}" srcId="{F204B375-E432-491C-B317-E0CFBB0B1CB3}" destId="{6B1441A6-42C9-48AB-8A1F-475F0961D9C9}" srcOrd="1" destOrd="0" parTransId="{08F34BD4-DFA7-449B-8531-61CA337227C5}" sibTransId="{BB1EAC59-EC43-4CD8-8A18-E2DF4A70BE5F}"/>
+    <dgm:cxn modelId="{8467DCC5-6643-441C-BA28-D69E78E2CF7F}" srcId="{617510CF-EBBC-438F-848A-3292E685F6F6}" destId="{8EE96F46-43D8-47B5-9D6E-05D096B6BB69}" srcOrd="0" destOrd="0" parTransId="{8C7BD315-D9C1-4F67-B091-28436E6A2060}" sibTransId="{EE84D86A-4D04-4289-929D-236FC12FE773}"/>
+    <dgm:cxn modelId="{5B3DD3CA-25BA-412E-A289-E855BD36F63B}" srcId="{617510CF-EBBC-438F-848A-3292E685F6F6}" destId="{DCF284C0-A6B7-4E12-954C-54239F2C1303}" srcOrd="3" destOrd="0" parTransId="{3DB1642E-0E9E-41D4-A6E5-F0B82B8C0441}" sibTransId="{063EB571-B978-4836-B9CC-396652387F66}"/>
+    <dgm:cxn modelId="{1E45A2D4-D8C9-430E-87FB-08FDFE809CFA}" type="presOf" srcId="{8EE96F46-43D8-47B5-9D6E-05D096B6BB69}" destId="{7AA399AB-355C-4204-80D3-7AECFDFF999E}" srcOrd="0" destOrd="0" presId="urn:microsoft.com/office/officeart/2005/8/layout/lProcess2"/>
+    <dgm:cxn modelId="{C44E28DA-4FB8-414B-8883-AFEC9D2163E0}" srcId="{E2DD3D1B-7AA2-459A-9E89-F305CACA032B}" destId="{FD8A3556-9942-4423-A013-62B0820F5BC8}" srcOrd="0" destOrd="0" parTransId="{A278D03A-676B-4F94-81E8-40D526AA1E65}" sibTransId="{4ED85B4D-602F-4253-90CA-8C0D38078A32}"/>
+    <dgm:cxn modelId="{7CD8E7DA-476D-4BCF-BE9F-596D2ED7EC5B}" type="presOf" srcId="{FC5C8F6C-B10E-4696-AE4B-ECAEAC6BF073}" destId="{84D55724-BBA1-4FE6-932B-88A7C58FF3B0}" srcOrd="0" destOrd="0" presId="urn:microsoft.com/office/officeart/2005/8/layout/lProcess2"/>
+    <dgm:cxn modelId="{A74BFBE5-20B8-44AF-AF19-32DE52F781D5}" type="presOf" srcId="{E2DD3D1B-7AA2-459A-9E89-F305CACA032B}" destId="{8C82A9E5-7D21-4DCD-BEA4-1B77075DE21E}" srcOrd="0" destOrd="0" presId="urn:microsoft.com/office/officeart/2005/8/layout/lProcess2"/>
+    <dgm:cxn modelId="{E8C595ED-4A93-464C-9EC2-98849DE4B696}" type="presOf" srcId="{6B1441A6-42C9-48AB-8A1F-475F0961D9C9}" destId="{76C269B4-E573-4082-B332-7874042342EA}" srcOrd="0" destOrd="0" presId="urn:microsoft.com/office/officeart/2005/8/layout/lProcess2"/>
+    <dgm:cxn modelId="{5FCD95F4-ED7F-4D28-BEBD-A37109B43FE0}" type="presOf" srcId="{2D4B959D-8A45-47D5-87A3-BE3728E560E4}" destId="{5B071783-289B-483B-84CF-31FC62E5C8D5}" srcOrd="0" destOrd="0" presId="urn:microsoft.com/office/officeart/2005/8/layout/lProcess2"/>
+    <dgm:cxn modelId="{88FECAF6-AE95-40D0-BB25-27E31B8B720E}" srcId="{F204B375-E432-491C-B317-E0CFBB0B1CB3}" destId="{E2DD3D1B-7AA2-459A-9E89-F305CACA032B}" srcOrd="2" destOrd="0" parTransId="{D7DAC8A3-1825-473A-B1F3-C4176BE2FC12}" sibTransId="{5C72B26B-0098-4EC2-9268-9E078B4FAFAA}"/>
+    <dgm:cxn modelId="{9364DC5E-1F61-42CB-ACCE-9A6AB8422F6A}" type="presParOf" srcId="{78F56DE7-56BE-46A1-883B-FFC013401691}" destId="{368652EE-D7AF-434A-BDC6-FAE2709CFEDA}" srcOrd="0" destOrd="0" presId="urn:microsoft.com/office/officeart/2005/8/layout/lProcess2"/>
+    <dgm:cxn modelId="{AAC93DAB-5298-43BD-92EA-88A3A419E368}" type="presParOf" srcId="{368652EE-D7AF-434A-BDC6-FAE2709CFEDA}" destId="{40E0167C-FED4-4A88-858C-99CCC245FE6D}" srcOrd="0" destOrd="0" presId="urn:microsoft.com/office/officeart/2005/8/layout/lProcess2"/>
+    <dgm:cxn modelId="{C5930A83-469F-42ED-AAB9-D3D13AA58B73}" type="presParOf" srcId="{368652EE-D7AF-434A-BDC6-FAE2709CFEDA}" destId="{968EEAC2-B675-47FC-9364-2A95E0BF0547}" srcOrd="1" destOrd="0" presId="urn:microsoft.com/office/officeart/2005/8/layout/lProcess2"/>
+    <dgm:cxn modelId="{790E1CEE-6AE2-4FB0-BEF4-11FA8EB2E157}" type="presParOf" srcId="{368652EE-D7AF-434A-BDC6-FAE2709CFEDA}" destId="{6FDD02CE-1B6A-4123-B087-80342E314289}" srcOrd="2" destOrd="0" presId="urn:microsoft.com/office/officeart/2005/8/layout/lProcess2"/>
+    <dgm:cxn modelId="{038453E6-2495-4BA8-A317-2F26AA76F192}" type="presParOf" srcId="{6FDD02CE-1B6A-4123-B087-80342E314289}" destId="{183AFF36-A7F9-45DE-B0D6-097AAC260197}" srcOrd="0" destOrd="0" presId="urn:microsoft.com/office/officeart/2005/8/layout/lProcess2"/>
+    <dgm:cxn modelId="{253602DE-16E0-4731-BF7A-61ED03CF4645}" type="presParOf" srcId="{183AFF36-A7F9-45DE-B0D6-097AAC260197}" destId="{7AA399AB-355C-4204-80D3-7AECFDFF999E}" srcOrd="0" destOrd="0" presId="urn:microsoft.com/office/officeart/2005/8/layout/lProcess2"/>
+    <dgm:cxn modelId="{282229D2-A5FA-45B0-8478-62AE1EA5392A}" type="presParOf" srcId="{183AFF36-A7F9-45DE-B0D6-097AAC260197}" destId="{1CEA8E52-8382-4F40-95A2-75BEB2A0AB73}" srcOrd="1" destOrd="0" presId="urn:microsoft.com/office/officeart/2005/8/layout/lProcess2"/>
+    <dgm:cxn modelId="{7792A571-9E3E-4E45-8CA8-55329DAA4AE9}" type="presParOf" srcId="{183AFF36-A7F9-45DE-B0D6-097AAC260197}" destId="{3E591A46-0D94-4C22-A397-E0312A3D1145}" srcOrd="2" destOrd="0" presId="urn:microsoft.com/office/officeart/2005/8/layout/lProcess2"/>
+    <dgm:cxn modelId="{283FF956-033F-4DD5-883D-22E1C5A024FA}" type="presParOf" srcId="{183AFF36-A7F9-45DE-B0D6-097AAC260197}" destId="{C087CD76-EF4F-4F89-9FC2-E00D533C5527}" srcOrd="3" destOrd="0" presId="urn:microsoft.com/office/officeart/2005/8/layout/lProcess2"/>
+    <dgm:cxn modelId="{439BE406-6397-4876-97CF-C8F790CA3E05}" type="presParOf" srcId="{183AFF36-A7F9-45DE-B0D6-097AAC260197}" destId="{9824309B-737B-4D15-89C6-88620A17313F}" srcOrd="4" destOrd="0" presId="urn:microsoft.com/office/officeart/2005/8/layout/lProcess2"/>
+    <dgm:cxn modelId="{CCB0D473-6AF2-4D5C-A420-50ACD0858C46}" type="presParOf" srcId="{183AFF36-A7F9-45DE-B0D6-097AAC260197}" destId="{54C65FBD-1135-4181-B72F-0C47EB544C68}" srcOrd="5" destOrd="0" presId="urn:microsoft.com/office/officeart/2005/8/layout/lProcess2"/>
+    <dgm:cxn modelId="{DF491FE3-990E-44F7-BD21-F526362C2011}" type="presParOf" srcId="{183AFF36-A7F9-45DE-B0D6-097AAC260197}" destId="{FC792778-402A-4259-8E6E-FF2028304AB6}" srcOrd="6" destOrd="0" presId="urn:microsoft.com/office/officeart/2005/8/layout/lProcess2"/>
+    <dgm:cxn modelId="{55038129-C519-4CC8-8EA3-60EE496A3CE5}" type="presParOf" srcId="{183AFF36-A7F9-45DE-B0D6-097AAC260197}" destId="{BDCE6304-FF4D-4FB2-9FE2-0CDE26174508}" srcOrd="7" destOrd="0" presId="urn:microsoft.com/office/officeart/2005/8/layout/lProcess2"/>
+    <dgm:cxn modelId="{E17D6931-B3CB-4CE6-BB0C-81A2CCD6C07C}" type="presParOf" srcId="{183AFF36-A7F9-45DE-B0D6-097AAC260197}" destId="{84D55724-BBA1-4FE6-932B-88A7C58FF3B0}" srcOrd="8" destOrd="0" presId="urn:microsoft.com/office/officeart/2005/8/layout/lProcess2"/>
+    <dgm:cxn modelId="{83F8EDBE-7625-4A7B-95E3-92C09328FD60}" type="presParOf" srcId="{183AFF36-A7F9-45DE-B0D6-097AAC260197}" destId="{71D38BCA-9C76-491E-A66E-968A1F99BA14}" srcOrd="9" destOrd="0" presId="urn:microsoft.com/office/officeart/2005/8/layout/lProcess2"/>
+    <dgm:cxn modelId="{1CC85445-7606-4D91-8878-18B2F86884DB}" type="presParOf" srcId="{183AFF36-A7F9-45DE-B0D6-097AAC260197}" destId="{E97B479E-3F0B-43AA-AFFB-A4495597DFD4}" srcOrd="10" destOrd="0" presId="urn:microsoft.com/office/officeart/2005/8/layout/lProcess2"/>
+    <dgm:cxn modelId="{92D554DA-0263-4463-9C26-7634C842F761}" type="presParOf" srcId="{183AFF36-A7F9-45DE-B0D6-097AAC260197}" destId="{8034903D-FCA7-4EAB-8179-E4B0D88E7CD3}" srcOrd="11" destOrd="0" presId="urn:microsoft.com/office/officeart/2005/8/layout/lProcess2"/>
+    <dgm:cxn modelId="{FFAAE30A-7E4E-4118-8F6D-CFB4C9B93315}" type="presParOf" srcId="{183AFF36-A7F9-45DE-B0D6-097AAC260197}" destId="{5B071783-289B-483B-84CF-31FC62E5C8D5}" srcOrd="12" destOrd="0" presId="urn:microsoft.com/office/officeart/2005/8/layout/lProcess2"/>
+    <dgm:cxn modelId="{9A1212C2-584A-4A4D-A5CE-216E0170FDC7}" type="presParOf" srcId="{78F56DE7-56BE-46A1-883B-FFC013401691}" destId="{41EFC72D-1E3E-4D27-B8CE-B38E9C8CA320}" srcOrd="1" destOrd="0" presId="urn:microsoft.com/office/officeart/2005/8/layout/lProcess2"/>
+    <dgm:cxn modelId="{10E00CD7-C50D-4B64-8FA5-4C3066234383}" type="presParOf" srcId="{78F56DE7-56BE-46A1-883B-FFC013401691}" destId="{70484B74-718F-4441-B105-3ACB48631C1A}" srcOrd="2" destOrd="0" presId="urn:microsoft.com/office/officeart/2005/8/layout/lProcess2"/>
+    <dgm:cxn modelId="{542FF5BD-80BA-4679-AC17-E84F0C0B7099}" type="presParOf" srcId="{70484B74-718F-4441-B105-3ACB48631C1A}" destId="{76C269B4-E573-4082-B332-7874042342EA}" srcOrd="0" destOrd="0" presId="urn:microsoft.com/office/officeart/2005/8/layout/lProcess2"/>
+    <dgm:cxn modelId="{F6CE4317-403C-4384-A9A8-FC31F6C30EF5}" type="presParOf" srcId="{70484B74-718F-4441-B105-3ACB48631C1A}" destId="{D2E20C87-F0A8-4BBE-AE0E-797C2EB0C3A3}" srcOrd="1" destOrd="0" presId="urn:microsoft.com/office/officeart/2005/8/layout/lProcess2"/>
+    <dgm:cxn modelId="{A2D18455-8BF2-4359-8D94-215DC3BBB4C0}" type="presParOf" srcId="{70484B74-718F-4441-B105-3ACB48631C1A}" destId="{977EA48A-3067-49BB-8E71-7119C731A1F7}" srcOrd="2" destOrd="0" presId="urn:microsoft.com/office/officeart/2005/8/layout/lProcess2"/>
+    <dgm:cxn modelId="{8035F331-64AA-444D-B554-F8E042DD85A7}" type="presParOf" srcId="{977EA48A-3067-49BB-8E71-7119C731A1F7}" destId="{5C2E230C-C9DE-48F2-827B-366042560636}" srcOrd="0" destOrd="0" presId="urn:microsoft.com/office/officeart/2005/8/layout/lProcess2"/>
+    <dgm:cxn modelId="{86553E34-FA6C-4896-A690-B9987FC0A561}" type="presParOf" srcId="{5C2E230C-C9DE-48F2-827B-366042560636}" destId="{2D5D52D8-9B81-4768-A7CB-E93EC92A7460}" srcOrd="0" destOrd="0" presId="urn:microsoft.com/office/officeart/2005/8/layout/lProcess2"/>
+    <dgm:cxn modelId="{526E6511-5B89-4597-903F-BEB472EA2355}" type="presParOf" srcId="{78F56DE7-56BE-46A1-883B-FFC013401691}" destId="{01CB5631-17B0-4F59-BE6C-15D8E8BA7E59}" srcOrd="3" destOrd="0" presId="urn:microsoft.com/office/officeart/2005/8/layout/lProcess2"/>
+    <dgm:cxn modelId="{98102BEF-4999-46D8-BD65-21E9B0056FFA}" type="presParOf" srcId="{78F56DE7-56BE-46A1-883B-FFC013401691}" destId="{5DEA6320-8FB1-4AA4-934B-BA3114895C02}" srcOrd="4" destOrd="0" presId="urn:microsoft.com/office/officeart/2005/8/layout/lProcess2"/>
+    <dgm:cxn modelId="{91A8F908-6099-4D37-8F0A-2D3299CF3CA2}" type="presParOf" srcId="{5DEA6320-8FB1-4AA4-934B-BA3114895C02}" destId="{8C82A9E5-7D21-4DCD-BEA4-1B77075DE21E}" srcOrd="0" destOrd="0" presId="urn:microsoft.com/office/officeart/2005/8/layout/lProcess2"/>
+    <dgm:cxn modelId="{9D53D749-EC8C-4794-86DA-9223B11B5DEE}" type="presParOf" srcId="{5DEA6320-8FB1-4AA4-934B-BA3114895C02}" destId="{FCFAA177-D9CC-452C-8A31-855A4B232633}" srcOrd="1" destOrd="0" presId="urn:microsoft.com/office/officeart/2005/8/layout/lProcess2"/>
+    <dgm:cxn modelId="{1C82E3E7-568F-4FFC-9557-247783B5644D}" type="presParOf" srcId="{5DEA6320-8FB1-4AA4-934B-BA3114895C02}" destId="{D445C678-73C6-46CA-9E7B-F6021C02609B}" srcOrd="2" destOrd="0" presId="urn:microsoft.com/office/officeart/2005/8/layout/lProcess2"/>
+    <dgm:cxn modelId="{28918067-A3B6-4463-9ECF-63962D100A27}" type="presParOf" srcId="{D445C678-73C6-46CA-9E7B-F6021C02609B}" destId="{AB0EC1C8-624F-4E1D-9E75-88CA28F69518}" srcOrd="0" destOrd="0" presId="urn:microsoft.com/office/officeart/2005/8/layout/lProcess2"/>
+    <dgm:cxn modelId="{77B8B9A8-7913-40D6-B2ED-512E4A19A3C3}" type="presParOf" srcId="{AB0EC1C8-624F-4E1D-9E75-88CA28F69518}" destId="{8338766F-F19C-452C-ACBE-1124DED4EE91}" srcOrd="0" destOrd="0" presId="urn:microsoft.com/office/officeart/2005/8/layout/lProcess2"/>
+  </dgm:cxnLst>
+  <dgm:bg/>
+  <dgm:whole/>
+  <dgm:extLst>
+    <a:ext uri="http://schemas.microsoft.com/office/drawing/2008/diagram">
+      <dsp:dataModelExt xmlns:dsp="http://schemas.microsoft.com/office/drawing/2008/diagram" relId="rId6" minVer="http://schemas.openxmlformats.org/drawingml/2006/diagram"/>
+    </a:ext>
+  </dgm:extLst>
+</dgm:dataModel>
+</file>
+
+<file path=ppt/diagrams/data3.xml><?xml version="1.0" encoding="utf-8"?>
+<dgm:dataModel xmlns:dgm="http://schemas.openxmlformats.org/drawingml/2006/diagram" xmlns:a="http://schemas.openxmlformats.org/drawingml/2006/main">
+  <dgm:ptLst>
+    <dgm:pt modelId="{F204B375-E432-491C-B317-E0CFBB0B1CB3}" type="doc">
+      <dgm:prSet loTypeId="urn:microsoft.com/office/officeart/2005/8/layout/lProcess2" loCatId="list" qsTypeId="urn:microsoft.com/office/officeart/2005/8/quickstyle/simple1" qsCatId="simple" csTypeId="urn:microsoft.com/office/officeart/2005/8/colors/accent1_2" csCatId="accent1" phldr="1"/>
+      <dgm:spPr/>
+      <dgm:t>
+        <a:bodyPr/>
+        <a:lstStyle/>
+        <a:p>
+          <a:endParaRPr lang="es-ES"/>
+        </a:p>
+      </dgm:t>
+    </dgm:pt>
+    <dgm:pt modelId="{617510CF-EBBC-438F-848A-3292E685F6F6}">
+      <dgm:prSet phldrT="[Texto]" custT="1"/>
+      <dgm:spPr>
+        <a:noFill/>
+        <a:ln>
+          <a:solidFill>
+            <a:schemeClr val="bg1">
+              <a:lumMod val="50000"/>
+            </a:schemeClr>
+          </a:solidFill>
+          <a:prstDash val="dash"/>
+        </a:ln>
+      </dgm:spPr>
+      <dgm:t>
+        <a:bodyPr/>
+        <a:lstStyle/>
+        <a:p>
+          <a:r>
+            <a:rPr lang="es-ES" sz="3600" dirty="0"/>
+            <a:t>ÁREAS</a:t>
+          </a:r>
+        </a:p>
+      </dgm:t>
+    </dgm:pt>
+    <dgm:pt modelId="{4A125CFA-9086-4D64-B32E-EF1F3A37345B}" type="parTrans" cxnId="{CDE2C576-AAF6-4813-9F0F-C4E7BBF2E557}">
+      <dgm:prSet/>
+      <dgm:spPr/>
+      <dgm:t>
+        <a:bodyPr/>
+        <a:lstStyle/>
+        <a:p>
+          <a:endParaRPr lang="es-ES"/>
+        </a:p>
+      </dgm:t>
+    </dgm:pt>
+    <dgm:pt modelId="{93CBD815-0D9A-447B-ABA8-11AB6A5FCEDC}" type="sibTrans" cxnId="{CDE2C576-AAF6-4813-9F0F-C4E7BBF2E557}">
+      <dgm:prSet/>
+      <dgm:spPr/>
+      <dgm:t>
+        <a:bodyPr/>
+        <a:lstStyle/>
+        <a:p>
+          <a:endParaRPr lang="es-ES"/>
+        </a:p>
+      </dgm:t>
+    </dgm:pt>
+    <dgm:pt modelId="{AF8B5F44-5CD0-4F68-BFB8-7E8C7977EE56}">
+      <dgm:prSet phldrT="[Texto]" custT="1"/>
+      <dgm:spPr>
+        <a:solidFill>
+          <a:schemeClr val="accent6"/>
+        </a:solidFill>
+      </dgm:spPr>
+      <dgm:t>
+        <a:bodyPr/>
+        <a:lstStyle/>
+        <a:p>
+          <a:pPr algn="l">
+            <a:buFont typeface="Arial" panose="020B0604020202020204" pitchFamily="34" charset="0"/>
+            <a:buNone/>
+          </a:pPr>
+          <a:r>
+            <a:rPr lang="es-ES" sz="2400" dirty="0"/>
+            <a:t>2 Business</a:t>
+          </a:r>
+        </a:p>
+      </dgm:t>
+    </dgm:pt>
+    <dgm:pt modelId="{3CB7283E-401B-4BBD-BB2C-4728E935A328}" type="parTrans" cxnId="{D9D08009-D1B5-4822-9056-6479EFC3BCDE}">
+      <dgm:prSet/>
+      <dgm:spPr/>
+      <dgm:t>
+        <a:bodyPr/>
+        <a:lstStyle/>
+        <a:p>
+          <a:endParaRPr lang="es-ES"/>
+        </a:p>
+      </dgm:t>
+    </dgm:pt>
+    <dgm:pt modelId="{4203FAF8-BAB8-454A-8075-13C8CC6948AF}" type="sibTrans" cxnId="{D9D08009-D1B5-4822-9056-6479EFC3BCDE}">
+      <dgm:prSet/>
+      <dgm:spPr/>
+      <dgm:t>
+        <a:bodyPr/>
+        <a:lstStyle/>
+        <a:p>
+          <a:endParaRPr lang="es-ES"/>
+        </a:p>
+      </dgm:t>
+    </dgm:pt>
+    <dgm:pt modelId="{762570F4-3939-43AD-8AC4-1ECCC30BE75D}">
+      <dgm:prSet phldrT="[Texto]" custT="1"/>
+      <dgm:spPr>
+        <a:solidFill>
+          <a:schemeClr val="accent2"/>
+        </a:solidFill>
+      </dgm:spPr>
+      <dgm:t>
+        <a:bodyPr/>
+        <a:lstStyle/>
+        <a:p>
+          <a:pPr algn="l"/>
+          <a:r>
+            <a:rPr lang="es-ES" sz="2400" dirty="0"/>
+            <a:t>3 Data</a:t>
+          </a:r>
+        </a:p>
+      </dgm:t>
+    </dgm:pt>
+    <dgm:pt modelId="{74F80BCB-B8C0-4D09-BA30-E552205F8888}" type="parTrans" cxnId="{9DADCA12-EA6F-4953-8869-5E9F04A29496}">
+      <dgm:prSet/>
+      <dgm:spPr/>
+      <dgm:t>
+        <a:bodyPr/>
+        <a:lstStyle/>
+        <a:p>
+          <a:endParaRPr lang="es-ES"/>
+        </a:p>
+      </dgm:t>
+    </dgm:pt>
+    <dgm:pt modelId="{A4F88485-7842-4E75-97B6-6EE83C9710A3}" type="sibTrans" cxnId="{9DADCA12-EA6F-4953-8869-5E9F04A29496}">
+      <dgm:prSet/>
+      <dgm:spPr/>
+      <dgm:t>
+        <a:bodyPr/>
+        <a:lstStyle/>
+        <a:p>
+          <a:endParaRPr lang="es-ES"/>
+        </a:p>
+      </dgm:t>
+    </dgm:pt>
+    <dgm:pt modelId="{6B1441A6-42C9-48AB-8A1F-475F0961D9C9}">
+      <dgm:prSet phldrT="[Texto]" custT="1"/>
+      <dgm:spPr>
+        <a:noFill/>
+        <a:ln>
+          <a:solidFill>
+            <a:prstClr val="white">
+              <a:lumMod val="50000"/>
+            </a:prstClr>
+          </a:solidFill>
+          <a:prstDash val="dash"/>
+        </a:ln>
+        <a:effectLst/>
+      </dgm:spPr>
+      <dgm:t>
+        <a:bodyPr spcFirstLastPara="0" vert="horz" wrap="square" lIns="137160" tIns="137160" rIns="137160" bIns="137160" numCol="1" spcCol="1270" anchor="ctr" anchorCtr="0"/>
+        <a:lstStyle/>
+        <a:p>
+          <a:r>
+            <a:rPr lang="es-ES" sz="3600" dirty="0"/>
+            <a:t>FUNCIONES</a:t>
+          </a:r>
+        </a:p>
+      </dgm:t>
+    </dgm:pt>
+    <dgm:pt modelId="{08F34BD4-DFA7-449B-8531-61CA337227C5}" type="parTrans" cxnId="{8DE242BA-45B2-4C02-8F28-4611B22E2388}">
+      <dgm:prSet/>
+      <dgm:spPr/>
+      <dgm:t>
+        <a:bodyPr/>
+        <a:lstStyle/>
+        <a:p>
+          <a:endParaRPr lang="es-ES"/>
+        </a:p>
+      </dgm:t>
+    </dgm:pt>
+    <dgm:pt modelId="{BB1EAC59-EC43-4CD8-8A18-E2DF4A70BE5F}" type="sibTrans" cxnId="{8DE242BA-45B2-4C02-8F28-4611B22E2388}">
+      <dgm:prSet/>
+      <dgm:spPr/>
+      <dgm:t>
+        <a:bodyPr/>
+        <a:lstStyle/>
+        <a:p>
+          <a:endParaRPr lang="es-ES"/>
+        </a:p>
+      </dgm:t>
+    </dgm:pt>
+    <dgm:pt modelId="{F0CB5344-13A6-4511-9C23-AB33D1905CDA}">
+      <dgm:prSet phldrT="[Texto]" custT="1"/>
+      <dgm:spPr>
+        <a:noFill/>
+        <a:ln>
+          <a:noFill/>
+          <a:prstDash val="dash"/>
+        </a:ln>
+      </dgm:spPr>
+      <dgm:t>
+        <a:bodyPr/>
+        <a:lstStyle/>
+        <a:p>
+          <a:pPr algn="l"/>
+          <a:r>
+            <a:rPr lang="es-ES" sz="1900" b="1" kern="1200" dirty="0">
+              <a:solidFill>
+                <a:schemeClr val="accent1"/>
+              </a:solidFill>
+            </a:rPr>
+            <a:t>1.1</a:t>
+          </a:r>
+          <a:r>
+            <a:rPr lang="es-ES" sz="1900" kern="1200" dirty="0">
+              <a:solidFill>
+                <a:schemeClr val="tx1"/>
+              </a:solidFill>
+            </a:rPr>
+            <a:t> Policies and standards: ENS, LOPD-GDD, RGPD, ISO, SGSI, NIST, PCI-DSS, SCRUM, GRC, OWASP, AGILE, SDLC, RFC, IEEEComputerSociety</a:t>
+          </a:r>
+          <a:br>
+            <a:rPr lang="es-ES" sz="1900" kern="1200" dirty="0">
+              <a:solidFill>
+                <a:schemeClr val="tx1"/>
+              </a:solidFill>
+            </a:rPr>
+          </a:br>
+          <a:r>
+            <a:rPr lang="es-ES" sz="1900" b="1" kern="1200" dirty="0">
+              <a:solidFill>
+                <a:schemeClr val="accent1"/>
+              </a:solidFill>
+            </a:rPr>
+            <a:t>1.2</a:t>
+          </a:r>
+          <a:r>
+            <a:rPr lang="es-ES" sz="1900" kern="1200" dirty="0">
+              <a:solidFill>
+                <a:schemeClr val="tx1"/>
+              </a:solidFill>
+            </a:rPr>
+            <a:t> Risks   </a:t>
+          </a:r>
+          <a:r>
+            <a:rPr lang="es-ES" sz="1900" b="1" kern="1200" dirty="0">
+              <a:solidFill>
+                <a:schemeClr val="accent1"/>
+              </a:solidFill>
+            </a:rPr>
+            <a:t>1.3</a:t>
+          </a:r>
+          <a:r>
+            <a:rPr lang="es-ES" sz="1900" kern="1200" dirty="0">
+              <a:solidFill>
+                <a:schemeClr val="tx1"/>
+              </a:solidFill>
+            </a:rPr>
+            <a:t> Assessments</a:t>
+          </a:r>
+          <a:br>
+            <a:rPr lang="es-ES" sz="1900" kern="1200" dirty="0">
+              <a:solidFill>
+                <a:schemeClr val="tx1"/>
+              </a:solidFill>
+            </a:rPr>
+          </a:br>
+          <a:r>
+            <a:rPr lang="es-ES" sz="1900" b="1" kern="1200" dirty="0">
+              <a:solidFill>
+                <a:schemeClr val="accent6"/>
+              </a:solidFill>
+            </a:rPr>
+            <a:t>2.1 </a:t>
+          </a:r>
+          <a:r>
+            <a:rPr lang="es-ES" sz="1900" kern="1200" dirty="0">
+              <a:solidFill>
+                <a:schemeClr val="tx1"/>
+              </a:solidFill>
+            </a:rPr>
+            <a:t>Manufacturers</a:t>
+          </a:r>
+          <a:br>
+            <a:rPr lang="es-ES" sz="1900" kern="1200" dirty="0">
+              <a:solidFill>
+                <a:schemeClr val="tx1"/>
+              </a:solidFill>
+            </a:rPr>
+          </a:br>
+          <a:r>
+            <a:rPr lang="es-ES" sz="1900" b="1" kern="1200" dirty="0">
+              <a:solidFill>
+                <a:schemeClr val="accent6"/>
+              </a:solidFill>
+            </a:rPr>
+            <a:t>2.2</a:t>
+          </a:r>
+          <a:r>
+            <a:rPr lang="es-ES" sz="1900" kern="1200" dirty="0">
+              <a:solidFill>
+                <a:schemeClr val="tx1"/>
+              </a:solidFill>
+            </a:rPr>
+            <a:t> Business development</a:t>
+          </a:r>
+          <a:br>
+            <a:rPr lang="es-ES" sz="1900" kern="1200" dirty="0">
+              <a:solidFill>
+                <a:schemeClr val="tx1"/>
+              </a:solidFill>
+            </a:rPr>
+          </a:br>
+          <a:r>
+            <a:rPr lang="es-ES" sz="1900" b="1" kern="1200" dirty="0">
+              <a:solidFill>
+                <a:schemeClr val="accent6"/>
+              </a:solidFill>
+            </a:rPr>
+            <a:t>2.3 </a:t>
+          </a:r>
+          <a:r>
+            <a:rPr lang="es-ES" sz="1900" kern="1200" dirty="0">
+              <a:solidFill>
+                <a:schemeClr val="tx1"/>
+              </a:solidFill>
+            </a:rPr>
+            <a:t>Presales</a:t>
+          </a:r>
+          <a:br>
+            <a:rPr lang="es-ES" sz="1900" kern="1200" dirty="0">
+              <a:solidFill>
+                <a:schemeClr val="tx1"/>
+              </a:solidFill>
+            </a:rPr>
+          </a:br>
+          <a:r>
+            <a:rPr lang="es-ES" sz="1900" b="1" kern="1200" dirty="0">
+              <a:solidFill>
+                <a:schemeClr val="accent2"/>
+              </a:solidFill>
+            </a:rPr>
+            <a:t>3.1</a:t>
+          </a:r>
+          <a:r>
+            <a:rPr lang="es-ES" sz="1900" kern="1200" dirty="0">
+              <a:solidFill>
+                <a:schemeClr val="tx1"/>
+              </a:solidFill>
+            </a:rPr>
+            <a:t> Data lifecycle</a:t>
+          </a:r>
+          <a:br>
+            <a:rPr lang="es-ES" sz="1900" kern="1200" dirty="0">
+              <a:solidFill>
+                <a:schemeClr val="tx1"/>
+              </a:solidFill>
+            </a:rPr>
+          </a:br>
+          <a:r>
+            <a:rPr lang="es-ES" sz="1900" b="1" kern="1200" dirty="0">
+              <a:solidFill>
+                <a:schemeClr val="accent2"/>
+              </a:solidFill>
+            </a:rPr>
+            <a:t>3.2</a:t>
+          </a:r>
+          <a:r>
+            <a:rPr lang="es-ES" sz="1900" kern="1200" dirty="0">
+              <a:solidFill>
+                <a:schemeClr val="tx1"/>
+              </a:solidFill>
+            </a:rPr>
+            <a:t> Data analysis</a:t>
+          </a:r>
+          <a:br>
+            <a:rPr lang="es-ES" sz="1900" kern="1200" dirty="0">
+              <a:solidFill>
+                <a:schemeClr val="tx1"/>
+              </a:solidFill>
+            </a:rPr>
+          </a:br>
+          <a:r>
+            <a:rPr lang="es-ES" sz="1900" b="1" kern="1200" dirty="0">
+              <a:solidFill>
+                <a:srgbClr val="7030A0"/>
+              </a:solidFill>
+            </a:rPr>
+            <a:t>4.1</a:t>
+          </a:r>
+          <a:r>
+            <a:rPr lang="es-ES" sz="1900" kern="1200" dirty="0">
+              <a:solidFill>
+                <a:schemeClr val="tx1"/>
+              </a:solidFill>
+            </a:rPr>
+            <a:t> Prevention </a:t>
+          </a:r>
+          <a:r>
+            <a:rPr lang="es-ES" sz="1900" b="1" kern="1200" dirty="0">
+              <a:solidFill>
+                <a:srgbClr val="7030A0"/>
+              </a:solidFill>
+            </a:rPr>
+            <a:t>4.2 </a:t>
+          </a:r>
+          <a:r>
+            <a:rPr lang="es-ES" sz="1900" kern="1200" dirty="0">
+              <a:solidFill>
+                <a:schemeClr val="tx1"/>
+              </a:solidFill>
+            </a:rPr>
+            <a:t>Detection</a:t>
+          </a:r>
+          <a:br>
+            <a:rPr lang="es-ES" sz="1900" kern="1200" dirty="0">
+              <a:solidFill>
+                <a:schemeClr val="tx1"/>
+              </a:solidFill>
+            </a:rPr>
+          </a:br>
+          <a:r>
+            <a:rPr lang="es-ES" sz="1900" b="1" kern="1200" dirty="0">
+              <a:solidFill>
+                <a:srgbClr val="7030A0"/>
+              </a:solidFill>
+            </a:rPr>
+            <a:t>4.3</a:t>
+          </a:r>
+          <a:r>
+            <a:rPr lang="es-ES" sz="1900" kern="1200" dirty="0">
+              <a:solidFill>
+                <a:schemeClr val="tx1"/>
+              </a:solidFill>
+            </a:rPr>
+            <a:t> Response  </a:t>
+          </a:r>
+          <a:r>
+            <a:rPr lang="es-ES" sz="1900" b="1" kern="1200" dirty="0">
+              <a:solidFill>
+                <a:srgbClr val="7030A0"/>
+              </a:solidFill>
+            </a:rPr>
+            <a:t>4.4</a:t>
+          </a:r>
+          <a:r>
+            <a:rPr lang="es-ES" sz="1900" kern="1200" dirty="0">
+              <a:solidFill>
+                <a:schemeClr val="tx1"/>
+              </a:solidFill>
+            </a:rPr>
+            <a:t> Resilience </a:t>
+          </a:r>
+          <a:br>
+            <a:rPr lang="es-ES" sz="1900" kern="1200" dirty="0">
+              <a:solidFill>
+                <a:schemeClr val="tx1"/>
+              </a:solidFill>
+            </a:rPr>
+          </a:br>
+          <a:r>
+            <a:rPr lang="es-ES" sz="1900" b="1" kern="1200" dirty="0">
+              <a:solidFill>
+                <a:srgbClr val="FF0000"/>
+              </a:solidFill>
+            </a:rPr>
+            <a:t>5.1</a:t>
+          </a:r>
+          <a:r>
+            <a:rPr lang="es-ES" sz="1900" kern="1200" dirty="0">
+              <a:solidFill>
+                <a:schemeClr val="tx1"/>
+              </a:solidFill>
+            </a:rPr>
+            <a:t> On-</a:t>
+          </a:r>
+          <a:r>
+            <a:rPr lang="es-ES" sz="1900" kern="1200" dirty="0" err="1">
+              <a:solidFill>
+                <a:schemeClr val="tx1"/>
+              </a:solidFill>
+            </a:rPr>
+            <a:t>prem</a:t>
+          </a:r>
+          <a:r>
+            <a:rPr lang="es-ES" sz="1900" kern="1200" dirty="0">
+              <a:solidFill>
+                <a:schemeClr val="tx1"/>
+              </a:solidFill>
+            </a:rPr>
+            <a:t> </a:t>
+          </a:r>
+          <a:r>
+            <a:rPr lang="es-ES" sz="1900" b="1" kern="1200" dirty="0">
+              <a:solidFill>
+                <a:srgbClr val="FF0000"/>
+              </a:solidFill>
+            </a:rPr>
+            <a:t>5.2</a:t>
+          </a:r>
+          <a:r>
+            <a:rPr lang="es-ES" sz="1900" kern="1200" dirty="0">
+              <a:solidFill>
+                <a:schemeClr val="tx1"/>
+              </a:solidFill>
+            </a:rPr>
+            <a:t> Cloud </a:t>
+          </a:r>
+          <a:br>
+            <a:rPr lang="es-ES" sz="1900" kern="1200" dirty="0">
+              <a:solidFill>
+                <a:schemeClr val="tx1"/>
+              </a:solidFill>
+            </a:rPr>
+          </a:br>
+          <a:r>
+            <a:rPr lang="es-ES" sz="1900" b="1" kern="1200" dirty="0">
+              <a:solidFill>
+                <a:schemeClr val="accent5"/>
+              </a:solidFill>
+            </a:rPr>
+            <a:t>6.1</a:t>
+          </a:r>
+          <a:r>
+            <a:rPr lang="es-ES" sz="1900" kern="1200" dirty="0">
+              <a:solidFill>
+                <a:schemeClr val="tx1"/>
+              </a:solidFill>
+            </a:rPr>
+            <a:t> Frontend   </a:t>
+          </a:r>
+          <a:r>
+            <a:rPr lang="es-ES" sz="1900" b="1" kern="1200" dirty="0">
+              <a:solidFill>
+                <a:schemeClr val="accent5"/>
+              </a:solidFill>
+            </a:rPr>
+            <a:t>6.2</a:t>
+          </a:r>
+          <a:r>
+            <a:rPr lang="es-ES" sz="1900" kern="1200" dirty="0">
+              <a:solidFill>
+                <a:schemeClr val="tx1"/>
+              </a:solidFill>
+            </a:rPr>
+            <a:t> Backend</a:t>
+          </a:r>
+          <a:br>
+            <a:rPr lang="es-ES" sz="1900" kern="1200" dirty="0">
+              <a:solidFill>
+                <a:schemeClr val="tx1"/>
+              </a:solidFill>
+            </a:rPr>
+          </a:br>
+          <a:r>
+            <a:rPr lang="es-ES" sz="1900" b="1" kern="1200" dirty="0">
+              <a:solidFill>
+                <a:schemeClr val="accent5"/>
+              </a:solidFill>
+            </a:rPr>
+            <a:t>6.3</a:t>
+          </a:r>
+          <a:r>
+            <a:rPr lang="es-ES" sz="1900" kern="1200" dirty="0">
+              <a:solidFill>
+                <a:schemeClr val="tx1"/>
+              </a:solidFill>
+            </a:rPr>
+            <a:t> Fullstack    </a:t>
+          </a:r>
+          <a:r>
+            <a:rPr lang="es-ES" sz="1900" b="1" kern="1200" dirty="0">
+              <a:solidFill>
+                <a:srgbClr val="5B9BD5"/>
+              </a:solidFill>
+              <a:latin typeface="Calibri" panose="020F0502020204030204"/>
+              <a:ea typeface="+mn-ea"/>
+              <a:cs typeface="+mn-cs"/>
+            </a:rPr>
+            <a:t>6.4</a:t>
+          </a:r>
+          <a:r>
+            <a:rPr lang="es-ES" sz="1900" kern="1200" dirty="0">
+              <a:solidFill>
+                <a:schemeClr val="tx1"/>
+              </a:solidFill>
+            </a:rPr>
+            <a:t> INGSW</a:t>
+          </a:r>
+          <a:br>
+            <a:rPr lang="es-ES" sz="1900" kern="1200" dirty="0">
+              <a:solidFill>
+                <a:schemeClr val="tx1"/>
+              </a:solidFill>
+            </a:rPr>
+          </a:br>
+          <a:r>
+            <a:rPr lang="es-ES" sz="1900" b="1" kern="1200" dirty="0">
+              <a:solidFill>
+                <a:schemeClr val="accent4"/>
+              </a:solidFill>
+            </a:rPr>
+            <a:t>7.1 </a:t>
+          </a:r>
+          <a:r>
+            <a:rPr lang="es-ES" sz="1900" kern="1200" dirty="0">
+              <a:solidFill>
+                <a:schemeClr val="tx1"/>
+              </a:solidFill>
+            </a:rPr>
+            <a:t>Ticketing y alerts</a:t>
           </a:r>
           <a:br>
             <a:rPr lang="es-ES" sz="2000" kern="1200" dirty="0">
@@ -4611,7 +6925,7 @@
                 <a:schemeClr val="tx1"/>
               </a:solidFill>
             </a:rPr>
-            <a:t> Regulación y normativa: ENS, LOPD-GDD, RGPD, ISO, SGSI, NIST, PCI-DSS, SCRUM, GRC, OWASPTOP10, AGILE, SDLC, RFC, IEEEComputerSociety</a:t>
+            <a:t> Regulación y normativa: ENS, LOPD-GDD, RGPD, ISO, SGSI, NIST, PCI-DSS, SCRUM, GRC, OWASP, AGILE, SDLC, RFC, IEEEComputerSociety</a:t>
           </a:r>
           <a:br>
             <a:rPr lang="es-ES" sz="1900" kern="1200" dirty="0">
@@ -5003,6 +7317,1645 @@
               </a:solidFill>
             </a:rPr>
             <a:t>Ticketing y alertas</a:t>
+          </a:r>
+          <a:br>
+            <a:rPr lang="es-ES" sz="2000" kern="1200" dirty="0">
+              <a:solidFill>
+                <a:schemeClr val="tx1"/>
+              </a:solidFill>
+            </a:rPr>
+          </a:br>
+          <a:endParaRPr lang="es-ES" sz="2000" kern="1200" dirty="0">
+            <a:solidFill>
+              <a:schemeClr val="tx1"/>
+            </a:solidFill>
+          </a:endParaRPr>
+        </a:p>
+      </dsp:txBody>
+      <dsp:txXfrm>
+        <a:off x="2902431" y="2085493"/>
+        <a:ext cx="2965709" cy="4128345"/>
+      </dsp:txXfrm>
+    </dsp:sp>
+    <dsp:sp modelId="{8C82A9E5-7D21-4DCD-BEA4-1B77075DE21E}">
+      <dsp:nvSpPr>
+        <dsp:cNvPr id="0" name=""/>
+        <dsp:cNvSpPr/>
+      </dsp:nvSpPr>
+      <dsp:spPr>
+        <a:xfrm>
+          <a:off x="6105253" y="0"/>
+          <a:ext cx="3812690" cy="6639466"/>
+        </a:xfrm>
+        <a:prstGeom prst="roundRect">
+          <a:avLst>
+            <a:gd name="adj" fmla="val 10000"/>
+          </a:avLst>
+        </a:prstGeom>
+        <a:noFill/>
+        <a:ln>
+          <a:solidFill>
+            <a:prstClr val="white">
+              <a:lumMod val="50000"/>
+            </a:prstClr>
+          </a:solidFill>
+          <a:prstDash val="dash"/>
+        </a:ln>
+        <a:effectLst/>
+      </dsp:spPr>
+      <dsp:style>
+        <a:lnRef idx="0">
+          <a:scrgbClr r="0" g="0" b="0"/>
+        </a:lnRef>
+        <a:fillRef idx="1">
+          <a:scrgbClr r="0" g="0" b="0"/>
+        </a:fillRef>
+        <a:effectRef idx="0">
+          <a:scrgbClr r="0" g="0" b="0"/>
+        </a:effectRef>
+        <a:fontRef idx="minor"/>
+      </dsp:style>
+      <dsp:txBody>
+        <a:bodyPr spcFirstLastPara="0" vert="horz" wrap="square" lIns="137160" tIns="137160" rIns="137160" bIns="137160" numCol="1" spcCol="1270" anchor="ctr" anchorCtr="0">
+          <a:noAutofit/>
+        </a:bodyPr>
+        <a:lstStyle/>
+        <a:p>
+          <a:pPr marL="0" lvl="0" indent="0" algn="ctr" defTabSz="1600200">
+            <a:lnSpc>
+              <a:spcPct val="90000"/>
+            </a:lnSpc>
+            <a:spcBef>
+              <a:spcPct val="0"/>
+            </a:spcBef>
+            <a:spcAft>
+              <a:spcPct val="35000"/>
+            </a:spcAft>
+            <a:buNone/>
+          </a:pPr>
+          <a:r>
+            <a:rPr lang="es-ES" sz="3600" kern="1200" dirty="0">
+              <a:solidFill>
+                <a:prstClr val="black">
+                  <a:hueOff val="0"/>
+                  <a:satOff val="0"/>
+                  <a:lumOff val="0"/>
+                  <a:alphaOff val="0"/>
+                </a:prstClr>
+              </a:solidFill>
+              <a:latin typeface="Calibri" panose="020F0502020204030204"/>
+              <a:ea typeface="+mn-ea"/>
+              <a:cs typeface="+mn-cs"/>
+            </a:rPr>
+            <a:t>TECNOLOGÍAS</a:t>
+          </a:r>
+        </a:p>
+      </dsp:txBody>
+      <dsp:txXfrm>
+        <a:off x="6105253" y="0"/>
+        <a:ext cx="3812690" cy="1991839"/>
+      </dsp:txXfrm>
+    </dsp:sp>
+    <dsp:sp modelId="{8338766F-F19C-452C-ACBE-1124DED4EE91}">
+      <dsp:nvSpPr>
+        <dsp:cNvPr id="0" name=""/>
+        <dsp:cNvSpPr/>
+      </dsp:nvSpPr>
+      <dsp:spPr>
+        <a:xfrm>
+          <a:off x="6041663" y="1825042"/>
+          <a:ext cx="3942953" cy="4311574"/>
+        </a:xfrm>
+        <a:prstGeom prst="roundRect">
+          <a:avLst>
+            <a:gd name="adj" fmla="val 10000"/>
+          </a:avLst>
+        </a:prstGeom>
+        <a:noFill/>
+        <a:ln w="12700" cap="flat" cmpd="sng" algn="ctr">
+          <a:noFill/>
+          <a:prstDash val="solid"/>
+          <a:miter lim="800000"/>
+        </a:ln>
+        <a:effectLst/>
+      </dsp:spPr>
+      <dsp:style>
+        <a:lnRef idx="2">
+          <a:scrgbClr r="0" g="0" b="0"/>
+        </a:lnRef>
+        <a:fillRef idx="1">
+          <a:scrgbClr r="0" g="0" b="0"/>
+        </a:fillRef>
+        <a:effectRef idx="0">
+          <a:scrgbClr r="0" g="0" b="0"/>
+        </a:effectRef>
+        <a:fontRef idx="minor">
+          <a:schemeClr val="lt1"/>
+        </a:fontRef>
+      </dsp:style>
+      <dsp:txBody>
+        <a:bodyPr spcFirstLastPara="0" vert="horz" wrap="square" lIns="45720" tIns="34290" rIns="45720" bIns="34290" numCol="1" spcCol="1270" anchor="ctr" anchorCtr="0">
+          <a:noAutofit/>
+        </a:bodyPr>
+        <a:lstStyle/>
+        <a:p>
+          <a:pPr marL="0" lvl="0" indent="0" algn="l" defTabSz="800100">
+            <a:lnSpc>
+              <a:spcPct val="90000"/>
+            </a:lnSpc>
+            <a:spcBef>
+              <a:spcPct val="0"/>
+            </a:spcBef>
+            <a:spcAft>
+              <a:spcPct val="35000"/>
+            </a:spcAft>
+            <a:buNone/>
+          </a:pPr>
+          <a:r>
+            <a:rPr lang="es-ES" sz="1800" b="1" kern="1200" dirty="0">
+              <a:solidFill>
+                <a:schemeClr val="accent1"/>
+              </a:solidFill>
+            </a:rPr>
+            <a:t>1.1.1 </a:t>
+          </a:r>
+          <a:r>
+            <a:rPr lang="es-ES" sz="1800" kern="1200" dirty="0">
+              <a:solidFill>
+                <a:prstClr val="black"/>
+              </a:solidFill>
+              <a:latin typeface="Calibri" panose="020F0502020204030204"/>
+              <a:ea typeface="+mn-ea"/>
+              <a:cs typeface="+mn-cs"/>
+            </a:rPr>
+            <a:t>Adobe, MSOffice</a:t>
+          </a:r>
+          <a:br>
+            <a:rPr lang="es-ES" sz="1800" kern="1200" dirty="0">
+              <a:solidFill>
+                <a:prstClr val="black"/>
+              </a:solidFill>
+              <a:latin typeface="Calibri" panose="020F0502020204030204"/>
+              <a:ea typeface="+mn-ea"/>
+              <a:cs typeface="+mn-cs"/>
+            </a:rPr>
+          </a:br>
+          <a:r>
+            <a:rPr lang="es-ES" sz="1800" b="1" kern="1200" dirty="0">
+              <a:solidFill>
+                <a:schemeClr val="accent1"/>
+              </a:solidFill>
+            </a:rPr>
+            <a:t>1.2.1 </a:t>
+          </a:r>
+          <a:r>
+            <a:rPr lang="es-ES" sz="1800" kern="1200" dirty="0">
+              <a:solidFill>
+                <a:schemeClr val="tx1"/>
+              </a:solidFill>
+            </a:rPr>
+            <a:t>PILAR   </a:t>
+          </a:r>
+          <a:r>
+            <a:rPr lang="es-ES" sz="1800" b="1" kern="1200" dirty="0">
+              <a:solidFill>
+                <a:schemeClr val="accent1"/>
+              </a:solidFill>
+            </a:rPr>
+            <a:t>1.3.1</a:t>
+          </a:r>
+          <a:r>
+            <a:rPr lang="es-ES" sz="1800" kern="1200" dirty="0">
+              <a:solidFill>
+                <a:schemeClr val="tx1"/>
+              </a:solidFill>
+            </a:rPr>
+            <a:t> Archer</a:t>
+          </a:r>
+          <a:br>
+            <a:rPr lang="es-ES" sz="1800" kern="1200" dirty="0">
+              <a:solidFill>
+                <a:schemeClr val="tx1"/>
+              </a:solidFill>
+            </a:rPr>
+          </a:br>
+          <a:r>
+            <a:rPr lang="es-ES" sz="1800" b="1" kern="1200" dirty="0">
+              <a:solidFill>
+                <a:schemeClr val="accent6"/>
+              </a:solidFill>
+            </a:rPr>
+            <a:t>2.1.1</a:t>
+          </a:r>
+          <a:r>
+            <a:rPr lang="es-ES" sz="1800" kern="1200" dirty="0">
+              <a:solidFill>
+                <a:schemeClr val="tx1"/>
+              </a:solidFill>
+            </a:rPr>
+            <a:t> CheckPoint, CyberArk, FireEye, Fortinet, Google, Linux, Microsoft, Palo Alto Networks, RSA, Symantec </a:t>
+          </a:r>
+          <a:br>
+            <a:rPr lang="es-ES" sz="1800" kern="1200" dirty="0">
+              <a:solidFill>
+                <a:schemeClr val="tx1"/>
+              </a:solidFill>
+            </a:rPr>
+          </a:br>
+          <a:r>
+            <a:rPr lang="es-ES" sz="1800" b="1" kern="1200" dirty="0">
+              <a:solidFill>
+                <a:schemeClr val="accent2"/>
+              </a:solidFill>
+            </a:rPr>
+            <a:t>3.2.1</a:t>
+          </a:r>
+          <a:r>
+            <a:rPr lang="es-ES" sz="1800" kern="1200" dirty="0">
+              <a:solidFill>
+                <a:schemeClr val="tx1"/>
+              </a:solidFill>
+            </a:rPr>
+            <a:t> BD, ML, MATLAB, SPSS St. IBM, EXCEL, MySQL, SQLite</a:t>
+          </a:r>
+          <a:br>
+            <a:rPr lang="es-ES" sz="1800" kern="1200" dirty="0">
+              <a:solidFill>
+                <a:schemeClr val="tx1"/>
+              </a:solidFill>
+            </a:rPr>
+          </a:br>
+          <a:r>
+            <a:rPr lang="es-ES" sz="1800" b="1" kern="1200" dirty="0">
+              <a:solidFill>
+                <a:srgbClr val="7030A0"/>
+              </a:solidFill>
+            </a:rPr>
+            <a:t>4.1.1</a:t>
+          </a:r>
+          <a:r>
+            <a:rPr lang="es-ES" sz="1800" kern="1200" dirty="0">
+              <a:solidFill>
+                <a:schemeClr val="tx1"/>
+              </a:solidFill>
+            </a:rPr>
+            <a:t> Nessus, NMAP, Kali Linux, DSA   </a:t>
+          </a:r>
+          <a:r>
+            <a:rPr lang="es-ES" sz="1800" b="1" kern="1200" dirty="0">
+              <a:solidFill>
+                <a:srgbClr val="7030A0"/>
+              </a:solidFill>
+            </a:rPr>
+            <a:t>4.2.1</a:t>
+          </a:r>
+          <a:r>
+            <a:rPr lang="es-ES" sz="1800" kern="1200" dirty="0">
+              <a:solidFill>
+                <a:schemeClr val="tx1"/>
+              </a:solidFill>
+            </a:rPr>
+            <a:t> IDS, EDR, SIEM   </a:t>
+          </a:r>
+          <a:r>
+            <a:rPr lang="es-ES" sz="1800" b="1" kern="1200" dirty="0">
+              <a:solidFill>
+                <a:srgbClr val="7030A0"/>
+              </a:solidFill>
+            </a:rPr>
+            <a:t>4.3.1</a:t>
+          </a:r>
+          <a:r>
+            <a:rPr lang="es-ES" sz="1800" kern="1200" dirty="0">
+              <a:solidFill>
+                <a:schemeClr val="tx1"/>
+              </a:solidFill>
+            </a:rPr>
+            <a:t> IPS, FW, WAF, GPMC   </a:t>
+          </a:r>
+          <a:r>
+            <a:rPr lang="es-ES" sz="1800" b="1" kern="1200" dirty="0">
+              <a:solidFill>
+                <a:srgbClr val="7030A0"/>
+              </a:solidFill>
+            </a:rPr>
+            <a:t>4.4.1</a:t>
+          </a:r>
+          <a:r>
+            <a:rPr lang="es-ES" sz="1800" kern="1200" dirty="0">
+              <a:solidFill>
+                <a:schemeClr val="tx1"/>
+              </a:solidFill>
+            </a:rPr>
+            <a:t> HA, CDN</a:t>
+          </a:r>
+          <a:br>
+            <a:rPr lang="es-ES" sz="1800" kern="1200" dirty="0">
+              <a:solidFill>
+                <a:schemeClr val="tx1"/>
+              </a:solidFill>
+            </a:rPr>
+          </a:br>
+          <a:r>
+            <a:rPr lang="es-ES" sz="1800" b="1" kern="1200" dirty="0">
+              <a:solidFill>
+                <a:srgbClr val="FF0000"/>
+              </a:solidFill>
+            </a:rPr>
+            <a:t>5.1.1</a:t>
+          </a:r>
+          <a:r>
+            <a:rPr lang="es-ES" sz="1800" kern="1200" dirty="0">
+              <a:solidFill>
+                <a:schemeClr val="tx1"/>
+              </a:solidFill>
+            </a:rPr>
+            <a:t> Router, Switch, HSM, Diode, Proxy, VM, CMDB, AD, Windows, UNIX   </a:t>
+          </a:r>
+          <a:br>
+            <a:rPr lang="es-ES" sz="1800" kern="1200" dirty="0">
+              <a:solidFill>
+                <a:schemeClr val="tx1"/>
+              </a:solidFill>
+            </a:rPr>
+          </a:br>
+          <a:r>
+            <a:rPr lang="es-ES" sz="1800" b="1" kern="1200" dirty="0">
+              <a:solidFill>
+                <a:srgbClr val="FF0000"/>
+              </a:solidFill>
+            </a:rPr>
+            <a:t>5.2.1</a:t>
+          </a:r>
+          <a:r>
+            <a:rPr lang="es-ES" sz="1800" kern="1200" dirty="0">
+              <a:solidFill>
+                <a:schemeClr val="tx1"/>
+              </a:solidFill>
+            </a:rPr>
+            <a:t> Azure, O365   </a:t>
+          </a:r>
+          <a:r>
+            <a:rPr lang="es-ES" sz="1800" b="1" kern="1200" dirty="0">
+              <a:solidFill>
+                <a:srgbClr val="FF0000"/>
+              </a:solidFill>
+            </a:rPr>
+            <a:t>5.2.2</a:t>
+          </a:r>
+          <a:r>
+            <a:rPr lang="es-ES" sz="1800" kern="1200" dirty="0">
+              <a:solidFill>
+                <a:schemeClr val="tx1"/>
+              </a:solidFill>
+            </a:rPr>
+            <a:t> GCP </a:t>
+          </a:r>
+          <a:br>
+            <a:rPr lang="es-ES" sz="1800" kern="1200" dirty="0">
+              <a:solidFill>
+                <a:schemeClr val="tx1"/>
+              </a:solidFill>
+            </a:rPr>
+          </a:br>
+          <a:r>
+            <a:rPr lang="es-ES" sz="1800" b="1" kern="1200" dirty="0">
+              <a:solidFill>
+                <a:schemeClr val="accent5"/>
+              </a:solidFill>
+            </a:rPr>
+            <a:t>6.1.1</a:t>
+          </a:r>
+          <a:r>
+            <a:rPr lang="es-ES" sz="1800" kern="1200" dirty="0">
+              <a:solidFill>
+                <a:schemeClr val="tx1"/>
+              </a:solidFill>
+            </a:rPr>
+            <a:t> HTML5, CSS3, JQUERY, Javascript</a:t>
+          </a:r>
+          <a:br>
+            <a:rPr lang="es-ES" sz="1800" kern="1200" dirty="0">
+              <a:solidFill>
+                <a:schemeClr val="tx1"/>
+              </a:solidFill>
+            </a:rPr>
+          </a:br>
+          <a:r>
+            <a:rPr lang="es-ES" sz="1800" b="1" kern="1200" dirty="0">
+              <a:solidFill>
+                <a:schemeClr val="accent5"/>
+              </a:solidFill>
+            </a:rPr>
+            <a:t>6.2.1</a:t>
+          </a:r>
+          <a:r>
+            <a:rPr lang="es-ES" sz="1800" kern="1200" dirty="0">
+              <a:solidFill>
+                <a:schemeClr val="tx1"/>
+              </a:solidFill>
+            </a:rPr>
+            <a:t> SQL, Java, C, C#, Python, Dart/Flutter, PHP/Symfony, API, PowerShell, VS, Android, iOS</a:t>
+          </a:r>
+          <a:br>
+            <a:rPr lang="es-ES" sz="1800" kern="1200" dirty="0">
+              <a:solidFill>
+                <a:schemeClr val="tx1"/>
+              </a:solidFill>
+            </a:rPr>
+          </a:br>
+          <a:r>
+            <a:rPr lang="es-ES" sz="1800" b="1" kern="1200" dirty="0">
+              <a:solidFill>
+                <a:schemeClr val="accent5"/>
+              </a:solidFill>
+            </a:rPr>
+            <a:t>6.3.1</a:t>
+          </a:r>
+          <a:r>
+            <a:rPr lang="es-ES" sz="1800" kern="1200" dirty="0">
+              <a:solidFill>
+                <a:schemeClr val="tx1"/>
+              </a:solidFill>
+            </a:rPr>
+            <a:t> MVC </a:t>
+          </a:r>
+          <a:r>
+            <a:rPr lang="es-ES" sz="1800" b="1" kern="1200" dirty="0">
+              <a:solidFill>
+                <a:srgbClr val="5B9BD5"/>
+              </a:solidFill>
+              <a:latin typeface="Calibri" panose="020F0502020204030204"/>
+              <a:ea typeface="+mn-ea"/>
+              <a:cs typeface="+mn-cs"/>
+            </a:rPr>
+            <a:t>6.4.1</a:t>
+          </a:r>
+          <a:r>
+            <a:rPr lang="es-ES" sz="1800" kern="1200" dirty="0">
+              <a:solidFill>
+                <a:schemeClr val="tx1"/>
+              </a:solidFill>
+            </a:rPr>
+            <a:t> Git, DEV, QA, PROD   </a:t>
+          </a:r>
+          <a:r>
+            <a:rPr lang="es-ES" sz="1800" b="1" kern="1200" dirty="0">
+              <a:solidFill>
+                <a:schemeClr val="accent4"/>
+              </a:solidFill>
+            </a:rPr>
+            <a:t>7.1.1</a:t>
+          </a:r>
+          <a:r>
+            <a:rPr lang="es-ES" sz="1800" kern="1200" dirty="0">
+              <a:solidFill>
+                <a:schemeClr val="tx1"/>
+              </a:solidFill>
+            </a:rPr>
+            <a:t> ServiceNow, logs </a:t>
+          </a:r>
+        </a:p>
+      </dsp:txBody>
+      <dsp:txXfrm>
+        <a:off x="6157148" y="1940527"/>
+        <a:ext cx="3711983" cy="4080604"/>
+      </dsp:txXfrm>
+    </dsp:sp>
+  </dsp:spTree>
+</dsp:drawing>
+</file>
+
+<file path=ppt/diagrams/drawing3.xml><?xml version="1.0" encoding="utf-8"?>
+<dsp:drawing xmlns:dgm="http://schemas.openxmlformats.org/drawingml/2006/diagram" xmlns:dsp="http://schemas.microsoft.com/office/drawing/2008/diagram" xmlns:a="http://schemas.openxmlformats.org/drawingml/2006/main">
+  <dsp:spTree>
+    <dsp:nvGrpSpPr>
+      <dsp:cNvPr id="0" name=""/>
+      <dsp:cNvGrpSpPr/>
+    </dsp:nvGrpSpPr>
+    <dsp:grpSpPr/>
+    <dsp:sp modelId="{40E0167C-FED4-4A88-858C-99CCC245FE6D}">
+      <dsp:nvSpPr>
+        <dsp:cNvPr id="0" name=""/>
+        <dsp:cNvSpPr/>
+      </dsp:nvSpPr>
+      <dsp:spPr>
+        <a:xfrm>
+          <a:off x="1540" y="0"/>
+          <a:ext cx="2658709" cy="6639466"/>
+        </a:xfrm>
+        <a:prstGeom prst="roundRect">
+          <a:avLst>
+            <a:gd name="adj" fmla="val 10000"/>
+          </a:avLst>
+        </a:prstGeom>
+        <a:noFill/>
+        <a:ln>
+          <a:solidFill>
+            <a:schemeClr val="bg1">
+              <a:lumMod val="50000"/>
+            </a:schemeClr>
+          </a:solidFill>
+          <a:prstDash val="dash"/>
+        </a:ln>
+        <a:effectLst/>
+      </dsp:spPr>
+      <dsp:style>
+        <a:lnRef idx="0">
+          <a:scrgbClr r="0" g="0" b="0"/>
+        </a:lnRef>
+        <a:fillRef idx="1">
+          <a:scrgbClr r="0" g="0" b="0"/>
+        </a:fillRef>
+        <a:effectRef idx="0">
+          <a:scrgbClr r="0" g="0" b="0"/>
+        </a:effectRef>
+        <a:fontRef idx="minor"/>
+      </dsp:style>
+      <dsp:txBody>
+        <a:bodyPr spcFirstLastPara="0" vert="horz" wrap="square" lIns="137160" tIns="137160" rIns="137160" bIns="137160" numCol="1" spcCol="1270" anchor="ctr" anchorCtr="0">
+          <a:noAutofit/>
+        </a:bodyPr>
+        <a:lstStyle/>
+        <a:p>
+          <a:pPr marL="0" lvl="0" indent="0" algn="ctr" defTabSz="1600200">
+            <a:lnSpc>
+              <a:spcPct val="90000"/>
+            </a:lnSpc>
+            <a:spcBef>
+              <a:spcPct val="0"/>
+            </a:spcBef>
+            <a:spcAft>
+              <a:spcPct val="35000"/>
+            </a:spcAft>
+            <a:buNone/>
+          </a:pPr>
+          <a:r>
+            <a:rPr lang="es-ES" sz="3600" kern="1200" dirty="0"/>
+            <a:t>ÁREAS</a:t>
+          </a:r>
+        </a:p>
+      </dsp:txBody>
+      <dsp:txXfrm>
+        <a:off x="1540" y="0"/>
+        <a:ext cx="2658709" cy="1991839"/>
+      </dsp:txXfrm>
+    </dsp:sp>
+    <dsp:sp modelId="{7AA399AB-355C-4204-80D3-7AECFDFF999E}">
+      <dsp:nvSpPr>
+        <dsp:cNvPr id="0" name=""/>
+        <dsp:cNvSpPr/>
+      </dsp:nvSpPr>
+      <dsp:spPr>
+        <a:xfrm>
+          <a:off x="220923" y="1812997"/>
+          <a:ext cx="2219945" cy="543671"/>
+        </a:xfrm>
+        <a:prstGeom prst="roundRect">
+          <a:avLst>
+            <a:gd name="adj" fmla="val 10000"/>
+          </a:avLst>
+        </a:prstGeom>
+        <a:solidFill>
+          <a:schemeClr val="accent1"/>
+        </a:solidFill>
+        <a:ln w="12700" cap="flat" cmpd="sng" algn="ctr">
+          <a:solidFill>
+            <a:schemeClr val="lt1">
+              <a:hueOff val="0"/>
+              <a:satOff val="0"/>
+              <a:lumOff val="0"/>
+              <a:alphaOff val="0"/>
+            </a:schemeClr>
+          </a:solidFill>
+          <a:prstDash val="solid"/>
+          <a:miter lim="800000"/>
+        </a:ln>
+        <a:effectLst/>
+      </dsp:spPr>
+      <dsp:style>
+        <a:lnRef idx="2">
+          <a:scrgbClr r="0" g="0" b="0"/>
+        </a:lnRef>
+        <a:fillRef idx="1">
+          <a:scrgbClr r="0" g="0" b="0"/>
+        </a:fillRef>
+        <a:effectRef idx="0">
+          <a:scrgbClr r="0" g="0" b="0"/>
+        </a:effectRef>
+        <a:fontRef idx="minor">
+          <a:schemeClr val="lt1"/>
+        </a:fontRef>
+      </dsp:style>
+      <dsp:txBody>
+        <a:bodyPr spcFirstLastPara="0" vert="horz" wrap="square" lIns="60960" tIns="45720" rIns="60960" bIns="45720" numCol="1" spcCol="1270" anchor="ctr" anchorCtr="0">
+          <a:noAutofit/>
+        </a:bodyPr>
+        <a:lstStyle/>
+        <a:p>
+          <a:pPr marL="0" lvl="0" indent="0" algn="l" defTabSz="1066800">
+            <a:lnSpc>
+              <a:spcPct val="90000"/>
+            </a:lnSpc>
+            <a:spcBef>
+              <a:spcPct val="0"/>
+            </a:spcBef>
+            <a:spcAft>
+              <a:spcPct val="35000"/>
+            </a:spcAft>
+            <a:buFont typeface="Arial" panose="020B0604020202020204" pitchFamily="34" charset="0"/>
+            <a:buNone/>
+          </a:pPr>
+          <a:r>
+            <a:rPr lang="es-ES" sz="2400" kern="1200" dirty="0"/>
+            <a:t>1 Compliance</a:t>
+          </a:r>
+        </a:p>
+      </dsp:txBody>
+      <dsp:txXfrm>
+        <a:off x="236847" y="1828921"/>
+        <a:ext cx="2188097" cy="511823"/>
+      </dsp:txXfrm>
+    </dsp:sp>
+    <dsp:sp modelId="{3E591A46-0D94-4C22-A397-E0312A3D1145}">
+      <dsp:nvSpPr>
+        <dsp:cNvPr id="0" name=""/>
+        <dsp:cNvSpPr/>
+      </dsp:nvSpPr>
+      <dsp:spPr>
+        <a:xfrm>
+          <a:off x="220923" y="2440310"/>
+          <a:ext cx="2219945" cy="543671"/>
+        </a:xfrm>
+        <a:prstGeom prst="roundRect">
+          <a:avLst>
+            <a:gd name="adj" fmla="val 10000"/>
+          </a:avLst>
+        </a:prstGeom>
+        <a:solidFill>
+          <a:schemeClr val="accent6"/>
+        </a:solidFill>
+        <a:ln w="12700" cap="flat" cmpd="sng" algn="ctr">
+          <a:solidFill>
+            <a:schemeClr val="lt1">
+              <a:hueOff val="0"/>
+              <a:satOff val="0"/>
+              <a:lumOff val="0"/>
+              <a:alphaOff val="0"/>
+            </a:schemeClr>
+          </a:solidFill>
+          <a:prstDash val="solid"/>
+          <a:miter lim="800000"/>
+        </a:ln>
+        <a:effectLst/>
+      </dsp:spPr>
+      <dsp:style>
+        <a:lnRef idx="2">
+          <a:scrgbClr r="0" g="0" b="0"/>
+        </a:lnRef>
+        <a:fillRef idx="1">
+          <a:scrgbClr r="0" g="0" b="0"/>
+        </a:fillRef>
+        <a:effectRef idx="0">
+          <a:scrgbClr r="0" g="0" b="0"/>
+        </a:effectRef>
+        <a:fontRef idx="minor">
+          <a:schemeClr val="lt1"/>
+        </a:fontRef>
+      </dsp:style>
+      <dsp:txBody>
+        <a:bodyPr spcFirstLastPara="0" vert="horz" wrap="square" lIns="60960" tIns="45720" rIns="60960" bIns="45720" numCol="1" spcCol="1270" anchor="ctr" anchorCtr="0">
+          <a:noAutofit/>
+        </a:bodyPr>
+        <a:lstStyle/>
+        <a:p>
+          <a:pPr marL="0" lvl="0" indent="0" algn="l" defTabSz="1066800">
+            <a:lnSpc>
+              <a:spcPct val="90000"/>
+            </a:lnSpc>
+            <a:spcBef>
+              <a:spcPct val="0"/>
+            </a:spcBef>
+            <a:spcAft>
+              <a:spcPct val="35000"/>
+            </a:spcAft>
+            <a:buFont typeface="Arial" panose="020B0604020202020204" pitchFamily="34" charset="0"/>
+            <a:buNone/>
+          </a:pPr>
+          <a:r>
+            <a:rPr lang="es-ES" sz="2400" kern="1200" dirty="0"/>
+            <a:t>2 Business</a:t>
+          </a:r>
+        </a:p>
+      </dsp:txBody>
+      <dsp:txXfrm>
+        <a:off x="236847" y="2456234"/>
+        <a:ext cx="2188097" cy="511823"/>
+      </dsp:txXfrm>
+    </dsp:sp>
+    <dsp:sp modelId="{9824309B-737B-4D15-89C6-88620A17313F}">
+      <dsp:nvSpPr>
+        <dsp:cNvPr id="0" name=""/>
+        <dsp:cNvSpPr/>
+      </dsp:nvSpPr>
+      <dsp:spPr>
+        <a:xfrm>
+          <a:off x="220923" y="3067623"/>
+          <a:ext cx="2219945" cy="543671"/>
+        </a:xfrm>
+        <a:prstGeom prst="roundRect">
+          <a:avLst>
+            <a:gd name="adj" fmla="val 10000"/>
+          </a:avLst>
+        </a:prstGeom>
+        <a:solidFill>
+          <a:schemeClr val="accent2"/>
+        </a:solidFill>
+        <a:ln w="12700" cap="flat" cmpd="sng" algn="ctr">
+          <a:solidFill>
+            <a:schemeClr val="lt1">
+              <a:hueOff val="0"/>
+              <a:satOff val="0"/>
+              <a:lumOff val="0"/>
+              <a:alphaOff val="0"/>
+            </a:schemeClr>
+          </a:solidFill>
+          <a:prstDash val="solid"/>
+          <a:miter lim="800000"/>
+        </a:ln>
+        <a:effectLst/>
+      </dsp:spPr>
+      <dsp:style>
+        <a:lnRef idx="2">
+          <a:scrgbClr r="0" g="0" b="0"/>
+        </a:lnRef>
+        <a:fillRef idx="1">
+          <a:scrgbClr r="0" g="0" b="0"/>
+        </a:fillRef>
+        <a:effectRef idx="0">
+          <a:scrgbClr r="0" g="0" b="0"/>
+        </a:effectRef>
+        <a:fontRef idx="minor">
+          <a:schemeClr val="lt1"/>
+        </a:fontRef>
+      </dsp:style>
+      <dsp:txBody>
+        <a:bodyPr spcFirstLastPara="0" vert="horz" wrap="square" lIns="60960" tIns="45720" rIns="60960" bIns="45720" numCol="1" spcCol="1270" anchor="ctr" anchorCtr="0">
+          <a:noAutofit/>
+        </a:bodyPr>
+        <a:lstStyle/>
+        <a:p>
+          <a:pPr marL="0" lvl="0" indent="0" algn="l" defTabSz="1066800">
+            <a:lnSpc>
+              <a:spcPct val="90000"/>
+            </a:lnSpc>
+            <a:spcBef>
+              <a:spcPct val="0"/>
+            </a:spcBef>
+            <a:spcAft>
+              <a:spcPct val="35000"/>
+            </a:spcAft>
+            <a:buNone/>
+          </a:pPr>
+          <a:r>
+            <a:rPr lang="es-ES" sz="2400" kern="1200" dirty="0"/>
+            <a:t>3 Data</a:t>
+          </a:r>
+        </a:p>
+      </dsp:txBody>
+      <dsp:txXfrm>
+        <a:off x="236847" y="3083547"/>
+        <a:ext cx="2188097" cy="511823"/>
+      </dsp:txXfrm>
+    </dsp:sp>
+    <dsp:sp modelId="{FC792778-402A-4259-8E6E-FF2028304AB6}">
+      <dsp:nvSpPr>
+        <dsp:cNvPr id="0" name=""/>
+        <dsp:cNvSpPr/>
+      </dsp:nvSpPr>
+      <dsp:spPr>
+        <a:xfrm>
+          <a:off x="220923" y="3694936"/>
+          <a:ext cx="2219945" cy="543671"/>
+        </a:xfrm>
+        <a:prstGeom prst="roundRect">
+          <a:avLst>
+            <a:gd name="adj" fmla="val 10000"/>
+          </a:avLst>
+        </a:prstGeom>
+        <a:solidFill>
+          <a:srgbClr val="7030A0"/>
+        </a:solidFill>
+        <a:ln w="12700" cap="flat" cmpd="sng" algn="ctr">
+          <a:solidFill>
+            <a:schemeClr val="lt1">
+              <a:hueOff val="0"/>
+              <a:satOff val="0"/>
+              <a:lumOff val="0"/>
+              <a:alphaOff val="0"/>
+            </a:schemeClr>
+          </a:solidFill>
+          <a:prstDash val="solid"/>
+          <a:miter lim="800000"/>
+        </a:ln>
+        <a:effectLst/>
+      </dsp:spPr>
+      <dsp:style>
+        <a:lnRef idx="2">
+          <a:scrgbClr r="0" g="0" b="0"/>
+        </a:lnRef>
+        <a:fillRef idx="1">
+          <a:scrgbClr r="0" g="0" b="0"/>
+        </a:fillRef>
+        <a:effectRef idx="0">
+          <a:scrgbClr r="0" g="0" b="0"/>
+        </a:effectRef>
+        <a:fontRef idx="minor">
+          <a:schemeClr val="lt1"/>
+        </a:fontRef>
+      </dsp:style>
+      <dsp:txBody>
+        <a:bodyPr spcFirstLastPara="0" vert="horz" wrap="square" lIns="60960" tIns="45720" rIns="60960" bIns="45720" numCol="1" spcCol="1270" anchor="ctr" anchorCtr="0">
+          <a:noAutofit/>
+        </a:bodyPr>
+        <a:lstStyle/>
+        <a:p>
+          <a:pPr marL="0" lvl="0" indent="0" algn="l" defTabSz="1066800">
+            <a:lnSpc>
+              <a:spcPct val="90000"/>
+            </a:lnSpc>
+            <a:spcBef>
+              <a:spcPct val="0"/>
+            </a:spcBef>
+            <a:spcAft>
+              <a:spcPct val="35000"/>
+            </a:spcAft>
+            <a:buNone/>
+          </a:pPr>
+          <a:r>
+            <a:rPr lang="es-ES" sz="2400" kern="1200" dirty="0"/>
+            <a:t>4 Cyber Security</a:t>
+          </a:r>
+        </a:p>
+      </dsp:txBody>
+      <dsp:txXfrm>
+        <a:off x="236847" y="3710860"/>
+        <a:ext cx="2188097" cy="511823"/>
+      </dsp:txXfrm>
+    </dsp:sp>
+    <dsp:sp modelId="{84D55724-BBA1-4FE6-932B-88A7C58FF3B0}">
+      <dsp:nvSpPr>
+        <dsp:cNvPr id="0" name=""/>
+        <dsp:cNvSpPr/>
+      </dsp:nvSpPr>
+      <dsp:spPr>
+        <a:xfrm>
+          <a:off x="220923" y="4322249"/>
+          <a:ext cx="2219945" cy="543671"/>
+        </a:xfrm>
+        <a:prstGeom prst="roundRect">
+          <a:avLst>
+            <a:gd name="adj" fmla="val 10000"/>
+          </a:avLst>
+        </a:prstGeom>
+        <a:solidFill>
+          <a:srgbClr val="FF0000"/>
+        </a:solidFill>
+        <a:ln w="12700" cap="flat" cmpd="sng" algn="ctr">
+          <a:solidFill>
+            <a:schemeClr val="lt1">
+              <a:hueOff val="0"/>
+              <a:satOff val="0"/>
+              <a:lumOff val="0"/>
+              <a:alphaOff val="0"/>
+            </a:schemeClr>
+          </a:solidFill>
+          <a:prstDash val="solid"/>
+          <a:miter lim="800000"/>
+        </a:ln>
+        <a:effectLst/>
+      </dsp:spPr>
+      <dsp:style>
+        <a:lnRef idx="2">
+          <a:scrgbClr r="0" g="0" b="0"/>
+        </a:lnRef>
+        <a:fillRef idx="1">
+          <a:scrgbClr r="0" g="0" b="0"/>
+        </a:fillRef>
+        <a:effectRef idx="0">
+          <a:scrgbClr r="0" g="0" b="0"/>
+        </a:effectRef>
+        <a:fontRef idx="minor">
+          <a:schemeClr val="lt1"/>
+        </a:fontRef>
+      </dsp:style>
+      <dsp:txBody>
+        <a:bodyPr spcFirstLastPara="0" vert="horz" wrap="square" lIns="60960" tIns="45720" rIns="60960" bIns="45720" numCol="1" spcCol="1270" anchor="ctr" anchorCtr="0">
+          <a:noAutofit/>
+        </a:bodyPr>
+        <a:lstStyle/>
+        <a:p>
+          <a:pPr marL="0" lvl="0" indent="0" algn="l" defTabSz="1066800">
+            <a:lnSpc>
+              <a:spcPct val="90000"/>
+            </a:lnSpc>
+            <a:spcBef>
+              <a:spcPct val="0"/>
+            </a:spcBef>
+            <a:spcAft>
+              <a:spcPct val="35000"/>
+            </a:spcAft>
+            <a:buNone/>
+          </a:pPr>
+          <a:r>
+            <a:rPr lang="es-ES" sz="2400" kern="1200" dirty="0"/>
+            <a:t>5 Infrastructure</a:t>
+          </a:r>
+        </a:p>
+      </dsp:txBody>
+      <dsp:txXfrm>
+        <a:off x="236847" y="4338173"/>
+        <a:ext cx="2188097" cy="511823"/>
+      </dsp:txXfrm>
+    </dsp:sp>
+    <dsp:sp modelId="{E97B479E-3F0B-43AA-AFFB-A4495597DFD4}">
+      <dsp:nvSpPr>
+        <dsp:cNvPr id="0" name=""/>
+        <dsp:cNvSpPr/>
+      </dsp:nvSpPr>
+      <dsp:spPr>
+        <a:xfrm>
+          <a:off x="220923" y="4949562"/>
+          <a:ext cx="2219945" cy="543671"/>
+        </a:xfrm>
+        <a:prstGeom prst="roundRect">
+          <a:avLst>
+            <a:gd name="adj" fmla="val 10000"/>
+          </a:avLst>
+        </a:prstGeom>
+        <a:solidFill>
+          <a:schemeClr val="accent5"/>
+        </a:solidFill>
+        <a:ln w="12700" cap="flat" cmpd="sng" algn="ctr">
+          <a:solidFill>
+            <a:schemeClr val="lt1">
+              <a:hueOff val="0"/>
+              <a:satOff val="0"/>
+              <a:lumOff val="0"/>
+              <a:alphaOff val="0"/>
+            </a:schemeClr>
+          </a:solidFill>
+          <a:prstDash val="solid"/>
+          <a:miter lim="800000"/>
+        </a:ln>
+        <a:effectLst/>
+      </dsp:spPr>
+      <dsp:style>
+        <a:lnRef idx="2">
+          <a:scrgbClr r="0" g="0" b="0"/>
+        </a:lnRef>
+        <a:fillRef idx="1">
+          <a:scrgbClr r="0" g="0" b="0"/>
+        </a:fillRef>
+        <a:effectRef idx="0">
+          <a:scrgbClr r="0" g="0" b="0"/>
+        </a:effectRef>
+        <a:fontRef idx="minor">
+          <a:schemeClr val="lt1"/>
+        </a:fontRef>
+      </dsp:style>
+      <dsp:txBody>
+        <a:bodyPr spcFirstLastPara="0" vert="horz" wrap="square" lIns="60960" tIns="45720" rIns="60960" bIns="45720" numCol="1" spcCol="1270" anchor="ctr" anchorCtr="0">
+          <a:noAutofit/>
+        </a:bodyPr>
+        <a:lstStyle/>
+        <a:p>
+          <a:pPr marL="0" lvl="0" indent="0" algn="l" defTabSz="1066800">
+            <a:lnSpc>
+              <a:spcPct val="90000"/>
+            </a:lnSpc>
+            <a:spcBef>
+              <a:spcPct val="0"/>
+            </a:spcBef>
+            <a:spcAft>
+              <a:spcPct val="35000"/>
+            </a:spcAft>
+            <a:buNone/>
+          </a:pPr>
+          <a:r>
+            <a:rPr lang="es-ES" sz="2400" kern="1200" dirty="0"/>
+            <a:t>6 Development</a:t>
+          </a:r>
+        </a:p>
+      </dsp:txBody>
+      <dsp:txXfrm>
+        <a:off x="236847" y="4965486"/>
+        <a:ext cx="2188097" cy="511823"/>
+      </dsp:txXfrm>
+    </dsp:sp>
+    <dsp:sp modelId="{5B071783-289B-483B-84CF-31FC62E5C8D5}">
+      <dsp:nvSpPr>
+        <dsp:cNvPr id="0" name=""/>
+        <dsp:cNvSpPr/>
+      </dsp:nvSpPr>
+      <dsp:spPr>
+        <a:xfrm>
+          <a:off x="220923" y="5576874"/>
+          <a:ext cx="2219945" cy="543671"/>
+        </a:xfrm>
+        <a:prstGeom prst="roundRect">
+          <a:avLst>
+            <a:gd name="adj" fmla="val 10000"/>
+          </a:avLst>
+        </a:prstGeom>
+        <a:solidFill>
+          <a:schemeClr val="accent4"/>
+        </a:solidFill>
+        <a:ln w="12700" cap="flat" cmpd="sng" algn="ctr">
+          <a:solidFill>
+            <a:schemeClr val="lt1">
+              <a:hueOff val="0"/>
+              <a:satOff val="0"/>
+              <a:lumOff val="0"/>
+              <a:alphaOff val="0"/>
+            </a:schemeClr>
+          </a:solidFill>
+          <a:prstDash val="solid"/>
+          <a:miter lim="800000"/>
+        </a:ln>
+        <a:effectLst/>
+      </dsp:spPr>
+      <dsp:style>
+        <a:lnRef idx="2">
+          <a:scrgbClr r="0" g="0" b="0"/>
+        </a:lnRef>
+        <a:fillRef idx="1">
+          <a:scrgbClr r="0" g="0" b="0"/>
+        </a:fillRef>
+        <a:effectRef idx="0">
+          <a:scrgbClr r="0" g="0" b="0"/>
+        </a:effectRef>
+        <a:fontRef idx="minor">
+          <a:schemeClr val="lt1"/>
+        </a:fontRef>
+      </dsp:style>
+      <dsp:txBody>
+        <a:bodyPr spcFirstLastPara="0" vert="horz" wrap="square" lIns="60960" tIns="45720" rIns="60960" bIns="45720" numCol="1" spcCol="1270" anchor="ctr" anchorCtr="0">
+          <a:noAutofit/>
+        </a:bodyPr>
+        <a:lstStyle/>
+        <a:p>
+          <a:pPr marL="0" lvl="0" indent="0" algn="l" defTabSz="1066800">
+            <a:lnSpc>
+              <a:spcPct val="90000"/>
+            </a:lnSpc>
+            <a:spcBef>
+              <a:spcPct val="0"/>
+            </a:spcBef>
+            <a:spcAft>
+              <a:spcPct val="35000"/>
+            </a:spcAft>
+            <a:buNone/>
+          </a:pPr>
+          <a:r>
+            <a:rPr lang="es-ES" sz="2400" kern="1200" dirty="0"/>
+            <a:t>7 Operations</a:t>
+          </a:r>
+        </a:p>
+      </dsp:txBody>
+      <dsp:txXfrm>
+        <a:off x="236847" y="5592798"/>
+        <a:ext cx="2188097" cy="511823"/>
+      </dsp:txXfrm>
+    </dsp:sp>
+    <dsp:sp modelId="{76C269B4-E573-4082-B332-7874042342EA}">
+      <dsp:nvSpPr>
+        <dsp:cNvPr id="0" name=""/>
+        <dsp:cNvSpPr/>
+      </dsp:nvSpPr>
+      <dsp:spPr>
+        <a:xfrm>
+          <a:off x="2817573" y="0"/>
+          <a:ext cx="3065225" cy="6639466"/>
+        </a:xfrm>
+        <a:prstGeom prst="roundRect">
+          <a:avLst>
+            <a:gd name="adj" fmla="val 10000"/>
+          </a:avLst>
+        </a:prstGeom>
+        <a:noFill/>
+        <a:ln>
+          <a:solidFill>
+            <a:prstClr val="white">
+              <a:lumMod val="50000"/>
+            </a:prstClr>
+          </a:solidFill>
+          <a:prstDash val="dash"/>
+        </a:ln>
+        <a:effectLst/>
+      </dsp:spPr>
+      <dsp:style>
+        <a:lnRef idx="0">
+          <a:scrgbClr r="0" g="0" b="0"/>
+        </a:lnRef>
+        <a:fillRef idx="1">
+          <a:scrgbClr r="0" g="0" b="0"/>
+        </a:fillRef>
+        <a:effectRef idx="0">
+          <a:scrgbClr r="0" g="0" b="0"/>
+        </a:effectRef>
+        <a:fontRef idx="minor"/>
+      </dsp:style>
+      <dsp:txBody>
+        <a:bodyPr spcFirstLastPara="0" vert="horz" wrap="square" lIns="137160" tIns="137160" rIns="137160" bIns="137160" numCol="1" spcCol="1270" anchor="ctr" anchorCtr="0">
+          <a:noAutofit/>
+        </a:bodyPr>
+        <a:lstStyle/>
+        <a:p>
+          <a:pPr marL="0" lvl="0" indent="0" algn="ctr" defTabSz="1600200">
+            <a:lnSpc>
+              <a:spcPct val="90000"/>
+            </a:lnSpc>
+            <a:spcBef>
+              <a:spcPct val="0"/>
+            </a:spcBef>
+            <a:spcAft>
+              <a:spcPct val="35000"/>
+            </a:spcAft>
+            <a:buNone/>
+          </a:pPr>
+          <a:r>
+            <a:rPr lang="es-ES" sz="3600" kern="1200" dirty="0"/>
+            <a:t>FUNCIONES</a:t>
+          </a:r>
+        </a:p>
+      </dsp:txBody>
+      <dsp:txXfrm>
+        <a:off x="2817573" y="0"/>
+        <a:ext cx="3065225" cy="1991839"/>
+      </dsp:txXfrm>
+    </dsp:sp>
+    <dsp:sp modelId="{2D5D52D8-9B81-4768-A7CB-E93EC92A7460}">
+      <dsp:nvSpPr>
+        <dsp:cNvPr id="0" name=""/>
+        <dsp:cNvSpPr/>
+      </dsp:nvSpPr>
+      <dsp:spPr>
+        <a:xfrm>
+          <a:off x="2810163" y="1993225"/>
+          <a:ext cx="3150245" cy="4312881"/>
+        </a:xfrm>
+        <a:prstGeom prst="roundRect">
+          <a:avLst>
+            <a:gd name="adj" fmla="val 10000"/>
+          </a:avLst>
+        </a:prstGeom>
+        <a:noFill/>
+        <a:ln w="12700" cap="flat" cmpd="sng" algn="ctr">
+          <a:noFill/>
+          <a:prstDash val="dash"/>
+          <a:miter lim="800000"/>
+        </a:ln>
+        <a:effectLst/>
+      </dsp:spPr>
+      <dsp:style>
+        <a:lnRef idx="2">
+          <a:scrgbClr r="0" g="0" b="0"/>
+        </a:lnRef>
+        <a:fillRef idx="1">
+          <a:scrgbClr r="0" g="0" b="0"/>
+        </a:fillRef>
+        <a:effectRef idx="0">
+          <a:scrgbClr r="0" g="0" b="0"/>
+        </a:effectRef>
+        <a:fontRef idx="minor">
+          <a:schemeClr val="lt1"/>
+        </a:fontRef>
+      </dsp:style>
+      <dsp:txBody>
+        <a:bodyPr spcFirstLastPara="0" vert="horz" wrap="square" lIns="48260" tIns="36195" rIns="48260" bIns="36195" numCol="1" spcCol="1270" anchor="ctr" anchorCtr="0">
+          <a:noAutofit/>
+        </a:bodyPr>
+        <a:lstStyle/>
+        <a:p>
+          <a:pPr marL="0" lvl="0" indent="0" algn="l" defTabSz="844550">
+            <a:lnSpc>
+              <a:spcPct val="90000"/>
+            </a:lnSpc>
+            <a:spcBef>
+              <a:spcPct val="0"/>
+            </a:spcBef>
+            <a:spcAft>
+              <a:spcPct val="35000"/>
+            </a:spcAft>
+            <a:buNone/>
+          </a:pPr>
+          <a:r>
+            <a:rPr lang="es-ES" sz="1900" b="1" kern="1200" dirty="0">
+              <a:solidFill>
+                <a:schemeClr val="accent1"/>
+              </a:solidFill>
+            </a:rPr>
+            <a:t>1.1</a:t>
+          </a:r>
+          <a:r>
+            <a:rPr lang="es-ES" sz="1900" kern="1200" dirty="0">
+              <a:solidFill>
+                <a:schemeClr val="tx1"/>
+              </a:solidFill>
+            </a:rPr>
+            <a:t> Policies and standards: ENS, LOPD-GDD, RGPD, ISO, SGSI, NIST, PCI-DSS, SCRUM, GRC, OWASP, AGILE, SDLC, RFC, IEEEComputerSociety</a:t>
+          </a:r>
+          <a:br>
+            <a:rPr lang="es-ES" sz="1900" kern="1200" dirty="0">
+              <a:solidFill>
+                <a:schemeClr val="tx1"/>
+              </a:solidFill>
+            </a:rPr>
+          </a:br>
+          <a:r>
+            <a:rPr lang="es-ES" sz="1900" b="1" kern="1200" dirty="0">
+              <a:solidFill>
+                <a:schemeClr val="accent1"/>
+              </a:solidFill>
+            </a:rPr>
+            <a:t>1.2</a:t>
+          </a:r>
+          <a:r>
+            <a:rPr lang="es-ES" sz="1900" kern="1200" dirty="0">
+              <a:solidFill>
+                <a:schemeClr val="tx1"/>
+              </a:solidFill>
+            </a:rPr>
+            <a:t> Risks   </a:t>
+          </a:r>
+          <a:r>
+            <a:rPr lang="es-ES" sz="1900" b="1" kern="1200" dirty="0">
+              <a:solidFill>
+                <a:schemeClr val="accent1"/>
+              </a:solidFill>
+            </a:rPr>
+            <a:t>1.3</a:t>
+          </a:r>
+          <a:r>
+            <a:rPr lang="es-ES" sz="1900" kern="1200" dirty="0">
+              <a:solidFill>
+                <a:schemeClr val="tx1"/>
+              </a:solidFill>
+            </a:rPr>
+            <a:t> Assessments</a:t>
+          </a:r>
+          <a:br>
+            <a:rPr lang="es-ES" sz="1900" kern="1200" dirty="0">
+              <a:solidFill>
+                <a:schemeClr val="tx1"/>
+              </a:solidFill>
+            </a:rPr>
+          </a:br>
+          <a:r>
+            <a:rPr lang="es-ES" sz="1900" b="1" kern="1200" dirty="0">
+              <a:solidFill>
+                <a:schemeClr val="accent6"/>
+              </a:solidFill>
+            </a:rPr>
+            <a:t>2.1 </a:t>
+          </a:r>
+          <a:r>
+            <a:rPr lang="es-ES" sz="1900" kern="1200" dirty="0">
+              <a:solidFill>
+                <a:schemeClr val="tx1"/>
+              </a:solidFill>
+            </a:rPr>
+            <a:t>Manufacturers</a:t>
+          </a:r>
+          <a:br>
+            <a:rPr lang="es-ES" sz="1900" kern="1200" dirty="0">
+              <a:solidFill>
+                <a:schemeClr val="tx1"/>
+              </a:solidFill>
+            </a:rPr>
+          </a:br>
+          <a:r>
+            <a:rPr lang="es-ES" sz="1900" b="1" kern="1200" dirty="0">
+              <a:solidFill>
+                <a:schemeClr val="accent6"/>
+              </a:solidFill>
+            </a:rPr>
+            <a:t>2.2</a:t>
+          </a:r>
+          <a:r>
+            <a:rPr lang="es-ES" sz="1900" kern="1200" dirty="0">
+              <a:solidFill>
+                <a:schemeClr val="tx1"/>
+              </a:solidFill>
+            </a:rPr>
+            <a:t> Business development</a:t>
+          </a:r>
+          <a:br>
+            <a:rPr lang="es-ES" sz="1900" kern="1200" dirty="0">
+              <a:solidFill>
+                <a:schemeClr val="tx1"/>
+              </a:solidFill>
+            </a:rPr>
+          </a:br>
+          <a:r>
+            <a:rPr lang="es-ES" sz="1900" b="1" kern="1200" dirty="0">
+              <a:solidFill>
+                <a:schemeClr val="accent6"/>
+              </a:solidFill>
+            </a:rPr>
+            <a:t>2.3 </a:t>
+          </a:r>
+          <a:r>
+            <a:rPr lang="es-ES" sz="1900" kern="1200" dirty="0">
+              <a:solidFill>
+                <a:schemeClr val="tx1"/>
+              </a:solidFill>
+            </a:rPr>
+            <a:t>Presales</a:t>
+          </a:r>
+          <a:br>
+            <a:rPr lang="es-ES" sz="1900" kern="1200" dirty="0">
+              <a:solidFill>
+                <a:schemeClr val="tx1"/>
+              </a:solidFill>
+            </a:rPr>
+          </a:br>
+          <a:r>
+            <a:rPr lang="es-ES" sz="1900" b="1" kern="1200" dirty="0">
+              <a:solidFill>
+                <a:schemeClr val="accent2"/>
+              </a:solidFill>
+            </a:rPr>
+            <a:t>3.1</a:t>
+          </a:r>
+          <a:r>
+            <a:rPr lang="es-ES" sz="1900" kern="1200" dirty="0">
+              <a:solidFill>
+                <a:schemeClr val="tx1"/>
+              </a:solidFill>
+            </a:rPr>
+            <a:t> Data lifecycle</a:t>
+          </a:r>
+          <a:br>
+            <a:rPr lang="es-ES" sz="1900" kern="1200" dirty="0">
+              <a:solidFill>
+                <a:schemeClr val="tx1"/>
+              </a:solidFill>
+            </a:rPr>
+          </a:br>
+          <a:r>
+            <a:rPr lang="es-ES" sz="1900" b="1" kern="1200" dirty="0">
+              <a:solidFill>
+                <a:schemeClr val="accent2"/>
+              </a:solidFill>
+            </a:rPr>
+            <a:t>3.2</a:t>
+          </a:r>
+          <a:r>
+            <a:rPr lang="es-ES" sz="1900" kern="1200" dirty="0">
+              <a:solidFill>
+                <a:schemeClr val="tx1"/>
+              </a:solidFill>
+            </a:rPr>
+            <a:t> Data analysis</a:t>
+          </a:r>
+          <a:br>
+            <a:rPr lang="es-ES" sz="1900" kern="1200" dirty="0">
+              <a:solidFill>
+                <a:schemeClr val="tx1"/>
+              </a:solidFill>
+            </a:rPr>
+          </a:br>
+          <a:r>
+            <a:rPr lang="es-ES" sz="1900" b="1" kern="1200" dirty="0">
+              <a:solidFill>
+                <a:srgbClr val="7030A0"/>
+              </a:solidFill>
+            </a:rPr>
+            <a:t>4.1</a:t>
+          </a:r>
+          <a:r>
+            <a:rPr lang="es-ES" sz="1900" kern="1200" dirty="0">
+              <a:solidFill>
+                <a:schemeClr val="tx1"/>
+              </a:solidFill>
+            </a:rPr>
+            <a:t> Prevention </a:t>
+          </a:r>
+          <a:r>
+            <a:rPr lang="es-ES" sz="1900" b="1" kern="1200" dirty="0">
+              <a:solidFill>
+                <a:srgbClr val="7030A0"/>
+              </a:solidFill>
+            </a:rPr>
+            <a:t>4.2 </a:t>
+          </a:r>
+          <a:r>
+            <a:rPr lang="es-ES" sz="1900" kern="1200" dirty="0">
+              <a:solidFill>
+                <a:schemeClr val="tx1"/>
+              </a:solidFill>
+            </a:rPr>
+            <a:t>Detection</a:t>
+          </a:r>
+          <a:br>
+            <a:rPr lang="es-ES" sz="1900" kern="1200" dirty="0">
+              <a:solidFill>
+                <a:schemeClr val="tx1"/>
+              </a:solidFill>
+            </a:rPr>
+          </a:br>
+          <a:r>
+            <a:rPr lang="es-ES" sz="1900" b="1" kern="1200" dirty="0">
+              <a:solidFill>
+                <a:srgbClr val="7030A0"/>
+              </a:solidFill>
+            </a:rPr>
+            <a:t>4.3</a:t>
+          </a:r>
+          <a:r>
+            <a:rPr lang="es-ES" sz="1900" kern="1200" dirty="0">
+              <a:solidFill>
+                <a:schemeClr val="tx1"/>
+              </a:solidFill>
+            </a:rPr>
+            <a:t> Response  </a:t>
+          </a:r>
+          <a:r>
+            <a:rPr lang="es-ES" sz="1900" b="1" kern="1200" dirty="0">
+              <a:solidFill>
+                <a:srgbClr val="7030A0"/>
+              </a:solidFill>
+            </a:rPr>
+            <a:t>4.4</a:t>
+          </a:r>
+          <a:r>
+            <a:rPr lang="es-ES" sz="1900" kern="1200" dirty="0">
+              <a:solidFill>
+                <a:schemeClr val="tx1"/>
+              </a:solidFill>
+            </a:rPr>
+            <a:t> Resilience </a:t>
+          </a:r>
+          <a:br>
+            <a:rPr lang="es-ES" sz="1900" kern="1200" dirty="0">
+              <a:solidFill>
+                <a:schemeClr val="tx1"/>
+              </a:solidFill>
+            </a:rPr>
+          </a:br>
+          <a:r>
+            <a:rPr lang="es-ES" sz="1900" b="1" kern="1200" dirty="0">
+              <a:solidFill>
+                <a:srgbClr val="FF0000"/>
+              </a:solidFill>
+            </a:rPr>
+            <a:t>5.1</a:t>
+          </a:r>
+          <a:r>
+            <a:rPr lang="es-ES" sz="1900" kern="1200" dirty="0">
+              <a:solidFill>
+                <a:schemeClr val="tx1"/>
+              </a:solidFill>
+            </a:rPr>
+            <a:t> On-</a:t>
+          </a:r>
+          <a:r>
+            <a:rPr lang="es-ES" sz="1900" kern="1200" dirty="0" err="1">
+              <a:solidFill>
+                <a:schemeClr val="tx1"/>
+              </a:solidFill>
+            </a:rPr>
+            <a:t>prem</a:t>
+          </a:r>
+          <a:r>
+            <a:rPr lang="es-ES" sz="1900" kern="1200" dirty="0">
+              <a:solidFill>
+                <a:schemeClr val="tx1"/>
+              </a:solidFill>
+            </a:rPr>
+            <a:t> </a:t>
+          </a:r>
+          <a:r>
+            <a:rPr lang="es-ES" sz="1900" b="1" kern="1200" dirty="0">
+              <a:solidFill>
+                <a:srgbClr val="FF0000"/>
+              </a:solidFill>
+            </a:rPr>
+            <a:t>5.2</a:t>
+          </a:r>
+          <a:r>
+            <a:rPr lang="es-ES" sz="1900" kern="1200" dirty="0">
+              <a:solidFill>
+                <a:schemeClr val="tx1"/>
+              </a:solidFill>
+            </a:rPr>
+            <a:t> Cloud </a:t>
+          </a:r>
+          <a:br>
+            <a:rPr lang="es-ES" sz="1900" kern="1200" dirty="0">
+              <a:solidFill>
+                <a:schemeClr val="tx1"/>
+              </a:solidFill>
+            </a:rPr>
+          </a:br>
+          <a:r>
+            <a:rPr lang="es-ES" sz="1900" b="1" kern="1200" dirty="0">
+              <a:solidFill>
+                <a:schemeClr val="accent5"/>
+              </a:solidFill>
+            </a:rPr>
+            <a:t>6.1</a:t>
+          </a:r>
+          <a:r>
+            <a:rPr lang="es-ES" sz="1900" kern="1200" dirty="0">
+              <a:solidFill>
+                <a:schemeClr val="tx1"/>
+              </a:solidFill>
+            </a:rPr>
+            <a:t> Frontend   </a:t>
+          </a:r>
+          <a:r>
+            <a:rPr lang="es-ES" sz="1900" b="1" kern="1200" dirty="0">
+              <a:solidFill>
+                <a:schemeClr val="accent5"/>
+              </a:solidFill>
+            </a:rPr>
+            <a:t>6.2</a:t>
+          </a:r>
+          <a:r>
+            <a:rPr lang="es-ES" sz="1900" kern="1200" dirty="0">
+              <a:solidFill>
+                <a:schemeClr val="tx1"/>
+              </a:solidFill>
+            </a:rPr>
+            <a:t> Backend</a:t>
+          </a:r>
+          <a:br>
+            <a:rPr lang="es-ES" sz="1900" kern="1200" dirty="0">
+              <a:solidFill>
+                <a:schemeClr val="tx1"/>
+              </a:solidFill>
+            </a:rPr>
+          </a:br>
+          <a:r>
+            <a:rPr lang="es-ES" sz="1900" b="1" kern="1200" dirty="0">
+              <a:solidFill>
+                <a:schemeClr val="accent5"/>
+              </a:solidFill>
+            </a:rPr>
+            <a:t>6.3</a:t>
+          </a:r>
+          <a:r>
+            <a:rPr lang="es-ES" sz="1900" kern="1200" dirty="0">
+              <a:solidFill>
+                <a:schemeClr val="tx1"/>
+              </a:solidFill>
+            </a:rPr>
+            <a:t> Fullstack    </a:t>
+          </a:r>
+          <a:r>
+            <a:rPr lang="es-ES" sz="1900" b="1" kern="1200" dirty="0">
+              <a:solidFill>
+                <a:srgbClr val="5B9BD5"/>
+              </a:solidFill>
+              <a:latin typeface="Calibri" panose="020F0502020204030204"/>
+              <a:ea typeface="+mn-ea"/>
+              <a:cs typeface="+mn-cs"/>
+            </a:rPr>
+            <a:t>6.4</a:t>
+          </a:r>
+          <a:r>
+            <a:rPr lang="es-ES" sz="1900" kern="1200" dirty="0">
+              <a:solidFill>
+                <a:schemeClr val="tx1"/>
+              </a:solidFill>
+            </a:rPr>
+            <a:t> INGSW</a:t>
+          </a:r>
+          <a:br>
+            <a:rPr lang="es-ES" sz="1900" kern="1200" dirty="0">
+              <a:solidFill>
+                <a:schemeClr val="tx1"/>
+              </a:solidFill>
+            </a:rPr>
+          </a:br>
+          <a:r>
+            <a:rPr lang="es-ES" sz="1900" b="1" kern="1200" dirty="0">
+              <a:solidFill>
+                <a:schemeClr val="accent4"/>
+              </a:solidFill>
+            </a:rPr>
+            <a:t>7.1 </a:t>
+          </a:r>
+          <a:r>
+            <a:rPr lang="es-ES" sz="1900" kern="1200" dirty="0">
+              <a:solidFill>
+                <a:schemeClr val="tx1"/>
+              </a:solidFill>
+            </a:rPr>
+            <a:t>Ticketing y alerts</a:t>
           </a:r>
           <a:br>
             <a:rPr lang="es-ES" sz="2000" kern="1200" dirty="0">
@@ -5868,6 +9821,233 @@
 </dgm:layoutDef>
 </file>
 
+<file path=ppt/diagrams/layout3.xml><?xml version="1.0" encoding="utf-8"?>
+<dgm:layoutDef xmlns:dgm="http://schemas.openxmlformats.org/drawingml/2006/diagram" xmlns:a="http://schemas.openxmlformats.org/drawingml/2006/main" uniqueId="urn:microsoft.com/office/officeart/2005/8/layout/lProcess2">
+  <dgm:title val=""/>
+  <dgm:desc val=""/>
+  <dgm:catLst>
+    <dgm:cat type="list" pri="10000"/>
+    <dgm:cat type="relationship" pri="13000"/>
+  </dgm:catLst>
+  <dgm:sampData>
+    <dgm:dataModel>
+      <dgm:ptLst>
+        <dgm:pt modelId="0" type="doc"/>
+        <dgm:pt modelId="1">
+          <dgm:prSet phldr="1"/>
+        </dgm:pt>
+        <dgm:pt modelId="11">
+          <dgm:prSet phldr="1"/>
+        </dgm:pt>
+        <dgm:pt modelId="12">
+          <dgm:prSet phldr="1"/>
+        </dgm:pt>
+        <dgm:pt modelId="2">
+          <dgm:prSet phldr="1"/>
+        </dgm:pt>
+        <dgm:pt modelId="21">
+          <dgm:prSet phldr="1"/>
+        </dgm:pt>
+        <dgm:pt modelId="22">
+          <dgm:prSet phldr="1"/>
+        </dgm:pt>
+        <dgm:pt modelId="3">
+          <dgm:prSet phldr="1"/>
+        </dgm:pt>
+        <dgm:pt modelId="31">
+          <dgm:prSet phldr="1"/>
+        </dgm:pt>
+        <dgm:pt modelId="32">
+          <dgm:prSet phldr="1"/>
+        </dgm:pt>
+      </dgm:ptLst>
+      <dgm:cxnLst>
+        <dgm:cxn modelId="4" srcId="0" destId="1" srcOrd="0" destOrd="0"/>
+        <dgm:cxn modelId="5" srcId="0" destId="2" srcOrd="1" destOrd="0"/>
+        <dgm:cxn modelId="13" srcId="1" destId="11" srcOrd="0" destOrd="0"/>
+        <dgm:cxn modelId="14" srcId="1" destId="12" srcOrd="0" destOrd="0"/>
+        <dgm:cxn modelId="23" srcId="2" destId="21" srcOrd="0" destOrd="0"/>
+        <dgm:cxn modelId="24" srcId="2" destId="22" srcOrd="0" destOrd="0"/>
+        <dgm:cxn modelId="33" srcId="3" destId="31" srcOrd="0" destOrd="0"/>
+        <dgm:cxn modelId="34" srcId="3" destId="32" srcOrd="0" destOrd="0"/>
+      </dgm:cxnLst>
+      <dgm:bg/>
+      <dgm:whole/>
+    </dgm:dataModel>
+  </dgm:sampData>
+  <dgm:styleData useDef="1">
+    <dgm:dataModel>
+      <dgm:ptLst/>
+      <dgm:bg/>
+      <dgm:whole/>
+    </dgm:dataModel>
+  </dgm:styleData>
+  <dgm:clrData useDef="1">
+    <dgm:dataModel>
+      <dgm:ptLst/>
+      <dgm:bg/>
+      <dgm:whole/>
+    </dgm:dataModel>
+  </dgm:clrData>
+  <dgm:layoutNode name="theList">
+    <dgm:varLst>
+      <dgm:dir/>
+      <dgm:animLvl val="lvl"/>
+      <dgm:resizeHandles val="exact"/>
+    </dgm:varLst>
+    <dgm:choose name="Name0">
+      <dgm:if name="Name1" func="var" arg="dir" op="equ" val="norm">
+        <dgm:alg type="lin"/>
+      </dgm:if>
+      <dgm:else name="Name2">
+        <dgm:alg type="lin">
+          <dgm:param type="linDir" val="fromR"/>
+        </dgm:alg>
+      </dgm:else>
+    </dgm:choose>
+    <dgm:shape xmlns:r="http://schemas.openxmlformats.org/officeDocument/2006/relationships" r:blip="">
+      <dgm:adjLst/>
+    </dgm:shape>
+    <dgm:presOf/>
+    <dgm:constrLst>
+      <dgm:constr type="w" for="ch" forName="compNode" refType="w"/>
+      <dgm:constr type="h" for="ch" forName="compNode" refType="h"/>
+      <dgm:constr type="w" for="ch" forName="aSpace" refType="w" fact="0.075"/>
+      <dgm:constr type="h" for="des" forName="aSpace2" refType="h" fact="0.1"/>
+      <dgm:constr type="primFontSz" for="des" forName="textNode" op="equ"/>
+      <dgm:constr type="primFontSz" for="des" forName="childNode" op="equ"/>
+    </dgm:constrLst>
+    <dgm:ruleLst/>
+    <dgm:forEach name="aNodeForEach" axis="ch" ptType="node">
+      <dgm:layoutNode name="compNode">
+        <dgm:alg type="composite"/>
+        <dgm:shape xmlns:r="http://schemas.openxmlformats.org/officeDocument/2006/relationships" r:blip="">
+          <dgm:adjLst/>
+        </dgm:shape>
+        <dgm:presOf/>
+        <dgm:constrLst>
+          <dgm:constr type="w" for="ch" forName="aNode" refType="w"/>
+          <dgm:constr type="h" for="ch" forName="aNode" refType="h"/>
+          <dgm:constr type="w" for="ch" forName="textNode" refType="w"/>
+          <dgm:constr type="h" for="ch" forName="textNode" refType="h" fact="0.3"/>
+          <dgm:constr type="ctrX" for="ch" forName="textNode" refType="w" fact="0.5"/>
+          <dgm:constr type="w" for="ch" forName="compChildNode" refType="w" fact="0.8"/>
+          <dgm:constr type="h" for="ch" forName="compChildNode" refType="h" fact="0.65"/>
+          <dgm:constr type="t" for="ch" forName="compChildNode" refType="h" fact="0.3"/>
+          <dgm:constr type="ctrX" for="ch" forName="compChildNode" refType="w" fact="0.5"/>
+        </dgm:constrLst>
+        <dgm:ruleLst/>
+        <dgm:layoutNode name="aNode" styleLbl="bgShp">
+          <dgm:alg type="sp"/>
+          <dgm:shape xmlns:r="http://schemas.openxmlformats.org/officeDocument/2006/relationships" type="roundRect" r:blip="">
+            <dgm:adjLst>
+              <dgm:adj idx="1" val="0.1"/>
+            </dgm:adjLst>
+          </dgm:shape>
+          <dgm:presOf axis="self"/>
+          <dgm:constrLst/>
+          <dgm:ruleLst/>
+        </dgm:layoutNode>
+        <dgm:layoutNode name="textNode" styleLbl="bgShp">
+          <dgm:alg type="tx"/>
+          <dgm:shape xmlns:r="http://schemas.openxmlformats.org/officeDocument/2006/relationships" type="rect" r:blip="" hideGeom="1">
+            <dgm:adjLst>
+              <dgm:adj idx="1" val="0.1"/>
+            </dgm:adjLst>
+          </dgm:shape>
+          <dgm:presOf axis="self"/>
+          <dgm:constrLst>
+            <dgm:constr type="primFontSz" val="65"/>
+            <dgm:constr type="lMarg" refType="primFontSz" fact="0.3"/>
+            <dgm:constr type="rMarg" refType="primFontSz" fact="0.3"/>
+            <dgm:constr type="tMarg" refType="primFontSz" fact="0.3"/>
+            <dgm:constr type="bMarg" refType="primFontSz" fact="0.3"/>
+          </dgm:constrLst>
+          <dgm:ruleLst>
+            <dgm:rule type="primFontSz" val="5" fact="NaN" max="NaN"/>
+          </dgm:ruleLst>
+        </dgm:layoutNode>
+        <dgm:layoutNode name="compChildNode">
+          <dgm:alg type="composite"/>
+          <dgm:shape xmlns:r="http://schemas.openxmlformats.org/officeDocument/2006/relationships" r:blip="">
+            <dgm:adjLst/>
+          </dgm:shape>
+          <dgm:presOf/>
+          <dgm:constrLst>
+            <dgm:constr type="w" for="des" forName="childNode" refType="w"/>
+            <dgm:constr type="h" for="des" forName="childNode" refType="h"/>
+          </dgm:constrLst>
+          <dgm:ruleLst/>
+          <dgm:layoutNode name="theInnerList">
+            <dgm:alg type="lin">
+              <dgm:param type="linDir" val="fromT"/>
+            </dgm:alg>
+            <dgm:shape xmlns:r="http://schemas.openxmlformats.org/officeDocument/2006/relationships" r:blip="">
+              <dgm:adjLst/>
+            </dgm:shape>
+            <dgm:presOf/>
+            <dgm:constrLst/>
+            <dgm:ruleLst/>
+            <dgm:forEach name="childNodeForEach" axis="ch" ptType="node">
+              <dgm:layoutNode name="childNode" styleLbl="node1">
+                <dgm:varLst>
+                  <dgm:bulletEnabled val="1"/>
+                </dgm:varLst>
+                <dgm:alg type="tx"/>
+                <dgm:shape xmlns:r="http://schemas.openxmlformats.org/officeDocument/2006/relationships" type="roundRect" r:blip="">
+                  <dgm:adjLst>
+                    <dgm:adj idx="1" val="0.1"/>
+                  </dgm:adjLst>
+                </dgm:shape>
+                <dgm:presOf axis="desOrSelf" ptType="node"/>
+                <dgm:constrLst>
+                  <dgm:constr type="primFontSz" val="65"/>
+                  <dgm:constr type="tMarg" refType="primFontSz" fact="0.15"/>
+                  <dgm:constr type="bMarg" refType="primFontSz" fact="0.15"/>
+                  <dgm:constr type="lMarg" refType="primFontSz" fact="0.2"/>
+                  <dgm:constr type="rMarg" refType="primFontSz" fact="0.2"/>
+                </dgm:constrLst>
+                <dgm:ruleLst>
+                  <dgm:rule type="primFontSz" val="5" fact="NaN" max="NaN"/>
+                </dgm:ruleLst>
+              </dgm:layoutNode>
+              <dgm:choose name="Name3">
+                <dgm:if name="Name4" axis="self" ptType="node" func="revPos" op="equ" val="1"/>
+                <dgm:else name="Name5">
+                  <dgm:layoutNode name="aSpace2">
+                    <dgm:alg type="sp"/>
+                    <dgm:shape xmlns:r="http://schemas.openxmlformats.org/officeDocument/2006/relationships" r:blip="">
+                      <dgm:adjLst/>
+                    </dgm:shape>
+                    <dgm:presOf/>
+                    <dgm:constrLst/>
+                    <dgm:ruleLst/>
+                  </dgm:layoutNode>
+                </dgm:else>
+              </dgm:choose>
+            </dgm:forEach>
+          </dgm:layoutNode>
+        </dgm:layoutNode>
+      </dgm:layoutNode>
+      <dgm:choose name="Name6">
+        <dgm:if name="Name7" axis="self" ptType="node" func="revPos" op="equ" val="1"/>
+        <dgm:else name="Name8">
+          <dgm:layoutNode name="aSpace">
+            <dgm:alg type="sp"/>
+            <dgm:shape xmlns:r="http://schemas.openxmlformats.org/officeDocument/2006/relationships" r:blip="">
+              <dgm:adjLst/>
+            </dgm:shape>
+            <dgm:presOf/>
+            <dgm:constrLst/>
+            <dgm:ruleLst/>
+          </dgm:layoutNode>
+        </dgm:else>
+      </dgm:choose>
+    </dgm:forEach>
+  </dgm:layoutNode>
+</dgm:layoutDef>
+</file>
+
 <file path=ppt/diagrams/quickStyle1.xml><?xml version="1.0" encoding="utf-8"?>
 <dgm:styleDef xmlns:dgm="http://schemas.openxmlformats.org/drawingml/2006/diagram" xmlns:a="http://schemas.openxmlformats.org/drawingml/2006/main" uniqueId="urn:microsoft.com/office/officeart/2005/8/quickstyle/simple1">
   <dgm:title val=""/>
@@ -6903,6 +11083,1040 @@
 </file>
 
 <file path=ppt/diagrams/quickStyle2.xml><?xml version="1.0" encoding="utf-8"?>
+<dgm:styleDef xmlns:dgm="http://schemas.openxmlformats.org/drawingml/2006/diagram" xmlns:a="http://schemas.openxmlformats.org/drawingml/2006/main" uniqueId="urn:microsoft.com/office/officeart/2005/8/quickstyle/simple1">
+  <dgm:title val=""/>
+  <dgm:desc val=""/>
+  <dgm:catLst>
+    <dgm:cat type="simple" pri="10100"/>
+  </dgm:catLst>
+  <dgm:scene3d>
+    <a:camera prst="orthographicFront"/>
+    <a:lightRig rig="threePt" dir="t"/>
+  </dgm:scene3d>
+  <dgm:styleLbl name="node0">
+    <dgm:scene3d>
+      <a:camera prst="orthographicFront"/>
+      <a:lightRig rig="threePt" dir="t"/>
+    </dgm:scene3d>
+    <dgm:sp3d/>
+    <dgm:txPr/>
+    <dgm:style>
+      <a:lnRef idx="2">
+        <a:scrgbClr r="0" g="0" b="0"/>
+      </a:lnRef>
+      <a:fillRef idx="1">
+        <a:scrgbClr r="0" g="0" b="0"/>
+      </a:fillRef>
+      <a:effectRef idx="0">
+        <a:scrgbClr r="0" g="0" b="0"/>
+      </a:effectRef>
+      <a:fontRef idx="minor">
+        <a:schemeClr val="lt1"/>
+      </a:fontRef>
+    </dgm:style>
+  </dgm:styleLbl>
+  <dgm:styleLbl name="lnNode1">
+    <dgm:scene3d>
+      <a:camera prst="orthographicFront"/>
+      <a:lightRig rig="threePt" dir="t"/>
+    </dgm:scene3d>
+    <dgm:sp3d/>
+    <dgm:txPr/>
+    <dgm:style>
+      <a:lnRef idx="2">
+        <a:scrgbClr r="0" g="0" b="0"/>
+      </a:lnRef>
+      <a:fillRef idx="1">
+        <a:scrgbClr r="0" g="0" b="0"/>
+      </a:fillRef>
+      <a:effectRef idx="0">
+        <a:scrgbClr r="0" g="0" b="0"/>
+      </a:effectRef>
+      <a:fontRef idx="minor">
+        <a:schemeClr val="lt1"/>
+      </a:fontRef>
+    </dgm:style>
+  </dgm:styleLbl>
+  <dgm:styleLbl name="vennNode1">
+    <dgm:scene3d>
+      <a:camera prst="orthographicFront"/>
+      <a:lightRig rig="threePt" dir="t"/>
+    </dgm:scene3d>
+    <dgm:sp3d/>
+    <dgm:txPr/>
+    <dgm:style>
+      <a:lnRef idx="2">
+        <a:scrgbClr r="0" g="0" b="0"/>
+      </a:lnRef>
+      <a:fillRef idx="1">
+        <a:scrgbClr r="0" g="0" b="0"/>
+      </a:fillRef>
+      <a:effectRef idx="0">
+        <a:scrgbClr r="0" g="0" b="0"/>
+      </a:effectRef>
+      <a:fontRef idx="minor">
+        <a:schemeClr val="tx1"/>
+      </a:fontRef>
+    </dgm:style>
+  </dgm:styleLbl>
+  <dgm:styleLbl name="alignNode1">
+    <dgm:scene3d>
+      <a:camera prst="orthographicFront"/>
+      <a:lightRig rig="threePt" dir="t"/>
+    </dgm:scene3d>
+    <dgm:sp3d/>
+    <dgm:txPr/>
+    <dgm:style>
+      <a:lnRef idx="2">
+        <a:scrgbClr r="0" g="0" b="0"/>
+      </a:lnRef>
+      <a:fillRef idx="1">
+        <a:scrgbClr r="0" g="0" b="0"/>
+      </a:fillRef>
+      <a:effectRef idx="0">
+        <a:scrgbClr r="0" g="0" b="0"/>
+      </a:effectRef>
+      <a:fontRef idx="minor">
+        <a:schemeClr val="lt1"/>
+      </a:fontRef>
+    </dgm:style>
+  </dgm:styleLbl>
+  <dgm:styleLbl name="node1">
+    <dgm:scene3d>
+      <a:camera prst="orthographicFront"/>
+      <a:lightRig rig="threePt" dir="t"/>
+    </dgm:scene3d>
+    <dgm:sp3d/>
+    <dgm:txPr/>
+    <dgm:style>
+      <a:lnRef idx="2">
+        <a:scrgbClr r="0" g="0" b="0"/>
+      </a:lnRef>
+      <a:fillRef idx="1">
+        <a:scrgbClr r="0" g="0" b="0"/>
+      </a:fillRef>
+      <a:effectRef idx="0">
+        <a:scrgbClr r="0" g="0" b="0"/>
+      </a:effectRef>
+      <a:fontRef idx="minor">
+        <a:schemeClr val="lt1"/>
+      </a:fontRef>
+    </dgm:style>
+  </dgm:styleLbl>
+  <dgm:styleLbl name="node2">
+    <dgm:scene3d>
+      <a:camera prst="orthographicFront"/>
+      <a:lightRig rig="threePt" dir="t"/>
+    </dgm:scene3d>
+    <dgm:sp3d/>
+    <dgm:txPr/>
+    <dgm:style>
+      <a:lnRef idx="2">
+        <a:scrgbClr r="0" g="0" b="0"/>
+      </a:lnRef>
+      <a:fillRef idx="1">
+        <a:scrgbClr r="0" g="0" b="0"/>
+      </a:fillRef>
+      <a:effectRef idx="0">
+        <a:scrgbClr r="0" g="0" b="0"/>
+      </a:effectRef>
+      <a:fontRef idx="minor">
+        <a:schemeClr val="lt1"/>
+      </a:fontRef>
+    </dgm:style>
+  </dgm:styleLbl>
+  <dgm:styleLbl name="node3">
+    <dgm:scene3d>
+      <a:camera prst="orthographicFront"/>
+      <a:lightRig rig="threePt" dir="t"/>
+    </dgm:scene3d>
+    <dgm:sp3d/>
+    <dgm:txPr/>
+    <dgm:style>
+      <a:lnRef idx="2">
+        <a:scrgbClr r="0" g="0" b="0"/>
+      </a:lnRef>
+      <a:fillRef idx="1">
+        <a:scrgbClr r="0" g="0" b="0"/>
+      </a:fillRef>
+      <a:effectRef idx="0">
+        <a:scrgbClr r="0" g="0" b="0"/>
+      </a:effectRef>
+      <a:fontRef idx="minor">
+        <a:schemeClr val="lt1"/>
+      </a:fontRef>
+    </dgm:style>
+  </dgm:styleLbl>
+  <dgm:styleLbl name="node4">
+    <dgm:scene3d>
+      <a:camera prst="orthographicFront"/>
+      <a:lightRig rig="threePt" dir="t"/>
+    </dgm:scene3d>
+    <dgm:sp3d/>
+    <dgm:txPr/>
+    <dgm:style>
+      <a:lnRef idx="2">
+        <a:scrgbClr r="0" g="0" b="0"/>
+      </a:lnRef>
+      <a:fillRef idx="1">
+        <a:scrgbClr r="0" g="0" b="0"/>
+      </a:fillRef>
+      <a:effectRef idx="0">
+        <a:scrgbClr r="0" g="0" b="0"/>
+      </a:effectRef>
+      <a:fontRef idx="minor">
+        <a:schemeClr val="lt1"/>
+      </a:fontRef>
+    </dgm:style>
+  </dgm:styleLbl>
+  <dgm:styleLbl name="fgImgPlace1">
+    <dgm:scene3d>
+      <a:camera prst="orthographicFront"/>
+      <a:lightRig rig="threePt" dir="t"/>
+    </dgm:scene3d>
+    <dgm:sp3d/>
+    <dgm:txPr/>
+    <dgm:style>
+      <a:lnRef idx="2">
+        <a:scrgbClr r="0" g="0" b="0"/>
+      </a:lnRef>
+      <a:fillRef idx="1">
+        <a:scrgbClr r="0" g="0" b="0"/>
+      </a:fillRef>
+      <a:effectRef idx="0">
+        <a:scrgbClr r="0" g="0" b="0"/>
+      </a:effectRef>
+      <a:fontRef idx="minor"/>
+    </dgm:style>
+  </dgm:styleLbl>
+  <dgm:styleLbl name="alignImgPlace1">
+    <dgm:scene3d>
+      <a:camera prst="orthographicFront"/>
+      <a:lightRig rig="threePt" dir="t"/>
+    </dgm:scene3d>
+    <dgm:sp3d/>
+    <dgm:txPr/>
+    <dgm:style>
+      <a:lnRef idx="2">
+        <a:scrgbClr r="0" g="0" b="0"/>
+      </a:lnRef>
+      <a:fillRef idx="1">
+        <a:scrgbClr r="0" g="0" b="0"/>
+      </a:fillRef>
+      <a:effectRef idx="0">
+        <a:scrgbClr r="0" g="0" b="0"/>
+      </a:effectRef>
+      <a:fontRef idx="minor"/>
+    </dgm:style>
+  </dgm:styleLbl>
+  <dgm:styleLbl name="bgImgPlace1">
+    <dgm:scene3d>
+      <a:camera prst="orthographicFront"/>
+      <a:lightRig rig="threePt" dir="t"/>
+    </dgm:scene3d>
+    <dgm:sp3d/>
+    <dgm:txPr/>
+    <dgm:style>
+      <a:lnRef idx="2">
+        <a:scrgbClr r="0" g="0" b="0"/>
+      </a:lnRef>
+      <a:fillRef idx="1">
+        <a:scrgbClr r="0" g="0" b="0"/>
+      </a:fillRef>
+      <a:effectRef idx="0">
+        <a:scrgbClr r="0" g="0" b="0"/>
+      </a:effectRef>
+      <a:fontRef idx="minor"/>
+    </dgm:style>
+  </dgm:styleLbl>
+  <dgm:styleLbl name="sibTrans2D1">
+    <dgm:scene3d>
+      <a:camera prst="orthographicFront"/>
+      <a:lightRig rig="threePt" dir="t"/>
+    </dgm:scene3d>
+    <dgm:sp3d/>
+    <dgm:txPr/>
+    <dgm:style>
+      <a:lnRef idx="0">
+        <a:scrgbClr r="0" g="0" b="0"/>
+      </a:lnRef>
+      <a:fillRef idx="1">
+        <a:scrgbClr r="0" g="0" b="0"/>
+      </a:fillRef>
+      <a:effectRef idx="0">
+        <a:scrgbClr r="0" g="0" b="0"/>
+      </a:effectRef>
+      <a:fontRef idx="minor">
+        <a:schemeClr val="lt1"/>
+      </a:fontRef>
+    </dgm:style>
+  </dgm:styleLbl>
+  <dgm:styleLbl name="fgSibTrans2D1">
+    <dgm:scene3d>
+      <a:camera prst="orthographicFront"/>
+      <a:lightRig rig="threePt" dir="t"/>
+    </dgm:scene3d>
+    <dgm:sp3d/>
+    <dgm:txPr/>
+    <dgm:style>
+      <a:lnRef idx="0">
+        <a:scrgbClr r="0" g="0" b="0"/>
+      </a:lnRef>
+      <a:fillRef idx="1">
+        <a:scrgbClr r="0" g="0" b="0"/>
+      </a:fillRef>
+      <a:effectRef idx="0">
+        <a:scrgbClr r="0" g="0" b="0"/>
+      </a:effectRef>
+      <a:fontRef idx="minor">
+        <a:schemeClr val="lt1"/>
+      </a:fontRef>
+    </dgm:style>
+  </dgm:styleLbl>
+  <dgm:styleLbl name="bgSibTrans2D1">
+    <dgm:scene3d>
+      <a:camera prst="orthographicFront"/>
+      <a:lightRig rig="threePt" dir="t"/>
+    </dgm:scene3d>
+    <dgm:sp3d/>
+    <dgm:txPr/>
+    <dgm:style>
+      <a:lnRef idx="0">
+        <a:scrgbClr r="0" g="0" b="0"/>
+      </a:lnRef>
+      <a:fillRef idx="1">
+        <a:scrgbClr r="0" g="0" b="0"/>
+      </a:fillRef>
+      <a:effectRef idx="0">
+        <a:scrgbClr r="0" g="0" b="0"/>
+      </a:effectRef>
+      <a:fontRef idx="minor">
+        <a:schemeClr val="lt1"/>
+      </a:fontRef>
+    </dgm:style>
+  </dgm:styleLbl>
+  <dgm:styleLbl name="sibTrans1D1">
+    <dgm:scene3d>
+      <a:camera prst="orthographicFront"/>
+      <a:lightRig rig="threePt" dir="t"/>
+    </dgm:scene3d>
+    <dgm:sp3d/>
+    <dgm:txPr/>
+    <dgm:style>
+      <a:lnRef idx="1">
+        <a:scrgbClr r="0" g="0" b="0"/>
+      </a:lnRef>
+      <a:fillRef idx="0">
+        <a:scrgbClr r="0" g="0" b="0"/>
+      </a:fillRef>
+      <a:effectRef idx="0">
+        <a:scrgbClr r="0" g="0" b="0"/>
+      </a:effectRef>
+      <a:fontRef idx="minor"/>
+    </dgm:style>
+  </dgm:styleLbl>
+  <dgm:styleLbl name="callout">
+    <dgm:scene3d>
+      <a:camera prst="orthographicFront"/>
+      <a:lightRig rig="threePt" dir="t"/>
+    </dgm:scene3d>
+    <dgm:sp3d/>
+    <dgm:txPr/>
+    <dgm:style>
+      <a:lnRef idx="2">
+        <a:scrgbClr r="0" g="0" b="0"/>
+      </a:lnRef>
+      <a:fillRef idx="1">
+        <a:scrgbClr r="0" g="0" b="0"/>
+      </a:fillRef>
+      <a:effectRef idx="0">
+        <a:scrgbClr r="0" g="0" b="0"/>
+      </a:effectRef>
+      <a:fontRef idx="minor"/>
+    </dgm:style>
+  </dgm:styleLbl>
+  <dgm:styleLbl name="asst0">
+    <dgm:scene3d>
+      <a:camera prst="orthographicFront"/>
+      <a:lightRig rig="threePt" dir="t"/>
+    </dgm:scene3d>
+    <dgm:sp3d/>
+    <dgm:txPr/>
+    <dgm:style>
+      <a:lnRef idx="2">
+        <a:scrgbClr r="0" g="0" b="0"/>
+      </a:lnRef>
+      <a:fillRef idx="1">
+        <a:scrgbClr r="0" g="0" b="0"/>
+      </a:fillRef>
+      <a:effectRef idx="0">
+        <a:scrgbClr r="0" g="0" b="0"/>
+      </a:effectRef>
+      <a:fontRef idx="minor">
+        <a:schemeClr val="lt1"/>
+      </a:fontRef>
+    </dgm:style>
+  </dgm:styleLbl>
+  <dgm:styleLbl name="asst1">
+    <dgm:scene3d>
+      <a:camera prst="orthographicFront"/>
+      <a:lightRig rig="threePt" dir="t"/>
+    </dgm:scene3d>
+    <dgm:sp3d/>
+    <dgm:txPr/>
+    <dgm:style>
+      <a:lnRef idx="2">
+        <a:scrgbClr r="0" g="0" b="0"/>
+      </a:lnRef>
+      <a:fillRef idx="1">
+        <a:scrgbClr r="0" g="0" b="0"/>
+      </a:fillRef>
+      <a:effectRef idx="0">
+        <a:scrgbClr r="0" g="0" b="0"/>
+      </a:effectRef>
+      <a:fontRef idx="minor">
+        <a:schemeClr val="lt1"/>
+      </a:fontRef>
+    </dgm:style>
+  </dgm:styleLbl>
+  <dgm:styleLbl name="asst2">
+    <dgm:scene3d>
+      <a:camera prst="orthographicFront"/>
+      <a:lightRig rig="threePt" dir="t"/>
+    </dgm:scene3d>
+    <dgm:sp3d/>
+    <dgm:txPr/>
+    <dgm:style>
+      <a:lnRef idx="2">
+        <a:scrgbClr r="0" g="0" b="0"/>
+      </a:lnRef>
+      <a:fillRef idx="1">
+        <a:scrgbClr r="0" g="0" b="0"/>
+      </a:fillRef>
+      <a:effectRef idx="0">
+        <a:scrgbClr r="0" g="0" b="0"/>
+      </a:effectRef>
+      <a:fontRef idx="minor">
+        <a:schemeClr val="lt1"/>
+      </a:fontRef>
+    </dgm:style>
+  </dgm:styleLbl>
+  <dgm:styleLbl name="asst3">
+    <dgm:scene3d>
+      <a:camera prst="orthographicFront"/>
+      <a:lightRig rig="threePt" dir="t"/>
+    </dgm:scene3d>
+    <dgm:sp3d/>
+    <dgm:txPr/>
+    <dgm:style>
+      <a:lnRef idx="2">
+        <a:scrgbClr r="0" g="0" b="0"/>
+      </a:lnRef>
+      <a:fillRef idx="1">
+        <a:scrgbClr r="0" g="0" b="0"/>
+      </a:fillRef>
+      <a:effectRef idx="0">
+        <a:scrgbClr r="0" g="0" b="0"/>
+      </a:effectRef>
+      <a:fontRef idx="minor">
+        <a:schemeClr val="lt1"/>
+      </a:fontRef>
+    </dgm:style>
+  </dgm:styleLbl>
+  <dgm:styleLbl name="asst4">
+    <dgm:scene3d>
+      <a:camera prst="orthographicFront"/>
+      <a:lightRig rig="threePt" dir="t"/>
+    </dgm:scene3d>
+    <dgm:sp3d/>
+    <dgm:txPr/>
+    <dgm:style>
+      <a:lnRef idx="2">
+        <a:scrgbClr r="0" g="0" b="0"/>
+      </a:lnRef>
+      <a:fillRef idx="1">
+        <a:scrgbClr r="0" g="0" b="0"/>
+      </a:fillRef>
+      <a:effectRef idx="0">
+        <a:scrgbClr r="0" g="0" b="0"/>
+      </a:effectRef>
+      <a:fontRef idx="minor">
+        <a:schemeClr val="lt1"/>
+      </a:fontRef>
+    </dgm:style>
+  </dgm:styleLbl>
+  <dgm:styleLbl name="parChTrans2D1">
+    <dgm:scene3d>
+      <a:camera prst="orthographicFront"/>
+      <a:lightRig rig="threePt" dir="t"/>
+    </dgm:scene3d>
+    <dgm:sp3d/>
+    <dgm:txPr/>
+    <dgm:style>
+      <a:lnRef idx="2">
+        <a:scrgbClr r="0" g="0" b="0"/>
+      </a:lnRef>
+      <a:fillRef idx="1">
+        <a:scrgbClr r="0" g="0" b="0"/>
+      </a:fillRef>
+      <a:effectRef idx="0">
+        <a:scrgbClr r="0" g="0" b="0"/>
+      </a:effectRef>
+      <a:fontRef idx="minor">
+        <a:schemeClr val="lt1"/>
+      </a:fontRef>
+    </dgm:style>
+  </dgm:styleLbl>
+  <dgm:styleLbl name="parChTrans2D2">
+    <dgm:scene3d>
+      <a:camera prst="orthographicFront"/>
+      <a:lightRig rig="threePt" dir="t"/>
+    </dgm:scene3d>
+    <dgm:sp3d/>
+    <dgm:txPr/>
+    <dgm:style>
+      <a:lnRef idx="2">
+        <a:scrgbClr r="0" g="0" b="0"/>
+      </a:lnRef>
+      <a:fillRef idx="1">
+        <a:scrgbClr r="0" g="0" b="0"/>
+      </a:fillRef>
+      <a:effectRef idx="0">
+        <a:scrgbClr r="0" g="0" b="0"/>
+      </a:effectRef>
+      <a:fontRef idx="minor">
+        <a:schemeClr val="lt1"/>
+      </a:fontRef>
+    </dgm:style>
+  </dgm:styleLbl>
+  <dgm:styleLbl name="parChTrans2D3">
+    <dgm:scene3d>
+      <a:camera prst="orthographicFront"/>
+      <a:lightRig rig="threePt" dir="t"/>
+    </dgm:scene3d>
+    <dgm:sp3d/>
+    <dgm:txPr/>
+    <dgm:style>
+      <a:lnRef idx="2">
+        <a:scrgbClr r="0" g="0" b="0"/>
+      </a:lnRef>
+      <a:fillRef idx="1">
+        <a:scrgbClr r="0" g="0" b="0"/>
+      </a:fillRef>
+      <a:effectRef idx="0">
+        <a:scrgbClr r="0" g="0" b="0"/>
+      </a:effectRef>
+      <a:fontRef idx="minor">
+        <a:schemeClr val="lt1"/>
+      </a:fontRef>
+    </dgm:style>
+  </dgm:styleLbl>
+  <dgm:styleLbl name="parChTrans2D4">
+    <dgm:scene3d>
+      <a:camera prst="orthographicFront"/>
+      <a:lightRig rig="threePt" dir="t"/>
+    </dgm:scene3d>
+    <dgm:sp3d/>
+    <dgm:txPr/>
+    <dgm:style>
+      <a:lnRef idx="2">
+        <a:scrgbClr r="0" g="0" b="0"/>
+      </a:lnRef>
+      <a:fillRef idx="1">
+        <a:scrgbClr r="0" g="0" b="0"/>
+      </a:fillRef>
+      <a:effectRef idx="0">
+        <a:scrgbClr r="0" g="0" b="0"/>
+      </a:effectRef>
+      <a:fontRef idx="minor">
+        <a:schemeClr val="lt1"/>
+      </a:fontRef>
+    </dgm:style>
+  </dgm:styleLbl>
+  <dgm:styleLbl name="parChTrans1D1">
+    <dgm:scene3d>
+      <a:camera prst="orthographicFront"/>
+      <a:lightRig rig="threePt" dir="t"/>
+    </dgm:scene3d>
+    <dgm:sp3d/>
+    <dgm:txPr/>
+    <dgm:style>
+      <a:lnRef idx="2">
+        <a:scrgbClr r="0" g="0" b="0"/>
+      </a:lnRef>
+      <a:fillRef idx="0">
+        <a:scrgbClr r="0" g="0" b="0"/>
+      </a:fillRef>
+      <a:effectRef idx="0">
+        <a:scrgbClr r="0" g="0" b="0"/>
+      </a:effectRef>
+      <a:fontRef idx="minor"/>
+    </dgm:style>
+  </dgm:styleLbl>
+  <dgm:styleLbl name="parChTrans1D2">
+    <dgm:scene3d>
+      <a:camera prst="orthographicFront"/>
+      <a:lightRig rig="threePt" dir="t"/>
+    </dgm:scene3d>
+    <dgm:sp3d/>
+    <dgm:txPr/>
+    <dgm:style>
+      <a:lnRef idx="2">
+        <a:scrgbClr r="0" g="0" b="0"/>
+      </a:lnRef>
+      <a:fillRef idx="0">
+        <a:scrgbClr r="0" g="0" b="0"/>
+      </a:fillRef>
+      <a:effectRef idx="0">
+        <a:scrgbClr r="0" g="0" b="0"/>
+      </a:effectRef>
+      <a:fontRef idx="minor"/>
+    </dgm:style>
+  </dgm:styleLbl>
+  <dgm:styleLbl name="parChTrans1D3">
+    <dgm:scene3d>
+      <a:camera prst="orthographicFront"/>
+      <a:lightRig rig="threePt" dir="t"/>
+    </dgm:scene3d>
+    <dgm:sp3d/>
+    <dgm:txPr/>
+    <dgm:style>
+      <a:lnRef idx="2">
+        <a:scrgbClr r="0" g="0" b="0"/>
+      </a:lnRef>
+      <a:fillRef idx="0">
+        <a:scrgbClr r="0" g="0" b="0"/>
+      </a:fillRef>
+      <a:effectRef idx="0">
+        <a:scrgbClr r="0" g="0" b="0"/>
+      </a:effectRef>
+      <a:fontRef idx="minor"/>
+    </dgm:style>
+  </dgm:styleLbl>
+  <dgm:styleLbl name="parChTrans1D4">
+    <dgm:scene3d>
+      <a:camera prst="orthographicFront"/>
+      <a:lightRig rig="threePt" dir="t"/>
+    </dgm:scene3d>
+    <dgm:sp3d/>
+    <dgm:txPr/>
+    <dgm:style>
+      <a:lnRef idx="2">
+        <a:scrgbClr r="0" g="0" b="0"/>
+      </a:lnRef>
+      <a:fillRef idx="0">
+        <a:scrgbClr r="0" g="0" b="0"/>
+      </a:fillRef>
+      <a:effectRef idx="0">
+        <a:scrgbClr r="0" g="0" b="0"/>
+      </a:effectRef>
+      <a:fontRef idx="minor"/>
+    </dgm:style>
+  </dgm:styleLbl>
+  <dgm:styleLbl name="fgAcc1">
+    <dgm:scene3d>
+      <a:camera prst="orthographicFront"/>
+      <a:lightRig rig="threePt" dir="t"/>
+    </dgm:scene3d>
+    <dgm:sp3d/>
+    <dgm:txPr/>
+    <dgm:style>
+      <a:lnRef idx="2">
+        <a:scrgbClr r="0" g="0" b="0"/>
+      </a:lnRef>
+      <a:fillRef idx="1">
+        <a:scrgbClr r="0" g="0" b="0"/>
+      </a:fillRef>
+      <a:effectRef idx="0">
+        <a:scrgbClr r="0" g="0" b="0"/>
+      </a:effectRef>
+      <a:fontRef idx="minor"/>
+    </dgm:style>
+  </dgm:styleLbl>
+  <dgm:styleLbl name="conFgAcc1">
+    <dgm:scene3d>
+      <a:camera prst="orthographicFront"/>
+      <a:lightRig rig="threePt" dir="t"/>
+    </dgm:scene3d>
+    <dgm:sp3d/>
+    <dgm:txPr/>
+    <dgm:style>
+      <a:lnRef idx="2">
+        <a:scrgbClr r="0" g="0" b="0"/>
+      </a:lnRef>
+      <a:fillRef idx="1">
+        <a:scrgbClr r="0" g="0" b="0"/>
+      </a:fillRef>
+      <a:effectRef idx="0">
+        <a:scrgbClr r="0" g="0" b="0"/>
+      </a:effectRef>
+      <a:fontRef idx="minor"/>
+    </dgm:style>
+  </dgm:styleLbl>
+  <dgm:styleLbl name="alignAcc1">
+    <dgm:scene3d>
+      <a:camera prst="orthographicFront"/>
+      <a:lightRig rig="threePt" dir="t"/>
+    </dgm:scene3d>
+    <dgm:sp3d/>
+    <dgm:txPr/>
+    <dgm:style>
+      <a:lnRef idx="2">
+        <a:scrgbClr r="0" g="0" b="0"/>
+      </a:lnRef>
+      <a:fillRef idx="1">
+        <a:scrgbClr r="0" g="0" b="0"/>
+      </a:fillRef>
+      <a:effectRef idx="0">
+        <a:scrgbClr r="0" g="0" b="0"/>
+      </a:effectRef>
+      <a:fontRef idx="minor"/>
+    </dgm:style>
+  </dgm:styleLbl>
+  <dgm:styleLbl name="trAlignAcc1">
+    <dgm:scene3d>
+      <a:camera prst="orthographicFront"/>
+      <a:lightRig rig="threePt" dir="t"/>
+    </dgm:scene3d>
+    <dgm:sp3d/>
+    <dgm:txPr/>
+    <dgm:style>
+      <a:lnRef idx="1">
+        <a:scrgbClr r="0" g="0" b="0"/>
+      </a:lnRef>
+      <a:fillRef idx="1">
+        <a:scrgbClr r="0" g="0" b="0"/>
+      </a:fillRef>
+      <a:effectRef idx="0">
+        <a:scrgbClr r="0" g="0" b="0"/>
+      </a:effectRef>
+      <a:fontRef idx="minor"/>
+    </dgm:style>
+  </dgm:styleLbl>
+  <dgm:styleLbl name="bgAcc1">
+    <dgm:scene3d>
+      <a:camera prst="orthographicFront"/>
+      <a:lightRig rig="threePt" dir="t"/>
+    </dgm:scene3d>
+    <dgm:sp3d/>
+    <dgm:txPr/>
+    <dgm:style>
+      <a:lnRef idx="2">
+        <a:scrgbClr r="0" g="0" b="0"/>
+      </a:lnRef>
+      <a:fillRef idx="1">
+        <a:scrgbClr r="0" g="0" b="0"/>
+      </a:fillRef>
+      <a:effectRef idx="0">
+        <a:scrgbClr r="0" g="0" b="0"/>
+      </a:effectRef>
+      <a:fontRef idx="minor"/>
+    </dgm:style>
+  </dgm:styleLbl>
+  <dgm:styleLbl name="solidFgAcc1">
+    <dgm:scene3d>
+      <a:camera prst="orthographicFront"/>
+      <a:lightRig rig="threePt" dir="t"/>
+    </dgm:scene3d>
+    <dgm:sp3d/>
+    <dgm:txPr/>
+    <dgm:style>
+      <a:lnRef idx="2">
+        <a:scrgbClr r="0" g="0" b="0"/>
+      </a:lnRef>
+      <a:fillRef idx="1">
+        <a:scrgbClr r="0" g="0" b="0"/>
+      </a:fillRef>
+      <a:effectRef idx="0">
+        <a:scrgbClr r="0" g="0" b="0"/>
+      </a:effectRef>
+      <a:fontRef idx="minor"/>
+    </dgm:style>
+  </dgm:styleLbl>
+  <dgm:styleLbl name="solidAlignAcc1">
+    <dgm:scene3d>
+      <a:camera prst="orthographicFront"/>
+      <a:lightRig rig="threePt" dir="t"/>
+    </dgm:scene3d>
+    <dgm:sp3d/>
+    <dgm:txPr/>
+    <dgm:style>
+      <a:lnRef idx="2">
+        <a:scrgbClr r="0" g="0" b="0"/>
+      </a:lnRef>
+      <a:fillRef idx="1">
+        <a:scrgbClr r="0" g="0" b="0"/>
+      </a:fillRef>
+      <a:effectRef idx="0">
+        <a:scrgbClr r="0" g="0" b="0"/>
+      </a:effectRef>
+      <a:fontRef idx="minor"/>
+    </dgm:style>
+  </dgm:styleLbl>
+  <dgm:styleLbl name="solidBgAcc1">
+    <dgm:scene3d>
+      <a:camera prst="orthographicFront"/>
+      <a:lightRig rig="threePt" dir="t"/>
+    </dgm:scene3d>
+    <dgm:sp3d/>
+    <dgm:txPr/>
+    <dgm:style>
+      <a:lnRef idx="2">
+        <a:scrgbClr r="0" g="0" b="0"/>
+      </a:lnRef>
+      <a:fillRef idx="1">
+        <a:scrgbClr r="0" g="0" b="0"/>
+      </a:fillRef>
+      <a:effectRef idx="0">
+        <a:scrgbClr r="0" g="0" b="0"/>
+      </a:effectRef>
+      <a:fontRef idx="minor"/>
+    </dgm:style>
+  </dgm:styleLbl>
+  <dgm:styleLbl name="fgAccFollowNode1">
+    <dgm:scene3d>
+      <a:camera prst="orthographicFront"/>
+      <a:lightRig rig="threePt" dir="t"/>
+    </dgm:scene3d>
+    <dgm:sp3d/>
+    <dgm:txPr/>
+    <dgm:style>
+      <a:lnRef idx="2">
+        <a:scrgbClr r="0" g="0" b="0"/>
+      </a:lnRef>
+      <a:fillRef idx="1">
+        <a:scrgbClr r="0" g="0" b="0"/>
+      </a:fillRef>
+      <a:effectRef idx="0">
+        <a:scrgbClr r="0" g="0" b="0"/>
+      </a:effectRef>
+      <a:fontRef idx="minor"/>
+    </dgm:style>
+  </dgm:styleLbl>
+  <dgm:styleLbl name="alignAccFollowNode1">
+    <dgm:scene3d>
+      <a:camera prst="orthographicFront"/>
+      <a:lightRig rig="threePt" dir="t"/>
+    </dgm:scene3d>
+    <dgm:sp3d/>
+    <dgm:txPr/>
+    <dgm:style>
+      <a:lnRef idx="2">
+        <a:scrgbClr r="0" g="0" b="0"/>
+      </a:lnRef>
+      <a:fillRef idx="1">
+        <a:scrgbClr r="0" g="0" b="0"/>
+      </a:fillRef>
+      <a:effectRef idx="0">
+        <a:scrgbClr r="0" g="0" b="0"/>
+      </a:effectRef>
+      <a:fontRef idx="minor"/>
+    </dgm:style>
+  </dgm:styleLbl>
+  <dgm:styleLbl name="bgAccFollowNode1">
+    <dgm:scene3d>
+      <a:camera prst="orthographicFront"/>
+      <a:lightRig rig="threePt" dir="t"/>
+    </dgm:scene3d>
+    <dgm:sp3d/>
+    <dgm:txPr/>
+    <dgm:style>
+      <a:lnRef idx="2">
+        <a:scrgbClr r="0" g="0" b="0"/>
+      </a:lnRef>
+      <a:fillRef idx="1">
+        <a:scrgbClr r="0" g="0" b="0"/>
+      </a:fillRef>
+      <a:effectRef idx="0">
+        <a:scrgbClr r="0" g="0" b="0"/>
+      </a:effectRef>
+      <a:fontRef idx="minor"/>
+    </dgm:style>
+  </dgm:styleLbl>
+  <dgm:styleLbl name="fgAcc0">
+    <dgm:scene3d>
+      <a:camera prst="orthographicFront"/>
+      <a:lightRig rig="threePt" dir="t"/>
+    </dgm:scene3d>
+    <dgm:sp3d/>
+    <dgm:txPr/>
+    <dgm:style>
+      <a:lnRef idx="2">
+        <a:scrgbClr r="0" g="0" b="0"/>
+      </a:lnRef>
+      <a:fillRef idx="1">
+        <a:scrgbClr r="0" g="0" b="0"/>
+      </a:fillRef>
+      <a:effectRef idx="0">
+        <a:scrgbClr r="0" g="0" b="0"/>
+      </a:effectRef>
+      <a:fontRef idx="minor"/>
+    </dgm:style>
+  </dgm:styleLbl>
+  <dgm:styleLbl name="fgAcc2">
+    <dgm:scene3d>
+      <a:camera prst="orthographicFront"/>
+      <a:lightRig rig="threePt" dir="t"/>
+    </dgm:scene3d>
+    <dgm:sp3d/>
+    <dgm:txPr/>
+    <dgm:style>
+      <a:lnRef idx="2">
+        <a:scrgbClr r="0" g="0" b="0"/>
+      </a:lnRef>
+      <a:fillRef idx="1">
+        <a:scrgbClr r="0" g="0" b="0"/>
+      </a:fillRef>
+      <a:effectRef idx="0">
+        <a:scrgbClr r="0" g="0" b="0"/>
+      </a:effectRef>
+      <a:fontRef idx="minor"/>
+    </dgm:style>
+  </dgm:styleLbl>
+  <dgm:styleLbl name="fgAcc3">
+    <dgm:scene3d>
+      <a:camera prst="orthographicFront"/>
+      <a:lightRig rig="threePt" dir="t"/>
+    </dgm:scene3d>
+    <dgm:sp3d/>
+    <dgm:txPr/>
+    <dgm:style>
+      <a:lnRef idx="2">
+        <a:scrgbClr r="0" g="0" b="0"/>
+      </a:lnRef>
+      <a:fillRef idx="1">
+        <a:scrgbClr r="0" g="0" b="0"/>
+      </a:fillRef>
+      <a:effectRef idx="0">
+        <a:scrgbClr r="0" g="0" b="0"/>
+      </a:effectRef>
+      <a:fontRef idx="minor"/>
+    </dgm:style>
+  </dgm:styleLbl>
+  <dgm:styleLbl name="fgAcc4">
+    <dgm:scene3d>
+      <a:camera prst="orthographicFront"/>
+      <a:lightRig rig="threePt" dir="t"/>
+    </dgm:scene3d>
+    <dgm:sp3d/>
+    <dgm:txPr/>
+    <dgm:style>
+      <a:lnRef idx="2">
+        <a:scrgbClr r="0" g="0" b="0"/>
+      </a:lnRef>
+      <a:fillRef idx="1">
+        <a:scrgbClr r="0" g="0" b="0"/>
+      </a:fillRef>
+      <a:effectRef idx="0">
+        <a:scrgbClr r="0" g="0" b="0"/>
+      </a:effectRef>
+      <a:fontRef idx="minor"/>
+    </dgm:style>
+  </dgm:styleLbl>
+  <dgm:styleLbl name="bgShp">
+    <dgm:scene3d>
+      <a:camera prst="orthographicFront"/>
+      <a:lightRig rig="threePt" dir="t"/>
+    </dgm:scene3d>
+    <dgm:sp3d/>
+    <dgm:txPr/>
+    <dgm:style>
+      <a:lnRef idx="0">
+        <a:scrgbClr r="0" g="0" b="0"/>
+      </a:lnRef>
+      <a:fillRef idx="1">
+        <a:scrgbClr r="0" g="0" b="0"/>
+      </a:fillRef>
+      <a:effectRef idx="0">
+        <a:scrgbClr r="0" g="0" b="0"/>
+      </a:effectRef>
+      <a:fontRef idx="minor"/>
+    </dgm:style>
+  </dgm:styleLbl>
+  <dgm:styleLbl name="dkBgShp">
+    <dgm:scene3d>
+      <a:camera prst="orthographicFront"/>
+      <a:lightRig rig="threePt" dir="t"/>
+    </dgm:scene3d>
+    <dgm:sp3d/>
+    <dgm:txPr/>
+    <dgm:style>
+      <a:lnRef idx="0">
+        <a:scrgbClr r="0" g="0" b="0"/>
+      </a:lnRef>
+      <a:fillRef idx="1">
+        <a:scrgbClr r="0" g="0" b="0"/>
+      </a:fillRef>
+      <a:effectRef idx="0">
+        <a:scrgbClr r="0" g="0" b="0"/>
+      </a:effectRef>
+      <a:fontRef idx="minor"/>
+    </dgm:style>
+  </dgm:styleLbl>
+  <dgm:styleLbl name="trBgShp">
+    <dgm:scene3d>
+      <a:camera prst="orthographicFront"/>
+      <a:lightRig rig="threePt" dir="t"/>
+    </dgm:scene3d>
+    <dgm:sp3d/>
+    <dgm:txPr/>
+    <dgm:style>
+      <a:lnRef idx="0">
+        <a:scrgbClr r="0" g="0" b="0"/>
+      </a:lnRef>
+      <a:fillRef idx="1">
+        <a:scrgbClr r="0" g="0" b="0"/>
+      </a:fillRef>
+      <a:effectRef idx="0">
+        <a:scrgbClr r="0" g="0" b="0"/>
+      </a:effectRef>
+      <a:fontRef idx="minor"/>
+    </dgm:style>
+  </dgm:styleLbl>
+  <dgm:styleLbl name="fgShp">
+    <dgm:scene3d>
+      <a:camera prst="orthographicFront"/>
+      <a:lightRig rig="threePt" dir="t"/>
+    </dgm:scene3d>
+    <dgm:sp3d/>
+    <dgm:txPr/>
+    <dgm:style>
+      <a:lnRef idx="2">
+        <a:scrgbClr r="0" g="0" b="0"/>
+      </a:lnRef>
+      <a:fillRef idx="1">
+        <a:scrgbClr r="0" g="0" b="0"/>
+      </a:fillRef>
+      <a:effectRef idx="0">
+        <a:scrgbClr r="0" g="0" b="0"/>
+      </a:effectRef>
+      <a:fontRef idx="minor"/>
+    </dgm:style>
+  </dgm:styleLbl>
+  <dgm:styleLbl name="revTx">
+    <dgm:scene3d>
+      <a:camera prst="orthographicFront"/>
+      <a:lightRig rig="threePt" dir="t"/>
+    </dgm:scene3d>
+    <dgm:sp3d/>
+    <dgm:txPr/>
+    <dgm:style>
+      <a:lnRef idx="0">
+        <a:scrgbClr r="0" g="0" b="0"/>
+      </a:lnRef>
+      <a:fillRef idx="0">
+        <a:scrgbClr r="0" g="0" b="0"/>
+      </a:fillRef>
+      <a:effectRef idx="0">
+        <a:scrgbClr r="0" g="0" b="0"/>
+      </a:effectRef>
+      <a:fontRef idx="minor"/>
+    </dgm:style>
+  </dgm:styleLbl>
+</dgm:styleDef>
+</file>
+
+<file path=ppt/diagrams/quickStyle3.xml><?xml version="1.0" encoding="utf-8"?>
 <dgm:styleDef xmlns:dgm="http://schemas.openxmlformats.org/drawingml/2006/diagram" xmlns:a="http://schemas.openxmlformats.org/drawingml/2006/main" uniqueId="urn:microsoft.com/office/officeart/2005/8/quickstyle/simple1">
   <dgm:title val=""/>
   <dgm:desc val=""/>
@@ -8018,7 +13232,7 @@
           <a:p>
             <a:fld id="{ED151C14-CE9E-4E23-B501-D21E82FDEE26}" type="datetimeFigureOut">
               <a:rPr lang="es-ES" smtClean="0"/>
-              <a:t>15/08/2022</a:t>
+              <a:t>28/12/2022</a:t>
             </a:fld>
             <a:endParaRPr lang="es-ES"/>
           </a:p>
@@ -8350,7 +13564,7 @@
           <a:p>
             <a:fld id="{92B4C8DF-C28A-471C-86BB-3EF8A157CB46}" type="slidenum">
               <a:rPr lang="es-ES" smtClean="0"/>
-              <a:t>4</a:t>
+              <a:t>5</a:t>
             </a:fld>
             <a:endParaRPr lang="es-ES"/>
           </a:p>
@@ -8516,7 +13730,7 @@
           <a:p>
             <a:fld id="{35226B97-4BCC-4502-8449-40926CDAD38A}" type="datetimeFigureOut">
               <a:rPr lang="es-ES" smtClean="0"/>
-              <a:t>15/08/2022</a:t>
+              <a:t>28/12/2022</a:t>
             </a:fld>
             <a:endParaRPr lang="es-ES"/>
           </a:p>
@@ -8714,7 +13928,7 @@
           <a:p>
             <a:fld id="{35226B97-4BCC-4502-8449-40926CDAD38A}" type="datetimeFigureOut">
               <a:rPr lang="es-ES" smtClean="0"/>
-              <a:t>15/08/2022</a:t>
+              <a:t>28/12/2022</a:t>
             </a:fld>
             <a:endParaRPr lang="es-ES"/>
           </a:p>
@@ -8922,7 +14136,7 @@
           <a:p>
             <a:fld id="{35226B97-4BCC-4502-8449-40926CDAD38A}" type="datetimeFigureOut">
               <a:rPr lang="es-ES" smtClean="0"/>
-              <a:t>15/08/2022</a:t>
+              <a:t>28/12/2022</a:t>
             </a:fld>
             <a:endParaRPr lang="es-ES"/>
           </a:p>
@@ -9120,7 +14334,7 @@
           <a:p>
             <a:fld id="{35226B97-4BCC-4502-8449-40926CDAD38A}" type="datetimeFigureOut">
               <a:rPr lang="es-ES" smtClean="0"/>
-              <a:t>15/08/2022</a:t>
+              <a:t>28/12/2022</a:t>
             </a:fld>
             <a:endParaRPr lang="es-ES"/>
           </a:p>
@@ -9395,7 +14609,7 @@
           <a:p>
             <a:fld id="{35226B97-4BCC-4502-8449-40926CDAD38A}" type="datetimeFigureOut">
               <a:rPr lang="es-ES" smtClean="0"/>
-              <a:t>15/08/2022</a:t>
+              <a:t>28/12/2022</a:t>
             </a:fld>
             <a:endParaRPr lang="es-ES"/>
           </a:p>
@@ -9660,7 +14874,7 @@
           <a:p>
             <a:fld id="{35226B97-4BCC-4502-8449-40926CDAD38A}" type="datetimeFigureOut">
               <a:rPr lang="es-ES" smtClean="0"/>
-              <a:t>15/08/2022</a:t>
+              <a:t>28/12/2022</a:t>
             </a:fld>
             <a:endParaRPr lang="es-ES"/>
           </a:p>
@@ -10072,7 +15286,7 @@
           <a:p>
             <a:fld id="{35226B97-4BCC-4502-8449-40926CDAD38A}" type="datetimeFigureOut">
               <a:rPr lang="es-ES" smtClean="0"/>
-              <a:t>15/08/2022</a:t>
+              <a:t>28/12/2022</a:t>
             </a:fld>
             <a:endParaRPr lang="es-ES"/>
           </a:p>
@@ -10213,7 +15427,7 @@
           <a:p>
             <a:fld id="{35226B97-4BCC-4502-8449-40926CDAD38A}" type="datetimeFigureOut">
               <a:rPr lang="es-ES" smtClean="0"/>
-              <a:t>15/08/2022</a:t>
+              <a:t>28/12/2022</a:t>
             </a:fld>
             <a:endParaRPr lang="es-ES"/>
           </a:p>
@@ -10326,7 +15540,7 @@
           <a:p>
             <a:fld id="{35226B97-4BCC-4502-8449-40926CDAD38A}" type="datetimeFigureOut">
               <a:rPr lang="es-ES" smtClean="0"/>
-              <a:t>15/08/2022</a:t>
+              <a:t>28/12/2022</a:t>
             </a:fld>
             <a:endParaRPr lang="es-ES"/>
           </a:p>
@@ -10637,7 +15851,7 @@
           <a:p>
             <a:fld id="{35226B97-4BCC-4502-8449-40926CDAD38A}" type="datetimeFigureOut">
               <a:rPr lang="es-ES" smtClean="0"/>
-              <a:t>15/08/2022</a:t>
+              <a:t>28/12/2022</a:t>
             </a:fld>
             <a:endParaRPr lang="es-ES"/>
           </a:p>
@@ -10925,7 +16139,7 @@
           <a:p>
             <a:fld id="{35226B97-4BCC-4502-8449-40926CDAD38A}" type="datetimeFigureOut">
               <a:rPr lang="es-ES" smtClean="0"/>
-              <a:t>15/08/2022</a:t>
+              <a:t>28/12/2022</a:t>
             </a:fld>
             <a:endParaRPr lang="es-ES"/>
           </a:p>
@@ -11166,7 +16380,7 @@
           <a:p>
             <a:fld id="{35226B97-4BCC-4502-8449-40926CDAD38A}" type="datetimeFigureOut">
               <a:rPr lang="es-ES" smtClean="0"/>
-              <a:t>15/08/2022</a:t>
+              <a:t>28/12/2022</a:t>
             </a:fld>
             <a:endParaRPr lang="es-ES"/>
           </a:p>
@@ -12604,7 +17818,7 @@
           <p:nvPr>
             <p:extLst>
               <p:ext uri="{D42A27DB-BD31-4B8C-83A1-F6EECF244321}">
-                <p14:modId xmlns:p14="http://schemas.microsoft.com/office/powerpoint/2010/main" val="3633248885"/>
+                <p14:modId xmlns:p14="http://schemas.microsoft.com/office/powerpoint/2010/main" val="1760448868"/>
               </p:ext>
             </p:extLst>
           </p:nvPr>
@@ -12633,7 +17847,7 @@
         </p:nvSpPr>
         <p:spPr>
           <a:xfrm>
-            <a:off x="4042026" y="514350"/>
+            <a:off x="4210706" y="514350"/>
             <a:ext cx="2600325" cy="771525"/>
           </a:xfrm>
           <a:prstGeom prst="rect">
@@ -12692,7 +17906,7 @@
         </p:nvSpPr>
         <p:spPr>
           <a:xfrm>
-            <a:off x="1236994" y="514349"/>
+            <a:off x="1361286" y="514349"/>
             <a:ext cx="2258273" cy="771525"/>
           </a:xfrm>
           <a:prstGeom prst="rect">
@@ -12751,7 +17965,7 @@
         </p:nvSpPr>
         <p:spPr>
           <a:xfrm>
-            <a:off x="7591546" y="552449"/>
+            <a:off x="7635935" y="552449"/>
             <a:ext cx="3024000" cy="771525"/>
           </a:xfrm>
           <a:prstGeom prst="rect">
@@ -12821,6 +18035,241 @@
 </file>
 
 <file path=ppt/slides/slide4.xml><?xml version="1.0" encoding="utf-8"?>
+<p:sld xmlns:a="http://schemas.openxmlformats.org/drawingml/2006/main" xmlns:r="http://schemas.openxmlformats.org/officeDocument/2006/relationships" xmlns:p="http://schemas.openxmlformats.org/presentationml/2006/main">
+  <p:cSld>
+    <p:spTree>
+      <p:nvGrpSpPr>
+        <p:cNvPr id="1" name=""/>
+        <p:cNvGrpSpPr/>
+        <p:nvPr/>
+      </p:nvGrpSpPr>
+      <p:grpSpPr>
+        <a:xfrm>
+          <a:off x="0" y="0"/>
+          <a:ext cx="0" cy="0"/>
+          <a:chOff x="0" y="0"/>
+          <a:chExt cx="0" cy="0"/>
+        </a:xfrm>
+      </p:grpSpPr>
+      <p:graphicFrame>
+        <p:nvGraphicFramePr>
+          <p:cNvPr id="4" name="Diagrama 3">
+            <a:extLst>
+              <a:ext uri="{FF2B5EF4-FFF2-40B4-BE49-F238E27FC236}">
+                <a16:creationId xmlns:a16="http://schemas.microsoft.com/office/drawing/2014/main" id="{777D8070-D8A4-C519-7082-532BDC4B850B}"/>
+              </a:ext>
+            </a:extLst>
+          </p:cNvPr>
+          <p:cNvGraphicFramePr/>
+          <p:nvPr>
+            <p:extLst>
+              <p:ext uri="{D42A27DB-BD31-4B8C-83A1-F6EECF244321}">
+                <p14:modId xmlns:p14="http://schemas.microsoft.com/office/powerpoint/2010/main" val="518770424"/>
+              </p:ext>
+            </p:extLst>
+          </p:nvPr>
+        </p:nvGraphicFramePr>
+        <p:xfrm>
+          <a:off x="1160461" y="89947"/>
+          <a:ext cx="9984617" cy="6639466"/>
+        </p:xfrm>
+        <a:graphic>
+          <a:graphicData uri="http://schemas.openxmlformats.org/drawingml/2006/diagram">
+            <dgm:relIds xmlns:dgm="http://schemas.openxmlformats.org/drawingml/2006/diagram" xmlns:r="http://schemas.openxmlformats.org/officeDocument/2006/relationships" r:dm="rId2" r:lo="rId3" r:qs="rId4" r:cs="rId5"/>
+          </a:graphicData>
+        </a:graphic>
+      </p:graphicFrame>
+      <p:sp>
+        <p:nvSpPr>
+          <p:cNvPr id="5" name="Rectángulo 4">
+            <a:extLst>
+              <a:ext uri="{FF2B5EF4-FFF2-40B4-BE49-F238E27FC236}">
+                <a16:creationId xmlns:a16="http://schemas.microsoft.com/office/drawing/2014/main" id="{95FE5D4A-02FE-A7E8-4FCF-E881FC22F84C}"/>
+              </a:ext>
+            </a:extLst>
+          </p:cNvPr>
+          <p:cNvSpPr/>
+          <p:nvPr/>
+        </p:nvSpPr>
+        <p:spPr>
+          <a:xfrm>
+            <a:off x="4210704" y="514350"/>
+            <a:ext cx="2600325" cy="771525"/>
+          </a:xfrm>
+          <a:prstGeom prst="rect">
+            <a:avLst/>
+          </a:prstGeom>
+          <a:solidFill>
+            <a:schemeClr val="bg1"/>
+          </a:solidFill>
+          <a:ln>
+            <a:noFill/>
+          </a:ln>
+        </p:spPr>
+        <p:style>
+          <a:lnRef idx="2">
+            <a:schemeClr val="accent1">
+              <a:shade val="50000"/>
+            </a:schemeClr>
+          </a:lnRef>
+          <a:fillRef idx="1">
+            <a:schemeClr val="accent1"/>
+          </a:fillRef>
+          <a:effectRef idx="0">
+            <a:schemeClr val="accent1"/>
+          </a:effectRef>
+          <a:fontRef idx="minor">
+            <a:schemeClr val="lt1"/>
+          </a:fontRef>
+        </p:style>
+        <p:txBody>
+          <a:bodyPr rtlCol="0" anchor="ctr"/>
+          <a:lstStyle/>
+          <a:p>
+            <a:pPr algn="ctr"/>
+            <a:r>
+              <a:rPr lang="es-ES" sz="3400" dirty="0">
+                <a:solidFill>
+                  <a:schemeClr val="tx1"/>
+                </a:solidFill>
+              </a:rPr>
+              <a:t>JOB FUNCTIONS</a:t>
+            </a:r>
+          </a:p>
+        </p:txBody>
+      </p:sp>
+      <p:sp>
+        <p:nvSpPr>
+          <p:cNvPr id="6" name="Rectángulo 5">
+            <a:extLst>
+              <a:ext uri="{FF2B5EF4-FFF2-40B4-BE49-F238E27FC236}">
+                <a16:creationId xmlns:a16="http://schemas.microsoft.com/office/drawing/2014/main" id="{CA6F06A1-557E-861D-96B6-85C14DC8F663}"/>
+              </a:ext>
+            </a:extLst>
+          </p:cNvPr>
+          <p:cNvSpPr/>
+          <p:nvPr/>
+        </p:nvSpPr>
+        <p:spPr>
+          <a:xfrm>
+            <a:off x="1361283" y="514349"/>
+            <a:ext cx="2258273" cy="771525"/>
+          </a:xfrm>
+          <a:prstGeom prst="rect">
+            <a:avLst/>
+          </a:prstGeom>
+          <a:solidFill>
+            <a:schemeClr val="bg1"/>
+          </a:solidFill>
+          <a:ln>
+            <a:noFill/>
+          </a:ln>
+        </p:spPr>
+        <p:style>
+          <a:lnRef idx="2">
+            <a:schemeClr val="accent1">
+              <a:shade val="50000"/>
+            </a:schemeClr>
+          </a:lnRef>
+          <a:fillRef idx="1">
+            <a:schemeClr val="accent1"/>
+          </a:fillRef>
+          <a:effectRef idx="0">
+            <a:schemeClr val="accent1"/>
+          </a:effectRef>
+          <a:fontRef idx="minor">
+            <a:schemeClr val="lt1"/>
+          </a:fontRef>
+        </p:style>
+        <p:txBody>
+          <a:bodyPr rtlCol="0" anchor="ctr"/>
+          <a:lstStyle/>
+          <a:p>
+            <a:pPr algn="ctr"/>
+            <a:r>
+              <a:rPr lang="es-ES" sz="3400" dirty="0">
+                <a:solidFill>
+                  <a:schemeClr val="tx1"/>
+                </a:solidFill>
+              </a:rPr>
+              <a:t>AREAS</a:t>
+            </a:r>
+          </a:p>
+        </p:txBody>
+      </p:sp>
+      <p:sp>
+        <p:nvSpPr>
+          <p:cNvPr id="7" name="Rectángulo 6">
+            <a:extLst>
+              <a:ext uri="{FF2B5EF4-FFF2-40B4-BE49-F238E27FC236}">
+                <a16:creationId xmlns:a16="http://schemas.microsoft.com/office/drawing/2014/main" id="{CA2494C4-50A3-A8E2-E04B-E823886AEEFC}"/>
+              </a:ext>
+            </a:extLst>
+          </p:cNvPr>
+          <p:cNvSpPr/>
+          <p:nvPr/>
+        </p:nvSpPr>
+        <p:spPr>
+          <a:xfrm>
+            <a:off x="7635935" y="552449"/>
+            <a:ext cx="3024000" cy="771525"/>
+          </a:xfrm>
+          <a:prstGeom prst="rect">
+            <a:avLst/>
+          </a:prstGeom>
+          <a:solidFill>
+            <a:schemeClr val="bg1"/>
+          </a:solidFill>
+          <a:ln>
+            <a:noFill/>
+          </a:ln>
+        </p:spPr>
+        <p:style>
+          <a:lnRef idx="2">
+            <a:schemeClr val="accent1">
+              <a:shade val="50000"/>
+            </a:schemeClr>
+          </a:lnRef>
+          <a:fillRef idx="1">
+            <a:schemeClr val="accent1"/>
+          </a:fillRef>
+          <a:effectRef idx="0">
+            <a:schemeClr val="accent1"/>
+          </a:effectRef>
+          <a:fontRef idx="minor">
+            <a:schemeClr val="lt1"/>
+          </a:fontRef>
+        </p:style>
+        <p:txBody>
+          <a:bodyPr rtlCol="0" anchor="ctr"/>
+          <a:lstStyle/>
+          <a:p>
+            <a:pPr algn="ctr"/>
+            <a:r>
+              <a:rPr lang="es-ES" sz="3400" dirty="0">
+                <a:solidFill>
+                  <a:schemeClr val="tx1"/>
+                </a:solidFill>
+              </a:rPr>
+              <a:t>TECNOLOGY TOOLS</a:t>
+            </a:r>
+          </a:p>
+        </p:txBody>
+      </p:sp>
+    </p:spTree>
+    <p:extLst>
+      <p:ext uri="{BB962C8B-B14F-4D97-AF65-F5344CB8AC3E}">
+        <p14:creationId xmlns:p14="http://schemas.microsoft.com/office/powerpoint/2010/main" val="1992574063"/>
+      </p:ext>
+    </p:extLst>
+  </p:cSld>
+  <p:clrMapOvr>
+    <a:masterClrMapping/>
+  </p:clrMapOvr>
+</p:sld>
+</file>
+
+<file path=ppt/slides/slide5.xml><?xml version="1.0" encoding="utf-8"?>
 <p:sld xmlns:a="http://schemas.openxmlformats.org/drawingml/2006/main" xmlns:r="http://schemas.openxmlformats.org/officeDocument/2006/relationships" xmlns:p="http://schemas.openxmlformats.org/presentationml/2006/main">
   <p:cSld>
     <p:spTree>

--- a/CV-AJTR.pptx
+++ b/CV-AJTR.pptx
@@ -3726,7 +3726,15 @@
                 <a:schemeClr val="tx1"/>
               </a:solidFill>
             </a:rPr>
-            <a:t> SQL, Java, C, C#, Python, Dart/Flutter, PHP/Symfony, API, PowerShell, VS, Android, iOS</a:t>
+            <a:t> SQL, Java, C, C#, Python, Dart/Flutter, PHP/Symfony, API, PowerShell, VS, Android, iOS, </a:t>
+          </a:r>
+          <a:r>
+            <a:rPr lang="es-ES" sz="1800" kern="1200" dirty="0" err="1">
+              <a:solidFill>
+                <a:schemeClr val="tx1"/>
+              </a:solidFill>
+            </a:rPr>
+            <a:t>Go</a:t>
           </a:r>
           <a:br>
             <a:rPr lang="es-ES" sz="1800" kern="1200" dirty="0">
@@ -4761,15 +4769,15 @@
                 <a:schemeClr val="tx1"/>
               </a:solidFill>
             </a:rPr>
-            <a:t> On-</a:t>
-          </a:r>
-          <a:r>
-            <a:rPr lang="es-ES" sz="1900" kern="1200" dirty="0" err="1">
-              <a:solidFill>
-                <a:schemeClr val="tx1"/>
-              </a:solidFill>
-            </a:rPr>
-            <a:t>prem</a:t>
+            <a:t> </a:t>
+          </a:r>
+          <a:r>
+            <a:rPr lang="en-GB" sz="1900" kern="1200" noProof="0" dirty="0">
+              <a:solidFill>
+                <a:schemeClr val="tx1"/>
+              </a:solidFill>
+            </a:rPr>
+            <a:t>On-prem</a:t>
           </a:r>
           <a:r>
             <a:rPr lang="es-ES" sz="1900" kern="1200" dirty="0">
@@ -5292,7 +5300,15 @@
                 <a:schemeClr val="tx1"/>
               </a:solidFill>
             </a:rPr>
-            <a:t> SQL, Java, C, C#, Python, Dart/Flutter, PHP/Symfony, API, PowerShell, VS, Android, iOS</a:t>
+            <a:t> SQL, Java, C, C#, Python, Dart/Flutter, PHP/Symfony, API, PowerShell, VS, Android, iOS, </a:t>
+          </a:r>
+          <a:r>
+            <a:rPr lang="es-ES" sz="1800" kern="1200">
+              <a:solidFill>
+                <a:schemeClr val="tx1"/>
+              </a:solidFill>
+            </a:rPr>
+            <a:t>Go</a:t>
           </a:r>
           <a:br>
             <a:rPr lang="es-ES" sz="1800" kern="1200" dirty="0">
@@ -5846,7 +5862,7 @@
   <dgm:whole/>
   <dgm:extLst>
     <a:ext uri="http://schemas.microsoft.com/office/drawing/2008/diagram">
-      <dsp:dataModelExt xmlns:dsp="http://schemas.microsoft.com/office/drawing/2008/diagram" relId="rId6" minVer="http://schemas.openxmlformats.org/drawingml/2006/diagram"/>
+      <dsp:dataModelExt xmlns:dsp="http://schemas.microsoft.com/office/drawing/2008/diagram" relId="rId7" minVer="http://schemas.openxmlformats.org/drawingml/2006/diagram"/>
     </a:ext>
   </dgm:extLst>
 </dgm:dataModel>
@@ -7755,7 +7771,15 @@
                 <a:schemeClr val="tx1"/>
               </a:solidFill>
             </a:rPr>
-            <a:t> SQL, Java, C, C#, Python, Dart/Flutter, PHP/Symfony, API, PowerShell, VS, Android, iOS</a:t>
+            <a:t> SQL, Java, C, C#, Python, Dart/Flutter, PHP/Symfony, API, PowerShell, VS, Android, iOS, </a:t>
+          </a:r>
+          <a:r>
+            <a:rPr lang="es-ES" sz="1800" kern="1200" dirty="0" err="1">
+              <a:solidFill>
+                <a:schemeClr val="tx1"/>
+              </a:solidFill>
+            </a:rPr>
+            <a:t>Go</a:t>
           </a:r>
           <a:br>
             <a:rPr lang="es-ES" sz="1800" kern="1200" dirty="0">
@@ -8819,15 +8843,15 @@
                 <a:schemeClr val="tx1"/>
               </a:solidFill>
             </a:rPr>
-            <a:t> On-</a:t>
-          </a:r>
-          <a:r>
-            <a:rPr lang="es-ES" sz="1900" kern="1200" dirty="0" err="1">
-              <a:solidFill>
-                <a:schemeClr val="tx1"/>
-              </a:solidFill>
-            </a:rPr>
-            <a:t>prem</a:t>
+            <a:t> </a:t>
+          </a:r>
+          <a:r>
+            <a:rPr lang="en-GB" sz="1900" kern="1200" noProof="0" dirty="0">
+              <a:solidFill>
+                <a:schemeClr val="tx1"/>
+              </a:solidFill>
+            </a:rPr>
+            <a:t>On-prem</a:t>
           </a:r>
           <a:r>
             <a:rPr lang="es-ES" sz="1900" kern="1200" dirty="0">
@@ -9394,7 +9418,15 @@
                 <a:schemeClr val="tx1"/>
               </a:solidFill>
             </a:rPr>
-            <a:t> SQL, Java, C, C#, Python, Dart/Flutter, PHP/Symfony, API, PowerShell, VS, Android, iOS</a:t>
+            <a:t> SQL, Java, C, C#, Python, Dart/Flutter, PHP/Symfony, API, PowerShell, VS, Android, iOS, </a:t>
+          </a:r>
+          <a:r>
+            <a:rPr lang="es-ES" sz="1800" kern="1200">
+              <a:solidFill>
+                <a:schemeClr val="tx1"/>
+              </a:solidFill>
+            </a:rPr>
+            <a:t>Go</a:t>
           </a:r>
           <a:br>
             <a:rPr lang="es-ES" sz="1800" kern="1200" dirty="0">
@@ -13232,7 +13264,7 @@
           <a:p>
             <a:fld id="{ED151C14-CE9E-4E23-B501-D21E82FDEE26}" type="datetimeFigureOut">
               <a:rPr lang="es-ES" smtClean="0"/>
-              <a:t>28/12/2022</a:t>
+              <a:t>04/03/2023</a:t>
             </a:fld>
             <a:endParaRPr lang="es-ES"/>
           </a:p>
@@ -13564,6 +13596,90 @@
           <a:p>
             <a:fld id="{92B4C8DF-C28A-471C-86BB-3EF8A157CB46}" type="slidenum">
               <a:rPr lang="es-ES" smtClean="0"/>
+              <a:t>4</a:t>
+            </a:fld>
+            <a:endParaRPr lang="es-ES"/>
+          </a:p>
+        </p:txBody>
+      </p:sp>
+    </p:spTree>
+    <p:extLst>
+      <p:ext uri="{BB962C8B-B14F-4D97-AF65-F5344CB8AC3E}">
+        <p14:creationId xmlns:p14="http://schemas.microsoft.com/office/powerpoint/2010/main" val="2757283435"/>
+      </p:ext>
+    </p:extLst>
+  </p:cSld>
+  <p:clrMapOvr>
+    <a:masterClrMapping/>
+  </p:clrMapOvr>
+</p:notes>
+</file>
+
+<file path=ppt/notesSlides/notesSlide2.xml><?xml version="1.0" encoding="utf-8"?>
+<p:notes xmlns:a="http://schemas.openxmlformats.org/drawingml/2006/main" xmlns:r="http://schemas.openxmlformats.org/officeDocument/2006/relationships" xmlns:p="http://schemas.openxmlformats.org/presentationml/2006/main">
+  <p:cSld>
+    <p:spTree>
+      <p:nvGrpSpPr>
+        <p:cNvPr id="1" name=""/>
+        <p:cNvGrpSpPr/>
+        <p:nvPr/>
+      </p:nvGrpSpPr>
+      <p:grpSpPr>
+        <a:xfrm>
+          <a:off x="0" y="0"/>
+          <a:ext cx="0" cy="0"/>
+          <a:chOff x="0" y="0"/>
+          <a:chExt cx="0" cy="0"/>
+        </a:xfrm>
+      </p:grpSpPr>
+      <p:sp>
+        <p:nvSpPr>
+          <p:cNvPr id="2" name="Marcador de imagen de diapositiva 1"/>
+          <p:cNvSpPr>
+            <a:spLocks noGrp="1" noRot="1" noChangeAspect="1"/>
+          </p:cNvSpPr>
+          <p:nvPr>
+            <p:ph type="sldImg"/>
+          </p:nvPr>
+        </p:nvSpPr>
+        <p:spPr/>
+      </p:sp>
+      <p:sp>
+        <p:nvSpPr>
+          <p:cNvPr id="3" name="Marcador de notas 2"/>
+          <p:cNvSpPr>
+            <a:spLocks noGrp="1"/>
+          </p:cNvSpPr>
+          <p:nvPr>
+            <p:ph type="body" idx="1"/>
+          </p:nvPr>
+        </p:nvSpPr>
+        <p:spPr/>
+        <p:txBody>
+          <a:bodyPr/>
+          <a:lstStyle/>
+          <a:p>
+            <a:endParaRPr lang="es-ES" dirty="0"/>
+          </a:p>
+        </p:txBody>
+      </p:sp>
+      <p:sp>
+        <p:nvSpPr>
+          <p:cNvPr id="4" name="Marcador de número de diapositiva 3"/>
+          <p:cNvSpPr>
+            <a:spLocks noGrp="1"/>
+          </p:cNvSpPr>
+          <p:nvPr>
+            <p:ph type="sldNum" sz="quarter" idx="5"/>
+          </p:nvPr>
+        </p:nvSpPr>
+        <p:spPr/>
+        <p:txBody>
+          <a:bodyPr/>
+          <a:lstStyle/>
+          <a:p>
+            <a:fld id="{92B4C8DF-C28A-471C-86BB-3EF8A157CB46}" type="slidenum">
+              <a:rPr lang="es-ES" smtClean="0"/>
               <a:t>5</a:t>
             </a:fld>
             <a:endParaRPr lang="es-ES"/>
@@ -13730,7 +13846,7 @@
           <a:p>
             <a:fld id="{35226B97-4BCC-4502-8449-40926CDAD38A}" type="datetimeFigureOut">
               <a:rPr lang="es-ES" smtClean="0"/>
-              <a:t>28/12/2022</a:t>
+              <a:t>04/03/2023</a:t>
             </a:fld>
             <a:endParaRPr lang="es-ES"/>
           </a:p>
@@ -13928,7 +14044,7 @@
           <a:p>
             <a:fld id="{35226B97-4BCC-4502-8449-40926CDAD38A}" type="datetimeFigureOut">
               <a:rPr lang="es-ES" smtClean="0"/>
-              <a:t>28/12/2022</a:t>
+              <a:t>04/03/2023</a:t>
             </a:fld>
             <a:endParaRPr lang="es-ES"/>
           </a:p>
@@ -14136,7 +14252,7 @@
           <a:p>
             <a:fld id="{35226B97-4BCC-4502-8449-40926CDAD38A}" type="datetimeFigureOut">
               <a:rPr lang="es-ES" smtClean="0"/>
-              <a:t>28/12/2022</a:t>
+              <a:t>04/03/2023</a:t>
             </a:fld>
             <a:endParaRPr lang="es-ES"/>
           </a:p>
@@ -14334,7 +14450,7 @@
           <a:p>
             <a:fld id="{35226B97-4BCC-4502-8449-40926CDAD38A}" type="datetimeFigureOut">
               <a:rPr lang="es-ES" smtClean="0"/>
-              <a:t>28/12/2022</a:t>
+              <a:t>04/03/2023</a:t>
             </a:fld>
             <a:endParaRPr lang="es-ES"/>
           </a:p>
@@ -14609,7 +14725,7 @@
           <a:p>
             <a:fld id="{35226B97-4BCC-4502-8449-40926CDAD38A}" type="datetimeFigureOut">
               <a:rPr lang="es-ES" smtClean="0"/>
-              <a:t>28/12/2022</a:t>
+              <a:t>04/03/2023</a:t>
             </a:fld>
             <a:endParaRPr lang="es-ES"/>
           </a:p>
@@ -14874,7 +14990,7 @@
           <a:p>
             <a:fld id="{35226B97-4BCC-4502-8449-40926CDAD38A}" type="datetimeFigureOut">
               <a:rPr lang="es-ES" smtClean="0"/>
-              <a:t>28/12/2022</a:t>
+              <a:t>04/03/2023</a:t>
             </a:fld>
             <a:endParaRPr lang="es-ES"/>
           </a:p>
@@ -15286,7 +15402,7 @@
           <a:p>
             <a:fld id="{35226B97-4BCC-4502-8449-40926CDAD38A}" type="datetimeFigureOut">
               <a:rPr lang="es-ES" smtClean="0"/>
-              <a:t>28/12/2022</a:t>
+              <a:t>04/03/2023</a:t>
             </a:fld>
             <a:endParaRPr lang="es-ES"/>
           </a:p>
@@ -15427,7 +15543,7 @@
           <a:p>
             <a:fld id="{35226B97-4BCC-4502-8449-40926CDAD38A}" type="datetimeFigureOut">
               <a:rPr lang="es-ES" smtClean="0"/>
-              <a:t>28/12/2022</a:t>
+              <a:t>04/03/2023</a:t>
             </a:fld>
             <a:endParaRPr lang="es-ES"/>
           </a:p>
@@ -15540,7 +15656,7 @@
           <a:p>
             <a:fld id="{35226B97-4BCC-4502-8449-40926CDAD38A}" type="datetimeFigureOut">
               <a:rPr lang="es-ES" smtClean="0"/>
-              <a:t>28/12/2022</a:t>
+              <a:t>04/03/2023</a:t>
             </a:fld>
             <a:endParaRPr lang="es-ES"/>
           </a:p>
@@ -15851,7 +15967,7 @@
           <a:p>
             <a:fld id="{35226B97-4BCC-4502-8449-40926CDAD38A}" type="datetimeFigureOut">
               <a:rPr lang="es-ES" smtClean="0"/>
-              <a:t>28/12/2022</a:t>
+              <a:t>04/03/2023</a:t>
             </a:fld>
             <a:endParaRPr lang="es-ES"/>
           </a:p>
@@ -16139,7 +16255,7 @@
           <a:p>
             <a:fld id="{35226B97-4BCC-4502-8449-40926CDAD38A}" type="datetimeFigureOut">
               <a:rPr lang="es-ES" smtClean="0"/>
-              <a:t>28/12/2022</a:t>
+              <a:t>04/03/2023</a:t>
             </a:fld>
             <a:endParaRPr lang="es-ES"/>
           </a:p>
@@ -16380,7 +16496,7 @@
           <a:p>
             <a:fld id="{35226B97-4BCC-4502-8449-40926CDAD38A}" type="datetimeFigureOut">
               <a:rPr lang="es-ES" smtClean="0"/>
-              <a:t>28/12/2022</a:t>
+              <a:t>04/03/2023</a:t>
             </a:fld>
             <a:endParaRPr lang="es-ES"/>
           </a:p>
@@ -17818,7 +17934,7 @@
           <p:nvPr>
             <p:extLst>
               <p:ext uri="{D42A27DB-BD31-4B8C-83A1-F6EECF244321}">
-                <p14:modId xmlns:p14="http://schemas.microsoft.com/office/powerpoint/2010/main" val="1760448868"/>
+                <p14:modId xmlns:p14="http://schemas.microsoft.com/office/powerpoint/2010/main" val="3120787104"/>
               </p:ext>
             </p:extLst>
           </p:nvPr>
@@ -18064,7 +18180,7 @@
           <p:nvPr>
             <p:extLst>
               <p:ext uri="{D42A27DB-BD31-4B8C-83A1-F6EECF244321}">
-                <p14:modId xmlns:p14="http://schemas.microsoft.com/office/powerpoint/2010/main" val="518770424"/>
+                <p14:modId xmlns:p14="http://schemas.microsoft.com/office/powerpoint/2010/main" val="3029676094"/>
               </p:ext>
             </p:extLst>
           </p:nvPr>
@@ -18075,7 +18191,7 @@
         </p:xfrm>
         <a:graphic>
           <a:graphicData uri="http://schemas.openxmlformats.org/drawingml/2006/diagram">
-            <dgm:relIds xmlns:dgm="http://schemas.openxmlformats.org/drawingml/2006/diagram" xmlns:r="http://schemas.openxmlformats.org/officeDocument/2006/relationships" r:dm="rId2" r:lo="rId3" r:qs="rId4" r:cs="rId5"/>
+            <dgm:relIds xmlns:dgm="http://schemas.openxmlformats.org/drawingml/2006/diagram" xmlns:r="http://schemas.openxmlformats.org/officeDocument/2006/relationships" r:dm="rId3" r:lo="rId4" r:qs="rId5" r:cs="rId6"/>
           </a:graphicData>
         </a:graphic>
       </p:graphicFrame>
@@ -18300,7 +18416,7 @@
         </p:nvSpPr>
         <p:spPr>
           <a:xfrm>
-            <a:off x="2235035" y="609623"/>
+            <a:off x="4081595" y="609623"/>
             <a:ext cx="7641590" cy="454637"/>
           </a:xfrm>
           <a:prstGeom prst="roundRect">
@@ -18356,7 +18472,7 @@
         </p:nvSpPr>
         <p:spPr>
           <a:xfrm>
-            <a:off x="2235035" y="1064260"/>
+            <a:off x="4081595" y="1064260"/>
             <a:ext cx="7641590" cy="1760220"/>
           </a:xfrm>
           <a:prstGeom prst="roundRect">
@@ -18410,7 +18526,7 @@
         </p:nvSpPr>
         <p:spPr>
           <a:xfrm>
-            <a:off x="2235034" y="1064260"/>
+            <a:off x="4081594" y="1064260"/>
             <a:ext cx="785811" cy="1760220"/>
           </a:xfrm>
           <a:prstGeom prst="homePlate">
@@ -18464,7 +18580,7 @@
         </p:nvSpPr>
         <p:spPr>
           <a:xfrm rot="16200000">
-            <a:off x="2016909" y="1627825"/>
+            <a:off x="3863469" y="1627825"/>
             <a:ext cx="1115241" cy="646331"/>
           </a:xfrm>
           <a:prstGeom prst="rect">
@@ -18507,7 +18623,7 @@
         </p:nvSpPr>
         <p:spPr>
           <a:xfrm>
-            <a:off x="3260105" y="522343"/>
+            <a:off x="5106665" y="522343"/>
             <a:ext cx="5659582" cy="615553"/>
           </a:xfrm>
           <a:prstGeom prst="rect">
@@ -18547,7 +18663,7 @@
         </p:nvSpPr>
         <p:spPr>
           <a:xfrm>
-            <a:off x="5014339" y="1417880"/>
+            <a:off x="6860899" y="1417880"/>
             <a:ext cx="1204686" cy="1115242"/>
           </a:xfrm>
           <a:prstGeom prst="cloud">
@@ -18601,7 +18717,7 @@
         </p:nvSpPr>
         <p:spPr>
           <a:xfrm>
-            <a:off x="5082096" y="2061361"/>
+            <a:off x="6928656" y="2061361"/>
             <a:ext cx="953059" cy="338554"/>
           </a:xfrm>
           <a:prstGeom prst="rect">
@@ -18637,7 +18753,7 @@
         </p:nvSpPr>
         <p:spPr>
           <a:xfrm>
-            <a:off x="4982386" y="1554593"/>
+            <a:off x="6828946" y="1554593"/>
             <a:ext cx="1396300" cy="584775"/>
           </a:xfrm>
           <a:prstGeom prst="rect">
@@ -18680,7 +18796,7 @@
         </p:nvSpPr>
         <p:spPr>
           <a:xfrm>
-            <a:off x="3123239" y="1778623"/>
+            <a:off x="4969799" y="1778623"/>
             <a:ext cx="1559197" cy="468268"/>
           </a:xfrm>
           <a:prstGeom prst="roundRect">
@@ -18736,7 +18852,7 @@
         </p:nvSpPr>
         <p:spPr>
           <a:xfrm>
-            <a:off x="3175816" y="1727880"/>
+            <a:off x="5022376" y="1727880"/>
             <a:ext cx="1448564" cy="584775"/>
           </a:xfrm>
           <a:prstGeom prst="rect">
@@ -18772,7 +18888,7 @@
         </p:nvSpPr>
         <p:spPr>
           <a:xfrm>
-            <a:off x="8456777" y="1467509"/>
+            <a:off x="10303337" y="1467509"/>
             <a:ext cx="1186676" cy="910477"/>
           </a:xfrm>
           <a:prstGeom prst="flowChartPunchedTape">
@@ -18826,7 +18942,7 @@
         </p:nvSpPr>
         <p:spPr>
           <a:xfrm>
-            <a:off x="8521456" y="1658758"/>
+            <a:off x="10368016" y="1658758"/>
             <a:ext cx="1105701" cy="584775"/>
           </a:xfrm>
           <a:prstGeom prst="rect">
@@ -18869,7 +18985,7 @@
         </p:nvCxnSpPr>
         <p:spPr>
           <a:xfrm>
-            <a:off x="8160516" y="1996351"/>
+            <a:off x="10007076" y="1996351"/>
             <a:ext cx="252000" cy="0"/>
           </a:xfrm>
           <a:prstGeom prst="straightConnector1">
@@ -18909,7 +19025,7 @@
         </p:nvCxnSpPr>
         <p:spPr>
           <a:xfrm>
-            <a:off x="4732516" y="1996351"/>
+            <a:off x="6579076" y="1996351"/>
             <a:ext cx="252000" cy="0"/>
           </a:xfrm>
           <a:prstGeom prst="straightConnector1">
@@ -18949,7 +19065,7 @@
         </p:nvSpPr>
         <p:spPr>
           <a:xfrm>
-            <a:off x="2235035" y="2824480"/>
+            <a:off x="4081595" y="2824480"/>
             <a:ext cx="7641590" cy="1760220"/>
           </a:xfrm>
           <a:prstGeom prst="roundRect">
@@ -19003,7 +19119,7 @@
         </p:nvSpPr>
         <p:spPr>
           <a:xfrm>
-            <a:off x="2235035" y="2824480"/>
+            <a:off x="4081595" y="2824480"/>
             <a:ext cx="779040" cy="1760220"/>
           </a:xfrm>
           <a:prstGeom prst="homePlate">
@@ -19057,7 +19173,7 @@
         </p:nvSpPr>
         <p:spPr>
           <a:xfrm rot="16200000">
-            <a:off x="2016909" y="3388046"/>
+            <a:off x="3863469" y="3388046"/>
             <a:ext cx="1115241" cy="646331"/>
           </a:xfrm>
           <a:prstGeom prst="rect">
@@ -19100,7 +19216,7 @@
         </p:nvSpPr>
         <p:spPr>
           <a:xfrm>
-            <a:off x="6460604" y="3539787"/>
+            <a:off x="8307164" y="3539787"/>
             <a:ext cx="1559197" cy="468268"/>
           </a:xfrm>
           <a:prstGeom prst="roundRect">
@@ -19156,7 +19272,7 @@
         </p:nvSpPr>
         <p:spPr>
           <a:xfrm>
-            <a:off x="6532231" y="3616044"/>
+            <a:off x="8378791" y="3616044"/>
             <a:ext cx="1448564" cy="338554"/>
           </a:xfrm>
           <a:prstGeom prst="rect">
@@ -19192,7 +19308,7 @@
         </p:nvSpPr>
         <p:spPr>
           <a:xfrm>
-            <a:off x="8442263" y="3227729"/>
+            <a:off x="10288823" y="3227729"/>
             <a:ext cx="1201190" cy="910477"/>
           </a:xfrm>
           <a:prstGeom prst="flowChartPunchedTape">
@@ -19246,7 +19362,7 @@
         </p:nvSpPr>
         <p:spPr>
           <a:xfrm>
-            <a:off x="8550484" y="3418978"/>
+            <a:off x="10397044" y="3418978"/>
             <a:ext cx="1105701" cy="584775"/>
           </a:xfrm>
           <a:prstGeom prst="rect">
@@ -19289,7 +19405,7 @@
         </p:nvCxnSpPr>
         <p:spPr>
           <a:xfrm>
-            <a:off x="8123142" y="3756571"/>
+            <a:off x="9969702" y="3756571"/>
             <a:ext cx="252000" cy="0"/>
           </a:xfrm>
           <a:prstGeom prst="straightConnector1">
@@ -19331,7 +19447,7 @@
         </p:nvCxnSpPr>
         <p:spPr>
           <a:xfrm>
-            <a:off x="4231474" y="3756571"/>
+            <a:off x="6078034" y="3756571"/>
             <a:ext cx="2160000" cy="0"/>
           </a:xfrm>
           <a:prstGeom prst="straightConnector1">
@@ -19371,7 +19487,7 @@
         </p:nvSpPr>
         <p:spPr>
           <a:xfrm>
-            <a:off x="2235035" y="4597942"/>
+            <a:off x="4081595" y="4597942"/>
             <a:ext cx="7641590" cy="1760220"/>
           </a:xfrm>
           <a:prstGeom prst="roundRect">
@@ -19425,7 +19541,7 @@
         </p:nvSpPr>
         <p:spPr>
           <a:xfrm>
-            <a:off x="2235035" y="4597942"/>
+            <a:off x="4081595" y="4597942"/>
             <a:ext cx="779040" cy="1760220"/>
           </a:xfrm>
           <a:prstGeom prst="homePlate">
@@ -19479,7 +19595,7 @@
         </p:nvSpPr>
         <p:spPr>
           <a:xfrm rot="16200000">
-            <a:off x="2016909" y="5161507"/>
+            <a:off x="3863469" y="5161507"/>
             <a:ext cx="1115241" cy="646331"/>
           </a:xfrm>
           <a:prstGeom prst="rect">
@@ -19522,7 +19638,7 @@
         </p:nvSpPr>
         <p:spPr>
           <a:xfrm>
-            <a:off x="6537814" y="5310364"/>
+            <a:off x="8384374" y="5310364"/>
             <a:ext cx="1559197" cy="468268"/>
           </a:xfrm>
           <a:prstGeom prst="roundRect">
@@ -19578,7 +19694,7 @@
         </p:nvSpPr>
         <p:spPr>
           <a:xfrm>
-            <a:off x="6590391" y="5386621"/>
+            <a:off x="8436951" y="5386621"/>
             <a:ext cx="1448564" cy="338554"/>
           </a:xfrm>
           <a:prstGeom prst="rect">
@@ -19614,7 +19730,7 @@
         </p:nvSpPr>
         <p:spPr>
           <a:xfrm>
-            <a:off x="8442263" y="5001191"/>
+            <a:off x="10288823" y="5001191"/>
             <a:ext cx="1201190" cy="910477"/>
           </a:xfrm>
           <a:prstGeom prst="flowChartPunchedTape">
@@ -19668,7 +19784,7 @@
         </p:nvCxnSpPr>
         <p:spPr>
           <a:xfrm>
-            <a:off x="8146002" y="5530033"/>
+            <a:off x="9992562" y="5530033"/>
             <a:ext cx="252000" cy="0"/>
           </a:xfrm>
           <a:prstGeom prst="straightConnector1">
@@ -19708,7 +19824,7 @@
         </p:nvCxnSpPr>
         <p:spPr>
           <a:xfrm>
-            <a:off x="6243012" y="5527148"/>
+            <a:off x="8089572" y="5527148"/>
             <a:ext cx="252000" cy="0"/>
           </a:xfrm>
           <a:prstGeom prst="straightConnector1">
@@ -19748,7 +19864,7 @@
         </p:nvSpPr>
         <p:spPr>
           <a:xfrm>
-            <a:off x="3121316" y="2984184"/>
+            <a:off x="4967876" y="2984184"/>
             <a:ext cx="2253154" cy="599143"/>
           </a:xfrm>
           <a:prstGeom prst="roundRect">
@@ -19804,7 +19920,7 @@
         </p:nvSpPr>
         <p:spPr>
           <a:xfrm>
-            <a:off x="3173892" y="3004200"/>
+            <a:off x="5020452" y="3004200"/>
             <a:ext cx="2142521" cy="584775"/>
           </a:xfrm>
           <a:prstGeom prst="rect">
@@ -19847,7 +19963,7 @@
         </p:nvSpPr>
         <p:spPr>
           <a:xfrm>
-            <a:off x="3326368" y="5310364"/>
+            <a:off x="5172928" y="5310364"/>
             <a:ext cx="1137782" cy="468268"/>
           </a:xfrm>
           <a:prstGeom prst="roundRect">
@@ -19903,7 +20019,7 @@
         </p:nvSpPr>
         <p:spPr>
           <a:xfrm>
-            <a:off x="3340844" y="5386620"/>
+            <a:off x="5187404" y="5386620"/>
             <a:ext cx="1137781" cy="341439"/>
           </a:xfrm>
           <a:prstGeom prst="rect">
@@ -19939,7 +20055,7 @@
         </p:nvSpPr>
         <p:spPr>
           <a:xfrm>
-            <a:off x="6537814" y="1774658"/>
+            <a:off x="8384374" y="1774658"/>
             <a:ext cx="1559197" cy="468268"/>
           </a:xfrm>
           <a:prstGeom prst="roundRect">
@@ -19995,7 +20111,7 @@
         </p:nvSpPr>
         <p:spPr>
           <a:xfrm>
-            <a:off x="6590391" y="1850915"/>
+            <a:off x="8436951" y="1850915"/>
             <a:ext cx="1448564" cy="338554"/>
           </a:xfrm>
           <a:prstGeom prst="rect">
@@ -20031,7 +20147,7 @@
         </p:nvCxnSpPr>
         <p:spPr>
           <a:xfrm>
-            <a:off x="6248896" y="1996351"/>
+            <a:off x="8095456" y="1996351"/>
             <a:ext cx="252000" cy="0"/>
           </a:xfrm>
           <a:prstGeom prst="straightConnector1">
@@ -20071,7 +20187,7 @@
         </p:nvSpPr>
         <p:spPr>
           <a:xfrm>
-            <a:off x="3788585" y="3951073"/>
+            <a:off x="5635145" y="3951073"/>
             <a:ext cx="893857" cy="468268"/>
           </a:xfrm>
           <a:prstGeom prst="roundRect">
@@ -20127,7 +20243,7 @@
         </p:nvSpPr>
         <p:spPr>
           <a:xfrm>
-            <a:off x="3879262" y="4015558"/>
+            <a:off x="5725822" y="4015558"/>
             <a:ext cx="700193" cy="338554"/>
           </a:xfrm>
           <a:prstGeom prst="rect">
@@ -20166,7 +20282,7 @@
         </p:nvCxnSpPr>
         <p:spPr>
           <a:xfrm flipH="1">
-            <a:off x="4235514" y="3588975"/>
+            <a:off x="6082074" y="3588975"/>
             <a:ext cx="0" cy="362098"/>
           </a:xfrm>
           <a:prstGeom prst="line">
@@ -20208,7 +20324,7 @@
         </p:nvCxnSpPr>
         <p:spPr>
           <a:xfrm rot="5400000">
-            <a:off x="6289003" y="243088"/>
+            <a:off x="8135563" y="243088"/>
             <a:ext cx="717262" cy="4804962"/>
           </a:xfrm>
           <a:prstGeom prst="bentConnector3">
@@ -20248,7 +20364,7 @@
         </p:nvSpPr>
         <p:spPr>
           <a:xfrm>
-            <a:off x="4847529" y="5310364"/>
+            <a:off x="6694089" y="5310364"/>
             <a:ext cx="1345447" cy="468268"/>
           </a:xfrm>
           <a:prstGeom prst="roundRect">
@@ -20304,7 +20420,7 @@
         </p:nvSpPr>
         <p:spPr>
           <a:xfrm>
-            <a:off x="4862006" y="5386620"/>
+            <a:off x="6708566" y="5386620"/>
             <a:ext cx="1359997" cy="338554"/>
           </a:xfrm>
           <a:prstGeom prst="rect">
@@ -20340,7 +20456,7 @@
         </p:nvSpPr>
         <p:spPr>
           <a:xfrm>
-            <a:off x="8490007" y="5192284"/>
+            <a:off x="10336567" y="5192284"/>
             <a:ext cx="1105701" cy="584775"/>
           </a:xfrm>
           <a:prstGeom prst="rect">
@@ -20383,7 +20499,7 @@
         </p:nvCxnSpPr>
         <p:spPr>
           <a:xfrm>
-            <a:off x="4527631" y="5527148"/>
+            <a:off x="6374191" y="5527148"/>
             <a:ext cx="252000" cy="0"/>
           </a:xfrm>
           <a:prstGeom prst="straightConnector1">
@@ -20426,7 +20542,7 @@
         </p:nvCxnSpPr>
         <p:spPr>
           <a:xfrm rot="5400000">
-            <a:off x="5837456" y="2104962"/>
+            <a:off x="7684016" y="2104962"/>
             <a:ext cx="1263206" cy="5147599"/>
           </a:xfrm>
           <a:prstGeom prst="bentConnector3">
@@ -20452,6 +20568,185 @@
           </a:fontRef>
         </p:style>
       </p:cxnSp>
+      <p:sp>
+        <p:nvSpPr>
+          <p:cNvPr id="2" name="CuadroTexto 1">
+            <a:extLst>
+              <a:ext uri="{FF2B5EF4-FFF2-40B4-BE49-F238E27FC236}">
+                <a16:creationId xmlns:a16="http://schemas.microsoft.com/office/drawing/2014/main" id="{61560B11-A09E-190F-EB0C-444B2CDA4755}"/>
+              </a:ext>
+            </a:extLst>
+          </p:cNvPr>
+          <p:cNvSpPr txBox="1"/>
+          <p:nvPr/>
+        </p:nvSpPr>
+        <p:spPr>
+          <a:xfrm>
+            <a:off x="237442" y="216186"/>
+            <a:ext cx="11614719" cy="830997"/>
+          </a:xfrm>
+          <a:prstGeom prst="rect">
+            <a:avLst/>
+          </a:prstGeom>
+          <a:noFill/>
+        </p:spPr>
+        <p:txBody>
+          <a:bodyPr wrap="square" rtlCol="0">
+            <a:spAutoFit/>
+          </a:bodyPr>
+          <a:lstStyle/>
+          <a:p>
+            <a:r>
+              <a:rPr lang="es-ES" sz="1600" dirty="0"/>
+              <a:t>Pipeline (</a:t>
+            </a:r>
+            <a:r>
+              <a:rPr lang="es-ES" sz="1600" dirty="0" err="1"/>
+              <a:t>inside</a:t>
+            </a:r>
+            <a:r>
+              <a:rPr lang="es-ES" sz="1600" dirty="0"/>
+              <a:t> a Docker container </a:t>
+            </a:r>
+            <a:r>
+              <a:rPr lang="es-ES" sz="1600" dirty="0" err="1"/>
+              <a:t>using</a:t>
+            </a:r>
+            <a:r>
+              <a:rPr lang="es-ES" sz="1600" dirty="0"/>
+              <a:t> apache): </a:t>
+            </a:r>
+            <a:r>
+              <a:rPr lang="es-ES" sz="1600" dirty="0" err="1"/>
+              <a:t>Ingestion</a:t>
+            </a:r>
+            <a:r>
+              <a:rPr lang="es-ES" sz="1600" dirty="0"/>
+              <a:t>, </a:t>
+            </a:r>
+            <a:r>
+              <a:rPr lang="es-ES" sz="1600" dirty="0" err="1"/>
+              <a:t>transformation</a:t>
+            </a:r>
+            <a:r>
+              <a:rPr lang="es-ES" sz="1600" dirty="0"/>
+              <a:t>, </a:t>
+            </a:r>
+            <a:r>
+              <a:rPr lang="es-ES" sz="1600" dirty="0" err="1"/>
+              <a:t>enrichment</a:t>
+            </a:r>
+            <a:r>
+              <a:rPr lang="es-ES" sz="1600" dirty="0"/>
+              <a:t>… </a:t>
+            </a:r>
+            <a:r>
+              <a:rPr lang="es-ES" sz="1600" dirty="0" err="1"/>
+              <a:t>read</a:t>
+            </a:r>
+            <a:r>
+              <a:rPr lang="es-ES" sz="1600" dirty="0"/>
+              <a:t> (.</a:t>
+            </a:r>
+            <a:r>
+              <a:rPr lang="es-ES" sz="1600" dirty="0" err="1"/>
+              <a:t>csv</a:t>
+            </a:r>
+            <a:r>
+              <a:rPr lang="es-ES" sz="1600" dirty="0"/>
+              <a:t>), </a:t>
+            </a:r>
+            <a:r>
+              <a:rPr lang="es-ES" sz="1600" dirty="0" err="1"/>
+              <a:t>filter</a:t>
+            </a:r>
+            <a:r>
+              <a:rPr lang="es-ES" sz="1600" dirty="0"/>
+              <a:t>, </a:t>
+            </a:r>
+            <a:r>
+              <a:rPr lang="es-ES" sz="1600" dirty="0" err="1"/>
+              <a:t>convert</a:t>
+            </a:r>
+            <a:r>
+              <a:rPr lang="es-ES" sz="1600" dirty="0"/>
+              <a:t>, </a:t>
+            </a:r>
+            <a:r>
+              <a:rPr lang="es-ES" sz="1600" dirty="0" err="1"/>
+              <a:t>write</a:t>
+            </a:r>
+            <a:r>
+              <a:rPr lang="es-ES" sz="1600" dirty="0"/>
+              <a:t> (</a:t>
+            </a:r>
+            <a:r>
+              <a:rPr lang="es-ES" sz="1600" dirty="0" err="1"/>
+              <a:t>bigquery</a:t>
+            </a:r>
+            <a:r>
+              <a:rPr lang="es-ES" sz="1600" dirty="0"/>
+              <a:t>)</a:t>
+            </a:r>
+          </a:p>
+          <a:p>
+            <a:r>
+              <a:rPr lang="es-ES" sz="1600" dirty="0"/>
+              <a:t>ETL (</a:t>
+            </a:r>
+            <a:r>
+              <a:rPr lang="es-ES" sz="1600" dirty="0" err="1"/>
+              <a:t>Extract</a:t>
+            </a:r>
+            <a:r>
+              <a:rPr lang="es-ES" sz="1600" dirty="0"/>
+              <a:t>, </a:t>
+            </a:r>
+            <a:r>
+              <a:rPr lang="es-ES" sz="1600" dirty="0" err="1"/>
+              <a:t>Transform</a:t>
+            </a:r>
+            <a:r>
+              <a:rPr lang="es-ES" sz="1600" dirty="0"/>
+              <a:t>, Load)</a:t>
+            </a:r>
+          </a:p>
+          <a:p>
+            <a:pPr algn="ctr"/>
+            <a:endParaRPr lang="es-ES" sz="1600" dirty="0"/>
+          </a:p>
+        </p:txBody>
+      </p:sp>
+      <p:pic>
+        <p:nvPicPr>
+          <p:cNvPr id="5" name="Imagen 4">
+            <a:extLst>
+              <a:ext uri="{FF2B5EF4-FFF2-40B4-BE49-F238E27FC236}">
+                <a16:creationId xmlns:a16="http://schemas.microsoft.com/office/drawing/2014/main" id="{8C5E63E2-640A-95E6-F82B-D3D5AAE57131}"/>
+              </a:ext>
+            </a:extLst>
+          </p:cNvPr>
+          <p:cNvPicPr>
+            <a:picLocks noChangeAspect="1"/>
+          </p:cNvPicPr>
+          <p:nvPr/>
+        </p:nvPicPr>
+        <p:blipFill>
+          <a:blip r:embed="rId3"/>
+          <a:stretch>
+            <a:fillRect/>
+          </a:stretch>
+        </p:blipFill>
+        <p:spPr>
+          <a:xfrm>
+            <a:off x="481006" y="764886"/>
+            <a:ext cx="2609850" cy="6010275"/>
+          </a:xfrm>
+          <a:prstGeom prst="rect">
+            <a:avLst/>
+          </a:prstGeom>
+        </p:spPr>
+      </p:pic>
     </p:spTree>
     <p:extLst>
       <p:ext uri="{BB962C8B-B14F-4D97-AF65-F5344CB8AC3E}">

--- a/CV-AJTR.pptx
+++ b/CV-AJTR.pptx
@@ -3106,84 +3106,6 @@
           <a:r>
             <a:rPr lang="es-ES" sz="1900" b="1" kern="1200" dirty="0">
               <a:solidFill>
-                <a:srgbClr val="7030A0"/>
-              </a:solidFill>
-            </a:rPr>
-            <a:t>4.1</a:t>
-          </a:r>
-          <a:r>
-            <a:rPr lang="es-ES" sz="1900" kern="1200" dirty="0">
-              <a:solidFill>
-                <a:schemeClr val="tx1"/>
-              </a:solidFill>
-            </a:rPr>
-            <a:t> Prevención </a:t>
-          </a:r>
-          <a:r>
-            <a:rPr lang="es-ES" sz="1900" b="1" kern="1200" dirty="0">
-              <a:solidFill>
-                <a:srgbClr val="7030A0"/>
-              </a:solidFill>
-            </a:rPr>
-            <a:t>4.2 </a:t>
-          </a:r>
-          <a:r>
-            <a:rPr lang="es-ES" sz="1900" kern="1200" dirty="0">
-              <a:solidFill>
-                <a:schemeClr val="tx1"/>
-              </a:solidFill>
-            </a:rPr>
-            <a:t>Detección</a:t>
-          </a:r>
-          <a:br>
-            <a:rPr lang="es-ES" sz="1900" kern="1200" dirty="0">
-              <a:solidFill>
-                <a:schemeClr val="tx1"/>
-              </a:solidFill>
-            </a:rPr>
-          </a:br>
-          <a:r>
-            <a:rPr lang="es-ES" sz="1900" b="1" kern="1200" dirty="0">
-              <a:solidFill>
-                <a:srgbClr val="7030A0"/>
-              </a:solidFill>
-            </a:rPr>
-            <a:t>4.3</a:t>
-          </a:r>
-          <a:r>
-            <a:rPr lang="es-ES" sz="1900" kern="1200" dirty="0">
-              <a:solidFill>
-                <a:schemeClr val="tx1"/>
-              </a:solidFill>
-            </a:rPr>
-            <a:t> Respuesta  </a:t>
-          </a:r>
-          <a:r>
-            <a:rPr lang="es-ES" sz="1900" b="1" kern="1200" dirty="0">
-              <a:solidFill>
-                <a:srgbClr val="7030A0"/>
-              </a:solidFill>
-            </a:rPr>
-            <a:t>4.4</a:t>
-          </a:r>
-          <a:r>
-            <a:rPr lang="es-ES" sz="1900" kern="1200" dirty="0">
-              <a:solidFill>
-                <a:schemeClr val="tx1"/>
-              </a:solidFill>
-            </a:rPr>
-            <a:t> Resiliencia </a:t>
-          </a:r>
-          <a:br>
-            <a:rPr lang="es-ES" sz="1900" kern="1200" dirty="0">
-              <a:solidFill>
-                <a:schemeClr val="tx1"/>
-              </a:solidFill>
-            </a:rPr>
-          </a:br>
-          <a:r>
-            <a:rPr lang="es-ES" sz="1900" b="1" kern="1200" dirty="0">
-              <a:solidFill>
                 <a:srgbClr val="FF0000"/>
               </a:solidFill>
             </a:rPr>
@@ -3559,77 +3481,6 @@
           <a:r>
             <a:rPr lang="es-ES" sz="1800" b="1" kern="1200" dirty="0">
               <a:solidFill>
-                <a:srgbClr val="7030A0"/>
-              </a:solidFill>
-            </a:rPr>
-            <a:t>4.1.1</a:t>
-          </a:r>
-          <a:r>
-            <a:rPr lang="es-ES" sz="1800" kern="1200" dirty="0">
-              <a:solidFill>
-                <a:schemeClr val="tx1"/>
-              </a:solidFill>
-            </a:rPr>
-            <a:t> Nessus, NMAP, Kali Linux, DSA   </a:t>
-          </a:r>
-          <a:r>
-            <a:rPr lang="es-ES" sz="1800" b="1" kern="1200" dirty="0">
-              <a:solidFill>
-                <a:srgbClr val="7030A0"/>
-              </a:solidFill>
-            </a:rPr>
-            <a:t>4.2.1</a:t>
-          </a:r>
-          <a:r>
-            <a:rPr lang="es-ES" sz="1800" kern="1200" dirty="0">
-              <a:solidFill>
-                <a:schemeClr val="tx1"/>
-              </a:solidFill>
-            </a:rPr>
-            <a:t> IDS, EDR, SIEM   </a:t>
-          </a:r>
-          <a:r>
-            <a:rPr lang="es-ES" sz="1800" b="1" kern="1200" dirty="0">
-              <a:solidFill>
-                <a:srgbClr val="7030A0"/>
-              </a:solidFill>
-            </a:rPr>
-            <a:t>4.3.1</a:t>
-          </a:r>
-          <a:r>
-            <a:rPr lang="es-ES" sz="1800" kern="1200" dirty="0">
-              <a:solidFill>
-                <a:schemeClr val="tx1"/>
-              </a:solidFill>
-            </a:rPr>
-            <a:t> IPS, FW, WAF, GPMC   </a:t>
-          </a:r>
-          <a:r>
-            <a:rPr lang="es-ES" sz="1800" b="1" kern="1200" dirty="0">
-              <a:solidFill>
-                <a:srgbClr val="7030A0"/>
-              </a:solidFill>
-            </a:rPr>
-            <a:t>4.4.1</a:t>
-          </a:r>
-          <a:r>
-            <a:rPr lang="es-ES" sz="1800" kern="1200" dirty="0">
-              <a:solidFill>
-                <a:schemeClr val="tx1"/>
-              </a:solidFill>
-            </a:rPr>
-            <a:t> HA, CDN</a:t>
-          </a:r>
-          <a:br>
-            <a:rPr lang="es-ES" sz="1800" kern="1200" dirty="0">
-              <a:solidFill>
-                <a:schemeClr val="tx1"/>
-              </a:solidFill>
-            </a:rPr>
-          </a:br>
-          <a:r>
-            <a:rPr lang="es-ES" sz="1800" b="1" kern="1200" dirty="0">
-              <a:solidFill>
                 <a:srgbClr val="FF0000"/>
               </a:solidFill>
             </a:rPr>
@@ -3809,47 +3660,6 @@
       </dgm:t>
     </dgm:pt>
     <dgm:pt modelId="{4ED85B4D-602F-4253-90CA-8C0D38078A32}" type="sibTrans" cxnId="{C44E28DA-4FB8-414B-8883-AFEC9D2163E0}">
-      <dgm:prSet/>
-      <dgm:spPr/>
-      <dgm:t>
-        <a:bodyPr/>
-        <a:lstStyle/>
-        <a:p>
-          <a:endParaRPr lang="es-ES"/>
-        </a:p>
-      </dgm:t>
-    </dgm:pt>
-    <dgm:pt modelId="{DCF284C0-A6B7-4E12-954C-54239F2C1303}">
-      <dgm:prSet phldrT="[Texto]" custT="1"/>
-      <dgm:spPr>
-        <a:solidFill>
-          <a:srgbClr val="7030A0"/>
-        </a:solidFill>
-      </dgm:spPr>
-      <dgm:t>
-        <a:bodyPr/>
-        <a:lstStyle/>
-        <a:p>
-          <a:pPr algn="l"/>
-          <a:r>
-            <a:rPr lang="es-ES" sz="2400" dirty="0"/>
-            <a:t>4 Cyber Security</a:t>
-          </a:r>
-        </a:p>
-      </dgm:t>
-    </dgm:pt>
-    <dgm:pt modelId="{3DB1642E-0E9E-41D4-A6E5-F0B82B8C0441}" type="parTrans" cxnId="{5B3DD3CA-25BA-412E-A289-E855BD36F63B}">
-      <dgm:prSet/>
-      <dgm:spPr/>
-      <dgm:t>
-        <a:bodyPr/>
-        <a:lstStyle/>
-        <a:p>
-          <a:endParaRPr lang="es-ES"/>
-        </a:p>
-      </dgm:t>
-    </dgm:pt>
-    <dgm:pt modelId="{063EB571-B978-4836-B9CC-396652387F66}" type="sibTrans" cxnId="{5B3DD3CA-25BA-412E-A289-E855BD36F63B}">
       <dgm:prSet/>
       <dgm:spPr/>
       <dgm:t>
@@ -4058,7 +3868,7 @@
       <dgm:spPr/>
     </dgm:pt>
     <dgm:pt modelId="{7AA399AB-355C-4204-80D3-7AECFDFF999E}" type="pres">
-      <dgm:prSet presAssocID="{8EE96F46-43D8-47B5-9D6E-05D096B6BB69}" presName="childNode" presStyleLbl="node1" presStyleIdx="0" presStyleCnt="9" custScaleX="181268" custLinFactY="-18256" custLinFactNeighborY="-100000">
+      <dgm:prSet presAssocID="{8EE96F46-43D8-47B5-9D6E-05D096B6BB69}" presName="childNode" presStyleLbl="node1" presStyleIdx="0" presStyleCnt="8" custScaleX="181268" custLinFactY="-18256" custLinFactNeighborY="-100000">
         <dgm:presLayoutVars>
           <dgm:bulletEnabled val="1"/>
         </dgm:presLayoutVars>
@@ -4070,7 +3880,7 @@
       <dgm:spPr/>
     </dgm:pt>
     <dgm:pt modelId="{3E591A46-0D94-4C22-A397-E0312A3D1145}" type="pres">
-      <dgm:prSet presAssocID="{AF8B5F44-5CD0-4F68-BFB8-7E8C7977EE56}" presName="childNode" presStyleLbl="node1" presStyleIdx="1" presStyleCnt="9" custScaleX="181268" custLinFactY="-18256" custLinFactNeighborY="-100000">
+      <dgm:prSet presAssocID="{AF8B5F44-5CD0-4F68-BFB8-7E8C7977EE56}" presName="childNode" presStyleLbl="node1" presStyleIdx="1" presStyleCnt="8" custScaleX="181268" custLinFactY="-18256" custLinFactNeighborY="-100000">
         <dgm:presLayoutVars>
           <dgm:bulletEnabled val="1"/>
         </dgm:presLayoutVars>
@@ -4082,7 +3892,7 @@
       <dgm:spPr/>
     </dgm:pt>
     <dgm:pt modelId="{9824309B-737B-4D15-89C6-88620A17313F}" type="pres">
-      <dgm:prSet presAssocID="{762570F4-3939-43AD-8AC4-1ECCC30BE75D}" presName="childNode" presStyleLbl="node1" presStyleIdx="2" presStyleCnt="9" custScaleX="181268" custLinFactY="-18256" custLinFactNeighborY="-100000">
+      <dgm:prSet presAssocID="{762570F4-3939-43AD-8AC4-1ECCC30BE75D}" presName="childNode" presStyleLbl="node1" presStyleIdx="2" presStyleCnt="8" custScaleX="181268" custLinFactY="-18256" custLinFactNeighborY="-100000">
         <dgm:presLayoutVars>
           <dgm:bulletEnabled val="1"/>
         </dgm:presLayoutVars>
@@ -4093,20 +3903,8 @@
       <dgm:prSet presAssocID="{762570F4-3939-43AD-8AC4-1ECCC30BE75D}" presName="aSpace2" presStyleCnt="0"/>
       <dgm:spPr/>
     </dgm:pt>
-    <dgm:pt modelId="{FC792778-402A-4259-8E6E-FF2028304AB6}" type="pres">
-      <dgm:prSet presAssocID="{DCF284C0-A6B7-4E12-954C-54239F2C1303}" presName="childNode" presStyleLbl="node1" presStyleIdx="3" presStyleCnt="9" custScaleX="181268" custLinFactY="-18256" custLinFactNeighborY="-100000">
-        <dgm:presLayoutVars>
-          <dgm:bulletEnabled val="1"/>
-        </dgm:presLayoutVars>
-      </dgm:prSet>
-      <dgm:spPr/>
-    </dgm:pt>
-    <dgm:pt modelId="{BDCE6304-FF4D-4FB2-9FE2-0CDE26174508}" type="pres">
-      <dgm:prSet presAssocID="{DCF284C0-A6B7-4E12-954C-54239F2C1303}" presName="aSpace2" presStyleCnt="0"/>
-      <dgm:spPr/>
-    </dgm:pt>
     <dgm:pt modelId="{84D55724-BBA1-4FE6-932B-88A7C58FF3B0}" type="pres">
-      <dgm:prSet presAssocID="{FC5C8F6C-B10E-4696-AE4B-ECAEAC6BF073}" presName="childNode" presStyleLbl="node1" presStyleIdx="4" presStyleCnt="9" custScaleX="181268" custLinFactY="-18256" custLinFactNeighborY="-100000">
+      <dgm:prSet presAssocID="{FC5C8F6C-B10E-4696-AE4B-ECAEAC6BF073}" presName="childNode" presStyleLbl="node1" presStyleIdx="3" presStyleCnt="8" custScaleX="181268" custLinFactY="-18256" custLinFactNeighborY="-100000">
         <dgm:presLayoutVars>
           <dgm:bulletEnabled val="1"/>
         </dgm:presLayoutVars>
@@ -4118,7 +3916,7 @@
       <dgm:spPr/>
     </dgm:pt>
     <dgm:pt modelId="{E97B479E-3F0B-43AA-AFFB-A4495597DFD4}" type="pres">
-      <dgm:prSet presAssocID="{D4BE62DB-80B4-4D03-8466-1007C554A7FA}" presName="childNode" presStyleLbl="node1" presStyleIdx="5" presStyleCnt="9" custScaleX="181268" custLinFactY="-18256" custLinFactNeighborY="-100000">
+      <dgm:prSet presAssocID="{D4BE62DB-80B4-4D03-8466-1007C554A7FA}" presName="childNode" presStyleLbl="node1" presStyleIdx="4" presStyleCnt="8" custScaleX="181268" custLinFactY="-18256" custLinFactNeighborY="-100000">
         <dgm:presLayoutVars>
           <dgm:bulletEnabled val="1"/>
         </dgm:presLayoutVars>
@@ -4130,7 +3928,7 @@
       <dgm:spPr/>
     </dgm:pt>
     <dgm:pt modelId="{5B071783-289B-483B-84CF-31FC62E5C8D5}" type="pres">
-      <dgm:prSet presAssocID="{2D4B959D-8A45-47D5-87A3-BE3728E560E4}" presName="childNode" presStyleLbl="node1" presStyleIdx="6" presStyleCnt="9" custScaleX="181268" custLinFactY="-18256" custLinFactNeighborY="-100000">
+      <dgm:prSet presAssocID="{2D4B959D-8A45-47D5-87A3-BE3728E560E4}" presName="childNode" presStyleLbl="node1" presStyleIdx="5" presStyleCnt="8" custScaleX="181268" custLinFactY="-18256" custLinFactNeighborY="-100000">
         <dgm:presLayoutVars>
           <dgm:bulletEnabled val="1"/>
         </dgm:presLayoutVars>
@@ -4172,7 +3970,7 @@
       <dgm:spPr/>
     </dgm:pt>
     <dgm:pt modelId="{2D5D52D8-9B81-4768-A7CB-E93EC92A7460}" type="pres">
-      <dgm:prSet presAssocID="{F0CB5344-13A6-4511-9C23-AB33D1905CDA}" presName="childNode" presStyleLbl="node1" presStyleIdx="7" presStyleCnt="9" custScaleX="257231" custScaleY="109683" custLinFactNeighborX="2866">
+      <dgm:prSet presAssocID="{F0CB5344-13A6-4511-9C23-AB33D1905CDA}" presName="childNode" presStyleLbl="node1" presStyleIdx="6" presStyleCnt="8" custScaleX="257231" custScaleY="109683" custLinFactNeighborX="2866">
         <dgm:presLayoutVars>
           <dgm:bulletEnabled val="1"/>
         </dgm:presLayoutVars>
@@ -4214,7 +4012,7 @@
       <dgm:spPr/>
     </dgm:pt>
     <dgm:pt modelId="{8338766F-F19C-452C-ACBE-1124DED4EE91}" type="pres">
-      <dgm:prSet presAssocID="{FD8A3556-9942-4423-A013-62B0820F5BC8}" presName="childNode" presStyleLbl="node1" presStyleIdx="8" presStyleCnt="9" custScaleX="321959" custScaleY="131158" custLinFactNeighborX="153" custLinFactNeighborY="-5136">
+      <dgm:prSet presAssocID="{FD8A3556-9942-4423-A013-62B0820F5BC8}" presName="childNode" presStyleLbl="node1" presStyleIdx="7" presStyleCnt="8" custScaleX="321959" custScaleY="131158" custLinFactNeighborX="153" custLinFactNeighborY="-5136">
         <dgm:presLayoutVars>
           <dgm:bulletEnabled val="1"/>
         </dgm:presLayoutVars>
@@ -4227,13 +4025,12 @@
     <dgm:cxn modelId="{21E5F309-7CAC-482A-A8EE-8F40149E67E9}" type="presOf" srcId="{6B1441A6-42C9-48AB-8A1F-475F0961D9C9}" destId="{D2E20C87-F0A8-4BBE-AE0E-797C2EB0C3A3}" srcOrd="1" destOrd="0" presId="urn:microsoft.com/office/officeart/2005/8/layout/lProcess2"/>
     <dgm:cxn modelId="{9DADCA12-EA6F-4953-8869-5E9F04A29496}" srcId="{617510CF-EBBC-438F-848A-3292E685F6F6}" destId="{762570F4-3939-43AD-8AC4-1ECCC30BE75D}" srcOrd="2" destOrd="0" parTransId="{74F80BCB-B8C0-4D09-BA30-E552205F8888}" sibTransId="{A4F88485-7842-4E75-97B6-6EE83C9710A3}"/>
     <dgm:cxn modelId="{D0BA6328-52C6-467B-9353-88EC9E21318E}" type="presOf" srcId="{F204B375-E432-491C-B317-E0CFBB0B1CB3}" destId="{78F56DE7-56BE-46A1-883B-FFC013401691}" srcOrd="0" destOrd="0" presId="urn:microsoft.com/office/officeart/2005/8/layout/lProcess2"/>
-    <dgm:cxn modelId="{7DAAC82F-BC30-48F1-8581-0C18C7A0A64E}" srcId="{617510CF-EBBC-438F-848A-3292E685F6F6}" destId="{FC5C8F6C-B10E-4696-AE4B-ECAEAC6BF073}" srcOrd="4" destOrd="0" parTransId="{6C4ADE00-AA3B-4518-BC34-C72DDADCA93C}" sibTransId="{115FF73F-A822-4EB7-8BF6-235B3C7583A4}"/>
+    <dgm:cxn modelId="{7DAAC82F-BC30-48F1-8581-0C18C7A0A64E}" srcId="{617510CF-EBBC-438F-848A-3292E685F6F6}" destId="{FC5C8F6C-B10E-4696-AE4B-ECAEAC6BF073}" srcOrd="3" destOrd="0" parTransId="{6C4ADE00-AA3B-4518-BC34-C72DDADCA93C}" sibTransId="{115FF73F-A822-4EB7-8BF6-235B3C7583A4}"/>
     <dgm:cxn modelId="{0B089A34-6442-43C7-BBED-47398A316D94}" type="presOf" srcId="{617510CF-EBBC-438F-848A-3292E685F6F6}" destId="{968EEAC2-B675-47FC-9364-2A95E0BF0547}" srcOrd="1" destOrd="0" presId="urn:microsoft.com/office/officeart/2005/8/layout/lProcess2"/>
     <dgm:cxn modelId="{33910F5E-5757-445B-B213-A322E0AFD971}" type="presOf" srcId="{F0CB5344-13A6-4511-9C23-AB33D1905CDA}" destId="{2D5D52D8-9B81-4768-A7CB-E93EC92A7460}" srcOrd="0" destOrd="0" presId="urn:microsoft.com/office/officeart/2005/8/layout/lProcess2"/>
     <dgm:cxn modelId="{C86C5C61-126A-4AD5-A654-6BF0B73FB838}" type="presOf" srcId="{617510CF-EBBC-438F-848A-3292E685F6F6}" destId="{40E0167C-FED4-4A88-858C-99CCC245FE6D}" srcOrd="0" destOrd="0" presId="urn:microsoft.com/office/officeart/2005/8/layout/lProcess2"/>
-    <dgm:cxn modelId="{8468B568-85BE-48E9-A5C6-761C202BC732}" srcId="{617510CF-EBBC-438F-848A-3292E685F6F6}" destId="{D4BE62DB-80B4-4D03-8466-1007C554A7FA}" srcOrd="5" destOrd="0" parTransId="{DD8AFB82-AF10-4A84-BD39-F60FE74256B4}" sibTransId="{F29183E1-D535-47B1-B09A-79A6C595E628}"/>
-    <dgm:cxn modelId="{46233C49-C6FD-438E-8C31-F642DD539228}" srcId="{617510CF-EBBC-438F-848A-3292E685F6F6}" destId="{2D4B959D-8A45-47D5-87A3-BE3728E560E4}" srcOrd="6" destOrd="0" parTransId="{568883D5-80AE-4801-B8B3-B91E3F0D8C77}" sibTransId="{5C307575-1627-499D-A59E-628147E5DB6C}"/>
-    <dgm:cxn modelId="{C710E649-16C9-4CC8-B210-AD09E83F0146}" type="presOf" srcId="{DCF284C0-A6B7-4E12-954C-54239F2C1303}" destId="{FC792778-402A-4259-8E6E-FF2028304AB6}" srcOrd="0" destOrd="0" presId="urn:microsoft.com/office/officeart/2005/8/layout/lProcess2"/>
+    <dgm:cxn modelId="{8468B568-85BE-48E9-A5C6-761C202BC732}" srcId="{617510CF-EBBC-438F-848A-3292E685F6F6}" destId="{D4BE62DB-80B4-4D03-8466-1007C554A7FA}" srcOrd="4" destOrd="0" parTransId="{DD8AFB82-AF10-4A84-BD39-F60FE74256B4}" sibTransId="{F29183E1-D535-47B1-B09A-79A6C595E628}"/>
+    <dgm:cxn modelId="{46233C49-C6FD-438E-8C31-F642DD539228}" srcId="{617510CF-EBBC-438F-848A-3292E685F6F6}" destId="{2D4B959D-8A45-47D5-87A3-BE3728E560E4}" srcOrd="5" destOrd="0" parTransId="{568883D5-80AE-4801-B8B3-B91E3F0D8C77}" sibTransId="{5C307575-1627-499D-A59E-628147E5DB6C}"/>
     <dgm:cxn modelId="{CDE2C576-AAF6-4813-9F0F-C4E7BBF2E557}" srcId="{F204B375-E432-491C-B317-E0CFBB0B1CB3}" destId="{617510CF-EBBC-438F-848A-3292E685F6F6}" srcOrd="0" destOrd="0" parTransId="{4A125CFA-9086-4D64-B32E-EF1F3A37345B}" sibTransId="{93CBD815-0D9A-447B-ABA8-11AB6A5FCEDC}"/>
     <dgm:cxn modelId="{C425BC59-EC64-48D7-84BC-14B86581A956}" type="presOf" srcId="{D4BE62DB-80B4-4D03-8466-1007C554A7FA}" destId="{E97B479E-3F0B-43AA-AFFB-A4495597DFD4}" srcOrd="0" destOrd="0" presId="urn:microsoft.com/office/officeart/2005/8/layout/lProcess2"/>
     <dgm:cxn modelId="{CB558880-1342-42F5-8E54-C17B63C82E6A}" type="presOf" srcId="{FD8A3556-9942-4423-A013-62B0820F5BC8}" destId="{8338766F-F19C-452C-ACBE-1124DED4EE91}" srcOrd="0" destOrd="0" presId="urn:microsoft.com/office/officeart/2005/8/layout/lProcess2"/>
@@ -4243,7 +4040,6 @@
     <dgm:cxn modelId="{9EBB12AE-1D21-4B02-A8C9-2D204349DF7D}" type="presOf" srcId="{E2DD3D1B-7AA2-459A-9E89-F305CACA032B}" destId="{FCFAA177-D9CC-452C-8A31-855A4B232633}" srcOrd="1" destOrd="0" presId="urn:microsoft.com/office/officeart/2005/8/layout/lProcess2"/>
     <dgm:cxn modelId="{8DE242BA-45B2-4C02-8F28-4611B22E2388}" srcId="{F204B375-E432-491C-B317-E0CFBB0B1CB3}" destId="{6B1441A6-42C9-48AB-8A1F-475F0961D9C9}" srcOrd="1" destOrd="0" parTransId="{08F34BD4-DFA7-449B-8531-61CA337227C5}" sibTransId="{BB1EAC59-EC43-4CD8-8A18-E2DF4A70BE5F}"/>
     <dgm:cxn modelId="{8467DCC5-6643-441C-BA28-D69E78E2CF7F}" srcId="{617510CF-EBBC-438F-848A-3292E685F6F6}" destId="{8EE96F46-43D8-47B5-9D6E-05D096B6BB69}" srcOrd="0" destOrd="0" parTransId="{8C7BD315-D9C1-4F67-B091-28436E6A2060}" sibTransId="{EE84D86A-4D04-4289-929D-236FC12FE773}"/>
-    <dgm:cxn modelId="{5B3DD3CA-25BA-412E-A289-E855BD36F63B}" srcId="{617510CF-EBBC-438F-848A-3292E685F6F6}" destId="{DCF284C0-A6B7-4E12-954C-54239F2C1303}" srcOrd="3" destOrd="0" parTransId="{3DB1642E-0E9E-41D4-A6E5-F0B82B8C0441}" sibTransId="{063EB571-B978-4836-B9CC-396652387F66}"/>
     <dgm:cxn modelId="{1E45A2D4-D8C9-430E-87FB-08FDFE809CFA}" type="presOf" srcId="{8EE96F46-43D8-47B5-9D6E-05D096B6BB69}" destId="{7AA399AB-355C-4204-80D3-7AECFDFF999E}" srcOrd="0" destOrd="0" presId="urn:microsoft.com/office/officeart/2005/8/layout/lProcess2"/>
     <dgm:cxn modelId="{C44E28DA-4FB8-414B-8883-AFEC9D2163E0}" srcId="{E2DD3D1B-7AA2-459A-9E89-F305CACA032B}" destId="{FD8A3556-9942-4423-A013-62B0820F5BC8}" srcOrd="0" destOrd="0" parTransId="{A278D03A-676B-4F94-81E8-40D526AA1E65}" sibTransId="{4ED85B4D-602F-4253-90CA-8C0D38078A32}"/>
     <dgm:cxn modelId="{7CD8E7DA-476D-4BCF-BE9F-596D2ED7EC5B}" type="presOf" srcId="{FC5C8F6C-B10E-4696-AE4B-ECAEAC6BF073}" destId="{84D55724-BBA1-4FE6-932B-88A7C58FF3B0}" srcOrd="0" destOrd="0" presId="urn:microsoft.com/office/officeart/2005/8/layout/lProcess2"/>
@@ -4262,13 +4058,11 @@
     <dgm:cxn modelId="{283FF956-033F-4DD5-883D-22E1C5A024FA}" type="presParOf" srcId="{183AFF36-A7F9-45DE-B0D6-097AAC260197}" destId="{C087CD76-EF4F-4F89-9FC2-E00D533C5527}" srcOrd="3" destOrd="0" presId="urn:microsoft.com/office/officeart/2005/8/layout/lProcess2"/>
     <dgm:cxn modelId="{439BE406-6397-4876-97CF-C8F790CA3E05}" type="presParOf" srcId="{183AFF36-A7F9-45DE-B0D6-097AAC260197}" destId="{9824309B-737B-4D15-89C6-88620A17313F}" srcOrd="4" destOrd="0" presId="urn:microsoft.com/office/officeart/2005/8/layout/lProcess2"/>
     <dgm:cxn modelId="{CCB0D473-6AF2-4D5C-A420-50ACD0858C46}" type="presParOf" srcId="{183AFF36-A7F9-45DE-B0D6-097AAC260197}" destId="{54C65FBD-1135-4181-B72F-0C47EB544C68}" srcOrd="5" destOrd="0" presId="urn:microsoft.com/office/officeart/2005/8/layout/lProcess2"/>
-    <dgm:cxn modelId="{DF491FE3-990E-44F7-BD21-F526362C2011}" type="presParOf" srcId="{183AFF36-A7F9-45DE-B0D6-097AAC260197}" destId="{FC792778-402A-4259-8E6E-FF2028304AB6}" srcOrd="6" destOrd="0" presId="urn:microsoft.com/office/officeart/2005/8/layout/lProcess2"/>
-    <dgm:cxn modelId="{55038129-C519-4CC8-8EA3-60EE496A3CE5}" type="presParOf" srcId="{183AFF36-A7F9-45DE-B0D6-097AAC260197}" destId="{BDCE6304-FF4D-4FB2-9FE2-0CDE26174508}" srcOrd="7" destOrd="0" presId="urn:microsoft.com/office/officeart/2005/8/layout/lProcess2"/>
-    <dgm:cxn modelId="{E17D6931-B3CB-4CE6-BB0C-81A2CCD6C07C}" type="presParOf" srcId="{183AFF36-A7F9-45DE-B0D6-097AAC260197}" destId="{84D55724-BBA1-4FE6-932B-88A7C58FF3B0}" srcOrd="8" destOrd="0" presId="urn:microsoft.com/office/officeart/2005/8/layout/lProcess2"/>
-    <dgm:cxn modelId="{83F8EDBE-7625-4A7B-95E3-92C09328FD60}" type="presParOf" srcId="{183AFF36-A7F9-45DE-B0D6-097AAC260197}" destId="{71D38BCA-9C76-491E-A66E-968A1F99BA14}" srcOrd="9" destOrd="0" presId="urn:microsoft.com/office/officeart/2005/8/layout/lProcess2"/>
-    <dgm:cxn modelId="{1CC85445-7606-4D91-8878-18B2F86884DB}" type="presParOf" srcId="{183AFF36-A7F9-45DE-B0D6-097AAC260197}" destId="{E97B479E-3F0B-43AA-AFFB-A4495597DFD4}" srcOrd="10" destOrd="0" presId="urn:microsoft.com/office/officeart/2005/8/layout/lProcess2"/>
-    <dgm:cxn modelId="{92D554DA-0263-4463-9C26-7634C842F761}" type="presParOf" srcId="{183AFF36-A7F9-45DE-B0D6-097AAC260197}" destId="{8034903D-FCA7-4EAB-8179-E4B0D88E7CD3}" srcOrd="11" destOrd="0" presId="urn:microsoft.com/office/officeart/2005/8/layout/lProcess2"/>
-    <dgm:cxn modelId="{FFAAE30A-7E4E-4118-8F6D-CFB4C9B93315}" type="presParOf" srcId="{183AFF36-A7F9-45DE-B0D6-097AAC260197}" destId="{5B071783-289B-483B-84CF-31FC62E5C8D5}" srcOrd="12" destOrd="0" presId="urn:microsoft.com/office/officeart/2005/8/layout/lProcess2"/>
+    <dgm:cxn modelId="{E17D6931-B3CB-4CE6-BB0C-81A2CCD6C07C}" type="presParOf" srcId="{183AFF36-A7F9-45DE-B0D6-097AAC260197}" destId="{84D55724-BBA1-4FE6-932B-88A7C58FF3B0}" srcOrd="6" destOrd="0" presId="urn:microsoft.com/office/officeart/2005/8/layout/lProcess2"/>
+    <dgm:cxn modelId="{83F8EDBE-7625-4A7B-95E3-92C09328FD60}" type="presParOf" srcId="{183AFF36-A7F9-45DE-B0D6-097AAC260197}" destId="{71D38BCA-9C76-491E-A66E-968A1F99BA14}" srcOrd="7" destOrd="0" presId="urn:microsoft.com/office/officeart/2005/8/layout/lProcess2"/>
+    <dgm:cxn modelId="{1CC85445-7606-4D91-8878-18B2F86884DB}" type="presParOf" srcId="{183AFF36-A7F9-45DE-B0D6-097AAC260197}" destId="{E97B479E-3F0B-43AA-AFFB-A4495597DFD4}" srcOrd="8" destOrd="0" presId="urn:microsoft.com/office/officeart/2005/8/layout/lProcess2"/>
+    <dgm:cxn modelId="{92D554DA-0263-4463-9C26-7634C842F761}" type="presParOf" srcId="{183AFF36-A7F9-45DE-B0D6-097AAC260197}" destId="{8034903D-FCA7-4EAB-8179-E4B0D88E7CD3}" srcOrd="9" destOrd="0" presId="urn:microsoft.com/office/officeart/2005/8/layout/lProcess2"/>
+    <dgm:cxn modelId="{FFAAE30A-7E4E-4118-8F6D-CFB4C9B93315}" type="presParOf" srcId="{183AFF36-A7F9-45DE-B0D6-097AAC260197}" destId="{5B071783-289B-483B-84CF-31FC62E5C8D5}" srcOrd="10" destOrd="0" presId="urn:microsoft.com/office/officeart/2005/8/layout/lProcess2"/>
     <dgm:cxn modelId="{9A1212C2-584A-4A4D-A5CE-216E0170FDC7}" type="presParOf" srcId="{78F56DE7-56BE-46A1-883B-FFC013401691}" destId="{41EFC72D-1E3E-4D27-B8CE-B38E9C8CA320}" srcOrd="1" destOrd="0" presId="urn:microsoft.com/office/officeart/2005/8/layout/lProcess2"/>
     <dgm:cxn modelId="{10E00CD7-C50D-4B64-8FA5-4C3066234383}" type="presParOf" srcId="{78F56DE7-56BE-46A1-883B-FFC013401691}" destId="{70484B74-718F-4441-B105-3ACB48631C1A}" srcOrd="2" destOrd="0" presId="urn:microsoft.com/office/officeart/2005/8/layout/lProcess2"/>
     <dgm:cxn modelId="{542FF5BD-80BA-4679-AC17-E84F0C0B7099}" type="presParOf" srcId="{70484B74-718F-4441-B105-3ACB48631C1A}" destId="{76C269B4-E573-4082-B332-7874042342EA}" srcOrd="0" destOrd="0" presId="urn:microsoft.com/office/officeart/2005/8/layout/lProcess2"/>
@@ -4680,84 +4474,6 @@
           <a:r>
             <a:rPr lang="es-ES" sz="1900" b="1" kern="1200" dirty="0">
               <a:solidFill>
-                <a:srgbClr val="7030A0"/>
-              </a:solidFill>
-            </a:rPr>
-            <a:t>4.1</a:t>
-          </a:r>
-          <a:r>
-            <a:rPr lang="es-ES" sz="1900" kern="1200" dirty="0">
-              <a:solidFill>
-                <a:schemeClr val="tx1"/>
-              </a:solidFill>
-            </a:rPr>
-            <a:t> Prevention </a:t>
-          </a:r>
-          <a:r>
-            <a:rPr lang="es-ES" sz="1900" b="1" kern="1200" dirty="0">
-              <a:solidFill>
-                <a:srgbClr val="7030A0"/>
-              </a:solidFill>
-            </a:rPr>
-            <a:t>4.2 </a:t>
-          </a:r>
-          <a:r>
-            <a:rPr lang="es-ES" sz="1900" kern="1200" dirty="0">
-              <a:solidFill>
-                <a:schemeClr val="tx1"/>
-              </a:solidFill>
-            </a:rPr>
-            <a:t>Detection</a:t>
-          </a:r>
-          <a:br>
-            <a:rPr lang="es-ES" sz="1900" kern="1200" dirty="0">
-              <a:solidFill>
-                <a:schemeClr val="tx1"/>
-              </a:solidFill>
-            </a:rPr>
-          </a:br>
-          <a:r>
-            <a:rPr lang="es-ES" sz="1900" b="1" kern="1200" dirty="0">
-              <a:solidFill>
-                <a:srgbClr val="7030A0"/>
-              </a:solidFill>
-            </a:rPr>
-            <a:t>4.3</a:t>
-          </a:r>
-          <a:r>
-            <a:rPr lang="es-ES" sz="1900" kern="1200" dirty="0">
-              <a:solidFill>
-                <a:schemeClr val="tx1"/>
-              </a:solidFill>
-            </a:rPr>
-            <a:t> Response  </a:t>
-          </a:r>
-          <a:r>
-            <a:rPr lang="es-ES" sz="1900" b="1" kern="1200" dirty="0">
-              <a:solidFill>
-                <a:srgbClr val="7030A0"/>
-              </a:solidFill>
-            </a:rPr>
-            <a:t>4.4</a:t>
-          </a:r>
-          <a:r>
-            <a:rPr lang="es-ES" sz="1900" kern="1200" dirty="0">
-              <a:solidFill>
-                <a:schemeClr val="tx1"/>
-              </a:solidFill>
-            </a:rPr>
-            <a:t> Resilience </a:t>
-          </a:r>
-          <a:br>
-            <a:rPr lang="es-ES" sz="1900" kern="1200" dirty="0">
-              <a:solidFill>
-                <a:schemeClr val="tx1"/>
-              </a:solidFill>
-            </a:rPr>
-          </a:br>
-          <a:r>
-            <a:rPr lang="es-ES" sz="1900" b="1" kern="1200" dirty="0">
-              <a:solidFill>
                 <a:srgbClr val="FF0000"/>
               </a:solidFill>
             </a:rPr>
@@ -5133,10 +4849,10 @@
           <a:r>
             <a:rPr lang="es-ES" sz="1800" b="1" kern="1200" dirty="0">
               <a:solidFill>
-                <a:srgbClr val="7030A0"/>
-              </a:solidFill>
-            </a:rPr>
-            <a:t>4.1.1</a:t>
+                <a:srgbClr val="FF0000"/>
+              </a:solidFill>
+            </a:rPr>
+            <a:t>5.1.1</a:t>
           </a:r>
           <a:r>
             <a:rPr lang="es-ES" sz="1800" kern="1200" dirty="0">
@@ -5144,55 +4860,7 @@
                 <a:schemeClr val="tx1"/>
               </a:solidFill>
             </a:rPr>
-            <a:t> Nessus, NMAP, Kali Linux, DSA   </a:t>
-          </a:r>
-          <a:r>
-            <a:rPr lang="es-ES" sz="1800" b="1" kern="1200" dirty="0">
-              <a:solidFill>
-                <a:srgbClr val="7030A0"/>
-              </a:solidFill>
-            </a:rPr>
-            <a:t>4.2.1</a:t>
-          </a:r>
-          <a:r>
-            <a:rPr lang="es-ES" sz="1800" kern="1200" dirty="0">
-              <a:solidFill>
-                <a:schemeClr val="tx1"/>
-              </a:solidFill>
-            </a:rPr>
-            <a:t> IDS, EDR, SIEM   </a:t>
-          </a:r>
-          <a:r>
-            <a:rPr lang="es-ES" sz="1800" b="1" kern="1200" dirty="0">
-              <a:solidFill>
-                <a:srgbClr val="7030A0"/>
-              </a:solidFill>
-            </a:rPr>
-            <a:t>4.3.1</a:t>
-          </a:r>
-          <a:r>
-            <a:rPr lang="es-ES" sz="1800" kern="1200" dirty="0">
-              <a:solidFill>
-                <a:schemeClr val="tx1"/>
-              </a:solidFill>
-            </a:rPr>
-            <a:t> IPS, FW, WAF, GPMC   </a:t>
-          </a:r>
-          <a:r>
-            <a:rPr lang="es-ES" sz="1800" b="1" kern="1200" dirty="0">
-              <a:solidFill>
-                <a:srgbClr val="7030A0"/>
-              </a:solidFill>
-            </a:rPr>
-            <a:t>4.4.1</a:t>
-          </a:r>
-          <a:r>
-            <a:rPr lang="es-ES" sz="1800" kern="1200" dirty="0">
-              <a:solidFill>
-                <a:schemeClr val="tx1"/>
-              </a:solidFill>
-            </a:rPr>
-            <a:t> HA, CDN</a:t>
+            <a:t> Router, Switch, HSM, Diode, Proxy, VM, CMDB, AD, Windows, UNIX   </a:t>
           </a:r>
           <a:br>
             <a:rPr lang="es-ES" sz="1800" kern="1200" dirty="0">
@@ -5207,7 +4875,7 @@
                 <a:srgbClr val="FF0000"/>
               </a:solidFill>
             </a:rPr>
-            <a:t>5.1.1</a:t>
+            <a:t>5.2.1</a:t>
           </a:r>
           <a:r>
             <a:rPr lang="es-ES" sz="1800" kern="1200" dirty="0">
@@ -5215,7 +4883,23 @@
                 <a:schemeClr val="tx1"/>
               </a:solidFill>
             </a:rPr>
-            <a:t> Router, Switch, HSM, Diode, Proxy, VM, CMDB, AD, Windows, UNIX   </a:t>
+            <a:t> Azure, O365   </a:t>
+          </a:r>
+          <a:r>
+            <a:rPr lang="es-ES" sz="1800" b="1" kern="1200" dirty="0">
+              <a:solidFill>
+                <a:srgbClr val="FF0000"/>
+              </a:solidFill>
+            </a:rPr>
+            <a:t>5.2.2</a:t>
+          </a:r>
+          <a:r>
+            <a:rPr lang="es-ES" sz="1800" kern="1200" dirty="0">
+              <a:solidFill>
+                <a:schemeClr val="tx1"/>
+              </a:solidFill>
+            </a:rPr>
+            <a:t> GCP </a:t>
           </a:r>
           <a:br>
             <a:rPr lang="es-ES" sz="1800" kern="1200" dirty="0">
@@ -5227,10 +4911,10 @@
           <a:r>
             <a:rPr lang="es-ES" sz="1800" b="1" kern="1200" dirty="0">
               <a:solidFill>
-                <a:srgbClr val="FF0000"/>
-              </a:solidFill>
-            </a:rPr>
-            <a:t>5.2.1</a:t>
+                <a:schemeClr val="accent5"/>
+              </a:solidFill>
+            </a:rPr>
+            <a:t>6.1.1</a:t>
           </a:r>
           <a:r>
             <a:rPr lang="es-ES" sz="1800" kern="1200" dirty="0">
@@ -5238,23 +4922,7 @@
                 <a:schemeClr val="tx1"/>
               </a:solidFill>
             </a:rPr>
-            <a:t> Azure, O365   </a:t>
-          </a:r>
-          <a:r>
-            <a:rPr lang="es-ES" sz="1800" b="1" kern="1200" dirty="0">
-              <a:solidFill>
-                <a:srgbClr val="FF0000"/>
-              </a:solidFill>
-            </a:rPr>
-            <a:t>5.2.2</a:t>
-          </a:r>
-          <a:r>
-            <a:rPr lang="es-ES" sz="1800" kern="1200" dirty="0">
-              <a:solidFill>
-                <a:schemeClr val="tx1"/>
-              </a:solidFill>
-            </a:rPr>
-            <a:t> GCP </a:t>
+            <a:t> HTML5, CSS3, JQUERY, Javascript</a:t>
           </a:r>
           <a:br>
             <a:rPr lang="es-ES" sz="1800" kern="1200" dirty="0">
@@ -5269,7 +4937,7 @@
                 <a:schemeClr val="accent5"/>
               </a:solidFill>
             </a:rPr>
-            <a:t>6.1.1</a:t>
+            <a:t>6.2.1</a:t>
           </a:r>
           <a:r>
             <a:rPr lang="es-ES" sz="1800" kern="1200" dirty="0">
@@ -5277,33 +4945,10 @@
                 <a:schemeClr val="tx1"/>
               </a:solidFill>
             </a:rPr>
-            <a:t> HTML5, CSS3, JQUERY, Javascript</a:t>
-          </a:r>
-          <a:br>
-            <a:rPr lang="es-ES" sz="1800" kern="1200" dirty="0">
-              <a:solidFill>
-                <a:schemeClr val="tx1"/>
-              </a:solidFill>
-            </a:rPr>
-          </a:br>
-          <a:r>
-            <a:rPr lang="es-ES" sz="1800" b="1" kern="1200" dirty="0">
-              <a:solidFill>
-                <a:schemeClr val="accent5"/>
-              </a:solidFill>
-            </a:rPr>
-            <a:t>6.2.1</a:t>
-          </a:r>
-          <a:r>
-            <a:rPr lang="es-ES" sz="1800" kern="1200" dirty="0">
-              <a:solidFill>
-                <a:schemeClr val="tx1"/>
-              </a:solidFill>
-            </a:rPr>
             <a:t> SQL, Java, C, C#, Python, Dart/Flutter, PHP/Symfony, API, PowerShell, VS, Android, iOS, </a:t>
           </a:r>
           <a:r>
-            <a:rPr lang="es-ES" sz="1800" kern="1200">
+            <a:rPr lang="es-ES" sz="1800" kern="1200" dirty="0" err="1">
               <a:solidFill>
                 <a:schemeClr val="tx1"/>
               </a:solidFill>
@@ -5383,47 +5028,6 @@
       </dgm:t>
     </dgm:pt>
     <dgm:pt modelId="{4ED85B4D-602F-4253-90CA-8C0D38078A32}" type="sibTrans" cxnId="{C44E28DA-4FB8-414B-8883-AFEC9D2163E0}">
-      <dgm:prSet/>
-      <dgm:spPr/>
-      <dgm:t>
-        <a:bodyPr/>
-        <a:lstStyle/>
-        <a:p>
-          <a:endParaRPr lang="es-ES"/>
-        </a:p>
-      </dgm:t>
-    </dgm:pt>
-    <dgm:pt modelId="{DCF284C0-A6B7-4E12-954C-54239F2C1303}">
-      <dgm:prSet phldrT="[Texto]" custT="1"/>
-      <dgm:spPr>
-        <a:solidFill>
-          <a:srgbClr val="7030A0"/>
-        </a:solidFill>
-      </dgm:spPr>
-      <dgm:t>
-        <a:bodyPr/>
-        <a:lstStyle/>
-        <a:p>
-          <a:pPr algn="l"/>
-          <a:r>
-            <a:rPr lang="es-ES" sz="2400" dirty="0"/>
-            <a:t>4 Cyber Security</a:t>
-          </a:r>
-        </a:p>
-      </dgm:t>
-    </dgm:pt>
-    <dgm:pt modelId="{3DB1642E-0E9E-41D4-A6E5-F0B82B8C0441}" type="parTrans" cxnId="{5B3DD3CA-25BA-412E-A289-E855BD36F63B}">
-      <dgm:prSet/>
-      <dgm:spPr/>
-      <dgm:t>
-        <a:bodyPr/>
-        <a:lstStyle/>
-        <a:p>
-          <a:endParaRPr lang="es-ES"/>
-        </a:p>
-      </dgm:t>
-    </dgm:pt>
-    <dgm:pt modelId="{063EB571-B978-4836-B9CC-396652387F66}" type="sibTrans" cxnId="{5B3DD3CA-25BA-412E-A289-E855BD36F63B}">
       <dgm:prSet/>
       <dgm:spPr/>
       <dgm:t>
@@ -5632,7 +5236,7 @@
       <dgm:spPr/>
     </dgm:pt>
     <dgm:pt modelId="{7AA399AB-355C-4204-80D3-7AECFDFF999E}" type="pres">
-      <dgm:prSet presAssocID="{8EE96F46-43D8-47B5-9D6E-05D096B6BB69}" presName="childNode" presStyleLbl="node1" presStyleIdx="0" presStyleCnt="9" custScaleX="181268" custLinFactY="-18256" custLinFactNeighborY="-100000">
+      <dgm:prSet presAssocID="{8EE96F46-43D8-47B5-9D6E-05D096B6BB69}" presName="childNode" presStyleLbl="node1" presStyleIdx="0" presStyleCnt="8" custScaleX="181268" custLinFactY="-18256" custLinFactNeighborY="-100000">
         <dgm:presLayoutVars>
           <dgm:bulletEnabled val="1"/>
         </dgm:presLayoutVars>
@@ -5644,7 +5248,7 @@
       <dgm:spPr/>
     </dgm:pt>
     <dgm:pt modelId="{3E591A46-0D94-4C22-A397-E0312A3D1145}" type="pres">
-      <dgm:prSet presAssocID="{AF8B5F44-5CD0-4F68-BFB8-7E8C7977EE56}" presName="childNode" presStyleLbl="node1" presStyleIdx="1" presStyleCnt="9" custScaleX="181268" custLinFactY="-18256" custLinFactNeighborY="-100000">
+      <dgm:prSet presAssocID="{AF8B5F44-5CD0-4F68-BFB8-7E8C7977EE56}" presName="childNode" presStyleLbl="node1" presStyleIdx="1" presStyleCnt="8" custScaleX="181268" custLinFactY="-18256" custLinFactNeighborY="-100000">
         <dgm:presLayoutVars>
           <dgm:bulletEnabled val="1"/>
         </dgm:presLayoutVars>
@@ -5656,7 +5260,7 @@
       <dgm:spPr/>
     </dgm:pt>
     <dgm:pt modelId="{9824309B-737B-4D15-89C6-88620A17313F}" type="pres">
-      <dgm:prSet presAssocID="{762570F4-3939-43AD-8AC4-1ECCC30BE75D}" presName="childNode" presStyleLbl="node1" presStyleIdx="2" presStyleCnt="9" custScaleX="181268" custLinFactY="-18256" custLinFactNeighborY="-100000">
+      <dgm:prSet presAssocID="{762570F4-3939-43AD-8AC4-1ECCC30BE75D}" presName="childNode" presStyleLbl="node1" presStyleIdx="2" presStyleCnt="8" custScaleX="181268" custLinFactY="-18256" custLinFactNeighborY="-100000">
         <dgm:presLayoutVars>
           <dgm:bulletEnabled val="1"/>
         </dgm:presLayoutVars>
@@ -5667,20 +5271,8 @@
       <dgm:prSet presAssocID="{762570F4-3939-43AD-8AC4-1ECCC30BE75D}" presName="aSpace2" presStyleCnt="0"/>
       <dgm:spPr/>
     </dgm:pt>
-    <dgm:pt modelId="{FC792778-402A-4259-8E6E-FF2028304AB6}" type="pres">
-      <dgm:prSet presAssocID="{DCF284C0-A6B7-4E12-954C-54239F2C1303}" presName="childNode" presStyleLbl="node1" presStyleIdx="3" presStyleCnt="9" custScaleX="181268" custLinFactY="-18256" custLinFactNeighborY="-100000">
-        <dgm:presLayoutVars>
-          <dgm:bulletEnabled val="1"/>
-        </dgm:presLayoutVars>
-      </dgm:prSet>
-      <dgm:spPr/>
-    </dgm:pt>
-    <dgm:pt modelId="{BDCE6304-FF4D-4FB2-9FE2-0CDE26174508}" type="pres">
-      <dgm:prSet presAssocID="{DCF284C0-A6B7-4E12-954C-54239F2C1303}" presName="aSpace2" presStyleCnt="0"/>
-      <dgm:spPr/>
-    </dgm:pt>
     <dgm:pt modelId="{84D55724-BBA1-4FE6-932B-88A7C58FF3B0}" type="pres">
-      <dgm:prSet presAssocID="{FC5C8F6C-B10E-4696-AE4B-ECAEAC6BF073}" presName="childNode" presStyleLbl="node1" presStyleIdx="4" presStyleCnt="9" custScaleX="181268" custLinFactY="-18256" custLinFactNeighborY="-100000">
+      <dgm:prSet presAssocID="{FC5C8F6C-B10E-4696-AE4B-ECAEAC6BF073}" presName="childNode" presStyleLbl="node1" presStyleIdx="3" presStyleCnt="8" custScaleX="181268" custLinFactY="-18256" custLinFactNeighborY="-100000">
         <dgm:presLayoutVars>
           <dgm:bulletEnabled val="1"/>
         </dgm:presLayoutVars>
@@ -5692,7 +5284,7 @@
       <dgm:spPr/>
     </dgm:pt>
     <dgm:pt modelId="{E97B479E-3F0B-43AA-AFFB-A4495597DFD4}" type="pres">
-      <dgm:prSet presAssocID="{D4BE62DB-80B4-4D03-8466-1007C554A7FA}" presName="childNode" presStyleLbl="node1" presStyleIdx="5" presStyleCnt="9" custScaleX="181268" custLinFactY="-18256" custLinFactNeighborY="-100000">
+      <dgm:prSet presAssocID="{D4BE62DB-80B4-4D03-8466-1007C554A7FA}" presName="childNode" presStyleLbl="node1" presStyleIdx="4" presStyleCnt="8" custScaleX="181268" custLinFactY="-18256" custLinFactNeighborY="-100000">
         <dgm:presLayoutVars>
           <dgm:bulletEnabled val="1"/>
         </dgm:presLayoutVars>
@@ -5704,7 +5296,7 @@
       <dgm:spPr/>
     </dgm:pt>
     <dgm:pt modelId="{5B071783-289B-483B-84CF-31FC62E5C8D5}" type="pres">
-      <dgm:prSet presAssocID="{2D4B959D-8A45-47D5-87A3-BE3728E560E4}" presName="childNode" presStyleLbl="node1" presStyleIdx="6" presStyleCnt="9" custScaleX="181268" custLinFactY="-18256" custLinFactNeighborY="-100000">
+      <dgm:prSet presAssocID="{2D4B959D-8A45-47D5-87A3-BE3728E560E4}" presName="childNode" presStyleLbl="node1" presStyleIdx="5" presStyleCnt="8" custScaleX="181268" custLinFactY="-18256" custLinFactNeighborY="-100000">
         <dgm:presLayoutVars>
           <dgm:bulletEnabled val="1"/>
         </dgm:presLayoutVars>
@@ -5746,7 +5338,7 @@
       <dgm:spPr/>
     </dgm:pt>
     <dgm:pt modelId="{2D5D52D8-9B81-4768-A7CB-E93EC92A7460}" type="pres">
-      <dgm:prSet presAssocID="{F0CB5344-13A6-4511-9C23-AB33D1905CDA}" presName="childNode" presStyleLbl="node1" presStyleIdx="7" presStyleCnt="9" custScaleX="257231" custScaleY="109683" custLinFactNeighborX="2866">
+      <dgm:prSet presAssocID="{F0CB5344-13A6-4511-9C23-AB33D1905CDA}" presName="childNode" presStyleLbl="node1" presStyleIdx="6" presStyleCnt="8" custScaleX="257231" custScaleY="109683" custLinFactNeighborX="2866">
         <dgm:presLayoutVars>
           <dgm:bulletEnabled val="1"/>
         </dgm:presLayoutVars>
@@ -5788,7 +5380,7 @@
       <dgm:spPr/>
     </dgm:pt>
     <dgm:pt modelId="{8338766F-F19C-452C-ACBE-1124DED4EE91}" type="pres">
-      <dgm:prSet presAssocID="{FD8A3556-9942-4423-A013-62B0820F5BC8}" presName="childNode" presStyleLbl="node1" presStyleIdx="8" presStyleCnt="9" custScaleX="321959" custScaleY="131158" custLinFactNeighborX="153" custLinFactNeighborY="-5136">
+      <dgm:prSet presAssocID="{FD8A3556-9942-4423-A013-62B0820F5BC8}" presName="childNode" presStyleLbl="node1" presStyleIdx="7" presStyleCnt="8" custScaleX="321959" custScaleY="131158" custLinFactNeighborX="153" custLinFactNeighborY="-5136">
         <dgm:presLayoutVars>
           <dgm:bulletEnabled val="1"/>
         </dgm:presLayoutVars>
@@ -5801,13 +5393,12 @@
     <dgm:cxn modelId="{21E5F309-7CAC-482A-A8EE-8F40149E67E9}" type="presOf" srcId="{6B1441A6-42C9-48AB-8A1F-475F0961D9C9}" destId="{D2E20C87-F0A8-4BBE-AE0E-797C2EB0C3A3}" srcOrd="1" destOrd="0" presId="urn:microsoft.com/office/officeart/2005/8/layout/lProcess2"/>
     <dgm:cxn modelId="{9DADCA12-EA6F-4953-8869-5E9F04A29496}" srcId="{617510CF-EBBC-438F-848A-3292E685F6F6}" destId="{762570F4-3939-43AD-8AC4-1ECCC30BE75D}" srcOrd="2" destOrd="0" parTransId="{74F80BCB-B8C0-4D09-BA30-E552205F8888}" sibTransId="{A4F88485-7842-4E75-97B6-6EE83C9710A3}"/>
     <dgm:cxn modelId="{D0BA6328-52C6-467B-9353-88EC9E21318E}" type="presOf" srcId="{F204B375-E432-491C-B317-E0CFBB0B1CB3}" destId="{78F56DE7-56BE-46A1-883B-FFC013401691}" srcOrd="0" destOrd="0" presId="urn:microsoft.com/office/officeart/2005/8/layout/lProcess2"/>
-    <dgm:cxn modelId="{7DAAC82F-BC30-48F1-8581-0C18C7A0A64E}" srcId="{617510CF-EBBC-438F-848A-3292E685F6F6}" destId="{FC5C8F6C-B10E-4696-AE4B-ECAEAC6BF073}" srcOrd="4" destOrd="0" parTransId="{6C4ADE00-AA3B-4518-BC34-C72DDADCA93C}" sibTransId="{115FF73F-A822-4EB7-8BF6-235B3C7583A4}"/>
+    <dgm:cxn modelId="{7DAAC82F-BC30-48F1-8581-0C18C7A0A64E}" srcId="{617510CF-EBBC-438F-848A-3292E685F6F6}" destId="{FC5C8F6C-B10E-4696-AE4B-ECAEAC6BF073}" srcOrd="3" destOrd="0" parTransId="{6C4ADE00-AA3B-4518-BC34-C72DDADCA93C}" sibTransId="{115FF73F-A822-4EB7-8BF6-235B3C7583A4}"/>
     <dgm:cxn modelId="{0B089A34-6442-43C7-BBED-47398A316D94}" type="presOf" srcId="{617510CF-EBBC-438F-848A-3292E685F6F6}" destId="{968EEAC2-B675-47FC-9364-2A95E0BF0547}" srcOrd="1" destOrd="0" presId="urn:microsoft.com/office/officeart/2005/8/layout/lProcess2"/>
     <dgm:cxn modelId="{33910F5E-5757-445B-B213-A322E0AFD971}" type="presOf" srcId="{F0CB5344-13A6-4511-9C23-AB33D1905CDA}" destId="{2D5D52D8-9B81-4768-A7CB-E93EC92A7460}" srcOrd="0" destOrd="0" presId="urn:microsoft.com/office/officeart/2005/8/layout/lProcess2"/>
     <dgm:cxn modelId="{C86C5C61-126A-4AD5-A654-6BF0B73FB838}" type="presOf" srcId="{617510CF-EBBC-438F-848A-3292E685F6F6}" destId="{40E0167C-FED4-4A88-858C-99CCC245FE6D}" srcOrd="0" destOrd="0" presId="urn:microsoft.com/office/officeart/2005/8/layout/lProcess2"/>
-    <dgm:cxn modelId="{8468B568-85BE-48E9-A5C6-761C202BC732}" srcId="{617510CF-EBBC-438F-848A-3292E685F6F6}" destId="{D4BE62DB-80B4-4D03-8466-1007C554A7FA}" srcOrd="5" destOrd="0" parTransId="{DD8AFB82-AF10-4A84-BD39-F60FE74256B4}" sibTransId="{F29183E1-D535-47B1-B09A-79A6C595E628}"/>
-    <dgm:cxn modelId="{46233C49-C6FD-438E-8C31-F642DD539228}" srcId="{617510CF-EBBC-438F-848A-3292E685F6F6}" destId="{2D4B959D-8A45-47D5-87A3-BE3728E560E4}" srcOrd="6" destOrd="0" parTransId="{568883D5-80AE-4801-B8B3-B91E3F0D8C77}" sibTransId="{5C307575-1627-499D-A59E-628147E5DB6C}"/>
-    <dgm:cxn modelId="{C710E649-16C9-4CC8-B210-AD09E83F0146}" type="presOf" srcId="{DCF284C0-A6B7-4E12-954C-54239F2C1303}" destId="{FC792778-402A-4259-8E6E-FF2028304AB6}" srcOrd="0" destOrd="0" presId="urn:microsoft.com/office/officeart/2005/8/layout/lProcess2"/>
+    <dgm:cxn modelId="{8468B568-85BE-48E9-A5C6-761C202BC732}" srcId="{617510CF-EBBC-438F-848A-3292E685F6F6}" destId="{D4BE62DB-80B4-4D03-8466-1007C554A7FA}" srcOrd="4" destOrd="0" parTransId="{DD8AFB82-AF10-4A84-BD39-F60FE74256B4}" sibTransId="{F29183E1-D535-47B1-B09A-79A6C595E628}"/>
+    <dgm:cxn modelId="{46233C49-C6FD-438E-8C31-F642DD539228}" srcId="{617510CF-EBBC-438F-848A-3292E685F6F6}" destId="{2D4B959D-8A45-47D5-87A3-BE3728E560E4}" srcOrd="5" destOrd="0" parTransId="{568883D5-80AE-4801-B8B3-B91E3F0D8C77}" sibTransId="{5C307575-1627-499D-A59E-628147E5DB6C}"/>
     <dgm:cxn modelId="{CDE2C576-AAF6-4813-9F0F-C4E7BBF2E557}" srcId="{F204B375-E432-491C-B317-E0CFBB0B1CB3}" destId="{617510CF-EBBC-438F-848A-3292E685F6F6}" srcOrd="0" destOrd="0" parTransId="{4A125CFA-9086-4D64-B32E-EF1F3A37345B}" sibTransId="{93CBD815-0D9A-447B-ABA8-11AB6A5FCEDC}"/>
     <dgm:cxn modelId="{C425BC59-EC64-48D7-84BC-14B86581A956}" type="presOf" srcId="{D4BE62DB-80B4-4D03-8466-1007C554A7FA}" destId="{E97B479E-3F0B-43AA-AFFB-A4495597DFD4}" srcOrd="0" destOrd="0" presId="urn:microsoft.com/office/officeart/2005/8/layout/lProcess2"/>
     <dgm:cxn modelId="{CB558880-1342-42F5-8E54-C17B63C82E6A}" type="presOf" srcId="{FD8A3556-9942-4423-A013-62B0820F5BC8}" destId="{8338766F-F19C-452C-ACBE-1124DED4EE91}" srcOrd="0" destOrd="0" presId="urn:microsoft.com/office/officeart/2005/8/layout/lProcess2"/>
@@ -5817,7 +5408,6 @@
     <dgm:cxn modelId="{9EBB12AE-1D21-4B02-A8C9-2D204349DF7D}" type="presOf" srcId="{E2DD3D1B-7AA2-459A-9E89-F305CACA032B}" destId="{FCFAA177-D9CC-452C-8A31-855A4B232633}" srcOrd="1" destOrd="0" presId="urn:microsoft.com/office/officeart/2005/8/layout/lProcess2"/>
     <dgm:cxn modelId="{8DE242BA-45B2-4C02-8F28-4611B22E2388}" srcId="{F204B375-E432-491C-B317-E0CFBB0B1CB3}" destId="{6B1441A6-42C9-48AB-8A1F-475F0961D9C9}" srcOrd="1" destOrd="0" parTransId="{08F34BD4-DFA7-449B-8531-61CA337227C5}" sibTransId="{BB1EAC59-EC43-4CD8-8A18-E2DF4A70BE5F}"/>
     <dgm:cxn modelId="{8467DCC5-6643-441C-BA28-D69E78E2CF7F}" srcId="{617510CF-EBBC-438F-848A-3292E685F6F6}" destId="{8EE96F46-43D8-47B5-9D6E-05D096B6BB69}" srcOrd="0" destOrd="0" parTransId="{8C7BD315-D9C1-4F67-B091-28436E6A2060}" sibTransId="{EE84D86A-4D04-4289-929D-236FC12FE773}"/>
-    <dgm:cxn modelId="{5B3DD3CA-25BA-412E-A289-E855BD36F63B}" srcId="{617510CF-EBBC-438F-848A-3292E685F6F6}" destId="{DCF284C0-A6B7-4E12-954C-54239F2C1303}" srcOrd="3" destOrd="0" parTransId="{3DB1642E-0E9E-41D4-A6E5-F0B82B8C0441}" sibTransId="{063EB571-B978-4836-B9CC-396652387F66}"/>
     <dgm:cxn modelId="{1E45A2D4-D8C9-430E-87FB-08FDFE809CFA}" type="presOf" srcId="{8EE96F46-43D8-47B5-9D6E-05D096B6BB69}" destId="{7AA399AB-355C-4204-80D3-7AECFDFF999E}" srcOrd="0" destOrd="0" presId="urn:microsoft.com/office/officeart/2005/8/layout/lProcess2"/>
     <dgm:cxn modelId="{C44E28DA-4FB8-414B-8883-AFEC9D2163E0}" srcId="{E2DD3D1B-7AA2-459A-9E89-F305CACA032B}" destId="{FD8A3556-9942-4423-A013-62B0820F5BC8}" srcOrd="0" destOrd="0" parTransId="{A278D03A-676B-4F94-81E8-40D526AA1E65}" sibTransId="{4ED85B4D-602F-4253-90CA-8C0D38078A32}"/>
     <dgm:cxn modelId="{7CD8E7DA-476D-4BCF-BE9F-596D2ED7EC5B}" type="presOf" srcId="{FC5C8F6C-B10E-4696-AE4B-ECAEAC6BF073}" destId="{84D55724-BBA1-4FE6-932B-88A7C58FF3B0}" srcOrd="0" destOrd="0" presId="urn:microsoft.com/office/officeart/2005/8/layout/lProcess2"/>
@@ -5836,13 +5426,11 @@
     <dgm:cxn modelId="{283FF956-033F-4DD5-883D-22E1C5A024FA}" type="presParOf" srcId="{183AFF36-A7F9-45DE-B0D6-097AAC260197}" destId="{C087CD76-EF4F-4F89-9FC2-E00D533C5527}" srcOrd="3" destOrd="0" presId="urn:microsoft.com/office/officeart/2005/8/layout/lProcess2"/>
     <dgm:cxn modelId="{439BE406-6397-4876-97CF-C8F790CA3E05}" type="presParOf" srcId="{183AFF36-A7F9-45DE-B0D6-097AAC260197}" destId="{9824309B-737B-4D15-89C6-88620A17313F}" srcOrd="4" destOrd="0" presId="urn:microsoft.com/office/officeart/2005/8/layout/lProcess2"/>
     <dgm:cxn modelId="{CCB0D473-6AF2-4D5C-A420-50ACD0858C46}" type="presParOf" srcId="{183AFF36-A7F9-45DE-B0D6-097AAC260197}" destId="{54C65FBD-1135-4181-B72F-0C47EB544C68}" srcOrd="5" destOrd="0" presId="urn:microsoft.com/office/officeart/2005/8/layout/lProcess2"/>
-    <dgm:cxn modelId="{DF491FE3-990E-44F7-BD21-F526362C2011}" type="presParOf" srcId="{183AFF36-A7F9-45DE-B0D6-097AAC260197}" destId="{FC792778-402A-4259-8E6E-FF2028304AB6}" srcOrd="6" destOrd="0" presId="urn:microsoft.com/office/officeart/2005/8/layout/lProcess2"/>
-    <dgm:cxn modelId="{55038129-C519-4CC8-8EA3-60EE496A3CE5}" type="presParOf" srcId="{183AFF36-A7F9-45DE-B0D6-097AAC260197}" destId="{BDCE6304-FF4D-4FB2-9FE2-0CDE26174508}" srcOrd="7" destOrd="0" presId="urn:microsoft.com/office/officeart/2005/8/layout/lProcess2"/>
-    <dgm:cxn modelId="{E17D6931-B3CB-4CE6-BB0C-81A2CCD6C07C}" type="presParOf" srcId="{183AFF36-A7F9-45DE-B0D6-097AAC260197}" destId="{84D55724-BBA1-4FE6-932B-88A7C58FF3B0}" srcOrd="8" destOrd="0" presId="urn:microsoft.com/office/officeart/2005/8/layout/lProcess2"/>
-    <dgm:cxn modelId="{83F8EDBE-7625-4A7B-95E3-92C09328FD60}" type="presParOf" srcId="{183AFF36-A7F9-45DE-B0D6-097AAC260197}" destId="{71D38BCA-9C76-491E-A66E-968A1F99BA14}" srcOrd="9" destOrd="0" presId="urn:microsoft.com/office/officeart/2005/8/layout/lProcess2"/>
-    <dgm:cxn modelId="{1CC85445-7606-4D91-8878-18B2F86884DB}" type="presParOf" srcId="{183AFF36-A7F9-45DE-B0D6-097AAC260197}" destId="{E97B479E-3F0B-43AA-AFFB-A4495597DFD4}" srcOrd="10" destOrd="0" presId="urn:microsoft.com/office/officeart/2005/8/layout/lProcess2"/>
-    <dgm:cxn modelId="{92D554DA-0263-4463-9C26-7634C842F761}" type="presParOf" srcId="{183AFF36-A7F9-45DE-B0D6-097AAC260197}" destId="{8034903D-FCA7-4EAB-8179-E4B0D88E7CD3}" srcOrd="11" destOrd="0" presId="urn:microsoft.com/office/officeart/2005/8/layout/lProcess2"/>
-    <dgm:cxn modelId="{FFAAE30A-7E4E-4118-8F6D-CFB4C9B93315}" type="presParOf" srcId="{183AFF36-A7F9-45DE-B0D6-097AAC260197}" destId="{5B071783-289B-483B-84CF-31FC62E5C8D5}" srcOrd="12" destOrd="0" presId="urn:microsoft.com/office/officeart/2005/8/layout/lProcess2"/>
+    <dgm:cxn modelId="{E17D6931-B3CB-4CE6-BB0C-81A2CCD6C07C}" type="presParOf" srcId="{183AFF36-A7F9-45DE-B0D6-097AAC260197}" destId="{84D55724-BBA1-4FE6-932B-88A7C58FF3B0}" srcOrd="6" destOrd="0" presId="urn:microsoft.com/office/officeart/2005/8/layout/lProcess2"/>
+    <dgm:cxn modelId="{83F8EDBE-7625-4A7B-95E3-92C09328FD60}" type="presParOf" srcId="{183AFF36-A7F9-45DE-B0D6-097AAC260197}" destId="{71D38BCA-9C76-491E-A66E-968A1F99BA14}" srcOrd="7" destOrd="0" presId="urn:microsoft.com/office/officeart/2005/8/layout/lProcess2"/>
+    <dgm:cxn modelId="{1CC85445-7606-4D91-8878-18B2F86884DB}" type="presParOf" srcId="{183AFF36-A7F9-45DE-B0D6-097AAC260197}" destId="{E97B479E-3F0B-43AA-AFFB-A4495597DFD4}" srcOrd="8" destOrd="0" presId="urn:microsoft.com/office/officeart/2005/8/layout/lProcess2"/>
+    <dgm:cxn modelId="{92D554DA-0263-4463-9C26-7634C842F761}" type="presParOf" srcId="{183AFF36-A7F9-45DE-B0D6-097AAC260197}" destId="{8034903D-FCA7-4EAB-8179-E4B0D88E7CD3}" srcOrd="9" destOrd="0" presId="urn:microsoft.com/office/officeart/2005/8/layout/lProcess2"/>
+    <dgm:cxn modelId="{FFAAE30A-7E4E-4118-8F6D-CFB4C9B93315}" type="presParOf" srcId="{183AFF36-A7F9-45DE-B0D6-097AAC260197}" destId="{5B071783-289B-483B-84CF-31FC62E5C8D5}" srcOrd="10" destOrd="0" presId="urn:microsoft.com/office/officeart/2005/8/layout/lProcess2"/>
     <dgm:cxn modelId="{9A1212C2-584A-4A4D-A5CE-216E0170FDC7}" type="presParOf" srcId="{78F56DE7-56BE-46A1-883B-FFC013401691}" destId="{41EFC72D-1E3E-4D27-B8CE-B38E9C8CA320}" srcOrd="1" destOrd="0" presId="urn:microsoft.com/office/officeart/2005/8/layout/lProcess2"/>
     <dgm:cxn modelId="{10E00CD7-C50D-4B64-8FA5-4C3066234383}" type="presParOf" srcId="{78F56DE7-56BE-46A1-883B-FFC013401691}" destId="{70484B74-718F-4441-B105-3ACB48631C1A}" srcOrd="2" destOrd="0" presId="urn:microsoft.com/office/officeart/2005/8/layout/lProcess2"/>
     <dgm:cxn modelId="{542FF5BD-80BA-4679-AC17-E84F0C0B7099}" type="presParOf" srcId="{70484B74-718F-4441-B105-3ACB48631C1A}" destId="{76C269B4-E573-4082-B332-7874042342EA}" srcOrd="0" destOrd="0" presId="urn:microsoft.com/office/officeart/2005/8/layout/lProcess2"/>
@@ -6285,8 +5873,8 @@
       </dsp:nvSpPr>
       <dsp:spPr>
         <a:xfrm>
-          <a:off x="220923" y="1812997"/>
-          <a:ext cx="2219945" cy="543671"/>
+          <a:off x="220923" y="1777723"/>
+          <a:ext cx="2219945" cy="637443"/>
         </a:xfrm>
         <a:prstGeom prst="roundRect">
           <a:avLst>
@@ -6350,8 +5938,8 @@
         </a:p>
       </dsp:txBody>
       <dsp:txXfrm>
-        <a:off x="236847" y="1828921"/>
-        <a:ext cx="2188097" cy="511823"/>
+        <a:off x="239593" y="1796393"/>
+        <a:ext cx="2182605" cy="600103"/>
       </dsp:txXfrm>
     </dsp:sp>
     <dsp:sp modelId="{3E591A46-0D94-4C22-A397-E0312A3D1145}">
@@ -6361,8 +5949,8 @@
       </dsp:nvSpPr>
       <dsp:spPr>
         <a:xfrm>
-          <a:off x="220923" y="2440310"/>
-          <a:ext cx="2219945" cy="543671"/>
+          <a:off x="220923" y="2513236"/>
+          <a:ext cx="2219945" cy="637443"/>
         </a:xfrm>
         <a:prstGeom prst="roundRect">
           <a:avLst>
@@ -6426,8 +6014,8 @@
         </a:p>
       </dsp:txBody>
       <dsp:txXfrm>
-        <a:off x="236847" y="2456234"/>
-        <a:ext cx="2188097" cy="511823"/>
+        <a:off x="239593" y="2531906"/>
+        <a:ext cx="2182605" cy="600103"/>
       </dsp:txXfrm>
     </dsp:sp>
     <dsp:sp modelId="{9824309B-737B-4D15-89C6-88620A17313F}">
@@ -6437,8 +6025,8 @@
       </dsp:nvSpPr>
       <dsp:spPr>
         <a:xfrm>
-          <a:off x="220923" y="3067623"/>
-          <a:ext cx="2219945" cy="543671"/>
+          <a:off x="220923" y="3248748"/>
+          <a:ext cx="2219945" cy="637443"/>
         </a:xfrm>
         <a:prstGeom prst="roundRect">
           <a:avLst>
@@ -6501,83 +6089,8 @@
         </a:p>
       </dsp:txBody>
       <dsp:txXfrm>
-        <a:off x="236847" y="3083547"/>
-        <a:ext cx="2188097" cy="511823"/>
-      </dsp:txXfrm>
-    </dsp:sp>
-    <dsp:sp modelId="{FC792778-402A-4259-8E6E-FF2028304AB6}">
-      <dsp:nvSpPr>
-        <dsp:cNvPr id="0" name=""/>
-        <dsp:cNvSpPr/>
-      </dsp:nvSpPr>
-      <dsp:spPr>
-        <a:xfrm>
-          <a:off x="220923" y="3694936"/>
-          <a:ext cx="2219945" cy="543671"/>
-        </a:xfrm>
-        <a:prstGeom prst="roundRect">
-          <a:avLst>
-            <a:gd name="adj" fmla="val 10000"/>
-          </a:avLst>
-        </a:prstGeom>
-        <a:solidFill>
-          <a:srgbClr val="7030A0"/>
-        </a:solidFill>
-        <a:ln w="12700" cap="flat" cmpd="sng" algn="ctr">
-          <a:solidFill>
-            <a:schemeClr val="lt1">
-              <a:hueOff val="0"/>
-              <a:satOff val="0"/>
-              <a:lumOff val="0"/>
-              <a:alphaOff val="0"/>
-            </a:schemeClr>
-          </a:solidFill>
-          <a:prstDash val="solid"/>
-          <a:miter lim="800000"/>
-        </a:ln>
-        <a:effectLst/>
-      </dsp:spPr>
-      <dsp:style>
-        <a:lnRef idx="2">
-          <a:scrgbClr r="0" g="0" b="0"/>
-        </a:lnRef>
-        <a:fillRef idx="1">
-          <a:scrgbClr r="0" g="0" b="0"/>
-        </a:fillRef>
-        <a:effectRef idx="0">
-          <a:scrgbClr r="0" g="0" b="0"/>
-        </a:effectRef>
-        <a:fontRef idx="minor">
-          <a:schemeClr val="lt1"/>
-        </a:fontRef>
-      </dsp:style>
-      <dsp:txBody>
-        <a:bodyPr spcFirstLastPara="0" vert="horz" wrap="square" lIns="60960" tIns="45720" rIns="60960" bIns="45720" numCol="1" spcCol="1270" anchor="ctr" anchorCtr="0">
-          <a:noAutofit/>
-        </a:bodyPr>
-        <a:lstStyle/>
-        <a:p>
-          <a:pPr marL="0" lvl="0" indent="0" algn="l" defTabSz="1066800">
-            <a:lnSpc>
-              <a:spcPct val="90000"/>
-            </a:lnSpc>
-            <a:spcBef>
-              <a:spcPct val="0"/>
-            </a:spcBef>
-            <a:spcAft>
-              <a:spcPct val="35000"/>
-            </a:spcAft>
-            <a:buNone/>
-          </a:pPr>
-          <a:r>
-            <a:rPr lang="es-ES" sz="2400" kern="1200" dirty="0"/>
-            <a:t>4 Cyber Security</a:t>
-          </a:r>
-        </a:p>
-      </dsp:txBody>
-      <dsp:txXfrm>
-        <a:off x="236847" y="3710860"/>
-        <a:ext cx="2188097" cy="511823"/>
+        <a:off x="239593" y="3267418"/>
+        <a:ext cx="2182605" cy="600103"/>
       </dsp:txXfrm>
     </dsp:sp>
     <dsp:sp modelId="{84D55724-BBA1-4FE6-932B-88A7C58FF3B0}">
@@ -6587,8 +6100,8 @@
       </dsp:nvSpPr>
       <dsp:spPr>
         <a:xfrm>
-          <a:off x="220923" y="4322249"/>
-          <a:ext cx="2219945" cy="543671"/>
+          <a:off x="220923" y="3984260"/>
+          <a:ext cx="2219945" cy="637443"/>
         </a:xfrm>
         <a:prstGeom prst="roundRect">
           <a:avLst>
@@ -6651,8 +6164,8 @@
         </a:p>
       </dsp:txBody>
       <dsp:txXfrm>
-        <a:off x="236847" y="4338173"/>
-        <a:ext cx="2188097" cy="511823"/>
+        <a:off x="239593" y="4002930"/>
+        <a:ext cx="2182605" cy="600103"/>
       </dsp:txXfrm>
     </dsp:sp>
     <dsp:sp modelId="{E97B479E-3F0B-43AA-AFFB-A4495597DFD4}">
@@ -6662,8 +6175,8 @@
       </dsp:nvSpPr>
       <dsp:spPr>
         <a:xfrm>
-          <a:off x="220923" y="4949562"/>
-          <a:ext cx="2219945" cy="543671"/>
+          <a:off x="220923" y="4719772"/>
+          <a:ext cx="2219945" cy="637443"/>
         </a:xfrm>
         <a:prstGeom prst="roundRect">
           <a:avLst>
@@ -6726,8 +6239,8 @@
         </a:p>
       </dsp:txBody>
       <dsp:txXfrm>
-        <a:off x="236847" y="4965486"/>
-        <a:ext cx="2188097" cy="511823"/>
+        <a:off x="239593" y="4738442"/>
+        <a:ext cx="2182605" cy="600103"/>
       </dsp:txXfrm>
     </dsp:sp>
     <dsp:sp modelId="{5B071783-289B-483B-84CF-31FC62E5C8D5}">
@@ -6737,8 +6250,8 @@
       </dsp:nvSpPr>
       <dsp:spPr>
         <a:xfrm>
-          <a:off x="220923" y="5576874"/>
-          <a:ext cx="2219945" cy="543671"/>
+          <a:off x="220923" y="5455284"/>
+          <a:ext cx="2219945" cy="637443"/>
         </a:xfrm>
         <a:prstGeom prst="roundRect">
           <a:avLst>
@@ -6801,8 +6314,8 @@
         </a:p>
       </dsp:txBody>
       <dsp:txXfrm>
-        <a:off x="236847" y="5592798"/>
-        <a:ext cx="2188097" cy="511823"/>
+        <a:off x="239593" y="5473954"/>
+        <a:ext cx="2182605" cy="600103"/>
       </dsp:txXfrm>
     </dsp:sp>
     <dsp:sp modelId="{76C269B4-E573-4082-B332-7874042342EA}">
@@ -7096,84 +6609,6 @@
               </a:solidFill>
             </a:rPr>
             <a:t> Análisis de datos</a:t>
-          </a:r>
-          <a:br>
-            <a:rPr lang="es-ES" sz="1900" kern="1200" dirty="0">
-              <a:solidFill>
-                <a:schemeClr val="tx1"/>
-              </a:solidFill>
-            </a:rPr>
-          </a:br>
-          <a:r>
-            <a:rPr lang="es-ES" sz="1900" b="1" kern="1200" dirty="0">
-              <a:solidFill>
-                <a:srgbClr val="7030A0"/>
-              </a:solidFill>
-            </a:rPr>
-            <a:t>4.1</a:t>
-          </a:r>
-          <a:r>
-            <a:rPr lang="es-ES" sz="1900" kern="1200" dirty="0">
-              <a:solidFill>
-                <a:schemeClr val="tx1"/>
-              </a:solidFill>
-            </a:rPr>
-            <a:t> Prevención </a:t>
-          </a:r>
-          <a:r>
-            <a:rPr lang="es-ES" sz="1900" b="1" kern="1200" dirty="0">
-              <a:solidFill>
-                <a:srgbClr val="7030A0"/>
-              </a:solidFill>
-            </a:rPr>
-            <a:t>4.2 </a:t>
-          </a:r>
-          <a:r>
-            <a:rPr lang="es-ES" sz="1900" kern="1200" dirty="0">
-              <a:solidFill>
-                <a:schemeClr val="tx1"/>
-              </a:solidFill>
-            </a:rPr>
-            <a:t>Detección</a:t>
-          </a:r>
-          <a:br>
-            <a:rPr lang="es-ES" sz="1900" kern="1200" dirty="0">
-              <a:solidFill>
-                <a:schemeClr val="tx1"/>
-              </a:solidFill>
-            </a:rPr>
-          </a:br>
-          <a:r>
-            <a:rPr lang="es-ES" sz="1900" b="1" kern="1200" dirty="0">
-              <a:solidFill>
-                <a:srgbClr val="7030A0"/>
-              </a:solidFill>
-            </a:rPr>
-            <a:t>4.3</a:t>
-          </a:r>
-          <a:r>
-            <a:rPr lang="es-ES" sz="1900" kern="1200" dirty="0">
-              <a:solidFill>
-                <a:schemeClr val="tx1"/>
-              </a:solidFill>
-            </a:rPr>
-            <a:t> Respuesta  </a:t>
-          </a:r>
-          <a:r>
-            <a:rPr lang="es-ES" sz="1900" b="1" kern="1200" dirty="0">
-              <a:solidFill>
-                <a:srgbClr val="7030A0"/>
-              </a:solidFill>
-            </a:rPr>
-            <a:t>4.4</a:t>
-          </a:r>
-          <a:r>
-            <a:rPr lang="es-ES" sz="1900" kern="1200" dirty="0">
-              <a:solidFill>
-                <a:schemeClr val="tx1"/>
-              </a:solidFill>
-            </a:rPr>
-            <a:t> Resiliencia </a:t>
           </a:r>
           <a:br>
             <a:rPr lang="es-ES" sz="1900" kern="1200" dirty="0">
@@ -7593,77 +7028,6 @@
               </a:solidFill>
             </a:rPr>
             <a:t> BD, ML, MATLAB, SPSS St. IBM, EXCEL, MySQL, SQLite</a:t>
-          </a:r>
-          <a:br>
-            <a:rPr lang="es-ES" sz="1800" kern="1200" dirty="0">
-              <a:solidFill>
-                <a:schemeClr val="tx1"/>
-              </a:solidFill>
-            </a:rPr>
-          </a:br>
-          <a:r>
-            <a:rPr lang="es-ES" sz="1800" b="1" kern="1200" dirty="0">
-              <a:solidFill>
-                <a:srgbClr val="7030A0"/>
-              </a:solidFill>
-            </a:rPr>
-            <a:t>4.1.1</a:t>
-          </a:r>
-          <a:r>
-            <a:rPr lang="es-ES" sz="1800" kern="1200" dirty="0">
-              <a:solidFill>
-                <a:schemeClr val="tx1"/>
-              </a:solidFill>
-            </a:rPr>
-            <a:t> Nessus, NMAP, Kali Linux, DSA   </a:t>
-          </a:r>
-          <a:r>
-            <a:rPr lang="es-ES" sz="1800" b="1" kern="1200" dirty="0">
-              <a:solidFill>
-                <a:srgbClr val="7030A0"/>
-              </a:solidFill>
-            </a:rPr>
-            <a:t>4.2.1</a:t>
-          </a:r>
-          <a:r>
-            <a:rPr lang="es-ES" sz="1800" kern="1200" dirty="0">
-              <a:solidFill>
-                <a:schemeClr val="tx1"/>
-              </a:solidFill>
-            </a:rPr>
-            <a:t> IDS, EDR, SIEM   </a:t>
-          </a:r>
-          <a:r>
-            <a:rPr lang="es-ES" sz="1800" b="1" kern="1200" dirty="0">
-              <a:solidFill>
-                <a:srgbClr val="7030A0"/>
-              </a:solidFill>
-            </a:rPr>
-            <a:t>4.3.1</a:t>
-          </a:r>
-          <a:r>
-            <a:rPr lang="es-ES" sz="1800" kern="1200" dirty="0">
-              <a:solidFill>
-                <a:schemeClr val="tx1"/>
-              </a:solidFill>
-            </a:rPr>
-            <a:t> IPS, FW, WAF, GPMC   </a:t>
-          </a:r>
-          <a:r>
-            <a:rPr lang="es-ES" sz="1800" b="1" kern="1200" dirty="0">
-              <a:solidFill>
-                <a:srgbClr val="7030A0"/>
-              </a:solidFill>
-            </a:rPr>
-            <a:t>4.4.1</a:t>
-          </a:r>
-          <a:r>
-            <a:rPr lang="es-ES" sz="1800" kern="1200" dirty="0">
-              <a:solidFill>
-                <a:schemeClr val="tx1"/>
-              </a:solidFill>
-            </a:rPr>
-            <a:t> HA, CDN</a:t>
           </a:r>
           <a:br>
             <a:rPr lang="es-ES" sz="1800" kern="1200" dirty="0">
@@ -7932,8 +7296,8 @@
       </dsp:nvSpPr>
       <dsp:spPr>
         <a:xfrm>
-          <a:off x="220923" y="1812997"/>
-          <a:ext cx="2219945" cy="543671"/>
+          <a:off x="220923" y="1777723"/>
+          <a:ext cx="2219945" cy="637443"/>
         </a:xfrm>
         <a:prstGeom prst="roundRect">
           <a:avLst>
@@ -7997,8 +7361,8 @@
         </a:p>
       </dsp:txBody>
       <dsp:txXfrm>
-        <a:off x="236847" y="1828921"/>
-        <a:ext cx="2188097" cy="511823"/>
+        <a:off x="239593" y="1796393"/>
+        <a:ext cx="2182605" cy="600103"/>
       </dsp:txXfrm>
     </dsp:sp>
     <dsp:sp modelId="{3E591A46-0D94-4C22-A397-E0312A3D1145}">
@@ -8008,8 +7372,8 @@
       </dsp:nvSpPr>
       <dsp:spPr>
         <a:xfrm>
-          <a:off x="220923" y="2440310"/>
-          <a:ext cx="2219945" cy="543671"/>
+          <a:off x="220923" y="2513236"/>
+          <a:ext cx="2219945" cy="637443"/>
         </a:xfrm>
         <a:prstGeom prst="roundRect">
           <a:avLst>
@@ -8073,8 +7437,8 @@
         </a:p>
       </dsp:txBody>
       <dsp:txXfrm>
-        <a:off x="236847" y="2456234"/>
-        <a:ext cx="2188097" cy="511823"/>
+        <a:off x="239593" y="2531906"/>
+        <a:ext cx="2182605" cy="600103"/>
       </dsp:txXfrm>
     </dsp:sp>
     <dsp:sp modelId="{9824309B-737B-4D15-89C6-88620A17313F}">
@@ -8084,8 +7448,8 @@
       </dsp:nvSpPr>
       <dsp:spPr>
         <a:xfrm>
-          <a:off x="220923" y="3067623"/>
-          <a:ext cx="2219945" cy="543671"/>
+          <a:off x="220923" y="3248748"/>
+          <a:ext cx="2219945" cy="637443"/>
         </a:xfrm>
         <a:prstGeom prst="roundRect">
           <a:avLst>
@@ -8148,83 +7512,8 @@
         </a:p>
       </dsp:txBody>
       <dsp:txXfrm>
-        <a:off x="236847" y="3083547"/>
-        <a:ext cx="2188097" cy="511823"/>
-      </dsp:txXfrm>
-    </dsp:sp>
-    <dsp:sp modelId="{FC792778-402A-4259-8E6E-FF2028304AB6}">
-      <dsp:nvSpPr>
-        <dsp:cNvPr id="0" name=""/>
-        <dsp:cNvSpPr/>
-      </dsp:nvSpPr>
-      <dsp:spPr>
-        <a:xfrm>
-          <a:off x="220923" y="3694936"/>
-          <a:ext cx="2219945" cy="543671"/>
-        </a:xfrm>
-        <a:prstGeom prst="roundRect">
-          <a:avLst>
-            <a:gd name="adj" fmla="val 10000"/>
-          </a:avLst>
-        </a:prstGeom>
-        <a:solidFill>
-          <a:srgbClr val="7030A0"/>
-        </a:solidFill>
-        <a:ln w="12700" cap="flat" cmpd="sng" algn="ctr">
-          <a:solidFill>
-            <a:schemeClr val="lt1">
-              <a:hueOff val="0"/>
-              <a:satOff val="0"/>
-              <a:lumOff val="0"/>
-              <a:alphaOff val="0"/>
-            </a:schemeClr>
-          </a:solidFill>
-          <a:prstDash val="solid"/>
-          <a:miter lim="800000"/>
-        </a:ln>
-        <a:effectLst/>
-      </dsp:spPr>
-      <dsp:style>
-        <a:lnRef idx="2">
-          <a:scrgbClr r="0" g="0" b="0"/>
-        </a:lnRef>
-        <a:fillRef idx="1">
-          <a:scrgbClr r="0" g="0" b="0"/>
-        </a:fillRef>
-        <a:effectRef idx="0">
-          <a:scrgbClr r="0" g="0" b="0"/>
-        </a:effectRef>
-        <a:fontRef idx="minor">
-          <a:schemeClr val="lt1"/>
-        </a:fontRef>
-      </dsp:style>
-      <dsp:txBody>
-        <a:bodyPr spcFirstLastPara="0" vert="horz" wrap="square" lIns="60960" tIns="45720" rIns="60960" bIns="45720" numCol="1" spcCol="1270" anchor="ctr" anchorCtr="0">
-          <a:noAutofit/>
-        </a:bodyPr>
-        <a:lstStyle/>
-        <a:p>
-          <a:pPr marL="0" lvl="0" indent="0" algn="l" defTabSz="1066800">
-            <a:lnSpc>
-              <a:spcPct val="90000"/>
-            </a:lnSpc>
-            <a:spcBef>
-              <a:spcPct val="0"/>
-            </a:spcBef>
-            <a:spcAft>
-              <a:spcPct val="35000"/>
-            </a:spcAft>
-            <a:buNone/>
-          </a:pPr>
-          <a:r>
-            <a:rPr lang="es-ES" sz="2400" kern="1200" dirty="0"/>
-            <a:t>4 Cyber Security</a:t>
-          </a:r>
-        </a:p>
-      </dsp:txBody>
-      <dsp:txXfrm>
-        <a:off x="236847" y="3710860"/>
-        <a:ext cx="2188097" cy="511823"/>
+        <a:off x="239593" y="3267418"/>
+        <a:ext cx="2182605" cy="600103"/>
       </dsp:txXfrm>
     </dsp:sp>
     <dsp:sp modelId="{84D55724-BBA1-4FE6-932B-88A7C58FF3B0}">
@@ -8234,8 +7523,8 @@
       </dsp:nvSpPr>
       <dsp:spPr>
         <a:xfrm>
-          <a:off x="220923" y="4322249"/>
-          <a:ext cx="2219945" cy="543671"/>
+          <a:off x="220923" y="3984260"/>
+          <a:ext cx="2219945" cy="637443"/>
         </a:xfrm>
         <a:prstGeom prst="roundRect">
           <a:avLst>
@@ -8298,8 +7587,8 @@
         </a:p>
       </dsp:txBody>
       <dsp:txXfrm>
-        <a:off x="236847" y="4338173"/>
-        <a:ext cx="2188097" cy="511823"/>
+        <a:off x="239593" y="4002930"/>
+        <a:ext cx="2182605" cy="600103"/>
       </dsp:txXfrm>
     </dsp:sp>
     <dsp:sp modelId="{E97B479E-3F0B-43AA-AFFB-A4495597DFD4}">
@@ -8309,8 +7598,8 @@
       </dsp:nvSpPr>
       <dsp:spPr>
         <a:xfrm>
-          <a:off x="220923" y="4949562"/>
-          <a:ext cx="2219945" cy="543671"/>
+          <a:off x="220923" y="4719772"/>
+          <a:ext cx="2219945" cy="637443"/>
         </a:xfrm>
         <a:prstGeom prst="roundRect">
           <a:avLst>
@@ -8373,8 +7662,8 @@
         </a:p>
       </dsp:txBody>
       <dsp:txXfrm>
-        <a:off x="236847" y="4965486"/>
-        <a:ext cx="2188097" cy="511823"/>
+        <a:off x="239593" y="4738442"/>
+        <a:ext cx="2182605" cy="600103"/>
       </dsp:txXfrm>
     </dsp:sp>
     <dsp:sp modelId="{5B071783-289B-483B-84CF-31FC62E5C8D5}">
@@ -8384,8 +7673,8 @@
       </dsp:nvSpPr>
       <dsp:spPr>
         <a:xfrm>
-          <a:off x="220923" y="5576874"/>
-          <a:ext cx="2219945" cy="543671"/>
+          <a:off x="220923" y="5455284"/>
+          <a:ext cx="2219945" cy="637443"/>
         </a:xfrm>
         <a:prstGeom prst="roundRect">
           <a:avLst>
@@ -8448,8 +7737,8 @@
         </a:p>
       </dsp:txBody>
       <dsp:txXfrm>
-        <a:off x="236847" y="5592798"/>
-        <a:ext cx="2188097" cy="511823"/>
+        <a:off x="239593" y="5473954"/>
+        <a:ext cx="2182605" cy="600103"/>
       </dsp:txXfrm>
     </dsp:sp>
     <dsp:sp modelId="{76C269B4-E573-4082-B332-7874042342EA}">
@@ -8743,84 +8032,6 @@
               </a:solidFill>
             </a:rPr>
             <a:t> Data analysis</a:t>
-          </a:r>
-          <a:br>
-            <a:rPr lang="es-ES" sz="1900" kern="1200" dirty="0">
-              <a:solidFill>
-                <a:schemeClr val="tx1"/>
-              </a:solidFill>
-            </a:rPr>
-          </a:br>
-          <a:r>
-            <a:rPr lang="es-ES" sz="1900" b="1" kern="1200" dirty="0">
-              <a:solidFill>
-                <a:srgbClr val="7030A0"/>
-              </a:solidFill>
-            </a:rPr>
-            <a:t>4.1</a:t>
-          </a:r>
-          <a:r>
-            <a:rPr lang="es-ES" sz="1900" kern="1200" dirty="0">
-              <a:solidFill>
-                <a:schemeClr val="tx1"/>
-              </a:solidFill>
-            </a:rPr>
-            <a:t> Prevention </a:t>
-          </a:r>
-          <a:r>
-            <a:rPr lang="es-ES" sz="1900" b="1" kern="1200" dirty="0">
-              <a:solidFill>
-                <a:srgbClr val="7030A0"/>
-              </a:solidFill>
-            </a:rPr>
-            <a:t>4.2 </a:t>
-          </a:r>
-          <a:r>
-            <a:rPr lang="es-ES" sz="1900" kern="1200" dirty="0">
-              <a:solidFill>
-                <a:schemeClr val="tx1"/>
-              </a:solidFill>
-            </a:rPr>
-            <a:t>Detection</a:t>
-          </a:r>
-          <a:br>
-            <a:rPr lang="es-ES" sz="1900" kern="1200" dirty="0">
-              <a:solidFill>
-                <a:schemeClr val="tx1"/>
-              </a:solidFill>
-            </a:rPr>
-          </a:br>
-          <a:r>
-            <a:rPr lang="es-ES" sz="1900" b="1" kern="1200" dirty="0">
-              <a:solidFill>
-                <a:srgbClr val="7030A0"/>
-              </a:solidFill>
-            </a:rPr>
-            <a:t>4.3</a:t>
-          </a:r>
-          <a:r>
-            <a:rPr lang="es-ES" sz="1900" kern="1200" dirty="0">
-              <a:solidFill>
-                <a:schemeClr val="tx1"/>
-              </a:solidFill>
-            </a:rPr>
-            <a:t> Response  </a:t>
-          </a:r>
-          <a:r>
-            <a:rPr lang="es-ES" sz="1900" b="1" kern="1200" dirty="0">
-              <a:solidFill>
-                <a:srgbClr val="7030A0"/>
-              </a:solidFill>
-            </a:rPr>
-            <a:t>4.4</a:t>
-          </a:r>
-          <a:r>
-            <a:rPr lang="es-ES" sz="1900" kern="1200" dirty="0">
-              <a:solidFill>
-                <a:schemeClr val="tx1"/>
-              </a:solidFill>
-            </a:rPr>
-            <a:t> Resilience </a:t>
           </a:r>
           <a:br>
             <a:rPr lang="es-ES" sz="1900" kern="1200" dirty="0">
@@ -9251,10 +8462,10 @@
           <a:r>
             <a:rPr lang="es-ES" sz="1800" b="1" kern="1200" dirty="0">
               <a:solidFill>
-                <a:srgbClr val="7030A0"/>
-              </a:solidFill>
-            </a:rPr>
-            <a:t>4.1.1</a:t>
+                <a:srgbClr val="FF0000"/>
+              </a:solidFill>
+            </a:rPr>
+            <a:t>5.1.1</a:t>
           </a:r>
           <a:r>
             <a:rPr lang="es-ES" sz="1800" kern="1200" dirty="0">
@@ -9262,55 +8473,7 @@
                 <a:schemeClr val="tx1"/>
               </a:solidFill>
             </a:rPr>
-            <a:t> Nessus, NMAP, Kali Linux, DSA   </a:t>
-          </a:r>
-          <a:r>
-            <a:rPr lang="es-ES" sz="1800" b="1" kern="1200" dirty="0">
-              <a:solidFill>
-                <a:srgbClr val="7030A0"/>
-              </a:solidFill>
-            </a:rPr>
-            <a:t>4.2.1</a:t>
-          </a:r>
-          <a:r>
-            <a:rPr lang="es-ES" sz="1800" kern="1200" dirty="0">
-              <a:solidFill>
-                <a:schemeClr val="tx1"/>
-              </a:solidFill>
-            </a:rPr>
-            <a:t> IDS, EDR, SIEM   </a:t>
-          </a:r>
-          <a:r>
-            <a:rPr lang="es-ES" sz="1800" b="1" kern="1200" dirty="0">
-              <a:solidFill>
-                <a:srgbClr val="7030A0"/>
-              </a:solidFill>
-            </a:rPr>
-            <a:t>4.3.1</a:t>
-          </a:r>
-          <a:r>
-            <a:rPr lang="es-ES" sz="1800" kern="1200" dirty="0">
-              <a:solidFill>
-                <a:schemeClr val="tx1"/>
-              </a:solidFill>
-            </a:rPr>
-            <a:t> IPS, FW, WAF, GPMC   </a:t>
-          </a:r>
-          <a:r>
-            <a:rPr lang="es-ES" sz="1800" b="1" kern="1200" dirty="0">
-              <a:solidFill>
-                <a:srgbClr val="7030A0"/>
-              </a:solidFill>
-            </a:rPr>
-            <a:t>4.4.1</a:t>
-          </a:r>
-          <a:r>
-            <a:rPr lang="es-ES" sz="1800" kern="1200" dirty="0">
-              <a:solidFill>
-                <a:schemeClr val="tx1"/>
-              </a:solidFill>
-            </a:rPr>
-            <a:t> HA, CDN</a:t>
+            <a:t> Router, Switch, HSM, Diode, Proxy, VM, CMDB, AD, Windows, UNIX   </a:t>
           </a:r>
           <a:br>
             <a:rPr lang="es-ES" sz="1800" kern="1200" dirty="0">
@@ -9325,7 +8488,7 @@
                 <a:srgbClr val="FF0000"/>
               </a:solidFill>
             </a:rPr>
-            <a:t>5.1.1</a:t>
+            <a:t>5.2.1</a:t>
           </a:r>
           <a:r>
             <a:rPr lang="es-ES" sz="1800" kern="1200" dirty="0">
@@ -9333,7 +8496,23 @@
                 <a:schemeClr val="tx1"/>
               </a:solidFill>
             </a:rPr>
-            <a:t> Router, Switch, HSM, Diode, Proxy, VM, CMDB, AD, Windows, UNIX   </a:t>
+            <a:t> Azure, O365   </a:t>
+          </a:r>
+          <a:r>
+            <a:rPr lang="es-ES" sz="1800" b="1" kern="1200" dirty="0">
+              <a:solidFill>
+                <a:srgbClr val="FF0000"/>
+              </a:solidFill>
+            </a:rPr>
+            <a:t>5.2.2</a:t>
+          </a:r>
+          <a:r>
+            <a:rPr lang="es-ES" sz="1800" kern="1200" dirty="0">
+              <a:solidFill>
+                <a:schemeClr val="tx1"/>
+              </a:solidFill>
+            </a:rPr>
+            <a:t> GCP </a:t>
           </a:r>
           <a:br>
             <a:rPr lang="es-ES" sz="1800" kern="1200" dirty="0">
@@ -9345,10 +8524,10 @@
           <a:r>
             <a:rPr lang="es-ES" sz="1800" b="1" kern="1200" dirty="0">
               <a:solidFill>
-                <a:srgbClr val="FF0000"/>
-              </a:solidFill>
-            </a:rPr>
-            <a:t>5.2.1</a:t>
+                <a:schemeClr val="accent5"/>
+              </a:solidFill>
+            </a:rPr>
+            <a:t>6.1.1</a:t>
           </a:r>
           <a:r>
             <a:rPr lang="es-ES" sz="1800" kern="1200" dirty="0">
@@ -9356,23 +8535,7 @@
                 <a:schemeClr val="tx1"/>
               </a:solidFill>
             </a:rPr>
-            <a:t> Azure, O365   </a:t>
-          </a:r>
-          <a:r>
-            <a:rPr lang="es-ES" sz="1800" b="1" kern="1200" dirty="0">
-              <a:solidFill>
-                <a:srgbClr val="FF0000"/>
-              </a:solidFill>
-            </a:rPr>
-            <a:t>5.2.2</a:t>
-          </a:r>
-          <a:r>
-            <a:rPr lang="es-ES" sz="1800" kern="1200" dirty="0">
-              <a:solidFill>
-                <a:schemeClr val="tx1"/>
-              </a:solidFill>
-            </a:rPr>
-            <a:t> GCP </a:t>
+            <a:t> HTML5, CSS3, JQUERY, Javascript</a:t>
           </a:r>
           <a:br>
             <a:rPr lang="es-ES" sz="1800" kern="1200" dirty="0">
@@ -9387,7 +8550,7 @@
                 <a:schemeClr val="accent5"/>
               </a:solidFill>
             </a:rPr>
-            <a:t>6.1.1</a:t>
+            <a:t>6.2.1</a:t>
           </a:r>
           <a:r>
             <a:rPr lang="es-ES" sz="1800" kern="1200" dirty="0">
@@ -9395,33 +8558,10 @@
                 <a:schemeClr val="tx1"/>
               </a:solidFill>
             </a:rPr>
-            <a:t> HTML5, CSS3, JQUERY, Javascript</a:t>
-          </a:r>
-          <a:br>
-            <a:rPr lang="es-ES" sz="1800" kern="1200" dirty="0">
-              <a:solidFill>
-                <a:schemeClr val="tx1"/>
-              </a:solidFill>
-            </a:rPr>
-          </a:br>
-          <a:r>
-            <a:rPr lang="es-ES" sz="1800" b="1" kern="1200" dirty="0">
-              <a:solidFill>
-                <a:schemeClr val="accent5"/>
-              </a:solidFill>
-            </a:rPr>
-            <a:t>6.2.1</a:t>
-          </a:r>
-          <a:r>
-            <a:rPr lang="es-ES" sz="1800" kern="1200" dirty="0">
-              <a:solidFill>
-                <a:schemeClr val="tx1"/>
-              </a:solidFill>
-            </a:rPr>
             <a:t> SQL, Java, C, C#, Python, Dart/Flutter, PHP/Symfony, API, PowerShell, VS, Android, iOS, </a:t>
           </a:r>
           <a:r>
-            <a:rPr lang="es-ES" sz="1800" kern="1200">
+            <a:rPr lang="es-ES" sz="1800" kern="1200" dirty="0" err="1">
               <a:solidFill>
                 <a:schemeClr val="tx1"/>
               </a:solidFill>
@@ -13264,7 +12404,7 @@
           <a:p>
             <a:fld id="{ED151C14-CE9E-4E23-B501-D21E82FDEE26}" type="datetimeFigureOut">
               <a:rPr lang="es-ES" smtClean="0"/>
-              <a:t>04/03/2023</a:t>
+              <a:t>27/07/2023</a:t>
             </a:fld>
             <a:endParaRPr lang="es-ES"/>
           </a:p>
@@ -13846,7 +12986,7 @@
           <a:p>
             <a:fld id="{35226B97-4BCC-4502-8449-40926CDAD38A}" type="datetimeFigureOut">
               <a:rPr lang="es-ES" smtClean="0"/>
-              <a:t>04/03/2023</a:t>
+              <a:t>27/07/2023</a:t>
             </a:fld>
             <a:endParaRPr lang="es-ES"/>
           </a:p>
@@ -14044,7 +13184,7 @@
           <a:p>
             <a:fld id="{35226B97-4BCC-4502-8449-40926CDAD38A}" type="datetimeFigureOut">
               <a:rPr lang="es-ES" smtClean="0"/>
-              <a:t>04/03/2023</a:t>
+              <a:t>27/07/2023</a:t>
             </a:fld>
             <a:endParaRPr lang="es-ES"/>
           </a:p>
@@ -14252,7 +13392,7 @@
           <a:p>
             <a:fld id="{35226B97-4BCC-4502-8449-40926CDAD38A}" type="datetimeFigureOut">
               <a:rPr lang="es-ES" smtClean="0"/>
-              <a:t>04/03/2023</a:t>
+              <a:t>27/07/2023</a:t>
             </a:fld>
             <a:endParaRPr lang="es-ES"/>
           </a:p>
@@ -14450,7 +13590,7 @@
           <a:p>
             <a:fld id="{35226B97-4BCC-4502-8449-40926CDAD38A}" type="datetimeFigureOut">
               <a:rPr lang="es-ES" smtClean="0"/>
-              <a:t>04/03/2023</a:t>
+              <a:t>27/07/2023</a:t>
             </a:fld>
             <a:endParaRPr lang="es-ES"/>
           </a:p>
@@ -14725,7 +13865,7 @@
           <a:p>
             <a:fld id="{35226B97-4BCC-4502-8449-40926CDAD38A}" type="datetimeFigureOut">
               <a:rPr lang="es-ES" smtClean="0"/>
-              <a:t>04/03/2023</a:t>
+              <a:t>27/07/2023</a:t>
             </a:fld>
             <a:endParaRPr lang="es-ES"/>
           </a:p>
@@ -14990,7 +14130,7 @@
           <a:p>
             <a:fld id="{35226B97-4BCC-4502-8449-40926CDAD38A}" type="datetimeFigureOut">
               <a:rPr lang="es-ES" smtClean="0"/>
-              <a:t>04/03/2023</a:t>
+              <a:t>27/07/2023</a:t>
             </a:fld>
             <a:endParaRPr lang="es-ES"/>
           </a:p>
@@ -15402,7 +14542,7 @@
           <a:p>
             <a:fld id="{35226B97-4BCC-4502-8449-40926CDAD38A}" type="datetimeFigureOut">
               <a:rPr lang="es-ES" smtClean="0"/>
-              <a:t>04/03/2023</a:t>
+              <a:t>27/07/2023</a:t>
             </a:fld>
             <a:endParaRPr lang="es-ES"/>
           </a:p>
@@ -15543,7 +14683,7 @@
           <a:p>
             <a:fld id="{35226B97-4BCC-4502-8449-40926CDAD38A}" type="datetimeFigureOut">
               <a:rPr lang="es-ES" smtClean="0"/>
-              <a:t>04/03/2023</a:t>
+              <a:t>27/07/2023</a:t>
             </a:fld>
             <a:endParaRPr lang="es-ES"/>
           </a:p>
@@ -15656,7 +14796,7 @@
           <a:p>
             <a:fld id="{35226B97-4BCC-4502-8449-40926CDAD38A}" type="datetimeFigureOut">
               <a:rPr lang="es-ES" smtClean="0"/>
-              <a:t>04/03/2023</a:t>
+              <a:t>27/07/2023</a:t>
             </a:fld>
             <a:endParaRPr lang="es-ES"/>
           </a:p>
@@ -15967,7 +15107,7 @@
           <a:p>
             <a:fld id="{35226B97-4BCC-4502-8449-40926CDAD38A}" type="datetimeFigureOut">
               <a:rPr lang="es-ES" smtClean="0"/>
-              <a:t>04/03/2023</a:t>
+              <a:t>27/07/2023</a:t>
             </a:fld>
             <a:endParaRPr lang="es-ES"/>
           </a:p>
@@ -16255,7 +15395,7 @@
           <a:p>
             <a:fld id="{35226B97-4BCC-4502-8449-40926CDAD38A}" type="datetimeFigureOut">
               <a:rPr lang="es-ES" smtClean="0"/>
-              <a:t>04/03/2023</a:t>
+              <a:t>27/07/2023</a:t>
             </a:fld>
             <a:endParaRPr lang="es-ES"/>
           </a:p>
@@ -16496,7 +15636,7 @@
           <a:p>
             <a:fld id="{35226B97-4BCC-4502-8449-40926CDAD38A}" type="datetimeFigureOut">
               <a:rPr lang="es-ES" smtClean="0"/>
-              <a:t>04/03/2023</a:t>
+              <a:t>27/07/2023</a:t>
             </a:fld>
             <a:endParaRPr lang="es-ES"/>
           </a:p>
@@ -16927,8 +16067,8 @@
         </p:nvSpPr>
         <p:spPr>
           <a:xfrm>
-            <a:off x="2833040" y="2982620"/>
-            <a:ext cx="5454185" cy="584775"/>
+            <a:off x="3454477" y="2982620"/>
+            <a:ext cx="5077480" cy="584775"/>
           </a:xfrm>
           <a:prstGeom prst="rect">
             <a:avLst/>
@@ -16987,16 +16127,6 @@
             <a:r>
               <a:rPr lang="es-ES" sz="3200" dirty="0" err="1">
                 <a:solidFill>
-                  <a:srgbClr val="7030A0"/>
-                </a:solidFill>
-                <a:latin typeface="Calibri" panose="020F0502020204030204" pitchFamily="34" charset="0"/>
-                <a:cs typeface="Times New Roman" panose="02020603050405020304" pitchFamily="18" charset="0"/>
-              </a:rPr>
-              <a:t>Sec</a:t>
-            </a:r>
-            <a:r>
-              <a:rPr lang="es-ES" sz="3200" dirty="0" err="1">
-                <a:solidFill>
                   <a:srgbClr val="FF0000"/>
                 </a:solidFill>
                 <a:effectLst/>
@@ -17052,8 +16182,8 @@
         </p:nvSpPr>
         <p:spPr>
           <a:xfrm>
-            <a:off x="4775149" y="2743000"/>
-            <a:ext cx="3604591" cy="1086679"/>
+            <a:off x="5379868" y="2743000"/>
+            <a:ext cx="2999872" cy="1086679"/>
           </a:xfrm>
           <a:prstGeom prst="rect">
             <a:avLst/>
@@ -17061,7 +16191,7 @@
           <a:noFill/>
           <a:ln>
             <a:solidFill>
-              <a:schemeClr val="accent6"/>
+              <a:srgbClr val="92D050"/>
             </a:solidFill>
           </a:ln>
         </p:spPr>
@@ -17106,8 +16236,8 @@
         </p:nvSpPr>
         <p:spPr>
           <a:xfrm>
-            <a:off x="5563652" y="2815889"/>
-            <a:ext cx="2754000" cy="947530"/>
+            <a:off x="6169980" y="2815889"/>
+            <a:ext cx="2147671" cy="947530"/>
           </a:xfrm>
           <a:prstGeom prst="rect">
             <a:avLst/>
@@ -17115,7 +16245,7 @@
           <a:noFill/>
           <a:ln>
             <a:solidFill>
-              <a:schemeClr val="accent2"/>
+              <a:srgbClr val="FFC000"/>
             </a:solidFill>
           </a:ln>
         </p:spPr>
@@ -17160,8 +16290,8 @@
         </p:nvSpPr>
         <p:spPr>
           <a:xfrm>
-            <a:off x="6100365" y="2915277"/>
-            <a:ext cx="2160000" cy="756000"/>
+            <a:off x="6924583" y="2915277"/>
+            <a:ext cx="1335782" cy="756000"/>
           </a:xfrm>
           <a:prstGeom prst="rect">
             <a:avLst/>
@@ -17169,7 +16299,7 @@
           <a:noFill/>
           <a:ln>
             <a:solidFill>
-              <a:srgbClr val="7030A0"/>
+              <a:srgbClr val="FF0000"/>
             </a:solidFill>
           </a:ln>
         </p:spPr>
@@ -17214,8 +16344,8 @@
         </p:nvSpPr>
         <p:spPr>
           <a:xfrm>
-            <a:off x="6877522" y="3011605"/>
-            <a:ext cx="1332000" cy="576000"/>
+            <a:off x="7572652" y="3011605"/>
+            <a:ext cx="636870" cy="576000"/>
           </a:xfrm>
           <a:prstGeom prst="rect">
             <a:avLst/>
@@ -17223,61 +16353,7 @@
           <a:noFill/>
           <a:ln>
             <a:solidFill>
-              <a:srgbClr val="FF0000"/>
-            </a:solidFill>
-          </a:ln>
-        </p:spPr>
-        <p:style>
-          <a:lnRef idx="2">
-            <a:schemeClr val="accent1">
-              <a:shade val="50000"/>
-            </a:schemeClr>
-          </a:lnRef>
-          <a:fillRef idx="1">
-            <a:schemeClr val="accent1"/>
-          </a:fillRef>
-          <a:effectRef idx="0">
-            <a:schemeClr val="accent1"/>
-          </a:effectRef>
-          <a:fontRef idx="minor">
-            <a:schemeClr val="lt1"/>
-          </a:fontRef>
-        </p:style>
-        <p:txBody>
-          <a:bodyPr rtlCol="0" anchor="ctr"/>
-          <a:lstStyle/>
-          <a:p>
-            <a:pPr algn="ctr"/>
-            <a:endParaRPr lang="es-ES" dirty="0">
-              <a:noFill/>
-            </a:endParaRPr>
-          </a:p>
-        </p:txBody>
-      </p:sp>
-      <p:sp>
-        <p:nvSpPr>
-          <p:cNvPr id="30" name="Rectángulo 29">
-            <a:extLst>
-              <a:ext uri="{FF2B5EF4-FFF2-40B4-BE49-F238E27FC236}">
-                <a16:creationId xmlns:a16="http://schemas.microsoft.com/office/drawing/2014/main" id="{D6FE294A-C71B-3F3E-85A9-2EE99B2D49D5}"/>
-              </a:ext>
-            </a:extLst>
-          </p:cNvPr>
-          <p:cNvSpPr/>
-          <p:nvPr/>
-        </p:nvSpPr>
-        <p:spPr>
-          <a:xfrm>
-            <a:off x="7525522" y="3057988"/>
-            <a:ext cx="648000" cy="480144"/>
-          </a:xfrm>
-          <a:prstGeom prst="rect">
-            <a:avLst/>
-          </a:prstGeom>
-          <a:noFill/>
-          <a:ln>
-            <a:solidFill>
-              <a:schemeClr val="accent1"/>
+              <a:srgbClr val="0070C0"/>
             </a:solidFill>
           </a:ln>
         </p:spPr>
@@ -17322,8 +16398,8 @@
         </p:nvSpPr>
         <p:spPr>
           <a:xfrm>
-            <a:off x="4172175" y="2670115"/>
-            <a:ext cx="4266000" cy="1224000"/>
+            <a:off x="4793941" y="2670115"/>
+            <a:ext cx="3644233" cy="1224000"/>
           </a:xfrm>
           <a:prstGeom prst="rect">
             <a:avLst/>
@@ -17331,7 +16407,7 @@
           <a:noFill/>
           <a:ln>
             <a:solidFill>
-              <a:schemeClr val="accent1"/>
+              <a:srgbClr val="0070C0"/>
             </a:solidFill>
           </a:ln>
         </p:spPr>
@@ -17376,8 +16452,8 @@
         </p:nvSpPr>
         <p:spPr>
           <a:xfrm>
-            <a:off x="3400427" y="2614622"/>
-            <a:ext cx="5118708" cy="1360453"/>
+            <a:off x="4021583" y="2614622"/>
+            <a:ext cx="4497551" cy="1360453"/>
           </a:xfrm>
           <a:prstGeom prst="rect">
             <a:avLst/>
@@ -17934,7 +17010,7 @@
           <p:nvPr>
             <p:extLst>
               <p:ext uri="{D42A27DB-BD31-4B8C-83A1-F6EECF244321}">
-                <p14:modId xmlns:p14="http://schemas.microsoft.com/office/powerpoint/2010/main" val="3120787104"/>
+                <p14:modId xmlns:p14="http://schemas.microsoft.com/office/powerpoint/2010/main" val="259972878"/>
               </p:ext>
             </p:extLst>
           </p:nvPr>
@@ -18180,7 +17256,7 @@
           <p:nvPr>
             <p:extLst>
               <p:ext uri="{D42A27DB-BD31-4B8C-83A1-F6EECF244321}">
-                <p14:modId xmlns:p14="http://schemas.microsoft.com/office/powerpoint/2010/main" val="3029676094"/>
+                <p14:modId xmlns:p14="http://schemas.microsoft.com/office/powerpoint/2010/main" val="4177064126"/>
               </p:ext>
             </p:extLst>
           </p:nvPr>

--- a/CV-AJTR.pptx
+++ b/CV-AJTR.pptx
@@ -3109,7 +3109,7 @@
                 <a:srgbClr val="FF0000"/>
               </a:solidFill>
             </a:rPr>
-            <a:t>5.1</a:t>
+            <a:t>4.1</a:t>
           </a:r>
           <a:r>
             <a:rPr lang="es-ES" sz="1900" kern="1200" dirty="0">
@@ -3141,7 +3141,7 @@
                 <a:srgbClr val="FF0000"/>
               </a:solidFill>
             </a:rPr>
-            <a:t>5.2</a:t>
+            <a:t>4.2</a:t>
           </a:r>
           <a:r>
             <a:rPr lang="es-ES" sz="1900" kern="1200" dirty="0">
@@ -3164,7 +3164,7 @@
                 <a:schemeClr val="accent5"/>
               </a:solidFill>
             </a:rPr>
-            <a:t>6.1</a:t>
+            <a:t>5.1</a:t>
           </a:r>
           <a:r>
             <a:rPr lang="es-ES" sz="1900" kern="1200" dirty="0">
@@ -3172,7 +3172,23 @@
                 <a:schemeClr val="tx1"/>
               </a:solidFill>
             </a:rPr>
-            <a:t> Frontend   </a:t>
+            <a:t> </a:t>
+          </a:r>
+          <a:r>
+            <a:rPr lang="es-ES" sz="1900" kern="1200" dirty="0" err="1">
+              <a:solidFill>
+                <a:schemeClr val="tx1"/>
+              </a:solidFill>
+            </a:rPr>
+            <a:t>Frontend</a:t>
+          </a:r>
+          <a:r>
+            <a:rPr lang="es-ES" sz="1900" kern="1200" dirty="0">
+              <a:solidFill>
+                <a:schemeClr val="tx1"/>
+              </a:solidFill>
+            </a:rPr>
+            <a:t>   </a:t>
           </a:r>
           <a:r>
             <a:rPr lang="es-ES" sz="1900" b="1" kern="1200" dirty="0">
@@ -3180,7 +3196,7 @@
                 <a:schemeClr val="accent5"/>
               </a:solidFill>
             </a:rPr>
-            <a:t>6.2</a:t>
+            <a:t>5.2</a:t>
           </a:r>
           <a:r>
             <a:rPr lang="es-ES" sz="1900" kern="1200" dirty="0">
@@ -3203,7 +3219,7 @@
                 <a:schemeClr val="accent5"/>
               </a:solidFill>
             </a:rPr>
-            <a:t>6.3</a:t>
+            <a:t>5.3</a:t>
           </a:r>
           <a:r>
             <a:rPr lang="es-ES" sz="1900" kern="1200" dirty="0">
@@ -3211,7 +3227,23 @@
                 <a:schemeClr val="tx1"/>
               </a:solidFill>
             </a:rPr>
-            <a:t> Fullstack    </a:t>
+            <a:t> </a:t>
+          </a:r>
+          <a:r>
+            <a:rPr lang="es-ES" sz="1900" kern="1200" dirty="0" err="1">
+              <a:solidFill>
+                <a:schemeClr val="tx1"/>
+              </a:solidFill>
+            </a:rPr>
+            <a:t>Fullstack</a:t>
+          </a:r>
+          <a:r>
+            <a:rPr lang="es-ES" sz="1900" kern="1200" dirty="0">
+              <a:solidFill>
+                <a:schemeClr val="tx1"/>
+              </a:solidFill>
+            </a:rPr>
+            <a:t>    </a:t>
           </a:r>
           <a:r>
             <a:rPr lang="es-ES" sz="1900" b="1" kern="1200" dirty="0">
@@ -3222,7 +3254,7 @@
               <a:ea typeface="+mn-ea"/>
               <a:cs typeface="+mn-cs"/>
             </a:rPr>
-            <a:t>6.4</a:t>
+            <a:t>5.4</a:t>
           </a:r>
           <a:r>
             <a:rPr lang="es-ES" sz="1900" kern="1200" dirty="0">
@@ -3245,7 +3277,7 @@
                 <a:schemeClr val="accent4"/>
               </a:solidFill>
             </a:rPr>
-            <a:t>7.1 </a:t>
+            <a:t>6.1 </a:t>
           </a:r>
           <a:r>
             <a:rPr lang="es-ES" sz="1900" kern="1200" dirty="0">
@@ -3484,7 +3516,7 @@
                 <a:srgbClr val="FF0000"/>
               </a:solidFill>
             </a:rPr>
-            <a:t>5.1.1</a:t>
+            <a:t>4.1.1</a:t>
           </a:r>
           <a:r>
             <a:rPr lang="es-ES" sz="1800" kern="1200" dirty="0">
@@ -3507,7 +3539,7 @@
                 <a:srgbClr val="FF0000"/>
               </a:solidFill>
             </a:rPr>
-            <a:t>5.2.1</a:t>
+            <a:t>4.2.1</a:t>
           </a:r>
           <a:r>
             <a:rPr lang="es-ES" sz="1800" kern="1200" dirty="0">
@@ -3523,7 +3555,7 @@
                 <a:srgbClr val="FF0000"/>
               </a:solidFill>
             </a:rPr>
-            <a:t>5.2.2</a:t>
+            <a:t>4.2.2</a:t>
           </a:r>
           <a:r>
             <a:rPr lang="es-ES" sz="1800" kern="1200" dirty="0">
@@ -3546,7 +3578,7 @@
                 <a:schemeClr val="accent5"/>
               </a:solidFill>
             </a:rPr>
-            <a:t>6.1.1</a:t>
+            <a:t>5.1.1</a:t>
           </a:r>
           <a:r>
             <a:rPr lang="es-ES" sz="1800" kern="1200" dirty="0">
@@ -3569,7 +3601,7 @@
                 <a:schemeClr val="accent5"/>
               </a:solidFill>
             </a:rPr>
-            <a:t>6.2.1</a:t>
+            <a:t>5.2.1</a:t>
           </a:r>
           <a:r>
             <a:rPr lang="es-ES" sz="1800" kern="1200" dirty="0">
@@ -3600,7 +3632,7 @@
                 <a:schemeClr val="accent5"/>
               </a:solidFill>
             </a:rPr>
-            <a:t>6.3.1</a:t>
+            <a:t>5.3.1</a:t>
           </a:r>
           <a:r>
             <a:rPr lang="es-ES" sz="1800" kern="1200" dirty="0">
@@ -3619,7 +3651,7 @@
               <a:ea typeface="+mn-ea"/>
               <a:cs typeface="+mn-cs"/>
             </a:rPr>
-            <a:t>6.4.1</a:t>
+            <a:t>5.4.1</a:t>
           </a:r>
           <a:r>
             <a:rPr lang="es-ES" sz="1800" kern="1200" dirty="0">
@@ -3635,7 +3667,7 @@
                 <a:schemeClr val="accent4"/>
               </a:solidFill>
             </a:rPr>
-            <a:t>7.1.1</a:t>
+            <a:t>6.1.1</a:t>
           </a:r>
           <a:r>
             <a:rPr lang="es-ES" sz="1800" kern="1200" dirty="0">
@@ -3684,7 +3716,7 @@
           <a:pPr algn="l"/>
           <a:r>
             <a:rPr lang="es-ES" sz="2400" dirty="0"/>
-            <a:t>5 Infrastructure</a:t>
+            <a:t>4 Infrastructure</a:t>
           </a:r>
         </a:p>
       </dgm:t>
@@ -3725,7 +3757,7 @@
           <a:pPr algn="l"/>
           <a:r>
             <a:rPr lang="es-ES" sz="2400" dirty="0"/>
-            <a:t>6 Development</a:t>
+            <a:t>5 Development</a:t>
           </a:r>
         </a:p>
       </dgm:t>
@@ -3766,7 +3798,7 @@
           <a:pPr algn="l"/>
           <a:r>
             <a:rPr lang="es-ES" sz="2400" dirty="0"/>
-            <a:t>7 Operations</a:t>
+            <a:t>6 Operations</a:t>
           </a:r>
         </a:p>
       </dgm:t>
@@ -4477,7 +4509,7 @@
                 <a:srgbClr val="FF0000"/>
               </a:solidFill>
             </a:rPr>
-            <a:t>5.1</a:t>
+            <a:t>4.1</a:t>
           </a:r>
           <a:r>
             <a:rPr lang="es-ES" sz="1900" kern="1200" dirty="0">
@@ -4509,7 +4541,7 @@
                 <a:srgbClr val="FF0000"/>
               </a:solidFill>
             </a:rPr>
-            <a:t>5.2</a:t>
+            <a:t>4.2</a:t>
           </a:r>
           <a:r>
             <a:rPr lang="es-ES" sz="1900" kern="1200" dirty="0">
@@ -4532,7 +4564,7 @@
                 <a:schemeClr val="accent5"/>
               </a:solidFill>
             </a:rPr>
-            <a:t>6.1</a:t>
+            <a:t>5.1</a:t>
           </a:r>
           <a:r>
             <a:rPr lang="es-ES" sz="1900" kern="1200" dirty="0">
@@ -4540,7 +4572,23 @@
                 <a:schemeClr val="tx1"/>
               </a:solidFill>
             </a:rPr>
-            <a:t> Frontend   </a:t>
+            <a:t> </a:t>
+          </a:r>
+          <a:r>
+            <a:rPr lang="es-ES" sz="1900" kern="1200" dirty="0" err="1">
+              <a:solidFill>
+                <a:schemeClr val="tx1"/>
+              </a:solidFill>
+            </a:rPr>
+            <a:t>Frontend</a:t>
+          </a:r>
+          <a:r>
+            <a:rPr lang="es-ES" sz="1900" kern="1200" dirty="0">
+              <a:solidFill>
+                <a:schemeClr val="tx1"/>
+              </a:solidFill>
+            </a:rPr>
+            <a:t>   </a:t>
           </a:r>
           <a:r>
             <a:rPr lang="es-ES" sz="1900" b="1" kern="1200" dirty="0">
@@ -4548,7 +4596,7 @@
                 <a:schemeClr val="accent5"/>
               </a:solidFill>
             </a:rPr>
-            <a:t>6.2</a:t>
+            <a:t>5.2</a:t>
           </a:r>
           <a:r>
             <a:rPr lang="es-ES" sz="1900" kern="1200" dirty="0">
@@ -4571,7 +4619,7 @@
                 <a:schemeClr val="accent5"/>
               </a:solidFill>
             </a:rPr>
-            <a:t>6.3</a:t>
+            <a:t>5.3</a:t>
           </a:r>
           <a:r>
             <a:rPr lang="es-ES" sz="1900" kern="1200" dirty="0">
@@ -4579,7 +4627,23 @@
                 <a:schemeClr val="tx1"/>
               </a:solidFill>
             </a:rPr>
-            <a:t> Fullstack    </a:t>
+            <a:t> </a:t>
+          </a:r>
+          <a:r>
+            <a:rPr lang="es-ES" sz="1900" kern="1200" dirty="0" err="1">
+              <a:solidFill>
+                <a:schemeClr val="tx1"/>
+              </a:solidFill>
+            </a:rPr>
+            <a:t>Fullstack</a:t>
+          </a:r>
+          <a:r>
+            <a:rPr lang="es-ES" sz="1900" kern="1200" dirty="0">
+              <a:solidFill>
+                <a:schemeClr val="tx1"/>
+              </a:solidFill>
+            </a:rPr>
+            <a:t>    </a:t>
           </a:r>
           <a:r>
             <a:rPr lang="es-ES" sz="1900" b="1" kern="1200" dirty="0">
@@ -4590,7 +4654,7 @@
               <a:ea typeface="+mn-ea"/>
               <a:cs typeface="+mn-cs"/>
             </a:rPr>
-            <a:t>6.4</a:t>
+            <a:t>5.4</a:t>
           </a:r>
           <a:r>
             <a:rPr lang="es-ES" sz="1900" kern="1200" dirty="0">
@@ -4613,7 +4677,7 @@
                 <a:schemeClr val="accent4"/>
               </a:solidFill>
             </a:rPr>
-            <a:t>7.1 </a:t>
+            <a:t>6.1 </a:t>
           </a:r>
           <a:r>
             <a:rPr lang="es-ES" sz="1900" kern="1200" dirty="0">
@@ -4852,7 +4916,7 @@
                 <a:srgbClr val="FF0000"/>
               </a:solidFill>
             </a:rPr>
-            <a:t>5.1.1</a:t>
+            <a:t>4.1.1</a:t>
           </a:r>
           <a:r>
             <a:rPr lang="es-ES" sz="1800" kern="1200" dirty="0">
@@ -4875,7 +4939,7 @@
                 <a:srgbClr val="FF0000"/>
               </a:solidFill>
             </a:rPr>
-            <a:t>5.2.1</a:t>
+            <a:t>4.2.1</a:t>
           </a:r>
           <a:r>
             <a:rPr lang="es-ES" sz="1800" kern="1200" dirty="0">
@@ -4891,7 +4955,7 @@
                 <a:srgbClr val="FF0000"/>
               </a:solidFill>
             </a:rPr>
-            <a:t>5.2.2</a:t>
+            <a:t>4.2.2</a:t>
           </a:r>
           <a:r>
             <a:rPr lang="es-ES" sz="1800" kern="1200" dirty="0">
@@ -4914,7 +4978,7 @@
                 <a:schemeClr val="accent5"/>
               </a:solidFill>
             </a:rPr>
-            <a:t>6.1.1</a:t>
+            <a:t>5.1.1</a:t>
           </a:r>
           <a:r>
             <a:rPr lang="es-ES" sz="1800" kern="1200" dirty="0">
@@ -4937,7 +5001,7 @@
                 <a:schemeClr val="accent5"/>
               </a:solidFill>
             </a:rPr>
-            <a:t>6.2.1</a:t>
+            <a:t>5.2.1</a:t>
           </a:r>
           <a:r>
             <a:rPr lang="es-ES" sz="1800" kern="1200" dirty="0">
@@ -4968,7 +5032,7 @@
                 <a:schemeClr val="accent5"/>
               </a:solidFill>
             </a:rPr>
-            <a:t>6.3.1</a:t>
+            <a:t>5.3.1</a:t>
           </a:r>
           <a:r>
             <a:rPr lang="es-ES" sz="1800" kern="1200" dirty="0">
@@ -4987,7 +5051,7 @@
               <a:ea typeface="+mn-ea"/>
               <a:cs typeface="+mn-cs"/>
             </a:rPr>
-            <a:t>6.4.1</a:t>
+            <a:t>5.4.1</a:t>
           </a:r>
           <a:r>
             <a:rPr lang="es-ES" sz="1800" kern="1200" dirty="0">
@@ -5003,7 +5067,7 @@
                 <a:schemeClr val="accent4"/>
               </a:solidFill>
             </a:rPr>
-            <a:t>7.1.1</a:t>
+            <a:t>6.1.1</a:t>
           </a:r>
           <a:r>
             <a:rPr lang="es-ES" sz="1800" kern="1200" dirty="0">
@@ -5052,7 +5116,7 @@
           <a:pPr algn="l"/>
           <a:r>
             <a:rPr lang="es-ES" sz="2400" dirty="0"/>
-            <a:t>5 Infrastructure</a:t>
+            <a:t>4 Infrastructure</a:t>
           </a:r>
         </a:p>
       </dgm:t>
@@ -5093,7 +5157,7 @@
           <a:pPr algn="l"/>
           <a:r>
             <a:rPr lang="es-ES" sz="2400" dirty="0"/>
-            <a:t>6 Development</a:t>
+            <a:t>5 Development</a:t>
           </a:r>
         </a:p>
       </dgm:t>
@@ -5134,7 +5198,7 @@
           <a:pPr algn="l"/>
           <a:r>
             <a:rPr lang="es-ES" sz="2400" dirty="0"/>
-            <a:t>7 Operations</a:t>
+            <a:t>6 Operations</a:t>
           </a:r>
         </a:p>
       </dgm:t>
@@ -6159,7 +6223,7 @@
           </a:pPr>
           <a:r>
             <a:rPr lang="es-ES" sz="2400" kern="1200" dirty="0"/>
-            <a:t>5 Infrastructure</a:t>
+            <a:t>4 Infrastructure</a:t>
           </a:r>
         </a:p>
       </dsp:txBody>
@@ -6234,7 +6298,7 @@
           </a:pPr>
           <a:r>
             <a:rPr lang="es-ES" sz="2400" kern="1200" dirty="0"/>
-            <a:t>6 Development</a:t>
+            <a:t>5 Development</a:t>
           </a:r>
         </a:p>
       </dsp:txBody>
@@ -6309,7 +6373,7 @@
           </a:pPr>
           <a:r>
             <a:rPr lang="es-ES" sz="2400" kern="1200" dirty="0"/>
-            <a:t>7 Operations</a:t>
+            <a:t>6 Operations</a:t>
           </a:r>
         </a:p>
       </dsp:txBody>
@@ -6623,7 +6687,7 @@
                 <a:srgbClr val="FF0000"/>
               </a:solidFill>
             </a:rPr>
-            <a:t>5.1</a:t>
+            <a:t>4.1</a:t>
           </a:r>
           <a:r>
             <a:rPr lang="es-ES" sz="1900" kern="1200" dirty="0">
@@ -6655,7 +6719,7 @@
                 <a:srgbClr val="FF0000"/>
               </a:solidFill>
             </a:rPr>
-            <a:t>5.2</a:t>
+            <a:t>4.2</a:t>
           </a:r>
           <a:r>
             <a:rPr lang="es-ES" sz="1900" kern="1200" dirty="0">
@@ -6678,7 +6742,7 @@
                 <a:schemeClr val="accent5"/>
               </a:solidFill>
             </a:rPr>
-            <a:t>6.1</a:t>
+            <a:t>5.1</a:t>
           </a:r>
           <a:r>
             <a:rPr lang="es-ES" sz="1900" kern="1200" dirty="0">
@@ -6686,7 +6750,23 @@
                 <a:schemeClr val="tx1"/>
               </a:solidFill>
             </a:rPr>
-            <a:t> Frontend   </a:t>
+            <a:t> </a:t>
+          </a:r>
+          <a:r>
+            <a:rPr lang="es-ES" sz="1900" kern="1200" dirty="0" err="1">
+              <a:solidFill>
+                <a:schemeClr val="tx1"/>
+              </a:solidFill>
+            </a:rPr>
+            <a:t>Frontend</a:t>
+          </a:r>
+          <a:r>
+            <a:rPr lang="es-ES" sz="1900" kern="1200" dirty="0">
+              <a:solidFill>
+                <a:schemeClr val="tx1"/>
+              </a:solidFill>
+            </a:rPr>
+            <a:t>   </a:t>
           </a:r>
           <a:r>
             <a:rPr lang="es-ES" sz="1900" b="1" kern="1200" dirty="0">
@@ -6694,7 +6774,7 @@
                 <a:schemeClr val="accent5"/>
               </a:solidFill>
             </a:rPr>
-            <a:t>6.2</a:t>
+            <a:t>5.2</a:t>
           </a:r>
           <a:r>
             <a:rPr lang="es-ES" sz="1900" kern="1200" dirty="0">
@@ -6717,7 +6797,7 @@
                 <a:schemeClr val="accent5"/>
               </a:solidFill>
             </a:rPr>
-            <a:t>6.3</a:t>
+            <a:t>5.3</a:t>
           </a:r>
           <a:r>
             <a:rPr lang="es-ES" sz="1900" kern="1200" dirty="0">
@@ -6725,7 +6805,23 @@
                 <a:schemeClr val="tx1"/>
               </a:solidFill>
             </a:rPr>
-            <a:t> Fullstack    </a:t>
+            <a:t> </a:t>
+          </a:r>
+          <a:r>
+            <a:rPr lang="es-ES" sz="1900" kern="1200" dirty="0" err="1">
+              <a:solidFill>
+                <a:schemeClr val="tx1"/>
+              </a:solidFill>
+            </a:rPr>
+            <a:t>Fullstack</a:t>
+          </a:r>
+          <a:r>
+            <a:rPr lang="es-ES" sz="1900" kern="1200" dirty="0">
+              <a:solidFill>
+                <a:schemeClr val="tx1"/>
+              </a:solidFill>
+            </a:rPr>
+            <a:t>    </a:t>
           </a:r>
           <a:r>
             <a:rPr lang="es-ES" sz="1900" b="1" kern="1200" dirty="0">
@@ -6736,7 +6832,7 @@
               <a:ea typeface="+mn-ea"/>
               <a:cs typeface="+mn-cs"/>
             </a:rPr>
-            <a:t>6.4</a:t>
+            <a:t>5.4</a:t>
           </a:r>
           <a:r>
             <a:rPr lang="es-ES" sz="1900" kern="1200" dirty="0">
@@ -6759,7 +6855,7 @@
                 <a:schemeClr val="accent4"/>
               </a:solidFill>
             </a:rPr>
-            <a:t>7.1 </a:t>
+            <a:t>6.1 </a:t>
           </a:r>
           <a:r>
             <a:rPr lang="es-ES" sz="1900" kern="1200" dirty="0">
@@ -7042,7 +7138,7 @@
                 <a:srgbClr val="FF0000"/>
               </a:solidFill>
             </a:rPr>
-            <a:t>5.1.1</a:t>
+            <a:t>4.1.1</a:t>
           </a:r>
           <a:r>
             <a:rPr lang="es-ES" sz="1800" kern="1200" dirty="0">
@@ -7065,7 +7161,7 @@
                 <a:srgbClr val="FF0000"/>
               </a:solidFill>
             </a:rPr>
-            <a:t>5.2.1</a:t>
+            <a:t>4.2.1</a:t>
           </a:r>
           <a:r>
             <a:rPr lang="es-ES" sz="1800" kern="1200" dirty="0">
@@ -7081,7 +7177,7 @@
                 <a:srgbClr val="FF0000"/>
               </a:solidFill>
             </a:rPr>
-            <a:t>5.2.2</a:t>
+            <a:t>4.2.2</a:t>
           </a:r>
           <a:r>
             <a:rPr lang="es-ES" sz="1800" kern="1200" dirty="0">
@@ -7104,7 +7200,7 @@
                 <a:schemeClr val="accent5"/>
               </a:solidFill>
             </a:rPr>
-            <a:t>6.1.1</a:t>
+            <a:t>5.1.1</a:t>
           </a:r>
           <a:r>
             <a:rPr lang="es-ES" sz="1800" kern="1200" dirty="0">
@@ -7127,7 +7223,7 @@
                 <a:schemeClr val="accent5"/>
               </a:solidFill>
             </a:rPr>
-            <a:t>6.2.1</a:t>
+            <a:t>5.2.1</a:t>
           </a:r>
           <a:r>
             <a:rPr lang="es-ES" sz="1800" kern="1200" dirty="0">
@@ -7158,7 +7254,7 @@
                 <a:schemeClr val="accent5"/>
               </a:solidFill>
             </a:rPr>
-            <a:t>6.3.1</a:t>
+            <a:t>5.3.1</a:t>
           </a:r>
           <a:r>
             <a:rPr lang="es-ES" sz="1800" kern="1200" dirty="0">
@@ -7177,7 +7273,7 @@
               <a:ea typeface="+mn-ea"/>
               <a:cs typeface="+mn-cs"/>
             </a:rPr>
-            <a:t>6.4.1</a:t>
+            <a:t>5.4.1</a:t>
           </a:r>
           <a:r>
             <a:rPr lang="es-ES" sz="1800" kern="1200" dirty="0">
@@ -7193,7 +7289,7 @@
                 <a:schemeClr val="accent4"/>
               </a:solidFill>
             </a:rPr>
-            <a:t>7.1.1</a:t>
+            <a:t>6.1.1</a:t>
           </a:r>
           <a:r>
             <a:rPr lang="es-ES" sz="1800" kern="1200" dirty="0">
@@ -7582,7 +7678,7 @@
           </a:pPr>
           <a:r>
             <a:rPr lang="es-ES" sz="2400" kern="1200" dirty="0"/>
-            <a:t>5 Infrastructure</a:t>
+            <a:t>4 Infrastructure</a:t>
           </a:r>
         </a:p>
       </dsp:txBody>
@@ -7657,7 +7753,7 @@
           </a:pPr>
           <a:r>
             <a:rPr lang="es-ES" sz="2400" kern="1200" dirty="0"/>
-            <a:t>6 Development</a:t>
+            <a:t>5 Development</a:t>
           </a:r>
         </a:p>
       </dsp:txBody>
@@ -7732,7 +7828,7 @@
           </a:pPr>
           <a:r>
             <a:rPr lang="es-ES" sz="2400" kern="1200" dirty="0"/>
-            <a:t>7 Operations</a:t>
+            <a:t>6 Operations</a:t>
           </a:r>
         </a:p>
       </dsp:txBody>
@@ -8046,7 +8142,7 @@
                 <a:srgbClr val="FF0000"/>
               </a:solidFill>
             </a:rPr>
-            <a:t>5.1</a:t>
+            <a:t>4.1</a:t>
           </a:r>
           <a:r>
             <a:rPr lang="es-ES" sz="1900" kern="1200" dirty="0">
@@ -8078,7 +8174,7 @@
                 <a:srgbClr val="FF0000"/>
               </a:solidFill>
             </a:rPr>
-            <a:t>5.2</a:t>
+            <a:t>4.2</a:t>
           </a:r>
           <a:r>
             <a:rPr lang="es-ES" sz="1900" kern="1200" dirty="0">
@@ -8101,7 +8197,7 @@
                 <a:schemeClr val="accent5"/>
               </a:solidFill>
             </a:rPr>
-            <a:t>6.1</a:t>
+            <a:t>5.1</a:t>
           </a:r>
           <a:r>
             <a:rPr lang="es-ES" sz="1900" kern="1200" dirty="0">
@@ -8109,7 +8205,23 @@
                 <a:schemeClr val="tx1"/>
               </a:solidFill>
             </a:rPr>
-            <a:t> Frontend   </a:t>
+            <a:t> </a:t>
+          </a:r>
+          <a:r>
+            <a:rPr lang="es-ES" sz="1900" kern="1200" dirty="0" err="1">
+              <a:solidFill>
+                <a:schemeClr val="tx1"/>
+              </a:solidFill>
+            </a:rPr>
+            <a:t>Frontend</a:t>
+          </a:r>
+          <a:r>
+            <a:rPr lang="es-ES" sz="1900" kern="1200" dirty="0">
+              <a:solidFill>
+                <a:schemeClr val="tx1"/>
+              </a:solidFill>
+            </a:rPr>
+            <a:t>   </a:t>
           </a:r>
           <a:r>
             <a:rPr lang="es-ES" sz="1900" b="1" kern="1200" dirty="0">
@@ -8117,7 +8229,7 @@
                 <a:schemeClr val="accent5"/>
               </a:solidFill>
             </a:rPr>
-            <a:t>6.2</a:t>
+            <a:t>5.2</a:t>
           </a:r>
           <a:r>
             <a:rPr lang="es-ES" sz="1900" kern="1200" dirty="0">
@@ -8140,7 +8252,7 @@
                 <a:schemeClr val="accent5"/>
               </a:solidFill>
             </a:rPr>
-            <a:t>6.3</a:t>
+            <a:t>5.3</a:t>
           </a:r>
           <a:r>
             <a:rPr lang="es-ES" sz="1900" kern="1200" dirty="0">
@@ -8148,7 +8260,23 @@
                 <a:schemeClr val="tx1"/>
               </a:solidFill>
             </a:rPr>
-            <a:t> Fullstack    </a:t>
+            <a:t> </a:t>
+          </a:r>
+          <a:r>
+            <a:rPr lang="es-ES" sz="1900" kern="1200" dirty="0" err="1">
+              <a:solidFill>
+                <a:schemeClr val="tx1"/>
+              </a:solidFill>
+            </a:rPr>
+            <a:t>Fullstack</a:t>
+          </a:r>
+          <a:r>
+            <a:rPr lang="es-ES" sz="1900" kern="1200" dirty="0">
+              <a:solidFill>
+                <a:schemeClr val="tx1"/>
+              </a:solidFill>
+            </a:rPr>
+            <a:t>    </a:t>
           </a:r>
           <a:r>
             <a:rPr lang="es-ES" sz="1900" b="1" kern="1200" dirty="0">
@@ -8159,7 +8287,7 @@
               <a:ea typeface="+mn-ea"/>
               <a:cs typeface="+mn-cs"/>
             </a:rPr>
-            <a:t>6.4</a:t>
+            <a:t>5.4</a:t>
           </a:r>
           <a:r>
             <a:rPr lang="es-ES" sz="1900" kern="1200" dirty="0">
@@ -8182,7 +8310,7 @@
                 <a:schemeClr val="accent4"/>
               </a:solidFill>
             </a:rPr>
-            <a:t>7.1 </a:t>
+            <a:t>6.1 </a:t>
           </a:r>
           <a:r>
             <a:rPr lang="es-ES" sz="1900" kern="1200" dirty="0">
@@ -8465,7 +8593,7 @@
                 <a:srgbClr val="FF0000"/>
               </a:solidFill>
             </a:rPr>
-            <a:t>5.1.1</a:t>
+            <a:t>4.1.1</a:t>
           </a:r>
           <a:r>
             <a:rPr lang="es-ES" sz="1800" kern="1200" dirty="0">
@@ -8488,7 +8616,7 @@
                 <a:srgbClr val="FF0000"/>
               </a:solidFill>
             </a:rPr>
-            <a:t>5.2.1</a:t>
+            <a:t>4.2.1</a:t>
           </a:r>
           <a:r>
             <a:rPr lang="es-ES" sz="1800" kern="1200" dirty="0">
@@ -8504,7 +8632,7 @@
                 <a:srgbClr val="FF0000"/>
               </a:solidFill>
             </a:rPr>
-            <a:t>5.2.2</a:t>
+            <a:t>4.2.2</a:t>
           </a:r>
           <a:r>
             <a:rPr lang="es-ES" sz="1800" kern="1200" dirty="0">
@@ -8527,7 +8655,7 @@
                 <a:schemeClr val="accent5"/>
               </a:solidFill>
             </a:rPr>
-            <a:t>6.1.1</a:t>
+            <a:t>5.1.1</a:t>
           </a:r>
           <a:r>
             <a:rPr lang="es-ES" sz="1800" kern="1200" dirty="0">
@@ -8550,7 +8678,7 @@
                 <a:schemeClr val="accent5"/>
               </a:solidFill>
             </a:rPr>
-            <a:t>6.2.1</a:t>
+            <a:t>5.2.1</a:t>
           </a:r>
           <a:r>
             <a:rPr lang="es-ES" sz="1800" kern="1200" dirty="0">
@@ -8581,7 +8709,7 @@
                 <a:schemeClr val="accent5"/>
               </a:solidFill>
             </a:rPr>
-            <a:t>6.3.1</a:t>
+            <a:t>5.3.1</a:t>
           </a:r>
           <a:r>
             <a:rPr lang="es-ES" sz="1800" kern="1200" dirty="0">
@@ -8600,7 +8728,7 @@
               <a:ea typeface="+mn-ea"/>
               <a:cs typeface="+mn-cs"/>
             </a:rPr>
-            <a:t>6.4.1</a:t>
+            <a:t>5.4.1</a:t>
           </a:r>
           <a:r>
             <a:rPr lang="es-ES" sz="1800" kern="1200" dirty="0">
@@ -8616,7 +8744,7 @@
                 <a:schemeClr val="accent4"/>
               </a:solidFill>
             </a:rPr>
-            <a:t>7.1.1</a:t>
+            <a:t>6.1.1</a:t>
           </a:r>
           <a:r>
             <a:rPr lang="es-ES" sz="1800" kern="1200" dirty="0">
@@ -12404,7 +12532,7 @@
           <a:p>
             <a:fld id="{ED151C14-CE9E-4E23-B501-D21E82FDEE26}" type="datetimeFigureOut">
               <a:rPr lang="es-ES" smtClean="0"/>
-              <a:t>27/07/2023</a:t>
+              <a:t>03/08/2023</a:t>
             </a:fld>
             <a:endParaRPr lang="es-ES"/>
           </a:p>
@@ -12986,7 +13114,7 @@
           <a:p>
             <a:fld id="{35226B97-4BCC-4502-8449-40926CDAD38A}" type="datetimeFigureOut">
               <a:rPr lang="es-ES" smtClean="0"/>
-              <a:t>27/07/2023</a:t>
+              <a:t>03/08/2023</a:t>
             </a:fld>
             <a:endParaRPr lang="es-ES"/>
           </a:p>
@@ -13184,7 +13312,7 @@
           <a:p>
             <a:fld id="{35226B97-4BCC-4502-8449-40926CDAD38A}" type="datetimeFigureOut">
               <a:rPr lang="es-ES" smtClean="0"/>
-              <a:t>27/07/2023</a:t>
+              <a:t>03/08/2023</a:t>
             </a:fld>
             <a:endParaRPr lang="es-ES"/>
           </a:p>
@@ -13392,7 +13520,7 @@
           <a:p>
             <a:fld id="{35226B97-4BCC-4502-8449-40926CDAD38A}" type="datetimeFigureOut">
               <a:rPr lang="es-ES" smtClean="0"/>
-              <a:t>27/07/2023</a:t>
+              <a:t>03/08/2023</a:t>
             </a:fld>
             <a:endParaRPr lang="es-ES"/>
           </a:p>
@@ -13590,7 +13718,7 @@
           <a:p>
             <a:fld id="{35226B97-4BCC-4502-8449-40926CDAD38A}" type="datetimeFigureOut">
               <a:rPr lang="es-ES" smtClean="0"/>
-              <a:t>27/07/2023</a:t>
+              <a:t>03/08/2023</a:t>
             </a:fld>
             <a:endParaRPr lang="es-ES"/>
           </a:p>
@@ -13865,7 +13993,7 @@
           <a:p>
             <a:fld id="{35226B97-4BCC-4502-8449-40926CDAD38A}" type="datetimeFigureOut">
               <a:rPr lang="es-ES" smtClean="0"/>
-              <a:t>27/07/2023</a:t>
+              <a:t>03/08/2023</a:t>
             </a:fld>
             <a:endParaRPr lang="es-ES"/>
           </a:p>
@@ -14130,7 +14258,7 @@
           <a:p>
             <a:fld id="{35226B97-4BCC-4502-8449-40926CDAD38A}" type="datetimeFigureOut">
               <a:rPr lang="es-ES" smtClean="0"/>
-              <a:t>27/07/2023</a:t>
+              <a:t>03/08/2023</a:t>
             </a:fld>
             <a:endParaRPr lang="es-ES"/>
           </a:p>
@@ -14542,7 +14670,7 @@
           <a:p>
             <a:fld id="{35226B97-4BCC-4502-8449-40926CDAD38A}" type="datetimeFigureOut">
               <a:rPr lang="es-ES" smtClean="0"/>
-              <a:t>27/07/2023</a:t>
+              <a:t>03/08/2023</a:t>
             </a:fld>
             <a:endParaRPr lang="es-ES"/>
           </a:p>
@@ -14683,7 +14811,7 @@
           <a:p>
             <a:fld id="{35226B97-4BCC-4502-8449-40926CDAD38A}" type="datetimeFigureOut">
               <a:rPr lang="es-ES" smtClean="0"/>
-              <a:t>27/07/2023</a:t>
+              <a:t>03/08/2023</a:t>
             </a:fld>
             <a:endParaRPr lang="es-ES"/>
           </a:p>
@@ -14796,7 +14924,7 @@
           <a:p>
             <a:fld id="{35226B97-4BCC-4502-8449-40926CDAD38A}" type="datetimeFigureOut">
               <a:rPr lang="es-ES" smtClean="0"/>
-              <a:t>27/07/2023</a:t>
+              <a:t>03/08/2023</a:t>
             </a:fld>
             <a:endParaRPr lang="es-ES"/>
           </a:p>
@@ -15107,7 +15235,7 @@
           <a:p>
             <a:fld id="{35226B97-4BCC-4502-8449-40926CDAD38A}" type="datetimeFigureOut">
               <a:rPr lang="es-ES" smtClean="0"/>
-              <a:t>27/07/2023</a:t>
+              <a:t>03/08/2023</a:t>
             </a:fld>
             <a:endParaRPr lang="es-ES"/>
           </a:p>
@@ -15395,7 +15523,7 @@
           <a:p>
             <a:fld id="{35226B97-4BCC-4502-8449-40926CDAD38A}" type="datetimeFigureOut">
               <a:rPr lang="es-ES" smtClean="0"/>
-              <a:t>27/07/2023</a:t>
+              <a:t>03/08/2023</a:t>
             </a:fld>
             <a:endParaRPr lang="es-ES"/>
           </a:p>
@@ -15636,7 +15764,7 @@
           <a:p>
             <a:fld id="{35226B97-4BCC-4502-8449-40926CDAD38A}" type="datetimeFigureOut">
               <a:rPr lang="es-ES" smtClean="0"/>
-              <a:t>27/07/2023</a:t>
+              <a:t>03/08/2023</a:t>
             </a:fld>
             <a:endParaRPr lang="es-ES"/>
           </a:p>
@@ -17010,7 +17138,7 @@
           <p:nvPr>
             <p:extLst>
               <p:ext uri="{D42A27DB-BD31-4B8C-83A1-F6EECF244321}">
-                <p14:modId xmlns:p14="http://schemas.microsoft.com/office/powerpoint/2010/main" val="259972878"/>
+                <p14:modId xmlns:p14="http://schemas.microsoft.com/office/powerpoint/2010/main" val="451662930"/>
               </p:ext>
             </p:extLst>
           </p:nvPr>
@@ -17256,7 +17384,7 @@
           <p:nvPr>
             <p:extLst>
               <p:ext uri="{D42A27DB-BD31-4B8C-83A1-F6EECF244321}">
-                <p14:modId xmlns:p14="http://schemas.microsoft.com/office/powerpoint/2010/main" val="4177064126"/>
+                <p14:modId xmlns:p14="http://schemas.microsoft.com/office/powerpoint/2010/main" val="913766135"/>
               </p:ext>
             </p:extLst>
           </p:nvPr>
@@ -19644,185 +19772,6 @@
           </a:fontRef>
         </p:style>
       </p:cxnSp>
-      <p:sp>
-        <p:nvSpPr>
-          <p:cNvPr id="2" name="CuadroTexto 1">
-            <a:extLst>
-              <a:ext uri="{FF2B5EF4-FFF2-40B4-BE49-F238E27FC236}">
-                <a16:creationId xmlns:a16="http://schemas.microsoft.com/office/drawing/2014/main" id="{61560B11-A09E-190F-EB0C-444B2CDA4755}"/>
-              </a:ext>
-            </a:extLst>
-          </p:cNvPr>
-          <p:cNvSpPr txBox="1"/>
-          <p:nvPr/>
-        </p:nvSpPr>
-        <p:spPr>
-          <a:xfrm>
-            <a:off x="237442" y="216186"/>
-            <a:ext cx="11614719" cy="830997"/>
-          </a:xfrm>
-          <a:prstGeom prst="rect">
-            <a:avLst/>
-          </a:prstGeom>
-          <a:noFill/>
-        </p:spPr>
-        <p:txBody>
-          <a:bodyPr wrap="square" rtlCol="0">
-            <a:spAutoFit/>
-          </a:bodyPr>
-          <a:lstStyle/>
-          <a:p>
-            <a:r>
-              <a:rPr lang="es-ES" sz="1600" dirty="0"/>
-              <a:t>Pipeline (</a:t>
-            </a:r>
-            <a:r>
-              <a:rPr lang="es-ES" sz="1600" dirty="0" err="1"/>
-              <a:t>inside</a:t>
-            </a:r>
-            <a:r>
-              <a:rPr lang="es-ES" sz="1600" dirty="0"/>
-              <a:t> a Docker container </a:t>
-            </a:r>
-            <a:r>
-              <a:rPr lang="es-ES" sz="1600" dirty="0" err="1"/>
-              <a:t>using</a:t>
-            </a:r>
-            <a:r>
-              <a:rPr lang="es-ES" sz="1600" dirty="0"/>
-              <a:t> apache): </a:t>
-            </a:r>
-            <a:r>
-              <a:rPr lang="es-ES" sz="1600" dirty="0" err="1"/>
-              <a:t>Ingestion</a:t>
-            </a:r>
-            <a:r>
-              <a:rPr lang="es-ES" sz="1600" dirty="0"/>
-              <a:t>, </a:t>
-            </a:r>
-            <a:r>
-              <a:rPr lang="es-ES" sz="1600" dirty="0" err="1"/>
-              <a:t>transformation</a:t>
-            </a:r>
-            <a:r>
-              <a:rPr lang="es-ES" sz="1600" dirty="0"/>
-              <a:t>, </a:t>
-            </a:r>
-            <a:r>
-              <a:rPr lang="es-ES" sz="1600" dirty="0" err="1"/>
-              <a:t>enrichment</a:t>
-            </a:r>
-            <a:r>
-              <a:rPr lang="es-ES" sz="1600" dirty="0"/>
-              <a:t>… </a:t>
-            </a:r>
-            <a:r>
-              <a:rPr lang="es-ES" sz="1600" dirty="0" err="1"/>
-              <a:t>read</a:t>
-            </a:r>
-            <a:r>
-              <a:rPr lang="es-ES" sz="1600" dirty="0"/>
-              <a:t> (.</a:t>
-            </a:r>
-            <a:r>
-              <a:rPr lang="es-ES" sz="1600" dirty="0" err="1"/>
-              <a:t>csv</a:t>
-            </a:r>
-            <a:r>
-              <a:rPr lang="es-ES" sz="1600" dirty="0"/>
-              <a:t>), </a:t>
-            </a:r>
-            <a:r>
-              <a:rPr lang="es-ES" sz="1600" dirty="0" err="1"/>
-              <a:t>filter</a:t>
-            </a:r>
-            <a:r>
-              <a:rPr lang="es-ES" sz="1600" dirty="0"/>
-              <a:t>, </a:t>
-            </a:r>
-            <a:r>
-              <a:rPr lang="es-ES" sz="1600" dirty="0" err="1"/>
-              <a:t>convert</a:t>
-            </a:r>
-            <a:r>
-              <a:rPr lang="es-ES" sz="1600" dirty="0"/>
-              <a:t>, </a:t>
-            </a:r>
-            <a:r>
-              <a:rPr lang="es-ES" sz="1600" dirty="0" err="1"/>
-              <a:t>write</a:t>
-            </a:r>
-            <a:r>
-              <a:rPr lang="es-ES" sz="1600" dirty="0"/>
-              <a:t> (</a:t>
-            </a:r>
-            <a:r>
-              <a:rPr lang="es-ES" sz="1600" dirty="0" err="1"/>
-              <a:t>bigquery</a:t>
-            </a:r>
-            <a:r>
-              <a:rPr lang="es-ES" sz="1600" dirty="0"/>
-              <a:t>)</a:t>
-            </a:r>
-          </a:p>
-          <a:p>
-            <a:r>
-              <a:rPr lang="es-ES" sz="1600" dirty="0"/>
-              <a:t>ETL (</a:t>
-            </a:r>
-            <a:r>
-              <a:rPr lang="es-ES" sz="1600" dirty="0" err="1"/>
-              <a:t>Extract</a:t>
-            </a:r>
-            <a:r>
-              <a:rPr lang="es-ES" sz="1600" dirty="0"/>
-              <a:t>, </a:t>
-            </a:r>
-            <a:r>
-              <a:rPr lang="es-ES" sz="1600" dirty="0" err="1"/>
-              <a:t>Transform</a:t>
-            </a:r>
-            <a:r>
-              <a:rPr lang="es-ES" sz="1600" dirty="0"/>
-              <a:t>, Load)</a:t>
-            </a:r>
-          </a:p>
-          <a:p>
-            <a:pPr algn="ctr"/>
-            <a:endParaRPr lang="es-ES" sz="1600" dirty="0"/>
-          </a:p>
-        </p:txBody>
-      </p:sp>
-      <p:pic>
-        <p:nvPicPr>
-          <p:cNvPr id="5" name="Imagen 4">
-            <a:extLst>
-              <a:ext uri="{FF2B5EF4-FFF2-40B4-BE49-F238E27FC236}">
-                <a16:creationId xmlns:a16="http://schemas.microsoft.com/office/drawing/2014/main" id="{8C5E63E2-640A-95E6-F82B-D3D5AAE57131}"/>
-              </a:ext>
-            </a:extLst>
-          </p:cNvPr>
-          <p:cNvPicPr>
-            <a:picLocks noChangeAspect="1"/>
-          </p:cNvPicPr>
-          <p:nvPr/>
-        </p:nvPicPr>
-        <p:blipFill>
-          <a:blip r:embed="rId3"/>
-          <a:stretch>
-            <a:fillRect/>
-          </a:stretch>
-        </p:blipFill>
-        <p:spPr>
-          <a:xfrm>
-            <a:off x="481006" y="764886"/>
-            <a:ext cx="2609850" cy="6010275"/>
-          </a:xfrm>
-          <a:prstGeom prst="rect">
-            <a:avLst/>
-          </a:prstGeom>
-        </p:spPr>
-      </p:pic>
     </p:spTree>
     <p:extLst>
       <p:ext uri="{BB962C8B-B14F-4D97-AF65-F5344CB8AC3E}">

--- a/CV-AJTR.pptx
+++ b/CV-AJTR.pptx
@@ -5,7 +5,7 @@
     <p:sldMasterId id="2147483648" r:id="rId1"/>
   </p:sldMasterIdLst>
   <p:notesMasterIdLst>
-    <p:notesMasterId r:id="rId7"/>
+    <p:notesMasterId r:id="rId9"/>
   </p:notesMasterIdLst>
   <p:sldIdLst>
     <p:sldId id="257" r:id="rId2"/>
@@ -13,6 +13,8 @@
     <p:sldId id="256" r:id="rId4"/>
     <p:sldId id="260" r:id="rId5"/>
     <p:sldId id="259" r:id="rId6"/>
+    <p:sldId id="262" r:id="rId7"/>
+    <p:sldId id="261" r:id="rId8"/>
   </p:sldIdLst>
   <p:sldSz cx="12192000" cy="6858000"/>
   <p:notesSz cx="6858000" cy="9144000"/>
@@ -12532,7 +12534,7 @@
           <a:p>
             <a:fld id="{ED151C14-CE9E-4E23-B501-D21E82FDEE26}" type="datetimeFigureOut">
               <a:rPr lang="es-ES" smtClean="0"/>
-              <a:t>03/08/2023</a:t>
+              <a:t>23/01/2024</a:t>
             </a:fld>
             <a:endParaRPr lang="es-ES"/>
           </a:p>
@@ -13114,7 +13116,7 @@
           <a:p>
             <a:fld id="{35226B97-4BCC-4502-8449-40926CDAD38A}" type="datetimeFigureOut">
               <a:rPr lang="es-ES" smtClean="0"/>
-              <a:t>03/08/2023</a:t>
+              <a:t>23/01/2024</a:t>
             </a:fld>
             <a:endParaRPr lang="es-ES"/>
           </a:p>
@@ -13312,7 +13314,7 @@
           <a:p>
             <a:fld id="{35226B97-4BCC-4502-8449-40926CDAD38A}" type="datetimeFigureOut">
               <a:rPr lang="es-ES" smtClean="0"/>
-              <a:t>03/08/2023</a:t>
+              <a:t>23/01/2024</a:t>
             </a:fld>
             <a:endParaRPr lang="es-ES"/>
           </a:p>
@@ -13520,7 +13522,7 @@
           <a:p>
             <a:fld id="{35226B97-4BCC-4502-8449-40926CDAD38A}" type="datetimeFigureOut">
               <a:rPr lang="es-ES" smtClean="0"/>
-              <a:t>03/08/2023</a:t>
+              <a:t>23/01/2024</a:t>
             </a:fld>
             <a:endParaRPr lang="es-ES"/>
           </a:p>
@@ -13718,7 +13720,7 @@
           <a:p>
             <a:fld id="{35226B97-4BCC-4502-8449-40926CDAD38A}" type="datetimeFigureOut">
               <a:rPr lang="es-ES" smtClean="0"/>
-              <a:t>03/08/2023</a:t>
+              <a:t>23/01/2024</a:t>
             </a:fld>
             <a:endParaRPr lang="es-ES"/>
           </a:p>
@@ -13993,7 +13995,7 @@
           <a:p>
             <a:fld id="{35226B97-4BCC-4502-8449-40926CDAD38A}" type="datetimeFigureOut">
               <a:rPr lang="es-ES" smtClean="0"/>
-              <a:t>03/08/2023</a:t>
+              <a:t>23/01/2024</a:t>
             </a:fld>
             <a:endParaRPr lang="es-ES"/>
           </a:p>
@@ -14258,7 +14260,7 @@
           <a:p>
             <a:fld id="{35226B97-4BCC-4502-8449-40926CDAD38A}" type="datetimeFigureOut">
               <a:rPr lang="es-ES" smtClean="0"/>
-              <a:t>03/08/2023</a:t>
+              <a:t>23/01/2024</a:t>
             </a:fld>
             <a:endParaRPr lang="es-ES"/>
           </a:p>
@@ -14670,7 +14672,7 @@
           <a:p>
             <a:fld id="{35226B97-4BCC-4502-8449-40926CDAD38A}" type="datetimeFigureOut">
               <a:rPr lang="es-ES" smtClean="0"/>
-              <a:t>03/08/2023</a:t>
+              <a:t>23/01/2024</a:t>
             </a:fld>
             <a:endParaRPr lang="es-ES"/>
           </a:p>
@@ -14811,7 +14813,7 @@
           <a:p>
             <a:fld id="{35226B97-4BCC-4502-8449-40926CDAD38A}" type="datetimeFigureOut">
               <a:rPr lang="es-ES" smtClean="0"/>
-              <a:t>03/08/2023</a:t>
+              <a:t>23/01/2024</a:t>
             </a:fld>
             <a:endParaRPr lang="es-ES"/>
           </a:p>
@@ -14924,7 +14926,7 @@
           <a:p>
             <a:fld id="{35226B97-4BCC-4502-8449-40926CDAD38A}" type="datetimeFigureOut">
               <a:rPr lang="es-ES" smtClean="0"/>
-              <a:t>03/08/2023</a:t>
+              <a:t>23/01/2024</a:t>
             </a:fld>
             <a:endParaRPr lang="es-ES"/>
           </a:p>
@@ -15235,7 +15237,7 @@
           <a:p>
             <a:fld id="{35226B97-4BCC-4502-8449-40926CDAD38A}" type="datetimeFigureOut">
               <a:rPr lang="es-ES" smtClean="0"/>
-              <a:t>03/08/2023</a:t>
+              <a:t>23/01/2024</a:t>
             </a:fld>
             <a:endParaRPr lang="es-ES"/>
           </a:p>
@@ -15523,7 +15525,7 @@
           <a:p>
             <a:fld id="{35226B97-4BCC-4502-8449-40926CDAD38A}" type="datetimeFigureOut">
               <a:rPr lang="es-ES" smtClean="0"/>
-              <a:t>03/08/2023</a:t>
+              <a:t>23/01/2024</a:t>
             </a:fld>
             <a:endParaRPr lang="es-ES"/>
           </a:p>
@@ -15764,7 +15766,7 @@
           <a:p>
             <a:fld id="{35226B97-4BCC-4502-8449-40926CDAD38A}" type="datetimeFigureOut">
               <a:rPr lang="es-ES" smtClean="0"/>
-              <a:t>03/08/2023</a:t>
+              <a:t>23/01/2024</a:t>
             </a:fld>
             <a:endParaRPr lang="es-ES"/>
           </a:p>
@@ -19776,6 +19778,2436 @@
     <p:extLst>
       <p:ext uri="{BB962C8B-B14F-4D97-AF65-F5344CB8AC3E}">
         <p14:creationId xmlns:p14="http://schemas.microsoft.com/office/powerpoint/2010/main" val="1843067066"/>
+      </p:ext>
+    </p:extLst>
+  </p:cSld>
+  <p:clrMapOvr>
+    <a:masterClrMapping/>
+  </p:clrMapOvr>
+</p:sld>
+</file>
+
+<file path=ppt/slides/slide6.xml><?xml version="1.0" encoding="utf-8"?>
+<p:sld xmlns:a="http://schemas.openxmlformats.org/drawingml/2006/main" xmlns:r="http://schemas.openxmlformats.org/officeDocument/2006/relationships" xmlns:p="http://schemas.openxmlformats.org/presentationml/2006/main">
+  <p:cSld>
+    <p:spTree>
+      <p:nvGrpSpPr>
+        <p:cNvPr id="1" name=""/>
+        <p:cNvGrpSpPr/>
+        <p:nvPr/>
+      </p:nvGrpSpPr>
+      <p:grpSpPr>
+        <a:xfrm>
+          <a:off x="0" y="0"/>
+          <a:ext cx="0" cy="0"/>
+          <a:chOff x="0" y="0"/>
+          <a:chExt cx="0" cy="0"/>
+        </a:xfrm>
+      </p:grpSpPr>
+      <p:sp>
+        <p:nvSpPr>
+          <p:cNvPr id="5" name="CuadroTexto 4">
+            <a:extLst>
+              <a:ext uri="{FF2B5EF4-FFF2-40B4-BE49-F238E27FC236}">
+                <a16:creationId xmlns:a16="http://schemas.microsoft.com/office/drawing/2014/main" id="{CB2AA31D-CC61-BBAA-7112-A49084984441}"/>
+              </a:ext>
+            </a:extLst>
+          </p:cNvPr>
+          <p:cNvSpPr txBox="1"/>
+          <p:nvPr/>
+        </p:nvSpPr>
+        <p:spPr>
+          <a:xfrm>
+            <a:off x="648071" y="159798"/>
+            <a:ext cx="11123720" cy="8956298"/>
+          </a:xfrm>
+          <a:prstGeom prst="rect">
+            <a:avLst/>
+          </a:prstGeom>
+          <a:noFill/>
+        </p:spPr>
+        <p:txBody>
+          <a:bodyPr wrap="square" rtlCol="0">
+            <a:spAutoFit/>
+          </a:bodyPr>
+          <a:lstStyle/>
+          <a:p>
+            <a:endParaRPr lang="es-ES" dirty="0"/>
+          </a:p>
+          <a:p>
+            <a:r>
+              <a:rPr lang="es-ES" dirty="0"/>
+              <a:t>The basis on IT </a:t>
+            </a:r>
+            <a:r>
+              <a:rPr lang="es-ES" dirty="0" err="1"/>
+              <a:t>Infrastructure</a:t>
+            </a:r>
+            <a:r>
+              <a:rPr lang="es-ES" dirty="0"/>
+              <a:t> </a:t>
+            </a:r>
+            <a:r>
+              <a:rPr lang="es-ES" dirty="0" err="1"/>
+              <a:t>is</a:t>
+            </a:r>
+            <a:r>
+              <a:rPr lang="es-ES" dirty="0"/>
+              <a:t> CONNECTIVITY</a:t>
+            </a:r>
+          </a:p>
+          <a:p>
+            <a:endParaRPr lang="es-ES" dirty="0"/>
+          </a:p>
+          <a:p>
+            <a:r>
+              <a:rPr lang="es-ES" dirty="0"/>
+              <a:t>The </a:t>
+            </a:r>
+            <a:r>
+              <a:rPr lang="es-ES" dirty="0" err="1"/>
+              <a:t>minimum</a:t>
+            </a:r>
+            <a:r>
+              <a:rPr lang="es-ES" dirty="0"/>
+              <a:t> </a:t>
+            </a:r>
+            <a:r>
+              <a:rPr lang="es-ES" dirty="0" err="1"/>
+              <a:t>recommended</a:t>
+            </a:r>
+            <a:r>
+              <a:rPr lang="es-ES" dirty="0"/>
+              <a:t> </a:t>
+            </a:r>
+            <a:r>
+              <a:rPr lang="es-ES" dirty="0" err="1"/>
+              <a:t>network</a:t>
+            </a:r>
+            <a:r>
+              <a:rPr lang="es-ES" dirty="0"/>
+              <a:t> </a:t>
+            </a:r>
+            <a:r>
+              <a:rPr lang="es-ES" dirty="0" err="1"/>
+              <a:t>components</a:t>
+            </a:r>
+            <a:r>
+              <a:rPr lang="es-ES" dirty="0"/>
+              <a:t> are: </a:t>
+            </a:r>
+          </a:p>
+          <a:p>
+            <a:r>
+              <a:rPr lang="es-ES" dirty="0"/>
+              <a:t>2 ISP </a:t>
+            </a:r>
+            <a:r>
+              <a:rPr lang="es-ES" dirty="0" err="1"/>
+              <a:t>providers</a:t>
+            </a:r>
+            <a:r>
+              <a:rPr lang="es-ES" dirty="0"/>
+              <a:t> </a:t>
+            </a:r>
+            <a:r>
+              <a:rPr lang="es-ES" dirty="0" err="1"/>
+              <a:t>with</a:t>
+            </a:r>
+            <a:r>
+              <a:rPr lang="es-ES" dirty="0"/>
+              <a:t> </a:t>
+            </a:r>
+            <a:r>
+              <a:rPr lang="es-ES" dirty="0" err="1"/>
+              <a:t>their</a:t>
+            </a:r>
+            <a:r>
+              <a:rPr lang="es-ES" dirty="0"/>
+              <a:t> </a:t>
+            </a:r>
+            <a:r>
+              <a:rPr lang="es-ES" dirty="0" err="1"/>
+              <a:t>corresponding</a:t>
+            </a:r>
+            <a:r>
+              <a:rPr lang="es-ES" dirty="0"/>
+              <a:t> </a:t>
+            </a:r>
+            <a:r>
+              <a:rPr lang="es-ES" dirty="0" err="1"/>
+              <a:t>routers</a:t>
+            </a:r>
+            <a:endParaRPr lang="es-ES" dirty="0"/>
+          </a:p>
+          <a:p>
+            <a:r>
+              <a:rPr lang="es-ES" dirty="0"/>
+              <a:t>2 Firewalls</a:t>
+            </a:r>
+          </a:p>
+          <a:p>
+            <a:r>
+              <a:rPr lang="es-ES" dirty="0"/>
+              <a:t>2 </a:t>
+            </a:r>
+            <a:r>
+              <a:rPr lang="es-ES" dirty="0" err="1"/>
+              <a:t>main</a:t>
+            </a:r>
+            <a:r>
+              <a:rPr lang="es-ES" dirty="0"/>
+              <a:t> </a:t>
+            </a:r>
+            <a:r>
+              <a:rPr lang="es-ES" dirty="0" err="1"/>
+              <a:t>high</a:t>
+            </a:r>
+            <a:r>
+              <a:rPr lang="es-ES" dirty="0"/>
+              <a:t>-performance switches</a:t>
+            </a:r>
+          </a:p>
+          <a:p>
+            <a:r>
+              <a:rPr lang="es-ES" dirty="0"/>
+              <a:t>2 </a:t>
+            </a:r>
+            <a:r>
+              <a:rPr lang="es-ES" dirty="0" err="1"/>
+              <a:t>WiFi</a:t>
+            </a:r>
+            <a:r>
+              <a:rPr lang="es-ES" dirty="0"/>
+              <a:t> </a:t>
+            </a:r>
+            <a:r>
+              <a:rPr lang="es-ES" dirty="0" err="1"/>
+              <a:t>controllers</a:t>
+            </a:r>
+            <a:endParaRPr lang="es-ES" dirty="0"/>
+          </a:p>
+          <a:p>
+            <a:r>
+              <a:rPr lang="es-ES" dirty="0"/>
+              <a:t>And </a:t>
+            </a:r>
+            <a:r>
+              <a:rPr lang="es-ES" dirty="0" err="1"/>
+              <a:t>depending</a:t>
+            </a:r>
+            <a:r>
+              <a:rPr lang="es-ES" dirty="0"/>
+              <a:t> on the </a:t>
+            </a:r>
+            <a:r>
+              <a:rPr lang="es-ES" dirty="0" err="1"/>
+              <a:t>number</a:t>
+            </a:r>
+            <a:r>
+              <a:rPr lang="es-ES" dirty="0"/>
+              <a:t> </a:t>
+            </a:r>
+            <a:r>
+              <a:rPr lang="es-ES" dirty="0" err="1"/>
+              <a:t>of</a:t>
+            </a:r>
+            <a:r>
+              <a:rPr lang="es-ES" dirty="0"/>
+              <a:t> </a:t>
+            </a:r>
+            <a:r>
+              <a:rPr lang="es-ES" dirty="0" err="1"/>
+              <a:t>floors</a:t>
+            </a:r>
+            <a:r>
+              <a:rPr lang="es-ES" dirty="0"/>
+              <a:t> and the </a:t>
+            </a:r>
+            <a:r>
+              <a:rPr lang="es-ES" dirty="0" err="1"/>
+              <a:t>floor</a:t>
+            </a:r>
+            <a:r>
+              <a:rPr lang="es-ES" dirty="0"/>
+              <a:t> </a:t>
+            </a:r>
+            <a:r>
+              <a:rPr lang="es-ES" dirty="0" err="1"/>
+              <a:t>extention</a:t>
+            </a:r>
+            <a:r>
+              <a:rPr lang="es-ES" dirty="0"/>
+              <a:t>, the </a:t>
+            </a:r>
+            <a:r>
+              <a:rPr lang="es-ES" dirty="0" err="1"/>
+              <a:t>rest</a:t>
+            </a:r>
+            <a:r>
+              <a:rPr lang="es-ES" dirty="0"/>
+              <a:t> </a:t>
+            </a:r>
+            <a:r>
+              <a:rPr lang="es-ES" dirty="0" err="1"/>
+              <a:t>of</a:t>
+            </a:r>
+            <a:r>
+              <a:rPr lang="es-ES" dirty="0"/>
+              <a:t> switches </a:t>
+            </a:r>
+            <a:r>
+              <a:rPr lang="es-ES" dirty="0" err="1"/>
+              <a:t>for</a:t>
+            </a:r>
+            <a:r>
+              <a:rPr lang="es-ES" dirty="0"/>
+              <a:t> cable </a:t>
+            </a:r>
+            <a:r>
+              <a:rPr lang="es-ES" dirty="0" err="1"/>
+              <a:t>connectivity</a:t>
+            </a:r>
+            <a:r>
+              <a:rPr lang="es-ES" dirty="0"/>
+              <a:t> and Access </a:t>
+            </a:r>
+            <a:r>
+              <a:rPr lang="es-ES" dirty="0" err="1"/>
+              <a:t>Points</a:t>
+            </a:r>
+            <a:r>
+              <a:rPr lang="es-ES" dirty="0"/>
+              <a:t> to Wireless </a:t>
+            </a:r>
+            <a:r>
+              <a:rPr lang="es-ES" dirty="0" err="1"/>
+              <a:t>connectivity</a:t>
+            </a:r>
+            <a:endParaRPr lang="es-ES" dirty="0"/>
+          </a:p>
+          <a:p>
+            <a:endParaRPr lang="es-ES" dirty="0"/>
+          </a:p>
+          <a:p>
+            <a:r>
+              <a:rPr lang="en-US" dirty="0"/>
+              <a:t>It is mentioned two of them because there are the principal and the contingency ones for any kind of connectivity disruption</a:t>
+            </a:r>
+          </a:p>
+          <a:p>
+            <a:endParaRPr lang="es-ES" dirty="0"/>
+          </a:p>
+          <a:p>
+            <a:r>
+              <a:rPr lang="es-ES" dirty="0" err="1"/>
+              <a:t>What</a:t>
+            </a:r>
+            <a:r>
+              <a:rPr lang="es-ES" dirty="0"/>
+              <a:t> </a:t>
+            </a:r>
+            <a:r>
+              <a:rPr lang="es-ES" dirty="0" err="1"/>
+              <a:t>kind</a:t>
+            </a:r>
+            <a:r>
+              <a:rPr lang="es-ES" dirty="0"/>
+              <a:t> </a:t>
+            </a:r>
+            <a:r>
+              <a:rPr lang="es-ES" dirty="0" err="1"/>
+              <a:t>of</a:t>
+            </a:r>
+            <a:r>
+              <a:rPr lang="es-ES" dirty="0"/>
+              <a:t> </a:t>
+            </a:r>
+            <a:r>
+              <a:rPr lang="es-ES" dirty="0" err="1"/>
+              <a:t>questions</a:t>
+            </a:r>
+            <a:r>
+              <a:rPr lang="es-ES" dirty="0"/>
+              <a:t> I </a:t>
+            </a:r>
+            <a:r>
+              <a:rPr lang="es-ES" dirty="0" err="1"/>
+              <a:t>will</a:t>
+            </a:r>
+            <a:r>
+              <a:rPr lang="es-ES" dirty="0"/>
+              <a:t> </a:t>
+            </a:r>
+            <a:r>
+              <a:rPr lang="es-ES" dirty="0" err="1"/>
+              <a:t>think</a:t>
+            </a:r>
+            <a:r>
+              <a:rPr lang="es-ES" dirty="0"/>
+              <a:t> </a:t>
+            </a:r>
+            <a:r>
+              <a:rPr lang="es-ES" dirty="0" err="1"/>
+              <a:t>about</a:t>
+            </a:r>
+            <a:r>
+              <a:rPr lang="es-ES" dirty="0"/>
+              <a:t>?</a:t>
+            </a:r>
+          </a:p>
+          <a:p>
+            <a:endParaRPr lang="es-ES" dirty="0"/>
+          </a:p>
+          <a:p>
+            <a:r>
+              <a:rPr lang="es-ES" dirty="0" err="1"/>
+              <a:t>Is</a:t>
+            </a:r>
+            <a:r>
+              <a:rPr lang="es-ES" dirty="0"/>
+              <a:t> </a:t>
+            </a:r>
+            <a:r>
+              <a:rPr lang="es-ES" dirty="0" err="1"/>
+              <a:t>it</a:t>
+            </a:r>
+            <a:r>
+              <a:rPr lang="es-ES" dirty="0"/>
+              <a:t> </a:t>
+            </a:r>
+            <a:r>
+              <a:rPr lang="es-ES" dirty="0" err="1"/>
+              <a:t>correctly</a:t>
+            </a:r>
+            <a:r>
+              <a:rPr lang="es-ES" dirty="0"/>
+              <a:t> cable </a:t>
+            </a:r>
+            <a:r>
+              <a:rPr lang="es-ES" dirty="0" err="1"/>
+              <a:t>across</a:t>
+            </a:r>
+            <a:r>
+              <a:rPr lang="es-ES" dirty="0"/>
+              <a:t> the office – </a:t>
+            </a:r>
+            <a:r>
+              <a:rPr lang="es-ES" dirty="0" err="1"/>
+              <a:t>labeling</a:t>
+            </a:r>
+            <a:r>
+              <a:rPr lang="es-ES" dirty="0"/>
+              <a:t> </a:t>
+            </a:r>
+            <a:r>
+              <a:rPr lang="es-ES" dirty="0" err="1"/>
+              <a:t>each</a:t>
+            </a:r>
+            <a:r>
+              <a:rPr lang="es-ES" dirty="0"/>
+              <a:t> </a:t>
+            </a:r>
+            <a:r>
+              <a:rPr lang="es-ES" dirty="0" err="1"/>
+              <a:t>one</a:t>
+            </a:r>
+            <a:r>
+              <a:rPr lang="es-ES" dirty="0"/>
+              <a:t> and </a:t>
+            </a:r>
+            <a:r>
+              <a:rPr lang="es-ES" dirty="0" err="1"/>
+              <a:t>for</a:t>
+            </a:r>
+            <a:r>
+              <a:rPr lang="es-ES" dirty="0"/>
+              <a:t> </a:t>
+            </a:r>
+            <a:r>
+              <a:rPr lang="es-ES" dirty="0" err="1"/>
+              <a:t>proper</a:t>
+            </a:r>
+            <a:r>
+              <a:rPr lang="es-ES" dirty="0"/>
+              <a:t> </a:t>
+            </a:r>
+            <a:r>
+              <a:rPr lang="es-ES" dirty="0" err="1"/>
+              <a:t>maintenance</a:t>
+            </a:r>
+            <a:r>
+              <a:rPr lang="es-ES" dirty="0"/>
+              <a:t> </a:t>
+            </a:r>
+            <a:r>
+              <a:rPr lang="es-ES" dirty="0" err="1"/>
+              <a:t>wheather</a:t>
+            </a:r>
+            <a:r>
+              <a:rPr lang="es-ES" dirty="0"/>
+              <a:t> </a:t>
+            </a:r>
+            <a:r>
+              <a:rPr lang="es-ES" dirty="0" err="1"/>
+              <a:t>changes</a:t>
+            </a:r>
+            <a:r>
+              <a:rPr lang="es-ES" dirty="0"/>
+              <a:t> are </a:t>
+            </a:r>
+            <a:r>
+              <a:rPr lang="es-ES" dirty="0" err="1"/>
+              <a:t>needed</a:t>
+            </a:r>
+            <a:r>
+              <a:rPr lang="es-ES" dirty="0"/>
+              <a:t> – </a:t>
+            </a:r>
+            <a:r>
+              <a:rPr lang="es-ES" dirty="0" err="1"/>
+              <a:t>with</a:t>
+            </a:r>
+            <a:r>
+              <a:rPr lang="es-ES" dirty="0"/>
+              <a:t> </a:t>
+            </a:r>
+            <a:r>
+              <a:rPr lang="es-ES" dirty="0" err="1"/>
+              <a:t>their</a:t>
+            </a:r>
+            <a:r>
+              <a:rPr lang="es-ES" dirty="0"/>
+              <a:t> RJ-45 </a:t>
+            </a:r>
+            <a:r>
+              <a:rPr lang="es-ES" dirty="0" err="1"/>
+              <a:t>connectors</a:t>
+            </a:r>
+            <a:r>
+              <a:rPr lang="es-ES" dirty="0"/>
+              <a:t>?</a:t>
+            </a:r>
+          </a:p>
+          <a:p>
+            <a:r>
+              <a:rPr lang="es-ES" dirty="0"/>
+              <a:t>Do </a:t>
+            </a:r>
+            <a:r>
+              <a:rPr lang="es-ES" dirty="0" err="1"/>
+              <a:t>you</a:t>
+            </a:r>
+            <a:r>
+              <a:rPr lang="es-ES" dirty="0"/>
+              <a:t> </a:t>
+            </a:r>
+            <a:r>
+              <a:rPr lang="es-ES" dirty="0" err="1"/>
+              <a:t>have</a:t>
+            </a:r>
+            <a:r>
+              <a:rPr lang="es-ES" dirty="0"/>
+              <a:t> </a:t>
+            </a:r>
+            <a:r>
+              <a:rPr lang="es-ES" dirty="0" err="1"/>
+              <a:t>two</a:t>
+            </a:r>
+            <a:r>
+              <a:rPr lang="es-ES" dirty="0"/>
+              <a:t> ISP </a:t>
+            </a:r>
+            <a:r>
+              <a:rPr lang="es-ES" dirty="0" err="1"/>
+              <a:t>providers</a:t>
+            </a:r>
+            <a:r>
+              <a:rPr lang="es-ES" dirty="0"/>
+              <a:t> (the principal and the </a:t>
+            </a:r>
+            <a:r>
+              <a:rPr lang="es-ES" dirty="0" err="1"/>
+              <a:t>contingency</a:t>
+            </a:r>
+            <a:r>
+              <a:rPr lang="es-ES" dirty="0"/>
+              <a:t> </a:t>
+            </a:r>
+            <a:r>
+              <a:rPr lang="es-ES" dirty="0" err="1"/>
+              <a:t>one</a:t>
+            </a:r>
+            <a:r>
+              <a:rPr lang="es-ES" dirty="0"/>
+              <a:t>) </a:t>
+            </a:r>
+            <a:r>
+              <a:rPr lang="es-ES" dirty="0" err="1"/>
+              <a:t>hired</a:t>
+            </a:r>
+            <a:r>
+              <a:rPr lang="es-ES" dirty="0"/>
+              <a:t>?</a:t>
+            </a:r>
+          </a:p>
+          <a:p>
+            <a:r>
+              <a:rPr lang="es-ES" dirty="0"/>
+              <a:t>Are </a:t>
+            </a:r>
+            <a:r>
+              <a:rPr lang="es-ES" dirty="0" err="1"/>
+              <a:t>network</a:t>
+            </a:r>
+            <a:r>
+              <a:rPr lang="es-ES" dirty="0"/>
+              <a:t> </a:t>
+            </a:r>
+            <a:r>
+              <a:rPr lang="es-ES" dirty="0" err="1"/>
+              <a:t>components</a:t>
+            </a:r>
+            <a:r>
+              <a:rPr lang="es-ES" dirty="0"/>
+              <a:t> – firewalls, </a:t>
+            </a:r>
+            <a:r>
+              <a:rPr lang="es-ES" dirty="0" err="1"/>
+              <a:t>routers</a:t>
+            </a:r>
+            <a:r>
+              <a:rPr lang="es-ES" dirty="0"/>
+              <a:t>, switches – </a:t>
+            </a:r>
+            <a:r>
+              <a:rPr lang="es-ES" dirty="0" err="1"/>
+              <a:t>configured</a:t>
+            </a:r>
+            <a:r>
+              <a:rPr lang="es-ES" dirty="0"/>
+              <a:t> </a:t>
+            </a:r>
+            <a:r>
+              <a:rPr lang="es-ES" dirty="0" err="1"/>
+              <a:t>by</a:t>
+            </a:r>
+            <a:r>
+              <a:rPr lang="es-ES" dirty="0"/>
+              <a:t> </a:t>
+            </a:r>
+            <a:r>
+              <a:rPr lang="es-ES" dirty="0" err="1"/>
+              <a:t>following</a:t>
+            </a:r>
+            <a:r>
+              <a:rPr lang="es-ES" dirty="0"/>
+              <a:t> </a:t>
+            </a:r>
+            <a:r>
+              <a:rPr lang="es-ES" dirty="0" err="1"/>
+              <a:t>best</a:t>
+            </a:r>
+            <a:r>
+              <a:rPr lang="es-ES" dirty="0"/>
+              <a:t> </a:t>
+            </a:r>
+            <a:r>
+              <a:rPr lang="es-ES" dirty="0" err="1"/>
+              <a:t>practices</a:t>
+            </a:r>
+            <a:r>
+              <a:rPr lang="es-ES" dirty="0"/>
+              <a:t>?</a:t>
+            </a:r>
+          </a:p>
+          <a:p>
+            <a:r>
+              <a:rPr lang="es-ES" dirty="0"/>
+              <a:t>Are </a:t>
+            </a:r>
+            <a:r>
+              <a:rPr lang="es-ES" dirty="0" err="1"/>
+              <a:t>this</a:t>
+            </a:r>
+            <a:r>
+              <a:rPr lang="es-ES" dirty="0"/>
+              <a:t> </a:t>
+            </a:r>
+            <a:r>
+              <a:rPr lang="es-ES" dirty="0" err="1"/>
+              <a:t>configurations</a:t>
+            </a:r>
+            <a:r>
+              <a:rPr lang="es-ES" dirty="0"/>
+              <a:t> </a:t>
+            </a:r>
+            <a:r>
+              <a:rPr lang="es-ES" dirty="0" err="1"/>
+              <a:t>currently</a:t>
+            </a:r>
+            <a:r>
+              <a:rPr lang="es-ES" dirty="0"/>
+              <a:t> </a:t>
+            </a:r>
+            <a:r>
+              <a:rPr lang="es-ES" dirty="0" err="1"/>
+              <a:t>saved</a:t>
+            </a:r>
+            <a:r>
+              <a:rPr lang="es-ES" dirty="0"/>
+              <a:t> </a:t>
+            </a:r>
+            <a:r>
+              <a:rPr lang="es-ES" dirty="0" err="1"/>
+              <a:t>it</a:t>
+            </a:r>
+            <a:r>
+              <a:rPr lang="es-ES" dirty="0"/>
+              <a:t> as </a:t>
+            </a:r>
+            <a:r>
+              <a:rPr lang="es-ES" dirty="0" err="1"/>
+              <a:t>backups</a:t>
+            </a:r>
+            <a:r>
+              <a:rPr lang="es-ES" dirty="0"/>
+              <a:t> </a:t>
+            </a:r>
+            <a:r>
+              <a:rPr lang="es-ES" dirty="0" err="1"/>
+              <a:t>daily</a:t>
+            </a:r>
+            <a:r>
+              <a:rPr lang="es-ES" dirty="0"/>
+              <a:t> and/</a:t>
+            </a:r>
+            <a:r>
+              <a:rPr lang="es-ES" dirty="0" err="1"/>
+              <a:t>or</a:t>
+            </a:r>
+            <a:r>
+              <a:rPr lang="es-ES" dirty="0"/>
+              <a:t> </a:t>
+            </a:r>
+            <a:r>
+              <a:rPr lang="es-ES" dirty="0" err="1"/>
+              <a:t>when</a:t>
+            </a:r>
+            <a:r>
+              <a:rPr lang="es-ES" dirty="0"/>
+              <a:t> </a:t>
+            </a:r>
+            <a:r>
+              <a:rPr lang="es-ES" dirty="0" err="1"/>
+              <a:t>changed</a:t>
+            </a:r>
+            <a:r>
+              <a:rPr lang="es-ES" dirty="0"/>
+              <a:t> </a:t>
+            </a:r>
+            <a:r>
+              <a:rPr lang="es-ES" dirty="0" err="1"/>
+              <a:t>it</a:t>
+            </a:r>
+            <a:r>
+              <a:rPr lang="es-ES" dirty="0"/>
+              <a:t>?</a:t>
+            </a:r>
+          </a:p>
+          <a:p>
+            <a:r>
+              <a:rPr lang="es-ES" dirty="0"/>
+              <a:t>Do </a:t>
+            </a:r>
+            <a:r>
+              <a:rPr lang="es-ES" dirty="0" err="1"/>
+              <a:t>you</a:t>
+            </a:r>
+            <a:r>
+              <a:rPr lang="es-ES" dirty="0"/>
+              <a:t> </a:t>
+            </a:r>
+            <a:r>
+              <a:rPr lang="es-ES" dirty="0" err="1"/>
+              <a:t>know</a:t>
+            </a:r>
+            <a:r>
+              <a:rPr lang="es-ES" dirty="0"/>
+              <a:t> </a:t>
+            </a:r>
+            <a:r>
+              <a:rPr lang="es-ES" dirty="0" err="1"/>
+              <a:t>what</a:t>
+            </a:r>
+            <a:r>
+              <a:rPr lang="es-ES" dirty="0"/>
+              <a:t> </a:t>
+            </a:r>
+            <a:r>
+              <a:rPr lang="es-ES" dirty="0" err="1"/>
+              <a:t>is</a:t>
+            </a:r>
+            <a:r>
+              <a:rPr lang="es-ES" dirty="0"/>
+              <a:t> the </a:t>
+            </a:r>
+            <a:r>
+              <a:rPr lang="es-ES" dirty="0" err="1"/>
+              <a:t>current</a:t>
+            </a:r>
+            <a:r>
+              <a:rPr lang="es-ES" dirty="0"/>
+              <a:t> </a:t>
+            </a:r>
+            <a:r>
+              <a:rPr lang="es-ES" dirty="0" err="1"/>
+              <a:t>bandwith</a:t>
+            </a:r>
+            <a:r>
+              <a:rPr lang="es-ES" dirty="0"/>
+              <a:t> – bps – in </a:t>
+            </a:r>
+            <a:r>
+              <a:rPr lang="es-ES" dirty="0" err="1"/>
+              <a:t>different</a:t>
+            </a:r>
+            <a:r>
+              <a:rPr lang="es-ES" dirty="0"/>
+              <a:t> </a:t>
+            </a:r>
+            <a:r>
+              <a:rPr lang="es-ES" dirty="0" err="1"/>
+              <a:t>parts</a:t>
+            </a:r>
+            <a:r>
+              <a:rPr lang="es-ES" dirty="0"/>
+              <a:t> </a:t>
+            </a:r>
+            <a:r>
+              <a:rPr lang="es-ES" dirty="0" err="1"/>
+              <a:t>of</a:t>
+            </a:r>
+            <a:r>
+              <a:rPr lang="es-ES" dirty="0"/>
+              <a:t> </a:t>
+            </a:r>
+            <a:r>
+              <a:rPr lang="es-ES" dirty="0" err="1"/>
+              <a:t>your</a:t>
+            </a:r>
+            <a:r>
+              <a:rPr lang="es-ES" dirty="0"/>
+              <a:t> office? Are </a:t>
+            </a:r>
+            <a:r>
+              <a:rPr lang="es-ES" dirty="0" err="1"/>
+              <a:t>you</a:t>
+            </a:r>
+            <a:r>
+              <a:rPr lang="es-ES" dirty="0"/>
+              <a:t> </a:t>
+            </a:r>
+            <a:r>
+              <a:rPr lang="es-ES" dirty="0" err="1"/>
+              <a:t>monitoring</a:t>
+            </a:r>
+            <a:r>
+              <a:rPr lang="es-ES" dirty="0"/>
+              <a:t> </a:t>
+            </a:r>
+            <a:r>
+              <a:rPr lang="es-ES" dirty="0" err="1"/>
+              <a:t>this</a:t>
+            </a:r>
+            <a:r>
+              <a:rPr lang="es-ES" dirty="0"/>
+              <a:t>?</a:t>
+            </a:r>
+          </a:p>
+          <a:p>
+            <a:r>
+              <a:rPr lang="es-ES" dirty="0"/>
+              <a:t>Are </a:t>
+            </a:r>
+            <a:r>
+              <a:rPr lang="es-ES" dirty="0" err="1"/>
+              <a:t>you</a:t>
+            </a:r>
+            <a:r>
+              <a:rPr lang="es-ES" dirty="0"/>
+              <a:t> </a:t>
+            </a:r>
+            <a:r>
+              <a:rPr lang="es-ES" dirty="0" err="1"/>
+              <a:t>doing</a:t>
+            </a:r>
+            <a:r>
+              <a:rPr lang="es-ES" dirty="0"/>
+              <a:t> </a:t>
+            </a:r>
+            <a:r>
+              <a:rPr lang="es-ES" dirty="0" err="1"/>
+              <a:t>connectivity</a:t>
+            </a:r>
+            <a:r>
+              <a:rPr lang="es-ES" dirty="0"/>
+              <a:t> </a:t>
+            </a:r>
+            <a:r>
+              <a:rPr lang="es-ES" dirty="0" err="1"/>
+              <a:t>exercises</a:t>
+            </a:r>
+            <a:r>
+              <a:rPr lang="es-ES" dirty="0"/>
+              <a:t> and </a:t>
+            </a:r>
+            <a:r>
+              <a:rPr lang="es-ES" dirty="0" err="1"/>
+              <a:t>documenting</a:t>
+            </a:r>
+            <a:r>
+              <a:rPr lang="es-ES" dirty="0"/>
+              <a:t> </a:t>
+            </a:r>
+            <a:r>
+              <a:rPr lang="es-ES" dirty="0" err="1"/>
+              <a:t>everything</a:t>
+            </a:r>
+            <a:r>
+              <a:rPr lang="es-ES" dirty="0"/>
+              <a:t> </a:t>
+            </a:r>
+            <a:r>
+              <a:rPr lang="es-ES" dirty="0" err="1"/>
+              <a:t>encountered</a:t>
+            </a:r>
+            <a:r>
+              <a:rPr lang="es-ES" dirty="0"/>
+              <a:t> </a:t>
+            </a:r>
+            <a:r>
+              <a:rPr lang="es-ES" dirty="0" err="1"/>
+              <a:t>by</a:t>
+            </a:r>
+            <a:r>
+              <a:rPr lang="es-ES" dirty="0"/>
+              <a:t> the </a:t>
+            </a:r>
+            <a:r>
+              <a:rPr lang="es-ES" dirty="0" err="1"/>
+              <a:t>following</a:t>
+            </a:r>
+            <a:r>
+              <a:rPr lang="es-ES" dirty="0"/>
+              <a:t> </a:t>
+            </a:r>
+            <a:r>
+              <a:rPr lang="es-ES" dirty="0" err="1"/>
+              <a:t>scenarios</a:t>
+            </a:r>
+            <a:r>
+              <a:rPr lang="es-ES" dirty="0"/>
+              <a:t>? </a:t>
+            </a:r>
+          </a:p>
+          <a:p>
+            <a:r>
+              <a:rPr lang="es-ES" dirty="0"/>
+              <a:t>Scenario-1: </a:t>
+            </a:r>
+            <a:r>
+              <a:rPr lang="es-ES" dirty="0" err="1"/>
+              <a:t>Unplug</a:t>
+            </a:r>
+            <a:r>
+              <a:rPr lang="es-ES" dirty="0"/>
+              <a:t> the principal ISP, </a:t>
+            </a:r>
+            <a:r>
+              <a:rPr lang="es-ES" dirty="0" err="1"/>
+              <a:t>thus</a:t>
+            </a:r>
+            <a:r>
+              <a:rPr lang="es-ES" dirty="0"/>
+              <a:t> </a:t>
+            </a:r>
+            <a:r>
+              <a:rPr lang="es-ES" dirty="0" err="1"/>
+              <a:t>contingency</a:t>
+            </a:r>
+            <a:r>
+              <a:rPr lang="es-ES" dirty="0"/>
+              <a:t> ISP </a:t>
+            </a:r>
+            <a:r>
+              <a:rPr lang="es-ES" dirty="0" err="1"/>
+              <a:t>must</a:t>
+            </a:r>
+            <a:r>
+              <a:rPr lang="es-ES" dirty="0"/>
+              <a:t> </a:t>
+            </a:r>
+            <a:r>
+              <a:rPr lang="es-ES" dirty="0" err="1"/>
+              <a:t>give</a:t>
+            </a:r>
+            <a:r>
+              <a:rPr lang="es-ES" dirty="0"/>
+              <a:t> </a:t>
+            </a:r>
+            <a:r>
+              <a:rPr lang="es-ES" dirty="0" err="1"/>
+              <a:t>connectivity</a:t>
+            </a:r>
+            <a:r>
+              <a:rPr lang="es-ES" dirty="0"/>
+              <a:t> (</a:t>
+            </a:r>
+            <a:r>
+              <a:rPr lang="es-ES" dirty="0" err="1"/>
+              <a:t>how</a:t>
+            </a:r>
+            <a:r>
+              <a:rPr lang="es-ES" dirty="0"/>
+              <a:t> </a:t>
+            </a:r>
+            <a:r>
+              <a:rPr lang="es-ES" dirty="0" err="1"/>
+              <a:t>many</a:t>
+            </a:r>
+            <a:r>
+              <a:rPr lang="es-ES" dirty="0"/>
+              <a:t> minutes </a:t>
+            </a:r>
+            <a:r>
+              <a:rPr lang="es-ES" dirty="0" err="1"/>
+              <a:t>long</a:t>
+            </a:r>
+            <a:r>
+              <a:rPr lang="es-ES" dirty="0"/>
+              <a:t> </a:t>
+            </a:r>
+            <a:r>
+              <a:rPr lang="es-ES" dirty="0" err="1"/>
+              <a:t>until</a:t>
+            </a:r>
+            <a:r>
+              <a:rPr lang="es-ES" dirty="0"/>
+              <a:t> </a:t>
+            </a:r>
+            <a:r>
+              <a:rPr lang="es-ES" dirty="0" err="1"/>
+              <a:t>this</a:t>
+            </a:r>
+            <a:r>
+              <a:rPr lang="es-ES" dirty="0"/>
+              <a:t> </a:t>
+            </a:r>
+            <a:r>
+              <a:rPr lang="es-ES" dirty="0" err="1"/>
+              <a:t>happened</a:t>
+            </a:r>
+            <a:r>
+              <a:rPr lang="es-ES" dirty="0"/>
+              <a:t>?)</a:t>
+            </a:r>
+          </a:p>
+          <a:p>
+            <a:r>
+              <a:rPr lang="es-ES" dirty="0"/>
+              <a:t>Scenario-2: </a:t>
+            </a:r>
+            <a:r>
+              <a:rPr lang="es-ES" dirty="0" err="1"/>
+              <a:t>Unplug</a:t>
+            </a:r>
+            <a:r>
+              <a:rPr lang="es-ES" dirty="0"/>
+              <a:t> the principal switch, </a:t>
+            </a:r>
+            <a:r>
+              <a:rPr lang="es-ES" dirty="0" err="1"/>
+              <a:t>thus</a:t>
+            </a:r>
+            <a:r>
+              <a:rPr lang="es-ES" dirty="0"/>
+              <a:t> </a:t>
+            </a:r>
+            <a:r>
+              <a:rPr lang="es-ES" dirty="0" err="1"/>
+              <a:t>contingency</a:t>
+            </a:r>
+            <a:r>
+              <a:rPr lang="es-ES" dirty="0"/>
+              <a:t> ISP </a:t>
+            </a:r>
+            <a:r>
+              <a:rPr lang="es-ES" dirty="0" err="1"/>
+              <a:t>must</a:t>
+            </a:r>
+            <a:r>
+              <a:rPr lang="es-ES" dirty="0"/>
+              <a:t> </a:t>
+            </a:r>
+            <a:r>
+              <a:rPr lang="es-ES" dirty="0" err="1"/>
+              <a:t>give</a:t>
+            </a:r>
+            <a:r>
+              <a:rPr lang="es-ES" dirty="0"/>
+              <a:t> </a:t>
+            </a:r>
+            <a:r>
+              <a:rPr lang="es-ES" dirty="0" err="1"/>
+              <a:t>connectivity</a:t>
+            </a:r>
+            <a:r>
+              <a:rPr lang="es-ES" dirty="0"/>
+              <a:t> (</a:t>
+            </a:r>
+            <a:r>
+              <a:rPr lang="es-ES" dirty="0" err="1"/>
+              <a:t>how</a:t>
+            </a:r>
+            <a:r>
+              <a:rPr lang="es-ES" dirty="0"/>
+              <a:t> </a:t>
+            </a:r>
+            <a:r>
+              <a:rPr lang="es-ES" dirty="0" err="1"/>
+              <a:t>many</a:t>
+            </a:r>
+            <a:r>
+              <a:rPr lang="es-ES" dirty="0"/>
+              <a:t> minutes </a:t>
+            </a:r>
+            <a:r>
+              <a:rPr lang="es-ES" dirty="0" err="1"/>
+              <a:t>long</a:t>
+            </a:r>
+            <a:r>
+              <a:rPr lang="es-ES" dirty="0"/>
+              <a:t> </a:t>
+            </a:r>
+            <a:r>
+              <a:rPr lang="es-ES" dirty="0" err="1"/>
+              <a:t>until</a:t>
+            </a:r>
+            <a:r>
+              <a:rPr lang="es-ES" dirty="0"/>
+              <a:t> </a:t>
+            </a:r>
+            <a:r>
+              <a:rPr lang="es-ES" dirty="0" err="1"/>
+              <a:t>this</a:t>
+            </a:r>
+            <a:r>
+              <a:rPr lang="es-ES" dirty="0"/>
+              <a:t> </a:t>
+            </a:r>
+            <a:r>
+              <a:rPr lang="es-ES" dirty="0" err="1"/>
+              <a:t>happened</a:t>
+            </a:r>
+            <a:r>
+              <a:rPr lang="es-ES" dirty="0"/>
+              <a:t>?)</a:t>
+            </a:r>
+          </a:p>
+          <a:p>
+            <a:r>
+              <a:rPr lang="es-ES" dirty="0"/>
+              <a:t>Scenario-3:</a:t>
+            </a:r>
+          </a:p>
+          <a:p>
+            <a:endParaRPr lang="es-ES" dirty="0"/>
+          </a:p>
+          <a:p>
+            <a:endParaRPr lang="es-ES" dirty="0"/>
+          </a:p>
+          <a:p>
+            <a:endParaRPr lang="es-ES" dirty="0"/>
+          </a:p>
+          <a:p>
+            <a:endParaRPr lang="es-ES" dirty="0"/>
+          </a:p>
+        </p:txBody>
+      </p:sp>
+    </p:spTree>
+    <p:extLst>
+      <p:ext uri="{BB962C8B-B14F-4D97-AF65-F5344CB8AC3E}">
+        <p14:creationId xmlns:p14="http://schemas.microsoft.com/office/powerpoint/2010/main" val="2435060928"/>
+      </p:ext>
+    </p:extLst>
+  </p:cSld>
+  <p:clrMapOvr>
+    <a:masterClrMapping/>
+  </p:clrMapOvr>
+</p:sld>
+</file>
+
+<file path=ppt/slides/slide7.xml><?xml version="1.0" encoding="utf-8"?>
+<p:sld xmlns:a="http://schemas.openxmlformats.org/drawingml/2006/main" xmlns:r="http://schemas.openxmlformats.org/officeDocument/2006/relationships" xmlns:p="http://schemas.openxmlformats.org/presentationml/2006/main">
+  <p:cSld>
+    <p:spTree>
+      <p:nvGrpSpPr>
+        <p:cNvPr id="1" name=""/>
+        <p:cNvGrpSpPr/>
+        <p:nvPr/>
+      </p:nvGrpSpPr>
+      <p:grpSpPr>
+        <a:xfrm>
+          <a:off x="0" y="0"/>
+          <a:ext cx="0" cy="0"/>
+          <a:chOff x="0" y="0"/>
+          <a:chExt cx="0" cy="0"/>
+        </a:xfrm>
+      </p:grpSpPr>
+      <p:sp>
+        <p:nvSpPr>
+          <p:cNvPr id="4" name="Rectángulo 3">
+            <a:extLst>
+              <a:ext uri="{FF2B5EF4-FFF2-40B4-BE49-F238E27FC236}">
+                <a16:creationId xmlns:a16="http://schemas.microsoft.com/office/drawing/2014/main" id="{1BFDDD6A-6695-ABA0-192F-1040636AE770}"/>
+              </a:ext>
+            </a:extLst>
+          </p:cNvPr>
+          <p:cNvSpPr/>
+          <p:nvPr/>
+        </p:nvSpPr>
+        <p:spPr>
+          <a:xfrm>
+            <a:off x="375822" y="501590"/>
+            <a:ext cx="3796683" cy="5755561"/>
+          </a:xfrm>
+          <a:prstGeom prst="rect">
+            <a:avLst/>
+          </a:prstGeom>
+          <a:noFill/>
+          <a:ln>
+            <a:solidFill>
+              <a:schemeClr val="tx1"/>
+            </a:solidFill>
+          </a:ln>
+        </p:spPr>
+        <p:style>
+          <a:lnRef idx="2">
+            <a:schemeClr val="accent1">
+              <a:shade val="15000"/>
+            </a:schemeClr>
+          </a:lnRef>
+          <a:fillRef idx="1">
+            <a:schemeClr val="accent1"/>
+          </a:fillRef>
+          <a:effectRef idx="0">
+            <a:schemeClr val="accent1"/>
+          </a:effectRef>
+          <a:fontRef idx="minor">
+            <a:schemeClr val="lt1"/>
+          </a:fontRef>
+        </p:style>
+        <p:txBody>
+          <a:bodyPr rtlCol="0" anchor="ctr"/>
+          <a:lstStyle/>
+          <a:p>
+            <a:pPr algn="ctr"/>
+            <a:endParaRPr lang="es-ES" dirty="0"/>
+          </a:p>
+        </p:txBody>
+      </p:sp>
+      <p:sp>
+        <p:nvSpPr>
+          <p:cNvPr id="6" name="Nube 5">
+            <a:extLst>
+              <a:ext uri="{FF2B5EF4-FFF2-40B4-BE49-F238E27FC236}">
+                <a16:creationId xmlns:a16="http://schemas.microsoft.com/office/drawing/2014/main" id="{54423076-40C4-19C5-AB61-440757E91FDE}"/>
+              </a:ext>
+            </a:extLst>
+          </p:cNvPr>
+          <p:cNvSpPr/>
+          <p:nvPr/>
+        </p:nvSpPr>
+        <p:spPr>
+          <a:xfrm>
+            <a:off x="6090082" y="1260629"/>
+            <a:ext cx="2574525" cy="1518082"/>
+          </a:xfrm>
+          <a:prstGeom prst="cloud">
+            <a:avLst/>
+          </a:prstGeom>
+          <a:noFill/>
+          <a:ln>
+            <a:solidFill>
+              <a:schemeClr val="tx1"/>
+            </a:solidFill>
+          </a:ln>
+        </p:spPr>
+        <p:style>
+          <a:lnRef idx="2">
+            <a:schemeClr val="accent1">
+              <a:shade val="15000"/>
+            </a:schemeClr>
+          </a:lnRef>
+          <a:fillRef idx="1">
+            <a:schemeClr val="accent1"/>
+          </a:fillRef>
+          <a:effectRef idx="0">
+            <a:schemeClr val="accent1"/>
+          </a:effectRef>
+          <a:fontRef idx="minor">
+            <a:schemeClr val="lt1"/>
+          </a:fontRef>
+        </p:style>
+        <p:txBody>
+          <a:bodyPr rtlCol="0" anchor="ctr"/>
+          <a:lstStyle/>
+          <a:p>
+            <a:pPr algn="ctr"/>
+            <a:r>
+              <a:rPr lang="es-ES" dirty="0">
+                <a:solidFill>
+                  <a:schemeClr val="tx1"/>
+                </a:solidFill>
+              </a:rPr>
+              <a:t>ISP-1</a:t>
+            </a:r>
+          </a:p>
+        </p:txBody>
+      </p:sp>
+      <p:sp>
+        <p:nvSpPr>
+          <p:cNvPr id="7" name="Nube 6">
+            <a:extLst>
+              <a:ext uri="{FF2B5EF4-FFF2-40B4-BE49-F238E27FC236}">
+                <a16:creationId xmlns:a16="http://schemas.microsoft.com/office/drawing/2014/main" id="{ADCFA3DD-8842-1DAC-80FF-F9EEB1A767C9}"/>
+              </a:ext>
+            </a:extLst>
+          </p:cNvPr>
+          <p:cNvSpPr/>
+          <p:nvPr/>
+        </p:nvSpPr>
+        <p:spPr>
+          <a:xfrm>
+            <a:off x="6184777" y="4079290"/>
+            <a:ext cx="2574525" cy="1518082"/>
+          </a:xfrm>
+          <a:prstGeom prst="cloud">
+            <a:avLst/>
+          </a:prstGeom>
+          <a:noFill/>
+          <a:ln>
+            <a:solidFill>
+              <a:schemeClr val="tx1"/>
+            </a:solidFill>
+          </a:ln>
+        </p:spPr>
+        <p:style>
+          <a:lnRef idx="2">
+            <a:schemeClr val="accent1">
+              <a:shade val="15000"/>
+            </a:schemeClr>
+          </a:lnRef>
+          <a:fillRef idx="1">
+            <a:schemeClr val="accent1"/>
+          </a:fillRef>
+          <a:effectRef idx="0">
+            <a:schemeClr val="accent1"/>
+          </a:effectRef>
+          <a:fontRef idx="minor">
+            <a:schemeClr val="lt1"/>
+          </a:fontRef>
+        </p:style>
+        <p:txBody>
+          <a:bodyPr rtlCol="0" anchor="ctr"/>
+          <a:lstStyle/>
+          <a:p>
+            <a:pPr algn="ctr"/>
+            <a:r>
+              <a:rPr lang="es-ES" dirty="0">
+                <a:solidFill>
+                  <a:schemeClr val="tx1"/>
+                </a:solidFill>
+              </a:rPr>
+              <a:t>ISP-2</a:t>
+            </a:r>
+          </a:p>
+        </p:txBody>
+      </p:sp>
+      <p:sp>
+        <p:nvSpPr>
+          <p:cNvPr id="8" name="Rectángulo 7">
+            <a:extLst>
+              <a:ext uri="{FF2B5EF4-FFF2-40B4-BE49-F238E27FC236}">
+                <a16:creationId xmlns:a16="http://schemas.microsoft.com/office/drawing/2014/main" id="{B6438469-BABB-5FE6-46BC-289CF1406330}"/>
+              </a:ext>
+            </a:extLst>
+          </p:cNvPr>
+          <p:cNvSpPr/>
+          <p:nvPr/>
+        </p:nvSpPr>
+        <p:spPr>
+          <a:xfrm>
+            <a:off x="5572218" y="497149"/>
+            <a:ext cx="6251359" cy="5755561"/>
+          </a:xfrm>
+          <a:prstGeom prst="rect">
+            <a:avLst/>
+          </a:prstGeom>
+          <a:noFill/>
+          <a:ln>
+            <a:solidFill>
+              <a:schemeClr val="tx1"/>
+            </a:solidFill>
+          </a:ln>
+        </p:spPr>
+        <p:style>
+          <a:lnRef idx="2">
+            <a:schemeClr val="accent1">
+              <a:shade val="15000"/>
+            </a:schemeClr>
+          </a:lnRef>
+          <a:fillRef idx="1">
+            <a:schemeClr val="accent1"/>
+          </a:fillRef>
+          <a:effectRef idx="0">
+            <a:schemeClr val="accent1"/>
+          </a:effectRef>
+          <a:fontRef idx="minor">
+            <a:schemeClr val="lt1"/>
+          </a:fontRef>
+        </p:style>
+        <p:txBody>
+          <a:bodyPr rtlCol="0" anchor="ctr"/>
+          <a:lstStyle/>
+          <a:p>
+            <a:pPr algn="ctr"/>
+            <a:endParaRPr lang="es-ES" dirty="0"/>
+          </a:p>
+        </p:txBody>
+      </p:sp>
+      <p:cxnSp>
+        <p:nvCxnSpPr>
+          <p:cNvPr id="13" name="Conector recto 12">
+            <a:extLst>
+              <a:ext uri="{FF2B5EF4-FFF2-40B4-BE49-F238E27FC236}">
+                <a16:creationId xmlns:a16="http://schemas.microsoft.com/office/drawing/2014/main" id="{13108429-744A-86C2-5062-06BC7A163829}"/>
+              </a:ext>
+            </a:extLst>
+          </p:cNvPr>
+          <p:cNvCxnSpPr>
+            <a:cxnSpLocks/>
+          </p:cNvCxnSpPr>
+          <p:nvPr/>
+        </p:nvCxnSpPr>
+        <p:spPr>
+          <a:xfrm>
+            <a:off x="375822" y="3374991"/>
+            <a:ext cx="3796683" cy="0"/>
+          </a:xfrm>
+          <a:prstGeom prst="line">
+            <a:avLst/>
+          </a:prstGeom>
+          <a:ln>
+            <a:solidFill>
+              <a:schemeClr val="tx1"/>
+            </a:solidFill>
+          </a:ln>
+        </p:spPr>
+        <p:style>
+          <a:lnRef idx="1">
+            <a:schemeClr val="accent1"/>
+          </a:lnRef>
+          <a:fillRef idx="0">
+            <a:schemeClr val="accent1"/>
+          </a:fillRef>
+          <a:effectRef idx="0">
+            <a:schemeClr val="accent1"/>
+          </a:effectRef>
+          <a:fontRef idx="minor">
+            <a:schemeClr val="tx1"/>
+          </a:fontRef>
+        </p:style>
+      </p:cxnSp>
+      <p:cxnSp>
+        <p:nvCxnSpPr>
+          <p:cNvPr id="14" name="Conector recto 13">
+            <a:extLst>
+              <a:ext uri="{FF2B5EF4-FFF2-40B4-BE49-F238E27FC236}">
+                <a16:creationId xmlns:a16="http://schemas.microsoft.com/office/drawing/2014/main" id="{EDB49017-534D-4049-4726-98E36DF8135D}"/>
+              </a:ext>
+            </a:extLst>
+          </p:cNvPr>
+          <p:cNvCxnSpPr>
+            <a:cxnSpLocks/>
+          </p:cNvCxnSpPr>
+          <p:nvPr/>
+        </p:nvCxnSpPr>
+        <p:spPr>
+          <a:xfrm>
+            <a:off x="368423" y="1937151"/>
+            <a:ext cx="3796683" cy="0"/>
+          </a:xfrm>
+          <a:prstGeom prst="line">
+            <a:avLst/>
+          </a:prstGeom>
+          <a:ln>
+            <a:solidFill>
+              <a:schemeClr val="tx1"/>
+            </a:solidFill>
+          </a:ln>
+        </p:spPr>
+        <p:style>
+          <a:lnRef idx="1">
+            <a:schemeClr val="accent1"/>
+          </a:lnRef>
+          <a:fillRef idx="0">
+            <a:schemeClr val="accent1"/>
+          </a:fillRef>
+          <a:effectRef idx="0">
+            <a:schemeClr val="accent1"/>
+          </a:effectRef>
+          <a:fontRef idx="minor">
+            <a:schemeClr val="tx1"/>
+          </a:fontRef>
+        </p:style>
+      </p:cxnSp>
+      <p:cxnSp>
+        <p:nvCxnSpPr>
+          <p:cNvPr id="15" name="Conector recto 14">
+            <a:extLst>
+              <a:ext uri="{FF2B5EF4-FFF2-40B4-BE49-F238E27FC236}">
+                <a16:creationId xmlns:a16="http://schemas.microsoft.com/office/drawing/2014/main" id="{49259E72-E571-F960-7A69-2FE6AFF84711}"/>
+              </a:ext>
+            </a:extLst>
+          </p:cNvPr>
+          <p:cNvCxnSpPr>
+            <a:cxnSpLocks/>
+          </p:cNvCxnSpPr>
+          <p:nvPr/>
+        </p:nvCxnSpPr>
+        <p:spPr>
+          <a:xfrm>
+            <a:off x="375822" y="4817151"/>
+            <a:ext cx="3796683" cy="0"/>
+          </a:xfrm>
+          <a:prstGeom prst="line">
+            <a:avLst/>
+          </a:prstGeom>
+          <a:ln>
+            <a:solidFill>
+              <a:schemeClr val="tx1"/>
+            </a:solidFill>
+          </a:ln>
+        </p:spPr>
+        <p:style>
+          <a:lnRef idx="1">
+            <a:schemeClr val="accent1"/>
+          </a:lnRef>
+          <a:fillRef idx="0">
+            <a:schemeClr val="accent1"/>
+          </a:fillRef>
+          <a:effectRef idx="0">
+            <a:schemeClr val="accent1"/>
+          </a:effectRef>
+          <a:fontRef idx="minor">
+            <a:schemeClr val="tx1"/>
+          </a:fontRef>
+        </p:style>
+      </p:cxnSp>
+      <p:sp>
+        <p:nvSpPr>
+          <p:cNvPr id="18" name="CuadroTexto 17">
+            <a:extLst>
+              <a:ext uri="{FF2B5EF4-FFF2-40B4-BE49-F238E27FC236}">
+                <a16:creationId xmlns:a16="http://schemas.microsoft.com/office/drawing/2014/main" id="{96AC1DA0-AC76-B4CF-3C49-64EF65B22345}"/>
+              </a:ext>
+            </a:extLst>
+          </p:cNvPr>
+          <p:cNvSpPr txBox="1"/>
+          <p:nvPr/>
+        </p:nvSpPr>
+        <p:spPr>
+          <a:xfrm>
+            <a:off x="375822" y="3374826"/>
+            <a:ext cx="1394421" cy="369332"/>
+          </a:xfrm>
+          <a:prstGeom prst="rect">
+            <a:avLst/>
+          </a:prstGeom>
+          <a:noFill/>
+          <a:ln>
+            <a:solidFill>
+              <a:schemeClr val="tx1"/>
+            </a:solidFill>
+          </a:ln>
+        </p:spPr>
+        <p:txBody>
+          <a:bodyPr wrap="none" rtlCol="0">
+            <a:spAutoFit/>
+          </a:bodyPr>
+          <a:lstStyle/>
+          <a:p>
+            <a:r>
+              <a:rPr lang="es-ES" dirty="0" err="1"/>
+              <a:t>Ground</a:t>
+            </a:r>
+            <a:r>
+              <a:rPr lang="es-ES" dirty="0"/>
+              <a:t> </a:t>
+            </a:r>
+            <a:r>
+              <a:rPr lang="es-ES" dirty="0" err="1"/>
+              <a:t>floor</a:t>
+            </a:r>
+            <a:endParaRPr lang="es-ES" dirty="0"/>
+          </a:p>
+        </p:txBody>
+      </p:sp>
+      <p:sp>
+        <p:nvSpPr>
+          <p:cNvPr id="19" name="CuadroTexto 18">
+            <a:extLst>
+              <a:ext uri="{FF2B5EF4-FFF2-40B4-BE49-F238E27FC236}">
+                <a16:creationId xmlns:a16="http://schemas.microsoft.com/office/drawing/2014/main" id="{845059CB-63BE-D48D-ED4B-87B40B1C17C2}"/>
+              </a:ext>
+            </a:extLst>
+          </p:cNvPr>
+          <p:cNvSpPr txBox="1"/>
+          <p:nvPr/>
+        </p:nvSpPr>
+        <p:spPr>
+          <a:xfrm>
+            <a:off x="375822" y="4810338"/>
+            <a:ext cx="1941109" cy="369332"/>
+          </a:xfrm>
+          <a:prstGeom prst="rect">
+            <a:avLst/>
+          </a:prstGeom>
+          <a:noFill/>
+          <a:ln>
+            <a:solidFill>
+              <a:schemeClr val="tx1"/>
+            </a:solidFill>
+          </a:ln>
+        </p:spPr>
+        <p:txBody>
+          <a:bodyPr wrap="none" rtlCol="0">
+            <a:spAutoFit/>
+          </a:bodyPr>
+          <a:lstStyle/>
+          <a:p>
+            <a:r>
+              <a:rPr lang="es-ES" dirty="0" err="1"/>
+              <a:t>Underground</a:t>
+            </a:r>
+            <a:r>
+              <a:rPr lang="es-ES" dirty="0"/>
+              <a:t> </a:t>
+            </a:r>
+            <a:r>
+              <a:rPr lang="es-ES" dirty="0" err="1"/>
+              <a:t>floor</a:t>
+            </a:r>
+            <a:endParaRPr lang="es-ES" dirty="0"/>
+          </a:p>
+        </p:txBody>
+      </p:sp>
+      <p:sp>
+        <p:nvSpPr>
+          <p:cNvPr id="20" name="CuadroTexto 19">
+            <a:extLst>
+              <a:ext uri="{FF2B5EF4-FFF2-40B4-BE49-F238E27FC236}">
+                <a16:creationId xmlns:a16="http://schemas.microsoft.com/office/drawing/2014/main" id="{9251B774-1B5D-028B-AB7A-4004DC2EB6F9}"/>
+              </a:ext>
+            </a:extLst>
+          </p:cNvPr>
+          <p:cNvSpPr txBox="1"/>
+          <p:nvPr/>
+        </p:nvSpPr>
+        <p:spPr>
+          <a:xfrm>
+            <a:off x="369449" y="1939431"/>
+            <a:ext cx="1083823" cy="369332"/>
+          </a:xfrm>
+          <a:prstGeom prst="rect">
+            <a:avLst/>
+          </a:prstGeom>
+          <a:noFill/>
+          <a:ln>
+            <a:solidFill>
+              <a:schemeClr val="tx1"/>
+            </a:solidFill>
+          </a:ln>
+        </p:spPr>
+        <p:txBody>
+          <a:bodyPr wrap="none" rtlCol="0">
+            <a:spAutoFit/>
+          </a:bodyPr>
+          <a:lstStyle/>
+          <a:p>
+            <a:r>
+              <a:rPr lang="es-ES" dirty="0" err="1"/>
+              <a:t>First</a:t>
+            </a:r>
+            <a:r>
+              <a:rPr lang="es-ES" dirty="0"/>
+              <a:t> </a:t>
+            </a:r>
+            <a:r>
+              <a:rPr lang="es-ES" dirty="0" err="1"/>
+              <a:t>floor</a:t>
+            </a:r>
+            <a:endParaRPr lang="es-ES" dirty="0"/>
+          </a:p>
+        </p:txBody>
+      </p:sp>
+      <p:sp>
+        <p:nvSpPr>
+          <p:cNvPr id="21" name="CuadroTexto 20">
+            <a:extLst>
+              <a:ext uri="{FF2B5EF4-FFF2-40B4-BE49-F238E27FC236}">
+                <a16:creationId xmlns:a16="http://schemas.microsoft.com/office/drawing/2014/main" id="{B4440CF4-C4D4-5D04-877E-DDFE84D49438}"/>
+              </a:ext>
+            </a:extLst>
+          </p:cNvPr>
+          <p:cNvSpPr txBox="1"/>
+          <p:nvPr/>
+        </p:nvSpPr>
+        <p:spPr>
+          <a:xfrm>
+            <a:off x="377301" y="503539"/>
+            <a:ext cx="1367362" cy="369332"/>
+          </a:xfrm>
+          <a:prstGeom prst="rect">
+            <a:avLst/>
+          </a:prstGeom>
+          <a:noFill/>
+          <a:ln>
+            <a:solidFill>
+              <a:schemeClr val="tx1"/>
+            </a:solidFill>
+          </a:ln>
+        </p:spPr>
+        <p:txBody>
+          <a:bodyPr wrap="none" rtlCol="0">
+            <a:spAutoFit/>
+          </a:bodyPr>
+          <a:lstStyle/>
+          <a:p>
+            <a:r>
+              <a:rPr lang="es-ES" dirty="0" err="1"/>
+              <a:t>Second</a:t>
+            </a:r>
+            <a:r>
+              <a:rPr lang="es-ES" dirty="0"/>
+              <a:t> </a:t>
+            </a:r>
+            <a:r>
+              <a:rPr lang="es-ES" dirty="0" err="1"/>
+              <a:t>floor</a:t>
+            </a:r>
+            <a:endParaRPr lang="es-ES" dirty="0"/>
+          </a:p>
+        </p:txBody>
+      </p:sp>
+      <p:sp>
+        <p:nvSpPr>
+          <p:cNvPr id="22" name="CuadroTexto 21">
+            <a:extLst>
+              <a:ext uri="{FF2B5EF4-FFF2-40B4-BE49-F238E27FC236}">
+                <a16:creationId xmlns:a16="http://schemas.microsoft.com/office/drawing/2014/main" id="{C2DE173E-7A59-2B35-2B7B-A4DB02E258E5}"/>
+              </a:ext>
+            </a:extLst>
+          </p:cNvPr>
+          <p:cNvSpPr txBox="1"/>
+          <p:nvPr/>
+        </p:nvSpPr>
+        <p:spPr>
+          <a:xfrm>
+            <a:off x="1710361" y="111079"/>
+            <a:ext cx="1135247" cy="369332"/>
+          </a:xfrm>
+          <a:prstGeom prst="rect">
+            <a:avLst/>
+          </a:prstGeom>
+          <a:noFill/>
+        </p:spPr>
+        <p:txBody>
+          <a:bodyPr wrap="none" rtlCol="0">
+            <a:spAutoFit/>
+          </a:bodyPr>
+          <a:lstStyle/>
+          <a:p>
+            <a:r>
+              <a:rPr lang="es-ES" dirty="0"/>
+              <a:t>INTRANET</a:t>
+            </a:r>
+          </a:p>
+        </p:txBody>
+      </p:sp>
+      <p:sp>
+        <p:nvSpPr>
+          <p:cNvPr id="23" name="CuadroTexto 22">
+            <a:extLst>
+              <a:ext uri="{FF2B5EF4-FFF2-40B4-BE49-F238E27FC236}">
+                <a16:creationId xmlns:a16="http://schemas.microsoft.com/office/drawing/2014/main" id="{AE27BF6A-7040-0D95-87F8-C08D064E53F2}"/>
+              </a:ext>
+            </a:extLst>
+          </p:cNvPr>
+          <p:cNvSpPr txBox="1"/>
+          <p:nvPr/>
+        </p:nvSpPr>
+        <p:spPr>
+          <a:xfrm>
+            <a:off x="8159750" y="127248"/>
+            <a:ext cx="1114408" cy="369332"/>
+          </a:xfrm>
+          <a:prstGeom prst="rect">
+            <a:avLst/>
+          </a:prstGeom>
+          <a:noFill/>
+        </p:spPr>
+        <p:txBody>
+          <a:bodyPr wrap="none" rtlCol="0">
+            <a:spAutoFit/>
+          </a:bodyPr>
+          <a:lstStyle/>
+          <a:p>
+            <a:r>
+              <a:rPr lang="es-ES" dirty="0"/>
+              <a:t>INTERNET</a:t>
+            </a:r>
+          </a:p>
+        </p:txBody>
+      </p:sp>
+      <p:sp>
+        <p:nvSpPr>
+          <p:cNvPr id="24" name="Nube 23">
+            <a:extLst>
+              <a:ext uri="{FF2B5EF4-FFF2-40B4-BE49-F238E27FC236}">
+                <a16:creationId xmlns:a16="http://schemas.microsoft.com/office/drawing/2014/main" id="{D2AF77C8-E042-BFEA-13BA-74FE1AB4AFD4}"/>
+              </a:ext>
+            </a:extLst>
+          </p:cNvPr>
+          <p:cNvSpPr/>
+          <p:nvPr/>
+        </p:nvSpPr>
+        <p:spPr>
+          <a:xfrm>
+            <a:off x="8956829" y="663205"/>
+            <a:ext cx="2717307" cy="1518082"/>
+          </a:xfrm>
+          <a:prstGeom prst="cloud">
+            <a:avLst/>
+          </a:prstGeom>
+          <a:noFill/>
+          <a:ln>
+            <a:solidFill>
+              <a:schemeClr val="tx1"/>
+            </a:solidFill>
+          </a:ln>
+        </p:spPr>
+        <p:style>
+          <a:lnRef idx="2">
+            <a:schemeClr val="accent1">
+              <a:shade val="15000"/>
+            </a:schemeClr>
+          </a:lnRef>
+          <a:fillRef idx="1">
+            <a:schemeClr val="accent1"/>
+          </a:fillRef>
+          <a:effectRef idx="0">
+            <a:schemeClr val="accent1"/>
+          </a:effectRef>
+          <a:fontRef idx="minor">
+            <a:schemeClr val="lt1"/>
+          </a:fontRef>
+        </p:style>
+        <p:txBody>
+          <a:bodyPr rtlCol="0" anchor="ctr"/>
+          <a:lstStyle/>
+          <a:p>
+            <a:pPr algn="ctr"/>
+            <a:r>
+              <a:rPr lang="es-ES" dirty="0">
+                <a:solidFill>
+                  <a:schemeClr val="tx1"/>
+                </a:solidFill>
+              </a:rPr>
+              <a:t>Cloud-services-provider-1</a:t>
+            </a:r>
+          </a:p>
+        </p:txBody>
+      </p:sp>
+      <p:sp>
+        <p:nvSpPr>
+          <p:cNvPr id="28" name="Nube 27">
+            <a:extLst>
+              <a:ext uri="{FF2B5EF4-FFF2-40B4-BE49-F238E27FC236}">
+                <a16:creationId xmlns:a16="http://schemas.microsoft.com/office/drawing/2014/main" id="{97DAE09E-F6A0-2F1D-62B6-8DB1B6764FE9}"/>
+              </a:ext>
+            </a:extLst>
+          </p:cNvPr>
+          <p:cNvSpPr/>
+          <p:nvPr/>
+        </p:nvSpPr>
+        <p:spPr>
+          <a:xfrm>
+            <a:off x="8956829" y="2555627"/>
+            <a:ext cx="2717307" cy="1518082"/>
+          </a:xfrm>
+          <a:prstGeom prst="cloud">
+            <a:avLst/>
+          </a:prstGeom>
+          <a:noFill/>
+          <a:ln>
+            <a:solidFill>
+              <a:schemeClr val="tx1"/>
+            </a:solidFill>
+          </a:ln>
+        </p:spPr>
+        <p:style>
+          <a:lnRef idx="2">
+            <a:schemeClr val="accent1">
+              <a:shade val="15000"/>
+            </a:schemeClr>
+          </a:lnRef>
+          <a:fillRef idx="1">
+            <a:schemeClr val="accent1"/>
+          </a:fillRef>
+          <a:effectRef idx="0">
+            <a:schemeClr val="accent1"/>
+          </a:effectRef>
+          <a:fontRef idx="minor">
+            <a:schemeClr val="lt1"/>
+          </a:fontRef>
+        </p:style>
+        <p:txBody>
+          <a:bodyPr rtlCol="0" anchor="ctr"/>
+          <a:lstStyle/>
+          <a:p>
+            <a:pPr algn="ctr"/>
+            <a:r>
+              <a:rPr lang="es-ES" dirty="0">
+                <a:solidFill>
+                  <a:schemeClr val="tx1"/>
+                </a:solidFill>
+              </a:rPr>
+              <a:t>Cloud-services-provider-2</a:t>
+            </a:r>
+          </a:p>
+        </p:txBody>
+      </p:sp>
+      <p:sp>
+        <p:nvSpPr>
+          <p:cNvPr id="29" name="Nube 28">
+            <a:extLst>
+              <a:ext uri="{FF2B5EF4-FFF2-40B4-BE49-F238E27FC236}">
+                <a16:creationId xmlns:a16="http://schemas.microsoft.com/office/drawing/2014/main" id="{F2160ED8-55BF-F626-F4C4-8EB6A2DEE33F}"/>
+              </a:ext>
+            </a:extLst>
+          </p:cNvPr>
+          <p:cNvSpPr/>
+          <p:nvPr/>
+        </p:nvSpPr>
+        <p:spPr>
+          <a:xfrm>
+            <a:off x="8956829" y="4524017"/>
+            <a:ext cx="2717307" cy="1518082"/>
+          </a:xfrm>
+          <a:prstGeom prst="cloud">
+            <a:avLst/>
+          </a:prstGeom>
+          <a:noFill/>
+          <a:ln>
+            <a:solidFill>
+              <a:schemeClr val="tx1"/>
+            </a:solidFill>
+          </a:ln>
+        </p:spPr>
+        <p:style>
+          <a:lnRef idx="2">
+            <a:schemeClr val="accent1">
+              <a:shade val="15000"/>
+            </a:schemeClr>
+          </a:lnRef>
+          <a:fillRef idx="1">
+            <a:schemeClr val="accent1"/>
+          </a:fillRef>
+          <a:effectRef idx="0">
+            <a:schemeClr val="accent1"/>
+          </a:effectRef>
+          <a:fontRef idx="minor">
+            <a:schemeClr val="lt1"/>
+          </a:fontRef>
+        </p:style>
+        <p:txBody>
+          <a:bodyPr rtlCol="0" anchor="ctr"/>
+          <a:lstStyle/>
+          <a:p>
+            <a:pPr algn="ctr"/>
+            <a:r>
+              <a:rPr lang="es-ES" dirty="0">
+                <a:solidFill>
+                  <a:schemeClr val="tx1"/>
+                </a:solidFill>
+              </a:rPr>
+              <a:t>Cloud-services-provider-3</a:t>
+            </a:r>
+          </a:p>
+        </p:txBody>
+      </p:sp>
+      <p:cxnSp>
+        <p:nvCxnSpPr>
+          <p:cNvPr id="31" name="Conector recto 30">
+            <a:extLst>
+              <a:ext uri="{FF2B5EF4-FFF2-40B4-BE49-F238E27FC236}">
+                <a16:creationId xmlns:a16="http://schemas.microsoft.com/office/drawing/2014/main" id="{8177C30A-C335-061C-DAF2-CF64E07843FF}"/>
+              </a:ext>
+            </a:extLst>
+          </p:cNvPr>
+          <p:cNvCxnSpPr>
+            <a:stCxn id="24" idx="2"/>
+          </p:cNvCxnSpPr>
+          <p:nvPr/>
+        </p:nvCxnSpPr>
+        <p:spPr>
+          <a:xfrm flipH="1">
+            <a:off x="8593584" y="1422246"/>
+            <a:ext cx="371674" cy="157979"/>
+          </a:xfrm>
+          <a:prstGeom prst="line">
+            <a:avLst/>
+          </a:prstGeom>
+          <a:ln w="38100">
+            <a:solidFill>
+              <a:schemeClr val="tx1"/>
+            </a:solidFill>
+            <a:prstDash val="sysDot"/>
+          </a:ln>
+        </p:spPr>
+        <p:style>
+          <a:lnRef idx="1">
+            <a:schemeClr val="accent1"/>
+          </a:lnRef>
+          <a:fillRef idx="0">
+            <a:schemeClr val="accent1"/>
+          </a:fillRef>
+          <a:effectRef idx="0">
+            <a:schemeClr val="accent1"/>
+          </a:effectRef>
+          <a:fontRef idx="minor">
+            <a:schemeClr val="tx1"/>
+          </a:fontRef>
+        </p:style>
+      </p:cxnSp>
+      <p:cxnSp>
+        <p:nvCxnSpPr>
+          <p:cNvPr id="32" name="Conector recto 31">
+            <a:extLst>
+              <a:ext uri="{FF2B5EF4-FFF2-40B4-BE49-F238E27FC236}">
+                <a16:creationId xmlns:a16="http://schemas.microsoft.com/office/drawing/2014/main" id="{AA895DCE-C41D-DDAD-DA41-038F3929D4FD}"/>
+              </a:ext>
+            </a:extLst>
+          </p:cNvPr>
+          <p:cNvCxnSpPr>
+            <a:cxnSpLocks/>
+            <a:stCxn id="28" idx="2"/>
+          </p:cNvCxnSpPr>
+          <p:nvPr/>
+        </p:nvCxnSpPr>
+        <p:spPr>
+          <a:xfrm flipH="1">
+            <a:off x="8318377" y="3314668"/>
+            <a:ext cx="646881" cy="821522"/>
+          </a:xfrm>
+          <a:prstGeom prst="line">
+            <a:avLst/>
+          </a:prstGeom>
+          <a:ln w="38100">
+            <a:solidFill>
+              <a:schemeClr val="tx1"/>
+            </a:solidFill>
+            <a:prstDash val="sysDot"/>
+          </a:ln>
+        </p:spPr>
+        <p:style>
+          <a:lnRef idx="1">
+            <a:schemeClr val="accent1"/>
+          </a:lnRef>
+          <a:fillRef idx="0">
+            <a:schemeClr val="accent1"/>
+          </a:fillRef>
+          <a:effectRef idx="0">
+            <a:schemeClr val="accent1"/>
+          </a:effectRef>
+          <a:fontRef idx="minor">
+            <a:schemeClr val="tx1"/>
+          </a:fontRef>
+        </p:style>
+      </p:cxnSp>
+      <p:cxnSp>
+        <p:nvCxnSpPr>
+          <p:cNvPr id="35" name="Conector recto 34">
+            <a:extLst>
+              <a:ext uri="{FF2B5EF4-FFF2-40B4-BE49-F238E27FC236}">
+                <a16:creationId xmlns:a16="http://schemas.microsoft.com/office/drawing/2014/main" id="{60B042FA-C21B-B3ED-1533-F6631367E806}"/>
+              </a:ext>
+            </a:extLst>
+          </p:cNvPr>
+          <p:cNvCxnSpPr>
+            <a:cxnSpLocks/>
+            <a:stCxn id="28" idx="2"/>
+          </p:cNvCxnSpPr>
+          <p:nvPr/>
+        </p:nvCxnSpPr>
+        <p:spPr>
+          <a:xfrm flipH="1" flipV="1">
+            <a:off x="8318377" y="2397056"/>
+            <a:ext cx="646881" cy="917612"/>
+          </a:xfrm>
+          <a:prstGeom prst="line">
+            <a:avLst/>
+          </a:prstGeom>
+          <a:ln w="38100">
+            <a:solidFill>
+              <a:schemeClr val="tx1"/>
+            </a:solidFill>
+            <a:prstDash val="sysDot"/>
+          </a:ln>
+        </p:spPr>
+        <p:style>
+          <a:lnRef idx="1">
+            <a:schemeClr val="accent1"/>
+          </a:lnRef>
+          <a:fillRef idx="0">
+            <a:schemeClr val="accent1"/>
+          </a:fillRef>
+          <a:effectRef idx="0">
+            <a:schemeClr val="accent1"/>
+          </a:effectRef>
+          <a:fontRef idx="minor">
+            <a:schemeClr val="tx1"/>
+          </a:fontRef>
+        </p:style>
+      </p:cxnSp>
+      <p:cxnSp>
+        <p:nvCxnSpPr>
+          <p:cNvPr id="38" name="Conector recto 37">
+            <a:extLst>
+              <a:ext uri="{FF2B5EF4-FFF2-40B4-BE49-F238E27FC236}">
+                <a16:creationId xmlns:a16="http://schemas.microsoft.com/office/drawing/2014/main" id="{DB32F9B5-0C59-0BCC-870C-8C42887B9DB7}"/>
+              </a:ext>
+            </a:extLst>
+          </p:cNvPr>
+          <p:cNvCxnSpPr>
+            <a:cxnSpLocks/>
+            <a:stCxn id="24" idx="1"/>
+            <a:endCxn id="28" idx="3"/>
+          </p:cNvCxnSpPr>
+          <p:nvPr/>
+        </p:nvCxnSpPr>
+        <p:spPr>
+          <a:xfrm>
+            <a:off x="10315483" y="2179671"/>
+            <a:ext cx="0" cy="462754"/>
+          </a:xfrm>
+          <a:prstGeom prst="line">
+            <a:avLst/>
+          </a:prstGeom>
+          <a:ln w="38100">
+            <a:solidFill>
+              <a:schemeClr val="tx1"/>
+            </a:solidFill>
+            <a:prstDash val="sysDot"/>
+          </a:ln>
+        </p:spPr>
+        <p:style>
+          <a:lnRef idx="1">
+            <a:schemeClr val="accent1"/>
+          </a:lnRef>
+          <a:fillRef idx="0">
+            <a:schemeClr val="accent1"/>
+          </a:fillRef>
+          <a:effectRef idx="0">
+            <a:schemeClr val="accent1"/>
+          </a:effectRef>
+          <a:fontRef idx="minor">
+            <a:schemeClr val="tx1"/>
+          </a:fontRef>
+        </p:style>
+      </p:cxnSp>
+      <p:cxnSp>
+        <p:nvCxnSpPr>
+          <p:cNvPr id="41" name="Conector recto 40">
+            <a:extLst>
+              <a:ext uri="{FF2B5EF4-FFF2-40B4-BE49-F238E27FC236}">
+                <a16:creationId xmlns:a16="http://schemas.microsoft.com/office/drawing/2014/main" id="{5A6EFA8A-647A-F52F-D171-CAE47448009C}"/>
+              </a:ext>
+            </a:extLst>
+          </p:cNvPr>
+          <p:cNvCxnSpPr>
+            <a:cxnSpLocks/>
+            <a:stCxn id="28" idx="1"/>
+            <a:endCxn id="29" idx="3"/>
+          </p:cNvCxnSpPr>
+          <p:nvPr/>
+        </p:nvCxnSpPr>
+        <p:spPr>
+          <a:xfrm>
+            <a:off x="10315483" y="4072093"/>
+            <a:ext cx="0" cy="538722"/>
+          </a:xfrm>
+          <a:prstGeom prst="line">
+            <a:avLst/>
+          </a:prstGeom>
+          <a:ln w="38100">
+            <a:solidFill>
+              <a:schemeClr val="tx1"/>
+            </a:solidFill>
+            <a:prstDash val="sysDot"/>
+          </a:ln>
+        </p:spPr>
+        <p:style>
+          <a:lnRef idx="1">
+            <a:schemeClr val="accent1"/>
+          </a:lnRef>
+          <a:fillRef idx="0">
+            <a:schemeClr val="accent1"/>
+          </a:fillRef>
+          <a:effectRef idx="0">
+            <a:schemeClr val="accent1"/>
+          </a:effectRef>
+          <a:fontRef idx="minor">
+            <a:schemeClr val="tx1"/>
+          </a:fontRef>
+        </p:style>
+      </p:cxnSp>
+      <p:cxnSp>
+        <p:nvCxnSpPr>
+          <p:cNvPr id="44" name="Conector recto 43">
+            <a:extLst>
+              <a:ext uri="{FF2B5EF4-FFF2-40B4-BE49-F238E27FC236}">
+                <a16:creationId xmlns:a16="http://schemas.microsoft.com/office/drawing/2014/main" id="{35AC733E-FA96-6641-6868-A5E4A03994D0}"/>
+              </a:ext>
+            </a:extLst>
+          </p:cNvPr>
+          <p:cNvCxnSpPr>
+            <a:cxnSpLocks/>
+            <a:stCxn id="7" idx="0"/>
+            <a:endCxn id="29" idx="2"/>
+          </p:cNvCxnSpPr>
+          <p:nvPr/>
+        </p:nvCxnSpPr>
+        <p:spPr>
+          <a:xfrm>
+            <a:off x="8757157" y="4838331"/>
+            <a:ext cx="208101" cy="444727"/>
+          </a:xfrm>
+          <a:prstGeom prst="line">
+            <a:avLst/>
+          </a:prstGeom>
+          <a:ln w="38100">
+            <a:solidFill>
+              <a:schemeClr val="tx1"/>
+            </a:solidFill>
+            <a:prstDash val="sysDot"/>
+          </a:ln>
+        </p:spPr>
+        <p:style>
+          <a:lnRef idx="1">
+            <a:schemeClr val="accent1"/>
+          </a:lnRef>
+          <a:fillRef idx="0">
+            <a:schemeClr val="accent1"/>
+          </a:fillRef>
+          <a:effectRef idx="0">
+            <a:schemeClr val="accent1"/>
+          </a:effectRef>
+          <a:fontRef idx="minor">
+            <a:schemeClr val="tx1"/>
+          </a:fontRef>
+        </p:style>
+      </p:cxnSp>
+      <p:cxnSp>
+        <p:nvCxnSpPr>
+          <p:cNvPr id="47" name="Conector recto 46">
+            <a:extLst>
+              <a:ext uri="{FF2B5EF4-FFF2-40B4-BE49-F238E27FC236}">
+                <a16:creationId xmlns:a16="http://schemas.microsoft.com/office/drawing/2014/main" id="{0000B09F-2233-A4FC-C685-F50F56120907}"/>
+              </a:ext>
+            </a:extLst>
+          </p:cNvPr>
+          <p:cNvCxnSpPr>
+            <a:cxnSpLocks/>
+            <a:stCxn id="6" idx="0"/>
+            <a:endCxn id="29" idx="2"/>
+          </p:cNvCxnSpPr>
+          <p:nvPr/>
+        </p:nvCxnSpPr>
+        <p:spPr>
+          <a:xfrm>
+            <a:off x="8662462" y="2019670"/>
+            <a:ext cx="302796" cy="3263388"/>
+          </a:xfrm>
+          <a:prstGeom prst="line">
+            <a:avLst/>
+          </a:prstGeom>
+          <a:ln w="38100">
+            <a:solidFill>
+              <a:schemeClr val="tx1"/>
+            </a:solidFill>
+            <a:prstDash val="sysDot"/>
+          </a:ln>
+        </p:spPr>
+        <p:style>
+          <a:lnRef idx="1">
+            <a:schemeClr val="accent1"/>
+          </a:lnRef>
+          <a:fillRef idx="0">
+            <a:schemeClr val="accent1"/>
+          </a:fillRef>
+          <a:effectRef idx="0">
+            <a:schemeClr val="accent1"/>
+          </a:effectRef>
+          <a:fontRef idx="minor">
+            <a:schemeClr val="tx1"/>
+          </a:fontRef>
+        </p:style>
+      </p:cxnSp>
+      <p:cxnSp>
+        <p:nvCxnSpPr>
+          <p:cNvPr id="50" name="Conector recto 49">
+            <a:extLst>
+              <a:ext uri="{FF2B5EF4-FFF2-40B4-BE49-F238E27FC236}">
+                <a16:creationId xmlns:a16="http://schemas.microsoft.com/office/drawing/2014/main" id="{46F5E462-BA47-5265-E0F9-EA608A196D9F}"/>
+              </a:ext>
+            </a:extLst>
+          </p:cNvPr>
+          <p:cNvCxnSpPr>
+            <a:cxnSpLocks/>
+            <a:stCxn id="24" idx="2"/>
+          </p:cNvCxnSpPr>
+          <p:nvPr/>
+        </p:nvCxnSpPr>
+        <p:spPr>
+          <a:xfrm flipH="1">
+            <a:off x="8318377" y="1422246"/>
+            <a:ext cx="646881" cy="2727434"/>
+          </a:xfrm>
+          <a:prstGeom prst="line">
+            <a:avLst/>
+          </a:prstGeom>
+          <a:ln w="38100">
+            <a:solidFill>
+              <a:schemeClr val="tx1"/>
+            </a:solidFill>
+            <a:prstDash val="sysDot"/>
+          </a:ln>
+        </p:spPr>
+        <p:style>
+          <a:lnRef idx="1">
+            <a:schemeClr val="accent1"/>
+          </a:lnRef>
+          <a:fillRef idx="0">
+            <a:schemeClr val="accent1"/>
+          </a:fillRef>
+          <a:effectRef idx="0">
+            <a:schemeClr val="accent1"/>
+          </a:effectRef>
+          <a:fontRef idx="minor">
+            <a:schemeClr val="tx1"/>
+          </a:fontRef>
+        </p:style>
+      </p:cxnSp>
+      <p:cxnSp>
+        <p:nvCxnSpPr>
+          <p:cNvPr id="53" name="Conector recto 52">
+            <a:extLst>
+              <a:ext uri="{FF2B5EF4-FFF2-40B4-BE49-F238E27FC236}">
+                <a16:creationId xmlns:a16="http://schemas.microsoft.com/office/drawing/2014/main" id="{22D2BCC3-DB33-A743-1A6D-082334784585}"/>
+              </a:ext>
+            </a:extLst>
+          </p:cNvPr>
+          <p:cNvCxnSpPr/>
+          <p:nvPr/>
+        </p:nvCxnSpPr>
+        <p:spPr>
+          <a:xfrm flipH="1">
+            <a:off x="5904245" y="720339"/>
+            <a:ext cx="371674" cy="0"/>
+          </a:xfrm>
+          <a:prstGeom prst="line">
+            <a:avLst/>
+          </a:prstGeom>
+          <a:ln w="38100">
+            <a:solidFill>
+              <a:schemeClr val="tx1"/>
+            </a:solidFill>
+            <a:prstDash val="sysDot"/>
+          </a:ln>
+        </p:spPr>
+        <p:style>
+          <a:lnRef idx="1">
+            <a:schemeClr val="accent1"/>
+          </a:lnRef>
+          <a:fillRef idx="0">
+            <a:schemeClr val="accent1"/>
+          </a:fillRef>
+          <a:effectRef idx="0">
+            <a:schemeClr val="accent1"/>
+          </a:effectRef>
+          <a:fontRef idx="minor">
+            <a:schemeClr val="tx1"/>
+          </a:fontRef>
+        </p:style>
+      </p:cxnSp>
+      <p:sp>
+        <p:nvSpPr>
+          <p:cNvPr id="54" name="CuadroTexto 53">
+            <a:extLst>
+              <a:ext uri="{FF2B5EF4-FFF2-40B4-BE49-F238E27FC236}">
+                <a16:creationId xmlns:a16="http://schemas.microsoft.com/office/drawing/2014/main" id="{31C565FE-033F-3617-1893-D30D75567FE2}"/>
+              </a:ext>
+            </a:extLst>
+          </p:cNvPr>
+          <p:cNvSpPr txBox="1"/>
+          <p:nvPr/>
+        </p:nvSpPr>
+        <p:spPr>
+          <a:xfrm>
+            <a:off x="6282131" y="539899"/>
+            <a:ext cx="1912383" cy="369332"/>
+          </a:xfrm>
+          <a:prstGeom prst="rect">
+            <a:avLst/>
+          </a:prstGeom>
+          <a:noFill/>
+        </p:spPr>
+        <p:txBody>
+          <a:bodyPr wrap="none" rtlCol="0">
+            <a:spAutoFit/>
+          </a:bodyPr>
+          <a:lstStyle/>
+          <a:p>
+            <a:r>
+              <a:rPr lang="es-ES" dirty="0"/>
+              <a:t>Virtual </a:t>
+            </a:r>
+            <a:r>
+              <a:rPr lang="es-ES" dirty="0" err="1"/>
+              <a:t>connection</a:t>
+            </a:r>
+            <a:endParaRPr lang="es-ES" dirty="0"/>
+          </a:p>
+        </p:txBody>
+      </p:sp>
+    </p:spTree>
+    <p:extLst>
+      <p:ext uri="{BB962C8B-B14F-4D97-AF65-F5344CB8AC3E}">
+        <p14:creationId xmlns:p14="http://schemas.microsoft.com/office/powerpoint/2010/main" val="936337580"/>
       </p:ext>
     </p:extLst>
   </p:cSld>

--- a/CV-AJTR.pptx
+++ b/CV-AJTR.pptx
@@ -10,8 +10,8 @@
   <p:sldIdLst>
     <p:sldId id="257" r:id="rId2"/>
     <p:sldId id="258" r:id="rId3"/>
-    <p:sldId id="256" r:id="rId4"/>
-    <p:sldId id="260" r:id="rId5"/>
+    <p:sldId id="263" r:id="rId4"/>
+    <p:sldId id="264" r:id="rId5"/>
     <p:sldId id="259" r:id="rId6"/>
     <p:sldId id="262" r:id="rId7"/>
     <p:sldId id="261" r:id="rId8"/>
@@ -2799,7 +2799,7 @@
           </a:pPr>
           <a:r>
             <a:rPr lang="es-ES" sz="2400" dirty="0"/>
-            <a:t>2 Business</a:t>
+            <a:t>3 Business</a:t>
           </a:r>
         </a:p>
       </dgm:t>
@@ -2840,7 +2840,7 @@
           <a:pPr algn="l"/>
           <a:r>
             <a:rPr lang="es-ES" sz="2400" dirty="0"/>
-            <a:t>3 Data</a:t>
+            <a:t>4 Data</a:t>
           </a:r>
         </a:p>
       </dgm:t>
@@ -3108,7 +3108,7 @@
           <a:r>
             <a:rPr lang="es-ES" sz="1900" b="1" kern="1200" dirty="0">
               <a:solidFill>
-                <a:srgbClr val="FF0000"/>
+                <a:srgbClr val="7030A0"/>
               </a:solidFill>
             </a:rPr>
             <a:t>4.1</a:t>
@@ -3119,39 +3119,23 @@
                 <a:schemeClr val="tx1"/>
               </a:solidFill>
             </a:rPr>
-            <a:t> On-</a:t>
-          </a:r>
-          <a:r>
-            <a:rPr lang="es-ES" sz="1900" kern="1200" dirty="0" err="1">
+            <a:t> Prevención </a:t>
+          </a:r>
+          <a:r>
+            <a:rPr lang="es-ES" sz="1900" b="1" kern="1200" dirty="0">
+              <a:solidFill>
+                <a:srgbClr val="7030A0"/>
+              </a:solidFill>
+            </a:rPr>
+            <a:t>4.2 </a:t>
+          </a:r>
+          <a:r>
+            <a:rPr lang="es-ES" sz="1900" kern="1200" dirty="0">
               <a:solidFill>
                 <a:schemeClr val="tx1"/>
               </a:solidFill>
             </a:rPr>
-            <a:t>prem</a:t>
-          </a:r>
-          <a:r>
-            <a:rPr lang="es-ES" sz="1900" kern="1200" dirty="0">
-              <a:solidFill>
-                <a:schemeClr val="tx1"/>
-              </a:solidFill>
-            </a:rPr>
-            <a:t> </a:t>
-          </a:r>
-          <a:r>
-            <a:rPr lang="es-ES" sz="1900" b="1" kern="1200" dirty="0">
-              <a:solidFill>
-                <a:srgbClr val="FF0000"/>
-              </a:solidFill>
-            </a:rPr>
-            <a:t>4.2</a:t>
-          </a:r>
-          <a:r>
-            <a:rPr lang="es-ES" sz="1900" kern="1200" dirty="0">
-              <a:solidFill>
-                <a:schemeClr val="tx1"/>
-              </a:solidFill>
-            </a:rPr>
-            <a:t> Cloud </a:t>
+            <a:t>Detección</a:t>
           </a:r>
           <a:br>
             <a:rPr lang="es-ES" sz="1900" kern="1200" dirty="0">
@@ -3163,10 +3147,10 @@
           <a:r>
             <a:rPr lang="es-ES" sz="1900" b="1" kern="1200" dirty="0">
               <a:solidFill>
-                <a:schemeClr val="accent5"/>
-              </a:solidFill>
-            </a:rPr>
-            <a:t>5.1</a:t>
+                <a:srgbClr val="7030A0"/>
+              </a:solidFill>
+            </a:rPr>
+            <a:t>4.3</a:t>
           </a:r>
           <a:r>
             <a:rPr lang="es-ES" sz="1900" kern="1200" dirty="0">
@@ -3174,39 +3158,23 @@
                 <a:schemeClr val="tx1"/>
               </a:solidFill>
             </a:rPr>
-            <a:t> </a:t>
-          </a:r>
-          <a:r>
-            <a:rPr lang="es-ES" sz="1900" kern="1200" dirty="0" err="1">
+            <a:t> Respuesta  </a:t>
+          </a:r>
+          <a:r>
+            <a:rPr lang="es-ES" sz="1900" b="1" kern="1200" dirty="0">
+              <a:solidFill>
+                <a:srgbClr val="7030A0"/>
+              </a:solidFill>
+            </a:rPr>
+            <a:t>4.4</a:t>
+          </a:r>
+          <a:r>
+            <a:rPr lang="es-ES" sz="1900" kern="1200" dirty="0">
               <a:solidFill>
                 <a:schemeClr val="tx1"/>
               </a:solidFill>
             </a:rPr>
-            <a:t>Frontend</a:t>
-          </a:r>
-          <a:r>
-            <a:rPr lang="es-ES" sz="1900" kern="1200" dirty="0">
-              <a:solidFill>
-                <a:schemeClr val="tx1"/>
-              </a:solidFill>
-            </a:rPr>
-            <a:t>   </a:t>
-          </a:r>
-          <a:r>
-            <a:rPr lang="es-ES" sz="1900" b="1" kern="1200" dirty="0">
-              <a:solidFill>
-                <a:schemeClr val="accent5"/>
-              </a:solidFill>
-            </a:rPr>
-            <a:t>5.2</a:t>
-          </a:r>
-          <a:r>
-            <a:rPr lang="es-ES" sz="1900" kern="1200" dirty="0">
-              <a:solidFill>
-                <a:schemeClr val="tx1"/>
-              </a:solidFill>
-            </a:rPr>
-            <a:t> Backend</a:t>
+            <a:t> Resiliencia </a:t>
           </a:r>
           <a:br>
             <a:rPr lang="es-ES" sz="1900" kern="1200" dirty="0">
@@ -3218,10 +3186,65 @@
           <a:r>
             <a:rPr lang="es-ES" sz="1900" b="1" kern="1200" dirty="0">
               <a:solidFill>
+                <a:srgbClr val="FF0000"/>
+              </a:solidFill>
+            </a:rPr>
+            <a:t>5.1</a:t>
+          </a:r>
+          <a:r>
+            <a:rPr lang="es-ES" sz="1900" kern="1200" dirty="0">
+              <a:solidFill>
+                <a:schemeClr val="tx1"/>
+              </a:solidFill>
+            </a:rPr>
+            <a:t> On-</a:t>
+          </a:r>
+          <a:r>
+            <a:rPr lang="es-ES" sz="1900" kern="1200" dirty="0" err="1">
+              <a:solidFill>
+                <a:schemeClr val="tx1"/>
+              </a:solidFill>
+            </a:rPr>
+            <a:t>prem</a:t>
+          </a:r>
+          <a:r>
+            <a:rPr lang="es-ES" sz="1900" kern="1200" dirty="0">
+              <a:solidFill>
+                <a:schemeClr val="tx1"/>
+              </a:solidFill>
+            </a:rPr>
+            <a:t> </a:t>
+          </a:r>
+          <a:r>
+            <a:rPr lang="es-ES" sz="1900" b="1" kern="1200" dirty="0">
+              <a:solidFill>
+                <a:srgbClr val="FF0000"/>
+              </a:solidFill>
+            </a:rPr>
+            <a:t>5.2</a:t>
+          </a:r>
+          <a:r>
+            <a:rPr lang="es-ES" sz="1900" kern="1200" dirty="0">
+              <a:solidFill>
+                <a:schemeClr val="tx1"/>
+              </a:solidFill>
+            </a:rPr>
+            <a:t> Cloud </a:t>
+          </a:r>
+          <a:br>
+            <a:rPr lang="es-ES" sz="1900" kern="1200" dirty="0">
+              <a:solidFill>
+                <a:schemeClr val="tx1"/>
+              </a:solidFill>
+            </a:rPr>
+          </a:br>
+          <a:r>
+            <a:rPr lang="es-ES" sz="1900" b="1" kern="1200" dirty="0">
+              <a:solidFill>
                 <a:schemeClr val="accent5"/>
               </a:solidFill>
             </a:rPr>
-            <a:t>5.3</a:t>
+            <a:t>6.1</a:t>
           </a:r>
           <a:r>
             <a:rPr lang="es-ES" sz="1900" kern="1200" dirty="0">
@@ -3229,23 +3252,46 @@
                 <a:schemeClr val="tx1"/>
               </a:solidFill>
             </a:rPr>
-            <a:t> </a:t>
-          </a:r>
-          <a:r>
-            <a:rPr lang="es-ES" sz="1900" kern="1200" dirty="0" err="1">
+            <a:t> Frontend   </a:t>
+          </a:r>
+          <a:r>
+            <a:rPr lang="es-ES" sz="1900" b="1" kern="1200" dirty="0">
+              <a:solidFill>
+                <a:schemeClr val="accent5"/>
+              </a:solidFill>
+            </a:rPr>
+            <a:t>6.2</a:t>
+          </a:r>
+          <a:r>
+            <a:rPr lang="es-ES" sz="1900" kern="1200" dirty="0">
               <a:solidFill>
                 <a:schemeClr val="tx1"/>
               </a:solidFill>
             </a:rPr>
-            <a:t>Fullstack</a:t>
-          </a:r>
-          <a:r>
+            <a:t> Backend</a:t>
+          </a:r>
+          <a:br>
             <a:rPr lang="es-ES" sz="1900" kern="1200" dirty="0">
               <a:solidFill>
                 <a:schemeClr val="tx1"/>
               </a:solidFill>
             </a:rPr>
-            <a:t>    </a:t>
+          </a:br>
+          <a:r>
+            <a:rPr lang="es-ES" sz="1900" b="1" kern="1200" dirty="0">
+              <a:solidFill>
+                <a:schemeClr val="accent5"/>
+              </a:solidFill>
+            </a:rPr>
+            <a:t>6.3</a:t>
+          </a:r>
+          <a:r>
+            <a:rPr lang="es-ES" sz="1900" kern="1200" dirty="0">
+              <a:solidFill>
+                <a:schemeClr val="tx1"/>
+              </a:solidFill>
+            </a:rPr>
+            <a:t> Fullstack    </a:t>
           </a:r>
           <a:r>
             <a:rPr lang="es-ES" sz="1900" b="1" kern="1200" dirty="0">
@@ -3256,7 +3302,7 @@
               <a:ea typeface="+mn-ea"/>
               <a:cs typeface="+mn-cs"/>
             </a:rPr>
-            <a:t>5.4</a:t>
+            <a:t>6.4</a:t>
           </a:r>
           <a:r>
             <a:rPr lang="es-ES" sz="1900" kern="1200" dirty="0">
@@ -3279,7 +3325,7 @@
                 <a:schemeClr val="accent4"/>
               </a:solidFill>
             </a:rPr>
-            <a:t>6.1 </a:t>
+            <a:t>7.1 </a:t>
           </a:r>
           <a:r>
             <a:rPr lang="es-ES" sz="1900" kern="1200" dirty="0">
@@ -3515,7 +3561,7 @@
           <a:r>
             <a:rPr lang="es-ES" sz="1800" b="1" kern="1200" dirty="0">
               <a:solidFill>
-                <a:srgbClr val="FF0000"/>
+                <a:srgbClr val="7030A0"/>
               </a:solidFill>
             </a:rPr>
             <a:t>4.1.1</a:t>
@@ -3526,7 +3572,55 @@
                 <a:schemeClr val="tx1"/>
               </a:solidFill>
             </a:rPr>
-            <a:t> Router, Switch, HSM, Diode, Proxy, VM, CMDB, AD, Windows, UNIX   </a:t>
+            <a:t> Nessus, NMAP, Kali Linux, DSA   </a:t>
+          </a:r>
+          <a:r>
+            <a:rPr lang="es-ES" sz="1800" b="1" kern="1200" dirty="0">
+              <a:solidFill>
+                <a:srgbClr val="7030A0"/>
+              </a:solidFill>
+            </a:rPr>
+            <a:t>4.2.1</a:t>
+          </a:r>
+          <a:r>
+            <a:rPr lang="es-ES" sz="1800" kern="1200" dirty="0">
+              <a:solidFill>
+                <a:schemeClr val="tx1"/>
+              </a:solidFill>
+            </a:rPr>
+            <a:t> IDS, EDR, SIEM   </a:t>
+          </a:r>
+          <a:r>
+            <a:rPr lang="es-ES" sz="1800" b="1" kern="1200" dirty="0">
+              <a:solidFill>
+                <a:srgbClr val="7030A0"/>
+              </a:solidFill>
+            </a:rPr>
+            <a:t>4.3.1</a:t>
+          </a:r>
+          <a:r>
+            <a:rPr lang="es-ES" sz="1800" kern="1200" dirty="0">
+              <a:solidFill>
+                <a:schemeClr val="tx1"/>
+              </a:solidFill>
+            </a:rPr>
+            <a:t> IPS, FW, WAF, GPMC   </a:t>
+          </a:r>
+          <a:r>
+            <a:rPr lang="es-ES" sz="1800" b="1" kern="1200" dirty="0">
+              <a:solidFill>
+                <a:srgbClr val="7030A0"/>
+              </a:solidFill>
+            </a:rPr>
+            <a:t>4.4.1</a:t>
+          </a:r>
+          <a:r>
+            <a:rPr lang="es-ES" sz="1800" kern="1200" dirty="0">
+              <a:solidFill>
+                <a:schemeClr val="tx1"/>
+              </a:solidFill>
+            </a:rPr>
+            <a:t> HA, CDN</a:t>
           </a:r>
           <a:br>
             <a:rPr lang="es-ES" sz="1800" kern="1200" dirty="0">
@@ -3541,7 +3635,7 @@
                 <a:srgbClr val="FF0000"/>
               </a:solidFill>
             </a:rPr>
-            <a:t>4.2.1</a:t>
+            <a:t>5.1.1</a:t>
           </a:r>
           <a:r>
             <a:rPr lang="es-ES" sz="1800" kern="1200" dirty="0">
@@ -3549,23 +3643,7 @@
                 <a:schemeClr val="tx1"/>
               </a:solidFill>
             </a:rPr>
-            <a:t> Azure, O365   </a:t>
-          </a:r>
-          <a:r>
-            <a:rPr lang="es-ES" sz="1800" b="1" kern="1200" dirty="0">
-              <a:solidFill>
-                <a:srgbClr val="FF0000"/>
-              </a:solidFill>
-            </a:rPr>
-            <a:t>4.2.2</a:t>
-          </a:r>
-          <a:r>
-            <a:rPr lang="es-ES" sz="1800" kern="1200" dirty="0">
-              <a:solidFill>
-                <a:schemeClr val="tx1"/>
-              </a:solidFill>
-            </a:rPr>
-            <a:t> GCP </a:t>
+            <a:t> Router, Switch, HSM, Diode, Proxy, VM, CMDB, AD, Windows, UNIX   </a:t>
           </a:r>
           <a:br>
             <a:rPr lang="es-ES" sz="1800" kern="1200" dirty="0">
@@ -3577,10 +3655,10 @@
           <a:r>
             <a:rPr lang="es-ES" sz="1800" b="1" kern="1200" dirty="0">
               <a:solidFill>
-                <a:schemeClr val="accent5"/>
-              </a:solidFill>
-            </a:rPr>
-            <a:t>5.1.1</a:t>
+                <a:srgbClr val="FF0000"/>
+              </a:solidFill>
+            </a:rPr>
+            <a:t>5.2.1</a:t>
           </a:r>
           <a:r>
             <a:rPr lang="es-ES" sz="1800" kern="1200" dirty="0">
@@ -3588,7 +3666,23 @@
                 <a:schemeClr val="tx1"/>
               </a:solidFill>
             </a:rPr>
-            <a:t> HTML5, CSS3, JQUERY, Javascript</a:t>
+            <a:t> Azure, O365   </a:t>
+          </a:r>
+          <a:r>
+            <a:rPr lang="es-ES" sz="1800" b="1" kern="1200" dirty="0">
+              <a:solidFill>
+                <a:srgbClr val="FF0000"/>
+              </a:solidFill>
+            </a:rPr>
+            <a:t>5.2.2</a:t>
+          </a:r>
+          <a:r>
+            <a:rPr lang="es-ES" sz="1800" kern="1200" dirty="0">
+              <a:solidFill>
+                <a:schemeClr val="tx1"/>
+              </a:solidFill>
+            </a:rPr>
+            <a:t> GCP </a:t>
           </a:r>
           <a:br>
             <a:rPr lang="es-ES" sz="1800" kern="1200" dirty="0">
@@ -3603,7 +3697,7 @@
                 <a:schemeClr val="accent5"/>
               </a:solidFill>
             </a:rPr>
-            <a:t>5.2.1</a:t>
+            <a:t>6.1.1</a:t>
           </a:r>
           <a:r>
             <a:rPr lang="es-ES" sz="1800" kern="1200" dirty="0">
@@ -3611,15 +3705,7 @@
                 <a:schemeClr val="tx1"/>
               </a:solidFill>
             </a:rPr>
-            <a:t> SQL, Java, C, C#, Python, Dart/Flutter, PHP/Symfony, API, PowerShell, VS, Android, iOS, </a:t>
-          </a:r>
-          <a:r>
-            <a:rPr lang="es-ES" sz="1800" kern="1200" dirty="0" err="1">
-              <a:solidFill>
-                <a:schemeClr val="tx1"/>
-              </a:solidFill>
-            </a:rPr>
-            <a:t>Go</a:t>
+            <a:t> HTML5, CSS3, JQUERY, Javascript</a:t>
           </a:r>
           <a:br>
             <a:rPr lang="es-ES" sz="1800" kern="1200" dirty="0">
@@ -3634,7 +3720,30 @@
                 <a:schemeClr val="accent5"/>
               </a:solidFill>
             </a:rPr>
-            <a:t>5.3.1</a:t>
+            <a:t>6.2.1</a:t>
+          </a:r>
+          <a:r>
+            <a:rPr lang="es-ES" sz="1800" kern="1200" dirty="0">
+              <a:solidFill>
+                <a:schemeClr val="tx1"/>
+              </a:solidFill>
+            </a:rPr>
+            <a:t> SQL, Java, C, C#, Python, Dart/Flutter, PHP/Symfony, API, PowerShell, VS, Android, iOS</a:t>
+          </a:r>
+          <a:br>
+            <a:rPr lang="es-ES" sz="1800" kern="1200" dirty="0">
+              <a:solidFill>
+                <a:schemeClr val="tx1"/>
+              </a:solidFill>
+            </a:rPr>
+          </a:br>
+          <a:r>
+            <a:rPr lang="es-ES" sz="1800" b="1" kern="1200" dirty="0">
+              <a:solidFill>
+                <a:schemeClr val="accent5"/>
+              </a:solidFill>
+            </a:rPr>
+            <a:t>6.3.1</a:t>
           </a:r>
           <a:r>
             <a:rPr lang="es-ES" sz="1800" kern="1200" dirty="0">
@@ -3653,7 +3762,7 @@
               <a:ea typeface="+mn-ea"/>
               <a:cs typeface="+mn-cs"/>
             </a:rPr>
-            <a:t>5.4.1</a:t>
+            <a:t>6.4.1</a:t>
           </a:r>
           <a:r>
             <a:rPr lang="es-ES" sz="1800" kern="1200" dirty="0">
@@ -3669,7 +3778,7 @@
                 <a:schemeClr val="accent4"/>
               </a:solidFill>
             </a:rPr>
-            <a:t>6.1.1</a:t>
+            <a:t>7.1.1</a:t>
           </a:r>
           <a:r>
             <a:rPr lang="es-ES" sz="1800" kern="1200" dirty="0">
@@ -3704,6 +3813,47 @@
         </a:p>
       </dgm:t>
     </dgm:pt>
+    <dgm:pt modelId="{DCF284C0-A6B7-4E12-954C-54239F2C1303}">
+      <dgm:prSet phldrT="[Texto]" custT="1"/>
+      <dgm:spPr>
+        <a:solidFill>
+          <a:srgbClr val="7030A0"/>
+        </a:solidFill>
+      </dgm:spPr>
+      <dgm:t>
+        <a:bodyPr/>
+        <a:lstStyle/>
+        <a:p>
+          <a:pPr algn="l"/>
+          <a:r>
+            <a:rPr lang="es-ES" sz="2400" dirty="0"/>
+            <a:t>2 Cyber Security</a:t>
+          </a:r>
+        </a:p>
+      </dgm:t>
+    </dgm:pt>
+    <dgm:pt modelId="{3DB1642E-0E9E-41D4-A6E5-F0B82B8C0441}" type="parTrans" cxnId="{5B3DD3CA-25BA-412E-A289-E855BD36F63B}">
+      <dgm:prSet/>
+      <dgm:spPr/>
+      <dgm:t>
+        <a:bodyPr/>
+        <a:lstStyle/>
+        <a:p>
+          <a:endParaRPr lang="es-ES"/>
+        </a:p>
+      </dgm:t>
+    </dgm:pt>
+    <dgm:pt modelId="{063EB571-B978-4836-B9CC-396652387F66}" type="sibTrans" cxnId="{5B3DD3CA-25BA-412E-A289-E855BD36F63B}">
+      <dgm:prSet/>
+      <dgm:spPr/>
+      <dgm:t>
+        <a:bodyPr/>
+        <a:lstStyle/>
+        <a:p>
+          <a:endParaRPr lang="es-ES"/>
+        </a:p>
+      </dgm:t>
+    </dgm:pt>
     <dgm:pt modelId="{FC5C8F6C-B10E-4696-AE4B-ECAEAC6BF073}">
       <dgm:prSet phldrT="[Texto]" custT="1"/>
       <dgm:spPr>
@@ -3718,7 +3868,7 @@
           <a:pPr algn="l"/>
           <a:r>
             <a:rPr lang="es-ES" sz="2400" dirty="0"/>
-            <a:t>4 Infrastructure</a:t>
+            <a:t>5 Infrastructure</a:t>
           </a:r>
         </a:p>
       </dgm:t>
@@ -3759,7 +3909,7 @@
           <a:pPr algn="l"/>
           <a:r>
             <a:rPr lang="es-ES" sz="2400" dirty="0"/>
-            <a:t>5 Development</a:t>
+            <a:t>6 Development</a:t>
           </a:r>
         </a:p>
       </dgm:t>
@@ -3800,7 +3950,7 @@
           <a:pPr algn="l"/>
           <a:r>
             <a:rPr lang="es-ES" sz="2400" dirty="0"/>
-            <a:t>6 Operations</a:t>
+            <a:t>7 Operations</a:t>
           </a:r>
         </a:p>
       </dgm:t>
@@ -3902,7 +4052,7 @@
       <dgm:spPr/>
     </dgm:pt>
     <dgm:pt modelId="{7AA399AB-355C-4204-80D3-7AECFDFF999E}" type="pres">
-      <dgm:prSet presAssocID="{8EE96F46-43D8-47B5-9D6E-05D096B6BB69}" presName="childNode" presStyleLbl="node1" presStyleIdx="0" presStyleCnt="8" custScaleX="181268" custLinFactY="-18256" custLinFactNeighborY="-100000">
+      <dgm:prSet presAssocID="{8EE96F46-43D8-47B5-9D6E-05D096B6BB69}" presName="childNode" presStyleLbl="node1" presStyleIdx="0" presStyleCnt="9" custScaleX="181268" custLinFactY="-18256" custLinFactNeighborY="-100000">
         <dgm:presLayoutVars>
           <dgm:bulletEnabled val="1"/>
         </dgm:presLayoutVars>
@@ -3914,7 +4064,7 @@
       <dgm:spPr/>
     </dgm:pt>
     <dgm:pt modelId="{3E591A46-0D94-4C22-A397-E0312A3D1145}" type="pres">
-      <dgm:prSet presAssocID="{AF8B5F44-5CD0-4F68-BFB8-7E8C7977EE56}" presName="childNode" presStyleLbl="node1" presStyleIdx="1" presStyleCnt="8" custScaleX="181268" custLinFactY="-18256" custLinFactNeighborY="-100000">
+      <dgm:prSet presAssocID="{AF8B5F44-5CD0-4F68-BFB8-7E8C7977EE56}" presName="childNode" presStyleLbl="node1" presStyleIdx="1" presStyleCnt="9" custScaleX="181268" custLinFactY="66908" custLinFactNeighborY="100000">
         <dgm:presLayoutVars>
           <dgm:bulletEnabled val="1"/>
         </dgm:presLayoutVars>
@@ -3926,7 +4076,7 @@
       <dgm:spPr/>
     </dgm:pt>
     <dgm:pt modelId="{9824309B-737B-4D15-89C6-88620A17313F}" type="pres">
-      <dgm:prSet presAssocID="{762570F4-3939-43AD-8AC4-1ECCC30BE75D}" presName="childNode" presStyleLbl="node1" presStyleIdx="2" presStyleCnt="8" custScaleX="181268" custLinFactY="-18256" custLinFactNeighborY="-100000">
+      <dgm:prSet presAssocID="{762570F4-3939-43AD-8AC4-1ECCC30BE75D}" presName="childNode" presStyleLbl="node1" presStyleIdx="2" presStyleCnt="9" custScaleX="181268" custLinFactY="66908" custLinFactNeighborY="100000">
         <dgm:presLayoutVars>
           <dgm:bulletEnabled val="1"/>
         </dgm:presLayoutVars>
@@ -3937,8 +4087,20 @@
       <dgm:prSet presAssocID="{762570F4-3939-43AD-8AC4-1ECCC30BE75D}" presName="aSpace2" presStyleCnt="0"/>
       <dgm:spPr/>
     </dgm:pt>
+    <dgm:pt modelId="{FC792778-402A-4259-8E6E-FF2028304AB6}" type="pres">
+      <dgm:prSet presAssocID="{DCF284C0-A6B7-4E12-954C-54239F2C1303}" presName="childNode" presStyleLbl="node1" presStyleIdx="3" presStyleCnt="9" custScaleX="181268" custLinFactY="-216424" custLinFactNeighborX="-76" custLinFactNeighborY="-300000">
+        <dgm:presLayoutVars>
+          <dgm:bulletEnabled val="1"/>
+        </dgm:presLayoutVars>
+      </dgm:prSet>
+      <dgm:spPr/>
+    </dgm:pt>
+    <dgm:pt modelId="{BDCE6304-FF4D-4FB2-9FE2-0CDE26174508}" type="pres">
+      <dgm:prSet presAssocID="{DCF284C0-A6B7-4E12-954C-54239F2C1303}" presName="aSpace2" presStyleCnt="0"/>
+      <dgm:spPr/>
+    </dgm:pt>
     <dgm:pt modelId="{84D55724-BBA1-4FE6-932B-88A7C58FF3B0}" type="pres">
-      <dgm:prSet presAssocID="{FC5C8F6C-B10E-4696-AE4B-ECAEAC6BF073}" presName="childNode" presStyleLbl="node1" presStyleIdx="3" presStyleCnt="8" custScaleX="181268" custLinFactY="-18256" custLinFactNeighborY="-100000">
+      <dgm:prSet presAssocID="{FC5C8F6C-B10E-4696-AE4B-ECAEAC6BF073}" presName="childNode" presStyleLbl="node1" presStyleIdx="4" presStyleCnt="9" custScaleX="181268" custLinFactY="-18256" custLinFactNeighborY="-100000">
         <dgm:presLayoutVars>
           <dgm:bulletEnabled val="1"/>
         </dgm:presLayoutVars>
@@ -3950,7 +4112,7 @@
       <dgm:spPr/>
     </dgm:pt>
     <dgm:pt modelId="{E97B479E-3F0B-43AA-AFFB-A4495597DFD4}" type="pres">
-      <dgm:prSet presAssocID="{D4BE62DB-80B4-4D03-8466-1007C554A7FA}" presName="childNode" presStyleLbl="node1" presStyleIdx="4" presStyleCnt="8" custScaleX="181268" custLinFactY="-18256" custLinFactNeighborY="-100000">
+      <dgm:prSet presAssocID="{D4BE62DB-80B4-4D03-8466-1007C554A7FA}" presName="childNode" presStyleLbl="node1" presStyleIdx="5" presStyleCnt="9" custScaleX="181268" custLinFactY="-18256" custLinFactNeighborY="-100000">
         <dgm:presLayoutVars>
           <dgm:bulletEnabled val="1"/>
         </dgm:presLayoutVars>
@@ -3962,7 +4124,7 @@
       <dgm:spPr/>
     </dgm:pt>
     <dgm:pt modelId="{5B071783-289B-483B-84CF-31FC62E5C8D5}" type="pres">
-      <dgm:prSet presAssocID="{2D4B959D-8A45-47D5-87A3-BE3728E560E4}" presName="childNode" presStyleLbl="node1" presStyleIdx="5" presStyleCnt="8" custScaleX="181268" custLinFactY="-18256" custLinFactNeighborY="-100000">
+      <dgm:prSet presAssocID="{2D4B959D-8A45-47D5-87A3-BE3728E560E4}" presName="childNode" presStyleLbl="node1" presStyleIdx="6" presStyleCnt="9" custScaleX="181268" custLinFactY="-18256" custLinFactNeighborY="-100000">
         <dgm:presLayoutVars>
           <dgm:bulletEnabled val="1"/>
         </dgm:presLayoutVars>
@@ -4004,7 +4166,7 @@
       <dgm:spPr/>
     </dgm:pt>
     <dgm:pt modelId="{2D5D52D8-9B81-4768-A7CB-E93EC92A7460}" type="pres">
-      <dgm:prSet presAssocID="{F0CB5344-13A6-4511-9C23-AB33D1905CDA}" presName="childNode" presStyleLbl="node1" presStyleIdx="6" presStyleCnt="8" custScaleX="257231" custScaleY="109683" custLinFactNeighborX="2866">
+      <dgm:prSet presAssocID="{F0CB5344-13A6-4511-9C23-AB33D1905CDA}" presName="childNode" presStyleLbl="node1" presStyleIdx="7" presStyleCnt="9" custScaleX="257231" custScaleY="109683" custLinFactNeighborX="2866">
         <dgm:presLayoutVars>
           <dgm:bulletEnabled val="1"/>
         </dgm:presLayoutVars>
@@ -4046,7 +4208,7 @@
       <dgm:spPr/>
     </dgm:pt>
     <dgm:pt modelId="{8338766F-F19C-452C-ACBE-1124DED4EE91}" type="pres">
-      <dgm:prSet presAssocID="{FD8A3556-9942-4423-A013-62B0820F5BC8}" presName="childNode" presStyleLbl="node1" presStyleIdx="7" presStyleCnt="8" custScaleX="321959" custScaleY="131158" custLinFactNeighborX="153" custLinFactNeighborY="-5136">
+      <dgm:prSet presAssocID="{FD8A3556-9942-4423-A013-62B0820F5BC8}" presName="childNode" presStyleLbl="node1" presStyleIdx="8" presStyleCnt="9" custScaleX="321959" custScaleY="131158" custLinFactNeighborX="153" custLinFactNeighborY="-5136">
         <dgm:presLayoutVars>
           <dgm:bulletEnabled val="1"/>
         </dgm:presLayoutVars>
@@ -4059,12 +4221,13 @@
     <dgm:cxn modelId="{21E5F309-7CAC-482A-A8EE-8F40149E67E9}" type="presOf" srcId="{6B1441A6-42C9-48AB-8A1F-475F0961D9C9}" destId="{D2E20C87-F0A8-4BBE-AE0E-797C2EB0C3A3}" srcOrd="1" destOrd="0" presId="urn:microsoft.com/office/officeart/2005/8/layout/lProcess2"/>
     <dgm:cxn modelId="{9DADCA12-EA6F-4953-8869-5E9F04A29496}" srcId="{617510CF-EBBC-438F-848A-3292E685F6F6}" destId="{762570F4-3939-43AD-8AC4-1ECCC30BE75D}" srcOrd="2" destOrd="0" parTransId="{74F80BCB-B8C0-4D09-BA30-E552205F8888}" sibTransId="{A4F88485-7842-4E75-97B6-6EE83C9710A3}"/>
     <dgm:cxn modelId="{D0BA6328-52C6-467B-9353-88EC9E21318E}" type="presOf" srcId="{F204B375-E432-491C-B317-E0CFBB0B1CB3}" destId="{78F56DE7-56BE-46A1-883B-FFC013401691}" srcOrd="0" destOrd="0" presId="urn:microsoft.com/office/officeart/2005/8/layout/lProcess2"/>
-    <dgm:cxn modelId="{7DAAC82F-BC30-48F1-8581-0C18C7A0A64E}" srcId="{617510CF-EBBC-438F-848A-3292E685F6F6}" destId="{FC5C8F6C-B10E-4696-AE4B-ECAEAC6BF073}" srcOrd="3" destOrd="0" parTransId="{6C4ADE00-AA3B-4518-BC34-C72DDADCA93C}" sibTransId="{115FF73F-A822-4EB7-8BF6-235B3C7583A4}"/>
+    <dgm:cxn modelId="{7DAAC82F-BC30-48F1-8581-0C18C7A0A64E}" srcId="{617510CF-EBBC-438F-848A-3292E685F6F6}" destId="{FC5C8F6C-B10E-4696-AE4B-ECAEAC6BF073}" srcOrd="4" destOrd="0" parTransId="{6C4ADE00-AA3B-4518-BC34-C72DDADCA93C}" sibTransId="{115FF73F-A822-4EB7-8BF6-235B3C7583A4}"/>
     <dgm:cxn modelId="{0B089A34-6442-43C7-BBED-47398A316D94}" type="presOf" srcId="{617510CF-EBBC-438F-848A-3292E685F6F6}" destId="{968EEAC2-B675-47FC-9364-2A95E0BF0547}" srcOrd="1" destOrd="0" presId="urn:microsoft.com/office/officeart/2005/8/layout/lProcess2"/>
     <dgm:cxn modelId="{33910F5E-5757-445B-B213-A322E0AFD971}" type="presOf" srcId="{F0CB5344-13A6-4511-9C23-AB33D1905CDA}" destId="{2D5D52D8-9B81-4768-A7CB-E93EC92A7460}" srcOrd="0" destOrd="0" presId="urn:microsoft.com/office/officeart/2005/8/layout/lProcess2"/>
     <dgm:cxn modelId="{C86C5C61-126A-4AD5-A654-6BF0B73FB838}" type="presOf" srcId="{617510CF-EBBC-438F-848A-3292E685F6F6}" destId="{40E0167C-FED4-4A88-858C-99CCC245FE6D}" srcOrd="0" destOrd="0" presId="urn:microsoft.com/office/officeart/2005/8/layout/lProcess2"/>
-    <dgm:cxn modelId="{8468B568-85BE-48E9-A5C6-761C202BC732}" srcId="{617510CF-EBBC-438F-848A-3292E685F6F6}" destId="{D4BE62DB-80B4-4D03-8466-1007C554A7FA}" srcOrd="4" destOrd="0" parTransId="{DD8AFB82-AF10-4A84-BD39-F60FE74256B4}" sibTransId="{F29183E1-D535-47B1-B09A-79A6C595E628}"/>
-    <dgm:cxn modelId="{46233C49-C6FD-438E-8C31-F642DD539228}" srcId="{617510CF-EBBC-438F-848A-3292E685F6F6}" destId="{2D4B959D-8A45-47D5-87A3-BE3728E560E4}" srcOrd="5" destOrd="0" parTransId="{568883D5-80AE-4801-B8B3-B91E3F0D8C77}" sibTransId="{5C307575-1627-499D-A59E-628147E5DB6C}"/>
+    <dgm:cxn modelId="{8468B568-85BE-48E9-A5C6-761C202BC732}" srcId="{617510CF-EBBC-438F-848A-3292E685F6F6}" destId="{D4BE62DB-80B4-4D03-8466-1007C554A7FA}" srcOrd="5" destOrd="0" parTransId="{DD8AFB82-AF10-4A84-BD39-F60FE74256B4}" sibTransId="{F29183E1-D535-47B1-B09A-79A6C595E628}"/>
+    <dgm:cxn modelId="{46233C49-C6FD-438E-8C31-F642DD539228}" srcId="{617510CF-EBBC-438F-848A-3292E685F6F6}" destId="{2D4B959D-8A45-47D5-87A3-BE3728E560E4}" srcOrd="6" destOrd="0" parTransId="{568883D5-80AE-4801-B8B3-B91E3F0D8C77}" sibTransId="{5C307575-1627-499D-A59E-628147E5DB6C}"/>
+    <dgm:cxn modelId="{C710E649-16C9-4CC8-B210-AD09E83F0146}" type="presOf" srcId="{DCF284C0-A6B7-4E12-954C-54239F2C1303}" destId="{FC792778-402A-4259-8E6E-FF2028304AB6}" srcOrd="0" destOrd="0" presId="urn:microsoft.com/office/officeart/2005/8/layout/lProcess2"/>
     <dgm:cxn modelId="{CDE2C576-AAF6-4813-9F0F-C4E7BBF2E557}" srcId="{F204B375-E432-491C-B317-E0CFBB0B1CB3}" destId="{617510CF-EBBC-438F-848A-3292E685F6F6}" srcOrd="0" destOrd="0" parTransId="{4A125CFA-9086-4D64-B32E-EF1F3A37345B}" sibTransId="{93CBD815-0D9A-447B-ABA8-11AB6A5FCEDC}"/>
     <dgm:cxn modelId="{C425BC59-EC64-48D7-84BC-14B86581A956}" type="presOf" srcId="{D4BE62DB-80B4-4D03-8466-1007C554A7FA}" destId="{E97B479E-3F0B-43AA-AFFB-A4495597DFD4}" srcOrd="0" destOrd="0" presId="urn:microsoft.com/office/officeart/2005/8/layout/lProcess2"/>
     <dgm:cxn modelId="{CB558880-1342-42F5-8E54-C17B63C82E6A}" type="presOf" srcId="{FD8A3556-9942-4423-A013-62B0820F5BC8}" destId="{8338766F-F19C-452C-ACBE-1124DED4EE91}" srcOrd="0" destOrd="0" presId="urn:microsoft.com/office/officeart/2005/8/layout/lProcess2"/>
@@ -4074,6 +4237,7 @@
     <dgm:cxn modelId="{9EBB12AE-1D21-4B02-A8C9-2D204349DF7D}" type="presOf" srcId="{E2DD3D1B-7AA2-459A-9E89-F305CACA032B}" destId="{FCFAA177-D9CC-452C-8A31-855A4B232633}" srcOrd="1" destOrd="0" presId="urn:microsoft.com/office/officeart/2005/8/layout/lProcess2"/>
     <dgm:cxn modelId="{8DE242BA-45B2-4C02-8F28-4611B22E2388}" srcId="{F204B375-E432-491C-B317-E0CFBB0B1CB3}" destId="{6B1441A6-42C9-48AB-8A1F-475F0961D9C9}" srcOrd="1" destOrd="0" parTransId="{08F34BD4-DFA7-449B-8531-61CA337227C5}" sibTransId="{BB1EAC59-EC43-4CD8-8A18-E2DF4A70BE5F}"/>
     <dgm:cxn modelId="{8467DCC5-6643-441C-BA28-D69E78E2CF7F}" srcId="{617510CF-EBBC-438F-848A-3292E685F6F6}" destId="{8EE96F46-43D8-47B5-9D6E-05D096B6BB69}" srcOrd="0" destOrd="0" parTransId="{8C7BD315-D9C1-4F67-B091-28436E6A2060}" sibTransId="{EE84D86A-4D04-4289-929D-236FC12FE773}"/>
+    <dgm:cxn modelId="{5B3DD3CA-25BA-412E-A289-E855BD36F63B}" srcId="{617510CF-EBBC-438F-848A-3292E685F6F6}" destId="{DCF284C0-A6B7-4E12-954C-54239F2C1303}" srcOrd="3" destOrd="0" parTransId="{3DB1642E-0E9E-41D4-A6E5-F0B82B8C0441}" sibTransId="{063EB571-B978-4836-B9CC-396652387F66}"/>
     <dgm:cxn modelId="{1E45A2D4-D8C9-430E-87FB-08FDFE809CFA}" type="presOf" srcId="{8EE96F46-43D8-47B5-9D6E-05D096B6BB69}" destId="{7AA399AB-355C-4204-80D3-7AECFDFF999E}" srcOrd="0" destOrd="0" presId="urn:microsoft.com/office/officeart/2005/8/layout/lProcess2"/>
     <dgm:cxn modelId="{C44E28DA-4FB8-414B-8883-AFEC9D2163E0}" srcId="{E2DD3D1B-7AA2-459A-9E89-F305CACA032B}" destId="{FD8A3556-9942-4423-A013-62B0820F5BC8}" srcOrd="0" destOrd="0" parTransId="{A278D03A-676B-4F94-81E8-40D526AA1E65}" sibTransId="{4ED85B4D-602F-4253-90CA-8C0D38078A32}"/>
     <dgm:cxn modelId="{7CD8E7DA-476D-4BCF-BE9F-596D2ED7EC5B}" type="presOf" srcId="{FC5C8F6C-B10E-4696-AE4B-ECAEAC6BF073}" destId="{84D55724-BBA1-4FE6-932B-88A7C58FF3B0}" srcOrd="0" destOrd="0" presId="urn:microsoft.com/office/officeart/2005/8/layout/lProcess2"/>
@@ -4092,11 +4256,13 @@
     <dgm:cxn modelId="{283FF956-033F-4DD5-883D-22E1C5A024FA}" type="presParOf" srcId="{183AFF36-A7F9-45DE-B0D6-097AAC260197}" destId="{C087CD76-EF4F-4F89-9FC2-E00D533C5527}" srcOrd="3" destOrd="0" presId="urn:microsoft.com/office/officeart/2005/8/layout/lProcess2"/>
     <dgm:cxn modelId="{439BE406-6397-4876-97CF-C8F790CA3E05}" type="presParOf" srcId="{183AFF36-A7F9-45DE-B0D6-097AAC260197}" destId="{9824309B-737B-4D15-89C6-88620A17313F}" srcOrd="4" destOrd="0" presId="urn:microsoft.com/office/officeart/2005/8/layout/lProcess2"/>
     <dgm:cxn modelId="{CCB0D473-6AF2-4D5C-A420-50ACD0858C46}" type="presParOf" srcId="{183AFF36-A7F9-45DE-B0D6-097AAC260197}" destId="{54C65FBD-1135-4181-B72F-0C47EB544C68}" srcOrd="5" destOrd="0" presId="urn:microsoft.com/office/officeart/2005/8/layout/lProcess2"/>
-    <dgm:cxn modelId="{E17D6931-B3CB-4CE6-BB0C-81A2CCD6C07C}" type="presParOf" srcId="{183AFF36-A7F9-45DE-B0D6-097AAC260197}" destId="{84D55724-BBA1-4FE6-932B-88A7C58FF3B0}" srcOrd="6" destOrd="0" presId="urn:microsoft.com/office/officeart/2005/8/layout/lProcess2"/>
-    <dgm:cxn modelId="{83F8EDBE-7625-4A7B-95E3-92C09328FD60}" type="presParOf" srcId="{183AFF36-A7F9-45DE-B0D6-097AAC260197}" destId="{71D38BCA-9C76-491E-A66E-968A1F99BA14}" srcOrd="7" destOrd="0" presId="urn:microsoft.com/office/officeart/2005/8/layout/lProcess2"/>
-    <dgm:cxn modelId="{1CC85445-7606-4D91-8878-18B2F86884DB}" type="presParOf" srcId="{183AFF36-A7F9-45DE-B0D6-097AAC260197}" destId="{E97B479E-3F0B-43AA-AFFB-A4495597DFD4}" srcOrd="8" destOrd="0" presId="urn:microsoft.com/office/officeart/2005/8/layout/lProcess2"/>
-    <dgm:cxn modelId="{92D554DA-0263-4463-9C26-7634C842F761}" type="presParOf" srcId="{183AFF36-A7F9-45DE-B0D6-097AAC260197}" destId="{8034903D-FCA7-4EAB-8179-E4B0D88E7CD3}" srcOrd="9" destOrd="0" presId="urn:microsoft.com/office/officeart/2005/8/layout/lProcess2"/>
-    <dgm:cxn modelId="{FFAAE30A-7E4E-4118-8F6D-CFB4C9B93315}" type="presParOf" srcId="{183AFF36-A7F9-45DE-B0D6-097AAC260197}" destId="{5B071783-289B-483B-84CF-31FC62E5C8D5}" srcOrd="10" destOrd="0" presId="urn:microsoft.com/office/officeart/2005/8/layout/lProcess2"/>
+    <dgm:cxn modelId="{DF491FE3-990E-44F7-BD21-F526362C2011}" type="presParOf" srcId="{183AFF36-A7F9-45DE-B0D6-097AAC260197}" destId="{FC792778-402A-4259-8E6E-FF2028304AB6}" srcOrd="6" destOrd="0" presId="urn:microsoft.com/office/officeart/2005/8/layout/lProcess2"/>
+    <dgm:cxn modelId="{55038129-C519-4CC8-8EA3-60EE496A3CE5}" type="presParOf" srcId="{183AFF36-A7F9-45DE-B0D6-097AAC260197}" destId="{BDCE6304-FF4D-4FB2-9FE2-0CDE26174508}" srcOrd="7" destOrd="0" presId="urn:microsoft.com/office/officeart/2005/8/layout/lProcess2"/>
+    <dgm:cxn modelId="{E17D6931-B3CB-4CE6-BB0C-81A2CCD6C07C}" type="presParOf" srcId="{183AFF36-A7F9-45DE-B0D6-097AAC260197}" destId="{84D55724-BBA1-4FE6-932B-88A7C58FF3B0}" srcOrd="8" destOrd="0" presId="urn:microsoft.com/office/officeart/2005/8/layout/lProcess2"/>
+    <dgm:cxn modelId="{83F8EDBE-7625-4A7B-95E3-92C09328FD60}" type="presParOf" srcId="{183AFF36-A7F9-45DE-B0D6-097AAC260197}" destId="{71D38BCA-9C76-491E-A66E-968A1F99BA14}" srcOrd="9" destOrd="0" presId="urn:microsoft.com/office/officeart/2005/8/layout/lProcess2"/>
+    <dgm:cxn modelId="{1CC85445-7606-4D91-8878-18B2F86884DB}" type="presParOf" srcId="{183AFF36-A7F9-45DE-B0D6-097AAC260197}" destId="{E97B479E-3F0B-43AA-AFFB-A4495597DFD4}" srcOrd="10" destOrd="0" presId="urn:microsoft.com/office/officeart/2005/8/layout/lProcess2"/>
+    <dgm:cxn modelId="{92D554DA-0263-4463-9C26-7634C842F761}" type="presParOf" srcId="{183AFF36-A7F9-45DE-B0D6-097AAC260197}" destId="{8034903D-FCA7-4EAB-8179-E4B0D88E7CD3}" srcOrd="11" destOrd="0" presId="urn:microsoft.com/office/officeart/2005/8/layout/lProcess2"/>
+    <dgm:cxn modelId="{FFAAE30A-7E4E-4118-8F6D-CFB4C9B93315}" type="presParOf" srcId="{183AFF36-A7F9-45DE-B0D6-097AAC260197}" destId="{5B071783-289B-483B-84CF-31FC62E5C8D5}" srcOrd="12" destOrd="0" presId="urn:microsoft.com/office/officeart/2005/8/layout/lProcess2"/>
     <dgm:cxn modelId="{9A1212C2-584A-4A4D-A5CE-216E0170FDC7}" type="presParOf" srcId="{78F56DE7-56BE-46A1-883B-FFC013401691}" destId="{41EFC72D-1E3E-4D27-B8CE-B38E9C8CA320}" srcOrd="1" destOrd="0" presId="urn:microsoft.com/office/officeart/2005/8/layout/lProcess2"/>
     <dgm:cxn modelId="{10E00CD7-C50D-4B64-8FA5-4C3066234383}" type="presParOf" srcId="{78F56DE7-56BE-46A1-883B-FFC013401691}" destId="{70484B74-718F-4441-B105-3ACB48631C1A}" srcOrd="2" destOrd="0" presId="urn:microsoft.com/office/officeart/2005/8/layout/lProcess2"/>
     <dgm:cxn modelId="{542FF5BD-80BA-4679-AC17-E84F0C0B7099}" type="presParOf" srcId="{70484B74-718F-4441-B105-3ACB48631C1A}" destId="{76C269B4-E573-4082-B332-7874042342EA}" srcOrd="0" destOrd="0" presId="urn:microsoft.com/office/officeart/2005/8/layout/lProcess2"/>
@@ -4116,7 +4282,7 @@
   <dgm:whole/>
   <dgm:extLst>
     <a:ext uri="http://schemas.microsoft.com/office/drawing/2008/diagram">
-      <dsp:dataModelExt xmlns:dsp="http://schemas.microsoft.com/office/drawing/2008/diagram" relId="rId6" minVer="http://schemas.openxmlformats.org/drawingml/2006/diagram"/>
+      <dsp:dataModelExt xmlns:dsp="http://schemas.microsoft.com/office/drawing/2008/diagram" relId="rId7" minVer="http://schemas.openxmlformats.org/drawingml/2006/diagram"/>
     </a:ext>
   </dgm:extLst>
 </dgm:dataModel>
@@ -4199,7 +4365,7 @@
           </a:pPr>
           <a:r>
             <a:rPr lang="es-ES" sz="2400" dirty="0"/>
-            <a:t>2 Business</a:t>
+            <a:t>3 Business</a:t>
           </a:r>
         </a:p>
       </dgm:t>
@@ -4240,7 +4406,7 @@
           <a:pPr algn="l"/>
           <a:r>
             <a:rPr lang="es-ES" sz="2400" dirty="0"/>
-            <a:t>3 Data</a:t>
+            <a:t>4 Data</a:t>
           </a:r>
         </a:p>
       </dgm:t>
@@ -4508,7 +4674,7 @@
           <a:r>
             <a:rPr lang="es-ES" sz="1900" b="1" kern="1200" dirty="0">
               <a:solidFill>
-                <a:srgbClr val="FF0000"/>
+                <a:srgbClr val="7030A0"/>
               </a:solidFill>
             </a:rPr>
             <a:t>4.1</a:t>
@@ -4519,39 +4685,23 @@
                 <a:schemeClr val="tx1"/>
               </a:solidFill>
             </a:rPr>
-            <a:t> </a:t>
-          </a:r>
-          <a:r>
-            <a:rPr lang="en-GB" sz="1900" kern="1200" noProof="0" dirty="0">
+            <a:t> Prevention </a:t>
+          </a:r>
+          <a:r>
+            <a:rPr lang="es-ES" sz="1900" b="1" kern="1200" dirty="0">
+              <a:solidFill>
+                <a:srgbClr val="7030A0"/>
+              </a:solidFill>
+            </a:rPr>
+            <a:t>4.2 </a:t>
+          </a:r>
+          <a:r>
+            <a:rPr lang="es-ES" sz="1900" kern="1200" dirty="0">
               <a:solidFill>
                 <a:schemeClr val="tx1"/>
               </a:solidFill>
             </a:rPr>
-            <a:t>On-prem</a:t>
-          </a:r>
-          <a:r>
-            <a:rPr lang="es-ES" sz="1900" kern="1200" dirty="0">
-              <a:solidFill>
-                <a:schemeClr val="tx1"/>
-              </a:solidFill>
-            </a:rPr>
-            <a:t> </a:t>
-          </a:r>
-          <a:r>
-            <a:rPr lang="es-ES" sz="1900" b="1" kern="1200" dirty="0">
-              <a:solidFill>
-                <a:srgbClr val="FF0000"/>
-              </a:solidFill>
-            </a:rPr>
-            <a:t>4.2</a:t>
-          </a:r>
-          <a:r>
-            <a:rPr lang="es-ES" sz="1900" kern="1200" dirty="0">
-              <a:solidFill>
-                <a:schemeClr val="tx1"/>
-              </a:solidFill>
-            </a:rPr>
-            <a:t> Cloud </a:t>
+            <a:t>Detection</a:t>
           </a:r>
           <a:br>
             <a:rPr lang="es-ES" sz="1900" kern="1200" dirty="0">
@@ -4563,10 +4713,10 @@
           <a:r>
             <a:rPr lang="es-ES" sz="1900" b="1" kern="1200" dirty="0">
               <a:solidFill>
-                <a:schemeClr val="accent5"/>
-              </a:solidFill>
-            </a:rPr>
-            <a:t>5.1</a:t>
+                <a:srgbClr val="7030A0"/>
+              </a:solidFill>
+            </a:rPr>
+            <a:t>4.3</a:t>
           </a:r>
           <a:r>
             <a:rPr lang="es-ES" sz="1900" kern="1200" dirty="0">
@@ -4574,39 +4724,23 @@
                 <a:schemeClr val="tx1"/>
               </a:solidFill>
             </a:rPr>
-            <a:t> </a:t>
-          </a:r>
-          <a:r>
-            <a:rPr lang="es-ES" sz="1900" kern="1200" dirty="0" err="1">
+            <a:t> Response  </a:t>
+          </a:r>
+          <a:r>
+            <a:rPr lang="es-ES" sz="1900" b="1" kern="1200" dirty="0">
+              <a:solidFill>
+                <a:srgbClr val="7030A0"/>
+              </a:solidFill>
+            </a:rPr>
+            <a:t>4.4</a:t>
+          </a:r>
+          <a:r>
+            <a:rPr lang="es-ES" sz="1900" kern="1200" dirty="0">
               <a:solidFill>
                 <a:schemeClr val="tx1"/>
               </a:solidFill>
             </a:rPr>
-            <a:t>Frontend</a:t>
-          </a:r>
-          <a:r>
-            <a:rPr lang="es-ES" sz="1900" kern="1200" dirty="0">
-              <a:solidFill>
-                <a:schemeClr val="tx1"/>
-              </a:solidFill>
-            </a:rPr>
-            <a:t>   </a:t>
-          </a:r>
-          <a:r>
-            <a:rPr lang="es-ES" sz="1900" b="1" kern="1200" dirty="0">
-              <a:solidFill>
-                <a:schemeClr val="accent5"/>
-              </a:solidFill>
-            </a:rPr>
-            <a:t>5.2</a:t>
-          </a:r>
-          <a:r>
-            <a:rPr lang="es-ES" sz="1900" kern="1200" dirty="0">
-              <a:solidFill>
-                <a:schemeClr val="tx1"/>
-              </a:solidFill>
-            </a:rPr>
-            <a:t> Backend</a:t>
+            <a:t> Resilience </a:t>
           </a:r>
           <a:br>
             <a:rPr lang="es-ES" sz="1900" kern="1200" dirty="0">
@@ -4618,10 +4752,65 @@
           <a:r>
             <a:rPr lang="es-ES" sz="1900" b="1" kern="1200" dirty="0">
               <a:solidFill>
+                <a:srgbClr val="FF0000"/>
+              </a:solidFill>
+            </a:rPr>
+            <a:t>5.1</a:t>
+          </a:r>
+          <a:r>
+            <a:rPr lang="es-ES" sz="1900" kern="1200" dirty="0">
+              <a:solidFill>
+                <a:schemeClr val="tx1"/>
+              </a:solidFill>
+            </a:rPr>
+            <a:t> On-</a:t>
+          </a:r>
+          <a:r>
+            <a:rPr lang="es-ES" sz="1900" kern="1200" dirty="0" err="1">
+              <a:solidFill>
+                <a:schemeClr val="tx1"/>
+              </a:solidFill>
+            </a:rPr>
+            <a:t>prem</a:t>
+          </a:r>
+          <a:r>
+            <a:rPr lang="es-ES" sz="1900" kern="1200" dirty="0">
+              <a:solidFill>
+                <a:schemeClr val="tx1"/>
+              </a:solidFill>
+            </a:rPr>
+            <a:t> </a:t>
+          </a:r>
+          <a:r>
+            <a:rPr lang="es-ES" sz="1900" b="1" kern="1200" dirty="0">
+              <a:solidFill>
+                <a:srgbClr val="FF0000"/>
+              </a:solidFill>
+            </a:rPr>
+            <a:t>5.2</a:t>
+          </a:r>
+          <a:r>
+            <a:rPr lang="es-ES" sz="1900" kern="1200" dirty="0">
+              <a:solidFill>
+                <a:schemeClr val="tx1"/>
+              </a:solidFill>
+            </a:rPr>
+            <a:t> Cloud </a:t>
+          </a:r>
+          <a:br>
+            <a:rPr lang="es-ES" sz="1900" kern="1200" dirty="0">
+              <a:solidFill>
+                <a:schemeClr val="tx1"/>
+              </a:solidFill>
+            </a:rPr>
+          </a:br>
+          <a:r>
+            <a:rPr lang="es-ES" sz="1900" b="1" kern="1200" dirty="0">
+              <a:solidFill>
                 <a:schemeClr val="accent5"/>
               </a:solidFill>
             </a:rPr>
-            <a:t>5.3</a:t>
+            <a:t>6.1</a:t>
           </a:r>
           <a:r>
             <a:rPr lang="es-ES" sz="1900" kern="1200" dirty="0">
@@ -4629,23 +4818,46 @@
                 <a:schemeClr val="tx1"/>
               </a:solidFill>
             </a:rPr>
-            <a:t> </a:t>
-          </a:r>
-          <a:r>
-            <a:rPr lang="es-ES" sz="1900" kern="1200" dirty="0" err="1">
+            <a:t> Frontend   </a:t>
+          </a:r>
+          <a:r>
+            <a:rPr lang="es-ES" sz="1900" b="1" kern="1200" dirty="0">
+              <a:solidFill>
+                <a:schemeClr val="accent5"/>
+              </a:solidFill>
+            </a:rPr>
+            <a:t>6.2</a:t>
+          </a:r>
+          <a:r>
+            <a:rPr lang="es-ES" sz="1900" kern="1200" dirty="0">
               <a:solidFill>
                 <a:schemeClr val="tx1"/>
               </a:solidFill>
             </a:rPr>
-            <a:t>Fullstack</a:t>
-          </a:r>
-          <a:r>
+            <a:t> Backend</a:t>
+          </a:r>
+          <a:br>
             <a:rPr lang="es-ES" sz="1900" kern="1200" dirty="0">
               <a:solidFill>
                 <a:schemeClr val="tx1"/>
               </a:solidFill>
             </a:rPr>
-            <a:t>    </a:t>
+          </a:br>
+          <a:r>
+            <a:rPr lang="es-ES" sz="1900" b="1" kern="1200" dirty="0">
+              <a:solidFill>
+                <a:schemeClr val="accent5"/>
+              </a:solidFill>
+            </a:rPr>
+            <a:t>6.3</a:t>
+          </a:r>
+          <a:r>
+            <a:rPr lang="es-ES" sz="1900" kern="1200" dirty="0">
+              <a:solidFill>
+                <a:schemeClr val="tx1"/>
+              </a:solidFill>
+            </a:rPr>
+            <a:t> Fullstack    </a:t>
           </a:r>
           <a:r>
             <a:rPr lang="es-ES" sz="1900" b="1" kern="1200" dirty="0">
@@ -4656,7 +4868,7 @@
               <a:ea typeface="+mn-ea"/>
               <a:cs typeface="+mn-cs"/>
             </a:rPr>
-            <a:t>5.4</a:t>
+            <a:t>6.4</a:t>
           </a:r>
           <a:r>
             <a:rPr lang="es-ES" sz="1900" kern="1200" dirty="0">
@@ -4679,7 +4891,7 @@
                 <a:schemeClr val="accent4"/>
               </a:solidFill>
             </a:rPr>
-            <a:t>6.1 </a:t>
+            <a:t>7.1 </a:t>
           </a:r>
           <a:r>
             <a:rPr lang="es-ES" sz="1900" kern="1200" dirty="0">
@@ -4915,7 +5127,7 @@
           <a:r>
             <a:rPr lang="es-ES" sz="1800" b="1" kern="1200" dirty="0">
               <a:solidFill>
-                <a:srgbClr val="FF0000"/>
+                <a:srgbClr val="7030A0"/>
               </a:solidFill>
             </a:rPr>
             <a:t>4.1.1</a:t>
@@ -4926,7 +5138,55 @@
                 <a:schemeClr val="tx1"/>
               </a:solidFill>
             </a:rPr>
-            <a:t> Router, Switch, HSM, Diode, Proxy, VM, CMDB, AD, Windows, UNIX   </a:t>
+            <a:t> Nessus, NMAP, Kali Linux, DSA   </a:t>
+          </a:r>
+          <a:r>
+            <a:rPr lang="es-ES" sz="1800" b="1" kern="1200" dirty="0">
+              <a:solidFill>
+                <a:srgbClr val="7030A0"/>
+              </a:solidFill>
+            </a:rPr>
+            <a:t>4.2.1</a:t>
+          </a:r>
+          <a:r>
+            <a:rPr lang="es-ES" sz="1800" kern="1200" dirty="0">
+              <a:solidFill>
+                <a:schemeClr val="tx1"/>
+              </a:solidFill>
+            </a:rPr>
+            <a:t> IDS, EDR, SIEM   </a:t>
+          </a:r>
+          <a:r>
+            <a:rPr lang="es-ES" sz="1800" b="1" kern="1200" dirty="0">
+              <a:solidFill>
+                <a:srgbClr val="7030A0"/>
+              </a:solidFill>
+            </a:rPr>
+            <a:t>4.3.1</a:t>
+          </a:r>
+          <a:r>
+            <a:rPr lang="es-ES" sz="1800" kern="1200" dirty="0">
+              <a:solidFill>
+                <a:schemeClr val="tx1"/>
+              </a:solidFill>
+            </a:rPr>
+            <a:t> IPS, FW, WAF, GPMC   </a:t>
+          </a:r>
+          <a:r>
+            <a:rPr lang="es-ES" sz="1800" b="1" kern="1200" dirty="0">
+              <a:solidFill>
+                <a:srgbClr val="7030A0"/>
+              </a:solidFill>
+            </a:rPr>
+            <a:t>4.4.1</a:t>
+          </a:r>
+          <a:r>
+            <a:rPr lang="es-ES" sz="1800" kern="1200" dirty="0">
+              <a:solidFill>
+                <a:schemeClr val="tx1"/>
+              </a:solidFill>
+            </a:rPr>
+            <a:t> HA, CDN</a:t>
           </a:r>
           <a:br>
             <a:rPr lang="es-ES" sz="1800" kern="1200" dirty="0">
@@ -4941,7 +5201,7 @@
                 <a:srgbClr val="FF0000"/>
               </a:solidFill>
             </a:rPr>
-            <a:t>4.2.1</a:t>
+            <a:t>5.1.1</a:t>
           </a:r>
           <a:r>
             <a:rPr lang="es-ES" sz="1800" kern="1200" dirty="0">
@@ -4949,23 +5209,7 @@
                 <a:schemeClr val="tx1"/>
               </a:solidFill>
             </a:rPr>
-            <a:t> Azure, O365   </a:t>
-          </a:r>
-          <a:r>
-            <a:rPr lang="es-ES" sz="1800" b="1" kern="1200" dirty="0">
-              <a:solidFill>
-                <a:srgbClr val="FF0000"/>
-              </a:solidFill>
-            </a:rPr>
-            <a:t>4.2.2</a:t>
-          </a:r>
-          <a:r>
-            <a:rPr lang="es-ES" sz="1800" kern="1200" dirty="0">
-              <a:solidFill>
-                <a:schemeClr val="tx1"/>
-              </a:solidFill>
-            </a:rPr>
-            <a:t> GCP </a:t>
+            <a:t> Router, Switch, HSM, Diode, Proxy, VM, CMDB, AD, Windows, UNIX   </a:t>
           </a:r>
           <a:br>
             <a:rPr lang="es-ES" sz="1800" kern="1200" dirty="0">
@@ -4977,10 +5221,10 @@
           <a:r>
             <a:rPr lang="es-ES" sz="1800" b="1" kern="1200" dirty="0">
               <a:solidFill>
-                <a:schemeClr val="accent5"/>
-              </a:solidFill>
-            </a:rPr>
-            <a:t>5.1.1</a:t>
+                <a:srgbClr val="FF0000"/>
+              </a:solidFill>
+            </a:rPr>
+            <a:t>5.2.1</a:t>
           </a:r>
           <a:r>
             <a:rPr lang="es-ES" sz="1800" kern="1200" dirty="0">
@@ -4988,7 +5232,23 @@
                 <a:schemeClr val="tx1"/>
               </a:solidFill>
             </a:rPr>
-            <a:t> HTML5, CSS3, JQUERY, Javascript</a:t>
+            <a:t> Azure, O365   </a:t>
+          </a:r>
+          <a:r>
+            <a:rPr lang="es-ES" sz="1800" b="1" kern="1200" dirty="0">
+              <a:solidFill>
+                <a:srgbClr val="FF0000"/>
+              </a:solidFill>
+            </a:rPr>
+            <a:t>5.2.2</a:t>
+          </a:r>
+          <a:r>
+            <a:rPr lang="es-ES" sz="1800" kern="1200" dirty="0">
+              <a:solidFill>
+                <a:schemeClr val="tx1"/>
+              </a:solidFill>
+            </a:rPr>
+            <a:t> GCP </a:t>
           </a:r>
           <a:br>
             <a:rPr lang="es-ES" sz="1800" kern="1200" dirty="0">
@@ -5003,7 +5263,7 @@
                 <a:schemeClr val="accent5"/>
               </a:solidFill>
             </a:rPr>
-            <a:t>5.2.1</a:t>
+            <a:t>6.1.1</a:t>
           </a:r>
           <a:r>
             <a:rPr lang="es-ES" sz="1800" kern="1200" dirty="0">
@@ -5011,15 +5271,7 @@
                 <a:schemeClr val="tx1"/>
               </a:solidFill>
             </a:rPr>
-            <a:t> SQL, Java, C, C#, Python, Dart/Flutter, PHP/Symfony, API, PowerShell, VS, Android, iOS, </a:t>
-          </a:r>
-          <a:r>
-            <a:rPr lang="es-ES" sz="1800" kern="1200" dirty="0" err="1">
-              <a:solidFill>
-                <a:schemeClr val="tx1"/>
-              </a:solidFill>
-            </a:rPr>
-            <a:t>Go</a:t>
+            <a:t> HTML5, CSS3, JQUERY, Javascript</a:t>
           </a:r>
           <a:br>
             <a:rPr lang="es-ES" sz="1800" kern="1200" dirty="0">
@@ -5034,7 +5286,30 @@
                 <a:schemeClr val="accent5"/>
               </a:solidFill>
             </a:rPr>
-            <a:t>5.3.1</a:t>
+            <a:t>6.2.1</a:t>
+          </a:r>
+          <a:r>
+            <a:rPr lang="es-ES" sz="1800" kern="1200" dirty="0">
+              <a:solidFill>
+                <a:schemeClr val="tx1"/>
+              </a:solidFill>
+            </a:rPr>
+            <a:t> SQL, Java, C, C#, Python, Dart/Flutter, PHP/Symfony, API, PowerShell, VS, Android, iOS</a:t>
+          </a:r>
+          <a:br>
+            <a:rPr lang="es-ES" sz="1800" kern="1200" dirty="0">
+              <a:solidFill>
+                <a:schemeClr val="tx1"/>
+              </a:solidFill>
+            </a:rPr>
+          </a:br>
+          <a:r>
+            <a:rPr lang="es-ES" sz="1800" b="1" kern="1200" dirty="0">
+              <a:solidFill>
+                <a:schemeClr val="accent5"/>
+              </a:solidFill>
+            </a:rPr>
+            <a:t>6.3.1</a:t>
           </a:r>
           <a:r>
             <a:rPr lang="es-ES" sz="1800" kern="1200" dirty="0">
@@ -5053,7 +5328,7 @@
               <a:ea typeface="+mn-ea"/>
               <a:cs typeface="+mn-cs"/>
             </a:rPr>
-            <a:t>5.4.1</a:t>
+            <a:t>6.4.1</a:t>
           </a:r>
           <a:r>
             <a:rPr lang="es-ES" sz="1800" kern="1200" dirty="0">
@@ -5069,7 +5344,7 @@
                 <a:schemeClr val="accent4"/>
               </a:solidFill>
             </a:rPr>
-            <a:t>6.1.1</a:t>
+            <a:t>7.1.1</a:t>
           </a:r>
           <a:r>
             <a:rPr lang="es-ES" sz="1800" kern="1200" dirty="0">
@@ -5104,6 +5379,47 @@
         </a:p>
       </dgm:t>
     </dgm:pt>
+    <dgm:pt modelId="{DCF284C0-A6B7-4E12-954C-54239F2C1303}">
+      <dgm:prSet phldrT="[Texto]" custT="1"/>
+      <dgm:spPr>
+        <a:solidFill>
+          <a:srgbClr val="7030A0"/>
+        </a:solidFill>
+      </dgm:spPr>
+      <dgm:t>
+        <a:bodyPr/>
+        <a:lstStyle/>
+        <a:p>
+          <a:pPr algn="l"/>
+          <a:r>
+            <a:rPr lang="es-ES" sz="2400" dirty="0"/>
+            <a:t>2 Cyber Security</a:t>
+          </a:r>
+        </a:p>
+      </dgm:t>
+    </dgm:pt>
+    <dgm:pt modelId="{3DB1642E-0E9E-41D4-A6E5-F0B82B8C0441}" type="parTrans" cxnId="{5B3DD3CA-25BA-412E-A289-E855BD36F63B}">
+      <dgm:prSet/>
+      <dgm:spPr/>
+      <dgm:t>
+        <a:bodyPr/>
+        <a:lstStyle/>
+        <a:p>
+          <a:endParaRPr lang="es-ES"/>
+        </a:p>
+      </dgm:t>
+    </dgm:pt>
+    <dgm:pt modelId="{063EB571-B978-4836-B9CC-396652387F66}" type="sibTrans" cxnId="{5B3DD3CA-25BA-412E-A289-E855BD36F63B}">
+      <dgm:prSet/>
+      <dgm:spPr/>
+      <dgm:t>
+        <a:bodyPr/>
+        <a:lstStyle/>
+        <a:p>
+          <a:endParaRPr lang="es-ES"/>
+        </a:p>
+      </dgm:t>
+    </dgm:pt>
     <dgm:pt modelId="{FC5C8F6C-B10E-4696-AE4B-ECAEAC6BF073}">
       <dgm:prSet phldrT="[Texto]" custT="1"/>
       <dgm:spPr>
@@ -5118,7 +5434,7 @@
           <a:pPr algn="l"/>
           <a:r>
             <a:rPr lang="es-ES" sz="2400" dirty="0"/>
-            <a:t>4 Infrastructure</a:t>
+            <a:t>5 Infrastructure</a:t>
           </a:r>
         </a:p>
       </dgm:t>
@@ -5159,7 +5475,7 @@
           <a:pPr algn="l"/>
           <a:r>
             <a:rPr lang="es-ES" sz="2400" dirty="0"/>
-            <a:t>5 Development</a:t>
+            <a:t>6 Development</a:t>
           </a:r>
         </a:p>
       </dgm:t>
@@ -5200,7 +5516,7 @@
           <a:pPr algn="l"/>
           <a:r>
             <a:rPr lang="es-ES" sz="2400" dirty="0"/>
-            <a:t>6 Operations</a:t>
+            <a:t>7 Operations</a:t>
           </a:r>
         </a:p>
       </dgm:t>
@@ -5302,7 +5618,7 @@
       <dgm:spPr/>
     </dgm:pt>
     <dgm:pt modelId="{7AA399AB-355C-4204-80D3-7AECFDFF999E}" type="pres">
-      <dgm:prSet presAssocID="{8EE96F46-43D8-47B5-9D6E-05D096B6BB69}" presName="childNode" presStyleLbl="node1" presStyleIdx="0" presStyleCnt="8" custScaleX="181268" custLinFactY="-18256" custLinFactNeighborY="-100000">
+      <dgm:prSet presAssocID="{8EE96F46-43D8-47B5-9D6E-05D096B6BB69}" presName="childNode" presStyleLbl="node1" presStyleIdx="0" presStyleCnt="9" custScaleX="181268" custLinFactY="-18256" custLinFactNeighborY="-100000">
         <dgm:presLayoutVars>
           <dgm:bulletEnabled val="1"/>
         </dgm:presLayoutVars>
@@ -5314,7 +5630,7 @@
       <dgm:spPr/>
     </dgm:pt>
     <dgm:pt modelId="{3E591A46-0D94-4C22-A397-E0312A3D1145}" type="pres">
-      <dgm:prSet presAssocID="{AF8B5F44-5CD0-4F68-BFB8-7E8C7977EE56}" presName="childNode" presStyleLbl="node1" presStyleIdx="1" presStyleCnt="8" custScaleX="181268" custLinFactY="-18256" custLinFactNeighborY="-100000">
+      <dgm:prSet presAssocID="{AF8B5F44-5CD0-4F68-BFB8-7E8C7977EE56}" presName="childNode" presStyleLbl="node1" presStyleIdx="1" presStyleCnt="9" custScaleX="181268" custLinFactY="66911" custLinFactNeighborY="100000">
         <dgm:presLayoutVars>
           <dgm:bulletEnabled val="1"/>
         </dgm:presLayoutVars>
@@ -5326,7 +5642,7 @@
       <dgm:spPr/>
     </dgm:pt>
     <dgm:pt modelId="{9824309B-737B-4D15-89C6-88620A17313F}" type="pres">
-      <dgm:prSet presAssocID="{762570F4-3939-43AD-8AC4-1ECCC30BE75D}" presName="childNode" presStyleLbl="node1" presStyleIdx="2" presStyleCnt="8" custScaleX="181268" custLinFactY="-18256" custLinFactNeighborY="-100000">
+      <dgm:prSet presAssocID="{762570F4-3939-43AD-8AC4-1ECCC30BE75D}" presName="childNode" presStyleLbl="node1" presStyleIdx="2" presStyleCnt="9" custScaleX="181268" custLinFactY="66911" custLinFactNeighborY="100000">
         <dgm:presLayoutVars>
           <dgm:bulletEnabled val="1"/>
         </dgm:presLayoutVars>
@@ -5337,8 +5653,20 @@
       <dgm:prSet presAssocID="{762570F4-3939-43AD-8AC4-1ECCC30BE75D}" presName="aSpace2" presStyleCnt="0"/>
       <dgm:spPr/>
     </dgm:pt>
+    <dgm:pt modelId="{FC792778-402A-4259-8E6E-FF2028304AB6}" type="pres">
+      <dgm:prSet presAssocID="{DCF284C0-A6B7-4E12-954C-54239F2C1303}" presName="childNode" presStyleLbl="node1" presStyleIdx="3" presStyleCnt="9" custScaleX="181268" custLinFactY="-216901" custLinFactNeighborX="-77" custLinFactNeighborY="-300000">
+        <dgm:presLayoutVars>
+          <dgm:bulletEnabled val="1"/>
+        </dgm:presLayoutVars>
+      </dgm:prSet>
+      <dgm:spPr/>
+    </dgm:pt>
+    <dgm:pt modelId="{BDCE6304-FF4D-4FB2-9FE2-0CDE26174508}" type="pres">
+      <dgm:prSet presAssocID="{DCF284C0-A6B7-4E12-954C-54239F2C1303}" presName="aSpace2" presStyleCnt="0"/>
+      <dgm:spPr/>
+    </dgm:pt>
     <dgm:pt modelId="{84D55724-BBA1-4FE6-932B-88A7C58FF3B0}" type="pres">
-      <dgm:prSet presAssocID="{FC5C8F6C-B10E-4696-AE4B-ECAEAC6BF073}" presName="childNode" presStyleLbl="node1" presStyleIdx="3" presStyleCnt="8" custScaleX="181268" custLinFactY="-18256" custLinFactNeighborY="-100000">
+      <dgm:prSet presAssocID="{FC5C8F6C-B10E-4696-AE4B-ECAEAC6BF073}" presName="childNode" presStyleLbl="node1" presStyleIdx="4" presStyleCnt="9" custScaleX="181268" custLinFactY="-18256" custLinFactNeighborY="-100000">
         <dgm:presLayoutVars>
           <dgm:bulletEnabled val="1"/>
         </dgm:presLayoutVars>
@@ -5350,7 +5678,7 @@
       <dgm:spPr/>
     </dgm:pt>
     <dgm:pt modelId="{E97B479E-3F0B-43AA-AFFB-A4495597DFD4}" type="pres">
-      <dgm:prSet presAssocID="{D4BE62DB-80B4-4D03-8466-1007C554A7FA}" presName="childNode" presStyleLbl="node1" presStyleIdx="4" presStyleCnt="8" custScaleX="181268" custLinFactY="-18256" custLinFactNeighborY="-100000">
+      <dgm:prSet presAssocID="{D4BE62DB-80B4-4D03-8466-1007C554A7FA}" presName="childNode" presStyleLbl="node1" presStyleIdx="5" presStyleCnt="9" custScaleX="181268" custLinFactY="-18256" custLinFactNeighborY="-100000">
         <dgm:presLayoutVars>
           <dgm:bulletEnabled val="1"/>
         </dgm:presLayoutVars>
@@ -5362,7 +5690,7 @@
       <dgm:spPr/>
     </dgm:pt>
     <dgm:pt modelId="{5B071783-289B-483B-84CF-31FC62E5C8D5}" type="pres">
-      <dgm:prSet presAssocID="{2D4B959D-8A45-47D5-87A3-BE3728E560E4}" presName="childNode" presStyleLbl="node1" presStyleIdx="5" presStyleCnt="8" custScaleX="181268" custLinFactY="-18256" custLinFactNeighborY="-100000">
+      <dgm:prSet presAssocID="{2D4B959D-8A45-47D5-87A3-BE3728E560E4}" presName="childNode" presStyleLbl="node1" presStyleIdx="6" presStyleCnt="9" custScaleX="181268" custLinFactY="-18256" custLinFactNeighborY="-100000">
         <dgm:presLayoutVars>
           <dgm:bulletEnabled val="1"/>
         </dgm:presLayoutVars>
@@ -5404,7 +5732,7 @@
       <dgm:spPr/>
     </dgm:pt>
     <dgm:pt modelId="{2D5D52D8-9B81-4768-A7CB-E93EC92A7460}" type="pres">
-      <dgm:prSet presAssocID="{F0CB5344-13A6-4511-9C23-AB33D1905CDA}" presName="childNode" presStyleLbl="node1" presStyleIdx="6" presStyleCnt="8" custScaleX="257231" custScaleY="109683" custLinFactNeighborX="2866">
+      <dgm:prSet presAssocID="{F0CB5344-13A6-4511-9C23-AB33D1905CDA}" presName="childNode" presStyleLbl="node1" presStyleIdx="7" presStyleCnt="9" custScaleX="257231" custScaleY="109683" custLinFactNeighborX="2866">
         <dgm:presLayoutVars>
           <dgm:bulletEnabled val="1"/>
         </dgm:presLayoutVars>
@@ -5446,7 +5774,7 @@
       <dgm:spPr/>
     </dgm:pt>
     <dgm:pt modelId="{8338766F-F19C-452C-ACBE-1124DED4EE91}" type="pres">
-      <dgm:prSet presAssocID="{FD8A3556-9942-4423-A013-62B0820F5BC8}" presName="childNode" presStyleLbl="node1" presStyleIdx="7" presStyleCnt="8" custScaleX="321959" custScaleY="131158" custLinFactNeighborX="153" custLinFactNeighborY="-5136">
+      <dgm:prSet presAssocID="{FD8A3556-9942-4423-A013-62B0820F5BC8}" presName="childNode" presStyleLbl="node1" presStyleIdx="8" presStyleCnt="9" custScaleX="321959" custScaleY="131158" custLinFactNeighborX="153" custLinFactNeighborY="-5136">
         <dgm:presLayoutVars>
           <dgm:bulletEnabled val="1"/>
         </dgm:presLayoutVars>
@@ -5459,12 +5787,13 @@
     <dgm:cxn modelId="{21E5F309-7CAC-482A-A8EE-8F40149E67E9}" type="presOf" srcId="{6B1441A6-42C9-48AB-8A1F-475F0961D9C9}" destId="{D2E20C87-F0A8-4BBE-AE0E-797C2EB0C3A3}" srcOrd="1" destOrd="0" presId="urn:microsoft.com/office/officeart/2005/8/layout/lProcess2"/>
     <dgm:cxn modelId="{9DADCA12-EA6F-4953-8869-5E9F04A29496}" srcId="{617510CF-EBBC-438F-848A-3292E685F6F6}" destId="{762570F4-3939-43AD-8AC4-1ECCC30BE75D}" srcOrd="2" destOrd="0" parTransId="{74F80BCB-B8C0-4D09-BA30-E552205F8888}" sibTransId="{A4F88485-7842-4E75-97B6-6EE83C9710A3}"/>
     <dgm:cxn modelId="{D0BA6328-52C6-467B-9353-88EC9E21318E}" type="presOf" srcId="{F204B375-E432-491C-B317-E0CFBB0B1CB3}" destId="{78F56DE7-56BE-46A1-883B-FFC013401691}" srcOrd="0" destOrd="0" presId="urn:microsoft.com/office/officeart/2005/8/layout/lProcess2"/>
-    <dgm:cxn modelId="{7DAAC82F-BC30-48F1-8581-0C18C7A0A64E}" srcId="{617510CF-EBBC-438F-848A-3292E685F6F6}" destId="{FC5C8F6C-B10E-4696-AE4B-ECAEAC6BF073}" srcOrd="3" destOrd="0" parTransId="{6C4ADE00-AA3B-4518-BC34-C72DDADCA93C}" sibTransId="{115FF73F-A822-4EB7-8BF6-235B3C7583A4}"/>
+    <dgm:cxn modelId="{7DAAC82F-BC30-48F1-8581-0C18C7A0A64E}" srcId="{617510CF-EBBC-438F-848A-3292E685F6F6}" destId="{FC5C8F6C-B10E-4696-AE4B-ECAEAC6BF073}" srcOrd="4" destOrd="0" parTransId="{6C4ADE00-AA3B-4518-BC34-C72DDADCA93C}" sibTransId="{115FF73F-A822-4EB7-8BF6-235B3C7583A4}"/>
     <dgm:cxn modelId="{0B089A34-6442-43C7-BBED-47398A316D94}" type="presOf" srcId="{617510CF-EBBC-438F-848A-3292E685F6F6}" destId="{968EEAC2-B675-47FC-9364-2A95E0BF0547}" srcOrd="1" destOrd="0" presId="urn:microsoft.com/office/officeart/2005/8/layout/lProcess2"/>
     <dgm:cxn modelId="{33910F5E-5757-445B-B213-A322E0AFD971}" type="presOf" srcId="{F0CB5344-13A6-4511-9C23-AB33D1905CDA}" destId="{2D5D52D8-9B81-4768-A7CB-E93EC92A7460}" srcOrd="0" destOrd="0" presId="urn:microsoft.com/office/officeart/2005/8/layout/lProcess2"/>
     <dgm:cxn modelId="{C86C5C61-126A-4AD5-A654-6BF0B73FB838}" type="presOf" srcId="{617510CF-EBBC-438F-848A-3292E685F6F6}" destId="{40E0167C-FED4-4A88-858C-99CCC245FE6D}" srcOrd="0" destOrd="0" presId="urn:microsoft.com/office/officeart/2005/8/layout/lProcess2"/>
-    <dgm:cxn modelId="{8468B568-85BE-48E9-A5C6-761C202BC732}" srcId="{617510CF-EBBC-438F-848A-3292E685F6F6}" destId="{D4BE62DB-80B4-4D03-8466-1007C554A7FA}" srcOrd="4" destOrd="0" parTransId="{DD8AFB82-AF10-4A84-BD39-F60FE74256B4}" sibTransId="{F29183E1-D535-47B1-B09A-79A6C595E628}"/>
-    <dgm:cxn modelId="{46233C49-C6FD-438E-8C31-F642DD539228}" srcId="{617510CF-EBBC-438F-848A-3292E685F6F6}" destId="{2D4B959D-8A45-47D5-87A3-BE3728E560E4}" srcOrd="5" destOrd="0" parTransId="{568883D5-80AE-4801-B8B3-B91E3F0D8C77}" sibTransId="{5C307575-1627-499D-A59E-628147E5DB6C}"/>
+    <dgm:cxn modelId="{8468B568-85BE-48E9-A5C6-761C202BC732}" srcId="{617510CF-EBBC-438F-848A-3292E685F6F6}" destId="{D4BE62DB-80B4-4D03-8466-1007C554A7FA}" srcOrd="5" destOrd="0" parTransId="{DD8AFB82-AF10-4A84-BD39-F60FE74256B4}" sibTransId="{F29183E1-D535-47B1-B09A-79A6C595E628}"/>
+    <dgm:cxn modelId="{46233C49-C6FD-438E-8C31-F642DD539228}" srcId="{617510CF-EBBC-438F-848A-3292E685F6F6}" destId="{2D4B959D-8A45-47D5-87A3-BE3728E560E4}" srcOrd="6" destOrd="0" parTransId="{568883D5-80AE-4801-B8B3-B91E3F0D8C77}" sibTransId="{5C307575-1627-499D-A59E-628147E5DB6C}"/>
+    <dgm:cxn modelId="{C710E649-16C9-4CC8-B210-AD09E83F0146}" type="presOf" srcId="{DCF284C0-A6B7-4E12-954C-54239F2C1303}" destId="{FC792778-402A-4259-8E6E-FF2028304AB6}" srcOrd="0" destOrd="0" presId="urn:microsoft.com/office/officeart/2005/8/layout/lProcess2"/>
     <dgm:cxn modelId="{CDE2C576-AAF6-4813-9F0F-C4E7BBF2E557}" srcId="{F204B375-E432-491C-B317-E0CFBB0B1CB3}" destId="{617510CF-EBBC-438F-848A-3292E685F6F6}" srcOrd="0" destOrd="0" parTransId="{4A125CFA-9086-4D64-B32E-EF1F3A37345B}" sibTransId="{93CBD815-0D9A-447B-ABA8-11AB6A5FCEDC}"/>
     <dgm:cxn modelId="{C425BC59-EC64-48D7-84BC-14B86581A956}" type="presOf" srcId="{D4BE62DB-80B4-4D03-8466-1007C554A7FA}" destId="{E97B479E-3F0B-43AA-AFFB-A4495597DFD4}" srcOrd="0" destOrd="0" presId="urn:microsoft.com/office/officeart/2005/8/layout/lProcess2"/>
     <dgm:cxn modelId="{CB558880-1342-42F5-8E54-C17B63C82E6A}" type="presOf" srcId="{FD8A3556-9942-4423-A013-62B0820F5BC8}" destId="{8338766F-F19C-452C-ACBE-1124DED4EE91}" srcOrd="0" destOrd="0" presId="urn:microsoft.com/office/officeart/2005/8/layout/lProcess2"/>
@@ -5474,6 +5803,7 @@
     <dgm:cxn modelId="{9EBB12AE-1D21-4B02-A8C9-2D204349DF7D}" type="presOf" srcId="{E2DD3D1B-7AA2-459A-9E89-F305CACA032B}" destId="{FCFAA177-D9CC-452C-8A31-855A4B232633}" srcOrd="1" destOrd="0" presId="urn:microsoft.com/office/officeart/2005/8/layout/lProcess2"/>
     <dgm:cxn modelId="{8DE242BA-45B2-4C02-8F28-4611B22E2388}" srcId="{F204B375-E432-491C-B317-E0CFBB0B1CB3}" destId="{6B1441A6-42C9-48AB-8A1F-475F0961D9C9}" srcOrd="1" destOrd="0" parTransId="{08F34BD4-DFA7-449B-8531-61CA337227C5}" sibTransId="{BB1EAC59-EC43-4CD8-8A18-E2DF4A70BE5F}"/>
     <dgm:cxn modelId="{8467DCC5-6643-441C-BA28-D69E78E2CF7F}" srcId="{617510CF-EBBC-438F-848A-3292E685F6F6}" destId="{8EE96F46-43D8-47B5-9D6E-05D096B6BB69}" srcOrd="0" destOrd="0" parTransId="{8C7BD315-D9C1-4F67-B091-28436E6A2060}" sibTransId="{EE84D86A-4D04-4289-929D-236FC12FE773}"/>
+    <dgm:cxn modelId="{5B3DD3CA-25BA-412E-A289-E855BD36F63B}" srcId="{617510CF-EBBC-438F-848A-3292E685F6F6}" destId="{DCF284C0-A6B7-4E12-954C-54239F2C1303}" srcOrd="3" destOrd="0" parTransId="{3DB1642E-0E9E-41D4-A6E5-F0B82B8C0441}" sibTransId="{063EB571-B978-4836-B9CC-396652387F66}"/>
     <dgm:cxn modelId="{1E45A2D4-D8C9-430E-87FB-08FDFE809CFA}" type="presOf" srcId="{8EE96F46-43D8-47B5-9D6E-05D096B6BB69}" destId="{7AA399AB-355C-4204-80D3-7AECFDFF999E}" srcOrd="0" destOrd="0" presId="urn:microsoft.com/office/officeart/2005/8/layout/lProcess2"/>
     <dgm:cxn modelId="{C44E28DA-4FB8-414B-8883-AFEC9D2163E0}" srcId="{E2DD3D1B-7AA2-459A-9E89-F305CACA032B}" destId="{FD8A3556-9942-4423-A013-62B0820F5BC8}" srcOrd="0" destOrd="0" parTransId="{A278D03A-676B-4F94-81E8-40D526AA1E65}" sibTransId="{4ED85B4D-602F-4253-90CA-8C0D38078A32}"/>
     <dgm:cxn modelId="{7CD8E7DA-476D-4BCF-BE9F-596D2ED7EC5B}" type="presOf" srcId="{FC5C8F6C-B10E-4696-AE4B-ECAEAC6BF073}" destId="{84D55724-BBA1-4FE6-932B-88A7C58FF3B0}" srcOrd="0" destOrd="0" presId="urn:microsoft.com/office/officeart/2005/8/layout/lProcess2"/>
@@ -5492,11 +5822,13 @@
     <dgm:cxn modelId="{283FF956-033F-4DD5-883D-22E1C5A024FA}" type="presParOf" srcId="{183AFF36-A7F9-45DE-B0D6-097AAC260197}" destId="{C087CD76-EF4F-4F89-9FC2-E00D533C5527}" srcOrd="3" destOrd="0" presId="urn:microsoft.com/office/officeart/2005/8/layout/lProcess2"/>
     <dgm:cxn modelId="{439BE406-6397-4876-97CF-C8F790CA3E05}" type="presParOf" srcId="{183AFF36-A7F9-45DE-B0D6-097AAC260197}" destId="{9824309B-737B-4D15-89C6-88620A17313F}" srcOrd="4" destOrd="0" presId="urn:microsoft.com/office/officeart/2005/8/layout/lProcess2"/>
     <dgm:cxn modelId="{CCB0D473-6AF2-4D5C-A420-50ACD0858C46}" type="presParOf" srcId="{183AFF36-A7F9-45DE-B0D6-097AAC260197}" destId="{54C65FBD-1135-4181-B72F-0C47EB544C68}" srcOrd="5" destOrd="0" presId="urn:microsoft.com/office/officeart/2005/8/layout/lProcess2"/>
-    <dgm:cxn modelId="{E17D6931-B3CB-4CE6-BB0C-81A2CCD6C07C}" type="presParOf" srcId="{183AFF36-A7F9-45DE-B0D6-097AAC260197}" destId="{84D55724-BBA1-4FE6-932B-88A7C58FF3B0}" srcOrd="6" destOrd="0" presId="urn:microsoft.com/office/officeart/2005/8/layout/lProcess2"/>
-    <dgm:cxn modelId="{83F8EDBE-7625-4A7B-95E3-92C09328FD60}" type="presParOf" srcId="{183AFF36-A7F9-45DE-B0D6-097AAC260197}" destId="{71D38BCA-9C76-491E-A66E-968A1F99BA14}" srcOrd="7" destOrd="0" presId="urn:microsoft.com/office/officeart/2005/8/layout/lProcess2"/>
-    <dgm:cxn modelId="{1CC85445-7606-4D91-8878-18B2F86884DB}" type="presParOf" srcId="{183AFF36-A7F9-45DE-B0D6-097AAC260197}" destId="{E97B479E-3F0B-43AA-AFFB-A4495597DFD4}" srcOrd="8" destOrd="0" presId="urn:microsoft.com/office/officeart/2005/8/layout/lProcess2"/>
-    <dgm:cxn modelId="{92D554DA-0263-4463-9C26-7634C842F761}" type="presParOf" srcId="{183AFF36-A7F9-45DE-B0D6-097AAC260197}" destId="{8034903D-FCA7-4EAB-8179-E4B0D88E7CD3}" srcOrd="9" destOrd="0" presId="urn:microsoft.com/office/officeart/2005/8/layout/lProcess2"/>
-    <dgm:cxn modelId="{FFAAE30A-7E4E-4118-8F6D-CFB4C9B93315}" type="presParOf" srcId="{183AFF36-A7F9-45DE-B0D6-097AAC260197}" destId="{5B071783-289B-483B-84CF-31FC62E5C8D5}" srcOrd="10" destOrd="0" presId="urn:microsoft.com/office/officeart/2005/8/layout/lProcess2"/>
+    <dgm:cxn modelId="{DF491FE3-990E-44F7-BD21-F526362C2011}" type="presParOf" srcId="{183AFF36-A7F9-45DE-B0D6-097AAC260197}" destId="{FC792778-402A-4259-8E6E-FF2028304AB6}" srcOrd="6" destOrd="0" presId="urn:microsoft.com/office/officeart/2005/8/layout/lProcess2"/>
+    <dgm:cxn modelId="{55038129-C519-4CC8-8EA3-60EE496A3CE5}" type="presParOf" srcId="{183AFF36-A7F9-45DE-B0D6-097AAC260197}" destId="{BDCE6304-FF4D-4FB2-9FE2-0CDE26174508}" srcOrd="7" destOrd="0" presId="urn:microsoft.com/office/officeart/2005/8/layout/lProcess2"/>
+    <dgm:cxn modelId="{E17D6931-B3CB-4CE6-BB0C-81A2CCD6C07C}" type="presParOf" srcId="{183AFF36-A7F9-45DE-B0D6-097AAC260197}" destId="{84D55724-BBA1-4FE6-932B-88A7C58FF3B0}" srcOrd="8" destOrd="0" presId="urn:microsoft.com/office/officeart/2005/8/layout/lProcess2"/>
+    <dgm:cxn modelId="{83F8EDBE-7625-4A7B-95E3-92C09328FD60}" type="presParOf" srcId="{183AFF36-A7F9-45DE-B0D6-097AAC260197}" destId="{71D38BCA-9C76-491E-A66E-968A1F99BA14}" srcOrd="9" destOrd="0" presId="urn:microsoft.com/office/officeart/2005/8/layout/lProcess2"/>
+    <dgm:cxn modelId="{1CC85445-7606-4D91-8878-18B2F86884DB}" type="presParOf" srcId="{183AFF36-A7F9-45DE-B0D6-097AAC260197}" destId="{E97B479E-3F0B-43AA-AFFB-A4495597DFD4}" srcOrd="10" destOrd="0" presId="urn:microsoft.com/office/officeart/2005/8/layout/lProcess2"/>
+    <dgm:cxn modelId="{92D554DA-0263-4463-9C26-7634C842F761}" type="presParOf" srcId="{183AFF36-A7F9-45DE-B0D6-097AAC260197}" destId="{8034903D-FCA7-4EAB-8179-E4B0D88E7CD3}" srcOrd="11" destOrd="0" presId="urn:microsoft.com/office/officeart/2005/8/layout/lProcess2"/>
+    <dgm:cxn modelId="{FFAAE30A-7E4E-4118-8F6D-CFB4C9B93315}" type="presParOf" srcId="{183AFF36-A7F9-45DE-B0D6-097AAC260197}" destId="{5B071783-289B-483B-84CF-31FC62E5C8D5}" srcOrd="12" destOrd="0" presId="urn:microsoft.com/office/officeart/2005/8/layout/lProcess2"/>
     <dgm:cxn modelId="{9A1212C2-584A-4A4D-A5CE-216E0170FDC7}" type="presParOf" srcId="{78F56DE7-56BE-46A1-883B-FFC013401691}" destId="{41EFC72D-1E3E-4D27-B8CE-B38E9C8CA320}" srcOrd="1" destOrd="0" presId="urn:microsoft.com/office/officeart/2005/8/layout/lProcess2"/>
     <dgm:cxn modelId="{10E00CD7-C50D-4B64-8FA5-4C3066234383}" type="presParOf" srcId="{78F56DE7-56BE-46A1-883B-FFC013401691}" destId="{70484B74-718F-4441-B105-3ACB48631C1A}" srcOrd="2" destOrd="0" presId="urn:microsoft.com/office/officeart/2005/8/layout/lProcess2"/>
     <dgm:cxn modelId="{542FF5BD-80BA-4679-AC17-E84F0C0B7099}" type="presParOf" srcId="{70484B74-718F-4441-B105-3ACB48631C1A}" destId="{76C269B4-E573-4082-B332-7874042342EA}" srcOrd="0" destOrd="0" presId="urn:microsoft.com/office/officeart/2005/8/layout/lProcess2"/>
@@ -5516,7 +5848,7 @@
   <dgm:whole/>
   <dgm:extLst>
     <a:ext uri="http://schemas.microsoft.com/office/drawing/2008/diagram">
-      <dsp:dataModelExt xmlns:dsp="http://schemas.microsoft.com/office/drawing/2008/diagram" relId="rId7" minVer="http://schemas.openxmlformats.org/drawingml/2006/diagram"/>
+      <dsp:dataModelExt xmlns:dsp="http://schemas.microsoft.com/office/drawing/2008/diagram" relId="rId6" minVer="http://schemas.openxmlformats.org/drawingml/2006/diagram"/>
     </a:ext>
   </dgm:extLst>
 </dgm:dataModel>
@@ -5939,8 +6271,8 @@
       </dsp:nvSpPr>
       <dsp:spPr>
         <a:xfrm>
-          <a:off x="220923" y="1777723"/>
-          <a:ext cx="2219945" cy="637443"/>
+          <a:off x="220923" y="1812997"/>
+          <a:ext cx="2219945" cy="543671"/>
         </a:xfrm>
         <a:prstGeom prst="roundRect">
           <a:avLst>
@@ -6004,8 +6336,8 @@
         </a:p>
       </dsp:txBody>
       <dsp:txXfrm>
-        <a:off x="239593" y="1796393"/>
-        <a:ext cx="2182605" cy="600103"/>
+        <a:off x="236847" y="1828921"/>
+        <a:ext cx="2188097" cy="511823"/>
       </dsp:txXfrm>
     </dsp:sp>
     <dsp:sp modelId="{3E591A46-0D94-4C22-A397-E0312A3D1145}">
@@ -6015,8 +6347,8 @@
       </dsp:nvSpPr>
       <dsp:spPr>
         <a:xfrm>
-          <a:off x="220923" y="2513236"/>
-          <a:ext cx="2219945" cy="637443"/>
+          <a:off x="220923" y="3070606"/>
+          <a:ext cx="2219945" cy="543671"/>
         </a:xfrm>
         <a:prstGeom prst="roundRect">
           <a:avLst>
@@ -6075,13 +6407,13 @@
           </a:pPr>
           <a:r>
             <a:rPr lang="es-ES" sz="2400" kern="1200" dirty="0"/>
-            <a:t>2 Business</a:t>
+            <a:t>3 Business</a:t>
           </a:r>
         </a:p>
       </dsp:txBody>
       <dsp:txXfrm>
-        <a:off x="239593" y="2531906"/>
-        <a:ext cx="2182605" cy="600103"/>
+        <a:off x="236847" y="3086530"/>
+        <a:ext cx="2188097" cy="511823"/>
       </dsp:txXfrm>
     </dsp:sp>
     <dsp:sp modelId="{9824309B-737B-4D15-89C6-88620A17313F}">
@@ -6091,8 +6423,8 @@
       </dsp:nvSpPr>
       <dsp:spPr>
         <a:xfrm>
-          <a:off x="220923" y="3248748"/>
-          <a:ext cx="2219945" cy="637443"/>
+          <a:off x="220923" y="3697919"/>
+          <a:ext cx="2219945" cy="543671"/>
         </a:xfrm>
         <a:prstGeom prst="roundRect">
           <a:avLst>
@@ -6150,13 +6482,88 @@
           </a:pPr>
           <a:r>
             <a:rPr lang="es-ES" sz="2400" kern="1200" dirty="0"/>
-            <a:t>3 Data</a:t>
+            <a:t>4 Data</a:t>
           </a:r>
         </a:p>
       </dsp:txBody>
       <dsp:txXfrm>
-        <a:off x="239593" y="3267418"/>
-        <a:ext cx="2182605" cy="600103"/>
+        <a:off x="236847" y="3713843"/>
+        <a:ext cx="2188097" cy="511823"/>
+      </dsp:txXfrm>
+    </dsp:sp>
+    <dsp:sp modelId="{FC792778-402A-4259-8E6E-FF2028304AB6}">
+      <dsp:nvSpPr>
+        <dsp:cNvPr id="0" name=""/>
+        <dsp:cNvSpPr/>
+      </dsp:nvSpPr>
+      <dsp:spPr>
+        <a:xfrm>
+          <a:off x="219992" y="2450270"/>
+          <a:ext cx="2219945" cy="543671"/>
+        </a:xfrm>
+        <a:prstGeom prst="roundRect">
+          <a:avLst>
+            <a:gd name="adj" fmla="val 10000"/>
+          </a:avLst>
+        </a:prstGeom>
+        <a:solidFill>
+          <a:srgbClr val="7030A0"/>
+        </a:solidFill>
+        <a:ln w="12700" cap="flat" cmpd="sng" algn="ctr">
+          <a:solidFill>
+            <a:schemeClr val="lt1">
+              <a:hueOff val="0"/>
+              <a:satOff val="0"/>
+              <a:lumOff val="0"/>
+              <a:alphaOff val="0"/>
+            </a:schemeClr>
+          </a:solidFill>
+          <a:prstDash val="solid"/>
+          <a:miter lim="800000"/>
+        </a:ln>
+        <a:effectLst/>
+      </dsp:spPr>
+      <dsp:style>
+        <a:lnRef idx="2">
+          <a:scrgbClr r="0" g="0" b="0"/>
+        </a:lnRef>
+        <a:fillRef idx="1">
+          <a:scrgbClr r="0" g="0" b="0"/>
+        </a:fillRef>
+        <a:effectRef idx="0">
+          <a:scrgbClr r="0" g="0" b="0"/>
+        </a:effectRef>
+        <a:fontRef idx="minor">
+          <a:schemeClr val="lt1"/>
+        </a:fontRef>
+      </dsp:style>
+      <dsp:txBody>
+        <a:bodyPr spcFirstLastPara="0" vert="horz" wrap="square" lIns="60960" tIns="45720" rIns="60960" bIns="45720" numCol="1" spcCol="1270" anchor="ctr" anchorCtr="0">
+          <a:noAutofit/>
+        </a:bodyPr>
+        <a:lstStyle/>
+        <a:p>
+          <a:pPr marL="0" lvl="0" indent="0" algn="l" defTabSz="1066800">
+            <a:lnSpc>
+              <a:spcPct val="90000"/>
+            </a:lnSpc>
+            <a:spcBef>
+              <a:spcPct val="0"/>
+            </a:spcBef>
+            <a:spcAft>
+              <a:spcPct val="35000"/>
+            </a:spcAft>
+            <a:buNone/>
+          </a:pPr>
+          <a:r>
+            <a:rPr lang="es-ES" sz="2400" kern="1200" dirty="0"/>
+            <a:t>2 Cyber Security</a:t>
+          </a:r>
+        </a:p>
+      </dsp:txBody>
+      <dsp:txXfrm>
+        <a:off x="235916" y="2466194"/>
+        <a:ext cx="2188097" cy="511823"/>
       </dsp:txXfrm>
     </dsp:sp>
     <dsp:sp modelId="{84D55724-BBA1-4FE6-932B-88A7C58FF3B0}">
@@ -6166,8 +6573,8 @@
       </dsp:nvSpPr>
       <dsp:spPr>
         <a:xfrm>
-          <a:off x="220923" y="3984260"/>
-          <a:ext cx="2219945" cy="637443"/>
+          <a:off x="220923" y="4322249"/>
+          <a:ext cx="2219945" cy="543671"/>
         </a:xfrm>
         <a:prstGeom prst="roundRect">
           <a:avLst>
@@ -6225,13 +6632,13 @@
           </a:pPr>
           <a:r>
             <a:rPr lang="es-ES" sz="2400" kern="1200" dirty="0"/>
-            <a:t>4 Infrastructure</a:t>
+            <a:t>5 Infrastructure</a:t>
           </a:r>
         </a:p>
       </dsp:txBody>
       <dsp:txXfrm>
-        <a:off x="239593" y="4002930"/>
-        <a:ext cx="2182605" cy="600103"/>
+        <a:off x="236847" y="4338173"/>
+        <a:ext cx="2188097" cy="511823"/>
       </dsp:txXfrm>
     </dsp:sp>
     <dsp:sp modelId="{E97B479E-3F0B-43AA-AFFB-A4495597DFD4}">
@@ -6241,8 +6648,8 @@
       </dsp:nvSpPr>
       <dsp:spPr>
         <a:xfrm>
-          <a:off x="220923" y="4719772"/>
-          <a:ext cx="2219945" cy="637443"/>
+          <a:off x="220923" y="4949562"/>
+          <a:ext cx="2219945" cy="543671"/>
         </a:xfrm>
         <a:prstGeom prst="roundRect">
           <a:avLst>
@@ -6300,13 +6707,13 @@
           </a:pPr>
           <a:r>
             <a:rPr lang="es-ES" sz="2400" kern="1200" dirty="0"/>
-            <a:t>5 Development</a:t>
+            <a:t>6 Development</a:t>
           </a:r>
         </a:p>
       </dsp:txBody>
       <dsp:txXfrm>
-        <a:off x="239593" y="4738442"/>
-        <a:ext cx="2182605" cy="600103"/>
+        <a:off x="236847" y="4965486"/>
+        <a:ext cx="2188097" cy="511823"/>
       </dsp:txXfrm>
     </dsp:sp>
     <dsp:sp modelId="{5B071783-289B-483B-84CF-31FC62E5C8D5}">
@@ -6316,8 +6723,8 @@
       </dsp:nvSpPr>
       <dsp:spPr>
         <a:xfrm>
-          <a:off x="220923" y="5455284"/>
-          <a:ext cx="2219945" cy="637443"/>
+          <a:off x="220923" y="5576874"/>
+          <a:ext cx="2219945" cy="543671"/>
         </a:xfrm>
         <a:prstGeom prst="roundRect">
           <a:avLst>
@@ -6375,13 +6782,13 @@
           </a:pPr>
           <a:r>
             <a:rPr lang="es-ES" sz="2400" kern="1200" dirty="0"/>
-            <a:t>6 Operations</a:t>
+            <a:t>7 Operations</a:t>
           </a:r>
         </a:p>
       </dsp:txBody>
       <dsp:txXfrm>
-        <a:off x="239593" y="5473954"/>
-        <a:ext cx="2182605" cy="600103"/>
+        <a:off x="236847" y="5592798"/>
+        <a:ext cx="2188097" cy="511823"/>
       </dsp:txXfrm>
     </dsp:sp>
     <dsp:sp modelId="{76C269B4-E573-4082-B332-7874042342EA}">
@@ -6686,7 +7093,7 @@
           <a:r>
             <a:rPr lang="es-ES" sz="1900" b="1" kern="1200" dirty="0">
               <a:solidFill>
-                <a:srgbClr val="FF0000"/>
+                <a:srgbClr val="7030A0"/>
               </a:solidFill>
             </a:rPr>
             <a:t>4.1</a:t>
@@ -6697,39 +7104,23 @@
                 <a:schemeClr val="tx1"/>
               </a:solidFill>
             </a:rPr>
-            <a:t> On-</a:t>
-          </a:r>
-          <a:r>
-            <a:rPr lang="es-ES" sz="1900" kern="1200" dirty="0" err="1">
+            <a:t> Prevención </a:t>
+          </a:r>
+          <a:r>
+            <a:rPr lang="es-ES" sz="1900" b="1" kern="1200" dirty="0">
+              <a:solidFill>
+                <a:srgbClr val="7030A0"/>
+              </a:solidFill>
+            </a:rPr>
+            <a:t>4.2 </a:t>
+          </a:r>
+          <a:r>
+            <a:rPr lang="es-ES" sz="1900" kern="1200" dirty="0">
               <a:solidFill>
                 <a:schemeClr val="tx1"/>
               </a:solidFill>
             </a:rPr>
-            <a:t>prem</a:t>
-          </a:r>
-          <a:r>
-            <a:rPr lang="es-ES" sz="1900" kern="1200" dirty="0">
-              <a:solidFill>
-                <a:schemeClr val="tx1"/>
-              </a:solidFill>
-            </a:rPr>
-            <a:t> </a:t>
-          </a:r>
-          <a:r>
-            <a:rPr lang="es-ES" sz="1900" b="1" kern="1200" dirty="0">
-              <a:solidFill>
-                <a:srgbClr val="FF0000"/>
-              </a:solidFill>
-            </a:rPr>
-            <a:t>4.2</a:t>
-          </a:r>
-          <a:r>
-            <a:rPr lang="es-ES" sz="1900" kern="1200" dirty="0">
-              <a:solidFill>
-                <a:schemeClr val="tx1"/>
-              </a:solidFill>
-            </a:rPr>
-            <a:t> Cloud </a:t>
+            <a:t>Detección</a:t>
           </a:r>
           <a:br>
             <a:rPr lang="es-ES" sz="1900" kern="1200" dirty="0">
@@ -6741,10 +7132,10 @@
           <a:r>
             <a:rPr lang="es-ES" sz="1900" b="1" kern="1200" dirty="0">
               <a:solidFill>
-                <a:schemeClr val="accent5"/>
-              </a:solidFill>
-            </a:rPr>
-            <a:t>5.1</a:t>
+                <a:srgbClr val="7030A0"/>
+              </a:solidFill>
+            </a:rPr>
+            <a:t>4.3</a:t>
           </a:r>
           <a:r>
             <a:rPr lang="es-ES" sz="1900" kern="1200" dirty="0">
@@ -6752,39 +7143,23 @@
                 <a:schemeClr val="tx1"/>
               </a:solidFill>
             </a:rPr>
-            <a:t> </a:t>
-          </a:r>
-          <a:r>
-            <a:rPr lang="es-ES" sz="1900" kern="1200" dirty="0" err="1">
+            <a:t> Respuesta  </a:t>
+          </a:r>
+          <a:r>
+            <a:rPr lang="es-ES" sz="1900" b="1" kern="1200" dirty="0">
+              <a:solidFill>
+                <a:srgbClr val="7030A0"/>
+              </a:solidFill>
+            </a:rPr>
+            <a:t>4.4</a:t>
+          </a:r>
+          <a:r>
+            <a:rPr lang="es-ES" sz="1900" kern="1200" dirty="0">
               <a:solidFill>
                 <a:schemeClr val="tx1"/>
               </a:solidFill>
             </a:rPr>
-            <a:t>Frontend</a:t>
-          </a:r>
-          <a:r>
-            <a:rPr lang="es-ES" sz="1900" kern="1200" dirty="0">
-              <a:solidFill>
-                <a:schemeClr val="tx1"/>
-              </a:solidFill>
-            </a:rPr>
-            <a:t>   </a:t>
-          </a:r>
-          <a:r>
-            <a:rPr lang="es-ES" sz="1900" b="1" kern="1200" dirty="0">
-              <a:solidFill>
-                <a:schemeClr val="accent5"/>
-              </a:solidFill>
-            </a:rPr>
-            <a:t>5.2</a:t>
-          </a:r>
-          <a:r>
-            <a:rPr lang="es-ES" sz="1900" kern="1200" dirty="0">
-              <a:solidFill>
-                <a:schemeClr val="tx1"/>
-              </a:solidFill>
-            </a:rPr>
-            <a:t> Backend</a:t>
+            <a:t> Resiliencia </a:t>
           </a:r>
           <a:br>
             <a:rPr lang="es-ES" sz="1900" kern="1200" dirty="0">
@@ -6796,10 +7171,65 @@
           <a:r>
             <a:rPr lang="es-ES" sz="1900" b="1" kern="1200" dirty="0">
               <a:solidFill>
+                <a:srgbClr val="FF0000"/>
+              </a:solidFill>
+            </a:rPr>
+            <a:t>5.1</a:t>
+          </a:r>
+          <a:r>
+            <a:rPr lang="es-ES" sz="1900" kern="1200" dirty="0">
+              <a:solidFill>
+                <a:schemeClr val="tx1"/>
+              </a:solidFill>
+            </a:rPr>
+            <a:t> On-</a:t>
+          </a:r>
+          <a:r>
+            <a:rPr lang="es-ES" sz="1900" kern="1200" dirty="0" err="1">
+              <a:solidFill>
+                <a:schemeClr val="tx1"/>
+              </a:solidFill>
+            </a:rPr>
+            <a:t>prem</a:t>
+          </a:r>
+          <a:r>
+            <a:rPr lang="es-ES" sz="1900" kern="1200" dirty="0">
+              <a:solidFill>
+                <a:schemeClr val="tx1"/>
+              </a:solidFill>
+            </a:rPr>
+            <a:t> </a:t>
+          </a:r>
+          <a:r>
+            <a:rPr lang="es-ES" sz="1900" b="1" kern="1200" dirty="0">
+              <a:solidFill>
+                <a:srgbClr val="FF0000"/>
+              </a:solidFill>
+            </a:rPr>
+            <a:t>5.2</a:t>
+          </a:r>
+          <a:r>
+            <a:rPr lang="es-ES" sz="1900" kern="1200" dirty="0">
+              <a:solidFill>
+                <a:schemeClr val="tx1"/>
+              </a:solidFill>
+            </a:rPr>
+            <a:t> Cloud </a:t>
+          </a:r>
+          <a:br>
+            <a:rPr lang="es-ES" sz="1900" kern="1200" dirty="0">
+              <a:solidFill>
+                <a:schemeClr val="tx1"/>
+              </a:solidFill>
+            </a:rPr>
+          </a:br>
+          <a:r>
+            <a:rPr lang="es-ES" sz="1900" b="1" kern="1200" dirty="0">
+              <a:solidFill>
                 <a:schemeClr val="accent5"/>
               </a:solidFill>
             </a:rPr>
-            <a:t>5.3</a:t>
+            <a:t>6.1</a:t>
           </a:r>
           <a:r>
             <a:rPr lang="es-ES" sz="1900" kern="1200" dirty="0">
@@ -6807,23 +7237,46 @@
                 <a:schemeClr val="tx1"/>
               </a:solidFill>
             </a:rPr>
-            <a:t> </a:t>
-          </a:r>
-          <a:r>
-            <a:rPr lang="es-ES" sz="1900" kern="1200" dirty="0" err="1">
+            <a:t> Frontend   </a:t>
+          </a:r>
+          <a:r>
+            <a:rPr lang="es-ES" sz="1900" b="1" kern="1200" dirty="0">
+              <a:solidFill>
+                <a:schemeClr val="accent5"/>
+              </a:solidFill>
+            </a:rPr>
+            <a:t>6.2</a:t>
+          </a:r>
+          <a:r>
+            <a:rPr lang="es-ES" sz="1900" kern="1200" dirty="0">
               <a:solidFill>
                 <a:schemeClr val="tx1"/>
               </a:solidFill>
             </a:rPr>
-            <a:t>Fullstack</a:t>
-          </a:r>
-          <a:r>
+            <a:t> Backend</a:t>
+          </a:r>
+          <a:br>
             <a:rPr lang="es-ES" sz="1900" kern="1200" dirty="0">
               <a:solidFill>
                 <a:schemeClr val="tx1"/>
               </a:solidFill>
             </a:rPr>
-            <a:t>    </a:t>
+          </a:br>
+          <a:r>
+            <a:rPr lang="es-ES" sz="1900" b="1" kern="1200" dirty="0">
+              <a:solidFill>
+                <a:schemeClr val="accent5"/>
+              </a:solidFill>
+            </a:rPr>
+            <a:t>6.3</a:t>
+          </a:r>
+          <a:r>
+            <a:rPr lang="es-ES" sz="1900" kern="1200" dirty="0">
+              <a:solidFill>
+                <a:schemeClr val="tx1"/>
+              </a:solidFill>
+            </a:rPr>
+            <a:t> Fullstack    </a:t>
           </a:r>
           <a:r>
             <a:rPr lang="es-ES" sz="1900" b="1" kern="1200" dirty="0">
@@ -6834,7 +7287,7 @@
               <a:ea typeface="+mn-ea"/>
               <a:cs typeface="+mn-cs"/>
             </a:rPr>
-            <a:t>5.4</a:t>
+            <a:t>6.4</a:t>
           </a:r>
           <a:r>
             <a:rPr lang="es-ES" sz="1900" kern="1200" dirty="0">
@@ -6857,7 +7310,7 @@
                 <a:schemeClr val="accent4"/>
               </a:solidFill>
             </a:rPr>
-            <a:t>6.1 </a:t>
+            <a:t>7.1 </a:t>
           </a:r>
           <a:r>
             <a:rPr lang="es-ES" sz="1900" kern="1200" dirty="0">
@@ -7137,7 +7590,7 @@
           <a:r>
             <a:rPr lang="es-ES" sz="1800" b="1" kern="1200" dirty="0">
               <a:solidFill>
-                <a:srgbClr val="FF0000"/>
+                <a:srgbClr val="7030A0"/>
               </a:solidFill>
             </a:rPr>
             <a:t>4.1.1</a:t>
@@ -7148,7 +7601,55 @@
                 <a:schemeClr val="tx1"/>
               </a:solidFill>
             </a:rPr>
-            <a:t> Router, Switch, HSM, Diode, Proxy, VM, CMDB, AD, Windows, UNIX   </a:t>
+            <a:t> Nessus, NMAP, Kali Linux, DSA   </a:t>
+          </a:r>
+          <a:r>
+            <a:rPr lang="es-ES" sz="1800" b="1" kern="1200" dirty="0">
+              <a:solidFill>
+                <a:srgbClr val="7030A0"/>
+              </a:solidFill>
+            </a:rPr>
+            <a:t>4.2.1</a:t>
+          </a:r>
+          <a:r>
+            <a:rPr lang="es-ES" sz="1800" kern="1200" dirty="0">
+              <a:solidFill>
+                <a:schemeClr val="tx1"/>
+              </a:solidFill>
+            </a:rPr>
+            <a:t> IDS, EDR, SIEM   </a:t>
+          </a:r>
+          <a:r>
+            <a:rPr lang="es-ES" sz="1800" b="1" kern="1200" dirty="0">
+              <a:solidFill>
+                <a:srgbClr val="7030A0"/>
+              </a:solidFill>
+            </a:rPr>
+            <a:t>4.3.1</a:t>
+          </a:r>
+          <a:r>
+            <a:rPr lang="es-ES" sz="1800" kern="1200" dirty="0">
+              <a:solidFill>
+                <a:schemeClr val="tx1"/>
+              </a:solidFill>
+            </a:rPr>
+            <a:t> IPS, FW, WAF, GPMC   </a:t>
+          </a:r>
+          <a:r>
+            <a:rPr lang="es-ES" sz="1800" b="1" kern="1200" dirty="0">
+              <a:solidFill>
+                <a:srgbClr val="7030A0"/>
+              </a:solidFill>
+            </a:rPr>
+            <a:t>4.4.1</a:t>
+          </a:r>
+          <a:r>
+            <a:rPr lang="es-ES" sz="1800" kern="1200" dirty="0">
+              <a:solidFill>
+                <a:schemeClr val="tx1"/>
+              </a:solidFill>
+            </a:rPr>
+            <a:t> HA, CDN</a:t>
           </a:r>
           <a:br>
             <a:rPr lang="es-ES" sz="1800" kern="1200" dirty="0">
@@ -7163,7 +7664,7 @@
                 <a:srgbClr val="FF0000"/>
               </a:solidFill>
             </a:rPr>
-            <a:t>4.2.1</a:t>
+            <a:t>5.1.1</a:t>
           </a:r>
           <a:r>
             <a:rPr lang="es-ES" sz="1800" kern="1200" dirty="0">
@@ -7171,23 +7672,7 @@
                 <a:schemeClr val="tx1"/>
               </a:solidFill>
             </a:rPr>
-            <a:t> Azure, O365   </a:t>
-          </a:r>
-          <a:r>
-            <a:rPr lang="es-ES" sz="1800" b="1" kern="1200" dirty="0">
-              <a:solidFill>
-                <a:srgbClr val="FF0000"/>
-              </a:solidFill>
-            </a:rPr>
-            <a:t>4.2.2</a:t>
-          </a:r>
-          <a:r>
-            <a:rPr lang="es-ES" sz="1800" kern="1200" dirty="0">
-              <a:solidFill>
-                <a:schemeClr val="tx1"/>
-              </a:solidFill>
-            </a:rPr>
-            <a:t> GCP </a:t>
+            <a:t> Router, Switch, HSM, Diode, Proxy, VM, CMDB, AD, Windows, UNIX   </a:t>
           </a:r>
           <a:br>
             <a:rPr lang="es-ES" sz="1800" kern="1200" dirty="0">
@@ -7199,10 +7684,10 @@
           <a:r>
             <a:rPr lang="es-ES" sz="1800" b="1" kern="1200" dirty="0">
               <a:solidFill>
-                <a:schemeClr val="accent5"/>
-              </a:solidFill>
-            </a:rPr>
-            <a:t>5.1.1</a:t>
+                <a:srgbClr val="FF0000"/>
+              </a:solidFill>
+            </a:rPr>
+            <a:t>5.2.1</a:t>
           </a:r>
           <a:r>
             <a:rPr lang="es-ES" sz="1800" kern="1200" dirty="0">
@@ -7210,7 +7695,23 @@
                 <a:schemeClr val="tx1"/>
               </a:solidFill>
             </a:rPr>
-            <a:t> HTML5, CSS3, JQUERY, Javascript</a:t>
+            <a:t> Azure, O365   </a:t>
+          </a:r>
+          <a:r>
+            <a:rPr lang="es-ES" sz="1800" b="1" kern="1200" dirty="0">
+              <a:solidFill>
+                <a:srgbClr val="FF0000"/>
+              </a:solidFill>
+            </a:rPr>
+            <a:t>5.2.2</a:t>
+          </a:r>
+          <a:r>
+            <a:rPr lang="es-ES" sz="1800" kern="1200" dirty="0">
+              <a:solidFill>
+                <a:schemeClr val="tx1"/>
+              </a:solidFill>
+            </a:rPr>
+            <a:t> GCP </a:t>
           </a:r>
           <a:br>
             <a:rPr lang="es-ES" sz="1800" kern="1200" dirty="0">
@@ -7225,7 +7726,7 @@
                 <a:schemeClr val="accent5"/>
               </a:solidFill>
             </a:rPr>
-            <a:t>5.2.1</a:t>
+            <a:t>6.1.1</a:t>
           </a:r>
           <a:r>
             <a:rPr lang="es-ES" sz="1800" kern="1200" dirty="0">
@@ -7233,15 +7734,7 @@
                 <a:schemeClr val="tx1"/>
               </a:solidFill>
             </a:rPr>
-            <a:t> SQL, Java, C, C#, Python, Dart/Flutter, PHP/Symfony, API, PowerShell, VS, Android, iOS, </a:t>
-          </a:r>
-          <a:r>
-            <a:rPr lang="es-ES" sz="1800" kern="1200" dirty="0" err="1">
-              <a:solidFill>
-                <a:schemeClr val="tx1"/>
-              </a:solidFill>
-            </a:rPr>
-            <a:t>Go</a:t>
+            <a:t> HTML5, CSS3, JQUERY, Javascript</a:t>
           </a:r>
           <a:br>
             <a:rPr lang="es-ES" sz="1800" kern="1200" dirty="0">
@@ -7256,7 +7749,30 @@
                 <a:schemeClr val="accent5"/>
               </a:solidFill>
             </a:rPr>
-            <a:t>5.3.1</a:t>
+            <a:t>6.2.1</a:t>
+          </a:r>
+          <a:r>
+            <a:rPr lang="es-ES" sz="1800" kern="1200" dirty="0">
+              <a:solidFill>
+                <a:schemeClr val="tx1"/>
+              </a:solidFill>
+            </a:rPr>
+            <a:t> SQL, Java, C, C#, Python, Dart/Flutter, PHP/Symfony, API, PowerShell, VS, Android, iOS</a:t>
+          </a:r>
+          <a:br>
+            <a:rPr lang="es-ES" sz="1800" kern="1200" dirty="0">
+              <a:solidFill>
+                <a:schemeClr val="tx1"/>
+              </a:solidFill>
+            </a:rPr>
+          </a:br>
+          <a:r>
+            <a:rPr lang="es-ES" sz="1800" b="1" kern="1200" dirty="0">
+              <a:solidFill>
+                <a:schemeClr val="accent5"/>
+              </a:solidFill>
+            </a:rPr>
+            <a:t>6.3.1</a:t>
           </a:r>
           <a:r>
             <a:rPr lang="es-ES" sz="1800" kern="1200" dirty="0">
@@ -7275,7 +7791,7 @@
               <a:ea typeface="+mn-ea"/>
               <a:cs typeface="+mn-cs"/>
             </a:rPr>
-            <a:t>5.4.1</a:t>
+            <a:t>6.4.1</a:t>
           </a:r>
           <a:r>
             <a:rPr lang="es-ES" sz="1800" kern="1200" dirty="0">
@@ -7291,7 +7807,7 @@
                 <a:schemeClr val="accent4"/>
               </a:solidFill>
             </a:rPr>
-            <a:t>6.1.1</a:t>
+            <a:t>7.1.1</a:t>
           </a:r>
           <a:r>
             <a:rPr lang="es-ES" sz="1800" kern="1200" dirty="0">
@@ -7394,8 +7910,8 @@
       </dsp:nvSpPr>
       <dsp:spPr>
         <a:xfrm>
-          <a:off x="220923" y="1777723"/>
-          <a:ext cx="2219945" cy="637443"/>
+          <a:off x="220923" y="1812997"/>
+          <a:ext cx="2219945" cy="543671"/>
         </a:xfrm>
         <a:prstGeom prst="roundRect">
           <a:avLst>
@@ -7459,8 +7975,8 @@
         </a:p>
       </dsp:txBody>
       <dsp:txXfrm>
-        <a:off x="239593" y="1796393"/>
-        <a:ext cx="2182605" cy="600103"/>
+        <a:off x="236847" y="1828921"/>
+        <a:ext cx="2188097" cy="511823"/>
       </dsp:txXfrm>
     </dsp:sp>
     <dsp:sp modelId="{3E591A46-0D94-4C22-A397-E0312A3D1145}">
@@ -7470,8 +7986,8 @@
       </dsp:nvSpPr>
       <dsp:spPr>
         <a:xfrm>
-          <a:off x="220923" y="2513236"/>
-          <a:ext cx="2219945" cy="637443"/>
+          <a:off x="220923" y="3070622"/>
+          <a:ext cx="2219945" cy="543671"/>
         </a:xfrm>
         <a:prstGeom prst="roundRect">
           <a:avLst>
@@ -7530,13 +8046,13 @@
           </a:pPr>
           <a:r>
             <a:rPr lang="es-ES" sz="2400" kern="1200" dirty="0"/>
-            <a:t>2 Business</a:t>
+            <a:t>3 Business</a:t>
           </a:r>
         </a:p>
       </dsp:txBody>
       <dsp:txXfrm>
-        <a:off x="239593" y="2531906"/>
-        <a:ext cx="2182605" cy="600103"/>
+        <a:off x="236847" y="3086546"/>
+        <a:ext cx="2188097" cy="511823"/>
       </dsp:txXfrm>
     </dsp:sp>
     <dsp:sp modelId="{9824309B-737B-4D15-89C6-88620A17313F}">
@@ -7546,8 +8062,8 @@
       </dsp:nvSpPr>
       <dsp:spPr>
         <a:xfrm>
-          <a:off x="220923" y="3248748"/>
-          <a:ext cx="2219945" cy="637443"/>
+          <a:off x="220923" y="3697935"/>
+          <a:ext cx="2219945" cy="543671"/>
         </a:xfrm>
         <a:prstGeom prst="roundRect">
           <a:avLst>
@@ -7605,13 +8121,88 @@
           </a:pPr>
           <a:r>
             <a:rPr lang="es-ES" sz="2400" kern="1200" dirty="0"/>
-            <a:t>3 Data</a:t>
+            <a:t>4 Data</a:t>
           </a:r>
         </a:p>
       </dsp:txBody>
       <dsp:txXfrm>
-        <a:off x="239593" y="3267418"/>
-        <a:ext cx="2182605" cy="600103"/>
+        <a:off x="236847" y="3713859"/>
+        <a:ext cx="2188097" cy="511823"/>
+      </dsp:txXfrm>
+    </dsp:sp>
+    <dsp:sp modelId="{FC792778-402A-4259-8E6E-FF2028304AB6}">
+      <dsp:nvSpPr>
+        <dsp:cNvPr id="0" name=""/>
+        <dsp:cNvSpPr/>
+      </dsp:nvSpPr>
+      <dsp:spPr>
+        <a:xfrm>
+          <a:off x="219980" y="2447677"/>
+          <a:ext cx="2219945" cy="543671"/>
+        </a:xfrm>
+        <a:prstGeom prst="roundRect">
+          <a:avLst>
+            <a:gd name="adj" fmla="val 10000"/>
+          </a:avLst>
+        </a:prstGeom>
+        <a:solidFill>
+          <a:srgbClr val="7030A0"/>
+        </a:solidFill>
+        <a:ln w="12700" cap="flat" cmpd="sng" algn="ctr">
+          <a:solidFill>
+            <a:schemeClr val="lt1">
+              <a:hueOff val="0"/>
+              <a:satOff val="0"/>
+              <a:lumOff val="0"/>
+              <a:alphaOff val="0"/>
+            </a:schemeClr>
+          </a:solidFill>
+          <a:prstDash val="solid"/>
+          <a:miter lim="800000"/>
+        </a:ln>
+        <a:effectLst/>
+      </dsp:spPr>
+      <dsp:style>
+        <a:lnRef idx="2">
+          <a:scrgbClr r="0" g="0" b="0"/>
+        </a:lnRef>
+        <a:fillRef idx="1">
+          <a:scrgbClr r="0" g="0" b="0"/>
+        </a:fillRef>
+        <a:effectRef idx="0">
+          <a:scrgbClr r="0" g="0" b="0"/>
+        </a:effectRef>
+        <a:fontRef idx="minor">
+          <a:schemeClr val="lt1"/>
+        </a:fontRef>
+      </dsp:style>
+      <dsp:txBody>
+        <a:bodyPr spcFirstLastPara="0" vert="horz" wrap="square" lIns="60960" tIns="45720" rIns="60960" bIns="45720" numCol="1" spcCol="1270" anchor="ctr" anchorCtr="0">
+          <a:noAutofit/>
+        </a:bodyPr>
+        <a:lstStyle/>
+        <a:p>
+          <a:pPr marL="0" lvl="0" indent="0" algn="l" defTabSz="1066800">
+            <a:lnSpc>
+              <a:spcPct val="90000"/>
+            </a:lnSpc>
+            <a:spcBef>
+              <a:spcPct val="0"/>
+            </a:spcBef>
+            <a:spcAft>
+              <a:spcPct val="35000"/>
+            </a:spcAft>
+            <a:buNone/>
+          </a:pPr>
+          <a:r>
+            <a:rPr lang="es-ES" sz="2400" kern="1200" dirty="0"/>
+            <a:t>2 Cyber Security</a:t>
+          </a:r>
+        </a:p>
+      </dsp:txBody>
+      <dsp:txXfrm>
+        <a:off x="235904" y="2463601"/>
+        <a:ext cx="2188097" cy="511823"/>
       </dsp:txXfrm>
     </dsp:sp>
     <dsp:sp modelId="{84D55724-BBA1-4FE6-932B-88A7C58FF3B0}">
@@ -7621,8 +8212,8 @@
       </dsp:nvSpPr>
       <dsp:spPr>
         <a:xfrm>
-          <a:off x="220923" y="3984260"/>
-          <a:ext cx="2219945" cy="637443"/>
+          <a:off x="220923" y="4322249"/>
+          <a:ext cx="2219945" cy="543671"/>
         </a:xfrm>
         <a:prstGeom prst="roundRect">
           <a:avLst>
@@ -7680,13 +8271,13 @@
           </a:pPr>
           <a:r>
             <a:rPr lang="es-ES" sz="2400" kern="1200" dirty="0"/>
-            <a:t>4 Infrastructure</a:t>
+            <a:t>5 Infrastructure</a:t>
           </a:r>
         </a:p>
       </dsp:txBody>
       <dsp:txXfrm>
-        <a:off x="239593" y="4002930"/>
-        <a:ext cx="2182605" cy="600103"/>
+        <a:off x="236847" y="4338173"/>
+        <a:ext cx="2188097" cy="511823"/>
       </dsp:txXfrm>
     </dsp:sp>
     <dsp:sp modelId="{E97B479E-3F0B-43AA-AFFB-A4495597DFD4}">
@@ -7696,8 +8287,8 @@
       </dsp:nvSpPr>
       <dsp:spPr>
         <a:xfrm>
-          <a:off x="220923" y="4719772"/>
-          <a:ext cx="2219945" cy="637443"/>
+          <a:off x="220923" y="4949562"/>
+          <a:ext cx="2219945" cy="543671"/>
         </a:xfrm>
         <a:prstGeom prst="roundRect">
           <a:avLst>
@@ -7755,13 +8346,13 @@
           </a:pPr>
           <a:r>
             <a:rPr lang="es-ES" sz="2400" kern="1200" dirty="0"/>
-            <a:t>5 Development</a:t>
+            <a:t>6 Development</a:t>
           </a:r>
         </a:p>
       </dsp:txBody>
       <dsp:txXfrm>
-        <a:off x="239593" y="4738442"/>
-        <a:ext cx="2182605" cy="600103"/>
+        <a:off x="236847" y="4965486"/>
+        <a:ext cx="2188097" cy="511823"/>
       </dsp:txXfrm>
     </dsp:sp>
     <dsp:sp modelId="{5B071783-289B-483B-84CF-31FC62E5C8D5}">
@@ -7771,8 +8362,8 @@
       </dsp:nvSpPr>
       <dsp:spPr>
         <a:xfrm>
-          <a:off x="220923" y="5455284"/>
-          <a:ext cx="2219945" cy="637443"/>
+          <a:off x="220923" y="5576874"/>
+          <a:ext cx="2219945" cy="543671"/>
         </a:xfrm>
         <a:prstGeom prst="roundRect">
           <a:avLst>
@@ -7830,13 +8421,13 @@
           </a:pPr>
           <a:r>
             <a:rPr lang="es-ES" sz="2400" kern="1200" dirty="0"/>
-            <a:t>6 Operations</a:t>
+            <a:t>7 Operations</a:t>
           </a:r>
         </a:p>
       </dsp:txBody>
       <dsp:txXfrm>
-        <a:off x="239593" y="5473954"/>
-        <a:ext cx="2182605" cy="600103"/>
+        <a:off x="236847" y="5592798"/>
+        <a:ext cx="2188097" cy="511823"/>
       </dsp:txXfrm>
     </dsp:sp>
     <dsp:sp modelId="{76C269B4-E573-4082-B332-7874042342EA}">
@@ -8141,7 +8732,7 @@
           <a:r>
             <a:rPr lang="es-ES" sz="1900" b="1" kern="1200" dirty="0">
               <a:solidFill>
-                <a:srgbClr val="FF0000"/>
+                <a:srgbClr val="7030A0"/>
               </a:solidFill>
             </a:rPr>
             <a:t>4.1</a:t>
@@ -8152,39 +8743,23 @@
                 <a:schemeClr val="tx1"/>
               </a:solidFill>
             </a:rPr>
-            <a:t> </a:t>
-          </a:r>
-          <a:r>
-            <a:rPr lang="en-GB" sz="1900" kern="1200" noProof="0" dirty="0">
+            <a:t> Prevention </a:t>
+          </a:r>
+          <a:r>
+            <a:rPr lang="es-ES" sz="1900" b="1" kern="1200" dirty="0">
+              <a:solidFill>
+                <a:srgbClr val="7030A0"/>
+              </a:solidFill>
+            </a:rPr>
+            <a:t>4.2 </a:t>
+          </a:r>
+          <a:r>
+            <a:rPr lang="es-ES" sz="1900" kern="1200" dirty="0">
               <a:solidFill>
                 <a:schemeClr val="tx1"/>
               </a:solidFill>
             </a:rPr>
-            <a:t>On-prem</a:t>
-          </a:r>
-          <a:r>
-            <a:rPr lang="es-ES" sz="1900" kern="1200" dirty="0">
-              <a:solidFill>
-                <a:schemeClr val="tx1"/>
-              </a:solidFill>
-            </a:rPr>
-            <a:t> </a:t>
-          </a:r>
-          <a:r>
-            <a:rPr lang="es-ES" sz="1900" b="1" kern="1200" dirty="0">
-              <a:solidFill>
-                <a:srgbClr val="FF0000"/>
-              </a:solidFill>
-            </a:rPr>
-            <a:t>4.2</a:t>
-          </a:r>
-          <a:r>
-            <a:rPr lang="es-ES" sz="1900" kern="1200" dirty="0">
-              <a:solidFill>
-                <a:schemeClr val="tx1"/>
-              </a:solidFill>
-            </a:rPr>
-            <a:t> Cloud </a:t>
+            <a:t>Detection</a:t>
           </a:r>
           <a:br>
             <a:rPr lang="es-ES" sz="1900" kern="1200" dirty="0">
@@ -8196,10 +8771,10 @@
           <a:r>
             <a:rPr lang="es-ES" sz="1900" b="1" kern="1200" dirty="0">
               <a:solidFill>
-                <a:schemeClr val="accent5"/>
-              </a:solidFill>
-            </a:rPr>
-            <a:t>5.1</a:t>
+                <a:srgbClr val="7030A0"/>
+              </a:solidFill>
+            </a:rPr>
+            <a:t>4.3</a:t>
           </a:r>
           <a:r>
             <a:rPr lang="es-ES" sz="1900" kern="1200" dirty="0">
@@ -8207,39 +8782,23 @@
                 <a:schemeClr val="tx1"/>
               </a:solidFill>
             </a:rPr>
-            <a:t> </a:t>
-          </a:r>
-          <a:r>
-            <a:rPr lang="es-ES" sz="1900" kern="1200" dirty="0" err="1">
+            <a:t> Response  </a:t>
+          </a:r>
+          <a:r>
+            <a:rPr lang="es-ES" sz="1900" b="1" kern="1200" dirty="0">
+              <a:solidFill>
+                <a:srgbClr val="7030A0"/>
+              </a:solidFill>
+            </a:rPr>
+            <a:t>4.4</a:t>
+          </a:r>
+          <a:r>
+            <a:rPr lang="es-ES" sz="1900" kern="1200" dirty="0">
               <a:solidFill>
                 <a:schemeClr val="tx1"/>
               </a:solidFill>
             </a:rPr>
-            <a:t>Frontend</a:t>
-          </a:r>
-          <a:r>
-            <a:rPr lang="es-ES" sz="1900" kern="1200" dirty="0">
-              <a:solidFill>
-                <a:schemeClr val="tx1"/>
-              </a:solidFill>
-            </a:rPr>
-            <a:t>   </a:t>
-          </a:r>
-          <a:r>
-            <a:rPr lang="es-ES" sz="1900" b="1" kern="1200" dirty="0">
-              <a:solidFill>
-                <a:schemeClr val="accent5"/>
-              </a:solidFill>
-            </a:rPr>
-            <a:t>5.2</a:t>
-          </a:r>
-          <a:r>
-            <a:rPr lang="es-ES" sz="1900" kern="1200" dirty="0">
-              <a:solidFill>
-                <a:schemeClr val="tx1"/>
-              </a:solidFill>
-            </a:rPr>
-            <a:t> Backend</a:t>
+            <a:t> Resilience </a:t>
           </a:r>
           <a:br>
             <a:rPr lang="es-ES" sz="1900" kern="1200" dirty="0">
@@ -8251,10 +8810,65 @@
           <a:r>
             <a:rPr lang="es-ES" sz="1900" b="1" kern="1200" dirty="0">
               <a:solidFill>
+                <a:srgbClr val="FF0000"/>
+              </a:solidFill>
+            </a:rPr>
+            <a:t>5.1</a:t>
+          </a:r>
+          <a:r>
+            <a:rPr lang="es-ES" sz="1900" kern="1200" dirty="0">
+              <a:solidFill>
+                <a:schemeClr val="tx1"/>
+              </a:solidFill>
+            </a:rPr>
+            <a:t> On-</a:t>
+          </a:r>
+          <a:r>
+            <a:rPr lang="es-ES" sz="1900" kern="1200" dirty="0" err="1">
+              <a:solidFill>
+                <a:schemeClr val="tx1"/>
+              </a:solidFill>
+            </a:rPr>
+            <a:t>prem</a:t>
+          </a:r>
+          <a:r>
+            <a:rPr lang="es-ES" sz="1900" kern="1200" dirty="0">
+              <a:solidFill>
+                <a:schemeClr val="tx1"/>
+              </a:solidFill>
+            </a:rPr>
+            <a:t> </a:t>
+          </a:r>
+          <a:r>
+            <a:rPr lang="es-ES" sz="1900" b="1" kern="1200" dirty="0">
+              <a:solidFill>
+                <a:srgbClr val="FF0000"/>
+              </a:solidFill>
+            </a:rPr>
+            <a:t>5.2</a:t>
+          </a:r>
+          <a:r>
+            <a:rPr lang="es-ES" sz="1900" kern="1200" dirty="0">
+              <a:solidFill>
+                <a:schemeClr val="tx1"/>
+              </a:solidFill>
+            </a:rPr>
+            <a:t> Cloud </a:t>
+          </a:r>
+          <a:br>
+            <a:rPr lang="es-ES" sz="1900" kern="1200" dirty="0">
+              <a:solidFill>
+                <a:schemeClr val="tx1"/>
+              </a:solidFill>
+            </a:rPr>
+          </a:br>
+          <a:r>
+            <a:rPr lang="es-ES" sz="1900" b="1" kern="1200" dirty="0">
+              <a:solidFill>
                 <a:schemeClr val="accent5"/>
               </a:solidFill>
             </a:rPr>
-            <a:t>5.3</a:t>
+            <a:t>6.1</a:t>
           </a:r>
           <a:r>
             <a:rPr lang="es-ES" sz="1900" kern="1200" dirty="0">
@@ -8262,23 +8876,46 @@
                 <a:schemeClr val="tx1"/>
               </a:solidFill>
             </a:rPr>
-            <a:t> </a:t>
-          </a:r>
-          <a:r>
-            <a:rPr lang="es-ES" sz="1900" kern="1200" dirty="0" err="1">
+            <a:t> Frontend   </a:t>
+          </a:r>
+          <a:r>
+            <a:rPr lang="es-ES" sz="1900" b="1" kern="1200" dirty="0">
+              <a:solidFill>
+                <a:schemeClr val="accent5"/>
+              </a:solidFill>
+            </a:rPr>
+            <a:t>6.2</a:t>
+          </a:r>
+          <a:r>
+            <a:rPr lang="es-ES" sz="1900" kern="1200" dirty="0">
               <a:solidFill>
                 <a:schemeClr val="tx1"/>
               </a:solidFill>
             </a:rPr>
-            <a:t>Fullstack</a:t>
-          </a:r>
-          <a:r>
+            <a:t> Backend</a:t>
+          </a:r>
+          <a:br>
             <a:rPr lang="es-ES" sz="1900" kern="1200" dirty="0">
               <a:solidFill>
                 <a:schemeClr val="tx1"/>
               </a:solidFill>
             </a:rPr>
-            <a:t>    </a:t>
+          </a:br>
+          <a:r>
+            <a:rPr lang="es-ES" sz="1900" b="1" kern="1200" dirty="0">
+              <a:solidFill>
+                <a:schemeClr val="accent5"/>
+              </a:solidFill>
+            </a:rPr>
+            <a:t>6.3</a:t>
+          </a:r>
+          <a:r>
+            <a:rPr lang="es-ES" sz="1900" kern="1200" dirty="0">
+              <a:solidFill>
+                <a:schemeClr val="tx1"/>
+              </a:solidFill>
+            </a:rPr>
+            <a:t> Fullstack    </a:t>
           </a:r>
           <a:r>
             <a:rPr lang="es-ES" sz="1900" b="1" kern="1200" dirty="0">
@@ -8289,7 +8926,7 @@
               <a:ea typeface="+mn-ea"/>
               <a:cs typeface="+mn-cs"/>
             </a:rPr>
-            <a:t>5.4</a:t>
+            <a:t>6.4</a:t>
           </a:r>
           <a:r>
             <a:rPr lang="es-ES" sz="1900" kern="1200" dirty="0">
@@ -8312,7 +8949,7 @@
                 <a:schemeClr val="accent4"/>
               </a:solidFill>
             </a:rPr>
-            <a:t>6.1 </a:t>
+            <a:t>7.1 </a:t>
           </a:r>
           <a:r>
             <a:rPr lang="es-ES" sz="1900" kern="1200" dirty="0">
@@ -8592,7 +9229,7 @@
           <a:r>
             <a:rPr lang="es-ES" sz="1800" b="1" kern="1200" dirty="0">
               <a:solidFill>
-                <a:srgbClr val="FF0000"/>
+                <a:srgbClr val="7030A0"/>
               </a:solidFill>
             </a:rPr>
             <a:t>4.1.1</a:t>
@@ -8603,7 +9240,55 @@
                 <a:schemeClr val="tx1"/>
               </a:solidFill>
             </a:rPr>
-            <a:t> Router, Switch, HSM, Diode, Proxy, VM, CMDB, AD, Windows, UNIX   </a:t>
+            <a:t> Nessus, NMAP, Kali Linux, DSA   </a:t>
+          </a:r>
+          <a:r>
+            <a:rPr lang="es-ES" sz="1800" b="1" kern="1200" dirty="0">
+              <a:solidFill>
+                <a:srgbClr val="7030A0"/>
+              </a:solidFill>
+            </a:rPr>
+            <a:t>4.2.1</a:t>
+          </a:r>
+          <a:r>
+            <a:rPr lang="es-ES" sz="1800" kern="1200" dirty="0">
+              <a:solidFill>
+                <a:schemeClr val="tx1"/>
+              </a:solidFill>
+            </a:rPr>
+            <a:t> IDS, EDR, SIEM   </a:t>
+          </a:r>
+          <a:r>
+            <a:rPr lang="es-ES" sz="1800" b="1" kern="1200" dirty="0">
+              <a:solidFill>
+                <a:srgbClr val="7030A0"/>
+              </a:solidFill>
+            </a:rPr>
+            <a:t>4.3.1</a:t>
+          </a:r>
+          <a:r>
+            <a:rPr lang="es-ES" sz="1800" kern="1200" dirty="0">
+              <a:solidFill>
+                <a:schemeClr val="tx1"/>
+              </a:solidFill>
+            </a:rPr>
+            <a:t> IPS, FW, WAF, GPMC   </a:t>
+          </a:r>
+          <a:r>
+            <a:rPr lang="es-ES" sz="1800" b="1" kern="1200" dirty="0">
+              <a:solidFill>
+                <a:srgbClr val="7030A0"/>
+              </a:solidFill>
+            </a:rPr>
+            <a:t>4.4.1</a:t>
+          </a:r>
+          <a:r>
+            <a:rPr lang="es-ES" sz="1800" kern="1200" dirty="0">
+              <a:solidFill>
+                <a:schemeClr val="tx1"/>
+              </a:solidFill>
+            </a:rPr>
+            <a:t> HA, CDN</a:t>
           </a:r>
           <a:br>
             <a:rPr lang="es-ES" sz="1800" kern="1200" dirty="0">
@@ -8618,7 +9303,7 @@
                 <a:srgbClr val="FF0000"/>
               </a:solidFill>
             </a:rPr>
-            <a:t>4.2.1</a:t>
+            <a:t>5.1.1</a:t>
           </a:r>
           <a:r>
             <a:rPr lang="es-ES" sz="1800" kern="1200" dirty="0">
@@ -8626,23 +9311,7 @@
                 <a:schemeClr val="tx1"/>
               </a:solidFill>
             </a:rPr>
-            <a:t> Azure, O365   </a:t>
-          </a:r>
-          <a:r>
-            <a:rPr lang="es-ES" sz="1800" b="1" kern="1200" dirty="0">
-              <a:solidFill>
-                <a:srgbClr val="FF0000"/>
-              </a:solidFill>
-            </a:rPr>
-            <a:t>4.2.2</a:t>
-          </a:r>
-          <a:r>
-            <a:rPr lang="es-ES" sz="1800" kern="1200" dirty="0">
-              <a:solidFill>
-                <a:schemeClr val="tx1"/>
-              </a:solidFill>
-            </a:rPr>
-            <a:t> GCP </a:t>
+            <a:t> Router, Switch, HSM, Diode, Proxy, VM, CMDB, AD, Windows, UNIX   </a:t>
           </a:r>
           <a:br>
             <a:rPr lang="es-ES" sz="1800" kern="1200" dirty="0">
@@ -8654,10 +9323,10 @@
           <a:r>
             <a:rPr lang="es-ES" sz="1800" b="1" kern="1200" dirty="0">
               <a:solidFill>
-                <a:schemeClr val="accent5"/>
-              </a:solidFill>
-            </a:rPr>
-            <a:t>5.1.1</a:t>
+                <a:srgbClr val="FF0000"/>
+              </a:solidFill>
+            </a:rPr>
+            <a:t>5.2.1</a:t>
           </a:r>
           <a:r>
             <a:rPr lang="es-ES" sz="1800" kern="1200" dirty="0">
@@ -8665,7 +9334,23 @@
                 <a:schemeClr val="tx1"/>
               </a:solidFill>
             </a:rPr>
-            <a:t> HTML5, CSS3, JQUERY, Javascript</a:t>
+            <a:t> Azure, O365   </a:t>
+          </a:r>
+          <a:r>
+            <a:rPr lang="es-ES" sz="1800" b="1" kern="1200" dirty="0">
+              <a:solidFill>
+                <a:srgbClr val="FF0000"/>
+              </a:solidFill>
+            </a:rPr>
+            <a:t>5.2.2</a:t>
+          </a:r>
+          <a:r>
+            <a:rPr lang="es-ES" sz="1800" kern="1200" dirty="0">
+              <a:solidFill>
+                <a:schemeClr val="tx1"/>
+              </a:solidFill>
+            </a:rPr>
+            <a:t> GCP </a:t>
           </a:r>
           <a:br>
             <a:rPr lang="es-ES" sz="1800" kern="1200" dirty="0">
@@ -8680,7 +9365,7 @@
                 <a:schemeClr val="accent5"/>
               </a:solidFill>
             </a:rPr>
-            <a:t>5.2.1</a:t>
+            <a:t>6.1.1</a:t>
           </a:r>
           <a:r>
             <a:rPr lang="es-ES" sz="1800" kern="1200" dirty="0">
@@ -8688,15 +9373,7 @@
                 <a:schemeClr val="tx1"/>
               </a:solidFill>
             </a:rPr>
-            <a:t> SQL, Java, C, C#, Python, Dart/Flutter, PHP/Symfony, API, PowerShell, VS, Android, iOS, </a:t>
-          </a:r>
-          <a:r>
-            <a:rPr lang="es-ES" sz="1800" kern="1200" dirty="0" err="1">
-              <a:solidFill>
-                <a:schemeClr val="tx1"/>
-              </a:solidFill>
-            </a:rPr>
-            <a:t>Go</a:t>
+            <a:t> HTML5, CSS3, JQUERY, Javascript</a:t>
           </a:r>
           <a:br>
             <a:rPr lang="es-ES" sz="1800" kern="1200" dirty="0">
@@ -8711,7 +9388,30 @@
                 <a:schemeClr val="accent5"/>
               </a:solidFill>
             </a:rPr>
-            <a:t>5.3.1</a:t>
+            <a:t>6.2.1</a:t>
+          </a:r>
+          <a:r>
+            <a:rPr lang="es-ES" sz="1800" kern="1200" dirty="0">
+              <a:solidFill>
+                <a:schemeClr val="tx1"/>
+              </a:solidFill>
+            </a:rPr>
+            <a:t> SQL, Java, C, C#, Python, Dart/Flutter, PHP/Symfony, API, PowerShell, VS, Android, iOS</a:t>
+          </a:r>
+          <a:br>
+            <a:rPr lang="es-ES" sz="1800" kern="1200" dirty="0">
+              <a:solidFill>
+                <a:schemeClr val="tx1"/>
+              </a:solidFill>
+            </a:rPr>
+          </a:br>
+          <a:r>
+            <a:rPr lang="es-ES" sz="1800" b="1" kern="1200" dirty="0">
+              <a:solidFill>
+                <a:schemeClr val="accent5"/>
+              </a:solidFill>
+            </a:rPr>
+            <a:t>6.3.1</a:t>
           </a:r>
           <a:r>
             <a:rPr lang="es-ES" sz="1800" kern="1200" dirty="0">
@@ -8730,7 +9430,7 @@
               <a:ea typeface="+mn-ea"/>
               <a:cs typeface="+mn-cs"/>
             </a:rPr>
-            <a:t>5.4.1</a:t>
+            <a:t>6.4.1</a:t>
           </a:r>
           <a:r>
             <a:rPr lang="es-ES" sz="1800" kern="1200" dirty="0">
@@ -8746,7 +9446,7 @@
                 <a:schemeClr val="accent4"/>
               </a:solidFill>
             </a:rPr>
-            <a:t>6.1.1</a:t>
+            <a:t>7.1.1</a:t>
           </a:r>
           <a:r>
             <a:rPr lang="es-ES" sz="1800" kern="1200" dirty="0">
@@ -12534,7 +13234,7 @@
           <a:p>
             <a:fld id="{ED151C14-CE9E-4E23-B501-D21E82FDEE26}" type="datetimeFigureOut">
               <a:rPr lang="es-ES" smtClean="0"/>
-              <a:t>23/01/2024</a:t>
+              <a:t>20/02/2025</a:t>
             </a:fld>
             <a:endParaRPr lang="es-ES"/>
           </a:p>
@@ -12866,7 +13566,7 @@
           <a:p>
             <a:fld id="{92B4C8DF-C28A-471C-86BB-3EF8A157CB46}" type="slidenum">
               <a:rPr lang="es-ES" smtClean="0"/>
-              <a:t>4</a:t>
+              <a:t>3</a:t>
             </a:fld>
             <a:endParaRPr lang="es-ES"/>
           </a:p>
@@ -12875,7 +13575,7 @@
     </p:spTree>
     <p:extLst>
       <p:ext uri="{BB962C8B-B14F-4D97-AF65-F5344CB8AC3E}">
-        <p14:creationId xmlns:p14="http://schemas.microsoft.com/office/powerpoint/2010/main" val="2757283435"/>
+        <p14:creationId xmlns:p14="http://schemas.microsoft.com/office/powerpoint/2010/main" val="1734968"/>
       </p:ext>
     </p:extLst>
   </p:cSld>
@@ -13116,7 +13816,7 @@
           <a:p>
             <a:fld id="{35226B97-4BCC-4502-8449-40926CDAD38A}" type="datetimeFigureOut">
               <a:rPr lang="es-ES" smtClean="0"/>
-              <a:t>23/01/2024</a:t>
+              <a:t>20/02/2025</a:t>
             </a:fld>
             <a:endParaRPr lang="es-ES"/>
           </a:p>
@@ -13314,7 +14014,7 @@
           <a:p>
             <a:fld id="{35226B97-4BCC-4502-8449-40926CDAD38A}" type="datetimeFigureOut">
               <a:rPr lang="es-ES" smtClean="0"/>
-              <a:t>23/01/2024</a:t>
+              <a:t>20/02/2025</a:t>
             </a:fld>
             <a:endParaRPr lang="es-ES"/>
           </a:p>
@@ -13522,7 +14222,7 @@
           <a:p>
             <a:fld id="{35226B97-4BCC-4502-8449-40926CDAD38A}" type="datetimeFigureOut">
               <a:rPr lang="es-ES" smtClean="0"/>
-              <a:t>23/01/2024</a:t>
+              <a:t>20/02/2025</a:t>
             </a:fld>
             <a:endParaRPr lang="es-ES"/>
           </a:p>
@@ -13720,7 +14420,7 @@
           <a:p>
             <a:fld id="{35226B97-4BCC-4502-8449-40926CDAD38A}" type="datetimeFigureOut">
               <a:rPr lang="es-ES" smtClean="0"/>
-              <a:t>23/01/2024</a:t>
+              <a:t>20/02/2025</a:t>
             </a:fld>
             <a:endParaRPr lang="es-ES"/>
           </a:p>
@@ -13995,7 +14695,7 @@
           <a:p>
             <a:fld id="{35226B97-4BCC-4502-8449-40926CDAD38A}" type="datetimeFigureOut">
               <a:rPr lang="es-ES" smtClean="0"/>
-              <a:t>23/01/2024</a:t>
+              <a:t>20/02/2025</a:t>
             </a:fld>
             <a:endParaRPr lang="es-ES"/>
           </a:p>
@@ -14260,7 +14960,7 @@
           <a:p>
             <a:fld id="{35226B97-4BCC-4502-8449-40926CDAD38A}" type="datetimeFigureOut">
               <a:rPr lang="es-ES" smtClean="0"/>
-              <a:t>23/01/2024</a:t>
+              <a:t>20/02/2025</a:t>
             </a:fld>
             <a:endParaRPr lang="es-ES"/>
           </a:p>
@@ -14672,7 +15372,7 @@
           <a:p>
             <a:fld id="{35226B97-4BCC-4502-8449-40926CDAD38A}" type="datetimeFigureOut">
               <a:rPr lang="es-ES" smtClean="0"/>
-              <a:t>23/01/2024</a:t>
+              <a:t>20/02/2025</a:t>
             </a:fld>
             <a:endParaRPr lang="es-ES"/>
           </a:p>
@@ -14813,7 +15513,7 @@
           <a:p>
             <a:fld id="{35226B97-4BCC-4502-8449-40926CDAD38A}" type="datetimeFigureOut">
               <a:rPr lang="es-ES" smtClean="0"/>
-              <a:t>23/01/2024</a:t>
+              <a:t>20/02/2025</a:t>
             </a:fld>
             <a:endParaRPr lang="es-ES"/>
           </a:p>
@@ -14926,7 +15626,7 @@
           <a:p>
             <a:fld id="{35226B97-4BCC-4502-8449-40926CDAD38A}" type="datetimeFigureOut">
               <a:rPr lang="es-ES" smtClean="0"/>
-              <a:t>23/01/2024</a:t>
+              <a:t>20/02/2025</a:t>
             </a:fld>
             <a:endParaRPr lang="es-ES"/>
           </a:p>
@@ -15237,7 +15937,7 @@
           <a:p>
             <a:fld id="{35226B97-4BCC-4502-8449-40926CDAD38A}" type="datetimeFigureOut">
               <a:rPr lang="es-ES" smtClean="0"/>
-              <a:t>23/01/2024</a:t>
+              <a:t>20/02/2025</a:t>
             </a:fld>
             <a:endParaRPr lang="es-ES"/>
           </a:p>
@@ -15525,7 +16225,7 @@
           <a:p>
             <a:fld id="{35226B97-4BCC-4502-8449-40926CDAD38A}" type="datetimeFigureOut">
               <a:rPr lang="es-ES" smtClean="0"/>
-              <a:t>23/01/2024</a:t>
+              <a:t>20/02/2025</a:t>
             </a:fld>
             <a:endParaRPr lang="es-ES"/>
           </a:p>
@@ -15766,7 +16466,7 @@
           <a:p>
             <a:fld id="{35226B97-4BCC-4502-8449-40926CDAD38A}" type="datetimeFigureOut">
               <a:rPr lang="es-ES" smtClean="0"/>
-              <a:t>23/01/2024</a:t>
+              <a:t>20/02/2025</a:t>
             </a:fld>
             <a:endParaRPr lang="es-ES"/>
           </a:p>
@@ -16185,10 +16885,10 @@
       </p:grpSpPr>
       <p:sp>
         <p:nvSpPr>
-          <p:cNvPr id="25" name="CuadroTexto 24">
+          <p:cNvPr id="3" name="CuadroTexto 2">
             <a:extLst>
               <a:ext uri="{FF2B5EF4-FFF2-40B4-BE49-F238E27FC236}">
-                <a16:creationId xmlns:a16="http://schemas.microsoft.com/office/drawing/2014/main" id="{7F260929-3298-1175-FC3C-9F9DCF0271E5}"/>
+                <a16:creationId xmlns:a16="http://schemas.microsoft.com/office/drawing/2014/main" id="{A9AC17F2-266D-4A57-CFBF-880D8D421679}"/>
               </a:ext>
             </a:extLst>
           </p:cNvPr>
@@ -16197,8 +16897,8 @@
         </p:nvSpPr>
         <p:spPr>
           <a:xfrm>
-            <a:off x="3454477" y="2982620"/>
-            <a:ext cx="5077480" cy="584775"/>
+            <a:off x="2833040" y="2982620"/>
+            <a:ext cx="5454185" cy="584775"/>
           </a:xfrm>
           <a:prstGeom prst="rect">
             <a:avLst/>
@@ -16235,6 +16935,16 @@
             <a:r>
               <a:rPr lang="es-ES" sz="3200" dirty="0" err="1">
                 <a:solidFill>
+                  <a:srgbClr val="7030A0"/>
+                </a:solidFill>
+                <a:latin typeface="Calibri" panose="020F0502020204030204" pitchFamily="34" charset="0"/>
+                <a:cs typeface="Times New Roman" panose="02020603050405020304" pitchFamily="18" charset="0"/>
+              </a:rPr>
+              <a:t>Sec</a:t>
+            </a:r>
+            <a:r>
+              <a:rPr lang="es-ES" sz="3200" dirty="0" err="1">
+                <a:solidFill>
                   <a:schemeClr val="accent6"/>
                 </a:solidFill>
                 <a:effectLst/>
@@ -16300,10 +17010,10 @@
       </p:sp>
       <p:sp>
         <p:nvSpPr>
-          <p:cNvPr id="26" name="Rectángulo 25">
+          <p:cNvPr id="4" name="Rectángulo 3">
             <a:extLst>
               <a:ext uri="{FF2B5EF4-FFF2-40B4-BE49-F238E27FC236}">
-                <a16:creationId xmlns:a16="http://schemas.microsoft.com/office/drawing/2014/main" id="{2C6EE7F7-B98A-009E-2568-A7977D42F58A}"/>
+                <a16:creationId xmlns:a16="http://schemas.microsoft.com/office/drawing/2014/main" id="{E9C51C95-6F57-62F8-1E35-A18D1A44BE05}"/>
               </a:ext>
             </a:extLst>
           </p:cNvPr>
@@ -16312,8 +17022,8 @@
         </p:nvSpPr>
         <p:spPr>
           <a:xfrm>
-            <a:off x="5379868" y="2743000"/>
-            <a:ext cx="2999872" cy="1086679"/>
+            <a:off x="4749801" y="2743000"/>
+            <a:ext cx="3629940" cy="1086679"/>
           </a:xfrm>
           <a:prstGeom prst="rect">
             <a:avLst/>
@@ -16321,7 +17031,7 @@
           <a:noFill/>
           <a:ln>
             <a:solidFill>
-              <a:srgbClr val="92D050"/>
+              <a:srgbClr val="7030A0"/>
             </a:solidFill>
           </a:ln>
         </p:spPr>
@@ -16354,10 +17064,10 @@
       </p:sp>
       <p:sp>
         <p:nvSpPr>
-          <p:cNvPr id="27" name="Rectángulo 26">
+          <p:cNvPr id="5" name="Rectángulo 4">
             <a:extLst>
               <a:ext uri="{FF2B5EF4-FFF2-40B4-BE49-F238E27FC236}">
-                <a16:creationId xmlns:a16="http://schemas.microsoft.com/office/drawing/2014/main" id="{629668E0-1355-B1F4-696E-807BB2DC290C}"/>
+                <a16:creationId xmlns:a16="http://schemas.microsoft.com/office/drawing/2014/main" id="{9754E19F-6DCC-12DF-5208-1949D56A0EB5}"/>
               </a:ext>
             </a:extLst>
           </p:cNvPr>
@@ -16366,8 +17076,8 @@
         </p:nvSpPr>
         <p:spPr>
           <a:xfrm>
-            <a:off x="6169980" y="2815889"/>
-            <a:ext cx="2147671" cy="947530"/>
+            <a:off x="5338763" y="2815889"/>
+            <a:ext cx="2978889" cy="947530"/>
           </a:xfrm>
           <a:prstGeom prst="rect">
             <a:avLst/>
@@ -16375,7 +17085,7 @@
           <a:noFill/>
           <a:ln>
             <a:solidFill>
-              <a:srgbClr val="FFC000"/>
+              <a:schemeClr val="accent6"/>
             </a:solidFill>
           </a:ln>
         </p:spPr>
@@ -16408,10 +17118,10 @@
       </p:sp>
       <p:sp>
         <p:nvSpPr>
-          <p:cNvPr id="28" name="Rectángulo 27">
+          <p:cNvPr id="6" name="Rectángulo 5">
             <a:extLst>
               <a:ext uri="{FF2B5EF4-FFF2-40B4-BE49-F238E27FC236}">
-                <a16:creationId xmlns:a16="http://schemas.microsoft.com/office/drawing/2014/main" id="{AE250942-E0CA-5CF7-A5C4-704EA95DC5B5}"/>
+                <a16:creationId xmlns:a16="http://schemas.microsoft.com/office/drawing/2014/main" id="{148332C6-7C74-B49D-FBFE-4F306700BA91}"/>
               </a:ext>
             </a:extLst>
           </p:cNvPr>
@@ -16420,8 +17130,62 @@
         </p:nvSpPr>
         <p:spPr>
           <a:xfrm>
-            <a:off x="6924583" y="2915277"/>
-            <a:ext cx="1335782" cy="756000"/>
+            <a:off x="6100365" y="2915277"/>
+            <a:ext cx="2160000" cy="756000"/>
+          </a:xfrm>
+          <a:prstGeom prst="rect">
+            <a:avLst/>
+          </a:prstGeom>
+          <a:noFill/>
+          <a:ln>
+            <a:solidFill>
+              <a:schemeClr val="accent2"/>
+            </a:solidFill>
+          </a:ln>
+        </p:spPr>
+        <p:style>
+          <a:lnRef idx="2">
+            <a:schemeClr val="accent1">
+              <a:shade val="50000"/>
+            </a:schemeClr>
+          </a:lnRef>
+          <a:fillRef idx="1">
+            <a:schemeClr val="accent1"/>
+          </a:fillRef>
+          <a:effectRef idx="0">
+            <a:schemeClr val="accent1"/>
+          </a:effectRef>
+          <a:fontRef idx="minor">
+            <a:schemeClr val="lt1"/>
+          </a:fontRef>
+        </p:style>
+        <p:txBody>
+          <a:bodyPr rtlCol="0" anchor="ctr"/>
+          <a:lstStyle/>
+          <a:p>
+            <a:pPr algn="ctr"/>
+            <a:endParaRPr lang="es-ES" dirty="0">
+              <a:noFill/>
+            </a:endParaRPr>
+          </a:p>
+        </p:txBody>
+      </p:sp>
+      <p:sp>
+        <p:nvSpPr>
+          <p:cNvPr id="7" name="Rectángulo 6">
+            <a:extLst>
+              <a:ext uri="{FF2B5EF4-FFF2-40B4-BE49-F238E27FC236}">
+                <a16:creationId xmlns:a16="http://schemas.microsoft.com/office/drawing/2014/main" id="{1319F581-5A17-C8D5-A860-0306CC9EA80D}"/>
+              </a:ext>
+            </a:extLst>
+          </p:cNvPr>
+          <p:cNvSpPr/>
+          <p:nvPr/>
+        </p:nvSpPr>
+        <p:spPr>
+          <a:xfrm>
+            <a:off x="6877522" y="3011605"/>
+            <a:ext cx="1332000" cy="576000"/>
           </a:xfrm>
           <a:prstGeom prst="rect">
             <a:avLst/>
@@ -16462,10 +17226,10 @@
       </p:sp>
       <p:sp>
         <p:nvSpPr>
-          <p:cNvPr id="29" name="Rectángulo 28">
+          <p:cNvPr id="8" name="Rectángulo 7">
             <a:extLst>
               <a:ext uri="{FF2B5EF4-FFF2-40B4-BE49-F238E27FC236}">
-                <a16:creationId xmlns:a16="http://schemas.microsoft.com/office/drawing/2014/main" id="{0BCF6309-9FB2-DB7B-CDA3-E7912F6D505F}"/>
+                <a16:creationId xmlns:a16="http://schemas.microsoft.com/office/drawing/2014/main" id="{D47AFD08-CC8A-CEB0-7C2D-C1DCB6F1FAF6}"/>
               </a:ext>
             </a:extLst>
           </p:cNvPr>
@@ -16474,8 +17238,8 @@
         </p:nvSpPr>
         <p:spPr>
           <a:xfrm>
-            <a:off x="7572652" y="3011605"/>
-            <a:ext cx="636870" cy="576000"/>
+            <a:off x="7525522" y="3057988"/>
+            <a:ext cx="648000" cy="480144"/>
           </a:xfrm>
           <a:prstGeom prst="rect">
             <a:avLst/>
@@ -16483,7 +17247,7 @@
           <a:noFill/>
           <a:ln>
             <a:solidFill>
-              <a:srgbClr val="0070C0"/>
+              <a:schemeClr val="accent1"/>
             </a:solidFill>
           </a:ln>
         </p:spPr>
@@ -16516,10 +17280,10 @@
       </p:sp>
       <p:sp>
         <p:nvSpPr>
-          <p:cNvPr id="31" name="Rectángulo 30">
+          <p:cNvPr id="9" name="Rectángulo 8">
             <a:extLst>
               <a:ext uri="{FF2B5EF4-FFF2-40B4-BE49-F238E27FC236}">
-                <a16:creationId xmlns:a16="http://schemas.microsoft.com/office/drawing/2014/main" id="{278EC861-7A58-8F30-5128-E3E70279774E}"/>
+                <a16:creationId xmlns:a16="http://schemas.microsoft.com/office/drawing/2014/main" id="{9CD56770-527E-BA1B-AFA4-24CD44945D42}"/>
               </a:ext>
             </a:extLst>
           </p:cNvPr>
@@ -16528,8 +17292,8 @@
         </p:nvSpPr>
         <p:spPr>
           <a:xfrm>
-            <a:off x="4793941" y="2670115"/>
-            <a:ext cx="3644233" cy="1224000"/>
+            <a:off x="4172175" y="2670115"/>
+            <a:ext cx="4266000" cy="1224000"/>
           </a:xfrm>
           <a:prstGeom prst="rect">
             <a:avLst/>
@@ -16537,7 +17301,7 @@
           <a:noFill/>
           <a:ln>
             <a:solidFill>
-              <a:srgbClr val="0070C0"/>
+              <a:schemeClr val="accent1"/>
             </a:solidFill>
           </a:ln>
         </p:spPr>
@@ -16570,10 +17334,10 @@
       </p:sp>
       <p:sp>
         <p:nvSpPr>
-          <p:cNvPr id="19" name="Rectángulo 18">
+          <p:cNvPr id="10" name="Rectángulo 9">
             <a:extLst>
               <a:ext uri="{FF2B5EF4-FFF2-40B4-BE49-F238E27FC236}">
-                <a16:creationId xmlns:a16="http://schemas.microsoft.com/office/drawing/2014/main" id="{34D756D4-271E-17D5-64BF-87AE9BA38DBE}"/>
+                <a16:creationId xmlns:a16="http://schemas.microsoft.com/office/drawing/2014/main" id="{9F3C21F4-155C-E915-A295-80FEF496CACA}"/>
               </a:ext>
             </a:extLst>
           </p:cNvPr>
@@ -16582,8 +17346,8 @@
         </p:nvSpPr>
         <p:spPr>
           <a:xfrm>
-            <a:off x="4021583" y="2614622"/>
-            <a:ext cx="4497551" cy="1360453"/>
+            <a:off x="3400427" y="2614622"/>
+            <a:ext cx="5118708" cy="1360453"/>
           </a:xfrm>
           <a:prstGeom prst="rect">
             <a:avLst/>
@@ -17140,7 +17904,7 @@
           <p:nvPr>
             <p:extLst>
               <p:ext uri="{D42A27DB-BD31-4B8C-83A1-F6EECF244321}">
-                <p14:modId xmlns:p14="http://schemas.microsoft.com/office/powerpoint/2010/main" val="451662930"/>
+                <p14:modId xmlns:p14="http://schemas.microsoft.com/office/powerpoint/2010/main" val="1926537108"/>
               </p:ext>
             </p:extLst>
           </p:nvPr>
@@ -17151,7 +17915,7 @@
         </p:xfrm>
         <a:graphic>
           <a:graphicData uri="http://schemas.openxmlformats.org/drawingml/2006/diagram">
-            <dgm:relIds xmlns:dgm="http://schemas.openxmlformats.org/drawingml/2006/diagram" xmlns:r="http://schemas.openxmlformats.org/officeDocument/2006/relationships" r:dm="rId2" r:lo="rId3" r:qs="rId4" r:cs="rId5"/>
+            <dgm:relIds xmlns:dgm="http://schemas.openxmlformats.org/drawingml/2006/diagram" xmlns:r="http://schemas.openxmlformats.org/officeDocument/2006/relationships" r:dm="rId3" r:lo="rId4" r:qs="rId5" r:cs="rId6"/>
           </a:graphicData>
         </a:graphic>
       </p:graphicFrame>
@@ -17346,7 +18110,7 @@
     </p:spTree>
     <p:extLst>
       <p:ext uri="{BB962C8B-B14F-4D97-AF65-F5344CB8AC3E}">
-        <p14:creationId xmlns:p14="http://schemas.microsoft.com/office/powerpoint/2010/main" val="4226950820"/>
+        <p14:creationId xmlns:p14="http://schemas.microsoft.com/office/powerpoint/2010/main" val="1841508513"/>
       </p:ext>
     </p:extLst>
   </p:cSld>
@@ -17386,7 +18150,7 @@
           <p:nvPr>
             <p:extLst>
               <p:ext uri="{D42A27DB-BD31-4B8C-83A1-F6EECF244321}">
-                <p14:modId xmlns:p14="http://schemas.microsoft.com/office/powerpoint/2010/main" val="913766135"/>
+                <p14:modId xmlns:p14="http://schemas.microsoft.com/office/powerpoint/2010/main" val="3698405517"/>
               </p:ext>
             </p:extLst>
           </p:nvPr>
@@ -17397,7 +18161,7 @@
         </p:xfrm>
         <a:graphic>
           <a:graphicData uri="http://schemas.openxmlformats.org/drawingml/2006/diagram">
-            <dgm:relIds xmlns:dgm="http://schemas.openxmlformats.org/drawingml/2006/diagram" xmlns:r="http://schemas.openxmlformats.org/officeDocument/2006/relationships" r:dm="rId3" r:lo="rId4" r:qs="rId5" r:cs="rId6"/>
+            <dgm:relIds xmlns:dgm="http://schemas.openxmlformats.org/drawingml/2006/diagram" xmlns:r="http://schemas.openxmlformats.org/officeDocument/2006/relationships" r:dm="rId2" r:lo="rId3" r:qs="rId4" r:cs="rId5"/>
           </a:graphicData>
         </a:graphic>
       </p:graphicFrame>
@@ -17581,7 +18345,7 @@
     </p:spTree>
     <p:extLst>
       <p:ext uri="{BB962C8B-B14F-4D97-AF65-F5344CB8AC3E}">
-        <p14:creationId xmlns:p14="http://schemas.microsoft.com/office/powerpoint/2010/main" val="1992574063"/>
+        <p14:creationId xmlns:p14="http://schemas.microsoft.com/office/powerpoint/2010/main" val="2700126106"/>
       </p:ext>
     </p:extLst>
   </p:cSld>
